--- a/lectures/1/1_Introduction to Marketing Research.pptx
+++ b/lectures/1/1_Introduction to Marketing Research.pptx
@@ -18219,7 +18219,7 @@
           <a:p>
             <a:fld id="{73B2889B-A0AC-4482-8592-5C96F2309420}" type="datetimeFigureOut">
               <a:rPr lang="en-US" smtClean="0"/>
-              <a:t>7/3/2021</a:t>
+              <a:t>8/17/2021</a:t>
             </a:fld>
             <a:endParaRPr lang="en-US"/>
           </a:p>
@@ -18396,7 +18396,7 @@
           <a:p>
             <a:fld id="{830EB223-FFC0-462A-A3B8-EAA7CE0F8CBD}" type="datetimeFigureOut">
               <a:rPr lang="en-US" smtClean="0"/>
-              <a:t>7/3/2021</a:t>
+              <a:t>8/17/2021</a:t>
             </a:fld>
             <a:endParaRPr lang="en-US" dirty="0"/>
           </a:p>
@@ -19857,6 +19857,20 @@
           <a:p>
             <a:r>
               <a:rPr lang="en-US" dirty="0"/>
+              <a:t>Since this is my first marketing research class, there might be typos or broken Links or URLs. Please let me know if you can’t access </a:t>
+            </a:r>
+            <a:r>
+              <a:rPr lang="en-US"/>
+              <a:t>the materials. </a:t>
+            </a:r>
+            <a:endParaRPr lang="en-US" dirty="0"/>
+          </a:p>
+          <a:p>
+            <a:endParaRPr lang="en-US" dirty="0"/>
+          </a:p>
+          <a:p>
+            <a:r>
+              <a:rPr lang="en-US" dirty="0"/>
               <a:t>Now, we can go through the syllabus together. </a:t>
             </a:r>
           </a:p>
@@ -20559,7 +20573,7 @@
           <a:p>
             <a:fld id="{8309642E-A968-44B8-ACE3-90EBEDDD398D}" type="datetime1">
               <a:rPr lang="en-US" smtClean="0"/>
-              <a:t>7/3/2021</a:t>
+              <a:t>8/17/2021</a:t>
             </a:fld>
             <a:endParaRPr lang="en-US" dirty="0"/>
           </a:p>
@@ -20761,7 +20775,7 @@
           <a:p>
             <a:fld id="{2C88C5C9-6B9B-4CFA-979A-ECC03C5FF465}" type="datetime1">
               <a:rPr lang="en-US" smtClean="0"/>
-              <a:t>7/3/2021</a:t>
+              <a:t>8/17/2021</a:t>
             </a:fld>
             <a:endParaRPr lang="en-US" dirty="0"/>
           </a:p>
@@ -20973,7 +20987,7 @@
           <a:p>
             <a:fld id="{DC44DC0C-FBF5-4717-92E2-F4E5E6FE63C5}" type="datetime1">
               <a:rPr lang="en-US" smtClean="0"/>
-              <a:t>7/3/2021</a:t>
+              <a:t>8/17/2021</a:t>
             </a:fld>
             <a:endParaRPr lang="en-US" dirty="0"/>
           </a:p>
@@ -21175,7 +21189,7 @@
           <a:p>
             <a:fld id="{F7396869-A527-4DDE-A87F-2FAD93591CD6}" type="datetime1">
               <a:rPr lang="en-US" smtClean="0"/>
-              <a:t>7/3/2021</a:t>
+              <a:t>8/17/2021</a:t>
             </a:fld>
             <a:endParaRPr lang="en-US" dirty="0"/>
           </a:p>
@@ -21454,7 +21468,7 @@
           <a:p>
             <a:fld id="{E0B9E5B0-5213-4A85-8072-65B30E4AAA7C}" type="datetime1">
               <a:rPr lang="en-US" smtClean="0"/>
-              <a:t>7/3/2021</a:t>
+              <a:t>8/17/2021</a:t>
             </a:fld>
             <a:endParaRPr lang="en-US" dirty="0"/>
           </a:p>
@@ -21723,7 +21737,7 @@
           <a:p>
             <a:fld id="{1E1C311C-4227-43C8-B657-7AFFBA651C5D}" type="datetime1">
               <a:rPr lang="en-US" smtClean="0"/>
-              <a:t>7/3/2021</a:t>
+              <a:t>8/17/2021</a:t>
             </a:fld>
             <a:endParaRPr lang="en-US" dirty="0"/>
           </a:p>
@@ -22139,7 +22153,7 @@
           <a:p>
             <a:fld id="{4892BA78-636B-4087-93C1-12DC82F8BA9E}" type="datetime1">
               <a:rPr lang="en-US" smtClean="0"/>
-              <a:t>7/3/2021</a:t>
+              <a:t>8/17/2021</a:t>
             </a:fld>
             <a:endParaRPr lang="en-US" dirty="0"/>
           </a:p>
@@ -22284,7 +22298,7 @@
           <a:p>
             <a:fld id="{62127D47-33AC-4EB8-88BF-73A09525E3C6}" type="datetime1">
               <a:rPr lang="en-US" smtClean="0"/>
-              <a:t>7/3/2021</a:t>
+              <a:t>8/17/2021</a:t>
             </a:fld>
             <a:endParaRPr lang="en-US" dirty="0"/>
           </a:p>
@@ -22401,7 +22415,7 @@
           <a:p>
             <a:fld id="{F67EABE3-FF1B-4439-8181-10F3B1916892}" type="datetime1">
               <a:rPr lang="en-US" smtClean="0"/>
-              <a:t>7/3/2021</a:t>
+              <a:t>8/17/2021</a:t>
             </a:fld>
             <a:endParaRPr lang="en-US" dirty="0"/>
           </a:p>
@@ -22716,7 +22730,7 @@
           <a:p>
             <a:fld id="{E100E4BB-DE2B-43F9-8988-838425CC0DCC}" type="datetime1">
               <a:rPr lang="en-US" smtClean="0"/>
-              <a:t>7/3/2021</a:t>
+              <a:t>8/17/2021</a:t>
             </a:fld>
             <a:endParaRPr lang="en-US" dirty="0"/>
           </a:p>
@@ -23012,7 +23026,7 @@
           <a:p>
             <a:fld id="{F0231CB1-42AC-4A7B-8114-59E8BE22884B}" type="datetime1">
               <a:rPr lang="en-US" smtClean="0"/>
-              <a:t>7/3/2021</a:t>
+              <a:t>8/17/2021</a:t>
             </a:fld>
             <a:endParaRPr lang="en-US" dirty="0"/>
           </a:p>
@@ -23257,7 +23271,7 @@
           <a:p>
             <a:fld id="{840AEFE5-39FE-49F0-BD01-3399A6CA78BB}" type="datetime1">
               <a:rPr lang="en-US" smtClean="0"/>
-              <a:t>7/3/2021</a:t>
+              <a:t>8/17/2021</a:t>
             </a:fld>
             <a:endParaRPr lang="en-US" dirty="0"/>
           </a:p>
@@ -36093,12 +36107,11 @@
 </file>
 
 <file path=customXml/item1.xml><?xml version="1.0" encoding="utf-8"?>
-<?mso-contentType ?>
-<FormTemplates xmlns="http://schemas.microsoft.com/sharepoint/v3/contenttype/forms">
-  <Display>DocumentLibraryForm</Display>
-  <Edit>DocumentLibraryForm</Edit>
-  <New>DocumentLibraryForm</New>
-</FormTemplates>
+<p:properties xmlns:p="http://schemas.microsoft.com/office/2006/metadata/properties" xmlns:xsi="http://www.w3.org/2001/XMLSchema-instance" xmlns:pc="http://schemas.microsoft.com/office/infopath/2007/PartnerControls">
+  <documentManagement>
+    <MediaServiceKeyPoints xmlns="71af3243-3dd4-4a8d-8c0d-dd76da1f02a5" xsi:nil="true"/>
+  </documentManagement>
+</p:properties>
 </file>
 
 <file path=customXml/item2.xml><?xml version="1.0" encoding="utf-8"?>
@@ -36313,17 +36326,20 @@
 </file>
 
 <file path=customXml/item3.xml><?xml version="1.0" encoding="utf-8"?>
-<p:properties xmlns:p="http://schemas.microsoft.com/office/2006/metadata/properties" xmlns:xsi="http://www.w3.org/2001/XMLSchema-instance" xmlns:pc="http://schemas.microsoft.com/office/infopath/2007/PartnerControls">
-  <documentManagement>
-    <MediaServiceKeyPoints xmlns="71af3243-3dd4-4a8d-8c0d-dd76da1f02a5" xsi:nil="true"/>
-  </documentManagement>
-</p:properties>
+<?mso-contentType ?>
+<FormTemplates xmlns="http://schemas.microsoft.com/sharepoint/v3/contenttype/forms">
+  <Display>DocumentLibraryForm</Display>
+  <Edit>DocumentLibraryForm</Edit>
+  <New>DocumentLibraryForm</New>
+</FormTemplates>
 </file>
 
 <file path=customXml/itemProps1.xml><?xml version="1.0" encoding="utf-8"?>
-<ds:datastoreItem xmlns:ds="http://schemas.openxmlformats.org/officeDocument/2006/customXml" ds:itemID="{5CA875DA-F9FD-4F83-A049-3B1027B542DE}">
+<ds:datastoreItem xmlns:ds="http://schemas.openxmlformats.org/officeDocument/2006/customXml" ds:itemID="{03C7D9E6-B0D9-433E-BD46-EB60F64F4DA8}">
   <ds:schemaRefs>
-    <ds:schemaRef ds:uri="http://schemas.microsoft.com/sharepoint/v3/contenttype/forms"/>
+    <ds:schemaRef ds:uri="http://schemas.microsoft.com/office/2006/metadata/properties"/>
+    <ds:schemaRef ds:uri="http://schemas.microsoft.com/office/infopath/2007/PartnerControls"/>
+    <ds:schemaRef ds:uri="71af3243-3dd4-4a8d-8c0d-dd76da1f02a5"/>
   </ds:schemaRefs>
 </ds:datastoreItem>
 </file>
@@ -36348,11 +36364,9 @@
 </file>
 
 <file path=customXml/itemProps3.xml><?xml version="1.0" encoding="utf-8"?>
-<ds:datastoreItem xmlns:ds="http://schemas.openxmlformats.org/officeDocument/2006/customXml" ds:itemID="{03C7D9E6-B0D9-433E-BD46-EB60F64F4DA8}">
+<ds:datastoreItem xmlns:ds="http://schemas.openxmlformats.org/officeDocument/2006/customXml" ds:itemID="{5CA875DA-F9FD-4F83-A049-3B1027B542DE}">
   <ds:schemaRefs>
-    <ds:schemaRef ds:uri="http://schemas.microsoft.com/office/2006/metadata/properties"/>
-    <ds:schemaRef ds:uri="http://schemas.microsoft.com/office/infopath/2007/PartnerControls"/>
-    <ds:schemaRef ds:uri="71af3243-3dd4-4a8d-8c0d-dd76da1f02a5"/>
+    <ds:schemaRef ds:uri="http://schemas.microsoft.com/sharepoint/v3/contenttype/forms"/>
   </ds:schemaRefs>
 </ds:datastoreItem>
 </file>
--- a/lectures/1/1_Introduction to Marketing Research.pptx
+++ b/lectures/1/1_Introduction to Marketing Research.pptx
@@ -5,10 +5,10 @@
     <p:sldMasterId id="2147483648" r:id="rId4"/>
   </p:sldMasterIdLst>
   <p:notesMasterIdLst>
-    <p:notesMasterId r:id="rId24"/>
+    <p:notesMasterId r:id="rId26"/>
   </p:notesMasterIdLst>
   <p:handoutMasterIdLst>
-    <p:handoutMasterId r:id="rId25"/>
+    <p:handoutMasterId r:id="rId27"/>
   </p:handoutMasterIdLst>
   <p:sldIdLst>
     <p:sldId id="256" r:id="rId5"/>
@@ -18,18 +18,20 @@
     <p:sldId id="281" r:id="rId9"/>
     <p:sldId id="283" r:id="rId10"/>
     <p:sldId id="284" r:id="rId11"/>
-    <p:sldId id="285" r:id="rId12"/>
-    <p:sldId id="287" r:id="rId13"/>
-    <p:sldId id="271" r:id="rId14"/>
-    <p:sldId id="280" r:id="rId15"/>
-    <p:sldId id="274" r:id="rId16"/>
-    <p:sldId id="275" r:id="rId17"/>
-    <p:sldId id="273" r:id="rId18"/>
-    <p:sldId id="276" r:id="rId19"/>
-    <p:sldId id="277" r:id="rId20"/>
-    <p:sldId id="278" r:id="rId21"/>
-    <p:sldId id="279" r:id="rId22"/>
-    <p:sldId id="288" r:id="rId23"/>
+    <p:sldId id="290" r:id="rId12"/>
+    <p:sldId id="285" r:id="rId13"/>
+    <p:sldId id="287" r:id="rId14"/>
+    <p:sldId id="271" r:id="rId15"/>
+    <p:sldId id="289" r:id="rId16"/>
+    <p:sldId id="280" r:id="rId17"/>
+    <p:sldId id="274" r:id="rId18"/>
+    <p:sldId id="275" r:id="rId19"/>
+    <p:sldId id="273" r:id="rId20"/>
+    <p:sldId id="276" r:id="rId21"/>
+    <p:sldId id="277" r:id="rId22"/>
+    <p:sldId id="278" r:id="rId23"/>
+    <p:sldId id="279" r:id="rId24"/>
+    <p:sldId id="288" r:id="rId25"/>
   </p:sldIdLst>
   <p:sldSz cx="12192000" cy="6858000"/>
   <p:notesSz cx="6858000" cy="9144000"/>
@@ -7162,8 +7164,8 @@
             </a:lnSpc>
           </a:pPr>
           <a:r>
-            <a:rPr lang="en-US"/>
-            <a:t>Establish market protentional for a new product</a:t>
+            <a:rPr lang="en-US" dirty="0"/>
+            <a:t>Establish market potential for a new product</a:t>
           </a:r>
         </a:p>
       </dgm:t>
@@ -9936,8 +9938,8 @@
             <a:buNone/>
           </a:pPr>
           <a:r>
-            <a:rPr lang="en-US" sz="2200" kern="1200"/>
-            <a:t>Establish market protentional for a new product</a:t>
+            <a:rPr lang="en-US" sz="2200" kern="1200" dirty="0"/>
+            <a:t>Establish market potential for a new product</a:t>
           </a:r>
         </a:p>
       </dsp:txBody>
@@ -18219,7 +18221,7 @@
           <a:p>
             <a:fld id="{73B2889B-A0AC-4482-8592-5C96F2309420}" type="datetimeFigureOut">
               <a:rPr lang="en-US" smtClean="0"/>
-              <a:t>8/17/2021</a:t>
+              <a:t>8/18/2021</a:t>
             </a:fld>
             <a:endParaRPr lang="en-US"/>
           </a:p>
@@ -18396,7 +18398,7 @@
           <a:p>
             <a:fld id="{830EB223-FFC0-462A-A3B8-EAA7CE0F8CBD}" type="datetimeFigureOut">
               <a:rPr lang="en-US" smtClean="0"/>
-              <a:t>8/17/2021</a:t>
+              <a:t>8/18/2021</a:t>
             </a:fld>
             <a:endParaRPr lang="en-US" dirty="0"/>
           </a:p>
@@ -18796,6 +18798,102 @@
           <a:p>
             <a:r>
               <a:rPr lang="en-US" dirty="0"/>
+              <a:t>Another definition that I like better is: </a:t>
+            </a:r>
+          </a:p>
+          <a:p>
+            <a:endParaRPr lang="en-US" dirty="0"/>
+          </a:p>
+          <a:p>
+            <a:r>
+              <a:rPr lang="en-US" dirty="0"/>
+              <a:t>Design: specific questions to be answered</a:t>
+            </a:r>
+          </a:p>
+        </p:txBody>
+      </p:sp>
+      <p:sp>
+        <p:nvSpPr>
+          <p:cNvPr id="4" name="Slide Number Placeholder 3"/>
+          <p:cNvSpPr>
+            <a:spLocks noGrp="1"/>
+          </p:cNvSpPr>
+          <p:nvPr>
+            <p:ph type="sldNum" sz="quarter" idx="5"/>
+          </p:nvPr>
+        </p:nvSpPr>
+        <p:spPr/>
+        <p:txBody>
+          <a:bodyPr/>
+          <a:lstStyle/>
+          <a:p>
+            <a:fld id="{BC849E9A-41F7-4779-A581-48A7C374A227}" type="slidenum">
+              <a:rPr lang="en-US" smtClean="0"/>
+              <a:t>14</a:t>
+            </a:fld>
+            <a:endParaRPr lang="en-US" dirty="0"/>
+          </a:p>
+        </p:txBody>
+      </p:sp>
+    </p:spTree>
+    <p:extLst>
+      <p:ext uri="{BB962C8B-B14F-4D97-AF65-F5344CB8AC3E}">
+        <p14:creationId xmlns:p14="http://schemas.microsoft.com/office/powerpoint/2010/main" val="1558364808"/>
+      </p:ext>
+    </p:extLst>
+  </p:cSld>
+  <p:clrMapOvr>
+    <a:masterClrMapping/>
+  </p:clrMapOvr>
+</p:notes>
+</file>
+
+<file path=ppt/notesSlides/notesSlide11.xml><?xml version="1.0" encoding="utf-8"?>
+<p:notes xmlns:a="http://schemas.openxmlformats.org/drawingml/2006/main" xmlns:r="http://schemas.openxmlformats.org/officeDocument/2006/relationships" xmlns:p="http://schemas.openxmlformats.org/presentationml/2006/main">
+  <p:cSld>
+    <p:spTree>
+      <p:nvGrpSpPr>
+        <p:cNvPr id="1" name=""/>
+        <p:cNvGrpSpPr/>
+        <p:nvPr/>
+      </p:nvGrpSpPr>
+      <p:grpSpPr>
+        <a:xfrm>
+          <a:off x="0" y="0"/>
+          <a:ext cx="0" cy="0"/>
+          <a:chOff x="0" y="0"/>
+          <a:chExt cx="0" cy="0"/>
+        </a:xfrm>
+      </p:grpSpPr>
+      <p:sp>
+        <p:nvSpPr>
+          <p:cNvPr id="2" name="Slide Image Placeholder 1"/>
+          <p:cNvSpPr>
+            <a:spLocks noGrp="1" noRot="1" noChangeAspect="1"/>
+          </p:cNvSpPr>
+          <p:nvPr>
+            <p:ph type="sldImg"/>
+          </p:nvPr>
+        </p:nvSpPr>
+        <p:spPr/>
+      </p:sp>
+      <p:sp>
+        <p:nvSpPr>
+          <p:cNvPr id="3" name="Notes Placeholder 2"/>
+          <p:cNvSpPr>
+            <a:spLocks noGrp="1"/>
+          </p:cNvSpPr>
+          <p:nvPr>
+            <p:ph type="body" idx="1"/>
+          </p:nvPr>
+        </p:nvSpPr>
+        <p:spPr/>
+        <p:txBody>
+          <a:bodyPr/>
+          <a:lstStyle/>
+          <a:p>
+            <a:r>
+              <a:rPr lang="en-US" dirty="0"/>
               <a:t>Marketing is involved the following process</a:t>
             </a:r>
           </a:p>
@@ -18860,7 +18958,7 @@
           <a:p>
             <a:fld id="{BC849E9A-41F7-4779-A581-48A7C374A227}" type="slidenum">
               <a:rPr lang="en-US" smtClean="0"/>
-              <a:t>13</a:t>
+              <a:t>15</a:t>
             </a:fld>
             <a:endParaRPr lang="en-US" dirty="0"/>
           </a:p>
@@ -18879,7 +18977,7 @@
 </p:notes>
 </file>
 
-<file path=ppt/notesSlides/notesSlide11.xml><?xml version="1.0" encoding="utf-8"?>
+<file path=ppt/notesSlides/notesSlide12.xml><?xml version="1.0" encoding="utf-8"?>
 <p:notes xmlns:a="http://schemas.openxmlformats.org/drawingml/2006/main" xmlns:r="http://schemas.openxmlformats.org/officeDocument/2006/relationships" xmlns:p="http://schemas.openxmlformats.org/presentationml/2006/main">
   <p:cSld>
     <p:spTree>
@@ -18950,7 +19048,7 @@
           <a:p>
             <a:fld id="{BC849E9A-41F7-4779-A581-48A7C374A227}" type="slidenum">
               <a:rPr lang="en-US" smtClean="0"/>
-              <a:t>14</a:t>
+              <a:t>16</a:t>
             </a:fld>
             <a:endParaRPr lang="en-US" dirty="0"/>
           </a:p>
@@ -18969,7 +19067,7 @@
 </p:notes>
 </file>
 
-<file path=ppt/notesSlides/notesSlide12.xml><?xml version="1.0" encoding="utf-8"?>
+<file path=ppt/notesSlides/notesSlide13.xml><?xml version="1.0" encoding="utf-8"?>
 <p:notes xmlns:a="http://schemas.openxmlformats.org/drawingml/2006/main" xmlns:r="http://schemas.openxmlformats.org/officeDocument/2006/relationships" xmlns:p="http://schemas.openxmlformats.org/presentationml/2006/main">
   <p:cSld>
     <p:spTree>
@@ -19077,6 +19175,18 @@
             <a:endParaRPr lang="en-US" dirty="0"/>
           </a:p>
           <a:p>
+            <a:r>
+              <a:rPr lang="en-US" dirty="0" err="1"/>
+              <a:t>Iclicker</a:t>
+            </a:r>
+            <a:r>
+              <a:rPr lang="en-US" dirty="0"/>
+              <a:t> </a:t>
+            </a:r>
+            <a:r>
+              <a:rPr lang="en-US" dirty="0" err="1"/>
+              <a:t>quesitons</a:t>
+            </a:r>
             <a:endParaRPr lang="en-US" dirty="0"/>
           </a:p>
         </p:txBody>
@@ -19098,7 +19208,7 @@
           <a:p>
             <a:fld id="{BC849E9A-41F7-4779-A581-48A7C374A227}" type="slidenum">
               <a:rPr lang="en-US" smtClean="0"/>
-              <a:t>15</a:t>
+              <a:t>17</a:t>
             </a:fld>
             <a:endParaRPr lang="en-US" dirty="0"/>
           </a:p>
@@ -19117,7 +19227,7 @@
 </p:notes>
 </file>
 
-<file path=ppt/notesSlides/notesSlide13.xml><?xml version="1.0" encoding="utf-8"?>
+<file path=ppt/notesSlides/notesSlide14.xml><?xml version="1.0" encoding="utf-8"?>
 <p:notes xmlns:a="http://schemas.openxmlformats.org/drawingml/2006/main" xmlns:r="http://schemas.openxmlformats.org/officeDocument/2006/relationships" xmlns:p="http://schemas.openxmlformats.org/presentationml/2006/main">
   <p:cSld>
     <p:spTree>
@@ -19197,7 +19307,7 @@
           <a:p>
             <a:fld id="{BC849E9A-41F7-4779-A581-48A7C374A227}" type="slidenum">
               <a:rPr lang="en-US" smtClean="0"/>
-              <a:t>16</a:t>
+              <a:t>18</a:t>
             </a:fld>
             <a:endParaRPr lang="en-US" dirty="0"/>
           </a:p>
@@ -19216,7 +19326,7 @@
 </p:notes>
 </file>
 
-<file path=ppt/notesSlides/notesSlide14.xml><?xml version="1.0" encoding="utf-8"?>
+<file path=ppt/notesSlides/notesSlide15.xml><?xml version="1.0" encoding="utf-8"?>
 <p:notes xmlns:a="http://schemas.openxmlformats.org/drawingml/2006/main" xmlns:r="http://schemas.openxmlformats.org/officeDocument/2006/relationships" xmlns:p="http://schemas.openxmlformats.org/presentationml/2006/main">
   <p:cSld>
     <p:spTree>
@@ -19339,7 +19449,7 @@
           <a:p>
             <a:fld id="{BC849E9A-41F7-4779-A581-48A7C374A227}" type="slidenum">
               <a:rPr lang="en-US" smtClean="0"/>
-              <a:t>19</a:t>
+              <a:t>21</a:t>
             </a:fld>
             <a:endParaRPr lang="en-US" dirty="0"/>
           </a:p>
@@ -19704,7 +19814,7 @@
             </a:pPr>
             <a:r>
               <a:rPr lang="en-US" dirty="0"/>
-              <a:t>But we are all in this together. And I will try to make the class as interesting as possible. I hope you won’t take this hour against me. It’s not you guys against me for making you do stuff at this time, but we are all together against this unpleasant hour. </a:t>
+              <a:t>But we are all in this together. And I will try to make the class as interesting as possible. I hope you won’t take this hour against me, but we are all together against this unpleasant hour. </a:t>
             </a:r>
           </a:p>
           <a:p>
@@ -19848,22 +19958,8 @@
           <a:p>
             <a:r>
               <a:rPr lang="en-US" dirty="0"/>
-              <a:t>The two are equivalent</a:t>
+              <a:t>Since this is my first marketing research class, there might be typos or broken Links or URLs. Please let me know if you can’t access the materials. </a:t>
             </a:r>
-          </a:p>
-          <a:p>
-            <a:endParaRPr lang="en-US" dirty="0"/>
-          </a:p>
-          <a:p>
-            <a:r>
-              <a:rPr lang="en-US" dirty="0"/>
-              <a:t>Since this is my first marketing research class, there might be typos or broken Links or URLs. Please let me know if you can’t access </a:t>
-            </a:r>
-            <a:r>
-              <a:rPr lang="en-US"/>
-              <a:t>the materials. </a:t>
-            </a:r>
-            <a:endParaRPr lang="en-US" dirty="0"/>
           </a:p>
           <a:p>
             <a:endParaRPr lang="en-US" dirty="0"/>
@@ -19877,7 +19973,7 @@
           <a:p>
             <a:r>
               <a:rPr lang="en-US" dirty="0"/>
-              <a:t>You can opt out if you want to because I will not require any online assignment from Cengage. All tests and quizzes will be on Canvas. </a:t>
+              <a:t>All tests and quizzes will be on Canvas. </a:t>
             </a:r>
           </a:p>
         </p:txBody>
@@ -20147,22 +20243,7 @@
           <a:p>
             <a:r>
               <a:rPr lang="en-US" dirty="0"/>
-              <a:t>This section is the most exciting part for me in this class. </a:t>
-            </a:r>
-          </a:p>
-          <a:p>
-            <a:r>
-              <a:rPr lang="en-US" dirty="0"/>
-              <a:t>I call this 5 mins snippet which basically means that at the end of every class about 5 minutes I will show you some of the most interesting (at least in my opinion) and state-of-the-art research methods in marketing and in various social science disciplines. Since I cannot teach you guys this materials formally and have to adhere strictly to the marketing research textbook. This is my way to rebel.  However, I do understand the reason that our program requires you guys learn the basic (bread and butter) of marketing research. But since this is the only marketing research you’re required to take before graduation, I don’t think you have a chance to learn more methods. Hence, I hope at least I can introduce that there are more out there that you can learn to be a competitive on the job market. </a:t>
-            </a:r>
-          </a:p>
-          <a:p>
-            <a:endParaRPr lang="en-US" dirty="0"/>
-          </a:p>
-          <a:p>
-            <a:r>
-              <a:rPr lang="en-US" dirty="0"/>
-              <a:t>And if you can have any new name for this section, I’d love to hear it. Later you will have a taste of what this section is. </a:t>
+              <a:t>Please remember to read up on the chapter materials. Since I only cover the section that I find most important in class, I expect you to read or at least skim the materials, because the quizzes are based on both in-class and chapter materials. </a:t>
             </a:r>
           </a:p>
         </p:txBody>
@@ -20184,7 +20265,115 @@
           <a:p>
             <a:fld id="{BC849E9A-41F7-4779-A581-48A7C374A227}" type="slidenum">
               <a:rPr lang="en-US" smtClean="0"/>
-              <a:t>9</a:t>
+              <a:t>8</a:t>
+            </a:fld>
+            <a:endParaRPr lang="en-US" dirty="0"/>
+          </a:p>
+        </p:txBody>
+      </p:sp>
+    </p:spTree>
+    <p:extLst>
+      <p:ext uri="{BB962C8B-B14F-4D97-AF65-F5344CB8AC3E}">
+        <p14:creationId xmlns:p14="http://schemas.microsoft.com/office/powerpoint/2010/main" val="4258910259"/>
+      </p:ext>
+    </p:extLst>
+  </p:cSld>
+  <p:clrMapOvr>
+    <a:masterClrMapping/>
+  </p:clrMapOvr>
+</p:notes>
+</file>
+
+<file path=ppt/notesSlides/notesSlide8.xml><?xml version="1.0" encoding="utf-8"?>
+<p:notes xmlns:a="http://schemas.openxmlformats.org/drawingml/2006/main" xmlns:r="http://schemas.openxmlformats.org/officeDocument/2006/relationships" xmlns:p="http://schemas.openxmlformats.org/presentationml/2006/main">
+  <p:cSld>
+    <p:spTree>
+      <p:nvGrpSpPr>
+        <p:cNvPr id="1" name=""/>
+        <p:cNvGrpSpPr/>
+        <p:nvPr/>
+      </p:nvGrpSpPr>
+      <p:grpSpPr>
+        <a:xfrm>
+          <a:off x="0" y="0"/>
+          <a:ext cx="0" cy="0"/>
+          <a:chOff x="0" y="0"/>
+          <a:chExt cx="0" cy="0"/>
+        </a:xfrm>
+      </p:grpSpPr>
+      <p:sp>
+        <p:nvSpPr>
+          <p:cNvPr id="2" name="Slide Image Placeholder 1"/>
+          <p:cNvSpPr>
+            <a:spLocks noGrp="1" noRot="1" noChangeAspect="1"/>
+          </p:cNvSpPr>
+          <p:nvPr>
+            <p:ph type="sldImg"/>
+          </p:nvPr>
+        </p:nvSpPr>
+        <p:spPr/>
+      </p:sp>
+      <p:sp>
+        <p:nvSpPr>
+          <p:cNvPr id="3" name="Notes Placeholder 2"/>
+          <p:cNvSpPr>
+            <a:spLocks noGrp="1"/>
+          </p:cNvSpPr>
+          <p:nvPr>
+            <p:ph type="body" idx="1"/>
+          </p:nvPr>
+        </p:nvSpPr>
+        <p:spPr/>
+        <p:txBody>
+          <a:bodyPr/>
+          <a:lstStyle/>
+          <a:p>
+            <a:r>
+              <a:rPr lang="en-US" dirty="0"/>
+              <a:t>This section is the most exciting part for me in this class. </a:t>
+            </a:r>
+          </a:p>
+          <a:p>
+            <a:r>
+              <a:rPr lang="en-US" dirty="0"/>
+              <a:t>I call this 5 min snippet which basically means that at the end of every class about 5 minutes I will show you some of the most interesting (at least in my opinion) and state-of-the-art research methods in marketing and in various social science disciplines. Since I cannot teach you guys these materials formally and have to adhere strictly to the marketing research textbook. This is my way to rebel.  However, I do understand the reason that our program requires you guys learn the basic (bread and butter) of marketing research. But since this is the only marketing research you’re required to take before graduation, I don’t think you have a chance to learn more methods. Hence, I hope at least I can introduce that there are more out there that you can learn to be more competitive on the job market. </a:t>
+            </a:r>
+          </a:p>
+          <a:p>
+            <a:endParaRPr lang="en-US" dirty="0"/>
+          </a:p>
+          <a:p>
+            <a:r>
+              <a:rPr lang="en-US" dirty="0"/>
+              <a:t>And if you can have any new name for this section, I’d love to hear it. </a:t>
+            </a:r>
+          </a:p>
+          <a:p>
+            <a:r>
+              <a:rPr lang="en-US" dirty="0"/>
+              <a:t>Later you will have a taste of what this section is all about</a:t>
+            </a:r>
+          </a:p>
+        </p:txBody>
+      </p:sp>
+      <p:sp>
+        <p:nvSpPr>
+          <p:cNvPr id="4" name="Slide Number Placeholder 3"/>
+          <p:cNvSpPr>
+            <a:spLocks noGrp="1"/>
+          </p:cNvSpPr>
+          <p:nvPr>
+            <p:ph type="sldNum" sz="quarter" idx="5"/>
+          </p:nvPr>
+        </p:nvSpPr>
+        <p:spPr/>
+        <p:txBody>
+          <a:bodyPr/>
+          <a:lstStyle/>
+          <a:p>
+            <a:fld id="{BC849E9A-41F7-4779-A581-48A7C374A227}" type="slidenum">
+              <a:rPr lang="en-US" smtClean="0"/>
+              <a:t>10</a:t>
             </a:fld>
             <a:endParaRPr lang="en-US" dirty="0"/>
           </a:p>
@@ -20203,7 +20392,7 @@
 </p:notes>
 </file>
 
-<file path=ppt/notesSlides/notesSlide8.xml><?xml version="1.0" encoding="utf-8"?>
+<file path=ppt/notesSlides/notesSlide9.xml><?xml version="1.0" encoding="utf-8"?>
 <p:notes xmlns:a="http://schemas.openxmlformats.org/drawingml/2006/main" xmlns:r="http://schemas.openxmlformats.org/officeDocument/2006/relationships" xmlns:p="http://schemas.openxmlformats.org/presentationml/2006/main">
   <p:cSld>
     <p:spTree>
@@ -20311,7 +20500,7 @@
           <a:p>
             <a:fld id="{BC849E9A-41F7-4779-A581-48A7C374A227}" type="slidenum">
               <a:rPr lang="en-US" smtClean="0"/>
-              <a:t>11</a:t>
+              <a:t>13</a:t>
             </a:fld>
             <a:endParaRPr lang="en-US" dirty="0"/>
           </a:p>
@@ -20321,102 +20510,6 @@
     <p:extLst>
       <p:ext uri="{BB962C8B-B14F-4D97-AF65-F5344CB8AC3E}">
         <p14:creationId xmlns:p14="http://schemas.microsoft.com/office/powerpoint/2010/main" val="240204854"/>
-      </p:ext>
-    </p:extLst>
-  </p:cSld>
-  <p:clrMapOvr>
-    <a:masterClrMapping/>
-  </p:clrMapOvr>
-</p:notes>
-</file>
-
-<file path=ppt/notesSlides/notesSlide9.xml><?xml version="1.0" encoding="utf-8"?>
-<p:notes xmlns:a="http://schemas.openxmlformats.org/drawingml/2006/main" xmlns:r="http://schemas.openxmlformats.org/officeDocument/2006/relationships" xmlns:p="http://schemas.openxmlformats.org/presentationml/2006/main">
-  <p:cSld>
-    <p:spTree>
-      <p:nvGrpSpPr>
-        <p:cNvPr id="1" name=""/>
-        <p:cNvGrpSpPr/>
-        <p:nvPr/>
-      </p:nvGrpSpPr>
-      <p:grpSpPr>
-        <a:xfrm>
-          <a:off x="0" y="0"/>
-          <a:ext cx="0" cy="0"/>
-          <a:chOff x="0" y="0"/>
-          <a:chExt cx="0" cy="0"/>
-        </a:xfrm>
-      </p:grpSpPr>
-      <p:sp>
-        <p:nvSpPr>
-          <p:cNvPr id="2" name="Slide Image Placeholder 1"/>
-          <p:cNvSpPr>
-            <a:spLocks noGrp="1" noRot="1" noChangeAspect="1"/>
-          </p:cNvSpPr>
-          <p:nvPr>
-            <p:ph type="sldImg"/>
-          </p:nvPr>
-        </p:nvSpPr>
-        <p:spPr/>
-      </p:sp>
-      <p:sp>
-        <p:nvSpPr>
-          <p:cNvPr id="3" name="Notes Placeholder 2"/>
-          <p:cNvSpPr>
-            <a:spLocks noGrp="1"/>
-          </p:cNvSpPr>
-          <p:nvPr>
-            <p:ph type="body" idx="1"/>
-          </p:nvPr>
-        </p:nvSpPr>
-        <p:spPr/>
-        <p:txBody>
-          <a:bodyPr/>
-          <a:lstStyle/>
-          <a:p>
-            <a:r>
-              <a:rPr lang="en-US" dirty="0"/>
-              <a:t>Another definition that I like better is: </a:t>
-            </a:r>
-          </a:p>
-          <a:p>
-            <a:endParaRPr lang="en-US" dirty="0"/>
-          </a:p>
-          <a:p>
-            <a:r>
-              <a:rPr lang="en-US" dirty="0"/>
-              <a:t>Design: specific questions to be answered</a:t>
-            </a:r>
-          </a:p>
-        </p:txBody>
-      </p:sp>
-      <p:sp>
-        <p:nvSpPr>
-          <p:cNvPr id="4" name="Slide Number Placeholder 3"/>
-          <p:cNvSpPr>
-            <a:spLocks noGrp="1"/>
-          </p:cNvSpPr>
-          <p:nvPr>
-            <p:ph type="sldNum" sz="quarter" idx="5"/>
-          </p:nvPr>
-        </p:nvSpPr>
-        <p:spPr/>
-        <p:txBody>
-          <a:bodyPr/>
-          <a:lstStyle/>
-          <a:p>
-            <a:fld id="{BC849E9A-41F7-4779-A581-48A7C374A227}" type="slidenum">
-              <a:rPr lang="en-US" smtClean="0"/>
-              <a:t>12</a:t>
-            </a:fld>
-            <a:endParaRPr lang="en-US" dirty="0"/>
-          </a:p>
-        </p:txBody>
-      </p:sp>
-    </p:spTree>
-    <p:extLst>
-      <p:ext uri="{BB962C8B-B14F-4D97-AF65-F5344CB8AC3E}">
-        <p14:creationId xmlns:p14="http://schemas.microsoft.com/office/powerpoint/2010/main" val="1558364808"/>
       </p:ext>
     </p:extLst>
   </p:cSld>
@@ -20573,7 +20666,7 @@
           <a:p>
             <a:fld id="{8309642E-A968-44B8-ACE3-90EBEDDD398D}" type="datetime1">
               <a:rPr lang="en-US" smtClean="0"/>
-              <a:t>8/17/2021</a:t>
+              <a:t>8/18/2021</a:t>
             </a:fld>
             <a:endParaRPr lang="en-US" dirty="0"/>
           </a:p>
@@ -20775,7 +20868,7 @@
           <a:p>
             <a:fld id="{2C88C5C9-6B9B-4CFA-979A-ECC03C5FF465}" type="datetime1">
               <a:rPr lang="en-US" smtClean="0"/>
-              <a:t>8/17/2021</a:t>
+              <a:t>8/18/2021</a:t>
             </a:fld>
             <a:endParaRPr lang="en-US" dirty="0"/>
           </a:p>
@@ -20987,7 +21080,7 @@
           <a:p>
             <a:fld id="{DC44DC0C-FBF5-4717-92E2-F4E5E6FE63C5}" type="datetime1">
               <a:rPr lang="en-US" smtClean="0"/>
-              <a:t>8/17/2021</a:t>
+              <a:t>8/18/2021</a:t>
             </a:fld>
             <a:endParaRPr lang="en-US" dirty="0"/>
           </a:p>
@@ -21189,7 +21282,7 @@
           <a:p>
             <a:fld id="{F7396869-A527-4DDE-A87F-2FAD93591CD6}" type="datetime1">
               <a:rPr lang="en-US" smtClean="0"/>
-              <a:t>8/17/2021</a:t>
+              <a:t>8/18/2021</a:t>
             </a:fld>
             <a:endParaRPr lang="en-US" dirty="0"/>
           </a:p>
@@ -21468,7 +21561,7 @@
           <a:p>
             <a:fld id="{E0B9E5B0-5213-4A85-8072-65B30E4AAA7C}" type="datetime1">
               <a:rPr lang="en-US" smtClean="0"/>
-              <a:t>8/17/2021</a:t>
+              <a:t>8/18/2021</a:t>
             </a:fld>
             <a:endParaRPr lang="en-US" dirty="0"/>
           </a:p>
@@ -21737,7 +21830,7 @@
           <a:p>
             <a:fld id="{1E1C311C-4227-43C8-B657-7AFFBA651C5D}" type="datetime1">
               <a:rPr lang="en-US" smtClean="0"/>
-              <a:t>8/17/2021</a:t>
+              <a:t>8/18/2021</a:t>
             </a:fld>
             <a:endParaRPr lang="en-US" dirty="0"/>
           </a:p>
@@ -22153,7 +22246,7 @@
           <a:p>
             <a:fld id="{4892BA78-636B-4087-93C1-12DC82F8BA9E}" type="datetime1">
               <a:rPr lang="en-US" smtClean="0"/>
-              <a:t>8/17/2021</a:t>
+              <a:t>8/18/2021</a:t>
             </a:fld>
             <a:endParaRPr lang="en-US" dirty="0"/>
           </a:p>
@@ -22298,7 +22391,7 @@
           <a:p>
             <a:fld id="{62127D47-33AC-4EB8-88BF-73A09525E3C6}" type="datetime1">
               <a:rPr lang="en-US" smtClean="0"/>
-              <a:t>8/17/2021</a:t>
+              <a:t>8/18/2021</a:t>
             </a:fld>
             <a:endParaRPr lang="en-US" dirty="0"/>
           </a:p>
@@ -22415,7 +22508,7 @@
           <a:p>
             <a:fld id="{F67EABE3-FF1B-4439-8181-10F3B1916892}" type="datetime1">
               <a:rPr lang="en-US" smtClean="0"/>
-              <a:t>8/17/2021</a:t>
+              <a:t>8/18/2021</a:t>
             </a:fld>
             <a:endParaRPr lang="en-US" dirty="0"/>
           </a:p>
@@ -22730,7 +22823,7 @@
           <a:p>
             <a:fld id="{E100E4BB-DE2B-43F9-8988-838425CC0DCC}" type="datetime1">
               <a:rPr lang="en-US" smtClean="0"/>
-              <a:t>8/17/2021</a:t>
+              <a:t>8/18/2021</a:t>
             </a:fld>
             <a:endParaRPr lang="en-US" dirty="0"/>
           </a:p>
@@ -23026,7 +23119,7 @@
           <a:p>
             <a:fld id="{F0231CB1-42AC-4A7B-8114-59E8BE22884B}" type="datetime1">
               <a:rPr lang="en-US" smtClean="0"/>
-              <a:t>8/17/2021</a:t>
+              <a:t>8/18/2021</a:t>
             </a:fld>
             <a:endParaRPr lang="en-US" dirty="0"/>
           </a:p>
@@ -23271,7 +23364,7 @@
           <a:p>
             <a:fld id="{840AEFE5-39FE-49F0-BD01-3399A6CA78BB}" type="datetime1">
               <a:rPr lang="en-US" smtClean="0"/>
-              <a:t>8/17/2021</a:t>
+              <a:t>8/18/2021</a:t>
             </a:fld>
             <a:endParaRPr lang="en-US" dirty="0"/>
           </a:p>
@@ -25316,6 +25409,523 @@
       </p:grpSpPr>
       <p:sp>
         <p:nvSpPr>
+          <p:cNvPr id="11" name="Rectangle 10">
+            <a:extLst>
+              <a:ext uri="{FF2B5EF4-FFF2-40B4-BE49-F238E27FC236}">
+                <a16:creationId xmlns:a16="http://schemas.microsoft.com/office/drawing/2014/main" id="{2B566528-1B12-4246-9431-5C2D7D081168}"/>
+              </a:ext>
+              <a:ext uri="{C183D7F6-B498-43B3-948B-1728B52AA6E4}">
+                <adec:decorative xmlns:adec="http://schemas.microsoft.com/office/drawing/2017/decorative" val="1"/>
+              </a:ext>
+            </a:extLst>
+          </p:cNvPr>
+          <p:cNvSpPr>
+            <a:spLocks noGrp="1" noRot="1" noChangeAspect="1" noMove="1" noResize="1" noEditPoints="1" noAdjustHandles="1" noChangeArrowheads="1" noChangeShapeType="1" noTextEdit="1"/>
+          </p:cNvSpPr>
+          <p:nvPr>
+            <p:extLst>
+              <p:ext uri="{386F3935-93C4-4BCD-93E2-E3B085C9AB24}">
+                <p16:designElem xmlns:p16="http://schemas.microsoft.com/office/powerpoint/2015/main" val="1"/>
+              </p:ext>
+            </p:extLst>
+          </p:nvPr>
+        </p:nvSpPr>
+        <p:spPr>
+          <a:xfrm>
+            <a:off x="0" y="0"/>
+            <a:ext cx="12192000" cy="6858000"/>
+          </a:xfrm>
+          <a:prstGeom prst="rect">
+            <a:avLst/>
+          </a:prstGeom>
+          <a:solidFill>
+            <a:schemeClr val="bg1"/>
+          </a:solidFill>
+          <a:ln>
+            <a:noFill/>
+          </a:ln>
+        </p:spPr>
+        <p:style>
+          <a:lnRef idx="2">
+            <a:schemeClr val="accent1">
+              <a:shade val="50000"/>
+            </a:schemeClr>
+          </a:lnRef>
+          <a:fillRef idx="1">
+            <a:schemeClr val="accent1"/>
+          </a:fillRef>
+          <a:effectRef idx="0">
+            <a:schemeClr val="accent1"/>
+          </a:effectRef>
+          <a:fontRef idx="minor">
+            <a:schemeClr val="lt1"/>
+          </a:fontRef>
+        </p:style>
+        <p:txBody>
+          <a:bodyPr rtlCol="0" anchor="ctr"/>
+          <a:lstStyle/>
+          <a:p>
+            <a:pPr algn="ctr"/>
+            <a:endParaRPr lang="en-US" dirty="0"/>
+          </a:p>
+        </p:txBody>
+      </p:sp>
+      <p:sp>
+        <p:nvSpPr>
+          <p:cNvPr id="2" name="Title 1">
+            <a:extLst>
+              <a:ext uri="{FF2B5EF4-FFF2-40B4-BE49-F238E27FC236}">
+                <a16:creationId xmlns:a16="http://schemas.microsoft.com/office/drawing/2014/main" id="{78E97DE9-319D-40BF-9E43-7CDE6DEDFFB0}"/>
+              </a:ext>
+            </a:extLst>
+          </p:cNvPr>
+          <p:cNvSpPr>
+            <a:spLocks noGrp="1"/>
+          </p:cNvSpPr>
+          <p:nvPr>
+            <p:ph type="title"/>
+          </p:nvPr>
+        </p:nvSpPr>
+        <p:spPr>
+          <a:xfrm>
+            <a:off x="643467" y="321734"/>
+            <a:ext cx="10905066" cy="1135737"/>
+          </a:xfrm>
+        </p:spPr>
+        <p:txBody>
+          <a:bodyPr>
+            <a:normAutofit/>
+          </a:bodyPr>
+          <a:lstStyle/>
+          <a:p>
+            <a:r>
+              <a:rPr lang="en-US" sz="3600"/>
+              <a:t>5-min Snippet</a:t>
+            </a:r>
+          </a:p>
+        </p:txBody>
+      </p:sp>
+      <p:sp>
+        <p:nvSpPr>
+          <p:cNvPr id="13" name="Rectangle 12">
+            <a:extLst>
+              <a:ext uri="{FF2B5EF4-FFF2-40B4-BE49-F238E27FC236}">
+                <a16:creationId xmlns:a16="http://schemas.microsoft.com/office/drawing/2014/main" id="{2E80C965-DB6D-4F81-9E9E-B027384D0BD6}"/>
+              </a:ext>
+              <a:ext uri="{C183D7F6-B498-43B3-948B-1728B52AA6E4}">
+                <adec:decorative xmlns:adec="http://schemas.microsoft.com/office/drawing/2017/decorative" val="1"/>
+              </a:ext>
+            </a:extLst>
+          </p:cNvPr>
+          <p:cNvSpPr>
+            <a:spLocks noGrp="1" noRot="1" noChangeAspect="1" noMove="1" noResize="1" noEditPoints="1" noAdjustHandles="1" noChangeArrowheads="1" noChangeShapeType="1" noTextEdit="1"/>
+          </p:cNvSpPr>
+          <p:nvPr>
+            <p:extLst>
+              <p:ext uri="{386F3935-93C4-4BCD-93E2-E3B085C9AB24}">
+                <p16:designElem xmlns:p16="http://schemas.microsoft.com/office/powerpoint/2015/main" val="1"/>
+              </p:ext>
+            </p:extLst>
+          </p:nvPr>
+        </p:nvSpPr>
+        <p:spPr>
+          <a:xfrm rot="2700000">
+            <a:off x="11052629" y="2120024"/>
+            <a:ext cx="645368" cy="645368"/>
+          </a:xfrm>
+          <a:prstGeom prst="rect">
+            <a:avLst/>
+          </a:prstGeom>
+          <a:solidFill>
+            <a:schemeClr val="accent4">
+              <a:alpha val="30000"/>
+            </a:schemeClr>
+          </a:solidFill>
+          <a:ln>
+            <a:noFill/>
+          </a:ln>
+        </p:spPr>
+        <p:style>
+          <a:lnRef idx="2">
+            <a:schemeClr val="accent1">
+              <a:shade val="50000"/>
+            </a:schemeClr>
+          </a:lnRef>
+          <a:fillRef idx="1">
+            <a:schemeClr val="accent1"/>
+          </a:fillRef>
+          <a:effectRef idx="0">
+            <a:schemeClr val="accent1"/>
+          </a:effectRef>
+          <a:fontRef idx="minor">
+            <a:schemeClr val="lt1"/>
+          </a:fontRef>
+        </p:style>
+        <p:txBody>
+          <a:bodyPr rtlCol="0" anchor="ctr"/>
+          <a:lstStyle/>
+          <a:p>
+            <a:pPr algn="ctr"/>
+            <a:endParaRPr lang="en-US"/>
+          </a:p>
+        </p:txBody>
+      </p:sp>
+      <p:sp>
+        <p:nvSpPr>
+          <p:cNvPr id="15" name="Isosceles Triangle 14">
+            <a:extLst>
+              <a:ext uri="{FF2B5EF4-FFF2-40B4-BE49-F238E27FC236}">
+                <a16:creationId xmlns:a16="http://schemas.microsoft.com/office/drawing/2014/main" id="{A580F890-B085-4E95-96AA-55AEBEC5CE6E}"/>
+              </a:ext>
+              <a:ext uri="{C183D7F6-B498-43B3-948B-1728B52AA6E4}">
+                <adec:decorative xmlns:adec="http://schemas.microsoft.com/office/drawing/2017/decorative" val="1"/>
+              </a:ext>
+            </a:extLst>
+          </p:cNvPr>
+          <p:cNvSpPr>
+            <a:spLocks noGrp="1" noRot="1" noChangeAspect="1" noMove="1" noResize="1" noEditPoints="1" noAdjustHandles="1" noChangeArrowheads="1" noChangeShapeType="1" noTextEdit="1"/>
+          </p:cNvSpPr>
+          <p:nvPr>
+            <p:extLst>
+              <p:ext uri="{386F3935-93C4-4BCD-93E2-E3B085C9AB24}">
+                <p16:designElem xmlns:p16="http://schemas.microsoft.com/office/powerpoint/2015/main" val="1"/>
+              </p:ext>
+            </p:extLst>
+          </p:nvPr>
+        </p:nvSpPr>
+        <p:spPr>
+          <a:xfrm rot="16200000">
+            <a:off x="10289068" y="1343027"/>
+            <a:ext cx="2532832" cy="1273032"/>
+          </a:xfrm>
+          <a:prstGeom prst="triangle">
+            <a:avLst>
+              <a:gd name="adj" fmla="val 50000"/>
+            </a:avLst>
+          </a:prstGeom>
+          <a:solidFill>
+            <a:schemeClr val="accent4">
+              <a:alpha val="30000"/>
+            </a:schemeClr>
+          </a:solidFill>
+          <a:ln>
+            <a:noFill/>
+          </a:ln>
+        </p:spPr>
+        <p:style>
+          <a:lnRef idx="2">
+            <a:schemeClr val="accent1">
+              <a:shade val="50000"/>
+            </a:schemeClr>
+          </a:lnRef>
+          <a:fillRef idx="1">
+            <a:schemeClr val="accent1"/>
+          </a:fillRef>
+          <a:effectRef idx="0">
+            <a:schemeClr val="accent1"/>
+          </a:effectRef>
+          <a:fontRef idx="minor">
+            <a:schemeClr val="lt1"/>
+          </a:fontRef>
+        </p:style>
+        <p:txBody>
+          <a:bodyPr rtlCol="0" anchor="ctr"/>
+          <a:lstStyle/>
+          <a:p>
+            <a:pPr algn="ctr"/>
+            <a:endParaRPr lang="en-US"/>
+          </a:p>
+        </p:txBody>
+      </p:sp>
+      <p:sp>
+        <p:nvSpPr>
+          <p:cNvPr id="17" name="Isosceles Triangle 16">
+            <a:extLst>
+              <a:ext uri="{FF2B5EF4-FFF2-40B4-BE49-F238E27FC236}">
+                <a16:creationId xmlns:a16="http://schemas.microsoft.com/office/drawing/2014/main" id="{D3F51FEB-38FB-4F6C-9F7B-2F2AFAB65463}"/>
+              </a:ext>
+              <a:ext uri="{C183D7F6-B498-43B3-948B-1728B52AA6E4}">
+                <adec:decorative xmlns:adec="http://schemas.microsoft.com/office/drawing/2017/decorative" val="1"/>
+              </a:ext>
+            </a:extLst>
+          </p:cNvPr>
+          <p:cNvSpPr>
+            <a:spLocks noGrp="1" noRot="1" noChangeAspect="1" noMove="1" noResize="1" noEditPoints="1" noAdjustHandles="1" noChangeArrowheads="1" noChangeShapeType="1" noTextEdit="1"/>
+          </p:cNvSpPr>
+          <p:nvPr>
+            <p:extLst>
+              <p:ext uri="{386F3935-93C4-4BCD-93E2-E3B085C9AB24}">
+                <p16:designElem xmlns:p16="http://schemas.microsoft.com/office/powerpoint/2015/main" val="1"/>
+              </p:ext>
+            </p:extLst>
+          </p:nvPr>
+        </p:nvSpPr>
+        <p:spPr>
+          <a:xfrm rot="5400000">
+            <a:off x="-501760" y="5103257"/>
+            <a:ext cx="2017580" cy="1014060"/>
+          </a:xfrm>
+          <a:prstGeom prst="triangle">
+            <a:avLst>
+              <a:gd name="adj" fmla="val 50000"/>
+            </a:avLst>
+          </a:prstGeom>
+          <a:solidFill>
+            <a:schemeClr val="accent1">
+              <a:alpha val="30000"/>
+            </a:schemeClr>
+          </a:solidFill>
+          <a:ln>
+            <a:noFill/>
+          </a:ln>
+        </p:spPr>
+        <p:style>
+          <a:lnRef idx="2">
+            <a:schemeClr val="accent1">
+              <a:shade val="50000"/>
+            </a:schemeClr>
+          </a:lnRef>
+          <a:fillRef idx="1">
+            <a:schemeClr val="accent1"/>
+          </a:fillRef>
+          <a:effectRef idx="0">
+            <a:schemeClr val="accent1"/>
+          </a:effectRef>
+          <a:fontRef idx="minor">
+            <a:schemeClr val="lt1"/>
+          </a:fontRef>
+        </p:style>
+        <p:txBody>
+          <a:bodyPr rtlCol="0" anchor="ctr"/>
+          <a:lstStyle/>
+          <a:p>
+            <a:pPr algn="ctr"/>
+            <a:endParaRPr lang="en-US"/>
+          </a:p>
+        </p:txBody>
+      </p:sp>
+      <p:sp>
+        <p:nvSpPr>
+          <p:cNvPr id="19" name="Rectangle 18">
+            <a:extLst>
+              <a:ext uri="{FF2B5EF4-FFF2-40B4-BE49-F238E27FC236}">
+                <a16:creationId xmlns:a16="http://schemas.microsoft.com/office/drawing/2014/main" id="{1E547BA6-BAE0-43BB-A7CA-60F69CE252F0}"/>
+              </a:ext>
+              <a:ext uri="{C183D7F6-B498-43B3-948B-1728B52AA6E4}">
+                <adec:decorative xmlns:adec="http://schemas.microsoft.com/office/drawing/2017/decorative" val="1"/>
+              </a:ext>
+            </a:extLst>
+          </p:cNvPr>
+          <p:cNvSpPr>
+            <a:spLocks noGrp="1" noRot="1" noChangeAspect="1" noMove="1" noResize="1" noEditPoints="1" noAdjustHandles="1" noChangeArrowheads="1" noChangeShapeType="1" noTextEdit="1"/>
+          </p:cNvSpPr>
+          <p:nvPr>
+            <p:extLst>
+              <p:ext uri="{386F3935-93C4-4BCD-93E2-E3B085C9AB24}">
+                <p16:designElem xmlns:p16="http://schemas.microsoft.com/office/powerpoint/2015/main" val="1"/>
+              </p:ext>
+            </p:extLst>
+          </p:nvPr>
+        </p:nvSpPr>
+        <p:spPr>
+          <a:xfrm rot="2700000">
+            <a:off x="427916" y="5728708"/>
+            <a:ext cx="485578" cy="485578"/>
+          </a:xfrm>
+          <a:prstGeom prst="rect">
+            <a:avLst/>
+          </a:prstGeom>
+          <a:solidFill>
+            <a:schemeClr val="accent1">
+              <a:alpha val="30000"/>
+            </a:schemeClr>
+          </a:solidFill>
+          <a:ln>
+            <a:noFill/>
+          </a:ln>
+        </p:spPr>
+        <p:style>
+          <a:lnRef idx="2">
+            <a:schemeClr val="accent1">
+              <a:shade val="50000"/>
+            </a:schemeClr>
+          </a:lnRef>
+          <a:fillRef idx="1">
+            <a:schemeClr val="accent1"/>
+          </a:fillRef>
+          <a:effectRef idx="0">
+            <a:schemeClr val="accent1"/>
+          </a:effectRef>
+          <a:fontRef idx="minor">
+            <a:schemeClr val="lt1"/>
+          </a:fontRef>
+        </p:style>
+        <p:txBody>
+          <a:bodyPr rtlCol="0" anchor="ctr"/>
+          <a:lstStyle/>
+          <a:p>
+            <a:pPr algn="ctr"/>
+            <a:endParaRPr lang="en-US"/>
+          </a:p>
+        </p:txBody>
+      </p:sp>
+      <p:sp>
+        <p:nvSpPr>
+          <p:cNvPr id="4" name="Footer Placeholder 3">
+            <a:extLst>
+              <a:ext uri="{FF2B5EF4-FFF2-40B4-BE49-F238E27FC236}">
+                <a16:creationId xmlns:a16="http://schemas.microsoft.com/office/drawing/2014/main" id="{959CE75C-5F34-41F9-89CB-CFB91DB47A86}"/>
+              </a:ext>
+            </a:extLst>
+          </p:cNvPr>
+          <p:cNvSpPr>
+            <a:spLocks noGrp="1"/>
+          </p:cNvSpPr>
+          <p:nvPr>
+            <p:ph type="ftr" sz="quarter" idx="11"/>
+          </p:nvPr>
+        </p:nvSpPr>
+        <p:spPr>
+          <a:xfrm>
+            <a:off x="4038600" y="6356350"/>
+            <a:ext cx="4114800" cy="365125"/>
+          </a:xfrm>
+        </p:spPr>
+        <p:txBody>
+          <a:bodyPr>
+            <a:normAutofit/>
+          </a:bodyPr>
+          <a:lstStyle/>
+          <a:p>
+            <a:pPr>
+              <a:spcAft>
+                <a:spcPts val="600"/>
+              </a:spcAft>
+            </a:pPr>
+            <a:r>
+              <a:rPr lang="en-US"/>
+              <a:t>Mike Nguyen</a:t>
+            </a:r>
+          </a:p>
+        </p:txBody>
+      </p:sp>
+      <p:sp>
+        <p:nvSpPr>
+          <p:cNvPr id="5" name="Slide Number Placeholder 4">
+            <a:extLst>
+              <a:ext uri="{FF2B5EF4-FFF2-40B4-BE49-F238E27FC236}">
+                <a16:creationId xmlns:a16="http://schemas.microsoft.com/office/drawing/2014/main" id="{7C1184E4-0F15-4834-8750-7CE8F5925DFC}"/>
+              </a:ext>
+            </a:extLst>
+          </p:cNvPr>
+          <p:cNvSpPr>
+            <a:spLocks noGrp="1"/>
+          </p:cNvSpPr>
+          <p:nvPr>
+            <p:ph type="sldNum" sz="quarter" idx="12"/>
+          </p:nvPr>
+        </p:nvSpPr>
+        <p:spPr>
+          <a:xfrm>
+            <a:off x="8805333" y="6356350"/>
+            <a:ext cx="2743200" cy="365125"/>
+          </a:xfrm>
+        </p:spPr>
+        <p:txBody>
+          <a:bodyPr>
+            <a:normAutofit/>
+          </a:bodyPr>
+          <a:lstStyle/>
+          <a:p>
+            <a:pPr>
+              <a:spcAft>
+                <a:spcPts val="600"/>
+              </a:spcAft>
+            </a:pPr>
+            <a:fld id="{A6AF1B4E-90EC-4A51-B6E5-B702C054ECB0}" type="slidenum">
+              <a:rPr lang="en-US" smtClean="0"/>
+              <a:pPr>
+                <a:spcAft>
+                  <a:spcPts val="600"/>
+                </a:spcAft>
+              </a:pPr>
+              <a:t>10</a:t>
+            </a:fld>
+            <a:endParaRPr lang="en-US"/>
+          </a:p>
+        </p:txBody>
+      </p:sp>
+      <p:graphicFrame>
+        <p:nvGraphicFramePr>
+          <p:cNvPr id="7" name="Content Placeholder 2">
+            <a:extLst>
+              <a:ext uri="{FF2B5EF4-FFF2-40B4-BE49-F238E27FC236}">
+                <a16:creationId xmlns:a16="http://schemas.microsoft.com/office/drawing/2014/main" id="{BBFF406F-4FB0-44AD-BBCE-00B7AF24B95D}"/>
+              </a:ext>
+            </a:extLst>
+          </p:cNvPr>
+          <p:cNvGraphicFramePr>
+            <a:graphicFrameLocks noGrp="1"/>
+          </p:cNvGraphicFramePr>
+          <p:nvPr>
+            <p:ph idx="1"/>
+            <p:extLst>
+              <p:ext uri="{D42A27DB-BD31-4B8C-83A1-F6EECF244321}">
+                <p14:modId xmlns:p14="http://schemas.microsoft.com/office/powerpoint/2010/main" val="154848874"/>
+              </p:ext>
+            </p:extLst>
+          </p:nvPr>
+        </p:nvGraphicFramePr>
+        <p:xfrm>
+          <a:off x="838200" y="1825625"/>
+          <a:ext cx="10515600" cy="4351338"/>
+        </p:xfrm>
+        <a:graphic>
+          <a:graphicData uri="http://schemas.openxmlformats.org/drawingml/2006/diagram">
+            <dgm:relIds xmlns:dgm="http://schemas.openxmlformats.org/drawingml/2006/diagram" xmlns:r="http://schemas.openxmlformats.org/officeDocument/2006/relationships" r:dm="rId3" r:lo="rId4" r:qs="rId5" r:cs="rId6"/>
+          </a:graphicData>
+        </a:graphic>
+      </p:graphicFrame>
+    </p:spTree>
+    <p:extLst>
+      <p:ext uri="{BB962C8B-B14F-4D97-AF65-F5344CB8AC3E}">
+        <p14:creationId xmlns:p14="http://schemas.microsoft.com/office/powerpoint/2010/main" val="1915861172"/>
+      </p:ext>
+    </p:extLst>
+  </p:cSld>
+  <p:clrMapOvr>
+    <a:masterClrMapping/>
+  </p:clrMapOvr>
+</p:sld>
+</file>
+
+<file path=ppt/slides/slide11.xml><?xml version="1.0" encoding="utf-8"?>
+<p:sld xmlns:a="http://schemas.openxmlformats.org/drawingml/2006/main" xmlns:r="http://schemas.openxmlformats.org/officeDocument/2006/relationships" xmlns:p="http://schemas.openxmlformats.org/presentationml/2006/main">
+  <p:cSld>
+    <p:bg>
+      <p:bgPr>
+        <a:solidFill>
+          <a:schemeClr val="bg1"/>
+        </a:solidFill>
+        <a:effectLst/>
+      </p:bgPr>
+    </p:bg>
+    <p:spTree>
+      <p:nvGrpSpPr>
+        <p:cNvPr id="1" name=""/>
+        <p:cNvGrpSpPr/>
+        <p:nvPr/>
+      </p:nvGrpSpPr>
+      <p:grpSpPr>
+        <a:xfrm>
+          <a:off x="0" y="0"/>
+          <a:ext cx="0" cy="0"/>
+          <a:chOff x="0" y="0"/>
+          <a:chExt cx="0" cy="0"/>
+        </a:xfrm>
+      </p:grpSpPr>
+      <p:sp>
+        <p:nvSpPr>
           <p:cNvPr id="2" name="Title 1">
             <a:extLst>
               <a:ext uri="{FF2B5EF4-FFF2-40B4-BE49-F238E27FC236}">
@@ -25433,7 +26043,7 @@
                   <a:spcPts val="600"/>
                 </a:spcAft>
               </a:pPr>
-              <a:t>10</a:t>
+              <a:t>11</a:t>
             </a:fld>
             <a:endParaRPr lang="en-US"/>
           </a:p>
@@ -25483,7 +26093,148 @@
 </p:sld>
 </file>
 
-<file path=ppt/slides/slide11.xml><?xml version="1.0" encoding="utf-8"?>
+<file path=ppt/slides/slide12.xml><?xml version="1.0" encoding="utf-8"?>
+<p:sld xmlns:a="http://schemas.openxmlformats.org/drawingml/2006/main" xmlns:r="http://schemas.openxmlformats.org/officeDocument/2006/relationships" xmlns:p="http://schemas.openxmlformats.org/presentationml/2006/main">
+  <p:cSld>
+    <p:spTree>
+      <p:nvGrpSpPr>
+        <p:cNvPr id="1" name=""/>
+        <p:cNvGrpSpPr/>
+        <p:nvPr/>
+      </p:nvGrpSpPr>
+      <p:grpSpPr>
+        <a:xfrm>
+          <a:off x="0" y="0"/>
+          <a:ext cx="0" cy="0"/>
+          <a:chOff x="0" y="0"/>
+          <a:chExt cx="0" cy="0"/>
+        </a:xfrm>
+      </p:grpSpPr>
+      <p:sp>
+        <p:nvSpPr>
+          <p:cNvPr id="2" name="Title 1">
+            <a:extLst>
+              <a:ext uri="{FF2B5EF4-FFF2-40B4-BE49-F238E27FC236}">
+                <a16:creationId xmlns:a16="http://schemas.microsoft.com/office/drawing/2014/main" id="{81BDC34D-0476-43B1-85A2-AA8D85F113D0}"/>
+              </a:ext>
+            </a:extLst>
+          </p:cNvPr>
+          <p:cNvSpPr>
+            <a:spLocks noGrp="1"/>
+          </p:cNvSpPr>
+          <p:nvPr>
+            <p:ph type="title"/>
+          </p:nvPr>
+        </p:nvSpPr>
+        <p:spPr/>
+        <p:txBody>
+          <a:bodyPr/>
+          <a:lstStyle/>
+          <a:p>
+            <a:r>
+              <a:rPr lang="en-US" dirty="0"/>
+              <a:t>What is marketing in your own term?</a:t>
+            </a:r>
+          </a:p>
+        </p:txBody>
+      </p:sp>
+      <p:sp>
+        <p:nvSpPr>
+          <p:cNvPr id="3" name="Content Placeholder 2">
+            <a:extLst>
+              <a:ext uri="{FF2B5EF4-FFF2-40B4-BE49-F238E27FC236}">
+                <a16:creationId xmlns:a16="http://schemas.microsoft.com/office/drawing/2014/main" id="{07082FA3-BC23-4CF6-88F8-AB9D84DBF122}"/>
+              </a:ext>
+            </a:extLst>
+          </p:cNvPr>
+          <p:cNvSpPr>
+            <a:spLocks noGrp="1"/>
+          </p:cNvSpPr>
+          <p:nvPr>
+            <p:ph idx="1"/>
+          </p:nvPr>
+        </p:nvSpPr>
+        <p:spPr/>
+        <p:txBody>
+          <a:bodyPr/>
+          <a:lstStyle/>
+          <a:p>
+            <a:endParaRPr lang="en-US" dirty="0"/>
+          </a:p>
+        </p:txBody>
+      </p:sp>
+      <p:sp>
+        <p:nvSpPr>
+          <p:cNvPr id="4" name="Footer Placeholder 3">
+            <a:extLst>
+              <a:ext uri="{FF2B5EF4-FFF2-40B4-BE49-F238E27FC236}">
+                <a16:creationId xmlns:a16="http://schemas.microsoft.com/office/drawing/2014/main" id="{4D8A1D97-412D-4791-A5C7-AF97915CE3B3}"/>
+              </a:ext>
+            </a:extLst>
+          </p:cNvPr>
+          <p:cNvSpPr>
+            <a:spLocks noGrp="1"/>
+          </p:cNvSpPr>
+          <p:nvPr>
+            <p:ph type="ftr" sz="quarter" idx="11"/>
+          </p:nvPr>
+        </p:nvSpPr>
+        <p:spPr/>
+        <p:txBody>
+          <a:bodyPr/>
+          <a:lstStyle/>
+          <a:p>
+            <a:r>
+              <a:rPr lang="en-US"/>
+              <a:t>Mike Nguyen</a:t>
+            </a:r>
+            <a:endParaRPr lang="en-US" dirty="0"/>
+          </a:p>
+        </p:txBody>
+      </p:sp>
+      <p:sp>
+        <p:nvSpPr>
+          <p:cNvPr id="5" name="Slide Number Placeholder 4">
+            <a:extLst>
+              <a:ext uri="{FF2B5EF4-FFF2-40B4-BE49-F238E27FC236}">
+                <a16:creationId xmlns:a16="http://schemas.microsoft.com/office/drawing/2014/main" id="{33687FE0-291A-467F-9B2E-AB06DF959B50}"/>
+              </a:ext>
+            </a:extLst>
+          </p:cNvPr>
+          <p:cNvSpPr>
+            <a:spLocks noGrp="1"/>
+          </p:cNvSpPr>
+          <p:nvPr>
+            <p:ph type="sldNum" sz="quarter" idx="12"/>
+          </p:nvPr>
+        </p:nvSpPr>
+        <p:spPr/>
+        <p:txBody>
+          <a:bodyPr/>
+          <a:lstStyle/>
+          <a:p>
+            <a:fld id="{A6AF1B4E-90EC-4A51-B6E5-B702C054ECB0}" type="slidenum">
+              <a:rPr lang="en-US" smtClean="0"/>
+              <a:t>12</a:t>
+            </a:fld>
+            <a:endParaRPr lang="en-US" dirty="0"/>
+          </a:p>
+        </p:txBody>
+      </p:sp>
+    </p:spTree>
+    <p:extLst>
+      <p:ext uri="{BB962C8B-B14F-4D97-AF65-F5344CB8AC3E}">
+        <p14:creationId xmlns:p14="http://schemas.microsoft.com/office/powerpoint/2010/main" val="1034073679"/>
+      </p:ext>
+    </p:extLst>
+  </p:cSld>
+  <p:clrMapOvr>
+    <a:masterClrMapping/>
+  </p:clrMapOvr>
+</p:sld>
+</file>
+
+<file path=ppt/slides/slide13.xml><?xml version="1.0" encoding="utf-8"?>
 <p:sld xmlns:a="http://schemas.openxmlformats.org/drawingml/2006/main" xmlns:r="http://schemas.openxmlformats.org/officeDocument/2006/relationships" xmlns:p="http://schemas.openxmlformats.org/presentationml/2006/main">
   <p:cSld>
     <p:bg>
@@ -26012,7 +26763,7 @@
             </a:r>
             <a:r>
               <a:rPr lang="en-US" sz="2200" b="1" dirty="0"/>
-              <a:t>minoring</a:t>
+              <a:t>monitoring</a:t>
             </a:r>
             <a:r>
               <a:rPr lang="en-US" sz="2200" dirty="0"/>
@@ -26101,7 +26852,7 @@
                   <a:spcPts val="600"/>
                 </a:spcAft>
               </a:pPr>
-              <a:t>11</a:t>
+              <a:t>13</a:t>
             </a:fld>
             <a:endParaRPr lang="en-US"/>
           </a:p>
@@ -26120,7 +26871,7 @@
 </p:sld>
 </file>
 
-<file path=ppt/slides/slide12.xml><?xml version="1.0" encoding="utf-8"?>
+<file path=ppt/slides/slide14.xml><?xml version="1.0" encoding="utf-8"?>
 <p:sld xmlns:a="http://schemas.openxmlformats.org/drawingml/2006/main" xmlns:r="http://schemas.openxmlformats.org/officeDocument/2006/relationships" xmlns:p="http://schemas.openxmlformats.org/presentationml/2006/main">
   <p:cSld>
     <p:bg>
@@ -26707,7 +27458,7 @@
                   <a:spcPts val="600"/>
                 </a:spcAft>
               </a:pPr>
-              <a:t>12</a:t>
+              <a:t>14</a:t>
             </a:fld>
             <a:endParaRPr lang="en-US"/>
           </a:p>
@@ -26726,7 +27477,7 @@
 </p:sld>
 </file>
 
-<file path=ppt/slides/slide13.xml><?xml version="1.0" encoding="utf-8"?>
+<file path=ppt/slides/slide15.xml><?xml version="1.0" encoding="utf-8"?>
 <p:sld xmlns:a="http://schemas.openxmlformats.org/drawingml/2006/main" xmlns:r="http://schemas.openxmlformats.org/officeDocument/2006/relationships" xmlns:p="http://schemas.openxmlformats.org/presentationml/2006/main">
   <p:cSld>
     <p:bg>
@@ -27276,7 +28027,7 @@
                   <a:spcPts val="600"/>
                 </a:spcAft>
               </a:pPr>
-              <a:t>13</a:t>
+              <a:t>15</a:t>
             </a:fld>
             <a:endParaRPr lang="en-US"/>
           </a:p>
@@ -28270,7 +29021,7 @@
 </p:sld>
 </file>
 
-<file path=ppt/slides/slide14.xml><?xml version="1.0" encoding="utf-8"?>
+<file path=ppt/slides/slide16.xml><?xml version="1.0" encoding="utf-8"?>
 <p:sld xmlns:a="http://schemas.openxmlformats.org/drawingml/2006/main" xmlns:r="http://schemas.openxmlformats.org/officeDocument/2006/relationships" xmlns:p="http://schemas.openxmlformats.org/presentationml/2006/main">
   <p:cSld>
     <p:bg>
@@ -28845,7 +29596,7 @@
                   <a:spcPts val="600"/>
                 </a:spcAft>
               </a:pPr>
-              <a:t>14</a:t>
+              <a:t>16</a:t>
             </a:fld>
             <a:endParaRPr lang="en-US"/>
           </a:p>
@@ -28864,7 +29615,7 @@
 </p:sld>
 </file>
 
-<file path=ppt/slides/slide15.xml><?xml version="1.0" encoding="utf-8"?>
+<file path=ppt/slides/slide17.xml><?xml version="1.0" encoding="utf-8"?>
 <p:sld xmlns:a="http://schemas.openxmlformats.org/drawingml/2006/main" xmlns:r="http://schemas.openxmlformats.org/officeDocument/2006/relationships" xmlns:p="http://schemas.openxmlformats.org/presentationml/2006/main">
   <p:cSld>
     <p:bg>
@@ -29138,7 +29889,7 @@
                   <a:spcPts val="600"/>
                 </a:spcAft>
               </a:pPr>
-              <a:t>15</a:t>
+              <a:t>17</a:t>
             </a:fld>
             <a:endParaRPr lang="en-US">
               <a:solidFill>
@@ -29168,7 +29919,7 @@
             <p:ph idx="1"/>
             <p:extLst>
               <p:ext uri="{D42A27DB-BD31-4B8C-83A1-F6EECF244321}">
-                <p14:modId xmlns:p14="http://schemas.microsoft.com/office/powerpoint/2010/main" val="3332238022"/>
+                <p14:modId xmlns:p14="http://schemas.microsoft.com/office/powerpoint/2010/main" val="1299973339"/>
               </p:ext>
             </p:extLst>
           </p:nvPr>
@@ -29196,7 +29947,7 @@
 </p:sld>
 </file>
 
-<file path=ppt/slides/slide16.xml><?xml version="1.0" encoding="utf-8"?>
+<file path=ppt/slides/slide18.xml><?xml version="1.0" encoding="utf-8"?>
 <p:sld xmlns:a="http://schemas.openxmlformats.org/drawingml/2006/main" xmlns:r="http://schemas.openxmlformats.org/officeDocument/2006/relationships" xmlns:p="http://schemas.openxmlformats.org/presentationml/2006/main">
   <p:cSld>
     <p:bg>
@@ -29311,7 +30062,14 @@
           <a:p>
             <a:r>
               <a:rPr lang="en-US" sz="5400" dirty="0"/>
-              <a:t>Marketing Research Examples </a:t>
+              <a:t>Marketing Research</a:t>
+            </a:r>
+            <a:br>
+              <a:rPr lang="en-US" sz="5400" dirty="0"/>
+            </a:br>
+            <a:r>
+              <a:rPr lang="en-US" sz="5400" dirty="0"/>
+              <a:t>Firms</a:t>
             </a:r>
           </a:p>
         </p:txBody>
@@ -29739,7 +30497,7 @@
                   <a:spcPts val="600"/>
                 </a:spcAft>
               </a:pPr>
-              <a:t>16</a:t>
+              <a:t>18</a:t>
             </a:fld>
             <a:endParaRPr lang="en-US"/>
           </a:p>
@@ -30672,8 +31430,8 @@
 </p:sld>
 </file>
 
-<file path=ppt/slides/slide17.xml><?xml version="1.0" encoding="utf-8"?>
-<p:sld xmlns:a="http://schemas.openxmlformats.org/drawingml/2006/main" xmlns:r="http://schemas.openxmlformats.org/officeDocument/2006/relationships" xmlns:p="http://schemas.openxmlformats.org/presentationml/2006/main">
+<file path=ppt/slides/slide19.xml><?xml version="1.0" encoding="utf-8"?>
+<p:sld xmlns:a="http://schemas.openxmlformats.org/drawingml/2006/main" xmlns:r="http://schemas.openxmlformats.org/officeDocument/2006/relationships" xmlns:p="http://schemas.openxmlformats.org/presentationml/2006/main" show="0">
   <p:cSld>
     <p:bg>
       <p:bgPr>
@@ -30927,7 +31685,7 @@
                   <a:spcPts val="600"/>
                 </a:spcAft>
               </a:pPr>
-              <a:t>17</a:t>
+              <a:t>19</a:t>
             </a:fld>
             <a:endParaRPr lang="en-US"/>
           </a:p>
@@ -31018,1106 +31776,6 @@
       </p:par>
     </p:tnLst>
   </p:timing>
-</p:sld>
-</file>
-
-<file path=ppt/slides/slide18.xml><?xml version="1.0" encoding="utf-8"?>
-<p:sld xmlns:a="http://schemas.openxmlformats.org/drawingml/2006/main" xmlns:r="http://schemas.openxmlformats.org/officeDocument/2006/relationships" xmlns:p="http://schemas.openxmlformats.org/presentationml/2006/main">
-  <p:cSld>
-    <p:bg>
-      <p:bgPr>
-        <a:solidFill>
-          <a:schemeClr val="bg1"/>
-        </a:solidFill>
-        <a:effectLst/>
-      </p:bgPr>
-    </p:bg>
-    <p:spTree>
-      <p:nvGrpSpPr>
-        <p:cNvPr id="1" name=""/>
-        <p:cNvGrpSpPr/>
-        <p:nvPr/>
-      </p:nvGrpSpPr>
-      <p:grpSpPr>
-        <a:xfrm>
-          <a:off x="0" y="0"/>
-          <a:ext cx="0" cy="0"/>
-          <a:chOff x="0" y="0"/>
-          <a:chExt cx="0" cy="0"/>
-        </a:xfrm>
-      </p:grpSpPr>
-      <p:sp useBgFill="1">
-        <p:nvSpPr>
-          <p:cNvPr id="16" name="Rectangle 11">
-            <a:extLst>
-              <a:ext uri="{FF2B5EF4-FFF2-40B4-BE49-F238E27FC236}">
-                <a16:creationId xmlns:a16="http://schemas.microsoft.com/office/drawing/2014/main" id="{743AA782-23D1-4521-8CAD-47662984AA08}"/>
-              </a:ext>
-              <a:ext uri="{C183D7F6-B498-43B3-948B-1728B52AA6E4}">
-                <adec:decorative xmlns:adec="http://schemas.microsoft.com/office/drawing/2017/decorative" val="1"/>
-              </a:ext>
-            </a:extLst>
-          </p:cNvPr>
-          <p:cNvSpPr>
-            <a:spLocks noGrp="1" noRot="1" noChangeAspect="1" noMove="1" noResize="1" noEditPoints="1" noAdjustHandles="1" noChangeArrowheads="1" noChangeShapeType="1" noTextEdit="1"/>
-          </p:cNvSpPr>
-          <p:nvPr>
-            <p:extLst>
-              <p:ext uri="{386F3935-93C4-4BCD-93E2-E3B085C9AB24}">
-                <p16:designElem xmlns:p16="http://schemas.microsoft.com/office/powerpoint/2015/main" val="1"/>
-              </p:ext>
-            </p:extLst>
-          </p:nvPr>
-        </p:nvSpPr>
-        <p:spPr>
-          <a:xfrm>
-            <a:off x="0" y="0"/>
-            <a:ext cx="12192000" cy="6858000"/>
-          </a:xfrm>
-          <a:prstGeom prst="rect">
-            <a:avLst/>
-          </a:prstGeom>
-          <a:ln>
-            <a:noFill/>
-          </a:ln>
-        </p:spPr>
-        <p:style>
-          <a:lnRef idx="2">
-            <a:schemeClr val="accent1">
-              <a:shade val="50000"/>
-            </a:schemeClr>
-          </a:lnRef>
-          <a:fillRef idx="1">
-            <a:schemeClr val="accent1"/>
-          </a:fillRef>
-          <a:effectRef idx="0">
-            <a:schemeClr val="accent1"/>
-          </a:effectRef>
-          <a:fontRef idx="minor">
-            <a:schemeClr val="lt1"/>
-          </a:fontRef>
-        </p:style>
-        <p:txBody>
-          <a:bodyPr rtlCol="0" anchor="ctr"/>
-          <a:lstStyle/>
-          <a:p>
-            <a:pPr algn="ctr"/>
-            <a:endParaRPr lang="en-US"/>
-          </a:p>
-        </p:txBody>
-      </p:sp>
-      <p:sp>
-        <p:nvSpPr>
-          <p:cNvPr id="2" name="Title 1">
-            <a:extLst>
-              <a:ext uri="{FF2B5EF4-FFF2-40B4-BE49-F238E27FC236}">
-                <a16:creationId xmlns:a16="http://schemas.microsoft.com/office/drawing/2014/main" id="{78C96F11-11D8-459B-BE4E-233E24E3D1B5}"/>
-              </a:ext>
-            </a:extLst>
-          </p:cNvPr>
-          <p:cNvSpPr>
-            <a:spLocks noGrp="1"/>
-          </p:cNvSpPr>
-          <p:nvPr>
-            <p:ph type="title"/>
-          </p:nvPr>
-        </p:nvSpPr>
-        <p:spPr>
-          <a:xfrm>
-            <a:off x="630936" y="640080"/>
-            <a:ext cx="4818888" cy="1481328"/>
-          </a:xfrm>
-        </p:spPr>
-        <p:txBody>
-          <a:bodyPr anchor="b">
-            <a:normAutofit/>
-          </a:bodyPr>
-          <a:lstStyle/>
-          <a:p>
-            <a:r>
-              <a:rPr lang="en-US" sz="5400"/>
-              <a:t>Recap &amp; Next</a:t>
-            </a:r>
-          </a:p>
-        </p:txBody>
-      </p:sp>
-      <p:sp>
-        <p:nvSpPr>
-          <p:cNvPr id="17" name="sketch line">
-            <a:extLst>
-              <a:ext uri="{FF2B5EF4-FFF2-40B4-BE49-F238E27FC236}">
-                <a16:creationId xmlns:a16="http://schemas.microsoft.com/office/drawing/2014/main" id="{71877DBC-BB60-40F0-AC93-2ACDBAAE60CE}"/>
-              </a:ext>
-              <a:ext uri="{C183D7F6-B498-43B3-948B-1728B52AA6E4}">
-                <adec:decorative xmlns:adec="http://schemas.microsoft.com/office/drawing/2017/decorative" val="1"/>
-              </a:ext>
-            </a:extLst>
-          </p:cNvPr>
-          <p:cNvSpPr>
-            <a:spLocks noGrp="1" noRot="1" noChangeAspect="1" noMove="1" noResize="1" noEditPoints="1" noAdjustHandles="1" noChangeArrowheads="1" noChangeShapeType="1" noTextEdit="1"/>
-          </p:cNvSpPr>
-          <p:nvPr>
-            <p:extLst>
-              <p:ext uri="{386F3935-93C4-4BCD-93E2-E3B085C9AB24}">
-                <p16:designElem xmlns:p16="http://schemas.microsoft.com/office/powerpoint/2015/main" val="1"/>
-              </p:ext>
-            </p:extLst>
-          </p:nvPr>
-        </p:nvSpPr>
-        <p:spPr>
-          <a:xfrm>
-            <a:off x="643278" y="2372868"/>
-            <a:ext cx="3255095" cy="18288"/>
-          </a:xfrm>
-          <a:custGeom>
-            <a:avLst/>
-            <a:gdLst>
-              <a:gd name="connsiteX0" fmla="*/ 0 w 3255095"/>
-              <a:gd name="connsiteY0" fmla="*/ 0 h 18288"/>
-              <a:gd name="connsiteX1" fmla="*/ 618468 w 3255095"/>
-              <a:gd name="connsiteY1" fmla="*/ 0 h 18288"/>
-              <a:gd name="connsiteX2" fmla="*/ 1269487 w 3255095"/>
-              <a:gd name="connsiteY2" fmla="*/ 0 h 18288"/>
-              <a:gd name="connsiteX3" fmla="*/ 1953057 w 3255095"/>
-              <a:gd name="connsiteY3" fmla="*/ 0 h 18288"/>
-              <a:gd name="connsiteX4" fmla="*/ 2636627 w 3255095"/>
-              <a:gd name="connsiteY4" fmla="*/ 0 h 18288"/>
-              <a:gd name="connsiteX5" fmla="*/ 3255095 w 3255095"/>
-              <a:gd name="connsiteY5" fmla="*/ 0 h 18288"/>
-              <a:gd name="connsiteX6" fmla="*/ 3255095 w 3255095"/>
-              <a:gd name="connsiteY6" fmla="*/ 18288 h 18288"/>
-              <a:gd name="connsiteX7" fmla="*/ 2538974 w 3255095"/>
-              <a:gd name="connsiteY7" fmla="*/ 18288 h 18288"/>
-              <a:gd name="connsiteX8" fmla="*/ 1822853 w 3255095"/>
-              <a:gd name="connsiteY8" fmla="*/ 18288 h 18288"/>
-              <a:gd name="connsiteX9" fmla="*/ 1171834 w 3255095"/>
-              <a:gd name="connsiteY9" fmla="*/ 18288 h 18288"/>
-              <a:gd name="connsiteX10" fmla="*/ 0 w 3255095"/>
-              <a:gd name="connsiteY10" fmla="*/ 18288 h 18288"/>
-              <a:gd name="connsiteX11" fmla="*/ 0 w 3255095"/>
-              <a:gd name="connsiteY11" fmla="*/ 0 h 18288"/>
-            </a:gdLst>
-            <a:ahLst/>
-            <a:cxnLst>
-              <a:cxn ang="0">
-                <a:pos x="connsiteX0" y="connsiteY0"/>
-              </a:cxn>
-              <a:cxn ang="0">
-                <a:pos x="connsiteX1" y="connsiteY1"/>
-              </a:cxn>
-              <a:cxn ang="0">
-                <a:pos x="connsiteX2" y="connsiteY2"/>
-              </a:cxn>
-              <a:cxn ang="0">
-                <a:pos x="connsiteX3" y="connsiteY3"/>
-              </a:cxn>
-              <a:cxn ang="0">
-                <a:pos x="connsiteX4" y="connsiteY4"/>
-              </a:cxn>
-              <a:cxn ang="0">
-                <a:pos x="connsiteX5" y="connsiteY5"/>
-              </a:cxn>
-              <a:cxn ang="0">
-                <a:pos x="connsiteX6" y="connsiteY6"/>
-              </a:cxn>
-              <a:cxn ang="0">
-                <a:pos x="connsiteX7" y="connsiteY7"/>
-              </a:cxn>
-              <a:cxn ang="0">
-                <a:pos x="connsiteX8" y="connsiteY8"/>
-              </a:cxn>
-              <a:cxn ang="0">
-                <a:pos x="connsiteX9" y="connsiteY9"/>
-              </a:cxn>
-              <a:cxn ang="0">
-                <a:pos x="connsiteX10" y="connsiteY10"/>
-              </a:cxn>
-              <a:cxn ang="0">
-                <a:pos x="connsiteX11" y="connsiteY11"/>
-              </a:cxn>
-            </a:cxnLst>
-            <a:rect l="l" t="t" r="r" b="b"/>
-            <a:pathLst>
-              <a:path w="3255095" h="18288" fill="none" extrusionOk="0">
-                <a:moveTo>
-                  <a:pt x="0" y="0"/>
-                </a:moveTo>
-                <a:cubicBezTo>
-                  <a:pt x="240201" y="-22123"/>
-                  <a:pt x="462021" y="-19623"/>
-                  <a:pt x="618468" y="0"/>
-                </a:cubicBezTo>
-                <a:cubicBezTo>
-                  <a:pt x="774915" y="19623"/>
-                  <a:pt x="974734" y="2035"/>
-                  <a:pt x="1269487" y="0"/>
-                </a:cubicBezTo>
-                <a:cubicBezTo>
-                  <a:pt x="1564240" y="-2035"/>
-                  <a:pt x="1733579" y="10639"/>
-                  <a:pt x="1953057" y="0"/>
-                </a:cubicBezTo>
-                <a:cubicBezTo>
-                  <a:pt x="2172535" y="-10639"/>
-                  <a:pt x="2453962" y="14018"/>
-                  <a:pt x="2636627" y="0"/>
-                </a:cubicBezTo>
-                <a:cubicBezTo>
-                  <a:pt x="2819292" y="-14018"/>
-                  <a:pt x="3121375" y="5399"/>
-                  <a:pt x="3255095" y="0"/>
-                </a:cubicBezTo>
-                <a:cubicBezTo>
-                  <a:pt x="3254386" y="8157"/>
-                  <a:pt x="3254682" y="12125"/>
-                  <a:pt x="3255095" y="18288"/>
-                </a:cubicBezTo>
-                <a:cubicBezTo>
-                  <a:pt x="3088545" y="23203"/>
-                  <a:pt x="2687475" y="7419"/>
-                  <a:pt x="2538974" y="18288"/>
-                </a:cubicBezTo>
-                <a:cubicBezTo>
-                  <a:pt x="2390473" y="29157"/>
-                  <a:pt x="2137381" y="-8959"/>
-                  <a:pt x="1822853" y="18288"/>
-                </a:cubicBezTo>
-                <a:cubicBezTo>
-                  <a:pt x="1508325" y="45535"/>
-                  <a:pt x="1466437" y="20385"/>
-                  <a:pt x="1171834" y="18288"/>
-                </a:cubicBezTo>
-                <a:cubicBezTo>
-                  <a:pt x="877231" y="16191"/>
-                  <a:pt x="561097" y="37643"/>
-                  <a:pt x="0" y="18288"/>
-                </a:cubicBezTo>
-                <a:cubicBezTo>
-                  <a:pt x="-46" y="12483"/>
-                  <a:pt x="-203" y="6491"/>
-                  <a:pt x="0" y="0"/>
-                </a:cubicBezTo>
-                <a:close/>
-              </a:path>
-              <a:path w="3255095" h="18288" stroke="0" extrusionOk="0">
-                <a:moveTo>
-                  <a:pt x="0" y="0"/>
-                </a:moveTo>
-                <a:cubicBezTo>
-                  <a:pt x="291965" y="19429"/>
-                  <a:pt x="363155" y="8568"/>
-                  <a:pt x="618468" y="0"/>
-                </a:cubicBezTo>
-                <a:cubicBezTo>
-                  <a:pt x="873781" y="-8568"/>
-                  <a:pt x="904459" y="-19505"/>
-                  <a:pt x="1171834" y="0"/>
-                </a:cubicBezTo>
-                <a:cubicBezTo>
-                  <a:pt x="1439209" y="19505"/>
-                  <a:pt x="1744369" y="9790"/>
-                  <a:pt x="1887955" y="0"/>
-                </a:cubicBezTo>
-                <a:cubicBezTo>
-                  <a:pt x="2031541" y="-9790"/>
-                  <a:pt x="2346378" y="21240"/>
-                  <a:pt x="2506423" y="0"/>
-                </a:cubicBezTo>
-                <a:cubicBezTo>
-                  <a:pt x="2666468" y="-21240"/>
-                  <a:pt x="2990257" y="30414"/>
-                  <a:pt x="3255095" y="0"/>
-                </a:cubicBezTo>
-                <a:cubicBezTo>
-                  <a:pt x="3254831" y="4493"/>
-                  <a:pt x="3255479" y="9472"/>
-                  <a:pt x="3255095" y="18288"/>
-                </a:cubicBezTo>
-                <a:cubicBezTo>
-                  <a:pt x="3120743" y="16690"/>
-                  <a:pt x="2759628" y="42462"/>
-                  <a:pt x="2604076" y="18288"/>
-                </a:cubicBezTo>
-                <a:cubicBezTo>
-                  <a:pt x="2448524" y="-5886"/>
-                  <a:pt x="2184336" y="19599"/>
-                  <a:pt x="1887955" y="18288"/>
-                </a:cubicBezTo>
-                <a:cubicBezTo>
-                  <a:pt x="1591574" y="16977"/>
-                  <a:pt x="1548845" y="6870"/>
-                  <a:pt x="1334589" y="18288"/>
-                </a:cubicBezTo>
-                <a:cubicBezTo>
-                  <a:pt x="1120333" y="29706"/>
-                  <a:pt x="996014" y="9662"/>
-                  <a:pt x="683570" y="18288"/>
-                </a:cubicBezTo>
-                <a:cubicBezTo>
-                  <a:pt x="371126" y="26914"/>
-                  <a:pt x="198687" y="16167"/>
-                  <a:pt x="0" y="18288"/>
-                </a:cubicBezTo>
-                <a:cubicBezTo>
-                  <a:pt x="843" y="9577"/>
-                  <a:pt x="371" y="6900"/>
-                  <a:pt x="0" y="0"/>
-                </a:cubicBezTo>
-                <a:close/>
-              </a:path>
-            </a:pathLst>
-          </a:custGeom>
-          <a:solidFill>
-            <a:schemeClr val="accent2"/>
-          </a:solidFill>
-          <a:ln w="38100" cap="rnd">
-            <a:solidFill>
-              <a:schemeClr val="accent2"/>
-            </a:solidFill>
-            <a:round/>
-            <a:extLst>
-              <a:ext uri="{C807C97D-BFC1-408E-A445-0C87EB9F89A2}">
-                <ask:lineSketchStyleProps xmlns:ask="http://schemas.microsoft.com/office/drawing/2018/sketchyshapes" sd="1219033472">
-                  <a:prstGeom prst="rect">
-                    <a:avLst/>
-                  </a:prstGeom>
-                  <ask:type>
-                    <ask:lineSketchFreehand/>
-                  </ask:type>
-                </ask:lineSketchStyleProps>
-              </a:ext>
-            </a:extLst>
-          </a:ln>
-        </p:spPr>
-        <p:style>
-          <a:lnRef idx="2">
-            <a:schemeClr val="accent1">
-              <a:shade val="50000"/>
-            </a:schemeClr>
-          </a:lnRef>
-          <a:fillRef idx="1">
-            <a:schemeClr val="accent1"/>
-          </a:fillRef>
-          <a:effectRef idx="0">
-            <a:schemeClr val="accent1"/>
-          </a:effectRef>
-          <a:fontRef idx="minor">
-            <a:schemeClr val="lt1"/>
-          </a:fontRef>
-        </p:style>
-        <p:txBody>
-          <a:bodyPr rtlCol="0" anchor="ctr"/>
-          <a:lstStyle/>
-          <a:p>
-            <a:pPr algn="ctr"/>
-            <a:endParaRPr lang="en-US"/>
-          </a:p>
-        </p:txBody>
-      </p:sp>
-      <p:sp>
-        <p:nvSpPr>
-          <p:cNvPr id="3" name="Content Placeholder 2">
-            <a:extLst>
-              <a:ext uri="{FF2B5EF4-FFF2-40B4-BE49-F238E27FC236}">
-                <a16:creationId xmlns:a16="http://schemas.microsoft.com/office/drawing/2014/main" id="{C75BE2C7-92FC-48A2-B4D2-148B067ADEDB}"/>
-              </a:ext>
-            </a:extLst>
-          </p:cNvPr>
-          <p:cNvSpPr>
-            <a:spLocks noGrp="1"/>
-          </p:cNvSpPr>
-          <p:nvPr>
-            <p:ph idx="1"/>
-          </p:nvPr>
-        </p:nvSpPr>
-        <p:spPr>
-          <a:xfrm>
-            <a:off x="630936" y="2660904"/>
-            <a:ext cx="4818888" cy="3547872"/>
-          </a:xfrm>
-        </p:spPr>
-        <p:txBody>
-          <a:bodyPr anchor="t">
-            <a:normAutofit/>
-          </a:bodyPr>
-          <a:lstStyle/>
-          <a:p>
-            <a:r>
-              <a:rPr lang="en-US" sz="2200" dirty="0"/>
-              <a:t>Syllabus (attendance, PA, CE)</a:t>
-            </a:r>
-          </a:p>
-          <a:p>
-            <a:r>
-              <a:rPr lang="en-US" sz="2200" dirty="0"/>
-              <a:t>Purpose and definition of marketing research </a:t>
-            </a:r>
-          </a:p>
-          <a:p>
-            <a:r>
-              <a:rPr lang="en-US" sz="2200" dirty="0"/>
-              <a:t>Assignment due</a:t>
-            </a:r>
-            <a:r>
-              <a:rPr lang="en-US" sz="2200"/>
-              <a:t>: PA #1</a:t>
-            </a:r>
-            <a:endParaRPr lang="en-US" sz="2200" dirty="0"/>
-          </a:p>
-        </p:txBody>
-      </p:sp>
-      <p:pic>
-        <p:nvPicPr>
-          <p:cNvPr id="18" name="Graphic 8" descr="Error">
-            <a:extLst>
-              <a:ext uri="{FF2B5EF4-FFF2-40B4-BE49-F238E27FC236}">
-                <a16:creationId xmlns:a16="http://schemas.microsoft.com/office/drawing/2014/main" id="{FB1E412B-913A-4B87-8B32-BA2421E92D02}"/>
-              </a:ext>
-            </a:extLst>
-          </p:cNvPr>
-          <p:cNvPicPr>
-            <a:picLocks noChangeAspect="1"/>
-          </p:cNvPicPr>
-          <p:nvPr/>
-        </p:nvPicPr>
-        <p:blipFill>
-          <a:blip r:embed="rId2">
-            <a:extLst>
-              <a:ext uri="{28A0092B-C50C-407E-A947-70E740481C1C}">
-                <a14:useLocalDpi xmlns:a14="http://schemas.microsoft.com/office/drawing/2010/main" val="0"/>
-              </a:ext>
-              <a:ext uri="{96DAC541-7B7A-43D3-8B79-37D633B846F1}">
-                <asvg:svgBlip xmlns:asvg="http://schemas.microsoft.com/office/drawing/2016/SVG/main" r:embed="rId3"/>
-              </a:ext>
-            </a:extLst>
-          </a:blip>
-          <a:stretch>
-            <a:fillRect/>
-          </a:stretch>
-        </p:blipFill>
-        <p:spPr>
-          <a:xfrm>
-            <a:off x="6099048" y="699516"/>
-            <a:ext cx="5458968" cy="5458968"/>
-          </a:xfrm>
-          <a:prstGeom prst="rect">
-            <a:avLst/>
-          </a:prstGeom>
-        </p:spPr>
-      </p:pic>
-      <p:sp>
-        <p:nvSpPr>
-          <p:cNvPr id="4" name="Footer Placeholder 3">
-            <a:extLst>
-              <a:ext uri="{FF2B5EF4-FFF2-40B4-BE49-F238E27FC236}">
-                <a16:creationId xmlns:a16="http://schemas.microsoft.com/office/drawing/2014/main" id="{C13D5BD8-3E69-44C7-9311-9E7890910FBE}"/>
-              </a:ext>
-            </a:extLst>
-          </p:cNvPr>
-          <p:cNvSpPr>
-            <a:spLocks noGrp="1"/>
-          </p:cNvSpPr>
-          <p:nvPr>
-            <p:ph type="ftr" sz="quarter" idx="11"/>
-          </p:nvPr>
-        </p:nvSpPr>
-        <p:spPr>
-          <a:xfrm>
-            <a:off x="4038600" y="6356350"/>
-            <a:ext cx="4114800" cy="365125"/>
-          </a:xfrm>
-        </p:spPr>
-        <p:txBody>
-          <a:bodyPr>
-            <a:normAutofit/>
-          </a:bodyPr>
-          <a:lstStyle/>
-          <a:p>
-            <a:pPr>
-              <a:spcAft>
-                <a:spcPts val="600"/>
-              </a:spcAft>
-            </a:pPr>
-            <a:r>
-              <a:rPr lang="en-US"/>
-              <a:t>Mike Nguyen</a:t>
-            </a:r>
-          </a:p>
-        </p:txBody>
-      </p:sp>
-      <p:sp>
-        <p:nvSpPr>
-          <p:cNvPr id="5" name="Slide Number Placeholder 4">
-            <a:extLst>
-              <a:ext uri="{FF2B5EF4-FFF2-40B4-BE49-F238E27FC236}">
-                <a16:creationId xmlns:a16="http://schemas.microsoft.com/office/drawing/2014/main" id="{1764C462-80B6-4BFE-AD67-BEE7092035FA}"/>
-              </a:ext>
-            </a:extLst>
-          </p:cNvPr>
-          <p:cNvSpPr>
-            <a:spLocks noGrp="1"/>
-          </p:cNvSpPr>
-          <p:nvPr>
-            <p:ph type="sldNum" sz="quarter" idx="12"/>
-          </p:nvPr>
-        </p:nvSpPr>
-        <p:spPr>
-          <a:xfrm>
-            <a:off x="8610600" y="6356350"/>
-            <a:ext cx="2743200" cy="365125"/>
-          </a:xfrm>
-        </p:spPr>
-        <p:txBody>
-          <a:bodyPr>
-            <a:normAutofit/>
-          </a:bodyPr>
-          <a:lstStyle/>
-          <a:p>
-            <a:pPr>
-              <a:spcAft>
-                <a:spcPts val="600"/>
-              </a:spcAft>
-            </a:pPr>
-            <a:fld id="{A6AF1B4E-90EC-4A51-B6E5-B702C054ECB0}" type="slidenum">
-              <a:rPr lang="en-US" smtClean="0"/>
-              <a:pPr>
-                <a:spcAft>
-                  <a:spcPts val="600"/>
-                </a:spcAft>
-              </a:pPr>
-              <a:t>18</a:t>
-            </a:fld>
-            <a:endParaRPr lang="en-US"/>
-          </a:p>
-        </p:txBody>
-      </p:sp>
-    </p:spTree>
-    <p:extLst>
-      <p:ext uri="{BB962C8B-B14F-4D97-AF65-F5344CB8AC3E}">
-        <p14:creationId xmlns:p14="http://schemas.microsoft.com/office/powerpoint/2010/main" val="2120122188"/>
-      </p:ext>
-    </p:extLst>
-  </p:cSld>
-  <p:clrMapOvr>
-    <a:masterClrMapping/>
-  </p:clrMapOvr>
-</p:sld>
-</file>
-
-<file path=ppt/slides/slide19.xml><?xml version="1.0" encoding="utf-8"?>
-<p:sld xmlns:a="http://schemas.openxmlformats.org/drawingml/2006/main" xmlns:r="http://schemas.openxmlformats.org/officeDocument/2006/relationships" xmlns:p="http://schemas.openxmlformats.org/presentationml/2006/main">
-  <p:cSld>
-    <p:bg>
-      <p:bgPr>
-        <a:solidFill>
-          <a:schemeClr val="bg1"/>
-        </a:solidFill>
-        <a:effectLst/>
-      </p:bgPr>
-    </p:bg>
-    <p:spTree>
-      <p:nvGrpSpPr>
-        <p:cNvPr id="1" name=""/>
-        <p:cNvGrpSpPr/>
-        <p:nvPr/>
-      </p:nvGrpSpPr>
-      <p:grpSpPr>
-        <a:xfrm>
-          <a:off x="0" y="0"/>
-          <a:ext cx="0" cy="0"/>
-          <a:chOff x="0" y="0"/>
-          <a:chExt cx="0" cy="0"/>
-        </a:xfrm>
-      </p:grpSpPr>
-      <p:sp>
-        <p:nvSpPr>
-          <p:cNvPr id="11" name="Rectangle 10">
-            <a:extLst>
-              <a:ext uri="{FF2B5EF4-FFF2-40B4-BE49-F238E27FC236}">
-                <a16:creationId xmlns:a16="http://schemas.microsoft.com/office/drawing/2014/main" id="{2B566528-1B12-4246-9431-5C2D7D081168}"/>
-              </a:ext>
-              <a:ext uri="{C183D7F6-B498-43B3-948B-1728B52AA6E4}">
-                <adec:decorative xmlns:adec="http://schemas.microsoft.com/office/drawing/2017/decorative" val="1"/>
-              </a:ext>
-            </a:extLst>
-          </p:cNvPr>
-          <p:cNvSpPr>
-            <a:spLocks noGrp="1" noRot="1" noChangeAspect="1" noMove="1" noResize="1" noEditPoints="1" noAdjustHandles="1" noChangeArrowheads="1" noChangeShapeType="1" noTextEdit="1"/>
-          </p:cNvSpPr>
-          <p:nvPr>
-            <p:extLst>
-              <p:ext uri="{386F3935-93C4-4BCD-93E2-E3B085C9AB24}">
-                <p16:designElem xmlns:p16="http://schemas.microsoft.com/office/powerpoint/2015/main" val="1"/>
-              </p:ext>
-            </p:extLst>
-          </p:nvPr>
-        </p:nvSpPr>
-        <p:spPr>
-          <a:xfrm>
-            <a:off x="0" y="0"/>
-            <a:ext cx="12192000" cy="6858000"/>
-          </a:xfrm>
-          <a:prstGeom prst="rect">
-            <a:avLst/>
-          </a:prstGeom>
-          <a:solidFill>
-            <a:schemeClr val="bg1"/>
-          </a:solidFill>
-          <a:ln>
-            <a:noFill/>
-          </a:ln>
-        </p:spPr>
-        <p:style>
-          <a:lnRef idx="2">
-            <a:schemeClr val="accent1">
-              <a:shade val="50000"/>
-            </a:schemeClr>
-          </a:lnRef>
-          <a:fillRef idx="1">
-            <a:schemeClr val="accent1"/>
-          </a:fillRef>
-          <a:effectRef idx="0">
-            <a:schemeClr val="accent1"/>
-          </a:effectRef>
-          <a:fontRef idx="minor">
-            <a:schemeClr val="lt1"/>
-          </a:fontRef>
-        </p:style>
-        <p:txBody>
-          <a:bodyPr rtlCol="0" anchor="ctr"/>
-          <a:lstStyle/>
-          <a:p>
-            <a:pPr algn="ctr"/>
-            <a:endParaRPr lang="en-US" dirty="0"/>
-          </a:p>
-        </p:txBody>
-      </p:sp>
-      <p:sp>
-        <p:nvSpPr>
-          <p:cNvPr id="2" name="Title 1">
-            <a:extLst>
-              <a:ext uri="{FF2B5EF4-FFF2-40B4-BE49-F238E27FC236}">
-                <a16:creationId xmlns:a16="http://schemas.microsoft.com/office/drawing/2014/main" id="{7120057C-1737-4877-8FF0-AB25CAF1E13F}"/>
-              </a:ext>
-            </a:extLst>
-          </p:cNvPr>
-          <p:cNvSpPr>
-            <a:spLocks noGrp="1"/>
-          </p:cNvSpPr>
-          <p:nvPr>
-            <p:ph type="title"/>
-          </p:nvPr>
-        </p:nvSpPr>
-        <p:spPr>
-          <a:xfrm>
-            <a:off x="643467" y="321734"/>
-            <a:ext cx="10905066" cy="1135737"/>
-          </a:xfrm>
-        </p:spPr>
-        <p:txBody>
-          <a:bodyPr>
-            <a:normAutofit/>
-          </a:bodyPr>
-          <a:lstStyle/>
-          <a:p>
-            <a:r>
-              <a:rPr lang="en-US" sz="3600"/>
-              <a:t>5-min Snippet</a:t>
-            </a:r>
-          </a:p>
-        </p:txBody>
-      </p:sp>
-      <p:sp>
-        <p:nvSpPr>
-          <p:cNvPr id="13" name="Rectangle 12">
-            <a:extLst>
-              <a:ext uri="{FF2B5EF4-FFF2-40B4-BE49-F238E27FC236}">
-                <a16:creationId xmlns:a16="http://schemas.microsoft.com/office/drawing/2014/main" id="{2E80C965-DB6D-4F81-9E9E-B027384D0BD6}"/>
-              </a:ext>
-              <a:ext uri="{C183D7F6-B498-43B3-948B-1728B52AA6E4}">
-                <adec:decorative xmlns:adec="http://schemas.microsoft.com/office/drawing/2017/decorative" val="1"/>
-              </a:ext>
-            </a:extLst>
-          </p:cNvPr>
-          <p:cNvSpPr>
-            <a:spLocks noGrp="1" noRot="1" noChangeAspect="1" noMove="1" noResize="1" noEditPoints="1" noAdjustHandles="1" noChangeArrowheads="1" noChangeShapeType="1" noTextEdit="1"/>
-          </p:cNvSpPr>
-          <p:nvPr>
-            <p:extLst>
-              <p:ext uri="{386F3935-93C4-4BCD-93E2-E3B085C9AB24}">
-                <p16:designElem xmlns:p16="http://schemas.microsoft.com/office/powerpoint/2015/main" val="1"/>
-              </p:ext>
-            </p:extLst>
-          </p:nvPr>
-        </p:nvSpPr>
-        <p:spPr>
-          <a:xfrm rot="2700000">
-            <a:off x="11052629" y="2120024"/>
-            <a:ext cx="645368" cy="645368"/>
-          </a:xfrm>
-          <a:prstGeom prst="rect">
-            <a:avLst/>
-          </a:prstGeom>
-          <a:solidFill>
-            <a:schemeClr val="accent4">
-              <a:alpha val="30000"/>
-            </a:schemeClr>
-          </a:solidFill>
-          <a:ln>
-            <a:noFill/>
-          </a:ln>
-        </p:spPr>
-        <p:style>
-          <a:lnRef idx="2">
-            <a:schemeClr val="accent1">
-              <a:shade val="50000"/>
-            </a:schemeClr>
-          </a:lnRef>
-          <a:fillRef idx="1">
-            <a:schemeClr val="accent1"/>
-          </a:fillRef>
-          <a:effectRef idx="0">
-            <a:schemeClr val="accent1"/>
-          </a:effectRef>
-          <a:fontRef idx="minor">
-            <a:schemeClr val="lt1"/>
-          </a:fontRef>
-        </p:style>
-        <p:txBody>
-          <a:bodyPr rtlCol="0" anchor="ctr"/>
-          <a:lstStyle/>
-          <a:p>
-            <a:pPr algn="ctr"/>
-            <a:endParaRPr lang="en-US"/>
-          </a:p>
-        </p:txBody>
-      </p:sp>
-      <p:sp>
-        <p:nvSpPr>
-          <p:cNvPr id="15" name="Isosceles Triangle 14">
-            <a:extLst>
-              <a:ext uri="{FF2B5EF4-FFF2-40B4-BE49-F238E27FC236}">
-                <a16:creationId xmlns:a16="http://schemas.microsoft.com/office/drawing/2014/main" id="{A580F890-B085-4E95-96AA-55AEBEC5CE6E}"/>
-              </a:ext>
-              <a:ext uri="{C183D7F6-B498-43B3-948B-1728B52AA6E4}">
-                <adec:decorative xmlns:adec="http://schemas.microsoft.com/office/drawing/2017/decorative" val="1"/>
-              </a:ext>
-            </a:extLst>
-          </p:cNvPr>
-          <p:cNvSpPr>
-            <a:spLocks noGrp="1" noRot="1" noChangeAspect="1" noMove="1" noResize="1" noEditPoints="1" noAdjustHandles="1" noChangeArrowheads="1" noChangeShapeType="1" noTextEdit="1"/>
-          </p:cNvSpPr>
-          <p:nvPr>
-            <p:extLst>
-              <p:ext uri="{386F3935-93C4-4BCD-93E2-E3B085C9AB24}">
-                <p16:designElem xmlns:p16="http://schemas.microsoft.com/office/powerpoint/2015/main" val="1"/>
-              </p:ext>
-            </p:extLst>
-          </p:nvPr>
-        </p:nvSpPr>
-        <p:spPr>
-          <a:xfrm rot="16200000">
-            <a:off x="10289068" y="1343027"/>
-            <a:ext cx="2532832" cy="1273032"/>
-          </a:xfrm>
-          <a:prstGeom prst="triangle">
-            <a:avLst>
-              <a:gd name="adj" fmla="val 50000"/>
-            </a:avLst>
-          </a:prstGeom>
-          <a:solidFill>
-            <a:schemeClr val="accent4">
-              <a:alpha val="30000"/>
-            </a:schemeClr>
-          </a:solidFill>
-          <a:ln>
-            <a:noFill/>
-          </a:ln>
-        </p:spPr>
-        <p:style>
-          <a:lnRef idx="2">
-            <a:schemeClr val="accent1">
-              <a:shade val="50000"/>
-            </a:schemeClr>
-          </a:lnRef>
-          <a:fillRef idx="1">
-            <a:schemeClr val="accent1"/>
-          </a:fillRef>
-          <a:effectRef idx="0">
-            <a:schemeClr val="accent1"/>
-          </a:effectRef>
-          <a:fontRef idx="minor">
-            <a:schemeClr val="lt1"/>
-          </a:fontRef>
-        </p:style>
-        <p:txBody>
-          <a:bodyPr rtlCol="0" anchor="ctr"/>
-          <a:lstStyle/>
-          <a:p>
-            <a:pPr algn="ctr"/>
-            <a:endParaRPr lang="en-US"/>
-          </a:p>
-        </p:txBody>
-      </p:sp>
-      <p:sp>
-        <p:nvSpPr>
-          <p:cNvPr id="17" name="Isosceles Triangle 16">
-            <a:extLst>
-              <a:ext uri="{FF2B5EF4-FFF2-40B4-BE49-F238E27FC236}">
-                <a16:creationId xmlns:a16="http://schemas.microsoft.com/office/drawing/2014/main" id="{D3F51FEB-38FB-4F6C-9F7B-2F2AFAB65463}"/>
-              </a:ext>
-              <a:ext uri="{C183D7F6-B498-43B3-948B-1728B52AA6E4}">
-                <adec:decorative xmlns:adec="http://schemas.microsoft.com/office/drawing/2017/decorative" val="1"/>
-              </a:ext>
-            </a:extLst>
-          </p:cNvPr>
-          <p:cNvSpPr>
-            <a:spLocks noGrp="1" noRot="1" noChangeAspect="1" noMove="1" noResize="1" noEditPoints="1" noAdjustHandles="1" noChangeArrowheads="1" noChangeShapeType="1" noTextEdit="1"/>
-          </p:cNvSpPr>
-          <p:nvPr>
-            <p:extLst>
-              <p:ext uri="{386F3935-93C4-4BCD-93E2-E3B085C9AB24}">
-                <p16:designElem xmlns:p16="http://schemas.microsoft.com/office/powerpoint/2015/main" val="1"/>
-              </p:ext>
-            </p:extLst>
-          </p:nvPr>
-        </p:nvSpPr>
-        <p:spPr>
-          <a:xfrm rot="5400000">
-            <a:off x="-501760" y="5103257"/>
-            <a:ext cx="2017580" cy="1014060"/>
-          </a:xfrm>
-          <a:prstGeom prst="triangle">
-            <a:avLst>
-              <a:gd name="adj" fmla="val 50000"/>
-            </a:avLst>
-          </a:prstGeom>
-          <a:solidFill>
-            <a:schemeClr val="accent1">
-              <a:alpha val="30000"/>
-            </a:schemeClr>
-          </a:solidFill>
-          <a:ln>
-            <a:noFill/>
-          </a:ln>
-        </p:spPr>
-        <p:style>
-          <a:lnRef idx="2">
-            <a:schemeClr val="accent1">
-              <a:shade val="50000"/>
-            </a:schemeClr>
-          </a:lnRef>
-          <a:fillRef idx="1">
-            <a:schemeClr val="accent1"/>
-          </a:fillRef>
-          <a:effectRef idx="0">
-            <a:schemeClr val="accent1"/>
-          </a:effectRef>
-          <a:fontRef idx="minor">
-            <a:schemeClr val="lt1"/>
-          </a:fontRef>
-        </p:style>
-        <p:txBody>
-          <a:bodyPr rtlCol="0" anchor="ctr"/>
-          <a:lstStyle/>
-          <a:p>
-            <a:pPr algn="ctr"/>
-            <a:endParaRPr lang="en-US"/>
-          </a:p>
-        </p:txBody>
-      </p:sp>
-      <p:sp>
-        <p:nvSpPr>
-          <p:cNvPr id="19" name="Rectangle 18">
-            <a:extLst>
-              <a:ext uri="{FF2B5EF4-FFF2-40B4-BE49-F238E27FC236}">
-                <a16:creationId xmlns:a16="http://schemas.microsoft.com/office/drawing/2014/main" id="{1E547BA6-BAE0-43BB-A7CA-60F69CE252F0}"/>
-              </a:ext>
-              <a:ext uri="{C183D7F6-B498-43B3-948B-1728B52AA6E4}">
-                <adec:decorative xmlns:adec="http://schemas.microsoft.com/office/drawing/2017/decorative" val="1"/>
-              </a:ext>
-            </a:extLst>
-          </p:cNvPr>
-          <p:cNvSpPr>
-            <a:spLocks noGrp="1" noRot="1" noChangeAspect="1" noMove="1" noResize="1" noEditPoints="1" noAdjustHandles="1" noChangeArrowheads="1" noChangeShapeType="1" noTextEdit="1"/>
-          </p:cNvSpPr>
-          <p:nvPr>
-            <p:extLst>
-              <p:ext uri="{386F3935-93C4-4BCD-93E2-E3B085C9AB24}">
-                <p16:designElem xmlns:p16="http://schemas.microsoft.com/office/powerpoint/2015/main" val="1"/>
-              </p:ext>
-            </p:extLst>
-          </p:nvPr>
-        </p:nvSpPr>
-        <p:spPr>
-          <a:xfrm rot="2700000">
-            <a:off x="427916" y="5728708"/>
-            <a:ext cx="485578" cy="485578"/>
-          </a:xfrm>
-          <a:prstGeom prst="rect">
-            <a:avLst/>
-          </a:prstGeom>
-          <a:solidFill>
-            <a:schemeClr val="accent1">
-              <a:alpha val="30000"/>
-            </a:schemeClr>
-          </a:solidFill>
-          <a:ln>
-            <a:noFill/>
-          </a:ln>
-        </p:spPr>
-        <p:style>
-          <a:lnRef idx="2">
-            <a:schemeClr val="accent1">
-              <a:shade val="50000"/>
-            </a:schemeClr>
-          </a:lnRef>
-          <a:fillRef idx="1">
-            <a:schemeClr val="accent1"/>
-          </a:fillRef>
-          <a:effectRef idx="0">
-            <a:schemeClr val="accent1"/>
-          </a:effectRef>
-          <a:fontRef idx="minor">
-            <a:schemeClr val="lt1"/>
-          </a:fontRef>
-        </p:style>
-        <p:txBody>
-          <a:bodyPr rtlCol="0" anchor="ctr"/>
-          <a:lstStyle/>
-          <a:p>
-            <a:pPr algn="ctr"/>
-            <a:endParaRPr lang="en-US"/>
-          </a:p>
-        </p:txBody>
-      </p:sp>
-      <p:sp>
-        <p:nvSpPr>
-          <p:cNvPr id="4" name="Footer Placeholder 3">
-            <a:extLst>
-              <a:ext uri="{FF2B5EF4-FFF2-40B4-BE49-F238E27FC236}">
-                <a16:creationId xmlns:a16="http://schemas.microsoft.com/office/drawing/2014/main" id="{E44C2813-E443-459A-8EC4-EDBFDF99C9C8}"/>
-              </a:ext>
-            </a:extLst>
-          </p:cNvPr>
-          <p:cNvSpPr>
-            <a:spLocks noGrp="1"/>
-          </p:cNvSpPr>
-          <p:nvPr>
-            <p:ph type="ftr" sz="quarter" idx="11"/>
-          </p:nvPr>
-        </p:nvSpPr>
-        <p:spPr>
-          <a:xfrm>
-            <a:off x="4038600" y="6356350"/>
-            <a:ext cx="4114800" cy="365125"/>
-          </a:xfrm>
-        </p:spPr>
-        <p:txBody>
-          <a:bodyPr>
-            <a:normAutofit/>
-          </a:bodyPr>
-          <a:lstStyle/>
-          <a:p>
-            <a:pPr>
-              <a:spcAft>
-                <a:spcPts val="600"/>
-              </a:spcAft>
-            </a:pPr>
-            <a:r>
-              <a:rPr lang="en-US"/>
-              <a:t>Mike Nguyen</a:t>
-            </a:r>
-          </a:p>
-        </p:txBody>
-      </p:sp>
-      <p:sp>
-        <p:nvSpPr>
-          <p:cNvPr id="5" name="Slide Number Placeholder 4">
-            <a:extLst>
-              <a:ext uri="{FF2B5EF4-FFF2-40B4-BE49-F238E27FC236}">
-                <a16:creationId xmlns:a16="http://schemas.microsoft.com/office/drawing/2014/main" id="{7CF00079-6516-4B07-94A8-6FCFE0DB2990}"/>
-              </a:ext>
-            </a:extLst>
-          </p:cNvPr>
-          <p:cNvSpPr>
-            <a:spLocks noGrp="1"/>
-          </p:cNvSpPr>
-          <p:nvPr>
-            <p:ph type="sldNum" sz="quarter" idx="12"/>
-          </p:nvPr>
-        </p:nvSpPr>
-        <p:spPr>
-          <a:xfrm>
-            <a:off x="8805333" y="6356350"/>
-            <a:ext cx="2743200" cy="365125"/>
-          </a:xfrm>
-        </p:spPr>
-        <p:txBody>
-          <a:bodyPr>
-            <a:normAutofit/>
-          </a:bodyPr>
-          <a:lstStyle/>
-          <a:p>
-            <a:pPr>
-              <a:spcAft>
-                <a:spcPts val="600"/>
-              </a:spcAft>
-            </a:pPr>
-            <a:fld id="{A6AF1B4E-90EC-4A51-B6E5-B702C054ECB0}" type="slidenum">
-              <a:rPr lang="en-US" smtClean="0"/>
-              <a:pPr>
-                <a:spcAft>
-                  <a:spcPts val="600"/>
-                </a:spcAft>
-              </a:pPr>
-              <a:t>19</a:t>
-            </a:fld>
-            <a:endParaRPr lang="en-US"/>
-          </a:p>
-        </p:txBody>
-      </p:sp>
-      <p:graphicFrame>
-        <p:nvGraphicFramePr>
-          <p:cNvPr id="7" name="Content Placeholder 2">
-            <a:extLst>
-              <a:ext uri="{FF2B5EF4-FFF2-40B4-BE49-F238E27FC236}">
-                <a16:creationId xmlns:a16="http://schemas.microsoft.com/office/drawing/2014/main" id="{FACB191C-FBB5-4F27-9CAA-E5277144F25E}"/>
-              </a:ext>
-            </a:extLst>
-          </p:cNvPr>
-          <p:cNvGraphicFramePr>
-            <a:graphicFrameLocks noGrp="1"/>
-          </p:cNvGraphicFramePr>
-          <p:nvPr>
-            <p:ph idx="1"/>
-            <p:extLst>
-              <p:ext uri="{D42A27DB-BD31-4B8C-83A1-F6EECF244321}">
-                <p14:modId xmlns:p14="http://schemas.microsoft.com/office/powerpoint/2010/main" val="2093128920"/>
-              </p:ext>
-            </p:extLst>
-          </p:nvPr>
-        </p:nvGraphicFramePr>
-        <p:xfrm>
-          <a:off x="838200" y="1825625"/>
-          <a:ext cx="10515600" cy="4351338"/>
-        </p:xfrm>
-        <a:graphic>
-          <a:graphicData uri="http://schemas.openxmlformats.org/drawingml/2006/diagram">
-            <dgm:relIds xmlns:dgm="http://schemas.openxmlformats.org/drawingml/2006/diagram" xmlns:r="http://schemas.openxmlformats.org/officeDocument/2006/relationships" r:dm="rId3" r:lo="rId4" r:qs="rId5" r:cs="rId6"/>
-          </a:graphicData>
-        </a:graphic>
-      </p:graphicFrame>
-    </p:spTree>
-    <p:extLst>
-      <p:ext uri="{BB962C8B-B14F-4D97-AF65-F5344CB8AC3E}">
-        <p14:creationId xmlns:p14="http://schemas.microsoft.com/office/powerpoint/2010/main" val="1941894706"/>
-      </p:ext>
-    </p:extLst>
-  </p:cSld>
-  <p:clrMapOvr>
-    <a:masterClrMapping/>
-  </p:clrMapOvr>
 </p:sld>
 </file>
 
@@ -32638,6 +32296,1101 @@
 </p:sld>
 </file>
 
+<file path=ppt/slides/slide20.xml><?xml version="1.0" encoding="utf-8"?>
+<p:sld xmlns:a="http://schemas.openxmlformats.org/drawingml/2006/main" xmlns:r="http://schemas.openxmlformats.org/officeDocument/2006/relationships" xmlns:p="http://schemas.openxmlformats.org/presentationml/2006/main">
+  <p:cSld>
+    <p:bg>
+      <p:bgPr>
+        <a:solidFill>
+          <a:schemeClr val="bg1"/>
+        </a:solidFill>
+        <a:effectLst/>
+      </p:bgPr>
+    </p:bg>
+    <p:spTree>
+      <p:nvGrpSpPr>
+        <p:cNvPr id="1" name=""/>
+        <p:cNvGrpSpPr/>
+        <p:nvPr/>
+      </p:nvGrpSpPr>
+      <p:grpSpPr>
+        <a:xfrm>
+          <a:off x="0" y="0"/>
+          <a:ext cx="0" cy="0"/>
+          <a:chOff x="0" y="0"/>
+          <a:chExt cx="0" cy="0"/>
+        </a:xfrm>
+      </p:grpSpPr>
+      <p:sp useBgFill="1">
+        <p:nvSpPr>
+          <p:cNvPr id="16" name="Rectangle 11">
+            <a:extLst>
+              <a:ext uri="{FF2B5EF4-FFF2-40B4-BE49-F238E27FC236}">
+                <a16:creationId xmlns:a16="http://schemas.microsoft.com/office/drawing/2014/main" id="{743AA782-23D1-4521-8CAD-47662984AA08}"/>
+              </a:ext>
+              <a:ext uri="{C183D7F6-B498-43B3-948B-1728B52AA6E4}">
+                <adec:decorative xmlns:adec="http://schemas.microsoft.com/office/drawing/2017/decorative" val="1"/>
+              </a:ext>
+            </a:extLst>
+          </p:cNvPr>
+          <p:cNvSpPr>
+            <a:spLocks noGrp="1" noRot="1" noChangeAspect="1" noMove="1" noResize="1" noEditPoints="1" noAdjustHandles="1" noChangeArrowheads="1" noChangeShapeType="1" noTextEdit="1"/>
+          </p:cNvSpPr>
+          <p:nvPr>
+            <p:extLst>
+              <p:ext uri="{386F3935-93C4-4BCD-93E2-E3B085C9AB24}">
+                <p16:designElem xmlns:p16="http://schemas.microsoft.com/office/powerpoint/2015/main" val="1"/>
+              </p:ext>
+            </p:extLst>
+          </p:nvPr>
+        </p:nvSpPr>
+        <p:spPr>
+          <a:xfrm>
+            <a:off x="0" y="0"/>
+            <a:ext cx="12192000" cy="6858000"/>
+          </a:xfrm>
+          <a:prstGeom prst="rect">
+            <a:avLst/>
+          </a:prstGeom>
+          <a:ln>
+            <a:noFill/>
+          </a:ln>
+        </p:spPr>
+        <p:style>
+          <a:lnRef idx="2">
+            <a:schemeClr val="accent1">
+              <a:shade val="50000"/>
+            </a:schemeClr>
+          </a:lnRef>
+          <a:fillRef idx="1">
+            <a:schemeClr val="accent1"/>
+          </a:fillRef>
+          <a:effectRef idx="0">
+            <a:schemeClr val="accent1"/>
+          </a:effectRef>
+          <a:fontRef idx="minor">
+            <a:schemeClr val="lt1"/>
+          </a:fontRef>
+        </p:style>
+        <p:txBody>
+          <a:bodyPr rtlCol="0" anchor="ctr"/>
+          <a:lstStyle/>
+          <a:p>
+            <a:pPr algn="ctr"/>
+            <a:endParaRPr lang="en-US"/>
+          </a:p>
+        </p:txBody>
+      </p:sp>
+      <p:sp>
+        <p:nvSpPr>
+          <p:cNvPr id="2" name="Title 1">
+            <a:extLst>
+              <a:ext uri="{FF2B5EF4-FFF2-40B4-BE49-F238E27FC236}">
+                <a16:creationId xmlns:a16="http://schemas.microsoft.com/office/drawing/2014/main" id="{78C96F11-11D8-459B-BE4E-233E24E3D1B5}"/>
+              </a:ext>
+            </a:extLst>
+          </p:cNvPr>
+          <p:cNvSpPr>
+            <a:spLocks noGrp="1"/>
+          </p:cNvSpPr>
+          <p:nvPr>
+            <p:ph type="title"/>
+          </p:nvPr>
+        </p:nvSpPr>
+        <p:spPr>
+          <a:xfrm>
+            <a:off x="630936" y="640080"/>
+            <a:ext cx="4818888" cy="1481328"/>
+          </a:xfrm>
+        </p:spPr>
+        <p:txBody>
+          <a:bodyPr anchor="b">
+            <a:normAutofit/>
+          </a:bodyPr>
+          <a:lstStyle/>
+          <a:p>
+            <a:r>
+              <a:rPr lang="en-US" sz="5400"/>
+              <a:t>Recap &amp; Next</a:t>
+            </a:r>
+          </a:p>
+        </p:txBody>
+      </p:sp>
+      <p:sp>
+        <p:nvSpPr>
+          <p:cNvPr id="17" name="sketch line">
+            <a:extLst>
+              <a:ext uri="{FF2B5EF4-FFF2-40B4-BE49-F238E27FC236}">
+                <a16:creationId xmlns:a16="http://schemas.microsoft.com/office/drawing/2014/main" id="{71877DBC-BB60-40F0-AC93-2ACDBAAE60CE}"/>
+              </a:ext>
+              <a:ext uri="{C183D7F6-B498-43B3-948B-1728B52AA6E4}">
+                <adec:decorative xmlns:adec="http://schemas.microsoft.com/office/drawing/2017/decorative" val="1"/>
+              </a:ext>
+            </a:extLst>
+          </p:cNvPr>
+          <p:cNvSpPr>
+            <a:spLocks noGrp="1" noRot="1" noChangeAspect="1" noMove="1" noResize="1" noEditPoints="1" noAdjustHandles="1" noChangeArrowheads="1" noChangeShapeType="1" noTextEdit="1"/>
+          </p:cNvSpPr>
+          <p:nvPr>
+            <p:extLst>
+              <p:ext uri="{386F3935-93C4-4BCD-93E2-E3B085C9AB24}">
+                <p16:designElem xmlns:p16="http://schemas.microsoft.com/office/powerpoint/2015/main" val="1"/>
+              </p:ext>
+            </p:extLst>
+          </p:nvPr>
+        </p:nvSpPr>
+        <p:spPr>
+          <a:xfrm>
+            <a:off x="643278" y="2372868"/>
+            <a:ext cx="3255095" cy="18288"/>
+          </a:xfrm>
+          <a:custGeom>
+            <a:avLst/>
+            <a:gdLst>
+              <a:gd name="connsiteX0" fmla="*/ 0 w 3255095"/>
+              <a:gd name="connsiteY0" fmla="*/ 0 h 18288"/>
+              <a:gd name="connsiteX1" fmla="*/ 618468 w 3255095"/>
+              <a:gd name="connsiteY1" fmla="*/ 0 h 18288"/>
+              <a:gd name="connsiteX2" fmla="*/ 1269487 w 3255095"/>
+              <a:gd name="connsiteY2" fmla="*/ 0 h 18288"/>
+              <a:gd name="connsiteX3" fmla="*/ 1953057 w 3255095"/>
+              <a:gd name="connsiteY3" fmla="*/ 0 h 18288"/>
+              <a:gd name="connsiteX4" fmla="*/ 2636627 w 3255095"/>
+              <a:gd name="connsiteY4" fmla="*/ 0 h 18288"/>
+              <a:gd name="connsiteX5" fmla="*/ 3255095 w 3255095"/>
+              <a:gd name="connsiteY5" fmla="*/ 0 h 18288"/>
+              <a:gd name="connsiteX6" fmla="*/ 3255095 w 3255095"/>
+              <a:gd name="connsiteY6" fmla="*/ 18288 h 18288"/>
+              <a:gd name="connsiteX7" fmla="*/ 2538974 w 3255095"/>
+              <a:gd name="connsiteY7" fmla="*/ 18288 h 18288"/>
+              <a:gd name="connsiteX8" fmla="*/ 1822853 w 3255095"/>
+              <a:gd name="connsiteY8" fmla="*/ 18288 h 18288"/>
+              <a:gd name="connsiteX9" fmla="*/ 1171834 w 3255095"/>
+              <a:gd name="connsiteY9" fmla="*/ 18288 h 18288"/>
+              <a:gd name="connsiteX10" fmla="*/ 0 w 3255095"/>
+              <a:gd name="connsiteY10" fmla="*/ 18288 h 18288"/>
+              <a:gd name="connsiteX11" fmla="*/ 0 w 3255095"/>
+              <a:gd name="connsiteY11" fmla="*/ 0 h 18288"/>
+            </a:gdLst>
+            <a:ahLst/>
+            <a:cxnLst>
+              <a:cxn ang="0">
+                <a:pos x="connsiteX0" y="connsiteY0"/>
+              </a:cxn>
+              <a:cxn ang="0">
+                <a:pos x="connsiteX1" y="connsiteY1"/>
+              </a:cxn>
+              <a:cxn ang="0">
+                <a:pos x="connsiteX2" y="connsiteY2"/>
+              </a:cxn>
+              <a:cxn ang="0">
+                <a:pos x="connsiteX3" y="connsiteY3"/>
+              </a:cxn>
+              <a:cxn ang="0">
+                <a:pos x="connsiteX4" y="connsiteY4"/>
+              </a:cxn>
+              <a:cxn ang="0">
+                <a:pos x="connsiteX5" y="connsiteY5"/>
+              </a:cxn>
+              <a:cxn ang="0">
+                <a:pos x="connsiteX6" y="connsiteY6"/>
+              </a:cxn>
+              <a:cxn ang="0">
+                <a:pos x="connsiteX7" y="connsiteY7"/>
+              </a:cxn>
+              <a:cxn ang="0">
+                <a:pos x="connsiteX8" y="connsiteY8"/>
+              </a:cxn>
+              <a:cxn ang="0">
+                <a:pos x="connsiteX9" y="connsiteY9"/>
+              </a:cxn>
+              <a:cxn ang="0">
+                <a:pos x="connsiteX10" y="connsiteY10"/>
+              </a:cxn>
+              <a:cxn ang="0">
+                <a:pos x="connsiteX11" y="connsiteY11"/>
+              </a:cxn>
+            </a:cxnLst>
+            <a:rect l="l" t="t" r="r" b="b"/>
+            <a:pathLst>
+              <a:path w="3255095" h="18288" fill="none" extrusionOk="0">
+                <a:moveTo>
+                  <a:pt x="0" y="0"/>
+                </a:moveTo>
+                <a:cubicBezTo>
+                  <a:pt x="240201" y="-22123"/>
+                  <a:pt x="462021" y="-19623"/>
+                  <a:pt x="618468" y="0"/>
+                </a:cubicBezTo>
+                <a:cubicBezTo>
+                  <a:pt x="774915" y="19623"/>
+                  <a:pt x="974734" y="2035"/>
+                  <a:pt x="1269487" y="0"/>
+                </a:cubicBezTo>
+                <a:cubicBezTo>
+                  <a:pt x="1564240" y="-2035"/>
+                  <a:pt x="1733579" y="10639"/>
+                  <a:pt x="1953057" y="0"/>
+                </a:cubicBezTo>
+                <a:cubicBezTo>
+                  <a:pt x="2172535" y="-10639"/>
+                  <a:pt x="2453962" y="14018"/>
+                  <a:pt x="2636627" y="0"/>
+                </a:cubicBezTo>
+                <a:cubicBezTo>
+                  <a:pt x="2819292" y="-14018"/>
+                  <a:pt x="3121375" y="5399"/>
+                  <a:pt x="3255095" y="0"/>
+                </a:cubicBezTo>
+                <a:cubicBezTo>
+                  <a:pt x="3254386" y="8157"/>
+                  <a:pt x="3254682" y="12125"/>
+                  <a:pt x="3255095" y="18288"/>
+                </a:cubicBezTo>
+                <a:cubicBezTo>
+                  <a:pt x="3088545" y="23203"/>
+                  <a:pt x="2687475" y="7419"/>
+                  <a:pt x="2538974" y="18288"/>
+                </a:cubicBezTo>
+                <a:cubicBezTo>
+                  <a:pt x="2390473" y="29157"/>
+                  <a:pt x="2137381" y="-8959"/>
+                  <a:pt x="1822853" y="18288"/>
+                </a:cubicBezTo>
+                <a:cubicBezTo>
+                  <a:pt x="1508325" y="45535"/>
+                  <a:pt x="1466437" y="20385"/>
+                  <a:pt x="1171834" y="18288"/>
+                </a:cubicBezTo>
+                <a:cubicBezTo>
+                  <a:pt x="877231" y="16191"/>
+                  <a:pt x="561097" y="37643"/>
+                  <a:pt x="0" y="18288"/>
+                </a:cubicBezTo>
+                <a:cubicBezTo>
+                  <a:pt x="-46" y="12483"/>
+                  <a:pt x="-203" y="6491"/>
+                  <a:pt x="0" y="0"/>
+                </a:cubicBezTo>
+                <a:close/>
+              </a:path>
+              <a:path w="3255095" h="18288" stroke="0" extrusionOk="0">
+                <a:moveTo>
+                  <a:pt x="0" y="0"/>
+                </a:moveTo>
+                <a:cubicBezTo>
+                  <a:pt x="291965" y="19429"/>
+                  <a:pt x="363155" y="8568"/>
+                  <a:pt x="618468" y="0"/>
+                </a:cubicBezTo>
+                <a:cubicBezTo>
+                  <a:pt x="873781" y="-8568"/>
+                  <a:pt x="904459" y="-19505"/>
+                  <a:pt x="1171834" y="0"/>
+                </a:cubicBezTo>
+                <a:cubicBezTo>
+                  <a:pt x="1439209" y="19505"/>
+                  <a:pt x="1744369" y="9790"/>
+                  <a:pt x="1887955" y="0"/>
+                </a:cubicBezTo>
+                <a:cubicBezTo>
+                  <a:pt x="2031541" y="-9790"/>
+                  <a:pt x="2346378" y="21240"/>
+                  <a:pt x="2506423" y="0"/>
+                </a:cubicBezTo>
+                <a:cubicBezTo>
+                  <a:pt x="2666468" y="-21240"/>
+                  <a:pt x="2990257" y="30414"/>
+                  <a:pt x="3255095" y="0"/>
+                </a:cubicBezTo>
+                <a:cubicBezTo>
+                  <a:pt x="3254831" y="4493"/>
+                  <a:pt x="3255479" y="9472"/>
+                  <a:pt x="3255095" y="18288"/>
+                </a:cubicBezTo>
+                <a:cubicBezTo>
+                  <a:pt x="3120743" y="16690"/>
+                  <a:pt x="2759628" y="42462"/>
+                  <a:pt x="2604076" y="18288"/>
+                </a:cubicBezTo>
+                <a:cubicBezTo>
+                  <a:pt x="2448524" y="-5886"/>
+                  <a:pt x="2184336" y="19599"/>
+                  <a:pt x="1887955" y="18288"/>
+                </a:cubicBezTo>
+                <a:cubicBezTo>
+                  <a:pt x="1591574" y="16977"/>
+                  <a:pt x="1548845" y="6870"/>
+                  <a:pt x="1334589" y="18288"/>
+                </a:cubicBezTo>
+                <a:cubicBezTo>
+                  <a:pt x="1120333" y="29706"/>
+                  <a:pt x="996014" y="9662"/>
+                  <a:pt x="683570" y="18288"/>
+                </a:cubicBezTo>
+                <a:cubicBezTo>
+                  <a:pt x="371126" y="26914"/>
+                  <a:pt x="198687" y="16167"/>
+                  <a:pt x="0" y="18288"/>
+                </a:cubicBezTo>
+                <a:cubicBezTo>
+                  <a:pt x="843" y="9577"/>
+                  <a:pt x="371" y="6900"/>
+                  <a:pt x="0" y="0"/>
+                </a:cubicBezTo>
+                <a:close/>
+              </a:path>
+            </a:pathLst>
+          </a:custGeom>
+          <a:solidFill>
+            <a:schemeClr val="accent2"/>
+          </a:solidFill>
+          <a:ln w="38100" cap="rnd">
+            <a:solidFill>
+              <a:schemeClr val="accent2"/>
+            </a:solidFill>
+            <a:round/>
+            <a:extLst>
+              <a:ext uri="{C807C97D-BFC1-408E-A445-0C87EB9F89A2}">
+                <ask:lineSketchStyleProps xmlns:ask="http://schemas.microsoft.com/office/drawing/2018/sketchyshapes" sd="1219033472">
+                  <a:prstGeom prst="rect">
+                    <a:avLst/>
+                  </a:prstGeom>
+                  <ask:type>
+                    <ask:lineSketchFreehand/>
+                  </ask:type>
+                </ask:lineSketchStyleProps>
+              </a:ext>
+            </a:extLst>
+          </a:ln>
+        </p:spPr>
+        <p:style>
+          <a:lnRef idx="2">
+            <a:schemeClr val="accent1">
+              <a:shade val="50000"/>
+            </a:schemeClr>
+          </a:lnRef>
+          <a:fillRef idx="1">
+            <a:schemeClr val="accent1"/>
+          </a:fillRef>
+          <a:effectRef idx="0">
+            <a:schemeClr val="accent1"/>
+          </a:effectRef>
+          <a:fontRef idx="minor">
+            <a:schemeClr val="lt1"/>
+          </a:fontRef>
+        </p:style>
+        <p:txBody>
+          <a:bodyPr rtlCol="0" anchor="ctr"/>
+          <a:lstStyle/>
+          <a:p>
+            <a:pPr algn="ctr"/>
+            <a:endParaRPr lang="en-US"/>
+          </a:p>
+        </p:txBody>
+      </p:sp>
+      <p:sp>
+        <p:nvSpPr>
+          <p:cNvPr id="3" name="Content Placeholder 2">
+            <a:extLst>
+              <a:ext uri="{FF2B5EF4-FFF2-40B4-BE49-F238E27FC236}">
+                <a16:creationId xmlns:a16="http://schemas.microsoft.com/office/drawing/2014/main" id="{C75BE2C7-92FC-48A2-B4D2-148B067ADEDB}"/>
+              </a:ext>
+            </a:extLst>
+          </p:cNvPr>
+          <p:cNvSpPr>
+            <a:spLocks noGrp="1"/>
+          </p:cNvSpPr>
+          <p:nvPr>
+            <p:ph idx="1"/>
+          </p:nvPr>
+        </p:nvSpPr>
+        <p:spPr>
+          <a:xfrm>
+            <a:off x="630936" y="2660904"/>
+            <a:ext cx="4818888" cy="3547872"/>
+          </a:xfrm>
+        </p:spPr>
+        <p:txBody>
+          <a:bodyPr anchor="t">
+            <a:normAutofit/>
+          </a:bodyPr>
+          <a:lstStyle/>
+          <a:p>
+            <a:r>
+              <a:rPr lang="en-US" sz="2200" dirty="0"/>
+              <a:t>Syllabus (attendance, PA, CE)</a:t>
+            </a:r>
+          </a:p>
+          <a:p>
+            <a:r>
+              <a:rPr lang="en-US" sz="2200" dirty="0"/>
+              <a:t>Purpose and definition of marketing research </a:t>
+            </a:r>
+          </a:p>
+          <a:p>
+            <a:r>
+              <a:rPr lang="en-US" sz="2200" dirty="0"/>
+              <a:t>Assignment due: PA #1 </a:t>
+            </a:r>
+          </a:p>
+        </p:txBody>
+      </p:sp>
+      <p:pic>
+        <p:nvPicPr>
+          <p:cNvPr id="18" name="Graphic 8" descr="Error">
+            <a:extLst>
+              <a:ext uri="{FF2B5EF4-FFF2-40B4-BE49-F238E27FC236}">
+                <a16:creationId xmlns:a16="http://schemas.microsoft.com/office/drawing/2014/main" id="{FB1E412B-913A-4B87-8B32-BA2421E92D02}"/>
+              </a:ext>
+            </a:extLst>
+          </p:cNvPr>
+          <p:cNvPicPr>
+            <a:picLocks noChangeAspect="1"/>
+          </p:cNvPicPr>
+          <p:nvPr/>
+        </p:nvPicPr>
+        <p:blipFill>
+          <a:blip r:embed="rId2">
+            <a:extLst>
+              <a:ext uri="{28A0092B-C50C-407E-A947-70E740481C1C}">
+                <a14:useLocalDpi xmlns:a14="http://schemas.microsoft.com/office/drawing/2010/main" val="0"/>
+              </a:ext>
+              <a:ext uri="{96DAC541-7B7A-43D3-8B79-37D633B846F1}">
+                <asvg:svgBlip xmlns:asvg="http://schemas.microsoft.com/office/drawing/2016/SVG/main" r:embed="rId3"/>
+              </a:ext>
+            </a:extLst>
+          </a:blip>
+          <a:stretch>
+            <a:fillRect/>
+          </a:stretch>
+        </p:blipFill>
+        <p:spPr>
+          <a:xfrm>
+            <a:off x="6099048" y="699516"/>
+            <a:ext cx="5458968" cy="5458968"/>
+          </a:xfrm>
+          <a:prstGeom prst="rect">
+            <a:avLst/>
+          </a:prstGeom>
+        </p:spPr>
+      </p:pic>
+      <p:sp>
+        <p:nvSpPr>
+          <p:cNvPr id="4" name="Footer Placeholder 3">
+            <a:extLst>
+              <a:ext uri="{FF2B5EF4-FFF2-40B4-BE49-F238E27FC236}">
+                <a16:creationId xmlns:a16="http://schemas.microsoft.com/office/drawing/2014/main" id="{C13D5BD8-3E69-44C7-9311-9E7890910FBE}"/>
+              </a:ext>
+            </a:extLst>
+          </p:cNvPr>
+          <p:cNvSpPr>
+            <a:spLocks noGrp="1"/>
+          </p:cNvSpPr>
+          <p:nvPr>
+            <p:ph type="ftr" sz="quarter" idx="11"/>
+          </p:nvPr>
+        </p:nvSpPr>
+        <p:spPr>
+          <a:xfrm>
+            <a:off x="4038600" y="6356350"/>
+            <a:ext cx="4114800" cy="365125"/>
+          </a:xfrm>
+        </p:spPr>
+        <p:txBody>
+          <a:bodyPr>
+            <a:normAutofit/>
+          </a:bodyPr>
+          <a:lstStyle/>
+          <a:p>
+            <a:pPr>
+              <a:spcAft>
+                <a:spcPts val="600"/>
+              </a:spcAft>
+            </a:pPr>
+            <a:r>
+              <a:rPr lang="en-US"/>
+              <a:t>Mike Nguyen</a:t>
+            </a:r>
+          </a:p>
+        </p:txBody>
+      </p:sp>
+      <p:sp>
+        <p:nvSpPr>
+          <p:cNvPr id="5" name="Slide Number Placeholder 4">
+            <a:extLst>
+              <a:ext uri="{FF2B5EF4-FFF2-40B4-BE49-F238E27FC236}">
+                <a16:creationId xmlns:a16="http://schemas.microsoft.com/office/drawing/2014/main" id="{1764C462-80B6-4BFE-AD67-BEE7092035FA}"/>
+              </a:ext>
+            </a:extLst>
+          </p:cNvPr>
+          <p:cNvSpPr>
+            <a:spLocks noGrp="1"/>
+          </p:cNvSpPr>
+          <p:nvPr>
+            <p:ph type="sldNum" sz="quarter" idx="12"/>
+          </p:nvPr>
+        </p:nvSpPr>
+        <p:spPr>
+          <a:xfrm>
+            <a:off x="8610600" y="6356350"/>
+            <a:ext cx="2743200" cy="365125"/>
+          </a:xfrm>
+        </p:spPr>
+        <p:txBody>
+          <a:bodyPr>
+            <a:normAutofit/>
+          </a:bodyPr>
+          <a:lstStyle/>
+          <a:p>
+            <a:pPr>
+              <a:spcAft>
+                <a:spcPts val="600"/>
+              </a:spcAft>
+            </a:pPr>
+            <a:fld id="{A6AF1B4E-90EC-4A51-B6E5-B702C054ECB0}" type="slidenum">
+              <a:rPr lang="en-US" smtClean="0"/>
+              <a:pPr>
+                <a:spcAft>
+                  <a:spcPts val="600"/>
+                </a:spcAft>
+              </a:pPr>
+              <a:t>20</a:t>
+            </a:fld>
+            <a:endParaRPr lang="en-US"/>
+          </a:p>
+        </p:txBody>
+      </p:sp>
+    </p:spTree>
+    <p:extLst>
+      <p:ext uri="{BB962C8B-B14F-4D97-AF65-F5344CB8AC3E}">
+        <p14:creationId xmlns:p14="http://schemas.microsoft.com/office/powerpoint/2010/main" val="2120122188"/>
+      </p:ext>
+    </p:extLst>
+  </p:cSld>
+  <p:clrMapOvr>
+    <a:masterClrMapping/>
+  </p:clrMapOvr>
+</p:sld>
+</file>
+
+<file path=ppt/slides/slide21.xml><?xml version="1.0" encoding="utf-8"?>
+<p:sld xmlns:a="http://schemas.openxmlformats.org/drawingml/2006/main" xmlns:r="http://schemas.openxmlformats.org/officeDocument/2006/relationships" xmlns:p="http://schemas.openxmlformats.org/presentationml/2006/main">
+  <p:cSld>
+    <p:bg>
+      <p:bgPr>
+        <a:solidFill>
+          <a:schemeClr val="bg1"/>
+        </a:solidFill>
+        <a:effectLst/>
+      </p:bgPr>
+    </p:bg>
+    <p:spTree>
+      <p:nvGrpSpPr>
+        <p:cNvPr id="1" name=""/>
+        <p:cNvGrpSpPr/>
+        <p:nvPr/>
+      </p:nvGrpSpPr>
+      <p:grpSpPr>
+        <a:xfrm>
+          <a:off x="0" y="0"/>
+          <a:ext cx="0" cy="0"/>
+          <a:chOff x="0" y="0"/>
+          <a:chExt cx="0" cy="0"/>
+        </a:xfrm>
+      </p:grpSpPr>
+      <p:sp>
+        <p:nvSpPr>
+          <p:cNvPr id="11" name="Rectangle 10">
+            <a:extLst>
+              <a:ext uri="{FF2B5EF4-FFF2-40B4-BE49-F238E27FC236}">
+                <a16:creationId xmlns:a16="http://schemas.microsoft.com/office/drawing/2014/main" id="{2B566528-1B12-4246-9431-5C2D7D081168}"/>
+              </a:ext>
+              <a:ext uri="{C183D7F6-B498-43B3-948B-1728B52AA6E4}">
+                <adec:decorative xmlns:adec="http://schemas.microsoft.com/office/drawing/2017/decorative" val="1"/>
+              </a:ext>
+            </a:extLst>
+          </p:cNvPr>
+          <p:cNvSpPr>
+            <a:spLocks noGrp="1" noRot="1" noChangeAspect="1" noMove="1" noResize="1" noEditPoints="1" noAdjustHandles="1" noChangeArrowheads="1" noChangeShapeType="1" noTextEdit="1"/>
+          </p:cNvSpPr>
+          <p:nvPr>
+            <p:extLst>
+              <p:ext uri="{386F3935-93C4-4BCD-93E2-E3B085C9AB24}">
+                <p16:designElem xmlns:p16="http://schemas.microsoft.com/office/powerpoint/2015/main" val="1"/>
+              </p:ext>
+            </p:extLst>
+          </p:nvPr>
+        </p:nvSpPr>
+        <p:spPr>
+          <a:xfrm>
+            <a:off x="0" y="0"/>
+            <a:ext cx="12192000" cy="6858000"/>
+          </a:xfrm>
+          <a:prstGeom prst="rect">
+            <a:avLst/>
+          </a:prstGeom>
+          <a:solidFill>
+            <a:schemeClr val="bg1"/>
+          </a:solidFill>
+          <a:ln>
+            <a:noFill/>
+          </a:ln>
+        </p:spPr>
+        <p:style>
+          <a:lnRef idx="2">
+            <a:schemeClr val="accent1">
+              <a:shade val="50000"/>
+            </a:schemeClr>
+          </a:lnRef>
+          <a:fillRef idx="1">
+            <a:schemeClr val="accent1"/>
+          </a:fillRef>
+          <a:effectRef idx="0">
+            <a:schemeClr val="accent1"/>
+          </a:effectRef>
+          <a:fontRef idx="minor">
+            <a:schemeClr val="lt1"/>
+          </a:fontRef>
+        </p:style>
+        <p:txBody>
+          <a:bodyPr rtlCol="0" anchor="ctr"/>
+          <a:lstStyle/>
+          <a:p>
+            <a:pPr algn="ctr"/>
+            <a:endParaRPr lang="en-US" dirty="0"/>
+          </a:p>
+        </p:txBody>
+      </p:sp>
+      <p:sp>
+        <p:nvSpPr>
+          <p:cNvPr id="2" name="Title 1">
+            <a:extLst>
+              <a:ext uri="{FF2B5EF4-FFF2-40B4-BE49-F238E27FC236}">
+                <a16:creationId xmlns:a16="http://schemas.microsoft.com/office/drawing/2014/main" id="{7120057C-1737-4877-8FF0-AB25CAF1E13F}"/>
+              </a:ext>
+            </a:extLst>
+          </p:cNvPr>
+          <p:cNvSpPr>
+            <a:spLocks noGrp="1"/>
+          </p:cNvSpPr>
+          <p:nvPr>
+            <p:ph type="title"/>
+          </p:nvPr>
+        </p:nvSpPr>
+        <p:spPr>
+          <a:xfrm>
+            <a:off x="643467" y="321734"/>
+            <a:ext cx="10905066" cy="1135737"/>
+          </a:xfrm>
+        </p:spPr>
+        <p:txBody>
+          <a:bodyPr>
+            <a:normAutofit/>
+          </a:bodyPr>
+          <a:lstStyle/>
+          <a:p>
+            <a:r>
+              <a:rPr lang="en-US" sz="3600"/>
+              <a:t>5-min Snippet</a:t>
+            </a:r>
+          </a:p>
+        </p:txBody>
+      </p:sp>
+      <p:sp>
+        <p:nvSpPr>
+          <p:cNvPr id="13" name="Rectangle 12">
+            <a:extLst>
+              <a:ext uri="{FF2B5EF4-FFF2-40B4-BE49-F238E27FC236}">
+                <a16:creationId xmlns:a16="http://schemas.microsoft.com/office/drawing/2014/main" id="{2E80C965-DB6D-4F81-9E9E-B027384D0BD6}"/>
+              </a:ext>
+              <a:ext uri="{C183D7F6-B498-43B3-948B-1728B52AA6E4}">
+                <adec:decorative xmlns:adec="http://schemas.microsoft.com/office/drawing/2017/decorative" val="1"/>
+              </a:ext>
+            </a:extLst>
+          </p:cNvPr>
+          <p:cNvSpPr>
+            <a:spLocks noGrp="1" noRot="1" noChangeAspect="1" noMove="1" noResize="1" noEditPoints="1" noAdjustHandles="1" noChangeArrowheads="1" noChangeShapeType="1" noTextEdit="1"/>
+          </p:cNvSpPr>
+          <p:nvPr>
+            <p:extLst>
+              <p:ext uri="{386F3935-93C4-4BCD-93E2-E3B085C9AB24}">
+                <p16:designElem xmlns:p16="http://schemas.microsoft.com/office/powerpoint/2015/main" val="1"/>
+              </p:ext>
+            </p:extLst>
+          </p:nvPr>
+        </p:nvSpPr>
+        <p:spPr>
+          <a:xfrm rot="2700000">
+            <a:off x="11052629" y="2120024"/>
+            <a:ext cx="645368" cy="645368"/>
+          </a:xfrm>
+          <a:prstGeom prst="rect">
+            <a:avLst/>
+          </a:prstGeom>
+          <a:solidFill>
+            <a:schemeClr val="accent4">
+              <a:alpha val="30000"/>
+            </a:schemeClr>
+          </a:solidFill>
+          <a:ln>
+            <a:noFill/>
+          </a:ln>
+        </p:spPr>
+        <p:style>
+          <a:lnRef idx="2">
+            <a:schemeClr val="accent1">
+              <a:shade val="50000"/>
+            </a:schemeClr>
+          </a:lnRef>
+          <a:fillRef idx="1">
+            <a:schemeClr val="accent1"/>
+          </a:fillRef>
+          <a:effectRef idx="0">
+            <a:schemeClr val="accent1"/>
+          </a:effectRef>
+          <a:fontRef idx="minor">
+            <a:schemeClr val="lt1"/>
+          </a:fontRef>
+        </p:style>
+        <p:txBody>
+          <a:bodyPr rtlCol="0" anchor="ctr"/>
+          <a:lstStyle/>
+          <a:p>
+            <a:pPr algn="ctr"/>
+            <a:endParaRPr lang="en-US"/>
+          </a:p>
+        </p:txBody>
+      </p:sp>
+      <p:sp>
+        <p:nvSpPr>
+          <p:cNvPr id="15" name="Isosceles Triangle 14">
+            <a:extLst>
+              <a:ext uri="{FF2B5EF4-FFF2-40B4-BE49-F238E27FC236}">
+                <a16:creationId xmlns:a16="http://schemas.microsoft.com/office/drawing/2014/main" id="{A580F890-B085-4E95-96AA-55AEBEC5CE6E}"/>
+              </a:ext>
+              <a:ext uri="{C183D7F6-B498-43B3-948B-1728B52AA6E4}">
+                <adec:decorative xmlns:adec="http://schemas.microsoft.com/office/drawing/2017/decorative" val="1"/>
+              </a:ext>
+            </a:extLst>
+          </p:cNvPr>
+          <p:cNvSpPr>
+            <a:spLocks noGrp="1" noRot="1" noChangeAspect="1" noMove="1" noResize="1" noEditPoints="1" noAdjustHandles="1" noChangeArrowheads="1" noChangeShapeType="1" noTextEdit="1"/>
+          </p:cNvSpPr>
+          <p:nvPr>
+            <p:extLst>
+              <p:ext uri="{386F3935-93C4-4BCD-93E2-E3B085C9AB24}">
+                <p16:designElem xmlns:p16="http://schemas.microsoft.com/office/powerpoint/2015/main" val="1"/>
+              </p:ext>
+            </p:extLst>
+          </p:nvPr>
+        </p:nvSpPr>
+        <p:spPr>
+          <a:xfrm rot="16200000">
+            <a:off x="10289068" y="1343027"/>
+            <a:ext cx="2532832" cy="1273032"/>
+          </a:xfrm>
+          <a:prstGeom prst="triangle">
+            <a:avLst>
+              <a:gd name="adj" fmla="val 50000"/>
+            </a:avLst>
+          </a:prstGeom>
+          <a:solidFill>
+            <a:schemeClr val="accent4">
+              <a:alpha val="30000"/>
+            </a:schemeClr>
+          </a:solidFill>
+          <a:ln>
+            <a:noFill/>
+          </a:ln>
+        </p:spPr>
+        <p:style>
+          <a:lnRef idx="2">
+            <a:schemeClr val="accent1">
+              <a:shade val="50000"/>
+            </a:schemeClr>
+          </a:lnRef>
+          <a:fillRef idx="1">
+            <a:schemeClr val="accent1"/>
+          </a:fillRef>
+          <a:effectRef idx="0">
+            <a:schemeClr val="accent1"/>
+          </a:effectRef>
+          <a:fontRef idx="minor">
+            <a:schemeClr val="lt1"/>
+          </a:fontRef>
+        </p:style>
+        <p:txBody>
+          <a:bodyPr rtlCol="0" anchor="ctr"/>
+          <a:lstStyle/>
+          <a:p>
+            <a:pPr algn="ctr"/>
+            <a:endParaRPr lang="en-US"/>
+          </a:p>
+        </p:txBody>
+      </p:sp>
+      <p:sp>
+        <p:nvSpPr>
+          <p:cNvPr id="17" name="Isosceles Triangle 16">
+            <a:extLst>
+              <a:ext uri="{FF2B5EF4-FFF2-40B4-BE49-F238E27FC236}">
+                <a16:creationId xmlns:a16="http://schemas.microsoft.com/office/drawing/2014/main" id="{D3F51FEB-38FB-4F6C-9F7B-2F2AFAB65463}"/>
+              </a:ext>
+              <a:ext uri="{C183D7F6-B498-43B3-948B-1728B52AA6E4}">
+                <adec:decorative xmlns:adec="http://schemas.microsoft.com/office/drawing/2017/decorative" val="1"/>
+              </a:ext>
+            </a:extLst>
+          </p:cNvPr>
+          <p:cNvSpPr>
+            <a:spLocks noGrp="1" noRot="1" noChangeAspect="1" noMove="1" noResize="1" noEditPoints="1" noAdjustHandles="1" noChangeArrowheads="1" noChangeShapeType="1" noTextEdit="1"/>
+          </p:cNvSpPr>
+          <p:nvPr>
+            <p:extLst>
+              <p:ext uri="{386F3935-93C4-4BCD-93E2-E3B085C9AB24}">
+                <p16:designElem xmlns:p16="http://schemas.microsoft.com/office/powerpoint/2015/main" val="1"/>
+              </p:ext>
+            </p:extLst>
+          </p:nvPr>
+        </p:nvSpPr>
+        <p:spPr>
+          <a:xfrm rot="5400000">
+            <a:off x="-501760" y="5103257"/>
+            <a:ext cx="2017580" cy="1014060"/>
+          </a:xfrm>
+          <a:prstGeom prst="triangle">
+            <a:avLst>
+              <a:gd name="adj" fmla="val 50000"/>
+            </a:avLst>
+          </a:prstGeom>
+          <a:solidFill>
+            <a:schemeClr val="accent1">
+              <a:alpha val="30000"/>
+            </a:schemeClr>
+          </a:solidFill>
+          <a:ln>
+            <a:noFill/>
+          </a:ln>
+        </p:spPr>
+        <p:style>
+          <a:lnRef idx="2">
+            <a:schemeClr val="accent1">
+              <a:shade val="50000"/>
+            </a:schemeClr>
+          </a:lnRef>
+          <a:fillRef idx="1">
+            <a:schemeClr val="accent1"/>
+          </a:fillRef>
+          <a:effectRef idx="0">
+            <a:schemeClr val="accent1"/>
+          </a:effectRef>
+          <a:fontRef idx="minor">
+            <a:schemeClr val="lt1"/>
+          </a:fontRef>
+        </p:style>
+        <p:txBody>
+          <a:bodyPr rtlCol="0" anchor="ctr"/>
+          <a:lstStyle/>
+          <a:p>
+            <a:pPr algn="ctr"/>
+            <a:endParaRPr lang="en-US"/>
+          </a:p>
+        </p:txBody>
+      </p:sp>
+      <p:sp>
+        <p:nvSpPr>
+          <p:cNvPr id="19" name="Rectangle 18">
+            <a:extLst>
+              <a:ext uri="{FF2B5EF4-FFF2-40B4-BE49-F238E27FC236}">
+                <a16:creationId xmlns:a16="http://schemas.microsoft.com/office/drawing/2014/main" id="{1E547BA6-BAE0-43BB-A7CA-60F69CE252F0}"/>
+              </a:ext>
+              <a:ext uri="{C183D7F6-B498-43B3-948B-1728B52AA6E4}">
+                <adec:decorative xmlns:adec="http://schemas.microsoft.com/office/drawing/2017/decorative" val="1"/>
+              </a:ext>
+            </a:extLst>
+          </p:cNvPr>
+          <p:cNvSpPr>
+            <a:spLocks noGrp="1" noRot="1" noChangeAspect="1" noMove="1" noResize="1" noEditPoints="1" noAdjustHandles="1" noChangeArrowheads="1" noChangeShapeType="1" noTextEdit="1"/>
+          </p:cNvSpPr>
+          <p:nvPr>
+            <p:extLst>
+              <p:ext uri="{386F3935-93C4-4BCD-93E2-E3B085C9AB24}">
+                <p16:designElem xmlns:p16="http://schemas.microsoft.com/office/powerpoint/2015/main" val="1"/>
+              </p:ext>
+            </p:extLst>
+          </p:nvPr>
+        </p:nvSpPr>
+        <p:spPr>
+          <a:xfrm rot="2700000">
+            <a:off x="427916" y="5728708"/>
+            <a:ext cx="485578" cy="485578"/>
+          </a:xfrm>
+          <a:prstGeom prst="rect">
+            <a:avLst/>
+          </a:prstGeom>
+          <a:solidFill>
+            <a:schemeClr val="accent1">
+              <a:alpha val="30000"/>
+            </a:schemeClr>
+          </a:solidFill>
+          <a:ln>
+            <a:noFill/>
+          </a:ln>
+        </p:spPr>
+        <p:style>
+          <a:lnRef idx="2">
+            <a:schemeClr val="accent1">
+              <a:shade val="50000"/>
+            </a:schemeClr>
+          </a:lnRef>
+          <a:fillRef idx="1">
+            <a:schemeClr val="accent1"/>
+          </a:fillRef>
+          <a:effectRef idx="0">
+            <a:schemeClr val="accent1"/>
+          </a:effectRef>
+          <a:fontRef idx="minor">
+            <a:schemeClr val="lt1"/>
+          </a:fontRef>
+        </p:style>
+        <p:txBody>
+          <a:bodyPr rtlCol="0" anchor="ctr"/>
+          <a:lstStyle/>
+          <a:p>
+            <a:pPr algn="ctr"/>
+            <a:endParaRPr lang="en-US"/>
+          </a:p>
+        </p:txBody>
+      </p:sp>
+      <p:sp>
+        <p:nvSpPr>
+          <p:cNvPr id="4" name="Footer Placeholder 3">
+            <a:extLst>
+              <a:ext uri="{FF2B5EF4-FFF2-40B4-BE49-F238E27FC236}">
+                <a16:creationId xmlns:a16="http://schemas.microsoft.com/office/drawing/2014/main" id="{E44C2813-E443-459A-8EC4-EDBFDF99C9C8}"/>
+              </a:ext>
+            </a:extLst>
+          </p:cNvPr>
+          <p:cNvSpPr>
+            <a:spLocks noGrp="1"/>
+          </p:cNvSpPr>
+          <p:nvPr>
+            <p:ph type="ftr" sz="quarter" idx="11"/>
+          </p:nvPr>
+        </p:nvSpPr>
+        <p:spPr>
+          <a:xfrm>
+            <a:off x="4038600" y="6356350"/>
+            <a:ext cx="4114800" cy="365125"/>
+          </a:xfrm>
+        </p:spPr>
+        <p:txBody>
+          <a:bodyPr>
+            <a:normAutofit/>
+          </a:bodyPr>
+          <a:lstStyle/>
+          <a:p>
+            <a:pPr>
+              <a:spcAft>
+                <a:spcPts val="600"/>
+              </a:spcAft>
+            </a:pPr>
+            <a:r>
+              <a:rPr lang="en-US"/>
+              <a:t>Mike Nguyen</a:t>
+            </a:r>
+          </a:p>
+        </p:txBody>
+      </p:sp>
+      <p:sp>
+        <p:nvSpPr>
+          <p:cNvPr id="5" name="Slide Number Placeholder 4">
+            <a:extLst>
+              <a:ext uri="{FF2B5EF4-FFF2-40B4-BE49-F238E27FC236}">
+                <a16:creationId xmlns:a16="http://schemas.microsoft.com/office/drawing/2014/main" id="{7CF00079-6516-4B07-94A8-6FCFE0DB2990}"/>
+              </a:ext>
+            </a:extLst>
+          </p:cNvPr>
+          <p:cNvSpPr>
+            <a:spLocks noGrp="1"/>
+          </p:cNvSpPr>
+          <p:nvPr>
+            <p:ph type="sldNum" sz="quarter" idx="12"/>
+          </p:nvPr>
+        </p:nvSpPr>
+        <p:spPr>
+          <a:xfrm>
+            <a:off x="8805333" y="6356350"/>
+            <a:ext cx="2743200" cy="365125"/>
+          </a:xfrm>
+        </p:spPr>
+        <p:txBody>
+          <a:bodyPr>
+            <a:normAutofit/>
+          </a:bodyPr>
+          <a:lstStyle/>
+          <a:p>
+            <a:pPr>
+              <a:spcAft>
+                <a:spcPts val="600"/>
+              </a:spcAft>
+            </a:pPr>
+            <a:fld id="{A6AF1B4E-90EC-4A51-B6E5-B702C054ECB0}" type="slidenum">
+              <a:rPr lang="en-US" smtClean="0"/>
+              <a:pPr>
+                <a:spcAft>
+                  <a:spcPts val="600"/>
+                </a:spcAft>
+              </a:pPr>
+              <a:t>21</a:t>
+            </a:fld>
+            <a:endParaRPr lang="en-US"/>
+          </a:p>
+        </p:txBody>
+      </p:sp>
+      <p:graphicFrame>
+        <p:nvGraphicFramePr>
+          <p:cNvPr id="7" name="Content Placeholder 2">
+            <a:extLst>
+              <a:ext uri="{FF2B5EF4-FFF2-40B4-BE49-F238E27FC236}">
+                <a16:creationId xmlns:a16="http://schemas.microsoft.com/office/drawing/2014/main" id="{FACB191C-FBB5-4F27-9CAA-E5277144F25E}"/>
+              </a:ext>
+            </a:extLst>
+          </p:cNvPr>
+          <p:cNvGraphicFramePr>
+            <a:graphicFrameLocks noGrp="1"/>
+          </p:cNvGraphicFramePr>
+          <p:nvPr>
+            <p:ph idx="1"/>
+            <p:extLst>
+              <p:ext uri="{D42A27DB-BD31-4B8C-83A1-F6EECF244321}">
+                <p14:modId xmlns:p14="http://schemas.microsoft.com/office/powerpoint/2010/main" val="2093128920"/>
+              </p:ext>
+            </p:extLst>
+          </p:nvPr>
+        </p:nvGraphicFramePr>
+        <p:xfrm>
+          <a:off x="838200" y="1825625"/>
+          <a:ext cx="10515600" cy="4351338"/>
+        </p:xfrm>
+        <a:graphic>
+          <a:graphicData uri="http://schemas.openxmlformats.org/drawingml/2006/diagram">
+            <dgm:relIds xmlns:dgm="http://schemas.openxmlformats.org/drawingml/2006/diagram" xmlns:r="http://schemas.openxmlformats.org/officeDocument/2006/relationships" r:dm="rId3" r:lo="rId4" r:qs="rId5" r:cs="rId6"/>
+          </a:graphicData>
+        </a:graphic>
+      </p:graphicFrame>
+    </p:spTree>
+    <p:extLst>
+      <p:ext uri="{BB962C8B-B14F-4D97-AF65-F5344CB8AC3E}">
+        <p14:creationId xmlns:p14="http://schemas.microsoft.com/office/powerpoint/2010/main" val="1941894706"/>
+      </p:ext>
+    </p:extLst>
+  </p:cSld>
+  <p:clrMapOvr>
+    <a:masterClrMapping/>
+  </p:clrMapOvr>
+</p:sld>
+</file>
+
 <file path=ppt/slides/slide3.xml><?xml version="1.0" encoding="utf-8"?>
 <p:sld xmlns:a="http://schemas.openxmlformats.org/drawingml/2006/main" xmlns:r="http://schemas.openxmlformats.org/officeDocument/2006/relationships" xmlns:p="http://schemas.openxmlformats.org/presentationml/2006/main">
   <p:cSld>
@@ -33089,7 +33842,7 @@
         <p:spPr>
           <a:xfrm>
             <a:off x="6739128" y="2664886"/>
-            <a:ext cx="4818888" cy="3550789"/>
+            <a:ext cx="4987434" cy="3550789"/>
           </a:xfrm>
         </p:spPr>
         <p:txBody>
@@ -33112,8 +33865,22 @@
           <a:p>
             <a:r>
               <a:rPr lang="en-US" sz="2200" dirty="0"/>
-              <a:t>Office Hour: </a:t>
+              <a:t>Office Hour: 9:30 AM – 10:30 AM (MW)</a:t>
             </a:r>
+            <a:br>
+              <a:rPr lang="en-US" sz="2200" dirty="0"/>
+            </a:br>
+            <a:r>
+              <a:rPr lang="en-US" sz="2200" dirty="0"/>
+              <a:t>or </a:t>
+            </a:r>
+            <a:r>
+              <a:rPr lang="en-US" sz="2200" dirty="0">
+                <a:hlinkClick r:id="rId5"/>
+              </a:rPr>
+              <a:t>by appointment</a:t>
+            </a:r>
+            <a:endParaRPr lang="en-US" sz="1800" dirty="0"/>
           </a:p>
           <a:p>
             <a:r>
@@ -33122,7 +33889,7 @@
             </a:r>
             <a:r>
               <a:rPr lang="en-US" sz="2200" dirty="0">
-                <a:hlinkClick r:id="rId5"/>
+                <a:hlinkClick r:id="rId6"/>
               </a:rPr>
               <a:t>mikenguyen@mail.missouri.edu</a:t>
             </a:r>
@@ -33135,7 +33902,7 @@
             </a:r>
             <a:r>
               <a:rPr lang="en-US" sz="2200" dirty="0">
-                <a:hlinkClick r:id="rId6"/>
+                <a:hlinkClick r:id="rId7"/>
               </a:rPr>
               <a:t>bio</a:t>
             </a:r>
@@ -33148,7 +33915,7 @@
             </a:r>
             <a:r>
               <a:rPr lang="en-US" sz="2200" dirty="0">
-                <a:hlinkClick r:id="rId7"/>
+                <a:hlinkClick r:id="rId8"/>
               </a:rPr>
               <a:t>https://mikenguyen.netlify.app/</a:t>
             </a:r>
@@ -33190,7 +33957,7 @@
               </a:spcAft>
             </a:pPr>
             <a:r>
-              <a:rPr lang="en-US"/>
+              <a:rPr lang="en-US" dirty="0"/>
               <a:t>Mike Nguyen</a:t>
             </a:r>
           </a:p>
@@ -34564,6 +35331,147 @@
 </file>
 
 <file path=ppt/slides/slide8.xml><?xml version="1.0" encoding="utf-8"?>
+<p:sld xmlns:a="http://schemas.openxmlformats.org/drawingml/2006/main" xmlns:r="http://schemas.openxmlformats.org/officeDocument/2006/relationships" xmlns:p="http://schemas.openxmlformats.org/presentationml/2006/main">
+  <p:cSld>
+    <p:spTree>
+      <p:nvGrpSpPr>
+        <p:cNvPr id="1" name=""/>
+        <p:cNvGrpSpPr/>
+        <p:nvPr/>
+      </p:nvGrpSpPr>
+      <p:grpSpPr>
+        <a:xfrm>
+          <a:off x="0" y="0"/>
+          <a:ext cx="0" cy="0"/>
+          <a:chOff x="0" y="0"/>
+          <a:chExt cx="0" cy="0"/>
+        </a:xfrm>
+      </p:grpSpPr>
+      <p:sp>
+        <p:nvSpPr>
+          <p:cNvPr id="2" name="Title 1">
+            <a:extLst>
+              <a:ext uri="{FF2B5EF4-FFF2-40B4-BE49-F238E27FC236}">
+                <a16:creationId xmlns:a16="http://schemas.microsoft.com/office/drawing/2014/main" id="{AED70ED2-A25B-4BAA-9507-1CA32FDEEA4A}"/>
+              </a:ext>
+            </a:extLst>
+          </p:cNvPr>
+          <p:cNvSpPr>
+            <a:spLocks noGrp="1"/>
+          </p:cNvSpPr>
+          <p:nvPr>
+            <p:ph type="title"/>
+          </p:nvPr>
+        </p:nvSpPr>
+        <p:spPr/>
+        <p:txBody>
+          <a:bodyPr/>
+          <a:lstStyle/>
+          <a:p>
+            <a:r>
+              <a:rPr lang="en-US" dirty="0"/>
+              <a:t>Quizzes</a:t>
+            </a:r>
+          </a:p>
+        </p:txBody>
+      </p:sp>
+      <p:sp>
+        <p:nvSpPr>
+          <p:cNvPr id="3" name="Content Placeholder 2">
+            <a:extLst>
+              <a:ext uri="{FF2B5EF4-FFF2-40B4-BE49-F238E27FC236}">
+                <a16:creationId xmlns:a16="http://schemas.microsoft.com/office/drawing/2014/main" id="{91ADD3E5-12F0-46D5-A918-79AC81430FD6}"/>
+              </a:ext>
+            </a:extLst>
+          </p:cNvPr>
+          <p:cNvSpPr>
+            <a:spLocks noGrp="1"/>
+          </p:cNvSpPr>
+          <p:nvPr>
+            <p:ph idx="1"/>
+          </p:nvPr>
+        </p:nvSpPr>
+        <p:spPr/>
+        <p:txBody>
+          <a:bodyPr/>
+          <a:lstStyle/>
+          <a:p>
+            <a:endParaRPr lang="en-US"/>
+          </a:p>
+        </p:txBody>
+      </p:sp>
+      <p:sp>
+        <p:nvSpPr>
+          <p:cNvPr id="4" name="Footer Placeholder 3">
+            <a:extLst>
+              <a:ext uri="{FF2B5EF4-FFF2-40B4-BE49-F238E27FC236}">
+                <a16:creationId xmlns:a16="http://schemas.microsoft.com/office/drawing/2014/main" id="{E2FAE9A0-F877-46AD-9342-D6618015DCD1}"/>
+              </a:ext>
+            </a:extLst>
+          </p:cNvPr>
+          <p:cNvSpPr>
+            <a:spLocks noGrp="1"/>
+          </p:cNvSpPr>
+          <p:nvPr>
+            <p:ph type="ftr" sz="quarter" idx="11"/>
+          </p:nvPr>
+        </p:nvSpPr>
+        <p:spPr/>
+        <p:txBody>
+          <a:bodyPr/>
+          <a:lstStyle/>
+          <a:p>
+            <a:r>
+              <a:rPr lang="en-US"/>
+              <a:t>Mike Nguyen</a:t>
+            </a:r>
+            <a:endParaRPr lang="en-US" dirty="0"/>
+          </a:p>
+        </p:txBody>
+      </p:sp>
+      <p:sp>
+        <p:nvSpPr>
+          <p:cNvPr id="5" name="Slide Number Placeholder 4">
+            <a:extLst>
+              <a:ext uri="{FF2B5EF4-FFF2-40B4-BE49-F238E27FC236}">
+                <a16:creationId xmlns:a16="http://schemas.microsoft.com/office/drawing/2014/main" id="{310F4BFA-DFD4-4606-9294-F88C804D0151}"/>
+              </a:ext>
+            </a:extLst>
+          </p:cNvPr>
+          <p:cNvSpPr>
+            <a:spLocks noGrp="1"/>
+          </p:cNvSpPr>
+          <p:nvPr>
+            <p:ph type="sldNum" sz="quarter" idx="12"/>
+          </p:nvPr>
+        </p:nvSpPr>
+        <p:spPr/>
+        <p:txBody>
+          <a:bodyPr/>
+          <a:lstStyle/>
+          <a:p>
+            <a:fld id="{A6AF1B4E-90EC-4A51-B6E5-B702C054ECB0}" type="slidenum">
+              <a:rPr lang="en-US" smtClean="0"/>
+              <a:t>8</a:t>
+            </a:fld>
+            <a:endParaRPr lang="en-US" dirty="0"/>
+          </a:p>
+        </p:txBody>
+      </p:sp>
+    </p:spTree>
+    <p:extLst>
+      <p:ext uri="{BB962C8B-B14F-4D97-AF65-F5344CB8AC3E}">
+        <p14:creationId xmlns:p14="http://schemas.microsoft.com/office/powerpoint/2010/main" val="2559165880"/>
+      </p:ext>
+    </p:extLst>
+  </p:cSld>
+  <p:clrMapOvr>
+    <a:masterClrMapping/>
+  </p:clrMapOvr>
+</p:sld>
+</file>
+
+<file path=ppt/slides/slide9.xml><?xml version="1.0" encoding="utf-8"?>
 <p:sld xmlns:a="http://schemas.openxmlformats.org/drawingml/2006/main" xmlns:r="http://schemas.openxmlformats.org/officeDocument/2006/relationships" xmlns:p="http://schemas.openxmlformats.org/presentationml/2006/main" show="0">
   <p:cSld>
     <p:spTree>
@@ -34685,7 +35593,7 @@
           <a:p>
             <a:fld id="{A6AF1B4E-90EC-4A51-B6E5-B702C054ECB0}" type="slidenum">
               <a:rPr lang="en-US" smtClean="0"/>
-              <a:t>8</a:t>
+              <a:t>9</a:t>
             </a:fld>
             <a:endParaRPr lang="en-US" dirty="0"/>
           </a:p>
@@ -34695,523 +35603,6 @@
     <p:extLst>
       <p:ext uri="{BB962C8B-B14F-4D97-AF65-F5344CB8AC3E}">
         <p14:creationId xmlns:p14="http://schemas.microsoft.com/office/powerpoint/2010/main" val="2656344692"/>
-      </p:ext>
-    </p:extLst>
-  </p:cSld>
-  <p:clrMapOvr>
-    <a:masterClrMapping/>
-  </p:clrMapOvr>
-</p:sld>
-</file>
-
-<file path=ppt/slides/slide9.xml><?xml version="1.0" encoding="utf-8"?>
-<p:sld xmlns:a="http://schemas.openxmlformats.org/drawingml/2006/main" xmlns:r="http://schemas.openxmlformats.org/officeDocument/2006/relationships" xmlns:p="http://schemas.openxmlformats.org/presentationml/2006/main">
-  <p:cSld>
-    <p:bg>
-      <p:bgPr>
-        <a:solidFill>
-          <a:schemeClr val="bg1"/>
-        </a:solidFill>
-        <a:effectLst/>
-      </p:bgPr>
-    </p:bg>
-    <p:spTree>
-      <p:nvGrpSpPr>
-        <p:cNvPr id="1" name=""/>
-        <p:cNvGrpSpPr/>
-        <p:nvPr/>
-      </p:nvGrpSpPr>
-      <p:grpSpPr>
-        <a:xfrm>
-          <a:off x="0" y="0"/>
-          <a:ext cx="0" cy="0"/>
-          <a:chOff x="0" y="0"/>
-          <a:chExt cx="0" cy="0"/>
-        </a:xfrm>
-      </p:grpSpPr>
-      <p:sp>
-        <p:nvSpPr>
-          <p:cNvPr id="11" name="Rectangle 10">
-            <a:extLst>
-              <a:ext uri="{FF2B5EF4-FFF2-40B4-BE49-F238E27FC236}">
-                <a16:creationId xmlns:a16="http://schemas.microsoft.com/office/drawing/2014/main" id="{2B566528-1B12-4246-9431-5C2D7D081168}"/>
-              </a:ext>
-              <a:ext uri="{C183D7F6-B498-43B3-948B-1728B52AA6E4}">
-                <adec:decorative xmlns:adec="http://schemas.microsoft.com/office/drawing/2017/decorative" val="1"/>
-              </a:ext>
-            </a:extLst>
-          </p:cNvPr>
-          <p:cNvSpPr>
-            <a:spLocks noGrp="1" noRot="1" noChangeAspect="1" noMove="1" noResize="1" noEditPoints="1" noAdjustHandles="1" noChangeArrowheads="1" noChangeShapeType="1" noTextEdit="1"/>
-          </p:cNvSpPr>
-          <p:nvPr>
-            <p:extLst>
-              <p:ext uri="{386F3935-93C4-4BCD-93E2-E3B085C9AB24}">
-                <p16:designElem xmlns:p16="http://schemas.microsoft.com/office/powerpoint/2015/main" val="1"/>
-              </p:ext>
-            </p:extLst>
-          </p:nvPr>
-        </p:nvSpPr>
-        <p:spPr>
-          <a:xfrm>
-            <a:off x="0" y="0"/>
-            <a:ext cx="12192000" cy="6858000"/>
-          </a:xfrm>
-          <a:prstGeom prst="rect">
-            <a:avLst/>
-          </a:prstGeom>
-          <a:solidFill>
-            <a:schemeClr val="bg1"/>
-          </a:solidFill>
-          <a:ln>
-            <a:noFill/>
-          </a:ln>
-        </p:spPr>
-        <p:style>
-          <a:lnRef idx="2">
-            <a:schemeClr val="accent1">
-              <a:shade val="50000"/>
-            </a:schemeClr>
-          </a:lnRef>
-          <a:fillRef idx="1">
-            <a:schemeClr val="accent1"/>
-          </a:fillRef>
-          <a:effectRef idx="0">
-            <a:schemeClr val="accent1"/>
-          </a:effectRef>
-          <a:fontRef idx="minor">
-            <a:schemeClr val="lt1"/>
-          </a:fontRef>
-        </p:style>
-        <p:txBody>
-          <a:bodyPr rtlCol="0" anchor="ctr"/>
-          <a:lstStyle/>
-          <a:p>
-            <a:pPr algn="ctr"/>
-            <a:endParaRPr lang="en-US" dirty="0"/>
-          </a:p>
-        </p:txBody>
-      </p:sp>
-      <p:sp>
-        <p:nvSpPr>
-          <p:cNvPr id="2" name="Title 1">
-            <a:extLst>
-              <a:ext uri="{FF2B5EF4-FFF2-40B4-BE49-F238E27FC236}">
-                <a16:creationId xmlns:a16="http://schemas.microsoft.com/office/drawing/2014/main" id="{78E97DE9-319D-40BF-9E43-7CDE6DEDFFB0}"/>
-              </a:ext>
-            </a:extLst>
-          </p:cNvPr>
-          <p:cNvSpPr>
-            <a:spLocks noGrp="1"/>
-          </p:cNvSpPr>
-          <p:nvPr>
-            <p:ph type="title"/>
-          </p:nvPr>
-        </p:nvSpPr>
-        <p:spPr>
-          <a:xfrm>
-            <a:off x="643467" y="321734"/>
-            <a:ext cx="10905066" cy="1135737"/>
-          </a:xfrm>
-        </p:spPr>
-        <p:txBody>
-          <a:bodyPr>
-            <a:normAutofit/>
-          </a:bodyPr>
-          <a:lstStyle/>
-          <a:p>
-            <a:r>
-              <a:rPr lang="en-US" sz="3600"/>
-              <a:t>5-min Snippet</a:t>
-            </a:r>
-          </a:p>
-        </p:txBody>
-      </p:sp>
-      <p:sp>
-        <p:nvSpPr>
-          <p:cNvPr id="13" name="Rectangle 12">
-            <a:extLst>
-              <a:ext uri="{FF2B5EF4-FFF2-40B4-BE49-F238E27FC236}">
-                <a16:creationId xmlns:a16="http://schemas.microsoft.com/office/drawing/2014/main" id="{2E80C965-DB6D-4F81-9E9E-B027384D0BD6}"/>
-              </a:ext>
-              <a:ext uri="{C183D7F6-B498-43B3-948B-1728B52AA6E4}">
-                <adec:decorative xmlns:adec="http://schemas.microsoft.com/office/drawing/2017/decorative" val="1"/>
-              </a:ext>
-            </a:extLst>
-          </p:cNvPr>
-          <p:cNvSpPr>
-            <a:spLocks noGrp="1" noRot="1" noChangeAspect="1" noMove="1" noResize="1" noEditPoints="1" noAdjustHandles="1" noChangeArrowheads="1" noChangeShapeType="1" noTextEdit="1"/>
-          </p:cNvSpPr>
-          <p:nvPr>
-            <p:extLst>
-              <p:ext uri="{386F3935-93C4-4BCD-93E2-E3B085C9AB24}">
-                <p16:designElem xmlns:p16="http://schemas.microsoft.com/office/powerpoint/2015/main" val="1"/>
-              </p:ext>
-            </p:extLst>
-          </p:nvPr>
-        </p:nvSpPr>
-        <p:spPr>
-          <a:xfrm rot="2700000">
-            <a:off x="11052629" y="2120024"/>
-            <a:ext cx="645368" cy="645368"/>
-          </a:xfrm>
-          <a:prstGeom prst="rect">
-            <a:avLst/>
-          </a:prstGeom>
-          <a:solidFill>
-            <a:schemeClr val="accent4">
-              <a:alpha val="30000"/>
-            </a:schemeClr>
-          </a:solidFill>
-          <a:ln>
-            <a:noFill/>
-          </a:ln>
-        </p:spPr>
-        <p:style>
-          <a:lnRef idx="2">
-            <a:schemeClr val="accent1">
-              <a:shade val="50000"/>
-            </a:schemeClr>
-          </a:lnRef>
-          <a:fillRef idx="1">
-            <a:schemeClr val="accent1"/>
-          </a:fillRef>
-          <a:effectRef idx="0">
-            <a:schemeClr val="accent1"/>
-          </a:effectRef>
-          <a:fontRef idx="minor">
-            <a:schemeClr val="lt1"/>
-          </a:fontRef>
-        </p:style>
-        <p:txBody>
-          <a:bodyPr rtlCol="0" anchor="ctr"/>
-          <a:lstStyle/>
-          <a:p>
-            <a:pPr algn="ctr"/>
-            <a:endParaRPr lang="en-US"/>
-          </a:p>
-        </p:txBody>
-      </p:sp>
-      <p:sp>
-        <p:nvSpPr>
-          <p:cNvPr id="15" name="Isosceles Triangle 14">
-            <a:extLst>
-              <a:ext uri="{FF2B5EF4-FFF2-40B4-BE49-F238E27FC236}">
-                <a16:creationId xmlns:a16="http://schemas.microsoft.com/office/drawing/2014/main" id="{A580F890-B085-4E95-96AA-55AEBEC5CE6E}"/>
-              </a:ext>
-              <a:ext uri="{C183D7F6-B498-43B3-948B-1728B52AA6E4}">
-                <adec:decorative xmlns:adec="http://schemas.microsoft.com/office/drawing/2017/decorative" val="1"/>
-              </a:ext>
-            </a:extLst>
-          </p:cNvPr>
-          <p:cNvSpPr>
-            <a:spLocks noGrp="1" noRot="1" noChangeAspect="1" noMove="1" noResize="1" noEditPoints="1" noAdjustHandles="1" noChangeArrowheads="1" noChangeShapeType="1" noTextEdit="1"/>
-          </p:cNvSpPr>
-          <p:nvPr>
-            <p:extLst>
-              <p:ext uri="{386F3935-93C4-4BCD-93E2-E3B085C9AB24}">
-                <p16:designElem xmlns:p16="http://schemas.microsoft.com/office/powerpoint/2015/main" val="1"/>
-              </p:ext>
-            </p:extLst>
-          </p:nvPr>
-        </p:nvSpPr>
-        <p:spPr>
-          <a:xfrm rot="16200000">
-            <a:off x="10289068" y="1343027"/>
-            <a:ext cx="2532832" cy="1273032"/>
-          </a:xfrm>
-          <a:prstGeom prst="triangle">
-            <a:avLst>
-              <a:gd name="adj" fmla="val 50000"/>
-            </a:avLst>
-          </a:prstGeom>
-          <a:solidFill>
-            <a:schemeClr val="accent4">
-              <a:alpha val="30000"/>
-            </a:schemeClr>
-          </a:solidFill>
-          <a:ln>
-            <a:noFill/>
-          </a:ln>
-        </p:spPr>
-        <p:style>
-          <a:lnRef idx="2">
-            <a:schemeClr val="accent1">
-              <a:shade val="50000"/>
-            </a:schemeClr>
-          </a:lnRef>
-          <a:fillRef idx="1">
-            <a:schemeClr val="accent1"/>
-          </a:fillRef>
-          <a:effectRef idx="0">
-            <a:schemeClr val="accent1"/>
-          </a:effectRef>
-          <a:fontRef idx="minor">
-            <a:schemeClr val="lt1"/>
-          </a:fontRef>
-        </p:style>
-        <p:txBody>
-          <a:bodyPr rtlCol="0" anchor="ctr"/>
-          <a:lstStyle/>
-          <a:p>
-            <a:pPr algn="ctr"/>
-            <a:endParaRPr lang="en-US"/>
-          </a:p>
-        </p:txBody>
-      </p:sp>
-      <p:sp>
-        <p:nvSpPr>
-          <p:cNvPr id="17" name="Isosceles Triangle 16">
-            <a:extLst>
-              <a:ext uri="{FF2B5EF4-FFF2-40B4-BE49-F238E27FC236}">
-                <a16:creationId xmlns:a16="http://schemas.microsoft.com/office/drawing/2014/main" id="{D3F51FEB-38FB-4F6C-9F7B-2F2AFAB65463}"/>
-              </a:ext>
-              <a:ext uri="{C183D7F6-B498-43B3-948B-1728B52AA6E4}">
-                <adec:decorative xmlns:adec="http://schemas.microsoft.com/office/drawing/2017/decorative" val="1"/>
-              </a:ext>
-            </a:extLst>
-          </p:cNvPr>
-          <p:cNvSpPr>
-            <a:spLocks noGrp="1" noRot="1" noChangeAspect="1" noMove="1" noResize="1" noEditPoints="1" noAdjustHandles="1" noChangeArrowheads="1" noChangeShapeType="1" noTextEdit="1"/>
-          </p:cNvSpPr>
-          <p:nvPr>
-            <p:extLst>
-              <p:ext uri="{386F3935-93C4-4BCD-93E2-E3B085C9AB24}">
-                <p16:designElem xmlns:p16="http://schemas.microsoft.com/office/powerpoint/2015/main" val="1"/>
-              </p:ext>
-            </p:extLst>
-          </p:nvPr>
-        </p:nvSpPr>
-        <p:spPr>
-          <a:xfrm rot="5400000">
-            <a:off x="-501760" y="5103257"/>
-            <a:ext cx="2017580" cy="1014060"/>
-          </a:xfrm>
-          <a:prstGeom prst="triangle">
-            <a:avLst>
-              <a:gd name="adj" fmla="val 50000"/>
-            </a:avLst>
-          </a:prstGeom>
-          <a:solidFill>
-            <a:schemeClr val="accent1">
-              <a:alpha val="30000"/>
-            </a:schemeClr>
-          </a:solidFill>
-          <a:ln>
-            <a:noFill/>
-          </a:ln>
-        </p:spPr>
-        <p:style>
-          <a:lnRef idx="2">
-            <a:schemeClr val="accent1">
-              <a:shade val="50000"/>
-            </a:schemeClr>
-          </a:lnRef>
-          <a:fillRef idx="1">
-            <a:schemeClr val="accent1"/>
-          </a:fillRef>
-          <a:effectRef idx="0">
-            <a:schemeClr val="accent1"/>
-          </a:effectRef>
-          <a:fontRef idx="minor">
-            <a:schemeClr val="lt1"/>
-          </a:fontRef>
-        </p:style>
-        <p:txBody>
-          <a:bodyPr rtlCol="0" anchor="ctr"/>
-          <a:lstStyle/>
-          <a:p>
-            <a:pPr algn="ctr"/>
-            <a:endParaRPr lang="en-US"/>
-          </a:p>
-        </p:txBody>
-      </p:sp>
-      <p:sp>
-        <p:nvSpPr>
-          <p:cNvPr id="19" name="Rectangle 18">
-            <a:extLst>
-              <a:ext uri="{FF2B5EF4-FFF2-40B4-BE49-F238E27FC236}">
-                <a16:creationId xmlns:a16="http://schemas.microsoft.com/office/drawing/2014/main" id="{1E547BA6-BAE0-43BB-A7CA-60F69CE252F0}"/>
-              </a:ext>
-              <a:ext uri="{C183D7F6-B498-43B3-948B-1728B52AA6E4}">
-                <adec:decorative xmlns:adec="http://schemas.microsoft.com/office/drawing/2017/decorative" val="1"/>
-              </a:ext>
-            </a:extLst>
-          </p:cNvPr>
-          <p:cNvSpPr>
-            <a:spLocks noGrp="1" noRot="1" noChangeAspect="1" noMove="1" noResize="1" noEditPoints="1" noAdjustHandles="1" noChangeArrowheads="1" noChangeShapeType="1" noTextEdit="1"/>
-          </p:cNvSpPr>
-          <p:nvPr>
-            <p:extLst>
-              <p:ext uri="{386F3935-93C4-4BCD-93E2-E3B085C9AB24}">
-                <p16:designElem xmlns:p16="http://schemas.microsoft.com/office/powerpoint/2015/main" val="1"/>
-              </p:ext>
-            </p:extLst>
-          </p:nvPr>
-        </p:nvSpPr>
-        <p:spPr>
-          <a:xfrm rot="2700000">
-            <a:off x="427916" y="5728708"/>
-            <a:ext cx="485578" cy="485578"/>
-          </a:xfrm>
-          <a:prstGeom prst="rect">
-            <a:avLst/>
-          </a:prstGeom>
-          <a:solidFill>
-            <a:schemeClr val="accent1">
-              <a:alpha val="30000"/>
-            </a:schemeClr>
-          </a:solidFill>
-          <a:ln>
-            <a:noFill/>
-          </a:ln>
-        </p:spPr>
-        <p:style>
-          <a:lnRef idx="2">
-            <a:schemeClr val="accent1">
-              <a:shade val="50000"/>
-            </a:schemeClr>
-          </a:lnRef>
-          <a:fillRef idx="1">
-            <a:schemeClr val="accent1"/>
-          </a:fillRef>
-          <a:effectRef idx="0">
-            <a:schemeClr val="accent1"/>
-          </a:effectRef>
-          <a:fontRef idx="minor">
-            <a:schemeClr val="lt1"/>
-          </a:fontRef>
-        </p:style>
-        <p:txBody>
-          <a:bodyPr rtlCol="0" anchor="ctr"/>
-          <a:lstStyle/>
-          <a:p>
-            <a:pPr algn="ctr"/>
-            <a:endParaRPr lang="en-US"/>
-          </a:p>
-        </p:txBody>
-      </p:sp>
-      <p:sp>
-        <p:nvSpPr>
-          <p:cNvPr id="4" name="Footer Placeholder 3">
-            <a:extLst>
-              <a:ext uri="{FF2B5EF4-FFF2-40B4-BE49-F238E27FC236}">
-                <a16:creationId xmlns:a16="http://schemas.microsoft.com/office/drawing/2014/main" id="{959CE75C-5F34-41F9-89CB-CFB91DB47A86}"/>
-              </a:ext>
-            </a:extLst>
-          </p:cNvPr>
-          <p:cNvSpPr>
-            <a:spLocks noGrp="1"/>
-          </p:cNvSpPr>
-          <p:nvPr>
-            <p:ph type="ftr" sz="quarter" idx="11"/>
-          </p:nvPr>
-        </p:nvSpPr>
-        <p:spPr>
-          <a:xfrm>
-            <a:off x="4038600" y="6356350"/>
-            <a:ext cx="4114800" cy="365125"/>
-          </a:xfrm>
-        </p:spPr>
-        <p:txBody>
-          <a:bodyPr>
-            <a:normAutofit/>
-          </a:bodyPr>
-          <a:lstStyle/>
-          <a:p>
-            <a:pPr>
-              <a:spcAft>
-                <a:spcPts val="600"/>
-              </a:spcAft>
-            </a:pPr>
-            <a:r>
-              <a:rPr lang="en-US"/>
-              <a:t>Mike Nguyen</a:t>
-            </a:r>
-          </a:p>
-        </p:txBody>
-      </p:sp>
-      <p:sp>
-        <p:nvSpPr>
-          <p:cNvPr id="5" name="Slide Number Placeholder 4">
-            <a:extLst>
-              <a:ext uri="{FF2B5EF4-FFF2-40B4-BE49-F238E27FC236}">
-                <a16:creationId xmlns:a16="http://schemas.microsoft.com/office/drawing/2014/main" id="{7C1184E4-0F15-4834-8750-7CE8F5925DFC}"/>
-              </a:ext>
-            </a:extLst>
-          </p:cNvPr>
-          <p:cNvSpPr>
-            <a:spLocks noGrp="1"/>
-          </p:cNvSpPr>
-          <p:nvPr>
-            <p:ph type="sldNum" sz="quarter" idx="12"/>
-          </p:nvPr>
-        </p:nvSpPr>
-        <p:spPr>
-          <a:xfrm>
-            <a:off x="8805333" y="6356350"/>
-            <a:ext cx="2743200" cy="365125"/>
-          </a:xfrm>
-        </p:spPr>
-        <p:txBody>
-          <a:bodyPr>
-            <a:normAutofit/>
-          </a:bodyPr>
-          <a:lstStyle/>
-          <a:p>
-            <a:pPr>
-              <a:spcAft>
-                <a:spcPts val="600"/>
-              </a:spcAft>
-            </a:pPr>
-            <a:fld id="{A6AF1B4E-90EC-4A51-B6E5-B702C054ECB0}" type="slidenum">
-              <a:rPr lang="en-US" smtClean="0"/>
-              <a:pPr>
-                <a:spcAft>
-                  <a:spcPts val="600"/>
-                </a:spcAft>
-              </a:pPr>
-              <a:t>9</a:t>
-            </a:fld>
-            <a:endParaRPr lang="en-US"/>
-          </a:p>
-        </p:txBody>
-      </p:sp>
-      <p:graphicFrame>
-        <p:nvGraphicFramePr>
-          <p:cNvPr id="7" name="Content Placeholder 2">
-            <a:extLst>
-              <a:ext uri="{FF2B5EF4-FFF2-40B4-BE49-F238E27FC236}">
-                <a16:creationId xmlns:a16="http://schemas.microsoft.com/office/drawing/2014/main" id="{BBFF406F-4FB0-44AD-BBCE-00B7AF24B95D}"/>
-              </a:ext>
-            </a:extLst>
-          </p:cNvPr>
-          <p:cNvGraphicFramePr>
-            <a:graphicFrameLocks noGrp="1"/>
-          </p:cNvGraphicFramePr>
-          <p:nvPr>
-            <p:ph idx="1"/>
-            <p:extLst>
-              <p:ext uri="{D42A27DB-BD31-4B8C-83A1-F6EECF244321}">
-                <p14:modId xmlns:p14="http://schemas.microsoft.com/office/powerpoint/2010/main" val="154848874"/>
-              </p:ext>
-            </p:extLst>
-          </p:nvPr>
-        </p:nvGraphicFramePr>
-        <p:xfrm>
-          <a:off x="838200" y="1825625"/>
-          <a:ext cx="10515600" cy="4351338"/>
-        </p:xfrm>
-        <a:graphic>
-          <a:graphicData uri="http://schemas.openxmlformats.org/drawingml/2006/diagram">
-            <dgm:relIds xmlns:dgm="http://schemas.openxmlformats.org/drawingml/2006/diagram" xmlns:r="http://schemas.openxmlformats.org/officeDocument/2006/relationships" r:dm="rId3" r:lo="rId4" r:qs="rId5" r:cs="rId6"/>
-          </a:graphicData>
-        </a:graphic>
-      </p:graphicFrame>
-    </p:spTree>
-    <p:extLst>
-      <p:ext uri="{BB962C8B-B14F-4D97-AF65-F5344CB8AC3E}">
-        <p14:creationId xmlns:p14="http://schemas.microsoft.com/office/powerpoint/2010/main" val="1915861172"/>
       </p:ext>
     </p:extLst>
   </p:cSld>
@@ -36107,14 +36498,6 @@
 </file>
 
 <file path=customXml/item1.xml><?xml version="1.0" encoding="utf-8"?>
-<p:properties xmlns:p="http://schemas.microsoft.com/office/2006/metadata/properties" xmlns:xsi="http://www.w3.org/2001/XMLSchema-instance" xmlns:pc="http://schemas.microsoft.com/office/infopath/2007/PartnerControls">
-  <documentManagement>
-    <MediaServiceKeyPoints xmlns="71af3243-3dd4-4a8d-8c0d-dd76da1f02a5" xsi:nil="true"/>
-  </documentManagement>
-</p:properties>
-</file>
-
-<file path=customXml/item2.xml><?xml version="1.0" encoding="utf-8"?>
 <ct:contentTypeSchema xmlns:ct="http://schemas.microsoft.com/office/2006/metadata/contentType" xmlns:ma="http://schemas.microsoft.com/office/2006/metadata/properties/metaAttributes" ct:_="" ma:_="" ma:contentTypeName="Document" ma:contentTypeID="0x01010079F111ED35F8CC479449609E8A0923A6" ma:contentTypeVersion="11" ma:contentTypeDescription="Create a new document." ma:contentTypeScope="" ma:versionID="96291512c1ee715ab617f4c07df79fc1">
   <xsd:schema xmlns:xsd="http://www.w3.org/2001/XMLSchema" xmlns:xs="http://www.w3.org/2001/XMLSchema" xmlns:p="http://schemas.microsoft.com/office/2006/metadata/properties" xmlns:ns2="71af3243-3dd4-4a8d-8c0d-dd76da1f02a5" xmlns:ns3="16c05727-aa75-4e4a-9b5f-8a80a1165891" targetNamespace="http://schemas.microsoft.com/office/2006/metadata/properties" ma:root="true" ma:fieldsID="8256c27c40ca5c40ce1cf6c44f0205df" ns2:_="" ns3:_="">
     <xsd:import namespace="71af3243-3dd4-4a8d-8c0d-dd76da1f02a5"/>
@@ -36325,6 +36708,14 @@
 </ct:contentTypeSchema>
 </file>
 
+<file path=customXml/item2.xml><?xml version="1.0" encoding="utf-8"?>
+<p:properties xmlns:p="http://schemas.microsoft.com/office/2006/metadata/properties" xmlns:xsi="http://www.w3.org/2001/XMLSchema-instance" xmlns:pc="http://schemas.microsoft.com/office/infopath/2007/PartnerControls">
+  <documentManagement>
+    <MediaServiceKeyPoints xmlns="71af3243-3dd4-4a8d-8c0d-dd76da1f02a5" xsi:nil="true"/>
+  </documentManagement>
+</p:properties>
+</file>
+
 <file path=customXml/item3.xml><?xml version="1.0" encoding="utf-8"?>
 <?mso-contentType ?>
 <FormTemplates xmlns="http://schemas.microsoft.com/sharepoint/v3/contenttype/forms">
@@ -36335,16 +36726,6 @@
 </file>
 
 <file path=customXml/itemProps1.xml><?xml version="1.0" encoding="utf-8"?>
-<ds:datastoreItem xmlns:ds="http://schemas.openxmlformats.org/officeDocument/2006/customXml" ds:itemID="{03C7D9E6-B0D9-433E-BD46-EB60F64F4DA8}">
-  <ds:schemaRefs>
-    <ds:schemaRef ds:uri="http://schemas.microsoft.com/office/2006/metadata/properties"/>
-    <ds:schemaRef ds:uri="http://schemas.microsoft.com/office/infopath/2007/PartnerControls"/>
-    <ds:schemaRef ds:uri="71af3243-3dd4-4a8d-8c0d-dd76da1f02a5"/>
-  </ds:schemaRefs>
-</ds:datastoreItem>
-</file>
-
-<file path=customXml/itemProps2.xml><?xml version="1.0" encoding="utf-8"?>
 <ds:datastoreItem xmlns:ds="http://schemas.openxmlformats.org/officeDocument/2006/customXml" ds:itemID="{B2AB02E3-5ADF-4BF0-9C1B-35CDF3FE95B0}">
   <ds:schemaRefs>
     <ds:schemaRef ds:uri="http://schemas.microsoft.com/office/2006/metadata/contentType"/>
@@ -36363,6 +36744,16 @@
 </ds:datastoreItem>
 </file>
 
+<file path=customXml/itemProps2.xml><?xml version="1.0" encoding="utf-8"?>
+<ds:datastoreItem xmlns:ds="http://schemas.openxmlformats.org/officeDocument/2006/customXml" ds:itemID="{03C7D9E6-B0D9-433E-BD46-EB60F64F4DA8}">
+  <ds:schemaRefs>
+    <ds:schemaRef ds:uri="http://schemas.microsoft.com/office/2006/metadata/properties"/>
+    <ds:schemaRef ds:uri="http://schemas.microsoft.com/office/infopath/2007/PartnerControls"/>
+    <ds:schemaRef ds:uri="71af3243-3dd4-4a8d-8c0d-dd76da1f02a5"/>
+  </ds:schemaRefs>
+</ds:datastoreItem>
+</file>
+
 <file path=customXml/itemProps3.xml><?xml version="1.0" encoding="utf-8"?>
 <ds:datastoreItem xmlns:ds="http://schemas.openxmlformats.org/officeDocument/2006/customXml" ds:itemID="{5CA875DA-F9FD-4F83-A049-3B1027B542DE}">
   <ds:schemaRefs>

--- a/lectures/1/1_Introduction to Marketing Research.pptx
+++ b/lectures/1/1_Introduction to Marketing Research.pptx
@@ -5,10 +5,10 @@
     <p:sldMasterId id="2147483648" r:id="rId4"/>
   </p:sldMasterIdLst>
   <p:notesMasterIdLst>
-    <p:notesMasterId r:id="rId26"/>
+    <p:notesMasterId r:id="rId28"/>
   </p:notesMasterIdLst>
   <p:handoutMasterIdLst>
-    <p:handoutMasterId r:id="rId27"/>
+    <p:handoutMasterId r:id="rId29"/>
   </p:handoutMasterIdLst>
   <p:sldIdLst>
     <p:sldId id="256" r:id="rId5"/>
@@ -17,21 +17,23 @@
     <p:sldId id="286" r:id="rId8"/>
     <p:sldId id="281" r:id="rId9"/>
     <p:sldId id="283" r:id="rId10"/>
-    <p:sldId id="284" r:id="rId11"/>
+    <p:sldId id="292" r:id="rId11"/>
     <p:sldId id="290" r:id="rId12"/>
-    <p:sldId id="285" r:id="rId13"/>
-    <p:sldId id="287" r:id="rId14"/>
-    <p:sldId id="271" r:id="rId15"/>
-    <p:sldId id="289" r:id="rId16"/>
-    <p:sldId id="280" r:id="rId17"/>
-    <p:sldId id="274" r:id="rId18"/>
-    <p:sldId id="275" r:id="rId19"/>
-    <p:sldId id="273" r:id="rId20"/>
-    <p:sldId id="276" r:id="rId21"/>
-    <p:sldId id="277" r:id="rId22"/>
-    <p:sldId id="278" r:id="rId23"/>
-    <p:sldId id="279" r:id="rId24"/>
-    <p:sldId id="288" r:id="rId25"/>
+    <p:sldId id="284" r:id="rId13"/>
+    <p:sldId id="285" r:id="rId14"/>
+    <p:sldId id="291" r:id="rId15"/>
+    <p:sldId id="287" r:id="rId16"/>
+    <p:sldId id="271" r:id="rId17"/>
+    <p:sldId id="289" r:id="rId18"/>
+    <p:sldId id="280" r:id="rId19"/>
+    <p:sldId id="274" r:id="rId20"/>
+    <p:sldId id="275" r:id="rId21"/>
+    <p:sldId id="273" r:id="rId22"/>
+    <p:sldId id="276" r:id="rId23"/>
+    <p:sldId id="277" r:id="rId24"/>
+    <p:sldId id="278" r:id="rId25"/>
+    <p:sldId id="279" r:id="rId26"/>
+    <p:sldId id="288" r:id="rId27"/>
   </p:sldIdLst>
   <p:sldSz cx="12192000" cy="6858000"/>
   <p:notesSz cx="6858000" cy="9144000"/>
@@ -6048,133 +6050,6 @@
         </a:p>
       </dgm:t>
     </dgm:pt>
-    <dgm:pt modelId="{3EA45F0F-DF08-4BFE-BCE4-526165FF1B70}">
-      <dgm:prSet/>
-      <dgm:spPr/>
-      <dgm:t>
-        <a:bodyPr/>
-        <a:lstStyle/>
-        <a:p>
-          <a:pPr>
-            <a:lnSpc>
-              <a:spcPct val="100000"/>
-            </a:lnSpc>
-          </a:pPr>
-          <a:r>
-            <a:rPr lang="en-US"/>
-            <a:t>Github Repo:</a:t>
-          </a:r>
-        </a:p>
-      </dgm:t>
-    </dgm:pt>
-    <dgm:pt modelId="{18C6470A-4B3B-4823-8B9A-9472E8F0BD68}" type="parTrans" cxnId="{E0462D47-155D-4A45-AC17-2D8E77450849}">
-      <dgm:prSet/>
-      <dgm:spPr/>
-      <dgm:t>
-        <a:bodyPr/>
-        <a:lstStyle/>
-        <a:p>
-          <a:endParaRPr lang="en-US"/>
-        </a:p>
-      </dgm:t>
-    </dgm:pt>
-    <dgm:pt modelId="{D4A7AF1C-FAF4-41F2-96CA-B657EDCED475}" type="sibTrans" cxnId="{E0462D47-155D-4A45-AC17-2D8E77450849}">
-      <dgm:prSet/>
-      <dgm:spPr/>
-      <dgm:t>
-        <a:bodyPr/>
-        <a:lstStyle/>
-        <a:p>
-          <a:endParaRPr lang="en-US"/>
-        </a:p>
-      </dgm:t>
-    </dgm:pt>
-    <dgm:pt modelId="{6060BC6E-EBCD-4EE5-A034-D55F0CBDBD74}">
-      <dgm:prSet/>
-      <dgm:spPr/>
-      <dgm:t>
-        <a:bodyPr/>
-        <a:lstStyle/>
-        <a:p>
-          <a:r>
-            <a:rPr lang="en-US" dirty="0"/>
-            <a:t>Website style: </a:t>
-          </a:r>
-          <a:r>
-            <a:rPr lang="en-US" dirty="0">
-              <a:hlinkClick xmlns:r="http://schemas.openxmlformats.org/officeDocument/2006/relationships" r:id="rId1"/>
-            </a:rPr>
-            <a:t>mikenguyen13.github.io/mar4050_F21</a:t>
-          </a:r>
-          <a:endParaRPr lang="en-US" dirty="0"/>
-        </a:p>
-      </dgm:t>
-    </dgm:pt>
-    <dgm:pt modelId="{56245CB4-4E60-4656-9A3A-7DDCCC206F75}" type="parTrans" cxnId="{57FF1E49-A16B-4690-AE56-7DE754F85957}">
-      <dgm:prSet/>
-      <dgm:spPr/>
-      <dgm:t>
-        <a:bodyPr/>
-        <a:lstStyle/>
-        <a:p>
-          <a:endParaRPr lang="en-US"/>
-        </a:p>
-      </dgm:t>
-    </dgm:pt>
-    <dgm:pt modelId="{F6E9FEBD-FACE-4F40-A74A-62D50F7E8BFD}" type="sibTrans" cxnId="{57FF1E49-A16B-4690-AE56-7DE754F85957}">
-      <dgm:prSet/>
-      <dgm:spPr/>
-      <dgm:t>
-        <a:bodyPr/>
-        <a:lstStyle/>
-        <a:p>
-          <a:endParaRPr lang="en-US"/>
-        </a:p>
-      </dgm:t>
-    </dgm:pt>
-    <dgm:pt modelId="{09AA6F26-FF37-4B1E-B501-6B1D46679FE3}">
-      <dgm:prSet/>
-      <dgm:spPr/>
-      <dgm:t>
-        <a:bodyPr/>
-        <a:lstStyle/>
-        <a:p>
-          <a:r>
-            <a:rPr lang="en-US" dirty="0"/>
-            <a:t>Folder style: </a:t>
-          </a:r>
-          <a:r>
-            <a:rPr lang="en-US" dirty="0">
-              <a:hlinkClick xmlns:r="http://schemas.openxmlformats.org/officeDocument/2006/relationships" r:id="rId2"/>
-            </a:rPr>
-            <a:t>github.com/mikenguyen13/mar4050_F21/tree/master</a:t>
-          </a:r>
-          <a:endParaRPr lang="en-US" dirty="0"/>
-        </a:p>
-      </dgm:t>
-    </dgm:pt>
-    <dgm:pt modelId="{3C91BC0F-D4E8-4D2C-ACDA-DB6D1B23EF86}" type="parTrans" cxnId="{4EFE9499-A35D-4DEE-AFCC-C80CDF23E017}">
-      <dgm:prSet/>
-      <dgm:spPr/>
-      <dgm:t>
-        <a:bodyPr/>
-        <a:lstStyle/>
-        <a:p>
-          <a:endParaRPr lang="en-US"/>
-        </a:p>
-      </dgm:t>
-    </dgm:pt>
-    <dgm:pt modelId="{A70FC777-8F04-43EE-A7C6-43523C9829A0}" type="sibTrans" cxnId="{4EFE9499-A35D-4DEE-AFCC-C80CDF23E017}">
-      <dgm:prSet/>
-      <dgm:spPr/>
-      <dgm:t>
-        <a:bodyPr/>
-        <a:lstStyle/>
-        <a:p>
-          <a:endParaRPr lang="en-US"/>
-        </a:p>
-      </dgm:t>
-    </dgm:pt>
     <dgm:pt modelId="{04D854B0-FF1A-4731-B60B-03F4772C8792}">
       <dgm:prSet/>
       <dgm:spPr/>
@@ -6234,13 +6109,13 @@
       <dgm:prSet presAssocID="{D9C46D28-5730-44FA-81FC-946EBB7DDCF5}" presName="iconRect" presStyleLbl="node1" presStyleIdx="0" presStyleCnt="2"/>
       <dgm:spPr>
         <a:blipFill>
-          <a:blip xmlns:r="http://schemas.openxmlformats.org/officeDocument/2006/relationships" r:embed="rId3">
+          <a:blip xmlns:r="http://schemas.openxmlformats.org/officeDocument/2006/relationships" r:embed="rId1">
             <a:extLst>
               <a:ext uri="{28A0092B-C50C-407E-A947-70E740481C1C}">
                 <a14:useLocalDpi xmlns:a14="http://schemas.microsoft.com/office/drawing/2010/main" val="0"/>
               </a:ext>
               <a:ext uri="{96DAC541-7B7A-43D3-8B79-37D633B846F1}">
-                <asvg:svgBlip xmlns:asvg="http://schemas.microsoft.com/office/drawing/2016/SVG/main" r:embed="rId4"/>
+                <asvg:svgBlip xmlns:asvg="http://schemas.microsoft.com/office/drawing/2016/SVG/main" r:embed="rId2"/>
               </a:ext>
             </a:extLst>
           </a:blip>
@@ -6293,13 +6168,13 @@
       <dgm:prSet presAssocID="{04D854B0-FF1A-4731-B60B-03F4772C8792}" presName="iconRect" presStyleLbl="node1" presStyleIdx="1" presStyleCnt="2"/>
       <dgm:spPr>
         <a:blipFill>
-          <a:blip xmlns:r="http://schemas.openxmlformats.org/officeDocument/2006/relationships" r:embed="rId5">
+          <a:blip xmlns:r="http://schemas.openxmlformats.org/officeDocument/2006/relationships" r:embed="rId3">
             <a:extLst>
               <a:ext uri="{28A0092B-C50C-407E-A947-70E740481C1C}">
                 <a14:useLocalDpi xmlns:a14="http://schemas.microsoft.com/office/drawing/2010/main" val="0"/>
               </a:ext>
               <a:ext uri="{96DAC541-7B7A-43D3-8B79-37D633B846F1}">
-                <asvg:svgBlip xmlns:asvg="http://schemas.microsoft.com/office/drawing/2016/SVG/main" r:embed="rId6"/>
+                <asvg:svgBlip xmlns:asvg="http://schemas.microsoft.com/office/drawing/2016/SVG/main" r:embed="rId4"/>
               </a:ext>
             </a:extLst>
           </a:blip>
@@ -6343,18 +6218,12 @@
   </dgm:ptLst>
   <dgm:cxnLst>
     <dgm:cxn modelId="{5F3E9400-5CEE-402E-8931-BAC37402A926}" srcId="{63C35B4F-2AE9-4C5B-AB6B-C4B6DC7E3D06}" destId="{D9C46D28-5730-44FA-81FC-946EBB7DDCF5}" srcOrd="0" destOrd="0" parTransId="{09744FD9-5E4F-459F-B5C4-37B8C8173124}" sibTransId="{9F32DDD2-5444-4255-9717-47DD14BA30AC}"/>
-    <dgm:cxn modelId="{0C403727-C4CA-4ABE-AB6F-AB0804833150}" type="presOf" srcId="{09AA6F26-FF37-4B1E-B501-6B1D46679FE3}" destId="{C985D2E8-464D-44CA-B28C-DEA435401962}" srcOrd="0" destOrd="3" presId="urn:microsoft.com/office/officeart/2018/5/layout/CenteredIconLabelDescriptionList"/>
     <dgm:cxn modelId="{183FF062-9CAF-4CEE-B355-7B0819A51922}" type="presOf" srcId="{D9C46D28-5730-44FA-81FC-946EBB7DDCF5}" destId="{C5E6870F-3F08-47DC-9C19-B095660EE265}" srcOrd="0" destOrd="0" presId="urn:microsoft.com/office/officeart/2018/5/layout/CenteredIconLabelDescriptionList"/>
-    <dgm:cxn modelId="{E0462D47-155D-4A45-AC17-2D8E77450849}" srcId="{D9C46D28-5730-44FA-81FC-946EBB7DDCF5}" destId="{3EA45F0F-DF08-4BFE-BCE4-526165FF1B70}" srcOrd="1" destOrd="0" parTransId="{18C6470A-4B3B-4823-8B9A-9472E8F0BD68}" sibTransId="{D4A7AF1C-FAF4-41F2-96CA-B657EDCED475}"/>
-    <dgm:cxn modelId="{57FF1E49-A16B-4690-AE56-7DE754F85957}" srcId="{3EA45F0F-DF08-4BFE-BCE4-526165FF1B70}" destId="{6060BC6E-EBCD-4EE5-A034-D55F0CBDBD74}" srcOrd="0" destOrd="0" parTransId="{56245CB4-4E60-4656-9A3A-7DDCCC206F75}" sibTransId="{F6E9FEBD-FACE-4F40-A74A-62D50F7E8BFD}"/>
-    <dgm:cxn modelId="{4EFE9499-A35D-4DEE-AFCC-C80CDF23E017}" srcId="{3EA45F0F-DF08-4BFE-BCE4-526165FF1B70}" destId="{09AA6F26-FF37-4B1E-B501-6B1D46679FE3}" srcOrd="1" destOrd="0" parTransId="{3C91BC0F-D4E8-4D2C-ACDA-DB6D1B23EF86}" sibTransId="{A70FC777-8F04-43EE-A7C6-43523C9829A0}"/>
-    <dgm:cxn modelId="{45C8719D-A797-48D6-B071-1B4842843DCD}" type="presOf" srcId="{3EA45F0F-DF08-4BFE-BCE4-526165FF1B70}" destId="{C985D2E8-464D-44CA-B28C-DEA435401962}" srcOrd="0" destOrd="1" presId="urn:microsoft.com/office/officeart/2018/5/layout/CenteredIconLabelDescriptionList"/>
     <dgm:cxn modelId="{6FC338B4-8B8D-437E-B03E-7F0A36259BC2}" srcId="{D9C46D28-5730-44FA-81FC-946EBB7DDCF5}" destId="{84FF393D-53DB-401E-95E5-D89EF75723E0}" srcOrd="0" destOrd="0" parTransId="{EAB16B14-D53D-413A-AADB-73AD0ABABF8A}" sibTransId="{D8970201-EA7C-40A4-9C94-17AD5E010786}"/>
     <dgm:cxn modelId="{0472B1C0-0E5B-43C1-896C-F1C85916B53F}" type="presOf" srcId="{04D854B0-FF1A-4731-B60B-03F4772C8792}" destId="{3B3ABCD2-D9FB-46EC-B485-B9209FF33409}" srcOrd="0" destOrd="0" presId="urn:microsoft.com/office/officeart/2018/5/layout/CenteredIconLabelDescriptionList"/>
     <dgm:cxn modelId="{327171E9-ED3F-4DC6-AC33-8FDEE960B29C}" srcId="{63C35B4F-2AE9-4C5B-AB6B-C4B6DC7E3D06}" destId="{04D854B0-FF1A-4731-B60B-03F4772C8792}" srcOrd="1" destOrd="0" parTransId="{341C97F9-360A-4AB8-AF21-70E9557A2389}" sibTransId="{A78736EE-0321-4B2D-B806-31705D6437DE}"/>
     <dgm:cxn modelId="{65DD27EB-B012-41F6-842A-77242AF018E4}" type="presOf" srcId="{63C35B4F-2AE9-4C5B-AB6B-C4B6DC7E3D06}" destId="{DD0161C6-0DA6-4664-9817-9AE1796BD14A}" srcOrd="0" destOrd="0" presId="urn:microsoft.com/office/officeart/2018/5/layout/CenteredIconLabelDescriptionList"/>
     <dgm:cxn modelId="{F050EAF2-8581-48DF-B0E9-BF99CCC083E7}" type="presOf" srcId="{84FF393D-53DB-401E-95E5-D89EF75723E0}" destId="{C985D2E8-464D-44CA-B28C-DEA435401962}" srcOrd="0" destOrd="0" presId="urn:microsoft.com/office/officeart/2018/5/layout/CenteredIconLabelDescriptionList"/>
-    <dgm:cxn modelId="{1AA6E0F4-110F-493B-B9E9-CE4BC3CE59BB}" type="presOf" srcId="{6060BC6E-EBCD-4EE5-A034-D55F0CBDBD74}" destId="{C985D2E8-464D-44CA-B28C-DEA435401962}" srcOrd="0" destOrd="2" presId="urn:microsoft.com/office/officeart/2018/5/layout/CenteredIconLabelDescriptionList"/>
     <dgm:cxn modelId="{B0486B77-EC50-4714-A0AE-FF4293D27E75}" type="presParOf" srcId="{DD0161C6-0DA6-4664-9817-9AE1796BD14A}" destId="{3D24568F-A719-482B-BC59-4CA91134A23C}" srcOrd="0" destOrd="0" presId="urn:microsoft.com/office/officeart/2018/5/layout/CenteredIconLabelDescriptionList"/>
     <dgm:cxn modelId="{F7FAB533-B4C2-440B-AEC4-C8707C3E1B18}" type="presParOf" srcId="{3D24568F-A719-482B-BC59-4CA91134A23C}" destId="{80E3ED03-7D4F-41DF-AD1D-7843F7C54652}" srcOrd="0" destOrd="0" presId="urn:microsoft.com/office/officeart/2018/5/layout/CenteredIconLabelDescriptionList"/>
     <dgm:cxn modelId="{51D623C9-F552-4F28-A3CD-986C0B8CF96A}" type="presParOf" srcId="{3D24568F-A719-482B-BC59-4CA91134A23C}" destId="{6C4BA596-03DB-4A01-ABDB-7FD18057EE48}" srcOrd="1" destOrd="0" presId="urn:microsoft.com/office/officeart/2018/5/layout/CenteredIconLabelDescriptionList"/>
@@ -8368,8 +8237,8 @@
       </dsp:nvSpPr>
       <dsp:spPr>
         <a:xfrm>
-          <a:off x="1967016" y="2947"/>
-          <a:ext cx="1510523" cy="1489985"/>
+          <a:off x="1963800" y="848595"/>
+          <a:ext cx="1512000" cy="1512000"/>
         </a:xfrm>
         <a:prstGeom prst="rect">
           <a:avLst/>
@@ -8418,8 +8287,8 @@
       </dsp:nvSpPr>
       <dsp:spPr>
         <a:xfrm>
-          <a:off x="564387" y="1677496"/>
-          <a:ext cx="4315781" cy="638565"/>
+          <a:off x="559800" y="2474724"/>
+          <a:ext cx="4320000" cy="648000"/>
         </a:xfrm>
         <a:prstGeom prst="rect">
           <a:avLst/>
@@ -8468,8 +8337,8 @@
         </a:p>
       </dsp:txBody>
       <dsp:txXfrm>
-        <a:off x="564387" y="1677496"/>
-        <a:ext cx="4315781" cy="638565"/>
+        <a:off x="559800" y="2474724"/>
+        <a:ext cx="4320000" cy="648000"/>
       </dsp:txXfrm>
     </dsp:sp>
     <dsp:sp modelId="{C985D2E8-464D-44CA-B28C-DEA435401962}">
@@ -8479,8 +8348,8 @@
       </dsp:nvSpPr>
       <dsp:spPr>
         <a:xfrm>
-          <a:off x="564387" y="2401905"/>
-          <a:ext cx="4315781" cy="1946485"/>
+          <a:off x="559800" y="3175807"/>
+          <a:ext cx="4320000" cy="326934"/>
         </a:xfrm>
         <a:prstGeom prst="rect">
           <a:avLst/>
@@ -8509,7 +8378,7 @@
         </a:bodyPr>
         <a:lstStyle/>
         <a:p>
-          <a:pPr marL="0" lvl="0" indent="0" algn="l" defTabSz="755650">
+          <a:pPr marL="0" lvl="0" indent="0" algn="ctr" defTabSz="889000">
             <a:lnSpc>
               <a:spcPct val="100000"/>
             </a:lnSpc>
@@ -8522,82 +8391,14 @@
             <a:buNone/>
           </a:pPr>
           <a:r>
-            <a:rPr lang="en-US" sz="1700" kern="1200" dirty="0"/>
+            <a:rPr lang="en-US" sz="2000" kern="1200" dirty="0"/>
             <a:t>Canvas: publish a week before</a:t>
           </a:r>
         </a:p>
-        <a:p>
-          <a:pPr marL="0" lvl="0" indent="0" algn="l" defTabSz="755650">
-            <a:lnSpc>
-              <a:spcPct val="100000"/>
-            </a:lnSpc>
-            <a:spcBef>
-              <a:spcPct val="0"/>
-            </a:spcBef>
-            <a:spcAft>
-              <a:spcPct val="35000"/>
-            </a:spcAft>
-            <a:buNone/>
-          </a:pPr>
-          <a:r>
-            <a:rPr lang="en-US" sz="1700" kern="1200"/>
-            <a:t>Github Repo:</a:t>
-          </a:r>
-        </a:p>
-        <a:p>
-          <a:pPr marL="171450" lvl="1" indent="-171450" algn="l" defTabSz="755650">
-            <a:lnSpc>
-              <a:spcPct val="90000"/>
-            </a:lnSpc>
-            <a:spcBef>
-              <a:spcPct val="0"/>
-            </a:spcBef>
-            <a:spcAft>
-              <a:spcPct val="15000"/>
-            </a:spcAft>
-            <a:buChar char="•"/>
-          </a:pPr>
-          <a:r>
-            <a:rPr lang="en-US" sz="1700" kern="1200" dirty="0"/>
-            <a:t>Website style: </a:t>
-          </a:r>
-          <a:r>
-            <a:rPr lang="en-US" sz="1700" kern="1200" dirty="0">
-              <a:hlinkClick xmlns:r="http://schemas.openxmlformats.org/officeDocument/2006/relationships" r:id="rId3"/>
-            </a:rPr>
-            <a:t>mikenguyen13.github.io/mar4050_F21</a:t>
-          </a:r>
-          <a:endParaRPr lang="en-US" sz="1700" kern="1200" dirty="0"/>
-        </a:p>
-        <a:p>
-          <a:pPr marL="171450" lvl="1" indent="-171450" algn="l" defTabSz="755650">
-            <a:lnSpc>
-              <a:spcPct val="90000"/>
-            </a:lnSpc>
-            <a:spcBef>
-              <a:spcPct val="0"/>
-            </a:spcBef>
-            <a:spcAft>
-              <a:spcPct val="15000"/>
-            </a:spcAft>
-            <a:buChar char="•"/>
-          </a:pPr>
-          <a:r>
-            <a:rPr lang="en-US" sz="1700" kern="1200" dirty="0"/>
-            <a:t>Folder style: </a:t>
-          </a:r>
-          <a:r>
-            <a:rPr lang="en-US" sz="1700" kern="1200" dirty="0">
-              <a:hlinkClick xmlns:r="http://schemas.openxmlformats.org/officeDocument/2006/relationships" r:id="rId4"/>
-            </a:rPr>
-            <a:t>github.com/mikenguyen13/mar4050_F21/tree/master</a:t>
-          </a:r>
-          <a:endParaRPr lang="en-US" sz="1700" kern="1200" dirty="0"/>
-        </a:p>
       </dsp:txBody>
       <dsp:txXfrm>
-        <a:off x="564387" y="2401905"/>
-        <a:ext cx="4315781" cy="1946485"/>
+        <a:off x="559800" y="3175807"/>
+        <a:ext cx="4320000" cy="326934"/>
       </dsp:txXfrm>
     </dsp:sp>
     <dsp:sp modelId="{033C2A8A-EC18-4D8C-852C-267B89CED107}">
@@ -8607,20 +8408,20 @@
       </dsp:nvSpPr>
       <dsp:spPr>
         <a:xfrm>
-          <a:off x="7038059" y="2947"/>
-          <a:ext cx="1510523" cy="1489985"/>
+          <a:off x="7039800" y="848595"/>
+          <a:ext cx="1512000" cy="1512000"/>
         </a:xfrm>
         <a:prstGeom prst="rect">
           <a:avLst/>
         </a:prstGeom>
         <a:blipFill>
-          <a:blip xmlns:r="http://schemas.openxmlformats.org/officeDocument/2006/relationships" r:embed="rId5">
+          <a:blip xmlns:r="http://schemas.openxmlformats.org/officeDocument/2006/relationships" r:embed="rId3">
             <a:extLst>
               <a:ext uri="{28A0092B-C50C-407E-A947-70E740481C1C}">
                 <a14:useLocalDpi xmlns:a14="http://schemas.microsoft.com/office/drawing/2010/main" val="0"/>
               </a:ext>
               <a:ext uri="{96DAC541-7B7A-43D3-8B79-37D633B846F1}">
-                <asvg:svgBlip xmlns:asvg="http://schemas.microsoft.com/office/drawing/2016/SVG/main" r:embed="rId6"/>
+                <asvg:svgBlip xmlns:asvg="http://schemas.microsoft.com/office/drawing/2016/SVG/main" r:embed="rId4"/>
               </a:ext>
             </a:extLst>
           </a:blip>
@@ -8657,8 +8458,8 @@
       </dsp:nvSpPr>
       <dsp:spPr>
         <a:xfrm>
-          <a:off x="5635430" y="1677496"/>
-          <a:ext cx="4315781" cy="638565"/>
+          <a:off x="5635800" y="2474724"/>
+          <a:ext cx="4320000" cy="648000"/>
         </a:xfrm>
         <a:prstGeom prst="rect">
           <a:avLst/>
@@ -8707,8 +8508,8 @@
         </a:p>
       </dsp:txBody>
       <dsp:txXfrm>
-        <a:off x="5635430" y="1677496"/>
-        <a:ext cx="4315781" cy="638565"/>
+        <a:off x="5635800" y="2474724"/>
+        <a:ext cx="4320000" cy="648000"/>
       </dsp:txXfrm>
     </dsp:sp>
     <dsp:sp modelId="{34239F76-D922-4968-B00C-E667A417A1ED}">
@@ -8718,8 +8519,8 @@
       </dsp:nvSpPr>
       <dsp:spPr>
         <a:xfrm>
-          <a:off x="5635430" y="2401905"/>
-          <a:ext cx="4315781" cy="1946485"/>
+          <a:off x="5635800" y="3175807"/>
+          <a:ext cx="4320000" cy="326934"/>
         </a:xfrm>
         <a:prstGeom prst="rect">
           <a:avLst/>
@@ -18221,7 +18022,7 @@
           <a:p>
             <a:fld id="{73B2889B-A0AC-4482-8592-5C96F2309420}" type="datetimeFigureOut">
               <a:rPr lang="en-US" smtClean="0"/>
-              <a:t>8/18/2021</a:t>
+              <a:t>8/20/2021</a:t>
             </a:fld>
             <a:endParaRPr lang="en-US"/>
           </a:p>
@@ -18398,7 +18199,7 @@
           <a:p>
             <a:fld id="{830EB223-FFC0-462A-A3B8-EAA7CE0F8CBD}" type="datetimeFigureOut">
               <a:rPr lang="en-US" smtClean="0"/>
-              <a:t>8/18/2021</a:t>
+              <a:t>8/20/2021</a:t>
             </a:fld>
             <a:endParaRPr lang="en-US" dirty="0"/>
           </a:p>
@@ -18714,6 +18515,12 @@
               <a:t>Hi This is the Marketing Research 4050 Course. </a:t>
             </a:r>
           </a:p>
+          <a:p>
+            <a:r>
+              <a:rPr lang="en-US" dirty="0"/>
+              <a:t>Make sure that you are in the right class</a:t>
+            </a:r>
+          </a:p>
         </p:txBody>
       </p:sp>
       <p:sp>
@@ -18796,6 +18603,133 @@
           <a:bodyPr/>
           <a:lstStyle/>
           <a:p>
+            <a:pPr marL="0" marR="0" lvl="0" indent="0" algn="l" defTabSz="914400" rtl="0" eaLnBrk="1" fontAlgn="auto" latinLnBrk="0" hangingPunct="1">
+              <a:lnSpc>
+                <a:spcPct val="100000"/>
+              </a:lnSpc>
+              <a:spcBef>
+                <a:spcPts val="0"/>
+              </a:spcBef>
+              <a:spcAft>
+                <a:spcPts val="0"/>
+              </a:spcAft>
+              <a:buClrTx/>
+              <a:buSzTx/>
+              <a:buFontTx/>
+              <a:buNone/>
+              <a:tabLst/>
+              <a:defRPr/>
+            </a:pPr>
+            <a:r>
+              <a:rPr lang="en-US" dirty="0">
+                <a:effectLst/>
+              </a:rPr>
+              <a:t>Brown, T. J., Suter, T. A., &amp; Gilbert, C. A. (2018). </a:t>
+            </a:r>
+            <a:r>
+              <a:rPr lang="en-US" i="1" dirty="0">
+                <a:effectLst/>
+              </a:rPr>
+              <a:t>Basic marketing research : customer insights and managerial action</a:t>
+            </a:r>
+            <a:r>
+              <a:rPr lang="en-US" dirty="0">
+                <a:effectLst/>
+              </a:rPr>
+              <a:t> (9th ed.). MA Cengage Learning. https://www.worldcat.org/title/basic-marketing-research-customer-insights-and-managerial-action/oclc/1004747547</a:t>
+            </a:r>
+          </a:p>
+          <a:p>
+            <a:endParaRPr lang="en-US" dirty="0"/>
+          </a:p>
+          <a:p>
+            <a:r>
+              <a:rPr lang="en-US" dirty="0"/>
+              <a:t>This is the textbook definition that you’ve read. </a:t>
+            </a:r>
+          </a:p>
+        </p:txBody>
+      </p:sp>
+      <p:sp>
+        <p:nvSpPr>
+          <p:cNvPr id="4" name="Slide Number Placeholder 3"/>
+          <p:cNvSpPr>
+            <a:spLocks noGrp="1"/>
+          </p:cNvSpPr>
+          <p:nvPr>
+            <p:ph type="sldNum" sz="quarter" idx="5"/>
+          </p:nvPr>
+        </p:nvSpPr>
+        <p:spPr/>
+        <p:txBody>
+          <a:bodyPr/>
+          <a:lstStyle/>
+          <a:p>
+            <a:fld id="{BC849E9A-41F7-4779-A581-48A7C374A227}" type="slidenum">
+              <a:rPr lang="en-US" smtClean="0"/>
+              <a:t>15</a:t>
+            </a:fld>
+            <a:endParaRPr lang="en-US" dirty="0"/>
+          </a:p>
+        </p:txBody>
+      </p:sp>
+    </p:spTree>
+    <p:extLst>
+      <p:ext uri="{BB962C8B-B14F-4D97-AF65-F5344CB8AC3E}">
+        <p14:creationId xmlns:p14="http://schemas.microsoft.com/office/powerpoint/2010/main" val="240204854"/>
+      </p:ext>
+    </p:extLst>
+  </p:cSld>
+  <p:clrMapOvr>
+    <a:masterClrMapping/>
+  </p:clrMapOvr>
+</p:notes>
+</file>
+
+<file path=ppt/notesSlides/notesSlide11.xml><?xml version="1.0" encoding="utf-8"?>
+<p:notes xmlns:a="http://schemas.openxmlformats.org/drawingml/2006/main" xmlns:r="http://schemas.openxmlformats.org/officeDocument/2006/relationships" xmlns:p="http://schemas.openxmlformats.org/presentationml/2006/main">
+  <p:cSld>
+    <p:spTree>
+      <p:nvGrpSpPr>
+        <p:cNvPr id="1" name=""/>
+        <p:cNvGrpSpPr/>
+        <p:nvPr/>
+      </p:nvGrpSpPr>
+      <p:grpSpPr>
+        <a:xfrm>
+          <a:off x="0" y="0"/>
+          <a:ext cx="0" cy="0"/>
+          <a:chOff x="0" y="0"/>
+          <a:chExt cx="0" cy="0"/>
+        </a:xfrm>
+      </p:grpSpPr>
+      <p:sp>
+        <p:nvSpPr>
+          <p:cNvPr id="2" name="Slide Image Placeholder 1"/>
+          <p:cNvSpPr>
+            <a:spLocks noGrp="1" noRot="1" noChangeAspect="1"/>
+          </p:cNvSpPr>
+          <p:nvPr>
+            <p:ph type="sldImg"/>
+          </p:nvPr>
+        </p:nvSpPr>
+        <p:spPr/>
+      </p:sp>
+      <p:sp>
+        <p:nvSpPr>
+          <p:cNvPr id="3" name="Notes Placeholder 2"/>
+          <p:cNvSpPr>
+            <a:spLocks noGrp="1"/>
+          </p:cNvSpPr>
+          <p:nvPr>
+            <p:ph type="body" idx="1"/>
+          </p:nvPr>
+        </p:nvSpPr>
+        <p:spPr/>
+        <p:txBody>
+          <a:bodyPr/>
+          <a:lstStyle/>
+          <a:p>
             <a:r>
               <a:rPr lang="en-US" dirty="0"/>
               <a:t>Another definition that I like better is: </a:t>
@@ -18829,7 +18763,7 @@
           <a:p>
             <a:fld id="{BC849E9A-41F7-4779-A581-48A7C374A227}" type="slidenum">
               <a:rPr lang="en-US" smtClean="0"/>
-              <a:t>14</a:t>
+              <a:t>16</a:t>
             </a:fld>
             <a:endParaRPr lang="en-US" dirty="0"/>
           </a:p>
@@ -18848,7 +18782,7 @@
 </p:notes>
 </file>
 
-<file path=ppt/notesSlides/notesSlide11.xml><?xml version="1.0" encoding="utf-8"?>
+<file path=ppt/notesSlides/notesSlide12.xml><?xml version="1.0" encoding="utf-8"?>
 <p:notes xmlns:a="http://schemas.openxmlformats.org/drawingml/2006/main" xmlns:r="http://schemas.openxmlformats.org/officeDocument/2006/relationships" xmlns:p="http://schemas.openxmlformats.org/presentationml/2006/main">
   <p:cSld>
     <p:spTree>
@@ -18958,7 +18892,7 @@
           <a:p>
             <a:fld id="{BC849E9A-41F7-4779-A581-48A7C374A227}" type="slidenum">
               <a:rPr lang="en-US" smtClean="0"/>
-              <a:t>15</a:t>
+              <a:t>17</a:t>
             </a:fld>
             <a:endParaRPr lang="en-US" dirty="0"/>
           </a:p>
@@ -18977,7 +18911,7 @@
 </p:notes>
 </file>
 
-<file path=ppt/notesSlides/notesSlide12.xml><?xml version="1.0" encoding="utf-8"?>
+<file path=ppt/notesSlides/notesSlide13.xml><?xml version="1.0" encoding="utf-8"?>
 <p:notes xmlns:a="http://schemas.openxmlformats.org/drawingml/2006/main" xmlns:r="http://schemas.openxmlformats.org/officeDocument/2006/relationships" xmlns:p="http://schemas.openxmlformats.org/presentationml/2006/main">
   <p:cSld>
     <p:spTree>
@@ -19048,7 +18982,7 @@
           <a:p>
             <a:fld id="{BC849E9A-41F7-4779-A581-48A7C374A227}" type="slidenum">
               <a:rPr lang="en-US" smtClean="0"/>
-              <a:t>16</a:t>
+              <a:t>18</a:t>
             </a:fld>
             <a:endParaRPr lang="en-US" dirty="0"/>
           </a:p>
@@ -19067,7 +19001,7 @@
 </p:notes>
 </file>
 
-<file path=ppt/notesSlides/notesSlide13.xml><?xml version="1.0" encoding="utf-8"?>
+<file path=ppt/notesSlides/notesSlide14.xml><?xml version="1.0" encoding="utf-8"?>
 <p:notes xmlns:a="http://schemas.openxmlformats.org/drawingml/2006/main" xmlns:r="http://schemas.openxmlformats.org/officeDocument/2006/relationships" xmlns:p="http://schemas.openxmlformats.org/presentationml/2006/main">
   <p:cSld>
     <p:spTree>
@@ -19208,7 +19142,7 @@
           <a:p>
             <a:fld id="{BC849E9A-41F7-4779-A581-48A7C374A227}" type="slidenum">
               <a:rPr lang="en-US" smtClean="0"/>
-              <a:t>17</a:t>
+              <a:t>19</a:t>
             </a:fld>
             <a:endParaRPr lang="en-US" dirty="0"/>
           </a:p>
@@ -19227,7 +19161,7 @@
 </p:notes>
 </file>
 
-<file path=ppt/notesSlides/notesSlide14.xml><?xml version="1.0" encoding="utf-8"?>
+<file path=ppt/notesSlides/notesSlide15.xml><?xml version="1.0" encoding="utf-8"?>
 <p:notes xmlns:a="http://schemas.openxmlformats.org/drawingml/2006/main" xmlns:r="http://schemas.openxmlformats.org/officeDocument/2006/relationships" xmlns:p="http://schemas.openxmlformats.org/presentationml/2006/main">
   <p:cSld>
     <p:spTree>
@@ -19307,7 +19241,7 @@
           <a:p>
             <a:fld id="{BC849E9A-41F7-4779-A581-48A7C374A227}" type="slidenum">
               <a:rPr lang="en-US" smtClean="0"/>
-              <a:t>18</a:t>
+              <a:t>20</a:t>
             </a:fld>
             <a:endParaRPr lang="en-US" dirty="0"/>
           </a:p>
@@ -19326,7 +19260,7 @@
 </p:notes>
 </file>
 
-<file path=ppt/notesSlides/notesSlide15.xml><?xml version="1.0" encoding="utf-8"?>
+<file path=ppt/notesSlides/notesSlide16.xml><?xml version="1.0" encoding="utf-8"?>
 <p:notes xmlns:a="http://schemas.openxmlformats.org/drawingml/2006/main" xmlns:r="http://schemas.openxmlformats.org/officeDocument/2006/relationships" xmlns:p="http://schemas.openxmlformats.org/presentationml/2006/main">
   <p:cSld>
     <p:spTree>
@@ -19449,7 +19383,7 @@
           <a:p>
             <a:fld id="{BC849E9A-41F7-4779-A581-48A7C374A227}" type="slidenum">
               <a:rPr lang="en-US" smtClean="0"/>
-              <a:t>21</a:t>
+              <a:t>23</a:t>
             </a:fld>
             <a:endParaRPr lang="en-US" dirty="0"/>
           </a:p>
@@ -19682,13 +19616,16 @@
           <a:p>
             <a:r>
               <a:rPr lang="en-US" dirty="0"/>
-              <a:t>My name is Mike Nguyen. I am extremely happy that y’all are here today. I am really excited to accompany you throughout this semester in this Marketing Research class. This is my first semester teaching this course. I hope I can learn as much about teaching as you guys learn about marketing research. My background is in economics, finance, marketing, and statistics. Since I am not that older than many of you here today, I hope I can relate to y’all and don’t feel too old or ancient. </a:t>
+              <a:t>My name is Mike Nguyen. I am extremely happy that y’all are here today. I am really excited to accompany you throughout this semester in this Marketing Research class. This is my first semester teaching this course. I hope I can learn as much about teaching as you guys learn about marketing research. My background is in economics, finance, marketing, and statistics.</a:t>
             </a:r>
+          </a:p>
+          <a:p>
+            <a:endParaRPr lang="en-US" dirty="0"/>
           </a:p>
           <a:p>
             <a:r>
               <a:rPr lang="en-US" dirty="0"/>
-              <a:t>You can find out more info about me on Mizzou or my personal website </a:t>
+              <a:t>You can find out more info about me on Mizzou or on my personal website </a:t>
             </a:r>
           </a:p>
           <a:p>
@@ -19958,7 +19895,7 @@
           <a:p>
             <a:r>
               <a:rPr lang="en-US" dirty="0"/>
-              <a:t>Since this is my first marketing research class, there might be typos or broken Links or URLs. Please let me know if you can’t access the materials. </a:t>
+              <a:t>Since this is my first marketing research class, there might be typos or broken Links somewhere. Please let me know if you can’t access the materials. </a:t>
             </a:r>
           </a:p>
           <a:p>
@@ -20144,13 +20081,22 @@
           <a:p>
             <a:r>
               <a:rPr lang="en-US" dirty="0"/>
+              <a:t>This is straight from the syllabus, so if you guys can pull up and follow along. It would come in handy later when you want to refer back to these policies. </a:t>
+            </a:r>
+          </a:p>
+          <a:p>
+            <a:endParaRPr lang="en-US" dirty="0"/>
+          </a:p>
+          <a:p>
+            <a:r>
+              <a:rPr lang="en-US" dirty="0"/>
               <a:t>Everyday, you will receive attendance points just by being in class </a:t>
             </a:r>
           </a:p>
           <a:p>
             <a:r>
               <a:rPr lang="en-US" dirty="0"/>
-              <a:t>But to receive participation points,  you have to answer correctly at least 50% of the questions posted in class, which consists of </a:t>
+              <a:t>But to receive participation points,  you have to answer at least 75% of the questions posted in class, which usually consists of </a:t>
             </a:r>
           </a:p>
           <a:p>
@@ -20158,6 +20104,9 @@
               <a:rPr lang="en-US" dirty="0"/>
               <a:t>1 to 2 questions that recap materials from the class. </a:t>
             </a:r>
+          </a:p>
+          <a:p>
+            <a:endParaRPr lang="en-US" dirty="0"/>
           </a:p>
         </p:txBody>
       </p:sp>
@@ -20329,30 +20278,31 @@
           <a:lstStyle/>
           <a:p>
             <a:r>
-              <a:rPr lang="en-US" dirty="0"/>
-              <a:t>This section is the most exciting part for me in this class. </a:t>
+              <a:rPr lang="en-US" sz="1800" dirty="0">
+                <a:effectLst/>
+                <a:latin typeface="Calibri" panose="020F0502020204030204" pitchFamily="34" charset="0"/>
+                <a:ea typeface="Times New Roman" panose="02020603050405020304" pitchFamily="18" charset="0"/>
+              </a:rPr>
+              <a:t>If your students request remote access because they are immunocompromised or for other disability reasons associated with the COVID-19 pandemic, please refer them to the Disability Center. </a:t>
             </a:r>
           </a:p>
           <a:p>
-            <a:r>
-              <a:rPr lang="en-US" dirty="0"/>
-              <a:t>I call this 5 min snippet which basically means that at the end of every class about 5 minutes I will show you some of the most interesting (at least in my opinion) and state-of-the-art research methods in marketing and in various social science disciplines. Since I cannot teach you guys these materials formally and have to adhere strictly to the marketing research textbook. This is my way to rebel.  However, I do understand the reason that our program requires you guys learn the basic (bread and butter) of marketing research. But since this is the only marketing research you’re required to take before graduation, I don’t think you have a chance to learn more methods. Hence, I hope at least I can introduce that there are more out there that you can learn to be more competitive on the job market. </a:t>
-            </a:r>
-          </a:p>
-          <a:p>
-            <a:endParaRPr lang="en-US" dirty="0"/>
+            <a:endParaRPr lang="en-US" sz="1800" dirty="0">
+              <a:effectLst/>
+              <a:latin typeface="Calibri" panose="020F0502020204030204" pitchFamily="34" charset="0"/>
+              <a:ea typeface="Times New Roman" panose="02020603050405020304" pitchFamily="18" charset="0"/>
+            </a:endParaRPr>
           </a:p>
           <a:p>
             <a:r>
-              <a:rPr lang="en-US" dirty="0"/>
-              <a:t>And if you can have any new name for this section, I’d love to hear it. </a:t>
+              <a:rPr lang="en-US" sz="1800" dirty="0">
+                <a:effectLst/>
+                <a:latin typeface="Calibri" panose="020F0502020204030204" pitchFamily="34" charset="0"/>
+                <a:ea typeface="Times New Roman" panose="02020603050405020304" pitchFamily="18" charset="0"/>
+              </a:rPr>
+              <a:t>For your confidentiality, and to make sure your full needs are met, you need to first establish accommodations with the Disability Center. They will guide you through the process and inform me of what accommodations you should receive in my class</a:t>
             </a:r>
-          </a:p>
-          <a:p>
-            <a:r>
-              <a:rPr lang="en-US" dirty="0"/>
-              <a:t>Later you will have a taste of what this section is all about</a:t>
-            </a:r>
+            <a:endParaRPr lang="en-US" dirty="0"/>
           </a:p>
         </p:txBody>
       </p:sp>
@@ -20373,7 +20323,7 @@
           <a:p>
             <a:fld id="{BC849E9A-41F7-4779-A581-48A7C374A227}" type="slidenum">
               <a:rPr lang="en-US" smtClean="0"/>
-              <a:t>10</a:t>
+              <a:t>11</a:t>
             </a:fld>
             <a:endParaRPr lang="en-US" dirty="0"/>
           </a:p>
@@ -20382,7 +20332,7 @@
     </p:spTree>
     <p:extLst>
       <p:ext uri="{BB962C8B-B14F-4D97-AF65-F5344CB8AC3E}">
-        <p14:creationId xmlns:p14="http://schemas.microsoft.com/office/powerpoint/2010/main" val="514352010"/>
+        <p14:creationId xmlns:p14="http://schemas.microsoft.com/office/powerpoint/2010/main" val="4105819062"/>
       </p:ext>
     </p:extLst>
   </p:cSld>
@@ -20436,40 +20386,15 @@
           <a:bodyPr/>
           <a:lstStyle/>
           <a:p>
-            <a:pPr marL="0" marR="0" lvl="0" indent="0" algn="l" defTabSz="914400" rtl="0" eaLnBrk="1" fontAlgn="auto" latinLnBrk="0" hangingPunct="1">
-              <a:lnSpc>
-                <a:spcPct val="100000"/>
-              </a:lnSpc>
-              <a:spcBef>
-                <a:spcPts val="0"/>
-              </a:spcBef>
-              <a:spcAft>
-                <a:spcPts val="0"/>
-              </a:spcAft>
-              <a:buClrTx/>
-              <a:buSzTx/>
-              <a:buFontTx/>
-              <a:buNone/>
-              <a:tabLst/>
-              <a:defRPr/>
-            </a:pPr>
             <a:r>
-              <a:rPr lang="en-US" dirty="0">
-                <a:effectLst/>
-              </a:rPr>
-              <a:t>Brown, T. J., Suter, T. A., &amp; Gilbert, C. A. (2018). </a:t>
+              <a:rPr lang="en-US" dirty="0"/>
+              <a:t>This section is the most exciting part for me in this class. </a:t>
             </a:r>
+          </a:p>
+          <a:p>
             <a:r>
-              <a:rPr lang="en-US" i="1" dirty="0">
-                <a:effectLst/>
-              </a:rPr>
-              <a:t>Basic marketing research : customer insights and managerial action</a:t>
-            </a:r>
-            <a:r>
-              <a:rPr lang="en-US" dirty="0">
-                <a:effectLst/>
-              </a:rPr>
-              <a:t> (9th ed.). MA Cengage Learning. https://www.worldcat.org/title/basic-marketing-research-customer-insights-and-managerial-action/oclc/1004747547</a:t>
+              <a:rPr lang="en-US" dirty="0"/>
+              <a:t>I call this 5 min snippet which basically means that at the end of every class about 5 minutes I will show you some of the most interesting (at least in my opinion) and state-of-the-art research methods in marketing and in various social science disciplines. Since I cannot teach you guys these materials formally and have to adhere strictly to the marketing research textbook. This is my way to rebel.  However, I do understand the reason that our program requires you guys learn the basic (bread and butter) of marketing research. But since this is the only marketing research you’re required to take before graduation, I don’t think you have a chance to learn more methods. Hence, I hope at least I can introduce that there are more out there that you can learn to be more competitive on the job market. </a:t>
             </a:r>
           </a:p>
           <a:p>
@@ -20478,7 +20403,13 @@
           <a:p>
             <a:r>
               <a:rPr lang="en-US" dirty="0"/>
-              <a:t>This is the textbook definition that you’ve read. </a:t>
+              <a:t>And if you can have any new name for this section, I’d love to hear it. </a:t>
+            </a:r>
+          </a:p>
+          <a:p>
+            <a:r>
+              <a:rPr lang="en-US" dirty="0"/>
+              <a:t>Later you will have a taste of what this section is all about</a:t>
             </a:r>
           </a:p>
         </p:txBody>
@@ -20500,7 +20431,7 @@
           <a:p>
             <a:fld id="{BC849E9A-41F7-4779-A581-48A7C374A227}" type="slidenum">
               <a:rPr lang="en-US" smtClean="0"/>
-              <a:t>13</a:t>
+              <a:t>12</a:t>
             </a:fld>
             <a:endParaRPr lang="en-US" dirty="0"/>
           </a:p>
@@ -20509,7 +20440,7 @@
     </p:spTree>
     <p:extLst>
       <p:ext uri="{BB962C8B-B14F-4D97-AF65-F5344CB8AC3E}">
-        <p14:creationId xmlns:p14="http://schemas.microsoft.com/office/powerpoint/2010/main" val="240204854"/>
+        <p14:creationId xmlns:p14="http://schemas.microsoft.com/office/powerpoint/2010/main" val="514352010"/>
       </p:ext>
     </p:extLst>
   </p:cSld>
@@ -20666,7 +20597,7 @@
           <a:p>
             <a:fld id="{8309642E-A968-44B8-ACE3-90EBEDDD398D}" type="datetime1">
               <a:rPr lang="en-US" smtClean="0"/>
-              <a:t>8/18/2021</a:t>
+              <a:t>8/20/2021</a:t>
             </a:fld>
             <a:endParaRPr lang="en-US" dirty="0"/>
           </a:p>
@@ -20868,7 +20799,7 @@
           <a:p>
             <a:fld id="{2C88C5C9-6B9B-4CFA-979A-ECC03C5FF465}" type="datetime1">
               <a:rPr lang="en-US" smtClean="0"/>
-              <a:t>8/18/2021</a:t>
+              <a:t>8/20/2021</a:t>
             </a:fld>
             <a:endParaRPr lang="en-US" dirty="0"/>
           </a:p>
@@ -21080,7 +21011,7 @@
           <a:p>
             <a:fld id="{DC44DC0C-FBF5-4717-92E2-F4E5E6FE63C5}" type="datetime1">
               <a:rPr lang="en-US" smtClean="0"/>
-              <a:t>8/18/2021</a:t>
+              <a:t>8/20/2021</a:t>
             </a:fld>
             <a:endParaRPr lang="en-US" dirty="0"/>
           </a:p>
@@ -21282,7 +21213,7 @@
           <a:p>
             <a:fld id="{F7396869-A527-4DDE-A87F-2FAD93591CD6}" type="datetime1">
               <a:rPr lang="en-US" smtClean="0"/>
-              <a:t>8/18/2021</a:t>
+              <a:t>8/20/2021</a:t>
             </a:fld>
             <a:endParaRPr lang="en-US" dirty="0"/>
           </a:p>
@@ -21561,7 +21492,7 @@
           <a:p>
             <a:fld id="{E0B9E5B0-5213-4A85-8072-65B30E4AAA7C}" type="datetime1">
               <a:rPr lang="en-US" smtClean="0"/>
-              <a:t>8/18/2021</a:t>
+              <a:t>8/20/2021</a:t>
             </a:fld>
             <a:endParaRPr lang="en-US" dirty="0"/>
           </a:p>
@@ -21830,7 +21761,7 @@
           <a:p>
             <a:fld id="{1E1C311C-4227-43C8-B657-7AFFBA651C5D}" type="datetime1">
               <a:rPr lang="en-US" smtClean="0"/>
-              <a:t>8/18/2021</a:t>
+              <a:t>8/20/2021</a:t>
             </a:fld>
             <a:endParaRPr lang="en-US" dirty="0"/>
           </a:p>
@@ -22246,7 +22177,7 @@
           <a:p>
             <a:fld id="{4892BA78-636B-4087-93C1-12DC82F8BA9E}" type="datetime1">
               <a:rPr lang="en-US" smtClean="0"/>
-              <a:t>8/18/2021</a:t>
+              <a:t>8/20/2021</a:t>
             </a:fld>
             <a:endParaRPr lang="en-US" dirty="0"/>
           </a:p>
@@ -22391,7 +22322,7 @@
           <a:p>
             <a:fld id="{62127D47-33AC-4EB8-88BF-73A09525E3C6}" type="datetime1">
               <a:rPr lang="en-US" smtClean="0"/>
-              <a:t>8/18/2021</a:t>
+              <a:t>8/20/2021</a:t>
             </a:fld>
             <a:endParaRPr lang="en-US" dirty="0"/>
           </a:p>
@@ -22508,7 +22439,7 @@
           <a:p>
             <a:fld id="{F67EABE3-FF1B-4439-8181-10F3B1916892}" type="datetime1">
               <a:rPr lang="en-US" smtClean="0"/>
-              <a:t>8/18/2021</a:t>
+              <a:t>8/20/2021</a:t>
             </a:fld>
             <a:endParaRPr lang="en-US" dirty="0"/>
           </a:p>
@@ -22823,7 +22754,7 @@
           <a:p>
             <a:fld id="{E100E4BB-DE2B-43F9-8988-838425CC0DCC}" type="datetime1">
               <a:rPr lang="en-US" smtClean="0"/>
-              <a:t>8/18/2021</a:t>
+              <a:t>8/20/2021</a:t>
             </a:fld>
             <a:endParaRPr lang="en-US" dirty="0"/>
           </a:p>
@@ -23119,7 +23050,7 @@
           <a:p>
             <a:fld id="{F0231CB1-42AC-4A7B-8114-59E8BE22884B}" type="datetime1">
               <a:rPr lang="en-US" smtClean="0"/>
-              <a:t>8/18/2021</a:t>
+              <a:t>8/20/2021</a:t>
             </a:fld>
             <a:endParaRPr lang="en-US" dirty="0"/>
           </a:p>
@@ -23364,7 +23295,7 @@
           <a:p>
             <a:fld id="{840AEFE5-39FE-49F0-BD01-3399A6CA78BB}" type="datetime1">
               <a:rPr lang="en-US" smtClean="0"/>
-              <a:t>8/18/2021</a:t>
+              <a:t>8/20/2021</a:t>
             </a:fld>
             <a:endParaRPr lang="en-US" dirty="0"/>
           </a:p>
@@ -25383,6 +25314,288 @@
 </file>
 
 <file path=ppt/slides/slide10.xml><?xml version="1.0" encoding="utf-8"?>
+<p:sld xmlns:a="http://schemas.openxmlformats.org/drawingml/2006/main" xmlns:r="http://schemas.openxmlformats.org/officeDocument/2006/relationships" xmlns:p="http://schemas.openxmlformats.org/presentationml/2006/main" show="0">
+  <p:cSld>
+    <p:spTree>
+      <p:nvGrpSpPr>
+        <p:cNvPr id="1" name=""/>
+        <p:cNvGrpSpPr/>
+        <p:nvPr/>
+      </p:nvGrpSpPr>
+      <p:grpSpPr>
+        <a:xfrm>
+          <a:off x="0" y="0"/>
+          <a:ext cx="0" cy="0"/>
+          <a:chOff x="0" y="0"/>
+          <a:chExt cx="0" cy="0"/>
+        </a:xfrm>
+      </p:grpSpPr>
+      <p:sp>
+        <p:nvSpPr>
+          <p:cNvPr id="2" name="Title 1">
+            <a:extLst>
+              <a:ext uri="{FF2B5EF4-FFF2-40B4-BE49-F238E27FC236}">
+                <a16:creationId xmlns:a16="http://schemas.microsoft.com/office/drawing/2014/main" id="{D5750856-B589-4B90-9975-BD1730646F7F}"/>
+              </a:ext>
+            </a:extLst>
+          </p:cNvPr>
+          <p:cNvSpPr>
+            <a:spLocks noGrp="1"/>
+          </p:cNvSpPr>
+          <p:nvPr>
+            <p:ph type="title"/>
+          </p:nvPr>
+        </p:nvSpPr>
+        <p:spPr/>
+        <p:txBody>
+          <a:bodyPr/>
+          <a:lstStyle/>
+          <a:p>
+            <a:r>
+              <a:rPr lang="en-US" dirty="0"/>
+              <a:t>Group Term Project</a:t>
+            </a:r>
+          </a:p>
+        </p:txBody>
+      </p:sp>
+      <p:sp>
+        <p:nvSpPr>
+          <p:cNvPr id="3" name="Content Placeholder 2">
+            <a:extLst>
+              <a:ext uri="{FF2B5EF4-FFF2-40B4-BE49-F238E27FC236}">
+                <a16:creationId xmlns:a16="http://schemas.microsoft.com/office/drawing/2014/main" id="{CEEB7536-1E14-45FC-AD43-542F04BC539B}"/>
+              </a:ext>
+            </a:extLst>
+          </p:cNvPr>
+          <p:cNvSpPr>
+            <a:spLocks noGrp="1"/>
+          </p:cNvSpPr>
+          <p:nvPr>
+            <p:ph idx="1"/>
+          </p:nvPr>
+        </p:nvSpPr>
+        <p:spPr/>
+        <p:txBody>
+          <a:bodyPr/>
+          <a:lstStyle/>
+          <a:p>
+            <a:endParaRPr lang="en-US"/>
+          </a:p>
+        </p:txBody>
+      </p:sp>
+      <p:sp>
+        <p:nvSpPr>
+          <p:cNvPr id="4" name="Footer Placeholder 3">
+            <a:extLst>
+              <a:ext uri="{FF2B5EF4-FFF2-40B4-BE49-F238E27FC236}">
+                <a16:creationId xmlns:a16="http://schemas.microsoft.com/office/drawing/2014/main" id="{4540B6CB-3D57-4FAE-A151-5B97CA26E217}"/>
+              </a:ext>
+            </a:extLst>
+          </p:cNvPr>
+          <p:cNvSpPr>
+            <a:spLocks noGrp="1"/>
+          </p:cNvSpPr>
+          <p:nvPr>
+            <p:ph type="ftr" sz="quarter" idx="11"/>
+          </p:nvPr>
+        </p:nvSpPr>
+        <p:spPr/>
+        <p:txBody>
+          <a:bodyPr/>
+          <a:lstStyle/>
+          <a:p>
+            <a:r>
+              <a:rPr lang="en-US"/>
+              <a:t>Mike Nguyen</a:t>
+            </a:r>
+            <a:endParaRPr lang="en-US" dirty="0"/>
+          </a:p>
+        </p:txBody>
+      </p:sp>
+      <p:sp>
+        <p:nvSpPr>
+          <p:cNvPr id="5" name="Slide Number Placeholder 4">
+            <a:extLst>
+              <a:ext uri="{FF2B5EF4-FFF2-40B4-BE49-F238E27FC236}">
+                <a16:creationId xmlns:a16="http://schemas.microsoft.com/office/drawing/2014/main" id="{350D2D5F-3A5E-4B4C-AAEC-16C09313F149}"/>
+              </a:ext>
+            </a:extLst>
+          </p:cNvPr>
+          <p:cNvSpPr>
+            <a:spLocks noGrp="1"/>
+          </p:cNvSpPr>
+          <p:nvPr>
+            <p:ph type="sldNum" sz="quarter" idx="12"/>
+          </p:nvPr>
+        </p:nvSpPr>
+        <p:spPr/>
+        <p:txBody>
+          <a:bodyPr/>
+          <a:lstStyle/>
+          <a:p>
+            <a:fld id="{A6AF1B4E-90EC-4A51-B6E5-B702C054ECB0}" type="slidenum">
+              <a:rPr lang="en-US" smtClean="0"/>
+              <a:t>10</a:t>
+            </a:fld>
+            <a:endParaRPr lang="en-US" dirty="0"/>
+          </a:p>
+        </p:txBody>
+      </p:sp>
+    </p:spTree>
+    <p:extLst>
+      <p:ext uri="{BB962C8B-B14F-4D97-AF65-F5344CB8AC3E}">
+        <p14:creationId xmlns:p14="http://schemas.microsoft.com/office/powerpoint/2010/main" val="2656344692"/>
+      </p:ext>
+    </p:extLst>
+  </p:cSld>
+  <p:clrMapOvr>
+    <a:masterClrMapping/>
+  </p:clrMapOvr>
+</p:sld>
+</file>
+
+<file path=ppt/slides/slide11.xml><?xml version="1.0" encoding="utf-8"?>
+<p:sld xmlns:a="http://schemas.openxmlformats.org/drawingml/2006/main" xmlns:r="http://schemas.openxmlformats.org/officeDocument/2006/relationships" xmlns:p="http://schemas.openxmlformats.org/presentationml/2006/main">
+  <p:cSld>
+    <p:spTree>
+      <p:nvGrpSpPr>
+        <p:cNvPr id="1" name=""/>
+        <p:cNvGrpSpPr/>
+        <p:nvPr/>
+      </p:nvGrpSpPr>
+      <p:grpSpPr>
+        <a:xfrm>
+          <a:off x="0" y="0"/>
+          <a:ext cx="0" cy="0"/>
+          <a:chOff x="0" y="0"/>
+          <a:chExt cx="0" cy="0"/>
+        </a:xfrm>
+      </p:grpSpPr>
+      <p:sp>
+        <p:nvSpPr>
+          <p:cNvPr id="2" name="Title 1">
+            <a:extLst>
+              <a:ext uri="{FF2B5EF4-FFF2-40B4-BE49-F238E27FC236}">
+                <a16:creationId xmlns:a16="http://schemas.microsoft.com/office/drawing/2014/main" id="{42A29488-2437-4B23-BB18-DC76AEBE6542}"/>
+              </a:ext>
+            </a:extLst>
+          </p:cNvPr>
+          <p:cNvSpPr>
+            <a:spLocks noGrp="1"/>
+          </p:cNvSpPr>
+          <p:nvPr>
+            <p:ph type="title"/>
+          </p:nvPr>
+        </p:nvSpPr>
+        <p:spPr/>
+        <p:txBody>
+          <a:bodyPr/>
+          <a:lstStyle/>
+          <a:p>
+            <a:r>
+              <a:rPr lang="en-US" dirty="0"/>
+              <a:t>Covid </a:t>
+            </a:r>
+          </a:p>
+        </p:txBody>
+      </p:sp>
+      <p:sp>
+        <p:nvSpPr>
+          <p:cNvPr id="3" name="Content Placeholder 2">
+            <a:extLst>
+              <a:ext uri="{FF2B5EF4-FFF2-40B4-BE49-F238E27FC236}">
+                <a16:creationId xmlns:a16="http://schemas.microsoft.com/office/drawing/2014/main" id="{A07E5097-BE52-4E62-8EC8-5E9DDE299F81}"/>
+              </a:ext>
+            </a:extLst>
+          </p:cNvPr>
+          <p:cNvSpPr>
+            <a:spLocks noGrp="1"/>
+          </p:cNvSpPr>
+          <p:nvPr>
+            <p:ph idx="1"/>
+          </p:nvPr>
+        </p:nvSpPr>
+        <p:spPr/>
+        <p:txBody>
+          <a:bodyPr/>
+          <a:lstStyle/>
+          <a:p>
+            <a:endParaRPr lang="en-US"/>
+          </a:p>
+        </p:txBody>
+      </p:sp>
+      <p:sp>
+        <p:nvSpPr>
+          <p:cNvPr id="4" name="Footer Placeholder 3">
+            <a:extLst>
+              <a:ext uri="{FF2B5EF4-FFF2-40B4-BE49-F238E27FC236}">
+                <a16:creationId xmlns:a16="http://schemas.microsoft.com/office/drawing/2014/main" id="{ED0CB41F-B05C-4446-992F-21B9A8BC6DF4}"/>
+              </a:ext>
+            </a:extLst>
+          </p:cNvPr>
+          <p:cNvSpPr>
+            <a:spLocks noGrp="1"/>
+          </p:cNvSpPr>
+          <p:nvPr>
+            <p:ph type="ftr" sz="quarter" idx="11"/>
+          </p:nvPr>
+        </p:nvSpPr>
+        <p:spPr/>
+        <p:txBody>
+          <a:bodyPr/>
+          <a:lstStyle/>
+          <a:p>
+            <a:r>
+              <a:rPr lang="en-US"/>
+              <a:t>Mike Nguyen</a:t>
+            </a:r>
+            <a:endParaRPr lang="en-US" dirty="0"/>
+          </a:p>
+        </p:txBody>
+      </p:sp>
+      <p:sp>
+        <p:nvSpPr>
+          <p:cNvPr id="5" name="Slide Number Placeholder 4">
+            <a:extLst>
+              <a:ext uri="{FF2B5EF4-FFF2-40B4-BE49-F238E27FC236}">
+                <a16:creationId xmlns:a16="http://schemas.microsoft.com/office/drawing/2014/main" id="{E9A76A5C-29C4-4E82-97B9-6246FC79F1A9}"/>
+              </a:ext>
+            </a:extLst>
+          </p:cNvPr>
+          <p:cNvSpPr>
+            <a:spLocks noGrp="1"/>
+          </p:cNvSpPr>
+          <p:nvPr>
+            <p:ph type="sldNum" sz="quarter" idx="12"/>
+          </p:nvPr>
+        </p:nvSpPr>
+        <p:spPr/>
+        <p:txBody>
+          <a:bodyPr/>
+          <a:lstStyle/>
+          <a:p>
+            <a:fld id="{A6AF1B4E-90EC-4A51-B6E5-B702C054ECB0}" type="slidenum">
+              <a:rPr lang="en-US" smtClean="0"/>
+              <a:t>11</a:t>
+            </a:fld>
+            <a:endParaRPr lang="en-US" dirty="0"/>
+          </a:p>
+        </p:txBody>
+      </p:sp>
+    </p:spTree>
+    <p:extLst>
+      <p:ext uri="{BB962C8B-B14F-4D97-AF65-F5344CB8AC3E}">
+        <p14:creationId xmlns:p14="http://schemas.microsoft.com/office/powerpoint/2010/main" val="1056347038"/>
+      </p:ext>
+    </p:extLst>
+  </p:cSld>
+  <p:clrMapOvr>
+    <a:masterClrMapping/>
+  </p:clrMapOvr>
+</p:sld>
+</file>
+
+<file path=ppt/slides/slide12.xml><?xml version="1.0" encoding="utf-8"?>
 <p:sld xmlns:a="http://schemas.openxmlformats.org/drawingml/2006/main" xmlns:r="http://schemas.openxmlformats.org/officeDocument/2006/relationships" xmlns:p="http://schemas.openxmlformats.org/presentationml/2006/main">
   <p:cSld>
     <p:bg>
@@ -25849,7 +26062,7 @@
                   <a:spcPts val="600"/>
                 </a:spcAft>
               </a:pPr>
-              <a:t>10</a:t>
+              <a:t>12</a:t>
             </a:fld>
             <a:endParaRPr lang="en-US"/>
           </a:p>
@@ -25899,7 +26112,7 @@
 </p:sld>
 </file>
 
-<file path=ppt/slides/slide11.xml><?xml version="1.0" encoding="utf-8"?>
+<file path=ppt/slides/slide13.xml><?xml version="1.0" encoding="utf-8"?>
 <p:sld xmlns:a="http://schemas.openxmlformats.org/drawingml/2006/main" xmlns:r="http://schemas.openxmlformats.org/officeDocument/2006/relationships" xmlns:p="http://schemas.openxmlformats.org/presentationml/2006/main">
   <p:cSld>
     <p:bg>
@@ -26043,7 +26256,7 @@
                   <a:spcPts val="600"/>
                 </a:spcAft>
               </a:pPr>
-              <a:t>11</a:t>
+              <a:t>13</a:t>
             </a:fld>
             <a:endParaRPr lang="en-US"/>
           </a:p>
@@ -26093,7 +26306,7 @@
 </p:sld>
 </file>
 
-<file path=ppt/slides/slide12.xml><?xml version="1.0" encoding="utf-8"?>
+<file path=ppt/slides/slide14.xml><?xml version="1.0" encoding="utf-8"?>
 <p:sld xmlns:a="http://schemas.openxmlformats.org/drawingml/2006/main" xmlns:r="http://schemas.openxmlformats.org/officeDocument/2006/relationships" xmlns:p="http://schemas.openxmlformats.org/presentationml/2006/main">
   <p:cSld>
     <p:spTree>
@@ -26215,7 +26428,7 @@
           <a:p>
             <a:fld id="{A6AF1B4E-90EC-4A51-B6E5-B702C054ECB0}" type="slidenum">
               <a:rPr lang="en-US" smtClean="0"/>
-              <a:t>12</a:t>
+              <a:t>14</a:t>
             </a:fld>
             <a:endParaRPr lang="en-US" dirty="0"/>
           </a:p>
@@ -26234,7 +26447,7 @@
 </p:sld>
 </file>
 
-<file path=ppt/slides/slide13.xml><?xml version="1.0" encoding="utf-8"?>
+<file path=ppt/slides/slide15.xml><?xml version="1.0" encoding="utf-8"?>
 <p:sld xmlns:a="http://schemas.openxmlformats.org/drawingml/2006/main" xmlns:r="http://schemas.openxmlformats.org/officeDocument/2006/relationships" xmlns:p="http://schemas.openxmlformats.org/presentationml/2006/main">
   <p:cSld>
     <p:bg>
@@ -26852,7 +27065,7 @@
                   <a:spcPts val="600"/>
                 </a:spcAft>
               </a:pPr>
-              <a:t>13</a:t>
+              <a:t>15</a:t>
             </a:fld>
             <a:endParaRPr lang="en-US"/>
           </a:p>
@@ -26871,7 +27084,7 @@
 </p:sld>
 </file>
 
-<file path=ppt/slides/slide14.xml><?xml version="1.0" encoding="utf-8"?>
+<file path=ppt/slides/slide16.xml><?xml version="1.0" encoding="utf-8"?>
 <p:sld xmlns:a="http://schemas.openxmlformats.org/drawingml/2006/main" xmlns:r="http://schemas.openxmlformats.org/officeDocument/2006/relationships" xmlns:p="http://schemas.openxmlformats.org/presentationml/2006/main">
   <p:cSld>
     <p:bg>
@@ -27458,7 +27671,7 @@
                   <a:spcPts val="600"/>
                 </a:spcAft>
               </a:pPr>
-              <a:t>14</a:t>
+              <a:t>16</a:t>
             </a:fld>
             <a:endParaRPr lang="en-US"/>
           </a:p>
@@ -27477,7 +27690,7 @@
 </p:sld>
 </file>
 
-<file path=ppt/slides/slide15.xml><?xml version="1.0" encoding="utf-8"?>
+<file path=ppt/slides/slide17.xml><?xml version="1.0" encoding="utf-8"?>
 <p:sld xmlns:a="http://schemas.openxmlformats.org/drawingml/2006/main" xmlns:r="http://schemas.openxmlformats.org/officeDocument/2006/relationships" xmlns:p="http://schemas.openxmlformats.org/presentationml/2006/main">
   <p:cSld>
     <p:bg>
@@ -28027,7 +28240,7 @@
                   <a:spcPts val="600"/>
                 </a:spcAft>
               </a:pPr>
-              <a:t>15</a:t>
+              <a:t>17</a:t>
             </a:fld>
             <a:endParaRPr lang="en-US"/>
           </a:p>
@@ -29021,7 +29234,7 @@
 </p:sld>
 </file>
 
-<file path=ppt/slides/slide16.xml><?xml version="1.0" encoding="utf-8"?>
+<file path=ppt/slides/slide18.xml><?xml version="1.0" encoding="utf-8"?>
 <p:sld xmlns:a="http://schemas.openxmlformats.org/drawingml/2006/main" xmlns:r="http://schemas.openxmlformats.org/officeDocument/2006/relationships" xmlns:p="http://schemas.openxmlformats.org/presentationml/2006/main">
   <p:cSld>
     <p:bg>
@@ -29596,7 +29809,7 @@
                   <a:spcPts val="600"/>
                 </a:spcAft>
               </a:pPr>
-              <a:t>16</a:t>
+              <a:t>18</a:t>
             </a:fld>
             <a:endParaRPr lang="en-US"/>
           </a:p>
@@ -29615,7 +29828,7 @@
 </p:sld>
 </file>
 
-<file path=ppt/slides/slide17.xml><?xml version="1.0" encoding="utf-8"?>
+<file path=ppt/slides/slide19.xml><?xml version="1.0" encoding="utf-8"?>
 <p:sld xmlns:a="http://schemas.openxmlformats.org/drawingml/2006/main" xmlns:r="http://schemas.openxmlformats.org/officeDocument/2006/relationships" xmlns:p="http://schemas.openxmlformats.org/presentationml/2006/main">
   <p:cSld>
     <p:bg>
@@ -29889,7 +30102,7 @@
                   <a:spcPts val="600"/>
                 </a:spcAft>
               </a:pPr>
-              <a:t>17</a:t>
+              <a:t>19</a:t>
             </a:fld>
             <a:endParaRPr lang="en-US">
               <a:solidFill>
@@ -29947,7 +30160,524 @@
 </p:sld>
 </file>
 
-<file path=ppt/slides/slide18.xml><?xml version="1.0" encoding="utf-8"?>
+<file path=ppt/slides/slide2.xml><?xml version="1.0" encoding="utf-8"?>
+<p:sld xmlns:a="http://schemas.openxmlformats.org/drawingml/2006/main" xmlns:r="http://schemas.openxmlformats.org/officeDocument/2006/relationships" xmlns:p="http://schemas.openxmlformats.org/presentationml/2006/main">
+  <p:cSld>
+    <p:bg>
+      <p:bgPr>
+        <a:solidFill>
+          <a:schemeClr val="bg1"/>
+        </a:solidFill>
+        <a:effectLst/>
+      </p:bgPr>
+    </p:bg>
+    <p:spTree>
+      <p:nvGrpSpPr>
+        <p:cNvPr id="1" name=""/>
+        <p:cNvGrpSpPr/>
+        <p:nvPr/>
+      </p:nvGrpSpPr>
+      <p:grpSpPr>
+        <a:xfrm>
+          <a:off x="0" y="0"/>
+          <a:ext cx="0" cy="0"/>
+          <a:chOff x="0" y="0"/>
+          <a:chExt cx="0" cy="0"/>
+        </a:xfrm>
+      </p:grpSpPr>
+      <p:sp>
+        <p:nvSpPr>
+          <p:cNvPr id="11" name="Rectangle 10">
+            <a:extLst>
+              <a:ext uri="{FF2B5EF4-FFF2-40B4-BE49-F238E27FC236}">
+                <a16:creationId xmlns:a16="http://schemas.microsoft.com/office/drawing/2014/main" id="{2B566528-1B12-4246-9431-5C2D7D081168}"/>
+              </a:ext>
+              <a:ext uri="{C183D7F6-B498-43B3-948B-1728B52AA6E4}">
+                <adec:decorative xmlns:adec="http://schemas.microsoft.com/office/drawing/2017/decorative" val="1"/>
+              </a:ext>
+            </a:extLst>
+          </p:cNvPr>
+          <p:cNvSpPr>
+            <a:spLocks noGrp="1" noRot="1" noChangeAspect="1" noMove="1" noResize="1" noEditPoints="1" noAdjustHandles="1" noChangeArrowheads="1" noChangeShapeType="1" noTextEdit="1"/>
+          </p:cNvSpPr>
+          <p:nvPr>
+            <p:extLst>
+              <p:ext uri="{386F3935-93C4-4BCD-93E2-E3B085C9AB24}">
+                <p16:designElem xmlns:p16="http://schemas.microsoft.com/office/powerpoint/2015/main" val="1"/>
+              </p:ext>
+            </p:extLst>
+          </p:nvPr>
+        </p:nvSpPr>
+        <p:spPr>
+          <a:xfrm>
+            <a:off x="0" y="0"/>
+            <a:ext cx="12192000" cy="6858000"/>
+          </a:xfrm>
+          <a:prstGeom prst="rect">
+            <a:avLst/>
+          </a:prstGeom>
+          <a:solidFill>
+            <a:schemeClr val="bg1"/>
+          </a:solidFill>
+          <a:ln>
+            <a:noFill/>
+          </a:ln>
+        </p:spPr>
+        <p:style>
+          <a:lnRef idx="2">
+            <a:schemeClr val="accent1">
+              <a:shade val="50000"/>
+            </a:schemeClr>
+          </a:lnRef>
+          <a:fillRef idx="1">
+            <a:schemeClr val="accent1"/>
+          </a:fillRef>
+          <a:effectRef idx="0">
+            <a:schemeClr val="accent1"/>
+          </a:effectRef>
+          <a:fontRef idx="minor">
+            <a:schemeClr val="lt1"/>
+          </a:fontRef>
+        </p:style>
+        <p:txBody>
+          <a:bodyPr rtlCol="0" anchor="ctr"/>
+          <a:lstStyle/>
+          <a:p>
+            <a:pPr algn="ctr"/>
+            <a:endParaRPr lang="en-US" dirty="0"/>
+          </a:p>
+        </p:txBody>
+      </p:sp>
+      <p:sp>
+        <p:nvSpPr>
+          <p:cNvPr id="2" name="Title 1">
+            <a:extLst>
+              <a:ext uri="{FF2B5EF4-FFF2-40B4-BE49-F238E27FC236}">
+                <a16:creationId xmlns:a16="http://schemas.microsoft.com/office/drawing/2014/main" id="{E57C04E9-858E-4057-B42B-A451661E9AB9}"/>
+              </a:ext>
+            </a:extLst>
+          </p:cNvPr>
+          <p:cNvSpPr>
+            <a:spLocks noGrp="1"/>
+          </p:cNvSpPr>
+          <p:nvPr>
+            <p:ph type="title"/>
+          </p:nvPr>
+        </p:nvSpPr>
+        <p:spPr>
+          <a:xfrm>
+            <a:off x="643467" y="321734"/>
+            <a:ext cx="10905066" cy="1135737"/>
+          </a:xfrm>
+        </p:spPr>
+        <p:txBody>
+          <a:bodyPr>
+            <a:normAutofit/>
+          </a:bodyPr>
+          <a:lstStyle/>
+          <a:p>
+            <a:r>
+              <a:rPr lang="en-US" sz="3600"/>
+              <a:t>Agenda</a:t>
+            </a:r>
+          </a:p>
+        </p:txBody>
+      </p:sp>
+      <p:sp>
+        <p:nvSpPr>
+          <p:cNvPr id="13" name="Rectangle 12">
+            <a:extLst>
+              <a:ext uri="{FF2B5EF4-FFF2-40B4-BE49-F238E27FC236}">
+                <a16:creationId xmlns:a16="http://schemas.microsoft.com/office/drawing/2014/main" id="{2E80C965-DB6D-4F81-9E9E-B027384D0BD6}"/>
+              </a:ext>
+              <a:ext uri="{C183D7F6-B498-43B3-948B-1728B52AA6E4}">
+                <adec:decorative xmlns:adec="http://schemas.microsoft.com/office/drawing/2017/decorative" val="1"/>
+              </a:ext>
+            </a:extLst>
+          </p:cNvPr>
+          <p:cNvSpPr>
+            <a:spLocks noGrp="1" noRot="1" noChangeAspect="1" noMove="1" noResize="1" noEditPoints="1" noAdjustHandles="1" noChangeArrowheads="1" noChangeShapeType="1" noTextEdit="1"/>
+          </p:cNvSpPr>
+          <p:nvPr>
+            <p:extLst>
+              <p:ext uri="{386F3935-93C4-4BCD-93E2-E3B085C9AB24}">
+                <p16:designElem xmlns:p16="http://schemas.microsoft.com/office/powerpoint/2015/main" val="1"/>
+              </p:ext>
+            </p:extLst>
+          </p:nvPr>
+        </p:nvSpPr>
+        <p:spPr>
+          <a:xfrm rot="2700000">
+            <a:off x="11052629" y="2120024"/>
+            <a:ext cx="645368" cy="645368"/>
+          </a:xfrm>
+          <a:prstGeom prst="rect">
+            <a:avLst/>
+          </a:prstGeom>
+          <a:solidFill>
+            <a:schemeClr val="accent4">
+              <a:alpha val="30000"/>
+            </a:schemeClr>
+          </a:solidFill>
+          <a:ln>
+            <a:noFill/>
+          </a:ln>
+        </p:spPr>
+        <p:style>
+          <a:lnRef idx="2">
+            <a:schemeClr val="accent1">
+              <a:shade val="50000"/>
+            </a:schemeClr>
+          </a:lnRef>
+          <a:fillRef idx="1">
+            <a:schemeClr val="accent1"/>
+          </a:fillRef>
+          <a:effectRef idx="0">
+            <a:schemeClr val="accent1"/>
+          </a:effectRef>
+          <a:fontRef idx="minor">
+            <a:schemeClr val="lt1"/>
+          </a:fontRef>
+        </p:style>
+        <p:txBody>
+          <a:bodyPr rtlCol="0" anchor="ctr"/>
+          <a:lstStyle/>
+          <a:p>
+            <a:pPr algn="ctr"/>
+            <a:endParaRPr lang="en-US"/>
+          </a:p>
+        </p:txBody>
+      </p:sp>
+      <p:sp>
+        <p:nvSpPr>
+          <p:cNvPr id="15" name="Isosceles Triangle 14">
+            <a:extLst>
+              <a:ext uri="{FF2B5EF4-FFF2-40B4-BE49-F238E27FC236}">
+                <a16:creationId xmlns:a16="http://schemas.microsoft.com/office/drawing/2014/main" id="{A580F890-B085-4E95-96AA-55AEBEC5CE6E}"/>
+              </a:ext>
+              <a:ext uri="{C183D7F6-B498-43B3-948B-1728B52AA6E4}">
+                <adec:decorative xmlns:adec="http://schemas.microsoft.com/office/drawing/2017/decorative" val="1"/>
+              </a:ext>
+            </a:extLst>
+          </p:cNvPr>
+          <p:cNvSpPr>
+            <a:spLocks noGrp="1" noRot="1" noChangeAspect="1" noMove="1" noResize="1" noEditPoints="1" noAdjustHandles="1" noChangeArrowheads="1" noChangeShapeType="1" noTextEdit="1"/>
+          </p:cNvSpPr>
+          <p:nvPr>
+            <p:extLst>
+              <p:ext uri="{386F3935-93C4-4BCD-93E2-E3B085C9AB24}">
+                <p16:designElem xmlns:p16="http://schemas.microsoft.com/office/powerpoint/2015/main" val="1"/>
+              </p:ext>
+            </p:extLst>
+          </p:nvPr>
+        </p:nvSpPr>
+        <p:spPr>
+          <a:xfrm rot="16200000">
+            <a:off x="10289068" y="1343027"/>
+            <a:ext cx="2532832" cy="1273032"/>
+          </a:xfrm>
+          <a:prstGeom prst="triangle">
+            <a:avLst>
+              <a:gd name="adj" fmla="val 50000"/>
+            </a:avLst>
+          </a:prstGeom>
+          <a:solidFill>
+            <a:schemeClr val="accent4">
+              <a:alpha val="30000"/>
+            </a:schemeClr>
+          </a:solidFill>
+          <a:ln>
+            <a:noFill/>
+          </a:ln>
+        </p:spPr>
+        <p:style>
+          <a:lnRef idx="2">
+            <a:schemeClr val="accent1">
+              <a:shade val="50000"/>
+            </a:schemeClr>
+          </a:lnRef>
+          <a:fillRef idx="1">
+            <a:schemeClr val="accent1"/>
+          </a:fillRef>
+          <a:effectRef idx="0">
+            <a:schemeClr val="accent1"/>
+          </a:effectRef>
+          <a:fontRef idx="minor">
+            <a:schemeClr val="lt1"/>
+          </a:fontRef>
+        </p:style>
+        <p:txBody>
+          <a:bodyPr rtlCol="0" anchor="ctr"/>
+          <a:lstStyle/>
+          <a:p>
+            <a:pPr algn="ctr"/>
+            <a:endParaRPr lang="en-US"/>
+          </a:p>
+        </p:txBody>
+      </p:sp>
+      <p:sp>
+        <p:nvSpPr>
+          <p:cNvPr id="17" name="Isosceles Triangle 16">
+            <a:extLst>
+              <a:ext uri="{FF2B5EF4-FFF2-40B4-BE49-F238E27FC236}">
+                <a16:creationId xmlns:a16="http://schemas.microsoft.com/office/drawing/2014/main" id="{D3F51FEB-38FB-4F6C-9F7B-2F2AFAB65463}"/>
+              </a:ext>
+              <a:ext uri="{C183D7F6-B498-43B3-948B-1728B52AA6E4}">
+                <adec:decorative xmlns:adec="http://schemas.microsoft.com/office/drawing/2017/decorative" val="1"/>
+              </a:ext>
+            </a:extLst>
+          </p:cNvPr>
+          <p:cNvSpPr>
+            <a:spLocks noGrp="1" noRot="1" noChangeAspect="1" noMove="1" noResize="1" noEditPoints="1" noAdjustHandles="1" noChangeArrowheads="1" noChangeShapeType="1" noTextEdit="1"/>
+          </p:cNvSpPr>
+          <p:nvPr>
+            <p:extLst>
+              <p:ext uri="{386F3935-93C4-4BCD-93E2-E3B085C9AB24}">
+                <p16:designElem xmlns:p16="http://schemas.microsoft.com/office/powerpoint/2015/main" val="1"/>
+              </p:ext>
+            </p:extLst>
+          </p:nvPr>
+        </p:nvSpPr>
+        <p:spPr>
+          <a:xfrm rot="5400000">
+            <a:off x="-501760" y="5103257"/>
+            <a:ext cx="2017580" cy="1014060"/>
+          </a:xfrm>
+          <a:prstGeom prst="triangle">
+            <a:avLst>
+              <a:gd name="adj" fmla="val 50000"/>
+            </a:avLst>
+          </a:prstGeom>
+          <a:solidFill>
+            <a:schemeClr val="accent1">
+              <a:alpha val="30000"/>
+            </a:schemeClr>
+          </a:solidFill>
+          <a:ln>
+            <a:noFill/>
+          </a:ln>
+        </p:spPr>
+        <p:style>
+          <a:lnRef idx="2">
+            <a:schemeClr val="accent1">
+              <a:shade val="50000"/>
+            </a:schemeClr>
+          </a:lnRef>
+          <a:fillRef idx="1">
+            <a:schemeClr val="accent1"/>
+          </a:fillRef>
+          <a:effectRef idx="0">
+            <a:schemeClr val="accent1"/>
+          </a:effectRef>
+          <a:fontRef idx="minor">
+            <a:schemeClr val="lt1"/>
+          </a:fontRef>
+        </p:style>
+        <p:txBody>
+          <a:bodyPr rtlCol="0" anchor="ctr"/>
+          <a:lstStyle/>
+          <a:p>
+            <a:pPr algn="ctr"/>
+            <a:endParaRPr lang="en-US"/>
+          </a:p>
+        </p:txBody>
+      </p:sp>
+      <p:sp>
+        <p:nvSpPr>
+          <p:cNvPr id="19" name="Rectangle 18">
+            <a:extLst>
+              <a:ext uri="{FF2B5EF4-FFF2-40B4-BE49-F238E27FC236}">
+                <a16:creationId xmlns:a16="http://schemas.microsoft.com/office/drawing/2014/main" id="{1E547BA6-BAE0-43BB-A7CA-60F69CE252F0}"/>
+              </a:ext>
+              <a:ext uri="{C183D7F6-B498-43B3-948B-1728B52AA6E4}">
+                <adec:decorative xmlns:adec="http://schemas.microsoft.com/office/drawing/2017/decorative" val="1"/>
+              </a:ext>
+            </a:extLst>
+          </p:cNvPr>
+          <p:cNvSpPr>
+            <a:spLocks noGrp="1" noRot="1" noChangeAspect="1" noMove="1" noResize="1" noEditPoints="1" noAdjustHandles="1" noChangeArrowheads="1" noChangeShapeType="1" noTextEdit="1"/>
+          </p:cNvSpPr>
+          <p:nvPr>
+            <p:extLst>
+              <p:ext uri="{386F3935-93C4-4BCD-93E2-E3B085C9AB24}">
+                <p16:designElem xmlns:p16="http://schemas.microsoft.com/office/powerpoint/2015/main" val="1"/>
+              </p:ext>
+            </p:extLst>
+          </p:nvPr>
+        </p:nvSpPr>
+        <p:spPr>
+          <a:xfrm rot="2700000">
+            <a:off x="427916" y="5728708"/>
+            <a:ext cx="485578" cy="485578"/>
+          </a:xfrm>
+          <a:prstGeom prst="rect">
+            <a:avLst/>
+          </a:prstGeom>
+          <a:solidFill>
+            <a:schemeClr val="accent1">
+              <a:alpha val="30000"/>
+            </a:schemeClr>
+          </a:solidFill>
+          <a:ln>
+            <a:noFill/>
+          </a:ln>
+        </p:spPr>
+        <p:style>
+          <a:lnRef idx="2">
+            <a:schemeClr val="accent1">
+              <a:shade val="50000"/>
+            </a:schemeClr>
+          </a:lnRef>
+          <a:fillRef idx="1">
+            <a:schemeClr val="accent1"/>
+          </a:fillRef>
+          <a:effectRef idx="0">
+            <a:schemeClr val="accent1"/>
+          </a:effectRef>
+          <a:fontRef idx="minor">
+            <a:schemeClr val="lt1"/>
+          </a:fontRef>
+        </p:style>
+        <p:txBody>
+          <a:bodyPr rtlCol="0" anchor="ctr"/>
+          <a:lstStyle/>
+          <a:p>
+            <a:pPr algn="ctr"/>
+            <a:endParaRPr lang="en-US"/>
+          </a:p>
+        </p:txBody>
+      </p:sp>
+      <p:sp>
+        <p:nvSpPr>
+          <p:cNvPr id="4" name="Footer Placeholder 3">
+            <a:extLst>
+              <a:ext uri="{FF2B5EF4-FFF2-40B4-BE49-F238E27FC236}">
+                <a16:creationId xmlns:a16="http://schemas.microsoft.com/office/drawing/2014/main" id="{D055E4BA-FF72-4683-90B6-8699BD5912D6}"/>
+              </a:ext>
+            </a:extLst>
+          </p:cNvPr>
+          <p:cNvSpPr>
+            <a:spLocks noGrp="1"/>
+          </p:cNvSpPr>
+          <p:nvPr>
+            <p:ph type="ftr" sz="quarter" idx="11"/>
+          </p:nvPr>
+        </p:nvSpPr>
+        <p:spPr>
+          <a:xfrm>
+            <a:off x="4038600" y="6356350"/>
+            <a:ext cx="4114800" cy="365125"/>
+          </a:xfrm>
+        </p:spPr>
+        <p:txBody>
+          <a:bodyPr>
+            <a:normAutofit/>
+          </a:bodyPr>
+          <a:lstStyle/>
+          <a:p>
+            <a:pPr>
+              <a:spcAft>
+                <a:spcPts val="600"/>
+              </a:spcAft>
+            </a:pPr>
+            <a:r>
+              <a:rPr lang="en-US"/>
+              <a:t>Mike Nguyen</a:t>
+            </a:r>
+          </a:p>
+        </p:txBody>
+      </p:sp>
+      <p:sp>
+        <p:nvSpPr>
+          <p:cNvPr id="5" name="Slide Number Placeholder 4">
+            <a:extLst>
+              <a:ext uri="{FF2B5EF4-FFF2-40B4-BE49-F238E27FC236}">
+                <a16:creationId xmlns:a16="http://schemas.microsoft.com/office/drawing/2014/main" id="{3BA34D01-789A-4E0F-A146-AA1FE1EB0AF4}"/>
+              </a:ext>
+            </a:extLst>
+          </p:cNvPr>
+          <p:cNvSpPr>
+            <a:spLocks noGrp="1"/>
+          </p:cNvSpPr>
+          <p:nvPr>
+            <p:ph type="sldNum" sz="quarter" idx="12"/>
+          </p:nvPr>
+        </p:nvSpPr>
+        <p:spPr>
+          <a:xfrm>
+            <a:off x="8805333" y="6356350"/>
+            <a:ext cx="2743200" cy="365125"/>
+          </a:xfrm>
+        </p:spPr>
+        <p:txBody>
+          <a:bodyPr>
+            <a:normAutofit/>
+          </a:bodyPr>
+          <a:lstStyle/>
+          <a:p>
+            <a:pPr>
+              <a:spcAft>
+                <a:spcPts val="600"/>
+              </a:spcAft>
+            </a:pPr>
+            <a:fld id="{A6AF1B4E-90EC-4A51-B6E5-B702C054ECB0}" type="slidenum">
+              <a:rPr lang="en-US" smtClean="0"/>
+              <a:pPr>
+                <a:spcAft>
+                  <a:spcPts val="600"/>
+                </a:spcAft>
+              </a:pPr>
+              <a:t>2</a:t>
+            </a:fld>
+            <a:endParaRPr lang="en-US"/>
+          </a:p>
+        </p:txBody>
+      </p:sp>
+      <p:graphicFrame>
+        <p:nvGraphicFramePr>
+          <p:cNvPr id="7" name="Content Placeholder 2">
+            <a:extLst>
+              <a:ext uri="{FF2B5EF4-FFF2-40B4-BE49-F238E27FC236}">
+                <a16:creationId xmlns:a16="http://schemas.microsoft.com/office/drawing/2014/main" id="{E3C56439-C552-49DA-AE1A-56D1402B80F3}"/>
+              </a:ext>
+            </a:extLst>
+          </p:cNvPr>
+          <p:cNvGraphicFramePr>
+            <a:graphicFrameLocks noGrp="1"/>
+          </p:cNvGraphicFramePr>
+          <p:nvPr>
+            <p:ph idx="1"/>
+            <p:extLst>
+              <p:ext uri="{D42A27DB-BD31-4B8C-83A1-F6EECF244321}">
+                <p14:modId xmlns:p14="http://schemas.microsoft.com/office/powerpoint/2010/main" val="1696315793"/>
+              </p:ext>
+            </p:extLst>
+          </p:nvPr>
+        </p:nvGraphicFramePr>
+        <p:xfrm>
+          <a:off x="838200" y="1825625"/>
+          <a:ext cx="10515600" cy="4351338"/>
+        </p:xfrm>
+        <a:graphic>
+          <a:graphicData uri="http://schemas.openxmlformats.org/drawingml/2006/diagram">
+            <dgm:relIds xmlns:dgm="http://schemas.openxmlformats.org/drawingml/2006/diagram" xmlns:r="http://schemas.openxmlformats.org/officeDocument/2006/relationships" r:dm="rId3" r:lo="rId4" r:qs="rId5" r:cs="rId6"/>
+          </a:graphicData>
+        </a:graphic>
+      </p:graphicFrame>
+    </p:spTree>
+    <p:extLst>
+      <p:ext uri="{BB962C8B-B14F-4D97-AF65-F5344CB8AC3E}">
+        <p14:creationId xmlns:p14="http://schemas.microsoft.com/office/powerpoint/2010/main" val="2417244362"/>
+      </p:ext>
+    </p:extLst>
+  </p:cSld>
+  <p:clrMapOvr>
+    <a:masterClrMapping/>
+  </p:clrMapOvr>
+</p:sld>
+</file>
+
+<file path=ppt/slides/slide20.xml><?xml version="1.0" encoding="utf-8"?>
 <p:sld xmlns:a="http://schemas.openxmlformats.org/drawingml/2006/main" xmlns:r="http://schemas.openxmlformats.org/officeDocument/2006/relationships" xmlns:p="http://schemas.openxmlformats.org/presentationml/2006/main">
   <p:cSld>
     <p:bg>
@@ -30497,7 +31227,7 @@
                   <a:spcPts val="600"/>
                 </a:spcAft>
               </a:pPr>
-              <a:t>18</a:t>
+              <a:t>20</a:t>
             </a:fld>
             <a:endParaRPr lang="en-US"/>
           </a:p>
@@ -31430,7 +32160,7 @@
 </p:sld>
 </file>
 
-<file path=ppt/slides/slide19.xml><?xml version="1.0" encoding="utf-8"?>
+<file path=ppt/slides/slide21.xml><?xml version="1.0" encoding="utf-8"?>
 <p:sld xmlns:a="http://schemas.openxmlformats.org/drawingml/2006/main" xmlns:r="http://schemas.openxmlformats.org/officeDocument/2006/relationships" xmlns:p="http://schemas.openxmlformats.org/presentationml/2006/main" show="0">
   <p:cSld>
     <p:bg>
@@ -31685,7 +32415,7 @@
                   <a:spcPts val="600"/>
                 </a:spcAft>
               </a:pPr>
-              <a:t>19</a:t>
+              <a:t>21</a:t>
             </a:fld>
             <a:endParaRPr lang="en-US"/>
           </a:p>
@@ -31779,524 +32509,7 @@
 </p:sld>
 </file>
 
-<file path=ppt/slides/slide2.xml><?xml version="1.0" encoding="utf-8"?>
-<p:sld xmlns:a="http://schemas.openxmlformats.org/drawingml/2006/main" xmlns:r="http://schemas.openxmlformats.org/officeDocument/2006/relationships" xmlns:p="http://schemas.openxmlformats.org/presentationml/2006/main">
-  <p:cSld>
-    <p:bg>
-      <p:bgPr>
-        <a:solidFill>
-          <a:schemeClr val="bg1"/>
-        </a:solidFill>
-        <a:effectLst/>
-      </p:bgPr>
-    </p:bg>
-    <p:spTree>
-      <p:nvGrpSpPr>
-        <p:cNvPr id="1" name=""/>
-        <p:cNvGrpSpPr/>
-        <p:nvPr/>
-      </p:nvGrpSpPr>
-      <p:grpSpPr>
-        <a:xfrm>
-          <a:off x="0" y="0"/>
-          <a:ext cx="0" cy="0"/>
-          <a:chOff x="0" y="0"/>
-          <a:chExt cx="0" cy="0"/>
-        </a:xfrm>
-      </p:grpSpPr>
-      <p:sp>
-        <p:nvSpPr>
-          <p:cNvPr id="11" name="Rectangle 10">
-            <a:extLst>
-              <a:ext uri="{FF2B5EF4-FFF2-40B4-BE49-F238E27FC236}">
-                <a16:creationId xmlns:a16="http://schemas.microsoft.com/office/drawing/2014/main" id="{2B566528-1B12-4246-9431-5C2D7D081168}"/>
-              </a:ext>
-              <a:ext uri="{C183D7F6-B498-43B3-948B-1728B52AA6E4}">
-                <adec:decorative xmlns:adec="http://schemas.microsoft.com/office/drawing/2017/decorative" val="1"/>
-              </a:ext>
-            </a:extLst>
-          </p:cNvPr>
-          <p:cNvSpPr>
-            <a:spLocks noGrp="1" noRot="1" noChangeAspect="1" noMove="1" noResize="1" noEditPoints="1" noAdjustHandles="1" noChangeArrowheads="1" noChangeShapeType="1" noTextEdit="1"/>
-          </p:cNvSpPr>
-          <p:nvPr>
-            <p:extLst>
-              <p:ext uri="{386F3935-93C4-4BCD-93E2-E3B085C9AB24}">
-                <p16:designElem xmlns:p16="http://schemas.microsoft.com/office/powerpoint/2015/main" val="1"/>
-              </p:ext>
-            </p:extLst>
-          </p:nvPr>
-        </p:nvSpPr>
-        <p:spPr>
-          <a:xfrm>
-            <a:off x="0" y="0"/>
-            <a:ext cx="12192000" cy="6858000"/>
-          </a:xfrm>
-          <a:prstGeom prst="rect">
-            <a:avLst/>
-          </a:prstGeom>
-          <a:solidFill>
-            <a:schemeClr val="bg1"/>
-          </a:solidFill>
-          <a:ln>
-            <a:noFill/>
-          </a:ln>
-        </p:spPr>
-        <p:style>
-          <a:lnRef idx="2">
-            <a:schemeClr val="accent1">
-              <a:shade val="50000"/>
-            </a:schemeClr>
-          </a:lnRef>
-          <a:fillRef idx="1">
-            <a:schemeClr val="accent1"/>
-          </a:fillRef>
-          <a:effectRef idx="0">
-            <a:schemeClr val="accent1"/>
-          </a:effectRef>
-          <a:fontRef idx="minor">
-            <a:schemeClr val="lt1"/>
-          </a:fontRef>
-        </p:style>
-        <p:txBody>
-          <a:bodyPr rtlCol="0" anchor="ctr"/>
-          <a:lstStyle/>
-          <a:p>
-            <a:pPr algn="ctr"/>
-            <a:endParaRPr lang="en-US" dirty="0"/>
-          </a:p>
-        </p:txBody>
-      </p:sp>
-      <p:sp>
-        <p:nvSpPr>
-          <p:cNvPr id="2" name="Title 1">
-            <a:extLst>
-              <a:ext uri="{FF2B5EF4-FFF2-40B4-BE49-F238E27FC236}">
-                <a16:creationId xmlns:a16="http://schemas.microsoft.com/office/drawing/2014/main" id="{E57C04E9-858E-4057-B42B-A451661E9AB9}"/>
-              </a:ext>
-            </a:extLst>
-          </p:cNvPr>
-          <p:cNvSpPr>
-            <a:spLocks noGrp="1"/>
-          </p:cNvSpPr>
-          <p:nvPr>
-            <p:ph type="title"/>
-          </p:nvPr>
-        </p:nvSpPr>
-        <p:spPr>
-          <a:xfrm>
-            <a:off x="643467" y="321734"/>
-            <a:ext cx="10905066" cy="1135737"/>
-          </a:xfrm>
-        </p:spPr>
-        <p:txBody>
-          <a:bodyPr>
-            <a:normAutofit/>
-          </a:bodyPr>
-          <a:lstStyle/>
-          <a:p>
-            <a:r>
-              <a:rPr lang="en-US" sz="3600"/>
-              <a:t>Agenda</a:t>
-            </a:r>
-          </a:p>
-        </p:txBody>
-      </p:sp>
-      <p:sp>
-        <p:nvSpPr>
-          <p:cNvPr id="13" name="Rectangle 12">
-            <a:extLst>
-              <a:ext uri="{FF2B5EF4-FFF2-40B4-BE49-F238E27FC236}">
-                <a16:creationId xmlns:a16="http://schemas.microsoft.com/office/drawing/2014/main" id="{2E80C965-DB6D-4F81-9E9E-B027384D0BD6}"/>
-              </a:ext>
-              <a:ext uri="{C183D7F6-B498-43B3-948B-1728B52AA6E4}">
-                <adec:decorative xmlns:adec="http://schemas.microsoft.com/office/drawing/2017/decorative" val="1"/>
-              </a:ext>
-            </a:extLst>
-          </p:cNvPr>
-          <p:cNvSpPr>
-            <a:spLocks noGrp="1" noRot="1" noChangeAspect="1" noMove="1" noResize="1" noEditPoints="1" noAdjustHandles="1" noChangeArrowheads="1" noChangeShapeType="1" noTextEdit="1"/>
-          </p:cNvSpPr>
-          <p:nvPr>
-            <p:extLst>
-              <p:ext uri="{386F3935-93C4-4BCD-93E2-E3B085C9AB24}">
-                <p16:designElem xmlns:p16="http://schemas.microsoft.com/office/powerpoint/2015/main" val="1"/>
-              </p:ext>
-            </p:extLst>
-          </p:nvPr>
-        </p:nvSpPr>
-        <p:spPr>
-          <a:xfrm rot="2700000">
-            <a:off x="11052629" y="2120024"/>
-            <a:ext cx="645368" cy="645368"/>
-          </a:xfrm>
-          <a:prstGeom prst="rect">
-            <a:avLst/>
-          </a:prstGeom>
-          <a:solidFill>
-            <a:schemeClr val="accent4">
-              <a:alpha val="30000"/>
-            </a:schemeClr>
-          </a:solidFill>
-          <a:ln>
-            <a:noFill/>
-          </a:ln>
-        </p:spPr>
-        <p:style>
-          <a:lnRef idx="2">
-            <a:schemeClr val="accent1">
-              <a:shade val="50000"/>
-            </a:schemeClr>
-          </a:lnRef>
-          <a:fillRef idx="1">
-            <a:schemeClr val="accent1"/>
-          </a:fillRef>
-          <a:effectRef idx="0">
-            <a:schemeClr val="accent1"/>
-          </a:effectRef>
-          <a:fontRef idx="minor">
-            <a:schemeClr val="lt1"/>
-          </a:fontRef>
-        </p:style>
-        <p:txBody>
-          <a:bodyPr rtlCol="0" anchor="ctr"/>
-          <a:lstStyle/>
-          <a:p>
-            <a:pPr algn="ctr"/>
-            <a:endParaRPr lang="en-US"/>
-          </a:p>
-        </p:txBody>
-      </p:sp>
-      <p:sp>
-        <p:nvSpPr>
-          <p:cNvPr id="15" name="Isosceles Triangle 14">
-            <a:extLst>
-              <a:ext uri="{FF2B5EF4-FFF2-40B4-BE49-F238E27FC236}">
-                <a16:creationId xmlns:a16="http://schemas.microsoft.com/office/drawing/2014/main" id="{A580F890-B085-4E95-96AA-55AEBEC5CE6E}"/>
-              </a:ext>
-              <a:ext uri="{C183D7F6-B498-43B3-948B-1728B52AA6E4}">
-                <adec:decorative xmlns:adec="http://schemas.microsoft.com/office/drawing/2017/decorative" val="1"/>
-              </a:ext>
-            </a:extLst>
-          </p:cNvPr>
-          <p:cNvSpPr>
-            <a:spLocks noGrp="1" noRot="1" noChangeAspect="1" noMove="1" noResize="1" noEditPoints="1" noAdjustHandles="1" noChangeArrowheads="1" noChangeShapeType="1" noTextEdit="1"/>
-          </p:cNvSpPr>
-          <p:nvPr>
-            <p:extLst>
-              <p:ext uri="{386F3935-93C4-4BCD-93E2-E3B085C9AB24}">
-                <p16:designElem xmlns:p16="http://schemas.microsoft.com/office/powerpoint/2015/main" val="1"/>
-              </p:ext>
-            </p:extLst>
-          </p:nvPr>
-        </p:nvSpPr>
-        <p:spPr>
-          <a:xfrm rot="16200000">
-            <a:off x="10289068" y="1343027"/>
-            <a:ext cx="2532832" cy="1273032"/>
-          </a:xfrm>
-          <a:prstGeom prst="triangle">
-            <a:avLst>
-              <a:gd name="adj" fmla="val 50000"/>
-            </a:avLst>
-          </a:prstGeom>
-          <a:solidFill>
-            <a:schemeClr val="accent4">
-              <a:alpha val="30000"/>
-            </a:schemeClr>
-          </a:solidFill>
-          <a:ln>
-            <a:noFill/>
-          </a:ln>
-        </p:spPr>
-        <p:style>
-          <a:lnRef idx="2">
-            <a:schemeClr val="accent1">
-              <a:shade val="50000"/>
-            </a:schemeClr>
-          </a:lnRef>
-          <a:fillRef idx="1">
-            <a:schemeClr val="accent1"/>
-          </a:fillRef>
-          <a:effectRef idx="0">
-            <a:schemeClr val="accent1"/>
-          </a:effectRef>
-          <a:fontRef idx="minor">
-            <a:schemeClr val="lt1"/>
-          </a:fontRef>
-        </p:style>
-        <p:txBody>
-          <a:bodyPr rtlCol="0" anchor="ctr"/>
-          <a:lstStyle/>
-          <a:p>
-            <a:pPr algn="ctr"/>
-            <a:endParaRPr lang="en-US"/>
-          </a:p>
-        </p:txBody>
-      </p:sp>
-      <p:sp>
-        <p:nvSpPr>
-          <p:cNvPr id="17" name="Isosceles Triangle 16">
-            <a:extLst>
-              <a:ext uri="{FF2B5EF4-FFF2-40B4-BE49-F238E27FC236}">
-                <a16:creationId xmlns:a16="http://schemas.microsoft.com/office/drawing/2014/main" id="{D3F51FEB-38FB-4F6C-9F7B-2F2AFAB65463}"/>
-              </a:ext>
-              <a:ext uri="{C183D7F6-B498-43B3-948B-1728B52AA6E4}">
-                <adec:decorative xmlns:adec="http://schemas.microsoft.com/office/drawing/2017/decorative" val="1"/>
-              </a:ext>
-            </a:extLst>
-          </p:cNvPr>
-          <p:cNvSpPr>
-            <a:spLocks noGrp="1" noRot="1" noChangeAspect="1" noMove="1" noResize="1" noEditPoints="1" noAdjustHandles="1" noChangeArrowheads="1" noChangeShapeType="1" noTextEdit="1"/>
-          </p:cNvSpPr>
-          <p:nvPr>
-            <p:extLst>
-              <p:ext uri="{386F3935-93C4-4BCD-93E2-E3B085C9AB24}">
-                <p16:designElem xmlns:p16="http://schemas.microsoft.com/office/powerpoint/2015/main" val="1"/>
-              </p:ext>
-            </p:extLst>
-          </p:nvPr>
-        </p:nvSpPr>
-        <p:spPr>
-          <a:xfrm rot="5400000">
-            <a:off x="-501760" y="5103257"/>
-            <a:ext cx="2017580" cy="1014060"/>
-          </a:xfrm>
-          <a:prstGeom prst="triangle">
-            <a:avLst>
-              <a:gd name="adj" fmla="val 50000"/>
-            </a:avLst>
-          </a:prstGeom>
-          <a:solidFill>
-            <a:schemeClr val="accent1">
-              <a:alpha val="30000"/>
-            </a:schemeClr>
-          </a:solidFill>
-          <a:ln>
-            <a:noFill/>
-          </a:ln>
-        </p:spPr>
-        <p:style>
-          <a:lnRef idx="2">
-            <a:schemeClr val="accent1">
-              <a:shade val="50000"/>
-            </a:schemeClr>
-          </a:lnRef>
-          <a:fillRef idx="1">
-            <a:schemeClr val="accent1"/>
-          </a:fillRef>
-          <a:effectRef idx="0">
-            <a:schemeClr val="accent1"/>
-          </a:effectRef>
-          <a:fontRef idx="minor">
-            <a:schemeClr val="lt1"/>
-          </a:fontRef>
-        </p:style>
-        <p:txBody>
-          <a:bodyPr rtlCol="0" anchor="ctr"/>
-          <a:lstStyle/>
-          <a:p>
-            <a:pPr algn="ctr"/>
-            <a:endParaRPr lang="en-US"/>
-          </a:p>
-        </p:txBody>
-      </p:sp>
-      <p:sp>
-        <p:nvSpPr>
-          <p:cNvPr id="19" name="Rectangle 18">
-            <a:extLst>
-              <a:ext uri="{FF2B5EF4-FFF2-40B4-BE49-F238E27FC236}">
-                <a16:creationId xmlns:a16="http://schemas.microsoft.com/office/drawing/2014/main" id="{1E547BA6-BAE0-43BB-A7CA-60F69CE252F0}"/>
-              </a:ext>
-              <a:ext uri="{C183D7F6-B498-43B3-948B-1728B52AA6E4}">
-                <adec:decorative xmlns:adec="http://schemas.microsoft.com/office/drawing/2017/decorative" val="1"/>
-              </a:ext>
-            </a:extLst>
-          </p:cNvPr>
-          <p:cNvSpPr>
-            <a:spLocks noGrp="1" noRot="1" noChangeAspect="1" noMove="1" noResize="1" noEditPoints="1" noAdjustHandles="1" noChangeArrowheads="1" noChangeShapeType="1" noTextEdit="1"/>
-          </p:cNvSpPr>
-          <p:nvPr>
-            <p:extLst>
-              <p:ext uri="{386F3935-93C4-4BCD-93E2-E3B085C9AB24}">
-                <p16:designElem xmlns:p16="http://schemas.microsoft.com/office/powerpoint/2015/main" val="1"/>
-              </p:ext>
-            </p:extLst>
-          </p:nvPr>
-        </p:nvSpPr>
-        <p:spPr>
-          <a:xfrm rot="2700000">
-            <a:off x="427916" y="5728708"/>
-            <a:ext cx="485578" cy="485578"/>
-          </a:xfrm>
-          <a:prstGeom prst="rect">
-            <a:avLst/>
-          </a:prstGeom>
-          <a:solidFill>
-            <a:schemeClr val="accent1">
-              <a:alpha val="30000"/>
-            </a:schemeClr>
-          </a:solidFill>
-          <a:ln>
-            <a:noFill/>
-          </a:ln>
-        </p:spPr>
-        <p:style>
-          <a:lnRef idx="2">
-            <a:schemeClr val="accent1">
-              <a:shade val="50000"/>
-            </a:schemeClr>
-          </a:lnRef>
-          <a:fillRef idx="1">
-            <a:schemeClr val="accent1"/>
-          </a:fillRef>
-          <a:effectRef idx="0">
-            <a:schemeClr val="accent1"/>
-          </a:effectRef>
-          <a:fontRef idx="minor">
-            <a:schemeClr val="lt1"/>
-          </a:fontRef>
-        </p:style>
-        <p:txBody>
-          <a:bodyPr rtlCol="0" anchor="ctr"/>
-          <a:lstStyle/>
-          <a:p>
-            <a:pPr algn="ctr"/>
-            <a:endParaRPr lang="en-US"/>
-          </a:p>
-        </p:txBody>
-      </p:sp>
-      <p:sp>
-        <p:nvSpPr>
-          <p:cNvPr id="4" name="Footer Placeholder 3">
-            <a:extLst>
-              <a:ext uri="{FF2B5EF4-FFF2-40B4-BE49-F238E27FC236}">
-                <a16:creationId xmlns:a16="http://schemas.microsoft.com/office/drawing/2014/main" id="{D055E4BA-FF72-4683-90B6-8699BD5912D6}"/>
-              </a:ext>
-            </a:extLst>
-          </p:cNvPr>
-          <p:cNvSpPr>
-            <a:spLocks noGrp="1"/>
-          </p:cNvSpPr>
-          <p:nvPr>
-            <p:ph type="ftr" sz="quarter" idx="11"/>
-          </p:nvPr>
-        </p:nvSpPr>
-        <p:spPr>
-          <a:xfrm>
-            <a:off x="4038600" y="6356350"/>
-            <a:ext cx="4114800" cy="365125"/>
-          </a:xfrm>
-        </p:spPr>
-        <p:txBody>
-          <a:bodyPr>
-            <a:normAutofit/>
-          </a:bodyPr>
-          <a:lstStyle/>
-          <a:p>
-            <a:pPr>
-              <a:spcAft>
-                <a:spcPts val="600"/>
-              </a:spcAft>
-            </a:pPr>
-            <a:r>
-              <a:rPr lang="en-US"/>
-              <a:t>Mike Nguyen</a:t>
-            </a:r>
-          </a:p>
-        </p:txBody>
-      </p:sp>
-      <p:sp>
-        <p:nvSpPr>
-          <p:cNvPr id="5" name="Slide Number Placeholder 4">
-            <a:extLst>
-              <a:ext uri="{FF2B5EF4-FFF2-40B4-BE49-F238E27FC236}">
-                <a16:creationId xmlns:a16="http://schemas.microsoft.com/office/drawing/2014/main" id="{3BA34D01-789A-4E0F-A146-AA1FE1EB0AF4}"/>
-              </a:ext>
-            </a:extLst>
-          </p:cNvPr>
-          <p:cNvSpPr>
-            <a:spLocks noGrp="1"/>
-          </p:cNvSpPr>
-          <p:nvPr>
-            <p:ph type="sldNum" sz="quarter" idx="12"/>
-          </p:nvPr>
-        </p:nvSpPr>
-        <p:spPr>
-          <a:xfrm>
-            <a:off x="8805333" y="6356350"/>
-            <a:ext cx="2743200" cy="365125"/>
-          </a:xfrm>
-        </p:spPr>
-        <p:txBody>
-          <a:bodyPr>
-            <a:normAutofit/>
-          </a:bodyPr>
-          <a:lstStyle/>
-          <a:p>
-            <a:pPr>
-              <a:spcAft>
-                <a:spcPts val="600"/>
-              </a:spcAft>
-            </a:pPr>
-            <a:fld id="{A6AF1B4E-90EC-4A51-B6E5-B702C054ECB0}" type="slidenum">
-              <a:rPr lang="en-US" smtClean="0"/>
-              <a:pPr>
-                <a:spcAft>
-                  <a:spcPts val="600"/>
-                </a:spcAft>
-              </a:pPr>
-              <a:t>2</a:t>
-            </a:fld>
-            <a:endParaRPr lang="en-US"/>
-          </a:p>
-        </p:txBody>
-      </p:sp>
-      <p:graphicFrame>
-        <p:nvGraphicFramePr>
-          <p:cNvPr id="7" name="Content Placeholder 2">
-            <a:extLst>
-              <a:ext uri="{FF2B5EF4-FFF2-40B4-BE49-F238E27FC236}">
-                <a16:creationId xmlns:a16="http://schemas.microsoft.com/office/drawing/2014/main" id="{E3C56439-C552-49DA-AE1A-56D1402B80F3}"/>
-              </a:ext>
-            </a:extLst>
-          </p:cNvPr>
-          <p:cNvGraphicFramePr>
-            <a:graphicFrameLocks noGrp="1"/>
-          </p:cNvGraphicFramePr>
-          <p:nvPr>
-            <p:ph idx="1"/>
-            <p:extLst>
-              <p:ext uri="{D42A27DB-BD31-4B8C-83A1-F6EECF244321}">
-                <p14:modId xmlns:p14="http://schemas.microsoft.com/office/powerpoint/2010/main" val="1696315793"/>
-              </p:ext>
-            </p:extLst>
-          </p:nvPr>
-        </p:nvGraphicFramePr>
-        <p:xfrm>
-          <a:off x="838200" y="1825625"/>
-          <a:ext cx="10515600" cy="4351338"/>
-        </p:xfrm>
-        <a:graphic>
-          <a:graphicData uri="http://schemas.openxmlformats.org/drawingml/2006/diagram">
-            <dgm:relIds xmlns:dgm="http://schemas.openxmlformats.org/drawingml/2006/diagram" xmlns:r="http://schemas.openxmlformats.org/officeDocument/2006/relationships" r:dm="rId3" r:lo="rId4" r:qs="rId5" r:cs="rId6"/>
-          </a:graphicData>
-        </a:graphic>
-      </p:graphicFrame>
-    </p:spTree>
-    <p:extLst>
-      <p:ext uri="{BB962C8B-B14F-4D97-AF65-F5344CB8AC3E}">
-        <p14:creationId xmlns:p14="http://schemas.microsoft.com/office/powerpoint/2010/main" val="2417244362"/>
-      </p:ext>
-    </p:extLst>
-  </p:cSld>
-  <p:clrMapOvr>
-    <a:masterClrMapping/>
-  </p:clrMapOvr>
-</p:sld>
-</file>
-
-<file path=ppt/slides/slide20.xml><?xml version="1.0" encoding="utf-8"?>
+<file path=ppt/slides/slide22.xml><?xml version="1.0" encoding="utf-8"?>
 <p:sld xmlns:a="http://schemas.openxmlformats.org/drawingml/2006/main" xmlns:r="http://schemas.openxmlformats.org/officeDocument/2006/relationships" xmlns:p="http://schemas.openxmlformats.org/presentationml/2006/main">
   <p:cSld>
     <p:bg>
@@ -32855,7 +33068,7 @@
                   <a:spcPts val="600"/>
                 </a:spcAft>
               </a:pPr>
-              <a:t>20</a:t>
+              <a:t>22</a:t>
             </a:fld>
             <a:endParaRPr lang="en-US"/>
           </a:p>
@@ -32874,7 +33087,7 @@
 </p:sld>
 </file>
 
-<file path=ppt/slides/slide21.xml><?xml version="1.0" encoding="utf-8"?>
+<file path=ppt/slides/slide23.xml><?xml version="1.0" encoding="utf-8"?>
 <p:sld xmlns:a="http://schemas.openxmlformats.org/drawingml/2006/main" xmlns:r="http://schemas.openxmlformats.org/officeDocument/2006/relationships" xmlns:p="http://schemas.openxmlformats.org/presentationml/2006/main">
   <p:cSld>
     <p:bg>
@@ -33341,7 +33554,7 @@
                   <a:spcPts val="600"/>
                 </a:spcAft>
               </a:pPr>
-              <a:t>21</a:t>
+              <a:t>23</a:t>
             </a:fld>
             <a:endParaRPr lang="en-US"/>
           </a:p>
@@ -34641,7 +34854,7 @@
             <p:ph idx="1"/>
             <p:extLst>
               <p:ext uri="{D42A27DB-BD31-4B8C-83A1-F6EECF244321}">
-                <p14:modId xmlns:p14="http://schemas.microsoft.com/office/powerpoint/2010/main" val="971491178"/>
+                <p14:modId xmlns:p14="http://schemas.microsoft.com/office/powerpoint/2010/main" val="3821957812"/>
               </p:ext>
             </p:extLst>
           </p:nvPr>
@@ -35051,6 +35264,14 @@
 <file path=ppt/slides/slide6.xml><?xml version="1.0" encoding="utf-8"?>
 <p:sld xmlns:a="http://schemas.openxmlformats.org/drawingml/2006/main" xmlns:r="http://schemas.openxmlformats.org/officeDocument/2006/relationships" xmlns:p="http://schemas.openxmlformats.org/presentationml/2006/main" show="0">
   <p:cSld>
+    <p:bg>
+      <p:bgPr>
+        <a:solidFill>
+          <a:schemeClr val="bg1"/>
+        </a:solidFill>
+        <a:effectLst/>
+      </p:bgPr>
+    </p:bg>
     <p:spTree>
       <p:nvGrpSpPr>
         <p:cNvPr id="1" name=""/>
@@ -35065,6 +35286,66 @@
           <a:chExt cx="0" cy="0"/>
         </a:xfrm>
       </p:grpSpPr>
+      <p:sp useBgFill="1">
+        <p:nvSpPr>
+          <p:cNvPr id="29" name="Rectangle 11">
+            <a:extLst>
+              <a:ext uri="{FF2B5EF4-FFF2-40B4-BE49-F238E27FC236}">
+                <a16:creationId xmlns:a16="http://schemas.microsoft.com/office/drawing/2014/main" id="{665DBBEF-238B-476B-96AB-8AAC3224ECEA}"/>
+              </a:ext>
+              <a:ext uri="{C183D7F6-B498-43B3-948B-1728B52AA6E4}">
+                <adec:decorative xmlns:adec="http://schemas.microsoft.com/office/drawing/2017/decorative" val="1"/>
+              </a:ext>
+            </a:extLst>
+          </p:cNvPr>
+          <p:cNvSpPr>
+            <a:spLocks noGrp="1" noRot="1" noChangeAspect="1" noMove="1" noResize="1" noEditPoints="1" noAdjustHandles="1" noChangeArrowheads="1" noChangeShapeType="1" noTextEdit="1"/>
+          </p:cNvSpPr>
+          <p:nvPr>
+            <p:extLst>
+              <p:ext uri="{386F3935-93C4-4BCD-93E2-E3B085C9AB24}">
+                <p16:designElem xmlns:p16="http://schemas.microsoft.com/office/powerpoint/2015/main" val="1"/>
+              </p:ext>
+            </p:extLst>
+          </p:nvPr>
+        </p:nvSpPr>
+        <p:spPr>
+          <a:xfrm>
+            <a:off x="0" y="0"/>
+            <a:ext cx="12192000" cy="6858000"/>
+          </a:xfrm>
+          <a:prstGeom prst="rect">
+            <a:avLst/>
+          </a:prstGeom>
+          <a:ln>
+            <a:noFill/>
+          </a:ln>
+        </p:spPr>
+        <p:style>
+          <a:lnRef idx="2">
+            <a:schemeClr val="accent1">
+              <a:shade val="50000"/>
+            </a:schemeClr>
+          </a:lnRef>
+          <a:fillRef idx="1">
+            <a:schemeClr val="accent1"/>
+          </a:fillRef>
+          <a:effectRef idx="0">
+            <a:schemeClr val="accent1"/>
+          </a:effectRef>
+          <a:fontRef idx="minor">
+            <a:schemeClr val="lt1"/>
+          </a:fontRef>
+        </p:style>
+        <p:txBody>
+          <a:bodyPr rtlCol="0" anchor="ctr"/>
+          <a:lstStyle/>
+          <a:p>
+            <a:pPr algn="ctr"/>
+            <a:endParaRPr lang="en-US"/>
+          </a:p>
+        </p:txBody>
+      </p:sp>
       <p:sp>
         <p:nvSpPr>
           <p:cNvPr id="2" name="Title 1">
@@ -35081,13 +35362,27 @@
             <p:ph type="title"/>
           </p:nvPr>
         </p:nvSpPr>
-        <p:spPr/>
+        <p:spPr>
+          <a:xfrm>
+            <a:off x="638882" y="639193"/>
+            <a:ext cx="3571810" cy="3573516"/>
+          </a:xfrm>
+        </p:spPr>
         <p:txBody>
-          <a:bodyPr/>
+          <a:bodyPr vert="horz" lIns="91440" tIns="45720" rIns="91440" bIns="45720" rtlCol="0" anchor="b">
+            <a:normAutofit/>
+          </a:bodyPr>
           <a:lstStyle/>
           <a:p>
             <a:r>
-              <a:rPr lang="en-US" dirty="0"/>
+              <a:rPr lang="en-US" sz="5100" kern="1200">
+                <a:solidFill>
+                  <a:schemeClr val="tx1"/>
+                </a:solidFill>
+                <a:latin typeface="+mj-lt"/>
+                <a:ea typeface="+mj-ea"/>
+                <a:cs typeface="+mj-cs"/>
+              </a:rPr>
               <a:t>Attendance and Participation points</a:t>
             </a:r>
           </a:p>
@@ -35095,29 +35390,307 @@
       </p:sp>
       <p:sp>
         <p:nvSpPr>
-          <p:cNvPr id="3" name="Content Placeholder 2">
+          <p:cNvPr id="30" name="sketch line">
             <a:extLst>
               <a:ext uri="{FF2B5EF4-FFF2-40B4-BE49-F238E27FC236}">
-                <a16:creationId xmlns:a16="http://schemas.microsoft.com/office/drawing/2014/main" id="{28A5AE8B-B6AE-427E-881B-153A395CB5BC}"/>
+                <a16:creationId xmlns:a16="http://schemas.microsoft.com/office/drawing/2014/main" id="{3FCFB1DE-0B7E-48CC-BA90-B2AB0889F9D6}"/>
+              </a:ext>
+              <a:ext uri="{C183D7F6-B498-43B3-948B-1728B52AA6E4}">
+                <adec:decorative xmlns:adec="http://schemas.microsoft.com/office/drawing/2017/decorative" val="1"/>
               </a:ext>
             </a:extLst>
           </p:cNvPr>
           <p:cNvSpPr>
-            <a:spLocks noGrp="1"/>
+            <a:spLocks noGrp="1" noRot="1" noChangeAspect="1" noMove="1" noResize="1" noEditPoints="1" noAdjustHandles="1" noChangeArrowheads="1" noChangeShapeType="1" noTextEdit="1"/>
           </p:cNvSpPr>
           <p:nvPr>
-            <p:ph idx="1"/>
+            <p:extLst>
+              <p:ext uri="{386F3935-93C4-4BCD-93E2-E3B085C9AB24}">
+                <p16:designElem xmlns:p16="http://schemas.microsoft.com/office/powerpoint/2015/main" val="1"/>
+              </p:ext>
+            </p:extLst>
           </p:nvPr>
         </p:nvSpPr>
-        <p:spPr/>
+        <p:spPr>
+          <a:xfrm>
+            <a:off x="643278" y="4409267"/>
+            <a:ext cx="3255095" cy="18288"/>
+          </a:xfrm>
+          <a:custGeom>
+            <a:avLst/>
+            <a:gdLst>
+              <a:gd name="connsiteX0" fmla="*/ 0 w 3255095"/>
+              <a:gd name="connsiteY0" fmla="*/ 0 h 18288"/>
+              <a:gd name="connsiteX1" fmla="*/ 618468 w 3255095"/>
+              <a:gd name="connsiteY1" fmla="*/ 0 h 18288"/>
+              <a:gd name="connsiteX2" fmla="*/ 1269487 w 3255095"/>
+              <a:gd name="connsiteY2" fmla="*/ 0 h 18288"/>
+              <a:gd name="connsiteX3" fmla="*/ 1953057 w 3255095"/>
+              <a:gd name="connsiteY3" fmla="*/ 0 h 18288"/>
+              <a:gd name="connsiteX4" fmla="*/ 2636627 w 3255095"/>
+              <a:gd name="connsiteY4" fmla="*/ 0 h 18288"/>
+              <a:gd name="connsiteX5" fmla="*/ 3255095 w 3255095"/>
+              <a:gd name="connsiteY5" fmla="*/ 0 h 18288"/>
+              <a:gd name="connsiteX6" fmla="*/ 3255095 w 3255095"/>
+              <a:gd name="connsiteY6" fmla="*/ 18288 h 18288"/>
+              <a:gd name="connsiteX7" fmla="*/ 2538974 w 3255095"/>
+              <a:gd name="connsiteY7" fmla="*/ 18288 h 18288"/>
+              <a:gd name="connsiteX8" fmla="*/ 1822853 w 3255095"/>
+              <a:gd name="connsiteY8" fmla="*/ 18288 h 18288"/>
+              <a:gd name="connsiteX9" fmla="*/ 1171834 w 3255095"/>
+              <a:gd name="connsiteY9" fmla="*/ 18288 h 18288"/>
+              <a:gd name="connsiteX10" fmla="*/ 0 w 3255095"/>
+              <a:gd name="connsiteY10" fmla="*/ 18288 h 18288"/>
+              <a:gd name="connsiteX11" fmla="*/ 0 w 3255095"/>
+              <a:gd name="connsiteY11" fmla="*/ 0 h 18288"/>
+            </a:gdLst>
+            <a:ahLst/>
+            <a:cxnLst>
+              <a:cxn ang="0">
+                <a:pos x="connsiteX0" y="connsiteY0"/>
+              </a:cxn>
+              <a:cxn ang="0">
+                <a:pos x="connsiteX1" y="connsiteY1"/>
+              </a:cxn>
+              <a:cxn ang="0">
+                <a:pos x="connsiteX2" y="connsiteY2"/>
+              </a:cxn>
+              <a:cxn ang="0">
+                <a:pos x="connsiteX3" y="connsiteY3"/>
+              </a:cxn>
+              <a:cxn ang="0">
+                <a:pos x="connsiteX4" y="connsiteY4"/>
+              </a:cxn>
+              <a:cxn ang="0">
+                <a:pos x="connsiteX5" y="connsiteY5"/>
+              </a:cxn>
+              <a:cxn ang="0">
+                <a:pos x="connsiteX6" y="connsiteY6"/>
+              </a:cxn>
+              <a:cxn ang="0">
+                <a:pos x="connsiteX7" y="connsiteY7"/>
+              </a:cxn>
+              <a:cxn ang="0">
+                <a:pos x="connsiteX8" y="connsiteY8"/>
+              </a:cxn>
+              <a:cxn ang="0">
+                <a:pos x="connsiteX9" y="connsiteY9"/>
+              </a:cxn>
+              <a:cxn ang="0">
+                <a:pos x="connsiteX10" y="connsiteY10"/>
+              </a:cxn>
+              <a:cxn ang="0">
+                <a:pos x="connsiteX11" y="connsiteY11"/>
+              </a:cxn>
+            </a:cxnLst>
+            <a:rect l="l" t="t" r="r" b="b"/>
+            <a:pathLst>
+              <a:path w="3255095" h="18288" fill="none" extrusionOk="0">
+                <a:moveTo>
+                  <a:pt x="0" y="0"/>
+                </a:moveTo>
+                <a:cubicBezTo>
+                  <a:pt x="240201" y="-22123"/>
+                  <a:pt x="462021" y="-19623"/>
+                  <a:pt x="618468" y="0"/>
+                </a:cubicBezTo>
+                <a:cubicBezTo>
+                  <a:pt x="774915" y="19623"/>
+                  <a:pt x="974734" y="2035"/>
+                  <a:pt x="1269487" y="0"/>
+                </a:cubicBezTo>
+                <a:cubicBezTo>
+                  <a:pt x="1564240" y="-2035"/>
+                  <a:pt x="1733579" y="10639"/>
+                  <a:pt x="1953057" y="0"/>
+                </a:cubicBezTo>
+                <a:cubicBezTo>
+                  <a:pt x="2172535" y="-10639"/>
+                  <a:pt x="2453962" y="14018"/>
+                  <a:pt x="2636627" y="0"/>
+                </a:cubicBezTo>
+                <a:cubicBezTo>
+                  <a:pt x="2819292" y="-14018"/>
+                  <a:pt x="3121375" y="5399"/>
+                  <a:pt x="3255095" y="0"/>
+                </a:cubicBezTo>
+                <a:cubicBezTo>
+                  <a:pt x="3254386" y="8157"/>
+                  <a:pt x="3254682" y="12125"/>
+                  <a:pt x="3255095" y="18288"/>
+                </a:cubicBezTo>
+                <a:cubicBezTo>
+                  <a:pt x="3088545" y="23203"/>
+                  <a:pt x="2687475" y="7419"/>
+                  <a:pt x="2538974" y="18288"/>
+                </a:cubicBezTo>
+                <a:cubicBezTo>
+                  <a:pt x="2390473" y="29157"/>
+                  <a:pt x="2137381" y="-8959"/>
+                  <a:pt x="1822853" y="18288"/>
+                </a:cubicBezTo>
+                <a:cubicBezTo>
+                  <a:pt x="1508325" y="45535"/>
+                  <a:pt x="1466437" y="20385"/>
+                  <a:pt x="1171834" y="18288"/>
+                </a:cubicBezTo>
+                <a:cubicBezTo>
+                  <a:pt x="877231" y="16191"/>
+                  <a:pt x="561097" y="37643"/>
+                  <a:pt x="0" y="18288"/>
+                </a:cubicBezTo>
+                <a:cubicBezTo>
+                  <a:pt x="-46" y="12483"/>
+                  <a:pt x="-203" y="6491"/>
+                  <a:pt x="0" y="0"/>
+                </a:cubicBezTo>
+                <a:close/>
+              </a:path>
+              <a:path w="3255095" h="18288" stroke="0" extrusionOk="0">
+                <a:moveTo>
+                  <a:pt x="0" y="0"/>
+                </a:moveTo>
+                <a:cubicBezTo>
+                  <a:pt x="291965" y="19429"/>
+                  <a:pt x="363155" y="8568"/>
+                  <a:pt x="618468" y="0"/>
+                </a:cubicBezTo>
+                <a:cubicBezTo>
+                  <a:pt x="873781" y="-8568"/>
+                  <a:pt x="904459" y="-19505"/>
+                  <a:pt x="1171834" y="0"/>
+                </a:cubicBezTo>
+                <a:cubicBezTo>
+                  <a:pt x="1439209" y="19505"/>
+                  <a:pt x="1744369" y="9790"/>
+                  <a:pt x="1887955" y="0"/>
+                </a:cubicBezTo>
+                <a:cubicBezTo>
+                  <a:pt x="2031541" y="-9790"/>
+                  <a:pt x="2346378" y="21240"/>
+                  <a:pt x="2506423" y="0"/>
+                </a:cubicBezTo>
+                <a:cubicBezTo>
+                  <a:pt x="2666468" y="-21240"/>
+                  <a:pt x="2990257" y="30414"/>
+                  <a:pt x="3255095" y="0"/>
+                </a:cubicBezTo>
+                <a:cubicBezTo>
+                  <a:pt x="3254831" y="4493"/>
+                  <a:pt x="3255479" y="9472"/>
+                  <a:pt x="3255095" y="18288"/>
+                </a:cubicBezTo>
+                <a:cubicBezTo>
+                  <a:pt x="3120743" y="16690"/>
+                  <a:pt x="2759628" y="42462"/>
+                  <a:pt x="2604076" y="18288"/>
+                </a:cubicBezTo>
+                <a:cubicBezTo>
+                  <a:pt x="2448524" y="-5886"/>
+                  <a:pt x="2184336" y="19599"/>
+                  <a:pt x="1887955" y="18288"/>
+                </a:cubicBezTo>
+                <a:cubicBezTo>
+                  <a:pt x="1591574" y="16977"/>
+                  <a:pt x="1548845" y="6870"/>
+                  <a:pt x="1334589" y="18288"/>
+                </a:cubicBezTo>
+                <a:cubicBezTo>
+                  <a:pt x="1120333" y="29706"/>
+                  <a:pt x="996014" y="9662"/>
+                  <a:pt x="683570" y="18288"/>
+                </a:cubicBezTo>
+                <a:cubicBezTo>
+                  <a:pt x="371126" y="26914"/>
+                  <a:pt x="198687" y="16167"/>
+                  <a:pt x="0" y="18288"/>
+                </a:cubicBezTo>
+                <a:cubicBezTo>
+                  <a:pt x="843" y="9577"/>
+                  <a:pt x="371" y="6900"/>
+                  <a:pt x="0" y="0"/>
+                </a:cubicBezTo>
+                <a:close/>
+              </a:path>
+            </a:pathLst>
+          </a:custGeom>
+          <a:solidFill>
+            <a:schemeClr val="accent2"/>
+          </a:solidFill>
+          <a:ln w="38100" cap="rnd">
+            <a:solidFill>
+              <a:schemeClr val="accent2"/>
+            </a:solidFill>
+            <a:round/>
+            <a:extLst>
+              <a:ext uri="{C807C97D-BFC1-408E-A445-0C87EB9F89A2}">
+                <ask:lineSketchStyleProps xmlns:ask="http://schemas.microsoft.com/office/drawing/2018/sketchyshapes" sd="1219033472">
+                  <a:prstGeom prst="rect">
+                    <a:avLst/>
+                  </a:prstGeom>
+                  <ask:type>
+                    <ask:lineSketchFreehand/>
+                  </ask:type>
+                </ask:lineSketchStyleProps>
+              </a:ext>
+            </a:extLst>
+          </a:ln>
+        </p:spPr>
+        <p:style>
+          <a:lnRef idx="2">
+            <a:schemeClr val="accent1">
+              <a:shade val="50000"/>
+            </a:schemeClr>
+          </a:lnRef>
+          <a:fillRef idx="1">
+            <a:schemeClr val="accent1"/>
+          </a:fillRef>
+          <a:effectRef idx="0">
+            <a:schemeClr val="accent1"/>
+          </a:effectRef>
+          <a:fontRef idx="minor">
+            <a:schemeClr val="lt1"/>
+          </a:fontRef>
+        </p:style>
         <p:txBody>
-          <a:bodyPr/>
+          <a:bodyPr rtlCol="0" anchor="ctr"/>
           <a:lstStyle/>
           <a:p>
+            <a:pPr algn="ctr"/>
             <a:endParaRPr lang="en-US"/>
           </a:p>
         </p:txBody>
       </p:sp>
+      <p:pic>
+        <p:nvPicPr>
+          <p:cNvPr id="7" name="Picture 6" descr="Text&#10;&#10;Description automatically generated">
+            <a:extLst>
+              <a:ext uri="{FF2B5EF4-FFF2-40B4-BE49-F238E27FC236}">
+                <a16:creationId xmlns:a16="http://schemas.microsoft.com/office/drawing/2014/main" id="{A2CC2EA3-F811-4046-8F59-113FFACFC22A}"/>
+              </a:ext>
+            </a:extLst>
+          </p:cNvPr>
+          <p:cNvPicPr>
+            <a:picLocks noChangeAspect="1"/>
+          </p:cNvPicPr>
+          <p:nvPr/>
+        </p:nvPicPr>
+        <p:blipFill>
+          <a:blip r:embed="rId3"/>
+          <a:stretch>
+            <a:fillRect/>
+          </a:stretch>
+        </p:blipFill>
+        <p:spPr>
+          <a:xfrm>
+            <a:off x="4654296" y="646675"/>
+            <a:ext cx="7214616" cy="5537217"/>
+          </a:xfrm>
+          <a:prstGeom prst="rect">
+            <a:avLst/>
+          </a:prstGeom>
+        </p:spPr>
+      </p:pic>
       <p:sp>
         <p:nvSpPr>
           <p:cNvPr id="4" name="Footer Placeholder 3">
@@ -35134,16 +35707,36 @@
             <p:ph type="ftr" sz="quarter" idx="11"/>
           </p:nvPr>
         </p:nvSpPr>
-        <p:spPr/>
+        <p:spPr>
+          <a:xfrm>
+            <a:off x="4038600" y="6356350"/>
+            <a:ext cx="4114800" cy="365125"/>
+          </a:xfrm>
+        </p:spPr>
         <p:txBody>
-          <a:bodyPr/>
+          <a:bodyPr vert="horz" lIns="91440" tIns="45720" rIns="91440" bIns="45720" rtlCol="0" anchor="ctr">
+            <a:normAutofit/>
+          </a:bodyPr>
           <a:lstStyle/>
           <a:p>
+            <a:pPr>
+              <a:spcAft>
+                <a:spcPts val="600"/>
+              </a:spcAft>
+            </a:pPr>
             <a:r>
-              <a:rPr lang="en-US"/>
+              <a:rPr lang="en-US" kern="1200">
+                <a:solidFill>
+                  <a:schemeClr val="tx1">
+                    <a:tint val="75000"/>
+                  </a:schemeClr>
+                </a:solidFill>
+                <a:latin typeface="+mn-lt"/>
+                <a:ea typeface="+mn-ea"/>
+                <a:cs typeface="+mn-cs"/>
+              </a:rPr>
               <a:t>Mike Nguyen</a:t>
             </a:r>
-            <a:endParaRPr lang="en-US" dirty="0"/>
           </a:p>
         </p:txBody>
       </p:sp>
@@ -35163,16 +35756,33 @@
             <p:ph type="sldNum" sz="quarter" idx="12"/>
           </p:nvPr>
         </p:nvSpPr>
-        <p:spPr/>
+        <p:spPr>
+          <a:xfrm>
+            <a:off x="8610600" y="6356350"/>
+            <a:ext cx="2743200" cy="365125"/>
+          </a:xfrm>
+        </p:spPr>
         <p:txBody>
-          <a:bodyPr/>
+          <a:bodyPr vert="horz" lIns="91440" tIns="45720" rIns="91440" bIns="45720" rtlCol="0" anchor="ctr">
+            <a:normAutofit/>
+          </a:bodyPr>
           <a:lstStyle/>
           <a:p>
+            <a:pPr>
+              <a:spcAft>
+                <a:spcPts val="600"/>
+              </a:spcAft>
+            </a:pPr>
             <a:fld id="{A6AF1B4E-90EC-4A51-B6E5-B702C054ECB0}" type="slidenum">
               <a:rPr lang="en-US" smtClean="0"/>
+              <a:pPr>
+                <a:spcAft>
+                  <a:spcPts val="600"/>
+                </a:spcAft>
+              </a:pPr>
               <a:t>6</a:t>
             </a:fld>
-            <a:endParaRPr lang="en-US" dirty="0"/>
+            <a:endParaRPr lang="en-US"/>
           </a:p>
         </p:txBody>
       </p:sp>
@@ -35190,8 +35800,16 @@
 </file>
 
 <file path=ppt/slides/slide7.xml><?xml version="1.0" encoding="utf-8"?>
-<p:sld xmlns:a="http://schemas.openxmlformats.org/drawingml/2006/main" xmlns:r="http://schemas.openxmlformats.org/officeDocument/2006/relationships" xmlns:p="http://schemas.openxmlformats.org/presentationml/2006/main" show="0">
+<p:sld xmlns:a="http://schemas.openxmlformats.org/drawingml/2006/main" xmlns:r="http://schemas.openxmlformats.org/officeDocument/2006/relationships" xmlns:p="http://schemas.openxmlformats.org/presentationml/2006/main">
   <p:cSld>
+    <p:bg>
+      <p:bgPr>
+        <a:solidFill>
+          <a:schemeClr val="bg1"/>
+        </a:solidFill>
+        <a:effectLst/>
+      </p:bgPr>
+    </p:bg>
     <p:spTree>
       <p:nvGrpSpPr>
         <p:cNvPr id="1" name=""/>
@@ -35206,12 +35824,629 @@
           <a:chExt cx="0" cy="0"/>
         </a:xfrm>
       </p:grpSpPr>
+      <p:sp useBgFill="1">
+        <p:nvSpPr>
+          <p:cNvPr id="12" name="Rectangle 11">
+            <a:extLst>
+              <a:ext uri="{FF2B5EF4-FFF2-40B4-BE49-F238E27FC236}">
+                <a16:creationId xmlns:a16="http://schemas.microsoft.com/office/drawing/2014/main" id="{76906711-0AFB-47DD-A4B6-4E94B38B8C91}"/>
+              </a:ext>
+              <a:ext uri="{C183D7F6-B498-43B3-948B-1728B52AA6E4}">
+                <adec:decorative xmlns:adec="http://schemas.microsoft.com/office/drawing/2017/decorative" val="1"/>
+              </a:ext>
+            </a:extLst>
+          </p:cNvPr>
+          <p:cNvSpPr>
+            <a:spLocks noGrp="1" noRot="1" noChangeAspect="1" noMove="1" noResize="1" noEditPoints="1" noAdjustHandles="1" noChangeArrowheads="1" noChangeShapeType="1" noTextEdit="1"/>
+          </p:cNvSpPr>
+          <p:nvPr>
+            <p:extLst>
+              <p:ext uri="{386F3935-93C4-4BCD-93E2-E3B085C9AB24}">
+                <p16:designElem xmlns:p16="http://schemas.microsoft.com/office/powerpoint/2015/main" val="1"/>
+              </p:ext>
+            </p:extLst>
+          </p:nvPr>
+        </p:nvSpPr>
+        <p:spPr>
+          <a:xfrm>
+            <a:off x="0" y="0"/>
+            <a:ext cx="12192000" cy="6858000"/>
+          </a:xfrm>
+          <a:prstGeom prst="rect">
+            <a:avLst/>
+          </a:prstGeom>
+          <a:ln>
+            <a:noFill/>
+          </a:ln>
+        </p:spPr>
+        <p:style>
+          <a:lnRef idx="2">
+            <a:schemeClr val="accent1">
+              <a:shade val="50000"/>
+            </a:schemeClr>
+          </a:lnRef>
+          <a:fillRef idx="1">
+            <a:schemeClr val="accent1"/>
+          </a:fillRef>
+          <a:effectRef idx="0">
+            <a:schemeClr val="accent1"/>
+          </a:effectRef>
+          <a:fontRef idx="minor">
+            <a:schemeClr val="lt1"/>
+          </a:fontRef>
+        </p:style>
+        <p:txBody>
+          <a:bodyPr rtlCol="0" anchor="ctr"/>
+          <a:lstStyle/>
+          <a:p>
+            <a:pPr algn="ctr"/>
+            <a:endParaRPr lang="en-US"/>
+          </a:p>
+        </p:txBody>
+      </p:sp>
+      <p:sp>
+        <p:nvSpPr>
+          <p:cNvPr id="14" name="Freeform: Shape 13">
+            <a:extLst>
+              <a:ext uri="{FF2B5EF4-FFF2-40B4-BE49-F238E27FC236}">
+                <a16:creationId xmlns:a16="http://schemas.microsoft.com/office/drawing/2014/main" id="{AA91F649-894C-41F6-A21D-3D1AC558E934}"/>
+              </a:ext>
+              <a:ext uri="{C183D7F6-B498-43B3-948B-1728B52AA6E4}">
+                <adec:decorative xmlns:adec="http://schemas.microsoft.com/office/drawing/2017/decorative" val="1"/>
+              </a:ext>
+            </a:extLst>
+          </p:cNvPr>
+          <p:cNvSpPr>
+            <a:spLocks noGrp="1" noRot="1" noChangeAspect="1" noMove="1" noResize="1" noEditPoints="1" noAdjustHandles="1" noChangeArrowheads="1" noChangeShapeType="1" noTextEdit="1"/>
+          </p:cNvSpPr>
+          <p:nvPr>
+            <p:extLst>
+              <p:ext uri="{386F3935-93C4-4BCD-93E2-E3B085C9AB24}">
+                <p16:designElem xmlns:p16="http://schemas.microsoft.com/office/powerpoint/2015/main" val="1"/>
+              </p:ext>
+            </p:extLst>
+          </p:nvPr>
+        </p:nvSpPr>
+        <p:spPr>
+          <a:xfrm>
+            <a:off x="0" y="0"/>
+            <a:ext cx="12192000" cy="2877832"/>
+          </a:xfrm>
+          <a:custGeom>
+            <a:avLst/>
+            <a:gdLst>
+              <a:gd name="connsiteX0" fmla="*/ 6789701 w 12192000"/>
+              <a:gd name="connsiteY0" fmla="*/ 2809623 h 2877832"/>
+              <a:gd name="connsiteX1" fmla="*/ 6788702 w 12192000"/>
+              <a:gd name="connsiteY1" fmla="*/ 2809701 h 2877832"/>
+              <a:gd name="connsiteX2" fmla="*/ 6788476 w 12192000"/>
+              <a:gd name="connsiteY2" fmla="*/ 2810235 h 2877832"/>
+              <a:gd name="connsiteX3" fmla="*/ 0 w 12192000"/>
+              <a:gd name="connsiteY3" fmla="*/ 0 h 2877832"/>
+              <a:gd name="connsiteX4" fmla="*/ 12192000 w 12192000"/>
+              <a:gd name="connsiteY4" fmla="*/ 0 h 2877832"/>
+              <a:gd name="connsiteX5" fmla="*/ 12192000 w 12192000"/>
+              <a:gd name="connsiteY5" fmla="*/ 1915388 h 2877832"/>
+              <a:gd name="connsiteX6" fmla="*/ 12061096 w 12192000"/>
+              <a:gd name="connsiteY6" fmla="*/ 1954428 h 2877832"/>
+              <a:gd name="connsiteX7" fmla="*/ 11676800 w 12192000"/>
+              <a:gd name="connsiteY7" fmla="*/ 2058003 h 2877832"/>
+              <a:gd name="connsiteX8" fmla="*/ 10425355 w 12192000"/>
+              <a:gd name="connsiteY8" fmla="*/ 2341542 h 2877832"/>
+              <a:gd name="connsiteX9" fmla="*/ 9424022 w 12192000"/>
+              <a:gd name="connsiteY9" fmla="*/ 2516704 h 2877832"/>
+              <a:gd name="connsiteX10" fmla="*/ 8458419 w 12192000"/>
+              <a:gd name="connsiteY10" fmla="*/ 2650405 h 2877832"/>
+              <a:gd name="connsiteX11" fmla="*/ 7715970 w 12192000"/>
+              <a:gd name="connsiteY11" fmla="*/ 2730352 h 2877832"/>
+              <a:gd name="connsiteX12" fmla="*/ 6951716 w 12192000"/>
+              <a:gd name="connsiteY12" fmla="*/ 2796132 h 2877832"/>
+              <a:gd name="connsiteX13" fmla="*/ 6936303 w 12192000"/>
+              <a:gd name="connsiteY13" fmla="*/ 2798203 h 2877832"/>
+              <a:gd name="connsiteX14" fmla="*/ 6790448 w 12192000"/>
+              <a:gd name="connsiteY14" fmla="*/ 2809564 h 2877832"/>
+              <a:gd name="connsiteX15" fmla="*/ 6799941 w 12192000"/>
+              <a:gd name="connsiteY15" fmla="*/ 2811384 h 2877832"/>
+              <a:gd name="connsiteX16" fmla="*/ 6835432 w 12192000"/>
+              <a:gd name="connsiteY16" fmla="*/ 2809677 h 2877832"/>
+              <a:gd name="connsiteX17" fmla="*/ 6884003 w 12192000"/>
+              <a:gd name="connsiteY17" fmla="*/ 2806699 h 2877832"/>
+              <a:gd name="connsiteX18" fmla="*/ 7578771 w 12192000"/>
+              <a:gd name="connsiteY18" fmla="*/ 2774172 h 2877832"/>
+              <a:gd name="connsiteX19" fmla="*/ 8623845 w 12192000"/>
+              <a:gd name="connsiteY19" fmla="*/ 2687275 h 2877832"/>
+              <a:gd name="connsiteX20" fmla="*/ 9479970 w 12192000"/>
+              <a:gd name="connsiteY20" fmla="*/ 2583369 h 2877832"/>
+              <a:gd name="connsiteX21" fmla="*/ 10629308 w 12192000"/>
+              <a:gd name="connsiteY21" fmla="*/ 2389212 h 2877832"/>
+              <a:gd name="connsiteX22" fmla="*/ 11998498 w 12192000"/>
+              <a:gd name="connsiteY22" fmla="*/ 2063218 h 2877832"/>
+              <a:gd name="connsiteX23" fmla="*/ 12192000 w 12192000"/>
+              <a:gd name="connsiteY23" fmla="*/ 2006219 h 2877832"/>
+              <a:gd name="connsiteX24" fmla="*/ 12192000 w 12192000"/>
+              <a:gd name="connsiteY24" fmla="*/ 2060956 h 2877832"/>
+              <a:gd name="connsiteX25" fmla="*/ 11829257 w 12192000"/>
+              <a:gd name="connsiteY25" fmla="*/ 2166255 h 2877832"/>
+              <a:gd name="connsiteX26" fmla="*/ 10939183 w 12192000"/>
+              <a:gd name="connsiteY26" fmla="*/ 2380770 h 2877832"/>
+              <a:gd name="connsiteX27" fmla="*/ 9985530 w 12192000"/>
+              <a:gd name="connsiteY27" fmla="*/ 2560775 h 2877832"/>
+              <a:gd name="connsiteX28" fmla="*/ 9186882 w 12192000"/>
+              <a:gd name="connsiteY28" fmla="*/ 2676722 h 2877832"/>
+              <a:gd name="connsiteX29" fmla="*/ 8578198 w 12192000"/>
+              <a:gd name="connsiteY29" fmla="*/ 2746241 h 2877832"/>
+              <a:gd name="connsiteX30" fmla="*/ 7864358 w 12192000"/>
+              <a:gd name="connsiteY30" fmla="*/ 2807692 h 2877832"/>
+              <a:gd name="connsiteX31" fmla="*/ 6935502 w 12192000"/>
+              <a:gd name="connsiteY31" fmla="*/ 2859086 h 2877832"/>
+              <a:gd name="connsiteX32" fmla="*/ 6477750 w 12192000"/>
+              <a:gd name="connsiteY32" fmla="*/ 2872989 h 2877832"/>
+              <a:gd name="connsiteX33" fmla="*/ 6362294 w 12192000"/>
+              <a:gd name="connsiteY33" fmla="*/ 2877832 h 2877832"/>
+              <a:gd name="connsiteX34" fmla="*/ 6057129 w 12192000"/>
+              <a:gd name="connsiteY34" fmla="*/ 2877832 h 2877832"/>
+              <a:gd name="connsiteX35" fmla="*/ 5977784 w 12192000"/>
+              <a:gd name="connsiteY35" fmla="*/ 2873238 h 2877832"/>
+              <a:gd name="connsiteX36" fmla="*/ 5265087 w 12192000"/>
+              <a:gd name="connsiteY36" fmla="*/ 2836989 h 2877832"/>
+              <a:gd name="connsiteX37" fmla="*/ 4346277 w 12192000"/>
+              <a:gd name="connsiteY37" fmla="*/ 2774919 h 2877832"/>
+              <a:gd name="connsiteX38" fmla="*/ 3373045 w 12192000"/>
+              <a:gd name="connsiteY38" fmla="*/ 2676350 h 2877832"/>
+              <a:gd name="connsiteX39" fmla="*/ 2362173 w 12192000"/>
+              <a:gd name="connsiteY39" fmla="*/ 2557423 h 2877832"/>
+              <a:gd name="connsiteX40" fmla="*/ 1233178 w 12192000"/>
+              <a:gd name="connsiteY40" fmla="*/ 2384247 h 2877832"/>
+              <a:gd name="connsiteX41" fmla="*/ 68500 w 12192000"/>
+              <a:gd name="connsiteY41" fmla="*/ 2144540 h 2877832"/>
+              <a:gd name="connsiteX42" fmla="*/ 0 w 12192000"/>
+              <a:gd name="connsiteY42" fmla="*/ 2127185 h 2877832"/>
+              <a:gd name="connsiteX43" fmla="*/ 0 w 12192000"/>
+              <a:gd name="connsiteY43" fmla="*/ 2070696 h 2877832"/>
+              <a:gd name="connsiteX44" fmla="*/ 72441 w 12192000"/>
+              <a:gd name="connsiteY44" fmla="*/ 2089473 h 2877832"/>
+              <a:gd name="connsiteX45" fmla="*/ 600716 w 12192000"/>
+              <a:gd name="connsiteY45" fmla="*/ 2207843 h 2877832"/>
+              <a:gd name="connsiteX46" fmla="*/ 1769512 w 12192000"/>
+              <a:gd name="connsiteY46" fmla="*/ 2418011 h 2877832"/>
+              <a:gd name="connsiteX47" fmla="*/ 2613554 w 12192000"/>
+              <a:gd name="connsiteY47" fmla="*/ 2534953 h 2877832"/>
+              <a:gd name="connsiteX48" fmla="*/ 2581134 w 12192000"/>
+              <a:gd name="connsiteY48" fmla="*/ 2525022 h 2877832"/>
+              <a:gd name="connsiteX49" fmla="*/ 1112635 w 12192000"/>
+              <a:gd name="connsiteY49" fmla="*/ 2192325 h 2877832"/>
+              <a:gd name="connsiteX50" fmla="*/ 420412 w 12192000"/>
+              <a:gd name="connsiteY50" fmla="*/ 1992892 h 2877832"/>
+              <a:gd name="connsiteX51" fmla="*/ 0 w 12192000"/>
+              <a:gd name="connsiteY51" fmla="*/ 1853975 h 2877832"/>
+            </a:gdLst>
+            <a:ahLst/>
+            <a:cxnLst>
+              <a:cxn ang="0">
+                <a:pos x="connsiteX0" y="connsiteY0"/>
+              </a:cxn>
+              <a:cxn ang="0">
+                <a:pos x="connsiteX1" y="connsiteY1"/>
+              </a:cxn>
+              <a:cxn ang="0">
+                <a:pos x="connsiteX2" y="connsiteY2"/>
+              </a:cxn>
+              <a:cxn ang="0">
+                <a:pos x="connsiteX3" y="connsiteY3"/>
+              </a:cxn>
+              <a:cxn ang="0">
+                <a:pos x="connsiteX4" y="connsiteY4"/>
+              </a:cxn>
+              <a:cxn ang="0">
+                <a:pos x="connsiteX5" y="connsiteY5"/>
+              </a:cxn>
+              <a:cxn ang="0">
+                <a:pos x="connsiteX6" y="connsiteY6"/>
+              </a:cxn>
+              <a:cxn ang="0">
+                <a:pos x="connsiteX7" y="connsiteY7"/>
+              </a:cxn>
+              <a:cxn ang="0">
+                <a:pos x="connsiteX8" y="connsiteY8"/>
+              </a:cxn>
+              <a:cxn ang="0">
+                <a:pos x="connsiteX9" y="connsiteY9"/>
+              </a:cxn>
+              <a:cxn ang="0">
+                <a:pos x="connsiteX10" y="connsiteY10"/>
+              </a:cxn>
+              <a:cxn ang="0">
+                <a:pos x="connsiteX11" y="connsiteY11"/>
+              </a:cxn>
+              <a:cxn ang="0">
+                <a:pos x="connsiteX12" y="connsiteY12"/>
+              </a:cxn>
+              <a:cxn ang="0">
+                <a:pos x="connsiteX13" y="connsiteY13"/>
+              </a:cxn>
+              <a:cxn ang="0">
+                <a:pos x="connsiteX14" y="connsiteY14"/>
+              </a:cxn>
+              <a:cxn ang="0">
+                <a:pos x="connsiteX15" y="connsiteY15"/>
+              </a:cxn>
+              <a:cxn ang="0">
+                <a:pos x="connsiteX16" y="connsiteY16"/>
+              </a:cxn>
+              <a:cxn ang="0">
+                <a:pos x="connsiteX17" y="connsiteY17"/>
+              </a:cxn>
+              <a:cxn ang="0">
+                <a:pos x="connsiteX18" y="connsiteY18"/>
+              </a:cxn>
+              <a:cxn ang="0">
+                <a:pos x="connsiteX19" y="connsiteY19"/>
+              </a:cxn>
+              <a:cxn ang="0">
+                <a:pos x="connsiteX20" y="connsiteY20"/>
+              </a:cxn>
+              <a:cxn ang="0">
+                <a:pos x="connsiteX21" y="connsiteY21"/>
+              </a:cxn>
+              <a:cxn ang="0">
+                <a:pos x="connsiteX22" y="connsiteY22"/>
+              </a:cxn>
+              <a:cxn ang="0">
+                <a:pos x="connsiteX23" y="connsiteY23"/>
+              </a:cxn>
+              <a:cxn ang="0">
+                <a:pos x="connsiteX24" y="connsiteY24"/>
+              </a:cxn>
+              <a:cxn ang="0">
+                <a:pos x="connsiteX25" y="connsiteY25"/>
+              </a:cxn>
+              <a:cxn ang="0">
+                <a:pos x="connsiteX26" y="connsiteY26"/>
+              </a:cxn>
+              <a:cxn ang="0">
+                <a:pos x="connsiteX27" y="connsiteY27"/>
+              </a:cxn>
+              <a:cxn ang="0">
+                <a:pos x="connsiteX28" y="connsiteY28"/>
+              </a:cxn>
+              <a:cxn ang="0">
+                <a:pos x="connsiteX29" y="connsiteY29"/>
+              </a:cxn>
+              <a:cxn ang="0">
+                <a:pos x="connsiteX30" y="connsiteY30"/>
+              </a:cxn>
+              <a:cxn ang="0">
+                <a:pos x="connsiteX31" y="connsiteY31"/>
+              </a:cxn>
+              <a:cxn ang="0">
+                <a:pos x="connsiteX32" y="connsiteY32"/>
+              </a:cxn>
+              <a:cxn ang="0">
+                <a:pos x="connsiteX33" y="connsiteY33"/>
+              </a:cxn>
+              <a:cxn ang="0">
+                <a:pos x="connsiteX34" y="connsiteY34"/>
+              </a:cxn>
+              <a:cxn ang="0">
+                <a:pos x="connsiteX35" y="connsiteY35"/>
+              </a:cxn>
+              <a:cxn ang="0">
+                <a:pos x="connsiteX36" y="connsiteY36"/>
+              </a:cxn>
+              <a:cxn ang="0">
+                <a:pos x="connsiteX37" y="connsiteY37"/>
+              </a:cxn>
+              <a:cxn ang="0">
+                <a:pos x="connsiteX38" y="connsiteY38"/>
+              </a:cxn>
+              <a:cxn ang="0">
+                <a:pos x="connsiteX39" y="connsiteY39"/>
+              </a:cxn>
+              <a:cxn ang="0">
+                <a:pos x="connsiteX40" y="connsiteY40"/>
+              </a:cxn>
+              <a:cxn ang="0">
+                <a:pos x="connsiteX41" y="connsiteY41"/>
+              </a:cxn>
+              <a:cxn ang="0">
+                <a:pos x="connsiteX42" y="connsiteY42"/>
+              </a:cxn>
+              <a:cxn ang="0">
+                <a:pos x="connsiteX43" y="connsiteY43"/>
+              </a:cxn>
+              <a:cxn ang="0">
+                <a:pos x="connsiteX44" y="connsiteY44"/>
+              </a:cxn>
+              <a:cxn ang="0">
+                <a:pos x="connsiteX45" y="connsiteY45"/>
+              </a:cxn>
+              <a:cxn ang="0">
+                <a:pos x="connsiteX46" y="connsiteY46"/>
+              </a:cxn>
+              <a:cxn ang="0">
+                <a:pos x="connsiteX47" y="connsiteY47"/>
+              </a:cxn>
+              <a:cxn ang="0">
+                <a:pos x="connsiteX48" y="connsiteY48"/>
+              </a:cxn>
+              <a:cxn ang="0">
+                <a:pos x="connsiteX49" y="connsiteY49"/>
+              </a:cxn>
+              <a:cxn ang="0">
+                <a:pos x="connsiteX50" y="connsiteY50"/>
+              </a:cxn>
+              <a:cxn ang="0">
+                <a:pos x="connsiteX51" y="connsiteY51"/>
+              </a:cxn>
+            </a:cxnLst>
+            <a:rect l="l" t="t" r="r" b="b"/>
+            <a:pathLst>
+              <a:path w="12192000" h="2877832">
+                <a:moveTo>
+                  <a:pt x="6789701" y="2809623"/>
+                </a:moveTo>
+                <a:lnTo>
+                  <a:pt x="6788702" y="2809701"/>
+                </a:lnTo>
+                <a:lnTo>
+                  <a:pt x="6788476" y="2810235"/>
+                </a:lnTo>
+                <a:close/>
+                <a:moveTo>
+                  <a:pt x="0" y="0"/>
+                </a:moveTo>
+                <a:lnTo>
+                  <a:pt x="12192000" y="0"/>
+                </a:lnTo>
+                <a:lnTo>
+                  <a:pt x="12192000" y="1915388"/>
+                </a:lnTo>
+                <a:lnTo>
+                  <a:pt x="12061096" y="1954428"/>
+                </a:lnTo>
+                <a:cubicBezTo>
+                  <a:pt x="11933500" y="1990642"/>
+                  <a:pt x="11805390" y="2025171"/>
+                  <a:pt x="11676800" y="2058003"/>
+                </a:cubicBezTo>
+                <a:cubicBezTo>
+                  <a:pt x="11262789" y="2165510"/>
+                  <a:pt x="10845343" y="2259112"/>
+                  <a:pt x="10425355" y="2341542"/>
+                </a:cubicBezTo>
+                <a:cubicBezTo>
+                  <a:pt x="10092810" y="2406753"/>
+                  <a:pt x="9759033" y="2465150"/>
+                  <a:pt x="9424022" y="2516704"/>
+                </a:cubicBezTo>
+                <a:cubicBezTo>
+                  <a:pt x="9102997" y="2566361"/>
+                  <a:pt x="8781133" y="2610928"/>
+                  <a:pt x="8458419" y="2650405"/>
+                </a:cubicBezTo>
+                <a:cubicBezTo>
+                  <a:pt x="8211360" y="2680571"/>
+                  <a:pt x="7963792" y="2706144"/>
+                  <a:pt x="7715970" y="2730352"/>
+                </a:cubicBezTo>
+                <a:lnTo>
+                  <a:pt x="6951716" y="2796132"/>
+                </a:lnTo>
+                <a:lnTo>
+                  <a:pt x="6936303" y="2798203"/>
+                </a:lnTo>
+                <a:lnTo>
+                  <a:pt x="6790448" y="2809564"/>
+                </a:lnTo>
+                <a:lnTo>
+                  <a:pt x="6799941" y="2811384"/>
+                </a:lnTo>
+                <a:cubicBezTo>
+                  <a:pt x="6811623" y="2811850"/>
+                  <a:pt x="6823734" y="2809677"/>
+                  <a:pt x="6835432" y="2809677"/>
+                </a:cubicBezTo>
+                <a:cubicBezTo>
+                  <a:pt x="6851580" y="2809677"/>
+                  <a:pt x="6867729" y="2807070"/>
+                  <a:pt x="6884003" y="2806699"/>
+                </a:cubicBezTo>
+                <a:cubicBezTo>
+                  <a:pt x="7115805" y="2801237"/>
+                  <a:pt x="7347351" y="2789070"/>
+                  <a:pt x="7578771" y="2774172"/>
+                </a:cubicBezTo>
+                <a:cubicBezTo>
+                  <a:pt x="7927552" y="2751704"/>
+                  <a:pt x="8276080" y="2723525"/>
+                  <a:pt x="8623845" y="2687275"/>
+                </a:cubicBezTo>
+                <a:cubicBezTo>
+                  <a:pt x="8909939" y="2657977"/>
+                  <a:pt x="9195310" y="2623342"/>
+                  <a:pt x="9479970" y="2583369"/>
+                </a:cubicBezTo>
+                <a:cubicBezTo>
+                  <a:pt x="9864901" y="2528995"/>
+                  <a:pt x="10248014" y="2464281"/>
+                  <a:pt x="10629308" y="2389212"/>
+                </a:cubicBezTo>
+                <a:cubicBezTo>
+                  <a:pt x="11090114" y="2298092"/>
+                  <a:pt x="11546975" y="2190586"/>
+                  <a:pt x="11998498" y="2063218"/>
+                </a:cubicBezTo>
+                <a:lnTo>
+                  <a:pt x="12192000" y="2006219"/>
+                </a:lnTo>
+                <a:lnTo>
+                  <a:pt x="12192000" y="2060956"/>
+                </a:lnTo>
+                <a:lnTo>
+                  <a:pt x="11829257" y="2166255"/>
+                </a:lnTo>
+                <a:cubicBezTo>
+                  <a:pt x="11534769" y="2245952"/>
+                  <a:pt x="11238120" y="2316838"/>
+                  <a:pt x="10939183" y="2380770"/>
+                </a:cubicBezTo>
+                <a:cubicBezTo>
+                  <a:pt x="10622824" y="2448552"/>
+                  <a:pt x="10304941" y="2508549"/>
+                  <a:pt x="9985530" y="2560775"/>
+                </a:cubicBezTo>
+                <a:cubicBezTo>
+                  <a:pt x="9720036" y="2604224"/>
+                  <a:pt x="9453814" y="2642869"/>
+                  <a:pt x="9186882" y="2676722"/>
+                </a:cubicBezTo>
+                <a:cubicBezTo>
+                  <a:pt x="8984197" y="2702296"/>
+                  <a:pt x="8781514" y="2726379"/>
+                  <a:pt x="8578198" y="2746241"/>
+                </a:cubicBezTo>
+                <a:cubicBezTo>
+                  <a:pt x="8340547" y="2768961"/>
+                  <a:pt x="8102644" y="2790436"/>
+                  <a:pt x="7864358" y="2807692"/>
+                </a:cubicBezTo>
+                <a:cubicBezTo>
+                  <a:pt x="7554994" y="2830036"/>
+                  <a:pt x="7245502" y="2847914"/>
+                  <a:pt x="6935502" y="2859086"/>
+                </a:cubicBezTo>
+                <a:cubicBezTo>
+                  <a:pt x="6782917" y="2864549"/>
+                  <a:pt x="6630334" y="2868397"/>
+                  <a:pt x="6477750" y="2872989"/>
+                </a:cubicBezTo>
+                <a:cubicBezTo>
+                  <a:pt x="6439195" y="2870905"/>
+                  <a:pt x="6400529" y="2872530"/>
+                  <a:pt x="6362294" y="2877832"/>
+                </a:cubicBezTo>
+                <a:lnTo>
+                  <a:pt x="6057129" y="2877832"/>
+                </a:lnTo>
+                <a:lnTo>
+                  <a:pt x="5977784" y="2873238"/>
+                </a:lnTo>
+                <a:cubicBezTo>
+                  <a:pt x="5740261" y="2860825"/>
+                  <a:pt x="5502739" y="2847046"/>
+                  <a:pt x="5265087" y="2836989"/>
+                </a:cubicBezTo>
+                <a:cubicBezTo>
+                  <a:pt x="4958267" y="2824573"/>
+                  <a:pt x="4651826" y="2804093"/>
+                  <a:pt x="4346277" y="2774919"/>
+                </a:cubicBezTo>
+                <a:cubicBezTo>
+                  <a:pt x="4021654" y="2744007"/>
+                  <a:pt x="3697795" y="2709372"/>
+                  <a:pt x="3373045" y="2676350"/>
+                </a:cubicBezTo>
+                <a:cubicBezTo>
+                  <a:pt x="3035412" y="2642088"/>
+                  <a:pt x="2698456" y="2602449"/>
+                  <a:pt x="2362173" y="2557423"/>
+                </a:cubicBezTo>
+                <a:cubicBezTo>
+                  <a:pt x="1984692" y="2507270"/>
+                  <a:pt x="1608364" y="2449544"/>
+                  <a:pt x="1233178" y="2384247"/>
+                </a:cubicBezTo>
+                <a:cubicBezTo>
+                  <a:pt x="842181" y="2315534"/>
+                  <a:pt x="453758" y="2237046"/>
+                  <a:pt x="68500" y="2144540"/>
+                </a:cubicBezTo>
+                <a:lnTo>
+                  <a:pt x="0" y="2127185"/>
+                </a:lnTo>
+                <a:lnTo>
+                  <a:pt x="0" y="2070696"/>
+                </a:lnTo>
+                <a:lnTo>
+                  <a:pt x="72441" y="2089473"/>
+                </a:lnTo>
+                <a:cubicBezTo>
+                  <a:pt x="247961" y="2131651"/>
+                  <a:pt x="424164" y="2170911"/>
+                  <a:pt x="600716" y="2207843"/>
+                </a:cubicBezTo>
+                <a:cubicBezTo>
+                  <a:pt x="988279" y="2288657"/>
+                  <a:pt x="1378133" y="2357555"/>
+                  <a:pt x="1769512" y="2418011"/>
+                </a:cubicBezTo>
+                <a:cubicBezTo>
+                  <a:pt x="2052426" y="2461587"/>
+                  <a:pt x="2335725" y="2501684"/>
+                  <a:pt x="2613554" y="2534953"/>
+                </a:cubicBezTo>
+                <a:cubicBezTo>
+                  <a:pt x="2605544" y="2537560"/>
+                  <a:pt x="2594611" y="2527504"/>
+                  <a:pt x="2581134" y="2525022"/>
+                </a:cubicBezTo>
+                <a:cubicBezTo>
+                  <a:pt x="2087178" y="2433070"/>
+                  <a:pt x="1597684" y="2322177"/>
+                  <a:pt x="1112635" y="2192325"/>
+                </a:cubicBezTo>
+                <a:cubicBezTo>
+                  <a:pt x="880453" y="2130254"/>
+                  <a:pt x="649713" y="2063776"/>
+                  <a:pt x="420412" y="1992892"/>
+                </a:cubicBezTo>
+                <a:lnTo>
+                  <a:pt x="0" y="1853975"/>
+                </a:lnTo>
+                <a:close/>
+              </a:path>
+            </a:pathLst>
+          </a:custGeom>
+          <a:solidFill>
+            <a:schemeClr val="accent2"/>
+          </a:solidFill>
+          <a:ln>
+            <a:noFill/>
+          </a:ln>
+        </p:spPr>
+        <p:style>
+          <a:lnRef idx="2">
+            <a:schemeClr val="accent1">
+              <a:shade val="50000"/>
+            </a:schemeClr>
+          </a:lnRef>
+          <a:fillRef idx="1">
+            <a:schemeClr val="accent1"/>
+          </a:fillRef>
+          <a:effectRef idx="0">
+            <a:schemeClr val="accent1"/>
+          </a:effectRef>
+          <a:fontRef idx="minor">
+            <a:schemeClr val="lt1"/>
+          </a:fontRef>
+        </p:style>
+        <p:txBody>
+          <a:bodyPr wrap="square" rtlCol="0" anchor="ctr">
+            <a:noAutofit/>
+          </a:bodyPr>
+          <a:lstStyle/>
+          <a:p>
+            <a:pPr algn="ctr"/>
+            <a:endParaRPr lang="en-US"/>
+          </a:p>
+        </p:txBody>
+      </p:sp>
       <p:sp>
         <p:nvSpPr>
           <p:cNvPr id="2" name="Title 1">
             <a:extLst>
               <a:ext uri="{FF2B5EF4-FFF2-40B4-BE49-F238E27FC236}">
-                <a16:creationId xmlns:a16="http://schemas.microsoft.com/office/drawing/2014/main" id="{8458A675-1E24-4FB9-BB0B-DFD05D0D61D5}"/>
+                <a16:creationId xmlns:a16="http://schemas.microsoft.com/office/drawing/2014/main" id="{58DB5C1D-719C-4064-9D90-549BF41755BE}"/>
               </a:ext>
             </a:extLst>
           </p:cNvPr>
@@ -35222,49 +36457,412 @@
             <p:ph type="title"/>
           </p:nvPr>
         </p:nvSpPr>
-        <p:spPr/>
+        <p:spPr>
+          <a:xfrm>
+            <a:off x="638881" y="390525"/>
+            <a:ext cx="10909640" cy="1510301"/>
+          </a:xfrm>
+        </p:spPr>
         <p:txBody>
-          <a:bodyPr/>
+          <a:bodyPr vert="horz" lIns="91440" tIns="45720" rIns="91440" bIns="45720" rtlCol="0" anchor="ctr">
+            <a:normAutofit/>
+          </a:bodyPr>
           <a:lstStyle/>
           <a:p>
+            <a:pPr algn="ctr"/>
             <a:r>
-              <a:rPr lang="en-US" dirty="0"/>
-              <a:t>Case Studies</a:t>
+              <a:rPr lang="en-US" sz="6600" kern="1200">
+                <a:solidFill>
+                  <a:srgbClr val="FFFFFF"/>
+                </a:solidFill>
+                <a:latin typeface="+mj-lt"/>
+                <a:ea typeface="+mj-ea"/>
+                <a:cs typeface="+mj-cs"/>
+              </a:rPr>
+              <a:t>Assignments</a:t>
             </a:r>
           </a:p>
         </p:txBody>
       </p:sp>
       <p:sp>
         <p:nvSpPr>
-          <p:cNvPr id="3" name="Content Placeholder 2">
+          <p:cNvPr id="16" name="sketch line">
             <a:extLst>
               <a:ext uri="{FF2B5EF4-FFF2-40B4-BE49-F238E27FC236}">
-                <a16:creationId xmlns:a16="http://schemas.microsoft.com/office/drawing/2014/main" id="{BB9D7801-2B16-4621-B5BF-8B4D6AD7E25D}"/>
+                <a16:creationId xmlns:a16="http://schemas.microsoft.com/office/drawing/2014/main" id="{56037404-66BD-46B5-9323-1B531319671A}"/>
+              </a:ext>
+              <a:ext uri="{C183D7F6-B498-43B3-948B-1728B52AA6E4}">
+                <adec:decorative xmlns:adec="http://schemas.microsoft.com/office/drawing/2017/decorative" val="1"/>
               </a:ext>
             </a:extLst>
           </p:cNvPr>
           <p:cNvSpPr>
-            <a:spLocks noGrp="1"/>
+            <a:spLocks noGrp="1" noRot="1" noChangeAspect="1" noMove="1" noResize="1" noEditPoints="1" noAdjustHandles="1" noChangeArrowheads="1" noChangeShapeType="1" noTextEdit="1"/>
           </p:cNvSpPr>
           <p:nvPr>
-            <p:ph idx="1"/>
+            <p:extLst>
+              <p:ext uri="{386F3935-93C4-4BCD-93E2-E3B085C9AB24}">
+                <p16:designElem xmlns:p16="http://schemas.microsoft.com/office/powerpoint/2015/main" val="1"/>
+              </p:ext>
+            </p:extLst>
           </p:nvPr>
         </p:nvSpPr>
-        <p:spPr/>
+        <p:spPr>
+          <a:xfrm>
+            <a:off x="3974206" y="1753266"/>
+            <a:ext cx="4243589" cy="18288"/>
+          </a:xfrm>
+          <a:custGeom>
+            <a:avLst/>
+            <a:gdLst>
+              <a:gd name="connsiteX0" fmla="*/ 0 w 4243589"/>
+              <a:gd name="connsiteY0" fmla="*/ 0 h 18288"/>
+              <a:gd name="connsiteX1" fmla="*/ 563791 w 4243589"/>
+              <a:gd name="connsiteY1" fmla="*/ 0 h 18288"/>
+              <a:gd name="connsiteX2" fmla="*/ 1042710 w 4243589"/>
+              <a:gd name="connsiteY2" fmla="*/ 0 h 18288"/>
+              <a:gd name="connsiteX3" fmla="*/ 1564066 w 4243589"/>
+              <a:gd name="connsiteY3" fmla="*/ 0 h 18288"/>
+              <a:gd name="connsiteX4" fmla="*/ 2212729 w 4243589"/>
+              <a:gd name="connsiteY4" fmla="*/ 0 h 18288"/>
+              <a:gd name="connsiteX5" fmla="*/ 2776520 w 4243589"/>
+              <a:gd name="connsiteY5" fmla="*/ 0 h 18288"/>
+              <a:gd name="connsiteX6" fmla="*/ 3297875 w 4243589"/>
+              <a:gd name="connsiteY6" fmla="*/ 0 h 18288"/>
+              <a:gd name="connsiteX7" fmla="*/ 4243589 w 4243589"/>
+              <a:gd name="connsiteY7" fmla="*/ 0 h 18288"/>
+              <a:gd name="connsiteX8" fmla="*/ 4243589 w 4243589"/>
+              <a:gd name="connsiteY8" fmla="*/ 18288 h 18288"/>
+              <a:gd name="connsiteX9" fmla="*/ 3637362 w 4243589"/>
+              <a:gd name="connsiteY9" fmla="*/ 18288 h 18288"/>
+              <a:gd name="connsiteX10" fmla="*/ 3116007 w 4243589"/>
+              <a:gd name="connsiteY10" fmla="*/ 18288 h 18288"/>
+              <a:gd name="connsiteX11" fmla="*/ 2424908 w 4243589"/>
+              <a:gd name="connsiteY11" fmla="*/ 18288 h 18288"/>
+              <a:gd name="connsiteX12" fmla="*/ 1861117 w 4243589"/>
+              <a:gd name="connsiteY12" fmla="*/ 18288 h 18288"/>
+              <a:gd name="connsiteX13" fmla="*/ 1382198 w 4243589"/>
+              <a:gd name="connsiteY13" fmla="*/ 18288 h 18288"/>
+              <a:gd name="connsiteX14" fmla="*/ 733535 w 4243589"/>
+              <a:gd name="connsiteY14" fmla="*/ 18288 h 18288"/>
+              <a:gd name="connsiteX15" fmla="*/ 0 w 4243589"/>
+              <a:gd name="connsiteY15" fmla="*/ 18288 h 18288"/>
+              <a:gd name="connsiteX16" fmla="*/ 0 w 4243589"/>
+              <a:gd name="connsiteY16" fmla="*/ 0 h 18288"/>
+            </a:gdLst>
+            <a:ahLst/>
+            <a:cxnLst>
+              <a:cxn ang="0">
+                <a:pos x="connsiteX0" y="connsiteY0"/>
+              </a:cxn>
+              <a:cxn ang="0">
+                <a:pos x="connsiteX1" y="connsiteY1"/>
+              </a:cxn>
+              <a:cxn ang="0">
+                <a:pos x="connsiteX2" y="connsiteY2"/>
+              </a:cxn>
+              <a:cxn ang="0">
+                <a:pos x="connsiteX3" y="connsiteY3"/>
+              </a:cxn>
+              <a:cxn ang="0">
+                <a:pos x="connsiteX4" y="connsiteY4"/>
+              </a:cxn>
+              <a:cxn ang="0">
+                <a:pos x="connsiteX5" y="connsiteY5"/>
+              </a:cxn>
+              <a:cxn ang="0">
+                <a:pos x="connsiteX6" y="connsiteY6"/>
+              </a:cxn>
+              <a:cxn ang="0">
+                <a:pos x="connsiteX7" y="connsiteY7"/>
+              </a:cxn>
+              <a:cxn ang="0">
+                <a:pos x="connsiteX8" y="connsiteY8"/>
+              </a:cxn>
+              <a:cxn ang="0">
+                <a:pos x="connsiteX9" y="connsiteY9"/>
+              </a:cxn>
+              <a:cxn ang="0">
+                <a:pos x="connsiteX10" y="connsiteY10"/>
+              </a:cxn>
+              <a:cxn ang="0">
+                <a:pos x="connsiteX11" y="connsiteY11"/>
+              </a:cxn>
+              <a:cxn ang="0">
+                <a:pos x="connsiteX12" y="connsiteY12"/>
+              </a:cxn>
+              <a:cxn ang="0">
+                <a:pos x="connsiteX13" y="connsiteY13"/>
+              </a:cxn>
+              <a:cxn ang="0">
+                <a:pos x="connsiteX14" y="connsiteY14"/>
+              </a:cxn>
+              <a:cxn ang="0">
+                <a:pos x="connsiteX15" y="connsiteY15"/>
+              </a:cxn>
+              <a:cxn ang="0">
+                <a:pos x="connsiteX16" y="connsiteY16"/>
+              </a:cxn>
+            </a:cxnLst>
+            <a:rect l="l" t="t" r="r" b="b"/>
+            <a:pathLst>
+              <a:path w="4243589" h="18288" fill="none" extrusionOk="0">
+                <a:moveTo>
+                  <a:pt x="0" y="0"/>
+                </a:moveTo>
+                <a:cubicBezTo>
+                  <a:pt x="157351" y="-15653"/>
+                  <a:pt x="378877" y="-5828"/>
+                  <a:pt x="563791" y="0"/>
+                </a:cubicBezTo>
+                <a:cubicBezTo>
+                  <a:pt x="748705" y="5828"/>
+                  <a:pt x="905659" y="-5525"/>
+                  <a:pt x="1042710" y="0"/>
+                </a:cubicBezTo>
+                <a:cubicBezTo>
+                  <a:pt x="1179761" y="5525"/>
+                  <a:pt x="1356845" y="-21288"/>
+                  <a:pt x="1564066" y="0"/>
+                </a:cubicBezTo>
+                <a:cubicBezTo>
+                  <a:pt x="1771287" y="21288"/>
+                  <a:pt x="1912099" y="25135"/>
+                  <a:pt x="2212729" y="0"/>
+                </a:cubicBezTo>
+                <a:cubicBezTo>
+                  <a:pt x="2513359" y="-25135"/>
+                  <a:pt x="2514918" y="-27119"/>
+                  <a:pt x="2776520" y="0"/>
+                </a:cubicBezTo>
+                <a:cubicBezTo>
+                  <a:pt x="3038122" y="27119"/>
+                  <a:pt x="3178771" y="18116"/>
+                  <a:pt x="3297875" y="0"/>
+                </a:cubicBezTo>
+                <a:cubicBezTo>
+                  <a:pt x="3416980" y="-18116"/>
+                  <a:pt x="4012240" y="-40869"/>
+                  <a:pt x="4243589" y="0"/>
+                </a:cubicBezTo>
+                <a:cubicBezTo>
+                  <a:pt x="4243987" y="7429"/>
+                  <a:pt x="4243569" y="10822"/>
+                  <a:pt x="4243589" y="18288"/>
+                </a:cubicBezTo>
+                <a:cubicBezTo>
+                  <a:pt x="4112949" y="-2855"/>
+                  <a:pt x="3928037" y="1831"/>
+                  <a:pt x="3637362" y="18288"/>
+                </a:cubicBezTo>
+                <a:cubicBezTo>
+                  <a:pt x="3346687" y="34745"/>
+                  <a:pt x="3254446" y="26669"/>
+                  <a:pt x="3116007" y="18288"/>
+                </a:cubicBezTo>
+                <a:cubicBezTo>
+                  <a:pt x="2977569" y="9907"/>
+                  <a:pt x="2620228" y="28873"/>
+                  <a:pt x="2424908" y="18288"/>
+                </a:cubicBezTo>
+                <a:cubicBezTo>
+                  <a:pt x="2229588" y="7703"/>
+                  <a:pt x="2088287" y="-3854"/>
+                  <a:pt x="1861117" y="18288"/>
+                </a:cubicBezTo>
+                <a:cubicBezTo>
+                  <a:pt x="1633947" y="40430"/>
+                  <a:pt x="1502447" y="-871"/>
+                  <a:pt x="1382198" y="18288"/>
+                </a:cubicBezTo>
+                <a:cubicBezTo>
+                  <a:pt x="1261949" y="37447"/>
+                  <a:pt x="1045440" y="28353"/>
+                  <a:pt x="733535" y="18288"/>
+                </a:cubicBezTo>
+                <a:cubicBezTo>
+                  <a:pt x="421630" y="8223"/>
+                  <a:pt x="341257" y="-18359"/>
+                  <a:pt x="0" y="18288"/>
+                </a:cubicBezTo>
+                <a:cubicBezTo>
+                  <a:pt x="-591" y="13205"/>
+                  <a:pt x="-663" y="6329"/>
+                  <a:pt x="0" y="0"/>
+                </a:cubicBezTo>
+                <a:close/>
+              </a:path>
+              <a:path w="4243589" h="18288" stroke="0" extrusionOk="0">
+                <a:moveTo>
+                  <a:pt x="0" y="0"/>
+                </a:moveTo>
+                <a:cubicBezTo>
+                  <a:pt x="128164" y="17204"/>
+                  <a:pt x="312653" y="1129"/>
+                  <a:pt x="563791" y="0"/>
+                </a:cubicBezTo>
+                <a:cubicBezTo>
+                  <a:pt x="814929" y="-1129"/>
+                  <a:pt x="837271" y="8503"/>
+                  <a:pt x="1042710" y="0"/>
+                </a:cubicBezTo>
+                <a:cubicBezTo>
+                  <a:pt x="1248149" y="-8503"/>
+                  <a:pt x="1588432" y="-28862"/>
+                  <a:pt x="1733809" y="0"/>
+                </a:cubicBezTo>
+                <a:cubicBezTo>
+                  <a:pt x="1879186" y="28862"/>
+                  <a:pt x="2052815" y="5974"/>
+                  <a:pt x="2297600" y="0"/>
+                </a:cubicBezTo>
+                <a:cubicBezTo>
+                  <a:pt x="2542385" y="-5974"/>
+                  <a:pt x="2699960" y="-23550"/>
+                  <a:pt x="2861391" y="0"/>
+                </a:cubicBezTo>
+                <a:cubicBezTo>
+                  <a:pt x="3022822" y="23550"/>
+                  <a:pt x="3390411" y="25272"/>
+                  <a:pt x="3552490" y="0"/>
+                </a:cubicBezTo>
+                <a:cubicBezTo>
+                  <a:pt x="3714569" y="-25272"/>
+                  <a:pt x="3950585" y="-31327"/>
+                  <a:pt x="4243589" y="0"/>
+                </a:cubicBezTo>
+                <a:cubicBezTo>
+                  <a:pt x="4242703" y="5429"/>
+                  <a:pt x="4244410" y="14046"/>
+                  <a:pt x="4243589" y="18288"/>
+                </a:cubicBezTo>
+                <a:cubicBezTo>
+                  <a:pt x="4130424" y="-1240"/>
+                  <a:pt x="3932803" y="42249"/>
+                  <a:pt x="3722234" y="18288"/>
+                </a:cubicBezTo>
+                <a:cubicBezTo>
+                  <a:pt x="3511665" y="-5673"/>
+                  <a:pt x="3269903" y="45994"/>
+                  <a:pt x="3116007" y="18288"/>
+                </a:cubicBezTo>
+                <a:cubicBezTo>
+                  <a:pt x="2962111" y="-9418"/>
+                  <a:pt x="2744280" y="23224"/>
+                  <a:pt x="2509780" y="18288"/>
+                </a:cubicBezTo>
+                <a:cubicBezTo>
+                  <a:pt x="2275280" y="13352"/>
+                  <a:pt x="2066059" y="43664"/>
+                  <a:pt x="1945989" y="18288"/>
+                </a:cubicBezTo>
+                <a:cubicBezTo>
+                  <a:pt x="1825919" y="-7088"/>
+                  <a:pt x="1407329" y="12616"/>
+                  <a:pt x="1254890" y="18288"/>
+                </a:cubicBezTo>
+                <a:cubicBezTo>
+                  <a:pt x="1102451" y="23960"/>
+                  <a:pt x="837950" y="31673"/>
+                  <a:pt x="563791" y="18288"/>
+                </a:cubicBezTo>
+                <a:cubicBezTo>
+                  <a:pt x="289632" y="4903"/>
+                  <a:pt x="132768" y="7105"/>
+                  <a:pt x="0" y="18288"/>
+                </a:cubicBezTo>
+                <a:cubicBezTo>
+                  <a:pt x="668" y="13665"/>
+                  <a:pt x="578" y="5675"/>
+                  <a:pt x="0" y="0"/>
+                </a:cubicBezTo>
+                <a:close/>
+              </a:path>
+            </a:pathLst>
+          </a:custGeom>
+          <a:solidFill>
+            <a:srgbClr val="FFFFFF"/>
+          </a:solidFill>
+          <a:ln w="38100" cap="rnd">
+            <a:solidFill>
+              <a:srgbClr val="FFFFFF"/>
+            </a:solidFill>
+            <a:round/>
+            <a:extLst>
+              <a:ext uri="{C807C97D-BFC1-408E-A445-0C87EB9F89A2}">
+                <ask:lineSketchStyleProps xmlns:ask="http://schemas.microsoft.com/office/drawing/2018/sketchyshapes" sd="1219033472">
+                  <a:prstGeom prst="rect">
+                    <a:avLst/>
+                  </a:prstGeom>
+                  <ask:type>
+                    <ask:lineSketchFreehand/>
+                  </ask:type>
+                </ask:lineSketchStyleProps>
+              </a:ext>
+            </a:extLst>
+          </a:ln>
+        </p:spPr>
+        <p:style>
+          <a:lnRef idx="2">
+            <a:schemeClr val="accent1">
+              <a:shade val="50000"/>
+            </a:schemeClr>
+          </a:lnRef>
+          <a:fillRef idx="1">
+            <a:schemeClr val="accent1"/>
+          </a:fillRef>
+          <a:effectRef idx="0">
+            <a:schemeClr val="accent1"/>
+          </a:effectRef>
+          <a:fontRef idx="minor">
+            <a:schemeClr val="lt1"/>
+          </a:fontRef>
+        </p:style>
         <p:txBody>
-          <a:bodyPr/>
+          <a:bodyPr rtlCol="0" anchor="ctr"/>
           <a:lstStyle/>
           <a:p>
+            <a:pPr algn="ctr"/>
             <a:endParaRPr lang="en-US"/>
           </a:p>
         </p:txBody>
       </p:sp>
+      <p:pic>
+        <p:nvPicPr>
+          <p:cNvPr id="7" name="Picture 6">
+            <a:extLst>
+              <a:ext uri="{FF2B5EF4-FFF2-40B4-BE49-F238E27FC236}">
+                <a16:creationId xmlns:a16="http://schemas.microsoft.com/office/drawing/2014/main" id="{834C0FED-F851-4B6A-B03A-60D38E76758D}"/>
+              </a:ext>
+            </a:extLst>
+          </p:cNvPr>
+          <p:cNvPicPr>
+            <a:picLocks noChangeAspect="1"/>
+          </p:cNvPicPr>
+          <p:nvPr/>
+        </p:nvPicPr>
+        <p:blipFill>
+          <a:blip r:embed="rId2"/>
+          <a:stretch>
+            <a:fillRect/>
+          </a:stretch>
+        </p:blipFill>
+        <p:spPr>
+          <a:xfrm>
+            <a:off x="1035177" y="3700749"/>
+            <a:ext cx="10118598" cy="1752138"/>
+          </a:xfrm>
+          <a:prstGeom prst="rect">
+            <a:avLst/>
+          </a:prstGeom>
+        </p:spPr>
+      </p:pic>
       <p:sp>
         <p:nvSpPr>
           <p:cNvPr id="4" name="Footer Placeholder 3">
             <a:extLst>
               <a:ext uri="{FF2B5EF4-FFF2-40B4-BE49-F238E27FC236}">
-                <a16:creationId xmlns:a16="http://schemas.microsoft.com/office/drawing/2014/main" id="{62901DFC-CDCE-4C6D-91C1-E0C82E314601}"/>
+                <a16:creationId xmlns:a16="http://schemas.microsoft.com/office/drawing/2014/main" id="{1BE35BE2-F99B-43A6-A313-AFE931C01609}"/>
               </a:ext>
             </a:extLst>
           </p:cNvPr>
@@ -35275,16 +36873,36 @@
             <p:ph type="ftr" sz="quarter" idx="11"/>
           </p:nvPr>
         </p:nvSpPr>
-        <p:spPr/>
+        <p:spPr>
+          <a:xfrm>
+            <a:off x="4038600" y="6356350"/>
+            <a:ext cx="4114800" cy="365125"/>
+          </a:xfrm>
+        </p:spPr>
         <p:txBody>
-          <a:bodyPr/>
+          <a:bodyPr vert="horz" lIns="91440" tIns="45720" rIns="91440" bIns="45720" rtlCol="0" anchor="ctr">
+            <a:normAutofit/>
+          </a:bodyPr>
           <a:lstStyle/>
           <a:p>
+            <a:pPr>
+              <a:spcAft>
+                <a:spcPts val="600"/>
+              </a:spcAft>
+            </a:pPr>
             <a:r>
-              <a:rPr lang="en-US"/>
+              <a:rPr lang="en-US" kern="1200">
+                <a:solidFill>
+                  <a:schemeClr val="tx1">
+                    <a:tint val="75000"/>
+                  </a:schemeClr>
+                </a:solidFill>
+                <a:latin typeface="+mn-lt"/>
+                <a:ea typeface="+mn-ea"/>
+                <a:cs typeface="+mn-cs"/>
+              </a:rPr>
               <a:t>Mike Nguyen</a:t>
             </a:r>
-            <a:endParaRPr lang="en-US" dirty="0"/>
           </a:p>
         </p:txBody>
       </p:sp>
@@ -35293,7 +36911,7 @@
           <p:cNvPr id="5" name="Slide Number Placeholder 4">
             <a:extLst>
               <a:ext uri="{FF2B5EF4-FFF2-40B4-BE49-F238E27FC236}">
-                <a16:creationId xmlns:a16="http://schemas.microsoft.com/office/drawing/2014/main" id="{C24359EE-4ED9-47E6-ADFB-F95B7A4A83CE}"/>
+                <a16:creationId xmlns:a16="http://schemas.microsoft.com/office/drawing/2014/main" id="{7A1A09A9-2A65-44E3-B0C1-1055551B2851}"/>
               </a:ext>
             </a:extLst>
           </p:cNvPr>
@@ -35304,23 +36922,40 @@
             <p:ph type="sldNum" sz="quarter" idx="12"/>
           </p:nvPr>
         </p:nvSpPr>
-        <p:spPr/>
+        <p:spPr>
+          <a:xfrm>
+            <a:off x="8610600" y="6356350"/>
+            <a:ext cx="2743200" cy="365125"/>
+          </a:xfrm>
+        </p:spPr>
         <p:txBody>
-          <a:bodyPr/>
+          <a:bodyPr vert="horz" lIns="91440" tIns="45720" rIns="91440" bIns="45720" rtlCol="0" anchor="ctr">
+            <a:normAutofit/>
+          </a:bodyPr>
           <a:lstStyle/>
           <a:p>
+            <a:pPr>
+              <a:spcAft>
+                <a:spcPts val="600"/>
+              </a:spcAft>
+            </a:pPr>
             <a:fld id="{A6AF1B4E-90EC-4A51-B6E5-B702C054ECB0}" type="slidenum">
               <a:rPr lang="en-US" smtClean="0"/>
+              <a:pPr>
+                <a:spcAft>
+                  <a:spcPts val="600"/>
+                </a:spcAft>
+              </a:pPr>
               <a:t>7</a:t>
             </a:fld>
-            <a:endParaRPr lang="en-US" dirty="0"/>
+            <a:endParaRPr lang="en-US"/>
           </a:p>
         </p:txBody>
       </p:sp>
     </p:spTree>
     <p:extLst>
       <p:ext uri="{BB962C8B-B14F-4D97-AF65-F5344CB8AC3E}">
-        <p14:creationId xmlns:p14="http://schemas.microsoft.com/office/powerpoint/2010/main" val="4088428919"/>
+        <p14:creationId xmlns:p14="http://schemas.microsoft.com/office/powerpoint/2010/main" val="4110658278"/>
       </p:ext>
     </p:extLst>
   </p:cSld>
@@ -35370,7 +37005,7 @@
           <a:p>
             <a:r>
               <a:rPr lang="en-US" dirty="0"/>
-              <a:t>Quizzes</a:t>
+              <a:t>Weekly Quizzes</a:t>
             </a:r>
           </a:p>
         </p:txBody>
@@ -35493,7 +37128,7 @@
           <p:cNvPr id="2" name="Title 1">
             <a:extLst>
               <a:ext uri="{FF2B5EF4-FFF2-40B4-BE49-F238E27FC236}">
-                <a16:creationId xmlns:a16="http://schemas.microsoft.com/office/drawing/2014/main" id="{D5750856-B589-4B90-9975-BD1730646F7F}"/>
+                <a16:creationId xmlns:a16="http://schemas.microsoft.com/office/drawing/2014/main" id="{8458A675-1E24-4FB9-BB0B-DFD05D0D61D5}"/>
               </a:ext>
             </a:extLst>
           </p:cNvPr>
@@ -35511,7 +37146,7 @@
           <a:p>
             <a:r>
               <a:rPr lang="en-US" dirty="0"/>
-              <a:t>Group Term Project</a:t>
+              <a:t>Case Studies</a:t>
             </a:r>
           </a:p>
         </p:txBody>
@@ -35521,7 +37156,7 @@
           <p:cNvPr id="3" name="Content Placeholder 2">
             <a:extLst>
               <a:ext uri="{FF2B5EF4-FFF2-40B4-BE49-F238E27FC236}">
-                <a16:creationId xmlns:a16="http://schemas.microsoft.com/office/drawing/2014/main" id="{CEEB7536-1E14-45FC-AD43-542F04BC539B}"/>
+                <a16:creationId xmlns:a16="http://schemas.microsoft.com/office/drawing/2014/main" id="{BB9D7801-2B16-4621-B5BF-8B4D6AD7E25D}"/>
               </a:ext>
             </a:extLst>
           </p:cNvPr>
@@ -35546,7 +37181,7 @@
           <p:cNvPr id="4" name="Footer Placeholder 3">
             <a:extLst>
               <a:ext uri="{FF2B5EF4-FFF2-40B4-BE49-F238E27FC236}">
-                <a16:creationId xmlns:a16="http://schemas.microsoft.com/office/drawing/2014/main" id="{4540B6CB-3D57-4FAE-A151-5B97CA26E217}"/>
+                <a16:creationId xmlns:a16="http://schemas.microsoft.com/office/drawing/2014/main" id="{62901DFC-CDCE-4C6D-91C1-E0C82E314601}"/>
               </a:ext>
             </a:extLst>
           </p:cNvPr>
@@ -35575,7 +37210,7 @@
           <p:cNvPr id="5" name="Slide Number Placeholder 4">
             <a:extLst>
               <a:ext uri="{FF2B5EF4-FFF2-40B4-BE49-F238E27FC236}">
-                <a16:creationId xmlns:a16="http://schemas.microsoft.com/office/drawing/2014/main" id="{350D2D5F-3A5E-4B4C-AAEC-16C09313F149}"/>
+                <a16:creationId xmlns:a16="http://schemas.microsoft.com/office/drawing/2014/main" id="{C24359EE-4ED9-47E6-ADFB-F95B7A4A83CE}"/>
               </a:ext>
             </a:extLst>
           </p:cNvPr>
@@ -35602,7 +37237,7 @@
     </p:spTree>
     <p:extLst>
       <p:ext uri="{BB962C8B-B14F-4D97-AF65-F5344CB8AC3E}">
-        <p14:creationId xmlns:p14="http://schemas.microsoft.com/office/powerpoint/2010/main" val="2656344692"/>
+        <p14:creationId xmlns:p14="http://schemas.microsoft.com/office/powerpoint/2010/main" val="4088428919"/>
       </p:ext>
     </p:extLst>
   </p:cSld>
@@ -36497,7 +38132,44 @@
 </a:theme>
 </file>
 
+<file path=ppt/webextensions/taskpanes.xml><?xml version="1.0" encoding="utf-8"?>
+<wetp:taskpanes xmlns:wetp="http://schemas.microsoft.com/office/webextensions/taskpanes/2010/11">
+  <wetp:taskpane dockstate="right" visibility="0" width="350" row="5">
+    <wetp:webextensionref xmlns:r="http://schemas.openxmlformats.org/officeDocument/2006/relationships" r:id="rId1"/>
+  </wetp:taskpane>
+</wetp:taskpanes>
+</file>
+
+<file path=ppt/webextensions/webextension1.xml><?xml version="1.0" encoding="utf-8"?>
+<we:webextension xmlns:we="http://schemas.microsoft.com/office/webextensions/webextension/2010/11" id="{F25D1D73-3D6D-474B-B851-10709ED9F4AA}">
+  <we:reference id="wa104178141" version="4.3.3.0" store="en-US" storeType="OMEX"/>
+  <we:alternateReferences>
+    <we:reference id="WA104178141" version="4.3.3.0" store="" storeType="OMEX"/>
+  </we:alternateReferences>
+  <we:properties/>
+  <we:bindings/>
+  <we:snapshot xmlns:r="http://schemas.openxmlformats.org/officeDocument/2006/relationships"/>
+</we:webextension>
+</file>
+
 <file path=customXml/item1.xml><?xml version="1.0" encoding="utf-8"?>
+<?mso-contentType ?>
+<FormTemplates xmlns="http://schemas.microsoft.com/sharepoint/v3/contenttype/forms">
+  <Display>DocumentLibraryForm</Display>
+  <Edit>DocumentLibraryForm</Edit>
+  <New>DocumentLibraryForm</New>
+</FormTemplates>
+</file>
+
+<file path=customXml/item2.xml><?xml version="1.0" encoding="utf-8"?>
+<p:properties xmlns:p="http://schemas.microsoft.com/office/2006/metadata/properties" xmlns:xsi="http://www.w3.org/2001/XMLSchema-instance" xmlns:pc="http://schemas.microsoft.com/office/infopath/2007/PartnerControls">
+  <documentManagement>
+    <MediaServiceKeyPoints xmlns="71af3243-3dd4-4a8d-8c0d-dd76da1f02a5" xsi:nil="true"/>
+  </documentManagement>
+</p:properties>
+</file>
+
+<file path=customXml/item3.xml><?xml version="1.0" encoding="utf-8"?>
 <ct:contentTypeSchema xmlns:ct="http://schemas.microsoft.com/office/2006/metadata/contentType" xmlns:ma="http://schemas.microsoft.com/office/2006/metadata/properties/metaAttributes" ct:_="" ma:_="" ma:contentTypeName="Document" ma:contentTypeID="0x01010079F111ED35F8CC479449609E8A0923A6" ma:contentTypeVersion="11" ma:contentTypeDescription="Create a new document." ma:contentTypeScope="" ma:versionID="96291512c1ee715ab617f4c07df79fc1">
   <xsd:schema xmlns:xsd="http://www.w3.org/2001/XMLSchema" xmlns:xs="http://www.w3.org/2001/XMLSchema" xmlns:p="http://schemas.microsoft.com/office/2006/metadata/properties" xmlns:ns2="71af3243-3dd4-4a8d-8c0d-dd76da1f02a5" xmlns:ns3="16c05727-aa75-4e4a-9b5f-8a80a1165891" targetNamespace="http://schemas.microsoft.com/office/2006/metadata/properties" ma:root="true" ma:fieldsID="8256c27c40ca5c40ce1cf6c44f0205df" ns2:_="" ns3:_="">
     <xsd:import namespace="71af3243-3dd4-4a8d-8c0d-dd76da1f02a5"/>
@@ -36708,24 +38380,25 @@
 </ct:contentTypeSchema>
 </file>
 
-<file path=customXml/item2.xml><?xml version="1.0" encoding="utf-8"?>
-<p:properties xmlns:p="http://schemas.microsoft.com/office/2006/metadata/properties" xmlns:xsi="http://www.w3.org/2001/XMLSchema-instance" xmlns:pc="http://schemas.microsoft.com/office/infopath/2007/PartnerControls">
-  <documentManagement>
-    <MediaServiceKeyPoints xmlns="71af3243-3dd4-4a8d-8c0d-dd76da1f02a5" xsi:nil="true"/>
-  </documentManagement>
-</p:properties>
+<file path=customXml/itemProps1.xml><?xml version="1.0" encoding="utf-8"?>
+<ds:datastoreItem xmlns:ds="http://schemas.openxmlformats.org/officeDocument/2006/customXml" ds:itemID="{5CA875DA-F9FD-4F83-A049-3B1027B542DE}">
+  <ds:schemaRefs>
+    <ds:schemaRef ds:uri="http://schemas.microsoft.com/sharepoint/v3/contenttype/forms"/>
+  </ds:schemaRefs>
+</ds:datastoreItem>
 </file>
 
-<file path=customXml/item3.xml><?xml version="1.0" encoding="utf-8"?>
-<?mso-contentType ?>
-<FormTemplates xmlns="http://schemas.microsoft.com/sharepoint/v3/contenttype/forms">
-  <Display>DocumentLibraryForm</Display>
-  <Edit>DocumentLibraryForm</Edit>
-  <New>DocumentLibraryForm</New>
-</FormTemplates>
+<file path=customXml/itemProps2.xml><?xml version="1.0" encoding="utf-8"?>
+<ds:datastoreItem xmlns:ds="http://schemas.openxmlformats.org/officeDocument/2006/customXml" ds:itemID="{03C7D9E6-B0D9-433E-BD46-EB60F64F4DA8}">
+  <ds:schemaRefs>
+    <ds:schemaRef ds:uri="http://schemas.microsoft.com/office/2006/metadata/properties"/>
+    <ds:schemaRef ds:uri="http://schemas.microsoft.com/office/infopath/2007/PartnerControls"/>
+    <ds:schemaRef ds:uri="71af3243-3dd4-4a8d-8c0d-dd76da1f02a5"/>
+  </ds:schemaRefs>
+</ds:datastoreItem>
 </file>
 
-<file path=customXml/itemProps1.xml><?xml version="1.0" encoding="utf-8"?>
+<file path=customXml/itemProps3.xml><?xml version="1.0" encoding="utf-8"?>
 <ds:datastoreItem xmlns:ds="http://schemas.openxmlformats.org/officeDocument/2006/customXml" ds:itemID="{B2AB02E3-5ADF-4BF0-9C1B-35CDF3FE95B0}">
   <ds:schemaRefs>
     <ds:schemaRef ds:uri="http://schemas.microsoft.com/office/2006/metadata/contentType"/>
@@ -36742,22 +38415,4 @@
     <ds:schemaRef ds:uri="http://schemas.microsoft.com/internal/obd"/>
   </ds:schemaRefs>
 </ds:datastoreItem>
-</file>
-
-<file path=customXml/itemProps2.xml><?xml version="1.0" encoding="utf-8"?>
-<ds:datastoreItem xmlns:ds="http://schemas.openxmlformats.org/officeDocument/2006/customXml" ds:itemID="{03C7D9E6-B0D9-433E-BD46-EB60F64F4DA8}">
-  <ds:schemaRefs>
-    <ds:schemaRef ds:uri="http://schemas.microsoft.com/office/2006/metadata/properties"/>
-    <ds:schemaRef ds:uri="http://schemas.microsoft.com/office/infopath/2007/PartnerControls"/>
-    <ds:schemaRef ds:uri="71af3243-3dd4-4a8d-8c0d-dd76da1f02a5"/>
-  </ds:schemaRefs>
-</ds:datastoreItem>
-</file>
-
-<file path=customXml/itemProps3.xml><?xml version="1.0" encoding="utf-8"?>
-<ds:datastoreItem xmlns:ds="http://schemas.openxmlformats.org/officeDocument/2006/customXml" ds:itemID="{5CA875DA-F9FD-4F83-A049-3B1027B542DE}">
-  <ds:schemaRefs>
-    <ds:schemaRef ds:uri="http://schemas.microsoft.com/sharepoint/v3/contenttype/forms"/>
-  </ds:schemaRefs>
-</ds:datastoreItem>
 </file>
--- a/lectures/1/1_Introduction to Marketing Research.pptx
+++ b/lectures/1/1_Introduction to Marketing Research.pptx
@@ -5,35 +5,37 @@
     <p:sldMasterId id="2147483648" r:id="rId4"/>
   </p:sldMasterIdLst>
   <p:notesMasterIdLst>
-    <p:notesMasterId r:id="rId28"/>
+    <p:notesMasterId r:id="rId30"/>
   </p:notesMasterIdLst>
   <p:handoutMasterIdLst>
-    <p:handoutMasterId r:id="rId29"/>
+    <p:handoutMasterId r:id="rId31"/>
   </p:handoutMasterIdLst>
   <p:sldIdLst>
     <p:sldId id="256" r:id="rId5"/>
     <p:sldId id="272" r:id="rId6"/>
     <p:sldId id="282" r:id="rId7"/>
     <p:sldId id="286" r:id="rId8"/>
-    <p:sldId id="281" r:id="rId9"/>
-    <p:sldId id="283" r:id="rId10"/>
+    <p:sldId id="283" r:id="rId9"/>
+    <p:sldId id="281" r:id="rId10"/>
     <p:sldId id="292" r:id="rId11"/>
     <p:sldId id="290" r:id="rId12"/>
-    <p:sldId id="284" r:id="rId13"/>
+    <p:sldId id="294" r:id="rId13"/>
     <p:sldId id="285" r:id="rId14"/>
-    <p:sldId id="291" r:id="rId15"/>
-    <p:sldId id="287" r:id="rId16"/>
-    <p:sldId id="271" r:id="rId17"/>
-    <p:sldId id="289" r:id="rId18"/>
-    <p:sldId id="280" r:id="rId19"/>
-    <p:sldId id="274" r:id="rId20"/>
-    <p:sldId id="275" r:id="rId21"/>
-    <p:sldId id="273" r:id="rId22"/>
-    <p:sldId id="276" r:id="rId23"/>
-    <p:sldId id="277" r:id="rId24"/>
-    <p:sldId id="278" r:id="rId25"/>
-    <p:sldId id="279" r:id="rId26"/>
-    <p:sldId id="288" r:id="rId27"/>
+    <p:sldId id="295" r:id="rId15"/>
+    <p:sldId id="291" r:id="rId16"/>
+    <p:sldId id="287" r:id="rId17"/>
+    <p:sldId id="271" r:id="rId18"/>
+    <p:sldId id="289" r:id="rId19"/>
+    <p:sldId id="280" r:id="rId20"/>
+    <p:sldId id="274" r:id="rId21"/>
+    <p:sldId id="275" r:id="rId22"/>
+    <p:sldId id="273" r:id="rId23"/>
+    <p:sldId id="276" r:id="rId24"/>
+    <p:sldId id="296" r:id="rId25"/>
+    <p:sldId id="277" r:id="rId26"/>
+    <p:sldId id="278" r:id="rId27"/>
+    <p:sldId id="279" r:id="rId28"/>
+    <p:sldId id="288" r:id="rId29"/>
   </p:sldIdLst>
   <p:sldSz cx="12192000" cy="6858000"/>
   <p:notesSz cx="6858000" cy="9144000"/>
@@ -5425,6 +5427,9 @@
         <a:lstStyle/>
         <a:p>
           <a:pPr>
+            <a:lnSpc>
+              <a:spcPct val="100000"/>
+            </a:lnSpc>
             <a:defRPr b="1"/>
           </a:pPr>
           <a:r>
@@ -5463,6 +5468,11 @@
         <a:bodyPr/>
         <a:lstStyle/>
         <a:p>
+          <a:pPr>
+            <a:lnSpc>
+              <a:spcPct val="100000"/>
+            </a:lnSpc>
+          </a:pPr>
           <a:r>
             <a:rPr lang="en-US"/>
             <a:t>Install iClicker reef- name, Mizzou email </a:t>
@@ -5499,6 +5509,11 @@
         <a:bodyPr/>
         <a:lstStyle/>
         <a:p>
+          <a:pPr>
+            <a:lnSpc>
+              <a:spcPct val="100000"/>
+            </a:lnSpc>
+          </a:pPr>
           <a:r>
             <a:rPr lang="en-US" dirty="0"/>
             <a:t>Discussion 1: Intro about yourself (on Canvas): </a:t>
@@ -5564,42 +5579,6 @@
         </a:p>
       </dgm:t>
     </dgm:pt>
-    <dgm:pt modelId="{121EF226-5387-439B-80D9-861F657BDD2F}">
-      <dgm:prSet/>
-      <dgm:spPr/>
-      <dgm:t>
-        <a:bodyPr/>
-        <a:lstStyle/>
-        <a:p>
-          <a:r>
-            <a:rPr lang="en-US" dirty="0"/>
-            <a:t>What’s your passion for marketing or marketing research </a:t>
-          </a:r>
-        </a:p>
-      </dgm:t>
-    </dgm:pt>
-    <dgm:pt modelId="{E0A0BC92-CCFA-43BC-8A40-65D25D36A2DA}" type="parTrans" cxnId="{DD5D0408-02D0-4E9F-9C1D-0538B0CF541B}">
-      <dgm:prSet/>
-      <dgm:spPr/>
-      <dgm:t>
-        <a:bodyPr/>
-        <a:lstStyle/>
-        <a:p>
-          <a:endParaRPr lang="en-US"/>
-        </a:p>
-      </dgm:t>
-    </dgm:pt>
-    <dgm:pt modelId="{71A42BC2-1DED-4C82-A995-8F197E50AC12}" type="sibTrans" cxnId="{DD5D0408-02D0-4E9F-9C1D-0538B0CF541B}">
-      <dgm:prSet/>
-      <dgm:spPr/>
-      <dgm:t>
-        <a:bodyPr/>
-        <a:lstStyle/>
-        <a:p>
-          <a:endParaRPr lang="en-US"/>
-        </a:p>
-      </dgm:t>
-    </dgm:pt>
     <dgm:pt modelId="{F96B1DDC-599F-420F-BD3A-951E80AD3BE3}">
       <dgm:prSet/>
       <dgm:spPr/>
@@ -5608,6 +5587,9 @@
         <a:lstStyle/>
         <a:p>
           <a:pPr>
+            <a:lnSpc>
+              <a:spcPct val="100000"/>
+            </a:lnSpc>
             <a:defRPr b="1"/>
           </a:pPr>
           <a:r>
@@ -5646,6 +5628,11 @@
         <a:bodyPr/>
         <a:lstStyle/>
         <a:p>
+          <a:pPr>
+            <a:lnSpc>
+              <a:spcPct val="100000"/>
+            </a:lnSpc>
+          </a:pPr>
           <a:r>
             <a:rPr lang="en-US"/>
             <a:t>Syllabus</a:t>
@@ -5682,6 +5669,11 @@
         <a:bodyPr/>
         <a:lstStyle/>
         <a:p>
+          <a:pPr>
+            <a:lnSpc>
+              <a:spcPct val="100000"/>
+            </a:lnSpc>
+          </a:pPr>
           <a:r>
             <a:rPr lang="en-US"/>
             <a:t>Attendance &amp; class participation on iClicker </a:t>
@@ -5718,6 +5710,11 @@
         <a:bodyPr/>
         <a:lstStyle/>
         <a:p>
+          <a:pPr>
+            <a:lnSpc>
+              <a:spcPct val="100000"/>
+            </a:lnSpc>
+          </a:pPr>
           <a:r>
             <a:rPr lang="en-US"/>
             <a:t>Case Discussion </a:t>
@@ -5754,6 +5751,11 @@
         <a:bodyPr/>
         <a:lstStyle/>
         <a:p>
+          <a:pPr>
+            <a:lnSpc>
+              <a:spcPct val="100000"/>
+            </a:lnSpc>
+          </a:pPr>
           <a:r>
             <a:rPr lang="en-US"/>
             <a:t>Term Project </a:t>
@@ -5773,6 +5775,78 @@
       </dgm:t>
     </dgm:pt>
     <dgm:pt modelId="{9CE3D66C-4DF2-4197-BAC2-FECED68BB515}" type="sibTrans" cxnId="{315DFC21-2A4A-4070-B12A-91A60A456EF3}">
+      <dgm:prSet/>
+      <dgm:spPr/>
+      <dgm:t>
+        <a:bodyPr/>
+        <a:lstStyle/>
+        <a:p>
+          <a:endParaRPr lang="en-US"/>
+        </a:p>
+      </dgm:t>
+    </dgm:pt>
+    <dgm:pt modelId="{2D57F037-090C-4626-A961-70824C0E0016}">
+      <dgm:prSet/>
+      <dgm:spPr/>
+      <dgm:t>
+        <a:bodyPr/>
+        <a:lstStyle/>
+        <a:p>
+          <a:r>
+            <a:rPr lang="en-US" dirty="0"/>
+            <a:t>Name</a:t>
+          </a:r>
+        </a:p>
+      </dgm:t>
+    </dgm:pt>
+    <dgm:pt modelId="{EE5C03FB-DF6C-4A7C-9CE8-64CDC55676B2}" type="parTrans" cxnId="{CB91A7BF-5FB6-40B7-A643-5C221E39DFE9}">
+      <dgm:prSet/>
+      <dgm:spPr/>
+      <dgm:t>
+        <a:bodyPr/>
+        <a:lstStyle/>
+        <a:p>
+          <a:endParaRPr lang="en-US"/>
+        </a:p>
+      </dgm:t>
+    </dgm:pt>
+    <dgm:pt modelId="{40B40235-5CA8-41C6-807C-4C3614311AF2}" type="sibTrans" cxnId="{CB91A7BF-5FB6-40B7-A643-5C221E39DFE9}">
+      <dgm:prSet/>
+      <dgm:spPr/>
+      <dgm:t>
+        <a:bodyPr/>
+        <a:lstStyle/>
+        <a:p>
+          <a:endParaRPr lang="en-US"/>
+        </a:p>
+      </dgm:t>
+    </dgm:pt>
+    <dgm:pt modelId="{48D40A3F-D245-43EF-A89C-12D1FA1D25FF}">
+      <dgm:prSet/>
+      <dgm:spPr/>
+      <dgm:t>
+        <a:bodyPr/>
+        <a:lstStyle/>
+        <a:p>
+          <a:r>
+            <a:rPr lang="en-US" dirty="0"/>
+            <a:t>Hometown</a:t>
+          </a:r>
+        </a:p>
+      </dgm:t>
+    </dgm:pt>
+    <dgm:pt modelId="{61508725-545E-4CFE-A176-854CF0628027}" type="parTrans" cxnId="{BDB24FBD-0DA4-4A24-BAB9-37898B0488BF}">
+      <dgm:prSet/>
+      <dgm:spPr/>
+      <dgm:t>
+        <a:bodyPr/>
+        <a:lstStyle/>
+        <a:p>
+          <a:endParaRPr lang="en-US"/>
+        </a:p>
+      </dgm:t>
+    </dgm:pt>
+    <dgm:pt modelId="{C0BBEA5E-75B4-4284-9B27-FE3D64AEA5DF}" type="sibTrans" cxnId="{BDB24FBD-0DA4-4A24-BAB9-37898B0488BF}">
       <dgm:prSet/>
       <dgm:spPr/>
       <dgm:t>
@@ -5908,14 +5982,14 @@
     </dgm:pt>
   </dgm:ptLst>
   <dgm:cxnLst>
-    <dgm:cxn modelId="{DD5D0408-02D0-4E9F-9C1D-0538B0CF541B}" srcId="{790FD1F0-3149-41D1-8F34-DC8295B2C745}" destId="{121EF226-5387-439B-80D9-861F657BDD2F}" srcOrd="1" destOrd="0" parTransId="{E0A0BC92-CCFA-43BC-8A40-65D25D36A2DA}" sibTransId="{71A42BC2-1DED-4C82-A995-8F197E50AC12}"/>
+    <dgm:cxn modelId="{20BDE815-4E70-4488-860A-AA27ECB58FC6}" type="presOf" srcId="{48D40A3F-D245-43EF-A89C-12D1FA1D25FF}" destId="{69E57A58-376B-41FD-90DF-04F3C31412BF}" srcOrd="0" destOrd="3" presId="urn:microsoft.com/office/officeart/2018/2/layout/IconLabelDescriptionList"/>
     <dgm:cxn modelId="{06218219-7F35-401B-A0F8-626B463BB298}" srcId="{38ABF154-27A4-46A3-837C-27713052EC8E}" destId="{A2EF1E6D-527C-4288-9CFC-2A8C7CF0A428}" srcOrd="0" destOrd="0" parTransId="{ED5CDA30-AA1E-499F-8880-336DE9A1639D}" sibTransId="{F9B818E6-452E-4AB4-9B4E-C1113665C33F}"/>
     <dgm:cxn modelId="{315DFC21-2A4A-4070-B12A-91A60A456EF3}" srcId="{F96B1DDC-599F-420F-BD3A-951E80AD3BE3}" destId="{7EDA41C1-343D-4ED3-B977-2213FB78AC4B}" srcOrd="3" destOrd="0" parTransId="{4E94E9CD-0890-4338-A948-DB0D1CABC4A1}" sibTransId="{9CE3D66C-4DF2-4197-BAC2-FECED68BB515}"/>
     <dgm:cxn modelId="{BCC19034-8E74-4BC5-9AF5-BEB77D63FF0F}" type="presOf" srcId="{7EDA41C1-343D-4ED3-B977-2213FB78AC4B}" destId="{F2DFAA3F-FD8A-4A33-9B61-74C37FE8A154}" srcOrd="0" destOrd="3" presId="urn:microsoft.com/office/officeart/2018/2/layout/IconLabelDescriptionList"/>
     <dgm:cxn modelId="{C29BF538-7024-40EF-9B89-B845A15AEB74}" srcId="{F96B1DDC-599F-420F-BD3A-951E80AD3BE3}" destId="{6E6BC3F1-AACC-4E8B-8E10-4BF2A182722D}" srcOrd="1" destOrd="0" parTransId="{007FBE62-EA26-451E-9DF5-3BBD2B7243A0}" sibTransId="{1D3E8965-7072-4942-9EB5-DB1D76D8E80C}"/>
+    <dgm:cxn modelId="{C89C4C5E-2092-4F7D-AC14-5E69A28D076C}" type="presOf" srcId="{2D57F037-090C-4626-A961-70824C0E0016}" destId="{69E57A58-376B-41FD-90DF-04F3C31412BF}" srcOrd="0" destOrd="2" presId="urn:microsoft.com/office/officeart/2018/2/layout/IconLabelDescriptionList"/>
     <dgm:cxn modelId="{C2BE3E41-97F8-45DC-8D13-3BD79126ABEB}" type="presOf" srcId="{A2EF1E6D-527C-4288-9CFC-2A8C7CF0A428}" destId="{303E2602-EFD9-4B74-B53E-11F67CA7A77D}" srcOrd="0" destOrd="0" presId="urn:microsoft.com/office/officeart/2018/2/layout/IconLabelDescriptionList"/>
-    <dgm:cxn modelId="{F1CAB746-25DF-4F62-9C72-E7291016844A}" type="presOf" srcId="{430E728B-68DE-4B9A-9ADE-D62C519665BC}" destId="{69E57A58-376B-41FD-90DF-04F3C31412BF}" srcOrd="0" destOrd="2" presId="urn:microsoft.com/office/officeart/2018/2/layout/IconLabelDescriptionList"/>
-    <dgm:cxn modelId="{FAAEF247-71B8-408B-A3ED-3EBF4EF2926B}" type="presOf" srcId="{121EF226-5387-439B-80D9-861F657BDD2F}" destId="{69E57A58-376B-41FD-90DF-04F3C31412BF}" srcOrd="0" destOrd="3" presId="urn:microsoft.com/office/officeart/2018/2/layout/IconLabelDescriptionList"/>
+    <dgm:cxn modelId="{F1CAB746-25DF-4F62-9C72-E7291016844A}" type="presOf" srcId="{430E728B-68DE-4B9A-9ADE-D62C519665BC}" destId="{69E57A58-376B-41FD-90DF-04F3C31412BF}" srcOrd="0" destOrd="4" presId="urn:microsoft.com/office/officeart/2018/2/layout/IconLabelDescriptionList"/>
     <dgm:cxn modelId="{36D1ED4B-C6CC-4012-A839-2051445FD2CD}" type="presOf" srcId="{790FD1F0-3149-41D1-8F34-DC8295B2C745}" destId="{69E57A58-376B-41FD-90DF-04F3C31412BF}" srcOrd="0" destOrd="1" presId="urn:microsoft.com/office/officeart/2018/2/layout/IconLabelDescriptionList"/>
     <dgm:cxn modelId="{B6E78B6E-E3DA-4D2B-A488-943E03E605C5}" srcId="{F96B1DDC-599F-420F-BD3A-951E80AD3BE3}" destId="{DB655A95-CF66-4737-A349-C827C6CA30E7}" srcOrd="0" destOrd="0" parTransId="{8A96BD7D-E9F1-41AB-8A1A-FC4EDEA53A95}" sibTransId="{D8FB3D87-847A-4136-85A5-1354F61B57F6}"/>
     <dgm:cxn modelId="{A1D85671-E6DF-4F2F-91D1-9C91E26CAA56}" srcId="{A2EF1E6D-527C-4288-9CFC-2A8C7CF0A428}" destId="{18EC557C-299E-4F2F-A77F-3A104EDDA498}" srcOrd="0" destOrd="0" parTransId="{757AA31A-FD7E-40DD-A678-C1E552FBBABA}" sibTransId="{18CEE38F-1686-4F09-B8E5-55569948E7CC}"/>
@@ -5923,7 +5997,9 @@
     <dgm:cxn modelId="{F91C9181-1580-4089-9A65-4C467050FFB0}" type="presOf" srcId="{18EC557C-299E-4F2F-A77F-3A104EDDA498}" destId="{69E57A58-376B-41FD-90DF-04F3C31412BF}" srcOrd="0" destOrd="0" presId="urn:microsoft.com/office/officeart/2018/2/layout/IconLabelDescriptionList"/>
     <dgm:cxn modelId="{EE6B4E8E-6416-4033-A4F3-726ACED3B37A}" type="presOf" srcId="{F96B1DDC-599F-420F-BD3A-951E80AD3BE3}" destId="{C45A1E55-9646-4F38-9A8C-2FAAA0056C1D}" srcOrd="0" destOrd="0" presId="urn:microsoft.com/office/officeart/2018/2/layout/IconLabelDescriptionList"/>
     <dgm:cxn modelId="{4AAD5496-BCCF-4801-AEBD-FBCABC17F6F8}" srcId="{F96B1DDC-599F-420F-BD3A-951E80AD3BE3}" destId="{749B448E-A036-4323-90D0-F1CDA4BC792F}" srcOrd="2" destOrd="0" parTransId="{AD04F26A-F4AE-46B6-B616-E2F7FE217FA2}" sibTransId="{5A2D35A1-FCDF-44DB-9EFA-FEB8553EDA05}"/>
-    <dgm:cxn modelId="{BD2C2ABF-A354-451A-83D9-D460FEC74FA5}" srcId="{790FD1F0-3149-41D1-8F34-DC8295B2C745}" destId="{430E728B-68DE-4B9A-9ADE-D62C519665BC}" srcOrd="0" destOrd="0" parTransId="{72F55E39-0486-49FA-810D-79725B369FE9}" sibTransId="{2A305538-26DB-487E-9BE1-B8FBA63F1276}"/>
+    <dgm:cxn modelId="{BDB24FBD-0DA4-4A24-BAB9-37898B0488BF}" srcId="{790FD1F0-3149-41D1-8F34-DC8295B2C745}" destId="{48D40A3F-D245-43EF-A89C-12D1FA1D25FF}" srcOrd="1" destOrd="0" parTransId="{61508725-545E-4CFE-A176-854CF0628027}" sibTransId="{C0BBEA5E-75B4-4284-9B27-FE3D64AEA5DF}"/>
+    <dgm:cxn modelId="{BD2C2ABF-A354-451A-83D9-D460FEC74FA5}" srcId="{790FD1F0-3149-41D1-8F34-DC8295B2C745}" destId="{430E728B-68DE-4B9A-9ADE-D62C519665BC}" srcOrd="2" destOrd="0" parTransId="{72F55E39-0486-49FA-810D-79725B369FE9}" sibTransId="{2A305538-26DB-487E-9BE1-B8FBA63F1276}"/>
+    <dgm:cxn modelId="{CB91A7BF-5FB6-40B7-A643-5C221E39DFE9}" srcId="{790FD1F0-3149-41D1-8F34-DC8295B2C745}" destId="{2D57F037-090C-4626-A961-70824C0E0016}" srcOrd="0" destOrd="0" parTransId="{EE5C03FB-DF6C-4A7C-9CE8-64CDC55676B2}" sibTransId="{40B40235-5CA8-41C6-807C-4C3614311AF2}"/>
     <dgm:cxn modelId="{4D7B02C3-6950-4A63-8D95-0F2E6553B444}" srcId="{A2EF1E6D-527C-4288-9CFC-2A8C7CF0A428}" destId="{790FD1F0-3149-41D1-8F34-DC8295B2C745}" srcOrd="1" destOrd="0" parTransId="{DE953AEB-E51D-46BE-9E10-8B28415F3508}" sibTransId="{6A8FD849-0C05-4D0E-BD12-4C7834C40F9A}"/>
     <dgm:cxn modelId="{4CA259D5-5854-4492-8E58-15806A30EAE1}" type="presOf" srcId="{DB655A95-CF66-4737-A349-C827C6CA30E7}" destId="{F2DFAA3F-FD8A-4A33-9B61-74C37FE8A154}" srcOrd="0" destOrd="0" presId="urn:microsoft.com/office/officeart/2018/2/layout/IconLabelDescriptionList"/>
     <dgm:cxn modelId="{740C8CD5-1696-42D1-A8A0-7F41F1FF262F}" type="presOf" srcId="{6E6BC3F1-AACC-4E8B-8E10-4BF2A182722D}" destId="{F2DFAA3F-FD8A-4A33-9B61-74C37FE8A154}" srcOrd="0" destOrd="1" presId="urn:microsoft.com/office/officeart/2018/2/layout/IconLabelDescriptionList"/>
@@ -6954,7 +7030,7 @@
   <dgm:whole/>
   <dgm:extLst>
     <a:ext uri="http://schemas.microsoft.com/office/drawing/2008/diagram">
-      <dsp:dataModelExt xmlns:dsp="http://schemas.microsoft.com/office/drawing/2008/diagram" relId="rId6" minVer="http://schemas.openxmlformats.org/drawingml/2006/diagram"/>
+      <dsp:dataModelExt xmlns:dsp="http://schemas.microsoft.com/office/drawing/2008/diagram" relId="rId7" minVer="http://schemas.openxmlformats.org/drawingml/2006/diagram"/>
     </a:ext>
   </dgm:extLst>
 </dgm:dataModel>
@@ -7775,7 +7851,7 @@
       </dsp:nvSpPr>
       <dsp:spPr>
         <a:xfrm>
-          <a:off x="559800" y="263459"/>
+          <a:off x="559800" y="219479"/>
           <a:ext cx="1512000" cy="1512000"/>
         </a:xfrm>
         <a:prstGeom prst="rect">
@@ -7825,7 +7901,7 @@
       </dsp:nvSpPr>
       <dsp:spPr>
         <a:xfrm>
-          <a:off x="559800" y="1939909"/>
+          <a:off x="559800" y="1899711"/>
           <a:ext cx="4320000" cy="648000"/>
         </a:xfrm>
         <a:prstGeom prst="rect">
@@ -7857,7 +7933,7 @@
         <a:p>
           <a:pPr marL="0" lvl="0" indent="0" algn="l" defTabSz="1600200">
             <a:lnSpc>
-              <a:spcPct val="90000"/>
+              <a:spcPct val="100000"/>
             </a:lnSpc>
             <a:spcBef>
               <a:spcPct val="0"/>
@@ -7875,7 +7951,7 @@
         </a:p>
       </dsp:txBody>
       <dsp:txXfrm>
-        <a:off x="559800" y="1939909"/>
+        <a:off x="559800" y="1899711"/>
         <a:ext cx="4320000" cy="648000"/>
       </dsp:txXfrm>
     </dsp:sp>
@@ -7886,8 +7962,8 @@
       </dsp:nvSpPr>
       <dsp:spPr>
         <a:xfrm>
-          <a:off x="559800" y="2664398"/>
-          <a:ext cx="4320000" cy="1423479"/>
+          <a:off x="559800" y="2625959"/>
+          <a:ext cx="4320000" cy="1505899"/>
         </a:xfrm>
         <a:prstGeom prst="rect">
           <a:avLst/>
@@ -7918,7 +7994,7 @@
         <a:p>
           <a:pPr marL="0" lvl="0" indent="0" algn="l" defTabSz="755650">
             <a:lnSpc>
-              <a:spcPct val="90000"/>
+              <a:spcPct val="100000"/>
             </a:lnSpc>
             <a:spcBef>
               <a:spcPct val="0"/>
@@ -7936,7 +8012,7 @@
         <a:p>
           <a:pPr marL="0" lvl="0" indent="0" algn="l" defTabSz="755650">
             <a:lnSpc>
-              <a:spcPct val="90000"/>
+              <a:spcPct val="100000"/>
             </a:lnSpc>
             <a:spcBef>
               <a:spcPct val="0"/>
@@ -7966,7 +8042,7 @@
           </a:pPr>
           <a:r>
             <a:rPr lang="en-US" sz="1700" kern="1200" dirty="0"/>
-            <a:t>A fun fact about you</a:t>
+            <a:t>Name</a:t>
           </a:r>
         </a:p>
         <a:p>
@@ -7984,13 +8060,31 @@
           </a:pPr>
           <a:r>
             <a:rPr lang="en-US" sz="1700" kern="1200" dirty="0"/>
-            <a:t>What’s your passion for marketing or marketing research </a:t>
+            <a:t>Hometown</a:t>
+          </a:r>
+        </a:p>
+        <a:p>
+          <a:pPr marL="171450" lvl="1" indent="-171450" algn="l" defTabSz="755650">
+            <a:lnSpc>
+              <a:spcPct val="90000"/>
+            </a:lnSpc>
+            <a:spcBef>
+              <a:spcPct val="0"/>
+            </a:spcBef>
+            <a:spcAft>
+              <a:spcPct val="15000"/>
+            </a:spcAft>
+            <a:buChar char="•"/>
+          </a:pPr>
+          <a:r>
+            <a:rPr lang="en-US" sz="1700" kern="1200" dirty="0"/>
+            <a:t>A fun fact about you</a:t>
           </a:r>
         </a:p>
       </dsp:txBody>
       <dsp:txXfrm>
-        <a:off x="559800" y="2664398"/>
-        <a:ext cx="4320000" cy="1423479"/>
+        <a:off x="559800" y="2625959"/>
+        <a:ext cx="4320000" cy="1505899"/>
       </dsp:txXfrm>
     </dsp:sp>
     <dsp:sp modelId="{A3DC5093-129A-4518-91AE-C817564F183E}">
@@ -8000,7 +8094,7 @@
       </dsp:nvSpPr>
       <dsp:spPr>
         <a:xfrm>
-          <a:off x="5635800" y="263459"/>
+          <a:off x="5635800" y="219479"/>
           <a:ext cx="1512000" cy="1512000"/>
         </a:xfrm>
         <a:prstGeom prst="rect">
@@ -8050,7 +8144,7 @@
       </dsp:nvSpPr>
       <dsp:spPr>
         <a:xfrm>
-          <a:off x="5635800" y="1939909"/>
+          <a:off x="5635800" y="1899711"/>
           <a:ext cx="4320000" cy="648000"/>
         </a:xfrm>
         <a:prstGeom prst="rect">
@@ -8082,7 +8176,7 @@
         <a:p>
           <a:pPr marL="0" lvl="0" indent="0" algn="l" defTabSz="1600200">
             <a:lnSpc>
-              <a:spcPct val="90000"/>
+              <a:spcPct val="100000"/>
             </a:lnSpc>
             <a:spcBef>
               <a:spcPct val="0"/>
@@ -8100,7 +8194,7 @@
         </a:p>
       </dsp:txBody>
       <dsp:txXfrm>
-        <a:off x="5635800" y="1939909"/>
+        <a:off x="5635800" y="1899711"/>
         <a:ext cx="4320000" cy="648000"/>
       </dsp:txXfrm>
     </dsp:sp>
@@ -8111,8 +8205,8 @@
       </dsp:nvSpPr>
       <dsp:spPr>
         <a:xfrm>
-          <a:off x="5635800" y="2664398"/>
-          <a:ext cx="4320000" cy="1423479"/>
+          <a:off x="5635800" y="2625959"/>
+          <a:ext cx="4320000" cy="1505899"/>
         </a:xfrm>
         <a:prstGeom prst="rect">
           <a:avLst/>
@@ -8143,7 +8237,7 @@
         <a:p>
           <a:pPr marL="0" lvl="0" indent="0" algn="l" defTabSz="755650">
             <a:lnSpc>
-              <a:spcPct val="90000"/>
+              <a:spcPct val="100000"/>
             </a:lnSpc>
             <a:spcBef>
               <a:spcPct val="0"/>
@@ -8161,7 +8255,7 @@
         <a:p>
           <a:pPr marL="0" lvl="0" indent="0" algn="l" defTabSz="755650">
             <a:lnSpc>
-              <a:spcPct val="90000"/>
+              <a:spcPct val="100000"/>
             </a:lnSpc>
             <a:spcBef>
               <a:spcPct val="0"/>
@@ -8179,7 +8273,7 @@
         <a:p>
           <a:pPr marL="0" lvl="0" indent="0" algn="l" defTabSz="755650">
             <a:lnSpc>
-              <a:spcPct val="90000"/>
+              <a:spcPct val="100000"/>
             </a:lnSpc>
             <a:spcBef>
               <a:spcPct val="0"/>
@@ -8197,7 +8291,7 @@
         <a:p>
           <a:pPr marL="0" lvl="0" indent="0" algn="l" defTabSz="755650">
             <a:lnSpc>
-              <a:spcPct val="90000"/>
+              <a:spcPct val="100000"/>
             </a:lnSpc>
             <a:spcBef>
               <a:spcPct val="0"/>
@@ -8214,8 +8308,8 @@
         </a:p>
       </dsp:txBody>
       <dsp:txXfrm>
-        <a:off x="5635800" y="2664398"/>
-        <a:ext cx="4320000" cy="1423479"/>
+        <a:off x="5635800" y="2625959"/>
+        <a:ext cx="4320000" cy="1505899"/>
       </dsp:txXfrm>
     </dsp:sp>
   </dsp:spTree>
@@ -18521,6 +18615,12 @@
               <a:t>Make sure that you are in the right class</a:t>
             </a:r>
           </a:p>
+          <a:p>
+            <a:r>
+              <a:rPr lang="en-US" dirty="0"/>
+              <a:t>Pass along cardboard paper so students can write their names </a:t>
+            </a:r>
+          </a:p>
         </p:txBody>
       </p:sp>
       <p:sp>
@@ -18560,6 +18660,409 @@
 </file>
 
 <file path=ppt/notesSlides/notesSlide10.xml><?xml version="1.0" encoding="utf-8"?>
+<p:notes xmlns:a="http://schemas.openxmlformats.org/drawingml/2006/main" xmlns:r="http://schemas.openxmlformats.org/officeDocument/2006/relationships" xmlns:p="http://schemas.openxmlformats.org/presentationml/2006/main">
+  <p:cSld>
+    <p:spTree>
+      <p:nvGrpSpPr>
+        <p:cNvPr id="1" name=""/>
+        <p:cNvGrpSpPr/>
+        <p:nvPr/>
+      </p:nvGrpSpPr>
+      <p:grpSpPr>
+        <a:xfrm>
+          <a:off x="0" y="0"/>
+          <a:ext cx="0" cy="0"/>
+          <a:chOff x="0" y="0"/>
+          <a:chExt cx="0" cy="0"/>
+        </a:xfrm>
+      </p:grpSpPr>
+      <p:sp>
+        <p:nvSpPr>
+          <p:cNvPr id="2" name="Slide Image Placeholder 1"/>
+          <p:cNvSpPr>
+            <a:spLocks noGrp="1" noRot="1" noChangeAspect="1"/>
+          </p:cNvSpPr>
+          <p:nvPr>
+            <p:ph type="sldImg"/>
+          </p:nvPr>
+        </p:nvSpPr>
+        <p:spPr/>
+      </p:sp>
+      <p:sp>
+        <p:nvSpPr>
+          <p:cNvPr id="3" name="Notes Placeholder 2"/>
+          <p:cNvSpPr>
+            <a:spLocks noGrp="1"/>
+          </p:cNvSpPr>
+          <p:nvPr>
+            <p:ph type="body" idx="1"/>
+          </p:nvPr>
+        </p:nvSpPr>
+        <p:spPr/>
+        <p:txBody>
+          <a:bodyPr/>
+          <a:lstStyle/>
+          <a:p>
+            <a:r>
+              <a:rPr lang="en-US" sz="1800" dirty="0">
+                <a:effectLst/>
+                <a:latin typeface="Calibri" panose="020F0502020204030204" pitchFamily="34" charset="0"/>
+                <a:ea typeface="Times New Roman" panose="02020603050405020304" pitchFamily="18" charset="0"/>
+              </a:rPr>
+              <a:t>If your students request remote access because they are immunocompromised or for other disability reasons associated with the COVID-19 pandemic, please refer them to the Disability Center. </a:t>
+            </a:r>
+          </a:p>
+          <a:p>
+            <a:endParaRPr lang="en-US" sz="1800" dirty="0">
+              <a:effectLst/>
+              <a:latin typeface="Calibri" panose="020F0502020204030204" pitchFamily="34" charset="0"/>
+              <a:ea typeface="Times New Roman" panose="02020603050405020304" pitchFamily="18" charset="0"/>
+            </a:endParaRPr>
+          </a:p>
+          <a:p>
+            <a:r>
+              <a:rPr lang="en-US" sz="1800" dirty="0">
+                <a:effectLst/>
+                <a:latin typeface="Calibri" panose="020F0502020204030204" pitchFamily="34" charset="0"/>
+                <a:ea typeface="Times New Roman" panose="02020603050405020304" pitchFamily="18" charset="0"/>
+              </a:rPr>
+              <a:t>For your confidentiality, and to make sure your full needs are met, you need to first establish accommodations with the Disability Center. They will guide you through the process and inform me of what accommodations you should receive in my class</a:t>
+            </a:r>
+            <a:endParaRPr lang="en-US" dirty="0"/>
+          </a:p>
+        </p:txBody>
+      </p:sp>
+      <p:sp>
+        <p:nvSpPr>
+          <p:cNvPr id="4" name="Slide Number Placeholder 3"/>
+          <p:cNvSpPr>
+            <a:spLocks noGrp="1"/>
+          </p:cNvSpPr>
+          <p:nvPr>
+            <p:ph type="sldNum" sz="quarter" idx="5"/>
+          </p:nvPr>
+        </p:nvSpPr>
+        <p:spPr/>
+        <p:txBody>
+          <a:bodyPr/>
+          <a:lstStyle/>
+          <a:p>
+            <a:fld id="{BC849E9A-41F7-4779-A581-48A7C374A227}" type="slidenum">
+              <a:rPr lang="en-US" smtClean="0"/>
+              <a:t>12</a:t>
+            </a:fld>
+            <a:endParaRPr lang="en-US" dirty="0"/>
+          </a:p>
+        </p:txBody>
+      </p:sp>
+    </p:spTree>
+    <p:extLst>
+      <p:ext uri="{BB962C8B-B14F-4D97-AF65-F5344CB8AC3E}">
+        <p14:creationId xmlns:p14="http://schemas.microsoft.com/office/powerpoint/2010/main" val="4105819062"/>
+      </p:ext>
+    </p:extLst>
+  </p:cSld>
+  <p:clrMapOvr>
+    <a:masterClrMapping/>
+  </p:clrMapOvr>
+</p:notes>
+</file>
+
+<file path=ppt/notesSlides/notesSlide11.xml><?xml version="1.0" encoding="utf-8"?>
+<p:notes xmlns:a="http://schemas.openxmlformats.org/drawingml/2006/main" xmlns:r="http://schemas.openxmlformats.org/officeDocument/2006/relationships" xmlns:p="http://schemas.openxmlformats.org/presentationml/2006/main">
+  <p:cSld>
+    <p:spTree>
+      <p:nvGrpSpPr>
+        <p:cNvPr id="1" name=""/>
+        <p:cNvGrpSpPr/>
+        <p:nvPr/>
+      </p:nvGrpSpPr>
+      <p:grpSpPr>
+        <a:xfrm>
+          <a:off x="0" y="0"/>
+          <a:ext cx="0" cy="0"/>
+          <a:chOff x="0" y="0"/>
+          <a:chExt cx="0" cy="0"/>
+        </a:xfrm>
+      </p:grpSpPr>
+      <p:sp>
+        <p:nvSpPr>
+          <p:cNvPr id="2" name="Slide Image Placeholder 1"/>
+          <p:cNvSpPr>
+            <a:spLocks noGrp="1" noRot="1" noChangeAspect="1"/>
+          </p:cNvSpPr>
+          <p:nvPr>
+            <p:ph type="sldImg"/>
+          </p:nvPr>
+        </p:nvSpPr>
+        <p:spPr/>
+      </p:sp>
+      <p:sp>
+        <p:nvSpPr>
+          <p:cNvPr id="3" name="Notes Placeholder 2"/>
+          <p:cNvSpPr>
+            <a:spLocks noGrp="1"/>
+          </p:cNvSpPr>
+          <p:nvPr>
+            <p:ph type="body" idx="1"/>
+          </p:nvPr>
+        </p:nvSpPr>
+        <p:spPr/>
+        <p:txBody>
+          <a:bodyPr/>
+          <a:lstStyle/>
+          <a:p>
+            <a:r>
+              <a:rPr lang="en-US" dirty="0"/>
+              <a:t>This section is the most exciting part for me in this class. </a:t>
+            </a:r>
+          </a:p>
+          <a:p>
+            <a:r>
+              <a:rPr lang="en-US" dirty="0"/>
+              <a:t>I call this 5 min snippet which basically means that at the end of every class about 5 minutes I will show you some of the most interesting (at least in my opinion) and state-of-the-art research methods in marketing and in various social science disciplines. Since I cannot teach you guys these materials formally and have to adhere strictly to the marketing research textbook. This is my way to rebel.  However, I do understand the reason that our program requires you guys learn the basic (bread and butter) of marketing research. But since this is the only marketing research you’re required to take before graduation, I don’t think you have a chance to learn more methods. Hence, I hope at least I can introduce that there are more out there that you can learn to be more competitive on the job market. </a:t>
+            </a:r>
+          </a:p>
+          <a:p>
+            <a:endParaRPr lang="en-US" dirty="0"/>
+          </a:p>
+          <a:p>
+            <a:r>
+              <a:rPr lang="en-US" dirty="0"/>
+              <a:t>Mostly, we will cover text mining, agent-based modeling and network analysis in this section. </a:t>
+            </a:r>
+          </a:p>
+          <a:p>
+            <a:endParaRPr lang="en-US" dirty="0"/>
+          </a:p>
+          <a:p>
+            <a:r>
+              <a:rPr lang="en-US" dirty="0"/>
+              <a:t>And if you can have any new name for this section, I’d love to hear it. </a:t>
+            </a:r>
+          </a:p>
+          <a:p>
+            <a:r>
+              <a:rPr lang="en-US" dirty="0"/>
+              <a:t>Later you will have a taste of what this section is all about</a:t>
+            </a:r>
+          </a:p>
+        </p:txBody>
+      </p:sp>
+      <p:sp>
+        <p:nvSpPr>
+          <p:cNvPr id="4" name="Slide Number Placeholder 3"/>
+          <p:cNvSpPr>
+            <a:spLocks noGrp="1"/>
+          </p:cNvSpPr>
+          <p:nvPr>
+            <p:ph type="sldNum" sz="quarter" idx="5"/>
+          </p:nvPr>
+        </p:nvSpPr>
+        <p:spPr/>
+        <p:txBody>
+          <a:bodyPr/>
+          <a:lstStyle/>
+          <a:p>
+            <a:fld id="{BC849E9A-41F7-4779-A581-48A7C374A227}" type="slidenum">
+              <a:rPr lang="en-US" smtClean="0"/>
+              <a:t>13</a:t>
+            </a:fld>
+            <a:endParaRPr lang="en-US" dirty="0"/>
+          </a:p>
+        </p:txBody>
+      </p:sp>
+    </p:spTree>
+    <p:extLst>
+      <p:ext uri="{BB962C8B-B14F-4D97-AF65-F5344CB8AC3E}">
+        <p14:creationId xmlns:p14="http://schemas.microsoft.com/office/powerpoint/2010/main" val="514352010"/>
+      </p:ext>
+    </p:extLst>
+  </p:cSld>
+  <p:clrMapOvr>
+    <a:masterClrMapping/>
+  </p:clrMapOvr>
+</p:notes>
+</file>
+
+<file path=ppt/notesSlides/notesSlide12.xml><?xml version="1.0" encoding="utf-8"?>
+<p:notes xmlns:a="http://schemas.openxmlformats.org/drawingml/2006/main" xmlns:r="http://schemas.openxmlformats.org/officeDocument/2006/relationships" xmlns:p="http://schemas.openxmlformats.org/presentationml/2006/main">
+  <p:cSld>
+    <p:spTree>
+      <p:nvGrpSpPr>
+        <p:cNvPr id="1" name=""/>
+        <p:cNvGrpSpPr/>
+        <p:nvPr/>
+      </p:nvGrpSpPr>
+      <p:grpSpPr>
+        <a:xfrm>
+          <a:off x="0" y="0"/>
+          <a:ext cx="0" cy="0"/>
+          <a:chOff x="0" y="0"/>
+          <a:chExt cx="0" cy="0"/>
+        </a:xfrm>
+      </p:grpSpPr>
+      <p:sp>
+        <p:nvSpPr>
+          <p:cNvPr id="2" name="Slide Image Placeholder 1"/>
+          <p:cNvSpPr>
+            <a:spLocks noGrp="1" noRot="1" noChangeAspect="1"/>
+          </p:cNvSpPr>
+          <p:nvPr>
+            <p:ph type="sldImg"/>
+          </p:nvPr>
+        </p:nvSpPr>
+        <p:spPr/>
+      </p:sp>
+      <p:sp>
+        <p:nvSpPr>
+          <p:cNvPr id="3" name="Notes Placeholder 2"/>
+          <p:cNvSpPr>
+            <a:spLocks noGrp="1"/>
+          </p:cNvSpPr>
+          <p:nvPr>
+            <p:ph type="body" idx="1"/>
+          </p:nvPr>
+        </p:nvSpPr>
+        <p:spPr/>
+        <p:txBody>
+          <a:bodyPr/>
+          <a:lstStyle/>
+          <a:p>
+            <a:r>
+              <a:rPr lang="en-US" dirty="0"/>
+              <a:t>We will cover the first chapter </a:t>
+            </a:r>
+          </a:p>
+        </p:txBody>
+      </p:sp>
+      <p:sp>
+        <p:nvSpPr>
+          <p:cNvPr id="4" name="Slide Number Placeholder 3"/>
+          <p:cNvSpPr>
+            <a:spLocks noGrp="1"/>
+          </p:cNvSpPr>
+          <p:nvPr>
+            <p:ph type="sldNum" sz="quarter" idx="5"/>
+          </p:nvPr>
+        </p:nvSpPr>
+        <p:spPr/>
+        <p:txBody>
+          <a:bodyPr/>
+          <a:lstStyle/>
+          <a:p>
+            <a:fld id="{BC849E9A-41F7-4779-A581-48A7C374A227}" type="slidenum">
+              <a:rPr lang="en-US" smtClean="0"/>
+              <a:t>14</a:t>
+            </a:fld>
+            <a:endParaRPr lang="en-US" dirty="0"/>
+          </a:p>
+        </p:txBody>
+      </p:sp>
+    </p:spTree>
+    <p:extLst>
+      <p:ext uri="{BB962C8B-B14F-4D97-AF65-F5344CB8AC3E}">
+        <p14:creationId xmlns:p14="http://schemas.microsoft.com/office/powerpoint/2010/main" val="1221466371"/>
+      </p:ext>
+    </p:extLst>
+  </p:cSld>
+  <p:clrMapOvr>
+    <a:masterClrMapping/>
+  </p:clrMapOvr>
+</p:notes>
+</file>
+
+<file path=ppt/notesSlides/notesSlide13.xml><?xml version="1.0" encoding="utf-8"?>
+<p:notes xmlns:a="http://schemas.openxmlformats.org/drawingml/2006/main" xmlns:r="http://schemas.openxmlformats.org/officeDocument/2006/relationships" xmlns:p="http://schemas.openxmlformats.org/presentationml/2006/main">
+  <p:cSld>
+    <p:spTree>
+      <p:nvGrpSpPr>
+        <p:cNvPr id="1" name=""/>
+        <p:cNvGrpSpPr/>
+        <p:nvPr/>
+      </p:nvGrpSpPr>
+      <p:grpSpPr>
+        <a:xfrm>
+          <a:off x="0" y="0"/>
+          <a:ext cx="0" cy="0"/>
+          <a:chOff x="0" y="0"/>
+          <a:chExt cx="0" cy="0"/>
+        </a:xfrm>
+      </p:grpSpPr>
+      <p:sp>
+        <p:nvSpPr>
+          <p:cNvPr id="2" name="Slide Image Placeholder 1"/>
+          <p:cNvSpPr>
+            <a:spLocks noGrp="1" noRot="1" noChangeAspect="1"/>
+          </p:cNvSpPr>
+          <p:nvPr>
+            <p:ph type="sldImg"/>
+          </p:nvPr>
+        </p:nvSpPr>
+        <p:spPr/>
+      </p:sp>
+      <p:sp>
+        <p:nvSpPr>
+          <p:cNvPr id="3" name="Notes Placeholder 2"/>
+          <p:cNvSpPr>
+            <a:spLocks noGrp="1"/>
+          </p:cNvSpPr>
+          <p:nvPr>
+            <p:ph type="body" idx="1"/>
+          </p:nvPr>
+        </p:nvSpPr>
+        <p:spPr/>
+        <p:txBody>
+          <a:bodyPr/>
+          <a:lstStyle/>
+          <a:p>
+            <a:r>
+              <a:rPr lang="en-US" dirty="0"/>
+              <a:t>What first come to your mind when I say marketing research? </a:t>
+            </a:r>
+          </a:p>
+          <a:p>
+            <a:endParaRPr lang="en-US" dirty="0"/>
+          </a:p>
+        </p:txBody>
+      </p:sp>
+      <p:sp>
+        <p:nvSpPr>
+          <p:cNvPr id="4" name="Slide Number Placeholder 3"/>
+          <p:cNvSpPr>
+            <a:spLocks noGrp="1"/>
+          </p:cNvSpPr>
+          <p:nvPr>
+            <p:ph type="sldNum" sz="quarter" idx="5"/>
+          </p:nvPr>
+        </p:nvSpPr>
+        <p:spPr/>
+        <p:txBody>
+          <a:bodyPr/>
+          <a:lstStyle/>
+          <a:p>
+            <a:fld id="{BC849E9A-41F7-4779-A581-48A7C374A227}" type="slidenum">
+              <a:rPr lang="en-US" smtClean="0"/>
+              <a:t>15</a:t>
+            </a:fld>
+            <a:endParaRPr lang="en-US" dirty="0"/>
+          </a:p>
+        </p:txBody>
+      </p:sp>
+    </p:spTree>
+    <p:extLst>
+      <p:ext uri="{BB962C8B-B14F-4D97-AF65-F5344CB8AC3E}">
+        <p14:creationId xmlns:p14="http://schemas.microsoft.com/office/powerpoint/2010/main" val="3676070077"/>
+      </p:ext>
+    </p:extLst>
+  </p:cSld>
+  <p:clrMapOvr>
+    <a:masterClrMapping/>
+  </p:clrMapOvr>
+</p:notes>
+</file>
+
+<file path=ppt/notesSlides/notesSlide14.xml><?xml version="1.0" encoding="utf-8"?>
 <p:notes xmlns:a="http://schemas.openxmlformats.org/drawingml/2006/main" xmlns:r="http://schemas.openxmlformats.org/officeDocument/2006/relationships" xmlns:p="http://schemas.openxmlformats.org/presentationml/2006/main">
   <p:cSld>
     <p:spTree>
@@ -18667,7 +19170,7 @@
           <a:p>
             <a:fld id="{BC849E9A-41F7-4779-A581-48A7C374A227}" type="slidenum">
               <a:rPr lang="en-US" smtClean="0"/>
-              <a:t>15</a:t>
+              <a:t>16</a:t>
             </a:fld>
             <a:endParaRPr lang="en-US" dirty="0"/>
           </a:p>
@@ -18686,7 +19189,7 @@
 </p:notes>
 </file>
 
-<file path=ppt/notesSlides/notesSlide11.xml><?xml version="1.0" encoding="utf-8"?>
+<file path=ppt/notesSlides/notesSlide15.xml><?xml version="1.0" encoding="utf-8"?>
 <p:notes xmlns:a="http://schemas.openxmlformats.org/drawingml/2006/main" xmlns:r="http://schemas.openxmlformats.org/officeDocument/2006/relationships" xmlns:p="http://schemas.openxmlformats.org/presentationml/2006/main">
   <p:cSld>
     <p:spTree>
@@ -18763,7 +19266,7 @@
           <a:p>
             <a:fld id="{BC849E9A-41F7-4779-A581-48A7C374A227}" type="slidenum">
               <a:rPr lang="en-US" smtClean="0"/>
-              <a:t>16</a:t>
+              <a:t>17</a:t>
             </a:fld>
             <a:endParaRPr lang="en-US" dirty="0"/>
           </a:p>
@@ -18782,7 +19285,7 @@
 </p:notes>
 </file>
 
-<file path=ppt/notesSlides/notesSlide12.xml><?xml version="1.0" encoding="utf-8"?>
+<file path=ppt/notesSlides/notesSlide16.xml><?xml version="1.0" encoding="utf-8"?>
 <p:notes xmlns:a="http://schemas.openxmlformats.org/drawingml/2006/main" xmlns:r="http://schemas.openxmlformats.org/officeDocument/2006/relationships" xmlns:p="http://schemas.openxmlformats.org/presentationml/2006/main">
   <p:cSld>
     <p:spTree>
@@ -18828,7 +19331,7 @@
           <a:p>
             <a:r>
               <a:rPr lang="en-US" dirty="0"/>
-              <a:t>Marketing is involved the following process</a:t>
+              <a:t>A marketing research process typically consists of the following phases:</a:t>
             </a:r>
           </a:p>
           <a:p>
@@ -18837,7 +19340,7 @@
             </a:pPr>
             <a:r>
               <a:rPr lang="en-US" dirty="0"/>
-              <a:t>Specifying what information is needed</a:t>
+              <a:t>Designing: Specifying what information is needed</a:t>
             </a:r>
           </a:p>
           <a:p>
@@ -18846,7 +19349,7 @@
             </a:pPr>
             <a:r>
               <a:rPr lang="en-US" dirty="0"/>
-              <a:t>Gathering the relevant data from internal and external sources </a:t>
+              <a:t>Gathering; Gathering the relevant data from internal and external sources </a:t>
             </a:r>
           </a:p>
           <a:p>
@@ -18855,7 +19358,7 @@
             </a:pPr>
             <a:r>
               <a:rPr lang="en-US" dirty="0"/>
-              <a:t>Analyzing and interpreting the data </a:t>
+              <a:t>Analyzing: Analyzing and interpreting the data </a:t>
             </a:r>
           </a:p>
           <a:p>
@@ -18864,7 +19367,7 @@
             </a:pPr>
             <a:r>
               <a:rPr lang="en-US" dirty="0"/>
-              <a:t>Communicating the results to the appropriate audiences </a:t>
+              <a:t>Reporting: Communicating the results to the appropriate audiences </a:t>
             </a:r>
           </a:p>
           <a:p>
@@ -18892,7 +19395,7 @@
           <a:p>
             <a:fld id="{BC849E9A-41F7-4779-A581-48A7C374A227}" type="slidenum">
               <a:rPr lang="en-US" smtClean="0"/>
-              <a:t>17</a:t>
+              <a:t>18</a:t>
             </a:fld>
             <a:endParaRPr lang="en-US" dirty="0"/>
           </a:p>
@@ -18911,7 +19414,7 @@
 </p:notes>
 </file>
 
-<file path=ppt/notesSlides/notesSlide13.xml><?xml version="1.0" encoding="utf-8"?>
+<file path=ppt/notesSlides/notesSlide17.xml><?xml version="1.0" encoding="utf-8"?>
 <p:notes xmlns:a="http://schemas.openxmlformats.org/drawingml/2006/main" xmlns:r="http://schemas.openxmlformats.org/officeDocument/2006/relationships" xmlns:p="http://schemas.openxmlformats.org/presentationml/2006/main">
   <p:cSld>
     <p:spTree>
@@ -18957,7 +19460,7 @@
           <a:p>
             <a:r>
               <a:rPr lang="en-US" dirty="0"/>
-              <a:t>The goal of marketing is to create exchanges with customers that satisfy the needs of both the customer and the marketer </a:t>
+              <a:t>The goal of marketing research is to create exchanges with customers that satisfy the needs of both the customer and the marketer </a:t>
             </a:r>
           </a:p>
           <a:p>
@@ -18982,7 +19485,7 @@
           <a:p>
             <a:fld id="{BC849E9A-41F7-4779-A581-48A7C374A227}" type="slidenum">
               <a:rPr lang="en-US" smtClean="0"/>
-              <a:t>18</a:t>
+              <a:t>19</a:t>
             </a:fld>
             <a:endParaRPr lang="en-US" dirty="0"/>
           </a:p>
@@ -19001,7 +19504,7 @@
 </p:notes>
 </file>
 
-<file path=ppt/notesSlides/notesSlide14.xml><?xml version="1.0" encoding="utf-8"?>
+<file path=ppt/notesSlides/notesSlide18.xml><?xml version="1.0" encoding="utf-8"?>
 <p:notes xmlns:a="http://schemas.openxmlformats.org/drawingml/2006/main" xmlns:r="http://schemas.openxmlformats.org/officeDocument/2006/relationships" xmlns:p="http://schemas.openxmlformats.org/presentationml/2006/main">
   <p:cSld>
     <p:spTree>
@@ -19065,7 +19568,7 @@
           <a:p>
             <a:r>
               <a:rPr lang="en-US" dirty="0"/>
-              <a:t>Doc consumers think our price is too high relative too the competition? </a:t>
+              <a:t>Do consumers think our price is too high relative too the competition? </a:t>
             </a:r>
           </a:p>
           <a:p>
@@ -19115,12 +19618,10 @@
             </a:r>
             <a:r>
               <a:rPr lang="en-US" dirty="0"/>
-              <a:t> </a:t>
+              <a:t> question</a:t>
             </a:r>
-            <a:r>
-              <a:rPr lang="en-US" dirty="0" err="1"/>
-              <a:t>quesitons</a:t>
-            </a:r>
+          </a:p>
+          <a:p>
             <a:endParaRPr lang="en-US" dirty="0"/>
           </a:p>
         </p:txBody>
@@ -19142,7 +19643,7 @@
           <a:p>
             <a:fld id="{BC849E9A-41F7-4779-A581-48A7C374A227}" type="slidenum">
               <a:rPr lang="en-US" smtClean="0"/>
-              <a:t>19</a:t>
+              <a:t>20</a:t>
             </a:fld>
             <a:endParaRPr lang="en-US" dirty="0"/>
           </a:p>
@@ -19161,7 +19662,7 @@
 </p:notes>
 </file>
 
-<file path=ppt/notesSlides/notesSlide15.xml><?xml version="1.0" encoding="utf-8"?>
+<file path=ppt/notesSlides/notesSlide19.xml><?xml version="1.0" encoding="utf-8"?>
 <p:notes xmlns:a="http://schemas.openxmlformats.org/drawingml/2006/main" xmlns:r="http://schemas.openxmlformats.org/officeDocument/2006/relationships" xmlns:p="http://schemas.openxmlformats.org/presentationml/2006/main">
   <p:cSld>
     <p:spTree>
@@ -19241,7 +19742,7 @@
           <a:p>
             <a:fld id="{BC849E9A-41F7-4779-A581-48A7C374A227}" type="slidenum">
               <a:rPr lang="en-US" smtClean="0"/>
-              <a:t>20</a:t>
+              <a:t>22</a:t>
             </a:fld>
             <a:endParaRPr lang="en-US" dirty="0"/>
           </a:p>
@@ -19251,148 +19752,6 @@
     <p:extLst>
       <p:ext uri="{BB962C8B-B14F-4D97-AF65-F5344CB8AC3E}">
         <p14:creationId xmlns:p14="http://schemas.microsoft.com/office/powerpoint/2010/main" val="4174049931"/>
-      </p:ext>
-    </p:extLst>
-  </p:cSld>
-  <p:clrMapOvr>
-    <a:masterClrMapping/>
-  </p:clrMapOvr>
-</p:notes>
-</file>
-
-<file path=ppt/notesSlides/notesSlide16.xml><?xml version="1.0" encoding="utf-8"?>
-<p:notes xmlns:a="http://schemas.openxmlformats.org/drawingml/2006/main" xmlns:r="http://schemas.openxmlformats.org/officeDocument/2006/relationships" xmlns:p="http://schemas.openxmlformats.org/presentationml/2006/main">
-  <p:cSld>
-    <p:spTree>
-      <p:nvGrpSpPr>
-        <p:cNvPr id="1" name=""/>
-        <p:cNvGrpSpPr/>
-        <p:nvPr/>
-      </p:nvGrpSpPr>
-      <p:grpSpPr>
-        <a:xfrm>
-          <a:off x="0" y="0"/>
-          <a:ext cx="0" cy="0"/>
-          <a:chOff x="0" y="0"/>
-          <a:chExt cx="0" cy="0"/>
-        </a:xfrm>
-      </p:grpSpPr>
-      <p:sp>
-        <p:nvSpPr>
-          <p:cNvPr id="2" name="Slide Image Placeholder 1"/>
-          <p:cNvSpPr>
-            <a:spLocks noGrp="1" noRot="1" noChangeAspect="1"/>
-          </p:cNvSpPr>
-          <p:nvPr>
-            <p:ph type="sldImg"/>
-          </p:nvPr>
-        </p:nvSpPr>
-        <p:spPr/>
-      </p:sp>
-      <p:sp>
-        <p:nvSpPr>
-          <p:cNvPr id="3" name="Notes Placeholder 2"/>
-          <p:cNvSpPr>
-            <a:spLocks noGrp="1"/>
-          </p:cNvSpPr>
-          <p:nvPr>
-            <p:ph type="body" idx="1"/>
-          </p:nvPr>
-        </p:nvSpPr>
-        <p:spPr/>
-        <p:txBody>
-          <a:bodyPr/>
-          <a:lstStyle/>
-          <a:p>
-            <a:r>
-              <a:rPr lang="en-US" b="0" dirty="0"/>
-              <a:t>Using your answers, we can perform some exploratory analysis to get insights from this blob of texts.</a:t>
-            </a:r>
-          </a:p>
-          <a:p>
-            <a:endParaRPr lang="en-US" b="0" dirty="0"/>
-          </a:p>
-          <a:p>
-            <a:r>
-              <a:rPr lang="en-US" b="0" dirty="0"/>
-              <a:t>R-script:</a:t>
-            </a:r>
-          </a:p>
-          <a:p>
-            <a:endParaRPr lang="en-US" b="0" dirty="0"/>
-          </a:p>
-          <a:p>
-            <a:r>
-              <a:rPr lang="en-US" b="1" dirty="0"/>
-              <a:t>What is your name? </a:t>
-            </a:r>
-            <a:r>
-              <a:rPr lang="en-US" dirty="0"/>
-              <a:t>State your name and where you are from </a:t>
-            </a:r>
-          </a:p>
-          <a:p>
-            <a:r>
-              <a:rPr lang="en-US" b="1" dirty="0"/>
-              <a:t>What is your quest? </a:t>
-            </a:r>
-            <a:r>
-              <a:rPr lang="en-US" dirty="0"/>
-              <a:t>What year are you (e.g., junior, senior)? What would you like to do at the end of your program (e.g., sales agent, marketing consultant, etc.)?</a:t>
-            </a:r>
-          </a:p>
-          <a:p>
-            <a:r>
-              <a:rPr lang="en-US" b="1" dirty="0"/>
-              <a:t>What is your favorite color? </a:t>
-            </a:r>
-            <a:r>
-              <a:rPr lang="en-US" dirty="0"/>
-              <a:t>Tell an interesting fact, hobby, or experience you have. </a:t>
-            </a:r>
-          </a:p>
-          <a:p>
-            <a:r>
-              <a:rPr lang="en-US" b="1" dirty="0"/>
-              <a:t>What is the airspeed velocity of an unladen swallow? </a:t>
-            </a:r>
-            <a:r>
-              <a:rPr lang="en-US" dirty="0"/>
-              <a:t>Some questions are just hard! What question would you like to be able to answer at the end of this course? In other words, what would you like to learn about marketing research? </a:t>
-            </a:r>
-          </a:p>
-          <a:p>
-            <a:endParaRPr lang="en-US" dirty="0"/>
-          </a:p>
-        </p:txBody>
-      </p:sp>
-      <p:sp>
-        <p:nvSpPr>
-          <p:cNvPr id="4" name="Slide Number Placeholder 3"/>
-          <p:cNvSpPr>
-            <a:spLocks noGrp="1"/>
-          </p:cNvSpPr>
-          <p:nvPr>
-            <p:ph type="sldNum" sz="quarter" idx="5"/>
-          </p:nvPr>
-        </p:nvSpPr>
-        <p:spPr/>
-        <p:txBody>
-          <a:bodyPr/>
-          <a:lstStyle/>
-          <a:p>
-            <a:fld id="{BC849E9A-41F7-4779-A581-48A7C374A227}" type="slidenum">
-              <a:rPr lang="en-US" smtClean="0"/>
-              <a:t>23</a:t>
-            </a:fld>
-            <a:endParaRPr lang="en-US" dirty="0"/>
-          </a:p>
-        </p:txBody>
-      </p:sp>
-    </p:spTree>
-    <p:extLst>
-      <p:ext uri="{BB962C8B-B14F-4D97-AF65-F5344CB8AC3E}">
-        <p14:creationId xmlns:p14="http://schemas.microsoft.com/office/powerpoint/2010/main" val="675893329"/>
       </p:ext>
     </p:extLst>
   </p:cSld>
@@ -19570,6 +19929,232 @@
 </p:notes>
 </file>
 
+<file path=ppt/notesSlides/notesSlide20.xml><?xml version="1.0" encoding="utf-8"?>
+<p:notes xmlns:a="http://schemas.openxmlformats.org/drawingml/2006/main" xmlns:r="http://schemas.openxmlformats.org/officeDocument/2006/relationships" xmlns:p="http://schemas.openxmlformats.org/presentationml/2006/main">
+  <p:cSld>
+    <p:spTree>
+      <p:nvGrpSpPr>
+        <p:cNvPr id="1" name=""/>
+        <p:cNvGrpSpPr/>
+        <p:nvPr/>
+      </p:nvGrpSpPr>
+      <p:grpSpPr>
+        <a:xfrm>
+          <a:off x="0" y="0"/>
+          <a:ext cx="0" cy="0"/>
+          <a:chOff x="0" y="0"/>
+          <a:chExt cx="0" cy="0"/>
+        </a:xfrm>
+      </p:grpSpPr>
+      <p:sp>
+        <p:nvSpPr>
+          <p:cNvPr id="2" name="Slide Image Placeholder 1"/>
+          <p:cNvSpPr>
+            <a:spLocks noGrp="1" noRot="1" noChangeAspect="1"/>
+          </p:cNvSpPr>
+          <p:nvPr>
+            <p:ph type="sldImg"/>
+          </p:nvPr>
+        </p:nvSpPr>
+        <p:spPr/>
+      </p:sp>
+      <p:sp>
+        <p:nvSpPr>
+          <p:cNvPr id="3" name="Notes Placeholder 2"/>
+          <p:cNvSpPr>
+            <a:spLocks noGrp="1"/>
+          </p:cNvSpPr>
+          <p:nvPr>
+            <p:ph type="body" idx="1"/>
+          </p:nvPr>
+        </p:nvSpPr>
+        <p:spPr/>
+        <p:txBody>
+          <a:bodyPr/>
+          <a:lstStyle/>
+          <a:p>
+            <a:endParaRPr lang="en-US" dirty="0"/>
+          </a:p>
+        </p:txBody>
+      </p:sp>
+      <p:sp>
+        <p:nvSpPr>
+          <p:cNvPr id="4" name="Slide Number Placeholder 3"/>
+          <p:cNvSpPr>
+            <a:spLocks noGrp="1"/>
+          </p:cNvSpPr>
+          <p:nvPr>
+            <p:ph type="sldNum" sz="quarter" idx="5"/>
+          </p:nvPr>
+        </p:nvSpPr>
+        <p:spPr/>
+        <p:txBody>
+          <a:bodyPr/>
+          <a:lstStyle/>
+          <a:p>
+            <a:fld id="{BC849E9A-41F7-4779-A581-48A7C374A227}" type="slidenum">
+              <a:rPr lang="en-US" smtClean="0"/>
+              <a:t>24</a:t>
+            </a:fld>
+            <a:endParaRPr lang="en-US" dirty="0"/>
+          </a:p>
+        </p:txBody>
+      </p:sp>
+    </p:spTree>
+    <p:extLst>
+      <p:ext uri="{BB962C8B-B14F-4D97-AF65-F5344CB8AC3E}">
+        <p14:creationId xmlns:p14="http://schemas.microsoft.com/office/powerpoint/2010/main" val="675507190"/>
+      </p:ext>
+    </p:extLst>
+  </p:cSld>
+  <p:clrMapOvr>
+    <a:masterClrMapping/>
+  </p:clrMapOvr>
+</p:notes>
+</file>
+
+<file path=ppt/notesSlides/notesSlide21.xml><?xml version="1.0" encoding="utf-8"?>
+<p:notes xmlns:a="http://schemas.openxmlformats.org/drawingml/2006/main" xmlns:r="http://schemas.openxmlformats.org/officeDocument/2006/relationships" xmlns:p="http://schemas.openxmlformats.org/presentationml/2006/main">
+  <p:cSld>
+    <p:spTree>
+      <p:nvGrpSpPr>
+        <p:cNvPr id="1" name=""/>
+        <p:cNvGrpSpPr/>
+        <p:nvPr/>
+      </p:nvGrpSpPr>
+      <p:grpSpPr>
+        <a:xfrm>
+          <a:off x="0" y="0"/>
+          <a:ext cx="0" cy="0"/>
+          <a:chOff x="0" y="0"/>
+          <a:chExt cx="0" cy="0"/>
+        </a:xfrm>
+      </p:grpSpPr>
+      <p:sp>
+        <p:nvSpPr>
+          <p:cNvPr id="2" name="Slide Image Placeholder 1"/>
+          <p:cNvSpPr>
+            <a:spLocks noGrp="1" noRot="1" noChangeAspect="1"/>
+          </p:cNvSpPr>
+          <p:nvPr>
+            <p:ph type="sldImg"/>
+          </p:nvPr>
+        </p:nvSpPr>
+        <p:spPr/>
+      </p:sp>
+      <p:sp>
+        <p:nvSpPr>
+          <p:cNvPr id="3" name="Notes Placeholder 2"/>
+          <p:cNvSpPr>
+            <a:spLocks noGrp="1"/>
+          </p:cNvSpPr>
+          <p:nvPr>
+            <p:ph type="body" idx="1"/>
+          </p:nvPr>
+        </p:nvSpPr>
+        <p:spPr/>
+        <p:txBody>
+          <a:bodyPr/>
+          <a:lstStyle/>
+          <a:p>
+            <a:r>
+              <a:rPr lang="en-US" b="0" dirty="0"/>
+              <a:t>Using your answers, we can perform some exploratory analysis to get insights from this blob of texts.</a:t>
+            </a:r>
+          </a:p>
+          <a:p>
+            <a:endParaRPr lang="en-US" b="0" dirty="0"/>
+          </a:p>
+          <a:p>
+            <a:r>
+              <a:rPr lang="en-US" b="0" dirty="0"/>
+              <a:t>R-script:</a:t>
+            </a:r>
+          </a:p>
+          <a:p>
+            <a:endParaRPr lang="en-US" b="0" dirty="0"/>
+          </a:p>
+          <a:p>
+            <a:r>
+              <a:rPr lang="en-US" b="1" dirty="0"/>
+              <a:t>What is your name? </a:t>
+            </a:r>
+            <a:r>
+              <a:rPr lang="en-US" dirty="0"/>
+              <a:t>State your name and where you are from </a:t>
+            </a:r>
+          </a:p>
+          <a:p>
+            <a:r>
+              <a:rPr lang="en-US" b="1" dirty="0"/>
+              <a:t>What is your quest? </a:t>
+            </a:r>
+            <a:r>
+              <a:rPr lang="en-US" dirty="0"/>
+              <a:t>What year are you (e.g., junior, senior)? What would you like to do at the end of your program (e.g., sales agent, marketing consultant, etc.)?</a:t>
+            </a:r>
+          </a:p>
+          <a:p>
+            <a:r>
+              <a:rPr lang="en-US" b="1" dirty="0"/>
+              <a:t>What is your favorite color? </a:t>
+            </a:r>
+            <a:r>
+              <a:rPr lang="en-US" dirty="0"/>
+              <a:t>Tell an interesting fact, hobby, or experience you have. </a:t>
+            </a:r>
+          </a:p>
+          <a:p>
+            <a:r>
+              <a:rPr lang="en-US" b="1" dirty="0"/>
+              <a:t>What is the airspeed velocity of an unladen swallow? </a:t>
+            </a:r>
+            <a:r>
+              <a:rPr lang="en-US" dirty="0"/>
+              <a:t>Some questions are just hard! What question would you like to be able to answer at the end of this course? In other words, what would you like to learn about marketing research? </a:t>
+            </a:r>
+          </a:p>
+          <a:p>
+            <a:endParaRPr lang="en-US" dirty="0"/>
+          </a:p>
+        </p:txBody>
+      </p:sp>
+      <p:sp>
+        <p:nvSpPr>
+          <p:cNvPr id="4" name="Slide Number Placeholder 3"/>
+          <p:cNvSpPr>
+            <a:spLocks noGrp="1"/>
+          </p:cNvSpPr>
+          <p:nvPr>
+            <p:ph type="sldNum" sz="quarter" idx="5"/>
+          </p:nvPr>
+        </p:nvSpPr>
+        <p:spPr/>
+        <p:txBody>
+          <a:bodyPr/>
+          <a:lstStyle/>
+          <a:p>
+            <a:fld id="{BC849E9A-41F7-4779-A581-48A7C374A227}" type="slidenum">
+              <a:rPr lang="en-US" smtClean="0"/>
+              <a:t>25</a:t>
+            </a:fld>
+            <a:endParaRPr lang="en-US" dirty="0"/>
+          </a:p>
+        </p:txBody>
+      </p:sp>
+    </p:spTree>
+    <p:extLst>
+      <p:ext uri="{BB962C8B-B14F-4D97-AF65-F5344CB8AC3E}">
+        <p14:creationId xmlns:p14="http://schemas.microsoft.com/office/powerpoint/2010/main" val="675893329"/>
+      </p:ext>
+    </p:extLst>
+  </p:cSld>
+  <p:clrMapOvr>
+    <a:masterClrMapping/>
+  </p:clrMapOvr>
+</p:notes>
+</file>
+
 <file path=ppt/notesSlides/notesSlide3.xml><?xml version="1.0" encoding="utf-8"?>
 <p:notes xmlns:a="http://schemas.openxmlformats.org/drawingml/2006/main" xmlns:r="http://schemas.openxmlformats.org/officeDocument/2006/relationships" xmlns:p="http://schemas.openxmlformats.org/presentationml/2006/main">
   <p:cSld>
@@ -19616,7 +20201,22 @@
           <a:p>
             <a:r>
               <a:rPr lang="en-US" dirty="0"/>
-              <a:t>My name is Mike Nguyen. I am extremely happy that y’all are here today. I am really excited to accompany you throughout this semester in this Marketing Research class. This is my first semester teaching this course. I hope I can learn as much about teaching as you guys learn about marketing research. My background is in economics, finance, marketing, and statistics.</a:t>
+              <a:t>My name is Mike Nguyen. I am extremely happy that y’all are here today. I am really excited to accompany you throughout this semester in this Marketing Research class.</a:t>
+            </a:r>
+          </a:p>
+          <a:p>
+            <a:r>
+              <a:rPr lang="en-US" dirty="0"/>
+              <a:t>You can call me Mike, professor Mike, or professor Nguyen. I’ll answer pretty much everything. </a:t>
+            </a:r>
+          </a:p>
+          <a:p>
+            <a:endParaRPr lang="en-US" dirty="0"/>
+          </a:p>
+          <a:p>
+            <a:r>
+              <a:rPr lang="en-US" dirty="0"/>
+              <a:t>This is my first semester teaching this course. I hope I can learn as much about teaching as you guys learn about marketing research. My background is in economics, finance, marketing, and statistics.</a:t>
             </a:r>
           </a:p>
           <a:p>
@@ -19995,6 +20595,33 @@
           <a:bodyPr/>
           <a:lstStyle/>
           <a:p>
+            <a:r>
+              <a:rPr lang="en-US" dirty="0"/>
+              <a:t>This is straight from the syllabus, so if you guys can pull up on your computer or print it out, it would be easier to follow along. It would come in handy later when you want to refer back to these policies. </a:t>
+            </a:r>
+          </a:p>
+          <a:p>
+            <a:endParaRPr lang="en-US" dirty="0"/>
+          </a:p>
+          <a:p>
+            <a:r>
+              <a:rPr lang="en-US" dirty="0"/>
+              <a:t>Everyday, you will receive attendance points just by being in class </a:t>
+            </a:r>
+          </a:p>
+          <a:p>
+            <a:r>
+              <a:rPr lang="en-US" dirty="0"/>
+              <a:t>But to receive participation points,  you have to answer at least 75% of the questions posted in class, which usually consists of </a:t>
+            </a:r>
+          </a:p>
+          <a:p>
+            <a:r>
+              <a:rPr lang="en-US" dirty="0"/>
+              <a:t>1 to 2 questions that recap materials from the last class. </a:t>
+            </a:r>
+          </a:p>
+          <a:p>
             <a:endParaRPr lang="en-US" dirty="0"/>
           </a:p>
         </p:txBody>
@@ -20025,7 +20652,7 @@
     </p:spTree>
     <p:extLst>
       <p:ext uri="{BB962C8B-B14F-4D97-AF65-F5344CB8AC3E}">
-        <p14:creationId xmlns:p14="http://schemas.microsoft.com/office/powerpoint/2010/main" val="4245472652"/>
+        <p14:creationId xmlns:p14="http://schemas.microsoft.com/office/powerpoint/2010/main" val="1736924422"/>
       </p:ext>
     </p:extLst>
   </p:cSld>
@@ -20081,32 +20708,24 @@
           <a:p>
             <a:r>
               <a:rPr lang="en-US" dirty="0"/>
-              <a:t>This is straight from the syllabus, so if you guys can pull up and follow along. It would come in handy later when you want to refer back to these policies. </a:t>
+              <a:t>I see that most of you already have </a:t>
             </a:r>
-          </a:p>
-          <a:p>
-            <a:endParaRPr lang="en-US" dirty="0"/>
-          </a:p>
-          <a:p>
+            <a:r>
+              <a:rPr lang="en-US" dirty="0" err="1"/>
+              <a:t>iclicker</a:t>
+            </a:r>
             <a:r>
               <a:rPr lang="en-US" dirty="0"/>
-              <a:t>Everyday, you will receive attendance points just by being in class </a:t>
+              <a:t> account, just make sure you are in the class. And I will run a participation questions to let you familiarize  with </a:t>
             </a:r>
-          </a:p>
-          <a:p>
+            <a:r>
+              <a:rPr lang="en-US" dirty="0" err="1"/>
+              <a:t>iclicker</a:t>
+            </a:r>
             <a:r>
               <a:rPr lang="en-US" dirty="0"/>
-              <a:t>But to receive participation points,  you have to answer at least 75% of the questions posted in class, which usually consists of </a:t>
+              <a:t> </a:t>
             </a:r>
-          </a:p>
-          <a:p>
-            <a:r>
-              <a:rPr lang="en-US" dirty="0"/>
-              <a:t>1 to 2 questions that recap materials from the class. </a:t>
-            </a:r>
-          </a:p>
-          <a:p>
-            <a:endParaRPr lang="en-US" dirty="0"/>
           </a:p>
         </p:txBody>
       </p:sp>
@@ -20136,7 +20755,7 @@
     </p:spTree>
     <p:extLst>
       <p:ext uri="{BB962C8B-B14F-4D97-AF65-F5344CB8AC3E}">
-        <p14:creationId xmlns:p14="http://schemas.microsoft.com/office/powerpoint/2010/main" val="1736924422"/>
+        <p14:creationId xmlns:p14="http://schemas.microsoft.com/office/powerpoint/2010/main" val="4245472652"/>
       </p:ext>
     </p:extLst>
   </p:cSld>
@@ -20192,8 +20811,38 @@
           <a:p>
             <a:r>
               <a:rPr lang="en-US" dirty="0"/>
-              <a:t>Please remember to read up on the chapter materials. Since I only cover the section that I find most important in class, I expect you to read or at least skim the materials, because the quizzes are based on both in-class and chapter materials. </a:t>
+              <a:t>Please remember to read up on the chapter materials. I don’t want to waste your time by just repeating everything from the book in class because I can safely assume that you guys read the chapter, and go to class for more information and new materials. </a:t>
             </a:r>
+          </a:p>
+          <a:p>
+            <a:endParaRPr lang="en-US" dirty="0"/>
+          </a:p>
+          <a:p>
+            <a:r>
+              <a:rPr lang="en-US" dirty="0"/>
+              <a:t>Quizzes are based on both in-class and chapter materials. </a:t>
+            </a:r>
+          </a:p>
+          <a:p>
+            <a:endParaRPr lang="en-US" dirty="0"/>
+          </a:p>
+          <a:p>
+            <a:r>
+              <a:rPr lang="en-US" dirty="0"/>
+              <a:t>Remember quizzes require you to have lockdown browser. </a:t>
+            </a:r>
+          </a:p>
+          <a:p>
+            <a:endParaRPr lang="en-US" dirty="0"/>
+          </a:p>
+          <a:p>
+            <a:r>
+              <a:rPr lang="en-US" dirty="0"/>
+              <a:t>And please do the practice quiz before doing a real one (go to practice quiz)</a:t>
+            </a:r>
+          </a:p>
+          <a:p>
+            <a:endParaRPr lang="en-US" dirty="0"/>
           </a:p>
         </p:txBody>
       </p:sp>
@@ -20278,30 +20927,11 @@
           <a:lstStyle/>
           <a:p>
             <a:r>
-              <a:rPr lang="en-US" sz="1800" dirty="0">
-                <a:effectLst/>
-                <a:latin typeface="Calibri" panose="020F0502020204030204" pitchFamily="34" charset="0"/>
-                <a:ea typeface="Times New Roman" panose="02020603050405020304" pitchFamily="18" charset="0"/>
-              </a:rPr>
-              <a:t>If your students request remote access because they are immunocompromised or for other disability reasons associated with the COVID-19 pandemic, please refer them to the Disability Center. </a:t>
+              <a:rPr lang="en-US" dirty="0"/>
+              <a:t>Each post consists of 4 parts: </a:t>
             </a:r>
           </a:p>
           <a:p>
-            <a:endParaRPr lang="en-US" sz="1800" dirty="0">
-              <a:effectLst/>
-              <a:latin typeface="Calibri" panose="020F0502020204030204" pitchFamily="34" charset="0"/>
-              <a:ea typeface="Times New Roman" panose="02020603050405020304" pitchFamily="18" charset="0"/>
-            </a:endParaRPr>
-          </a:p>
-          <a:p>
-            <a:r>
-              <a:rPr lang="en-US" sz="1800" dirty="0">
-                <a:effectLst/>
-                <a:latin typeface="Calibri" panose="020F0502020204030204" pitchFamily="34" charset="0"/>
-                <a:ea typeface="Times New Roman" panose="02020603050405020304" pitchFamily="18" charset="0"/>
-              </a:rPr>
-              <a:t>For your confidentiality, and to make sure your full needs are met, you need to first establish accommodations with the Disability Center. They will guide you through the process and inform me of what accommodations you should receive in my class</a:t>
-            </a:r>
             <a:endParaRPr lang="en-US" dirty="0"/>
           </a:p>
         </p:txBody>
@@ -20323,7 +20953,7 @@
           <a:p>
             <a:fld id="{BC849E9A-41F7-4779-A581-48A7C374A227}" type="slidenum">
               <a:rPr lang="en-US" smtClean="0"/>
-              <a:t>11</a:t>
+              <a:t>9</a:t>
             </a:fld>
             <a:endParaRPr lang="en-US" dirty="0"/>
           </a:p>
@@ -20332,7 +20962,7 @@
     </p:spTree>
     <p:extLst>
       <p:ext uri="{BB962C8B-B14F-4D97-AF65-F5344CB8AC3E}">
-        <p14:creationId xmlns:p14="http://schemas.microsoft.com/office/powerpoint/2010/main" val="4105819062"/>
+        <p14:creationId xmlns:p14="http://schemas.microsoft.com/office/powerpoint/2010/main" val="70343951"/>
       </p:ext>
     </p:extLst>
   </p:cSld>
@@ -20388,13 +21018,7 @@
           <a:p>
             <a:r>
               <a:rPr lang="en-US" dirty="0"/>
-              <a:t>This section is the most exciting part for me in this class. </a:t>
-            </a:r>
-          </a:p>
-          <a:p>
-            <a:r>
-              <a:rPr lang="en-US" dirty="0"/>
-              <a:t>I call this 5 min snippet which basically means that at the end of every class about 5 minutes I will show you some of the most interesting (at least in my opinion) and state-of-the-art research methods in marketing and in various social science disciplines. Since I cannot teach you guys these materials formally and have to adhere strictly to the marketing research textbook. This is my way to rebel.  However, I do understand the reason that our program requires you guys learn the basic (bread and butter) of marketing research. But since this is the only marketing research you’re required to take before graduation, I don’t think you have a chance to learn more methods. Hence, I hope at least I can introduce that there are more out there that you can learn to be more competitive on the job market. </a:t>
+              <a:t>This is a small-scale group project that you have a chance to work on from the beginning till the end of a marketing research project. There will be 13 assignments in total </a:t>
             </a:r>
           </a:p>
           <a:p>
@@ -20403,13 +21027,16 @@
           <a:p>
             <a:r>
               <a:rPr lang="en-US" dirty="0"/>
-              <a:t>And if you can have any new name for this section, I’d love to hear it. </a:t>
+              <a:t>To access the project assignments document, you can simply click on the URL in your syllabus. </a:t>
             </a:r>
+          </a:p>
+          <a:p>
+            <a:endParaRPr lang="en-US" dirty="0"/>
           </a:p>
           <a:p>
             <a:r>
               <a:rPr lang="en-US" dirty="0"/>
-              <a:t>Later you will have a taste of what this section is all about</a:t>
+              <a:t>Now go to the project assignments</a:t>
             </a:r>
           </a:p>
         </p:txBody>
@@ -20431,7 +21058,7 @@
           <a:p>
             <a:fld id="{BC849E9A-41F7-4779-A581-48A7C374A227}" type="slidenum">
               <a:rPr lang="en-US" smtClean="0"/>
-              <a:t>12</a:t>
+              <a:t>10</a:t>
             </a:fld>
             <a:endParaRPr lang="en-US" dirty="0"/>
           </a:p>
@@ -20440,7 +21067,7 @@
     </p:spTree>
     <p:extLst>
       <p:ext uri="{BB962C8B-B14F-4D97-AF65-F5344CB8AC3E}">
-        <p14:creationId xmlns:p14="http://schemas.microsoft.com/office/powerpoint/2010/main" val="514352010"/>
+        <p14:creationId xmlns:p14="http://schemas.microsoft.com/office/powerpoint/2010/main" val="1729654442"/>
       </p:ext>
     </p:extLst>
   </p:cSld>
@@ -25316,6 +25943,14 @@
 <file path=ppt/slides/slide10.xml><?xml version="1.0" encoding="utf-8"?>
 <p:sld xmlns:a="http://schemas.openxmlformats.org/drawingml/2006/main" xmlns:r="http://schemas.openxmlformats.org/officeDocument/2006/relationships" xmlns:p="http://schemas.openxmlformats.org/presentationml/2006/main" show="0">
   <p:cSld>
+    <p:bg>
+      <p:bgPr>
+        <a:solidFill>
+          <a:schemeClr val="bg1"/>
+        </a:solidFill>
+        <a:effectLst/>
+      </p:bgPr>
+    </p:bg>
     <p:spTree>
       <p:nvGrpSpPr>
         <p:cNvPr id="1" name=""/>
@@ -25330,6 +25965,623 @@
           <a:chExt cx="0" cy="0"/>
         </a:xfrm>
       </p:grpSpPr>
+      <p:sp useBgFill="1">
+        <p:nvSpPr>
+          <p:cNvPr id="12" name="Rectangle 11">
+            <a:extLst>
+              <a:ext uri="{FF2B5EF4-FFF2-40B4-BE49-F238E27FC236}">
+                <a16:creationId xmlns:a16="http://schemas.microsoft.com/office/drawing/2014/main" id="{76906711-0AFB-47DD-A4B6-4E94B38B8C91}"/>
+              </a:ext>
+              <a:ext uri="{C183D7F6-B498-43B3-948B-1728B52AA6E4}">
+                <adec:decorative xmlns:adec="http://schemas.microsoft.com/office/drawing/2017/decorative" val="1"/>
+              </a:ext>
+            </a:extLst>
+          </p:cNvPr>
+          <p:cNvSpPr>
+            <a:spLocks noGrp="1" noRot="1" noChangeAspect="1" noMove="1" noResize="1" noEditPoints="1" noAdjustHandles="1" noChangeArrowheads="1" noChangeShapeType="1" noTextEdit="1"/>
+          </p:cNvSpPr>
+          <p:nvPr>
+            <p:extLst>
+              <p:ext uri="{386F3935-93C4-4BCD-93E2-E3B085C9AB24}">
+                <p16:designElem xmlns:p16="http://schemas.microsoft.com/office/powerpoint/2015/main" val="1"/>
+              </p:ext>
+            </p:extLst>
+          </p:nvPr>
+        </p:nvSpPr>
+        <p:spPr>
+          <a:xfrm>
+            <a:off x="0" y="0"/>
+            <a:ext cx="12192000" cy="6858000"/>
+          </a:xfrm>
+          <a:prstGeom prst="rect">
+            <a:avLst/>
+          </a:prstGeom>
+          <a:ln>
+            <a:noFill/>
+          </a:ln>
+        </p:spPr>
+        <p:style>
+          <a:lnRef idx="2">
+            <a:schemeClr val="accent1">
+              <a:shade val="50000"/>
+            </a:schemeClr>
+          </a:lnRef>
+          <a:fillRef idx="1">
+            <a:schemeClr val="accent1"/>
+          </a:fillRef>
+          <a:effectRef idx="0">
+            <a:schemeClr val="accent1"/>
+          </a:effectRef>
+          <a:fontRef idx="minor">
+            <a:schemeClr val="lt1"/>
+          </a:fontRef>
+        </p:style>
+        <p:txBody>
+          <a:bodyPr rtlCol="0" anchor="ctr"/>
+          <a:lstStyle/>
+          <a:p>
+            <a:pPr algn="ctr"/>
+            <a:endParaRPr lang="en-US"/>
+          </a:p>
+        </p:txBody>
+      </p:sp>
+      <p:sp>
+        <p:nvSpPr>
+          <p:cNvPr id="14" name="Freeform: Shape 13">
+            <a:extLst>
+              <a:ext uri="{FF2B5EF4-FFF2-40B4-BE49-F238E27FC236}">
+                <a16:creationId xmlns:a16="http://schemas.microsoft.com/office/drawing/2014/main" id="{AA91F649-894C-41F6-A21D-3D1AC558E934}"/>
+              </a:ext>
+              <a:ext uri="{C183D7F6-B498-43B3-948B-1728B52AA6E4}">
+                <adec:decorative xmlns:adec="http://schemas.microsoft.com/office/drawing/2017/decorative" val="1"/>
+              </a:ext>
+            </a:extLst>
+          </p:cNvPr>
+          <p:cNvSpPr>
+            <a:spLocks noGrp="1" noRot="1" noChangeAspect="1" noMove="1" noResize="1" noEditPoints="1" noAdjustHandles="1" noChangeArrowheads="1" noChangeShapeType="1" noTextEdit="1"/>
+          </p:cNvSpPr>
+          <p:nvPr>
+            <p:extLst>
+              <p:ext uri="{386F3935-93C4-4BCD-93E2-E3B085C9AB24}">
+                <p16:designElem xmlns:p16="http://schemas.microsoft.com/office/powerpoint/2015/main" val="1"/>
+              </p:ext>
+            </p:extLst>
+          </p:nvPr>
+        </p:nvSpPr>
+        <p:spPr>
+          <a:xfrm>
+            <a:off x="0" y="0"/>
+            <a:ext cx="12192000" cy="2877832"/>
+          </a:xfrm>
+          <a:custGeom>
+            <a:avLst/>
+            <a:gdLst>
+              <a:gd name="connsiteX0" fmla="*/ 6789701 w 12192000"/>
+              <a:gd name="connsiteY0" fmla="*/ 2809623 h 2877832"/>
+              <a:gd name="connsiteX1" fmla="*/ 6788702 w 12192000"/>
+              <a:gd name="connsiteY1" fmla="*/ 2809701 h 2877832"/>
+              <a:gd name="connsiteX2" fmla="*/ 6788476 w 12192000"/>
+              <a:gd name="connsiteY2" fmla="*/ 2810235 h 2877832"/>
+              <a:gd name="connsiteX3" fmla="*/ 0 w 12192000"/>
+              <a:gd name="connsiteY3" fmla="*/ 0 h 2877832"/>
+              <a:gd name="connsiteX4" fmla="*/ 12192000 w 12192000"/>
+              <a:gd name="connsiteY4" fmla="*/ 0 h 2877832"/>
+              <a:gd name="connsiteX5" fmla="*/ 12192000 w 12192000"/>
+              <a:gd name="connsiteY5" fmla="*/ 1915388 h 2877832"/>
+              <a:gd name="connsiteX6" fmla="*/ 12061096 w 12192000"/>
+              <a:gd name="connsiteY6" fmla="*/ 1954428 h 2877832"/>
+              <a:gd name="connsiteX7" fmla="*/ 11676800 w 12192000"/>
+              <a:gd name="connsiteY7" fmla="*/ 2058003 h 2877832"/>
+              <a:gd name="connsiteX8" fmla="*/ 10425355 w 12192000"/>
+              <a:gd name="connsiteY8" fmla="*/ 2341542 h 2877832"/>
+              <a:gd name="connsiteX9" fmla="*/ 9424022 w 12192000"/>
+              <a:gd name="connsiteY9" fmla="*/ 2516704 h 2877832"/>
+              <a:gd name="connsiteX10" fmla="*/ 8458419 w 12192000"/>
+              <a:gd name="connsiteY10" fmla="*/ 2650405 h 2877832"/>
+              <a:gd name="connsiteX11" fmla="*/ 7715970 w 12192000"/>
+              <a:gd name="connsiteY11" fmla="*/ 2730352 h 2877832"/>
+              <a:gd name="connsiteX12" fmla="*/ 6951716 w 12192000"/>
+              <a:gd name="connsiteY12" fmla="*/ 2796132 h 2877832"/>
+              <a:gd name="connsiteX13" fmla="*/ 6936303 w 12192000"/>
+              <a:gd name="connsiteY13" fmla="*/ 2798203 h 2877832"/>
+              <a:gd name="connsiteX14" fmla="*/ 6790448 w 12192000"/>
+              <a:gd name="connsiteY14" fmla="*/ 2809564 h 2877832"/>
+              <a:gd name="connsiteX15" fmla="*/ 6799941 w 12192000"/>
+              <a:gd name="connsiteY15" fmla="*/ 2811384 h 2877832"/>
+              <a:gd name="connsiteX16" fmla="*/ 6835432 w 12192000"/>
+              <a:gd name="connsiteY16" fmla="*/ 2809677 h 2877832"/>
+              <a:gd name="connsiteX17" fmla="*/ 6884003 w 12192000"/>
+              <a:gd name="connsiteY17" fmla="*/ 2806699 h 2877832"/>
+              <a:gd name="connsiteX18" fmla="*/ 7578771 w 12192000"/>
+              <a:gd name="connsiteY18" fmla="*/ 2774172 h 2877832"/>
+              <a:gd name="connsiteX19" fmla="*/ 8623845 w 12192000"/>
+              <a:gd name="connsiteY19" fmla="*/ 2687275 h 2877832"/>
+              <a:gd name="connsiteX20" fmla="*/ 9479970 w 12192000"/>
+              <a:gd name="connsiteY20" fmla="*/ 2583369 h 2877832"/>
+              <a:gd name="connsiteX21" fmla="*/ 10629308 w 12192000"/>
+              <a:gd name="connsiteY21" fmla="*/ 2389212 h 2877832"/>
+              <a:gd name="connsiteX22" fmla="*/ 11998498 w 12192000"/>
+              <a:gd name="connsiteY22" fmla="*/ 2063218 h 2877832"/>
+              <a:gd name="connsiteX23" fmla="*/ 12192000 w 12192000"/>
+              <a:gd name="connsiteY23" fmla="*/ 2006219 h 2877832"/>
+              <a:gd name="connsiteX24" fmla="*/ 12192000 w 12192000"/>
+              <a:gd name="connsiteY24" fmla="*/ 2060956 h 2877832"/>
+              <a:gd name="connsiteX25" fmla="*/ 11829257 w 12192000"/>
+              <a:gd name="connsiteY25" fmla="*/ 2166255 h 2877832"/>
+              <a:gd name="connsiteX26" fmla="*/ 10939183 w 12192000"/>
+              <a:gd name="connsiteY26" fmla="*/ 2380770 h 2877832"/>
+              <a:gd name="connsiteX27" fmla="*/ 9985530 w 12192000"/>
+              <a:gd name="connsiteY27" fmla="*/ 2560775 h 2877832"/>
+              <a:gd name="connsiteX28" fmla="*/ 9186882 w 12192000"/>
+              <a:gd name="connsiteY28" fmla="*/ 2676722 h 2877832"/>
+              <a:gd name="connsiteX29" fmla="*/ 8578198 w 12192000"/>
+              <a:gd name="connsiteY29" fmla="*/ 2746241 h 2877832"/>
+              <a:gd name="connsiteX30" fmla="*/ 7864358 w 12192000"/>
+              <a:gd name="connsiteY30" fmla="*/ 2807692 h 2877832"/>
+              <a:gd name="connsiteX31" fmla="*/ 6935502 w 12192000"/>
+              <a:gd name="connsiteY31" fmla="*/ 2859086 h 2877832"/>
+              <a:gd name="connsiteX32" fmla="*/ 6477750 w 12192000"/>
+              <a:gd name="connsiteY32" fmla="*/ 2872989 h 2877832"/>
+              <a:gd name="connsiteX33" fmla="*/ 6362294 w 12192000"/>
+              <a:gd name="connsiteY33" fmla="*/ 2877832 h 2877832"/>
+              <a:gd name="connsiteX34" fmla="*/ 6057129 w 12192000"/>
+              <a:gd name="connsiteY34" fmla="*/ 2877832 h 2877832"/>
+              <a:gd name="connsiteX35" fmla="*/ 5977784 w 12192000"/>
+              <a:gd name="connsiteY35" fmla="*/ 2873238 h 2877832"/>
+              <a:gd name="connsiteX36" fmla="*/ 5265087 w 12192000"/>
+              <a:gd name="connsiteY36" fmla="*/ 2836989 h 2877832"/>
+              <a:gd name="connsiteX37" fmla="*/ 4346277 w 12192000"/>
+              <a:gd name="connsiteY37" fmla="*/ 2774919 h 2877832"/>
+              <a:gd name="connsiteX38" fmla="*/ 3373045 w 12192000"/>
+              <a:gd name="connsiteY38" fmla="*/ 2676350 h 2877832"/>
+              <a:gd name="connsiteX39" fmla="*/ 2362173 w 12192000"/>
+              <a:gd name="connsiteY39" fmla="*/ 2557423 h 2877832"/>
+              <a:gd name="connsiteX40" fmla="*/ 1233178 w 12192000"/>
+              <a:gd name="connsiteY40" fmla="*/ 2384247 h 2877832"/>
+              <a:gd name="connsiteX41" fmla="*/ 68500 w 12192000"/>
+              <a:gd name="connsiteY41" fmla="*/ 2144540 h 2877832"/>
+              <a:gd name="connsiteX42" fmla="*/ 0 w 12192000"/>
+              <a:gd name="connsiteY42" fmla="*/ 2127185 h 2877832"/>
+              <a:gd name="connsiteX43" fmla="*/ 0 w 12192000"/>
+              <a:gd name="connsiteY43" fmla="*/ 2070696 h 2877832"/>
+              <a:gd name="connsiteX44" fmla="*/ 72441 w 12192000"/>
+              <a:gd name="connsiteY44" fmla="*/ 2089473 h 2877832"/>
+              <a:gd name="connsiteX45" fmla="*/ 600716 w 12192000"/>
+              <a:gd name="connsiteY45" fmla="*/ 2207843 h 2877832"/>
+              <a:gd name="connsiteX46" fmla="*/ 1769512 w 12192000"/>
+              <a:gd name="connsiteY46" fmla="*/ 2418011 h 2877832"/>
+              <a:gd name="connsiteX47" fmla="*/ 2613554 w 12192000"/>
+              <a:gd name="connsiteY47" fmla="*/ 2534953 h 2877832"/>
+              <a:gd name="connsiteX48" fmla="*/ 2581134 w 12192000"/>
+              <a:gd name="connsiteY48" fmla="*/ 2525022 h 2877832"/>
+              <a:gd name="connsiteX49" fmla="*/ 1112635 w 12192000"/>
+              <a:gd name="connsiteY49" fmla="*/ 2192325 h 2877832"/>
+              <a:gd name="connsiteX50" fmla="*/ 420412 w 12192000"/>
+              <a:gd name="connsiteY50" fmla="*/ 1992892 h 2877832"/>
+              <a:gd name="connsiteX51" fmla="*/ 0 w 12192000"/>
+              <a:gd name="connsiteY51" fmla="*/ 1853975 h 2877832"/>
+            </a:gdLst>
+            <a:ahLst/>
+            <a:cxnLst>
+              <a:cxn ang="0">
+                <a:pos x="connsiteX0" y="connsiteY0"/>
+              </a:cxn>
+              <a:cxn ang="0">
+                <a:pos x="connsiteX1" y="connsiteY1"/>
+              </a:cxn>
+              <a:cxn ang="0">
+                <a:pos x="connsiteX2" y="connsiteY2"/>
+              </a:cxn>
+              <a:cxn ang="0">
+                <a:pos x="connsiteX3" y="connsiteY3"/>
+              </a:cxn>
+              <a:cxn ang="0">
+                <a:pos x="connsiteX4" y="connsiteY4"/>
+              </a:cxn>
+              <a:cxn ang="0">
+                <a:pos x="connsiteX5" y="connsiteY5"/>
+              </a:cxn>
+              <a:cxn ang="0">
+                <a:pos x="connsiteX6" y="connsiteY6"/>
+              </a:cxn>
+              <a:cxn ang="0">
+                <a:pos x="connsiteX7" y="connsiteY7"/>
+              </a:cxn>
+              <a:cxn ang="0">
+                <a:pos x="connsiteX8" y="connsiteY8"/>
+              </a:cxn>
+              <a:cxn ang="0">
+                <a:pos x="connsiteX9" y="connsiteY9"/>
+              </a:cxn>
+              <a:cxn ang="0">
+                <a:pos x="connsiteX10" y="connsiteY10"/>
+              </a:cxn>
+              <a:cxn ang="0">
+                <a:pos x="connsiteX11" y="connsiteY11"/>
+              </a:cxn>
+              <a:cxn ang="0">
+                <a:pos x="connsiteX12" y="connsiteY12"/>
+              </a:cxn>
+              <a:cxn ang="0">
+                <a:pos x="connsiteX13" y="connsiteY13"/>
+              </a:cxn>
+              <a:cxn ang="0">
+                <a:pos x="connsiteX14" y="connsiteY14"/>
+              </a:cxn>
+              <a:cxn ang="0">
+                <a:pos x="connsiteX15" y="connsiteY15"/>
+              </a:cxn>
+              <a:cxn ang="0">
+                <a:pos x="connsiteX16" y="connsiteY16"/>
+              </a:cxn>
+              <a:cxn ang="0">
+                <a:pos x="connsiteX17" y="connsiteY17"/>
+              </a:cxn>
+              <a:cxn ang="0">
+                <a:pos x="connsiteX18" y="connsiteY18"/>
+              </a:cxn>
+              <a:cxn ang="0">
+                <a:pos x="connsiteX19" y="connsiteY19"/>
+              </a:cxn>
+              <a:cxn ang="0">
+                <a:pos x="connsiteX20" y="connsiteY20"/>
+              </a:cxn>
+              <a:cxn ang="0">
+                <a:pos x="connsiteX21" y="connsiteY21"/>
+              </a:cxn>
+              <a:cxn ang="0">
+                <a:pos x="connsiteX22" y="connsiteY22"/>
+              </a:cxn>
+              <a:cxn ang="0">
+                <a:pos x="connsiteX23" y="connsiteY23"/>
+              </a:cxn>
+              <a:cxn ang="0">
+                <a:pos x="connsiteX24" y="connsiteY24"/>
+              </a:cxn>
+              <a:cxn ang="0">
+                <a:pos x="connsiteX25" y="connsiteY25"/>
+              </a:cxn>
+              <a:cxn ang="0">
+                <a:pos x="connsiteX26" y="connsiteY26"/>
+              </a:cxn>
+              <a:cxn ang="0">
+                <a:pos x="connsiteX27" y="connsiteY27"/>
+              </a:cxn>
+              <a:cxn ang="0">
+                <a:pos x="connsiteX28" y="connsiteY28"/>
+              </a:cxn>
+              <a:cxn ang="0">
+                <a:pos x="connsiteX29" y="connsiteY29"/>
+              </a:cxn>
+              <a:cxn ang="0">
+                <a:pos x="connsiteX30" y="connsiteY30"/>
+              </a:cxn>
+              <a:cxn ang="0">
+                <a:pos x="connsiteX31" y="connsiteY31"/>
+              </a:cxn>
+              <a:cxn ang="0">
+                <a:pos x="connsiteX32" y="connsiteY32"/>
+              </a:cxn>
+              <a:cxn ang="0">
+                <a:pos x="connsiteX33" y="connsiteY33"/>
+              </a:cxn>
+              <a:cxn ang="0">
+                <a:pos x="connsiteX34" y="connsiteY34"/>
+              </a:cxn>
+              <a:cxn ang="0">
+                <a:pos x="connsiteX35" y="connsiteY35"/>
+              </a:cxn>
+              <a:cxn ang="0">
+                <a:pos x="connsiteX36" y="connsiteY36"/>
+              </a:cxn>
+              <a:cxn ang="0">
+                <a:pos x="connsiteX37" y="connsiteY37"/>
+              </a:cxn>
+              <a:cxn ang="0">
+                <a:pos x="connsiteX38" y="connsiteY38"/>
+              </a:cxn>
+              <a:cxn ang="0">
+                <a:pos x="connsiteX39" y="connsiteY39"/>
+              </a:cxn>
+              <a:cxn ang="0">
+                <a:pos x="connsiteX40" y="connsiteY40"/>
+              </a:cxn>
+              <a:cxn ang="0">
+                <a:pos x="connsiteX41" y="connsiteY41"/>
+              </a:cxn>
+              <a:cxn ang="0">
+                <a:pos x="connsiteX42" y="connsiteY42"/>
+              </a:cxn>
+              <a:cxn ang="0">
+                <a:pos x="connsiteX43" y="connsiteY43"/>
+              </a:cxn>
+              <a:cxn ang="0">
+                <a:pos x="connsiteX44" y="connsiteY44"/>
+              </a:cxn>
+              <a:cxn ang="0">
+                <a:pos x="connsiteX45" y="connsiteY45"/>
+              </a:cxn>
+              <a:cxn ang="0">
+                <a:pos x="connsiteX46" y="connsiteY46"/>
+              </a:cxn>
+              <a:cxn ang="0">
+                <a:pos x="connsiteX47" y="connsiteY47"/>
+              </a:cxn>
+              <a:cxn ang="0">
+                <a:pos x="connsiteX48" y="connsiteY48"/>
+              </a:cxn>
+              <a:cxn ang="0">
+                <a:pos x="connsiteX49" y="connsiteY49"/>
+              </a:cxn>
+              <a:cxn ang="0">
+                <a:pos x="connsiteX50" y="connsiteY50"/>
+              </a:cxn>
+              <a:cxn ang="0">
+                <a:pos x="connsiteX51" y="connsiteY51"/>
+              </a:cxn>
+            </a:cxnLst>
+            <a:rect l="l" t="t" r="r" b="b"/>
+            <a:pathLst>
+              <a:path w="12192000" h="2877832">
+                <a:moveTo>
+                  <a:pt x="6789701" y="2809623"/>
+                </a:moveTo>
+                <a:lnTo>
+                  <a:pt x="6788702" y="2809701"/>
+                </a:lnTo>
+                <a:lnTo>
+                  <a:pt x="6788476" y="2810235"/>
+                </a:lnTo>
+                <a:close/>
+                <a:moveTo>
+                  <a:pt x="0" y="0"/>
+                </a:moveTo>
+                <a:lnTo>
+                  <a:pt x="12192000" y="0"/>
+                </a:lnTo>
+                <a:lnTo>
+                  <a:pt x="12192000" y="1915388"/>
+                </a:lnTo>
+                <a:lnTo>
+                  <a:pt x="12061096" y="1954428"/>
+                </a:lnTo>
+                <a:cubicBezTo>
+                  <a:pt x="11933500" y="1990642"/>
+                  <a:pt x="11805390" y="2025171"/>
+                  <a:pt x="11676800" y="2058003"/>
+                </a:cubicBezTo>
+                <a:cubicBezTo>
+                  <a:pt x="11262789" y="2165510"/>
+                  <a:pt x="10845343" y="2259112"/>
+                  <a:pt x="10425355" y="2341542"/>
+                </a:cubicBezTo>
+                <a:cubicBezTo>
+                  <a:pt x="10092810" y="2406753"/>
+                  <a:pt x="9759033" y="2465150"/>
+                  <a:pt x="9424022" y="2516704"/>
+                </a:cubicBezTo>
+                <a:cubicBezTo>
+                  <a:pt x="9102997" y="2566361"/>
+                  <a:pt x="8781133" y="2610928"/>
+                  <a:pt x="8458419" y="2650405"/>
+                </a:cubicBezTo>
+                <a:cubicBezTo>
+                  <a:pt x="8211360" y="2680571"/>
+                  <a:pt x="7963792" y="2706144"/>
+                  <a:pt x="7715970" y="2730352"/>
+                </a:cubicBezTo>
+                <a:lnTo>
+                  <a:pt x="6951716" y="2796132"/>
+                </a:lnTo>
+                <a:lnTo>
+                  <a:pt x="6936303" y="2798203"/>
+                </a:lnTo>
+                <a:lnTo>
+                  <a:pt x="6790448" y="2809564"/>
+                </a:lnTo>
+                <a:lnTo>
+                  <a:pt x="6799941" y="2811384"/>
+                </a:lnTo>
+                <a:cubicBezTo>
+                  <a:pt x="6811623" y="2811850"/>
+                  <a:pt x="6823734" y="2809677"/>
+                  <a:pt x="6835432" y="2809677"/>
+                </a:cubicBezTo>
+                <a:cubicBezTo>
+                  <a:pt x="6851580" y="2809677"/>
+                  <a:pt x="6867729" y="2807070"/>
+                  <a:pt x="6884003" y="2806699"/>
+                </a:cubicBezTo>
+                <a:cubicBezTo>
+                  <a:pt x="7115805" y="2801237"/>
+                  <a:pt x="7347351" y="2789070"/>
+                  <a:pt x="7578771" y="2774172"/>
+                </a:cubicBezTo>
+                <a:cubicBezTo>
+                  <a:pt x="7927552" y="2751704"/>
+                  <a:pt x="8276080" y="2723525"/>
+                  <a:pt x="8623845" y="2687275"/>
+                </a:cubicBezTo>
+                <a:cubicBezTo>
+                  <a:pt x="8909939" y="2657977"/>
+                  <a:pt x="9195310" y="2623342"/>
+                  <a:pt x="9479970" y="2583369"/>
+                </a:cubicBezTo>
+                <a:cubicBezTo>
+                  <a:pt x="9864901" y="2528995"/>
+                  <a:pt x="10248014" y="2464281"/>
+                  <a:pt x="10629308" y="2389212"/>
+                </a:cubicBezTo>
+                <a:cubicBezTo>
+                  <a:pt x="11090114" y="2298092"/>
+                  <a:pt x="11546975" y="2190586"/>
+                  <a:pt x="11998498" y="2063218"/>
+                </a:cubicBezTo>
+                <a:lnTo>
+                  <a:pt x="12192000" y="2006219"/>
+                </a:lnTo>
+                <a:lnTo>
+                  <a:pt x="12192000" y="2060956"/>
+                </a:lnTo>
+                <a:lnTo>
+                  <a:pt x="11829257" y="2166255"/>
+                </a:lnTo>
+                <a:cubicBezTo>
+                  <a:pt x="11534769" y="2245952"/>
+                  <a:pt x="11238120" y="2316838"/>
+                  <a:pt x="10939183" y="2380770"/>
+                </a:cubicBezTo>
+                <a:cubicBezTo>
+                  <a:pt x="10622824" y="2448552"/>
+                  <a:pt x="10304941" y="2508549"/>
+                  <a:pt x="9985530" y="2560775"/>
+                </a:cubicBezTo>
+                <a:cubicBezTo>
+                  <a:pt x="9720036" y="2604224"/>
+                  <a:pt x="9453814" y="2642869"/>
+                  <a:pt x="9186882" y="2676722"/>
+                </a:cubicBezTo>
+                <a:cubicBezTo>
+                  <a:pt x="8984197" y="2702296"/>
+                  <a:pt x="8781514" y="2726379"/>
+                  <a:pt x="8578198" y="2746241"/>
+                </a:cubicBezTo>
+                <a:cubicBezTo>
+                  <a:pt x="8340547" y="2768961"/>
+                  <a:pt x="8102644" y="2790436"/>
+                  <a:pt x="7864358" y="2807692"/>
+                </a:cubicBezTo>
+                <a:cubicBezTo>
+                  <a:pt x="7554994" y="2830036"/>
+                  <a:pt x="7245502" y="2847914"/>
+                  <a:pt x="6935502" y="2859086"/>
+                </a:cubicBezTo>
+                <a:cubicBezTo>
+                  <a:pt x="6782917" y="2864549"/>
+                  <a:pt x="6630334" y="2868397"/>
+                  <a:pt x="6477750" y="2872989"/>
+                </a:cubicBezTo>
+                <a:cubicBezTo>
+                  <a:pt x="6439195" y="2870905"/>
+                  <a:pt x="6400529" y="2872530"/>
+                  <a:pt x="6362294" y="2877832"/>
+                </a:cubicBezTo>
+                <a:lnTo>
+                  <a:pt x="6057129" y="2877832"/>
+                </a:lnTo>
+                <a:lnTo>
+                  <a:pt x="5977784" y="2873238"/>
+                </a:lnTo>
+                <a:cubicBezTo>
+                  <a:pt x="5740261" y="2860825"/>
+                  <a:pt x="5502739" y="2847046"/>
+                  <a:pt x="5265087" y="2836989"/>
+                </a:cubicBezTo>
+                <a:cubicBezTo>
+                  <a:pt x="4958267" y="2824573"/>
+                  <a:pt x="4651826" y="2804093"/>
+                  <a:pt x="4346277" y="2774919"/>
+                </a:cubicBezTo>
+                <a:cubicBezTo>
+                  <a:pt x="4021654" y="2744007"/>
+                  <a:pt x="3697795" y="2709372"/>
+                  <a:pt x="3373045" y="2676350"/>
+                </a:cubicBezTo>
+                <a:cubicBezTo>
+                  <a:pt x="3035412" y="2642088"/>
+                  <a:pt x="2698456" y="2602449"/>
+                  <a:pt x="2362173" y="2557423"/>
+                </a:cubicBezTo>
+                <a:cubicBezTo>
+                  <a:pt x="1984692" y="2507270"/>
+                  <a:pt x="1608364" y="2449544"/>
+                  <a:pt x="1233178" y="2384247"/>
+                </a:cubicBezTo>
+                <a:cubicBezTo>
+                  <a:pt x="842181" y="2315534"/>
+                  <a:pt x="453758" y="2237046"/>
+                  <a:pt x="68500" y="2144540"/>
+                </a:cubicBezTo>
+                <a:lnTo>
+                  <a:pt x="0" y="2127185"/>
+                </a:lnTo>
+                <a:lnTo>
+                  <a:pt x="0" y="2070696"/>
+                </a:lnTo>
+                <a:lnTo>
+                  <a:pt x="72441" y="2089473"/>
+                </a:lnTo>
+                <a:cubicBezTo>
+                  <a:pt x="247961" y="2131651"/>
+                  <a:pt x="424164" y="2170911"/>
+                  <a:pt x="600716" y="2207843"/>
+                </a:cubicBezTo>
+                <a:cubicBezTo>
+                  <a:pt x="988279" y="2288657"/>
+                  <a:pt x="1378133" y="2357555"/>
+                  <a:pt x="1769512" y="2418011"/>
+                </a:cubicBezTo>
+                <a:cubicBezTo>
+                  <a:pt x="2052426" y="2461587"/>
+                  <a:pt x="2335725" y="2501684"/>
+                  <a:pt x="2613554" y="2534953"/>
+                </a:cubicBezTo>
+                <a:cubicBezTo>
+                  <a:pt x="2605544" y="2537560"/>
+                  <a:pt x="2594611" y="2527504"/>
+                  <a:pt x="2581134" y="2525022"/>
+                </a:cubicBezTo>
+                <a:cubicBezTo>
+                  <a:pt x="2087178" y="2433070"/>
+                  <a:pt x="1597684" y="2322177"/>
+                  <a:pt x="1112635" y="2192325"/>
+                </a:cubicBezTo>
+                <a:cubicBezTo>
+                  <a:pt x="880453" y="2130254"/>
+                  <a:pt x="649713" y="2063776"/>
+                  <a:pt x="420412" y="1992892"/>
+                </a:cubicBezTo>
+                <a:lnTo>
+                  <a:pt x="0" y="1853975"/>
+                </a:lnTo>
+                <a:close/>
+              </a:path>
+            </a:pathLst>
+          </a:custGeom>
+          <a:solidFill>
+            <a:schemeClr val="accent2"/>
+          </a:solidFill>
+          <a:ln>
+            <a:noFill/>
+          </a:ln>
+        </p:spPr>
+        <p:style>
+          <a:lnRef idx="2">
+            <a:schemeClr val="accent1">
+              <a:shade val="50000"/>
+            </a:schemeClr>
+          </a:lnRef>
+          <a:fillRef idx="1">
+            <a:schemeClr val="accent1"/>
+          </a:fillRef>
+          <a:effectRef idx="0">
+            <a:schemeClr val="accent1"/>
+          </a:effectRef>
+          <a:fontRef idx="minor">
+            <a:schemeClr val="lt1"/>
+          </a:fontRef>
+        </p:style>
+        <p:txBody>
+          <a:bodyPr wrap="square" rtlCol="0" anchor="ctr">
+            <a:noAutofit/>
+          </a:bodyPr>
+          <a:lstStyle/>
+          <a:p>
+            <a:pPr algn="ctr"/>
+            <a:endParaRPr lang="en-US"/>
+          </a:p>
+        </p:txBody>
+      </p:sp>
       <p:sp>
         <p:nvSpPr>
           <p:cNvPr id="2" name="Title 1">
@@ -25346,13 +26598,28 @@
             <p:ph type="title"/>
           </p:nvPr>
         </p:nvSpPr>
-        <p:spPr/>
+        <p:spPr>
+          <a:xfrm>
+            <a:off x="638881" y="390525"/>
+            <a:ext cx="10909640" cy="1510301"/>
+          </a:xfrm>
+        </p:spPr>
         <p:txBody>
-          <a:bodyPr/>
+          <a:bodyPr vert="horz" lIns="91440" tIns="45720" rIns="91440" bIns="45720" rtlCol="0" anchor="ctr">
+            <a:normAutofit/>
+          </a:bodyPr>
           <a:lstStyle/>
           <a:p>
+            <a:pPr algn="ctr"/>
             <a:r>
-              <a:rPr lang="en-US" dirty="0"/>
+              <a:rPr lang="en-US" sz="6600" kern="1200">
+                <a:solidFill>
+                  <a:srgbClr val="FFFFFF"/>
+                </a:solidFill>
+                <a:latin typeface="+mj-lt"/>
+                <a:ea typeface="+mj-ea"/>
+                <a:cs typeface="+mj-cs"/>
+              </a:rPr>
               <a:t>Group Term Project</a:t>
             </a:r>
           </a:p>
@@ -25360,29 +26627,377 @@
       </p:sp>
       <p:sp>
         <p:nvSpPr>
-          <p:cNvPr id="3" name="Content Placeholder 2">
+          <p:cNvPr id="16" name="sketch line">
             <a:extLst>
               <a:ext uri="{FF2B5EF4-FFF2-40B4-BE49-F238E27FC236}">
-                <a16:creationId xmlns:a16="http://schemas.microsoft.com/office/drawing/2014/main" id="{CEEB7536-1E14-45FC-AD43-542F04BC539B}"/>
+                <a16:creationId xmlns:a16="http://schemas.microsoft.com/office/drawing/2014/main" id="{56037404-66BD-46B5-9323-1B531319671A}"/>
+              </a:ext>
+              <a:ext uri="{C183D7F6-B498-43B3-948B-1728B52AA6E4}">
+                <adec:decorative xmlns:adec="http://schemas.microsoft.com/office/drawing/2017/decorative" val="1"/>
               </a:ext>
             </a:extLst>
           </p:cNvPr>
           <p:cNvSpPr>
-            <a:spLocks noGrp="1"/>
+            <a:spLocks noGrp="1" noRot="1" noChangeAspect="1" noMove="1" noResize="1" noEditPoints="1" noAdjustHandles="1" noChangeArrowheads="1" noChangeShapeType="1" noTextEdit="1"/>
           </p:cNvSpPr>
           <p:nvPr>
-            <p:ph idx="1"/>
+            <p:extLst>
+              <p:ext uri="{386F3935-93C4-4BCD-93E2-E3B085C9AB24}">
+                <p16:designElem xmlns:p16="http://schemas.microsoft.com/office/powerpoint/2015/main" val="1"/>
+              </p:ext>
+            </p:extLst>
           </p:nvPr>
         </p:nvSpPr>
-        <p:spPr/>
+        <p:spPr>
+          <a:xfrm>
+            <a:off x="3974206" y="1753266"/>
+            <a:ext cx="4243589" cy="18288"/>
+          </a:xfrm>
+          <a:custGeom>
+            <a:avLst/>
+            <a:gdLst>
+              <a:gd name="connsiteX0" fmla="*/ 0 w 4243589"/>
+              <a:gd name="connsiteY0" fmla="*/ 0 h 18288"/>
+              <a:gd name="connsiteX1" fmla="*/ 563791 w 4243589"/>
+              <a:gd name="connsiteY1" fmla="*/ 0 h 18288"/>
+              <a:gd name="connsiteX2" fmla="*/ 1042710 w 4243589"/>
+              <a:gd name="connsiteY2" fmla="*/ 0 h 18288"/>
+              <a:gd name="connsiteX3" fmla="*/ 1564066 w 4243589"/>
+              <a:gd name="connsiteY3" fmla="*/ 0 h 18288"/>
+              <a:gd name="connsiteX4" fmla="*/ 2212729 w 4243589"/>
+              <a:gd name="connsiteY4" fmla="*/ 0 h 18288"/>
+              <a:gd name="connsiteX5" fmla="*/ 2776520 w 4243589"/>
+              <a:gd name="connsiteY5" fmla="*/ 0 h 18288"/>
+              <a:gd name="connsiteX6" fmla="*/ 3297875 w 4243589"/>
+              <a:gd name="connsiteY6" fmla="*/ 0 h 18288"/>
+              <a:gd name="connsiteX7" fmla="*/ 4243589 w 4243589"/>
+              <a:gd name="connsiteY7" fmla="*/ 0 h 18288"/>
+              <a:gd name="connsiteX8" fmla="*/ 4243589 w 4243589"/>
+              <a:gd name="connsiteY8" fmla="*/ 18288 h 18288"/>
+              <a:gd name="connsiteX9" fmla="*/ 3637362 w 4243589"/>
+              <a:gd name="connsiteY9" fmla="*/ 18288 h 18288"/>
+              <a:gd name="connsiteX10" fmla="*/ 3116007 w 4243589"/>
+              <a:gd name="connsiteY10" fmla="*/ 18288 h 18288"/>
+              <a:gd name="connsiteX11" fmla="*/ 2424908 w 4243589"/>
+              <a:gd name="connsiteY11" fmla="*/ 18288 h 18288"/>
+              <a:gd name="connsiteX12" fmla="*/ 1861117 w 4243589"/>
+              <a:gd name="connsiteY12" fmla="*/ 18288 h 18288"/>
+              <a:gd name="connsiteX13" fmla="*/ 1382198 w 4243589"/>
+              <a:gd name="connsiteY13" fmla="*/ 18288 h 18288"/>
+              <a:gd name="connsiteX14" fmla="*/ 733535 w 4243589"/>
+              <a:gd name="connsiteY14" fmla="*/ 18288 h 18288"/>
+              <a:gd name="connsiteX15" fmla="*/ 0 w 4243589"/>
+              <a:gd name="connsiteY15" fmla="*/ 18288 h 18288"/>
+              <a:gd name="connsiteX16" fmla="*/ 0 w 4243589"/>
+              <a:gd name="connsiteY16" fmla="*/ 0 h 18288"/>
+            </a:gdLst>
+            <a:ahLst/>
+            <a:cxnLst>
+              <a:cxn ang="0">
+                <a:pos x="connsiteX0" y="connsiteY0"/>
+              </a:cxn>
+              <a:cxn ang="0">
+                <a:pos x="connsiteX1" y="connsiteY1"/>
+              </a:cxn>
+              <a:cxn ang="0">
+                <a:pos x="connsiteX2" y="connsiteY2"/>
+              </a:cxn>
+              <a:cxn ang="0">
+                <a:pos x="connsiteX3" y="connsiteY3"/>
+              </a:cxn>
+              <a:cxn ang="0">
+                <a:pos x="connsiteX4" y="connsiteY4"/>
+              </a:cxn>
+              <a:cxn ang="0">
+                <a:pos x="connsiteX5" y="connsiteY5"/>
+              </a:cxn>
+              <a:cxn ang="0">
+                <a:pos x="connsiteX6" y="connsiteY6"/>
+              </a:cxn>
+              <a:cxn ang="0">
+                <a:pos x="connsiteX7" y="connsiteY7"/>
+              </a:cxn>
+              <a:cxn ang="0">
+                <a:pos x="connsiteX8" y="connsiteY8"/>
+              </a:cxn>
+              <a:cxn ang="0">
+                <a:pos x="connsiteX9" y="connsiteY9"/>
+              </a:cxn>
+              <a:cxn ang="0">
+                <a:pos x="connsiteX10" y="connsiteY10"/>
+              </a:cxn>
+              <a:cxn ang="0">
+                <a:pos x="connsiteX11" y="connsiteY11"/>
+              </a:cxn>
+              <a:cxn ang="0">
+                <a:pos x="connsiteX12" y="connsiteY12"/>
+              </a:cxn>
+              <a:cxn ang="0">
+                <a:pos x="connsiteX13" y="connsiteY13"/>
+              </a:cxn>
+              <a:cxn ang="0">
+                <a:pos x="connsiteX14" y="connsiteY14"/>
+              </a:cxn>
+              <a:cxn ang="0">
+                <a:pos x="connsiteX15" y="connsiteY15"/>
+              </a:cxn>
+              <a:cxn ang="0">
+                <a:pos x="connsiteX16" y="connsiteY16"/>
+              </a:cxn>
+            </a:cxnLst>
+            <a:rect l="l" t="t" r="r" b="b"/>
+            <a:pathLst>
+              <a:path w="4243589" h="18288" fill="none" extrusionOk="0">
+                <a:moveTo>
+                  <a:pt x="0" y="0"/>
+                </a:moveTo>
+                <a:cubicBezTo>
+                  <a:pt x="157351" y="-15653"/>
+                  <a:pt x="378877" y="-5828"/>
+                  <a:pt x="563791" y="0"/>
+                </a:cubicBezTo>
+                <a:cubicBezTo>
+                  <a:pt x="748705" y="5828"/>
+                  <a:pt x="905659" y="-5525"/>
+                  <a:pt x="1042710" y="0"/>
+                </a:cubicBezTo>
+                <a:cubicBezTo>
+                  <a:pt x="1179761" y="5525"/>
+                  <a:pt x="1356845" y="-21288"/>
+                  <a:pt x="1564066" y="0"/>
+                </a:cubicBezTo>
+                <a:cubicBezTo>
+                  <a:pt x="1771287" y="21288"/>
+                  <a:pt x="1912099" y="25135"/>
+                  <a:pt x="2212729" y="0"/>
+                </a:cubicBezTo>
+                <a:cubicBezTo>
+                  <a:pt x="2513359" y="-25135"/>
+                  <a:pt x="2514918" y="-27119"/>
+                  <a:pt x="2776520" y="0"/>
+                </a:cubicBezTo>
+                <a:cubicBezTo>
+                  <a:pt x="3038122" y="27119"/>
+                  <a:pt x="3178771" y="18116"/>
+                  <a:pt x="3297875" y="0"/>
+                </a:cubicBezTo>
+                <a:cubicBezTo>
+                  <a:pt x="3416980" y="-18116"/>
+                  <a:pt x="4012240" y="-40869"/>
+                  <a:pt x="4243589" y="0"/>
+                </a:cubicBezTo>
+                <a:cubicBezTo>
+                  <a:pt x="4243987" y="7429"/>
+                  <a:pt x="4243569" y="10822"/>
+                  <a:pt x="4243589" y="18288"/>
+                </a:cubicBezTo>
+                <a:cubicBezTo>
+                  <a:pt x="4112949" y="-2855"/>
+                  <a:pt x="3928037" y="1831"/>
+                  <a:pt x="3637362" y="18288"/>
+                </a:cubicBezTo>
+                <a:cubicBezTo>
+                  <a:pt x="3346687" y="34745"/>
+                  <a:pt x="3254446" y="26669"/>
+                  <a:pt x="3116007" y="18288"/>
+                </a:cubicBezTo>
+                <a:cubicBezTo>
+                  <a:pt x="2977569" y="9907"/>
+                  <a:pt x="2620228" y="28873"/>
+                  <a:pt x="2424908" y="18288"/>
+                </a:cubicBezTo>
+                <a:cubicBezTo>
+                  <a:pt x="2229588" y="7703"/>
+                  <a:pt x="2088287" y="-3854"/>
+                  <a:pt x="1861117" y="18288"/>
+                </a:cubicBezTo>
+                <a:cubicBezTo>
+                  <a:pt x="1633947" y="40430"/>
+                  <a:pt x="1502447" y="-871"/>
+                  <a:pt x="1382198" y="18288"/>
+                </a:cubicBezTo>
+                <a:cubicBezTo>
+                  <a:pt x="1261949" y="37447"/>
+                  <a:pt x="1045440" y="28353"/>
+                  <a:pt x="733535" y="18288"/>
+                </a:cubicBezTo>
+                <a:cubicBezTo>
+                  <a:pt x="421630" y="8223"/>
+                  <a:pt x="341257" y="-18359"/>
+                  <a:pt x="0" y="18288"/>
+                </a:cubicBezTo>
+                <a:cubicBezTo>
+                  <a:pt x="-591" y="13205"/>
+                  <a:pt x="-663" y="6329"/>
+                  <a:pt x="0" y="0"/>
+                </a:cubicBezTo>
+                <a:close/>
+              </a:path>
+              <a:path w="4243589" h="18288" stroke="0" extrusionOk="0">
+                <a:moveTo>
+                  <a:pt x="0" y="0"/>
+                </a:moveTo>
+                <a:cubicBezTo>
+                  <a:pt x="128164" y="17204"/>
+                  <a:pt x="312653" y="1129"/>
+                  <a:pt x="563791" y="0"/>
+                </a:cubicBezTo>
+                <a:cubicBezTo>
+                  <a:pt x="814929" y="-1129"/>
+                  <a:pt x="837271" y="8503"/>
+                  <a:pt x="1042710" y="0"/>
+                </a:cubicBezTo>
+                <a:cubicBezTo>
+                  <a:pt x="1248149" y="-8503"/>
+                  <a:pt x="1588432" y="-28862"/>
+                  <a:pt x="1733809" y="0"/>
+                </a:cubicBezTo>
+                <a:cubicBezTo>
+                  <a:pt x="1879186" y="28862"/>
+                  <a:pt x="2052815" y="5974"/>
+                  <a:pt x="2297600" y="0"/>
+                </a:cubicBezTo>
+                <a:cubicBezTo>
+                  <a:pt x="2542385" y="-5974"/>
+                  <a:pt x="2699960" y="-23550"/>
+                  <a:pt x="2861391" y="0"/>
+                </a:cubicBezTo>
+                <a:cubicBezTo>
+                  <a:pt x="3022822" y="23550"/>
+                  <a:pt x="3390411" y="25272"/>
+                  <a:pt x="3552490" y="0"/>
+                </a:cubicBezTo>
+                <a:cubicBezTo>
+                  <a:pt x="3714569" y="-25272"/>
+                  <a:pt x="3950585" y="-31327"/>
+                  <a:pt x="4243589" y="0"/>
+                </a:cubicBezTo>
+                <a:cubicBezTo>
+                  <a:pt x="4242703" y="5429"/>
+                  <a:pt x="4244410" y="14046"/>
+                  <a:pt x="4243589" y="18288"/>
+                </a:cubicBezTo>
+                <a:cubicBezTo>
+                  <a:pt x="4130424" y="-1240"/>
+                  <a:pt x="3932803" y="42249"/>
+                  <a:pt x="3722234" y="18288"/>
+                </a:cubicBezTo>
+                <a:cubicBezTo>
+                  <a:pt x="3511665" y="-5673"/>
+                  <a:pt x="3269903" y="45994"/>
+                  <a:pt x="3116007" y="18288"/>
+                </a:cubicBezTo>
+                <a:cubicBezTo>
+                  <a:pt x="2962111" y="-9418"/>
+                  <a:pt x="2744280" y="23224"/>
+                  <a:pt x="2509780" y="18288"/>
+                </a:cubicBezTo>
+                <a:cubicBezTo>
+                  <a:pt x="2275280" y="13352"/>
+                  <a:pt x="2066059" y="43664"/>
+                  <a:pt x="1945989" y="18288"/>
+                </a:cubicBezTo>
+                <a:cubicBezTo>
+                  <a:pt x="1825919" y="-7088"/>
+                  <a:pt x="1407329" y="12616"/>
+                  <a:pt x="1254890" y="18288"/>
+                </a:cubicBezTo>
+                <a:cubicBezTo>
+                  <a:pt x="1102451" y="23960"/>
+                  <a:pt x="837950" y="31673"/>
+                  <a:pt x="563791" y="18288"/>
+                </a:cubicBezTo>
+                <a:cubicBezTo>
+                  <a:pt x="289632" y="4903"/>
+                  <a:pt x="132768" y="7105"/>
+                  <a:pt x="0" y="18288"/>
+                </a:cubicBezTo>
+                <a:cubicBezTo>
+                  <a:pt x="668" y="13665"/>
+                  <a:pt x="578" y="5675"/>
+                  <a:pt x="0" y="0"/>
+                </a:cubicBezTo>
+                <a:close/>
+              </a:path>
+            </a:pathLst>
+          </a:custGeom>
+          <a:solidFill>
+            <a:srgbClr val="FFFFFF"/>
+          </a:solidFill>
+          <a:ln w="38100" cap="rnd">
+            <a:solidFill>
+              <a:srgbClr val="FFFFFF"/>
+            </a:solidFill>
+            <a:round/>
+            <a:extLst>
+              <a:ext uri="{C807C97D-BFC1-408E-A445-0C87EB9F89A2}">
+                <ask:lineSketchStyleProps xmlns:ask="http://schemas.microsoft.com/office/drawing/2018/sketchyshapes" sd="1219033472">
+                  <a:prstGeom prst="rect">
+                    <a:avLst/>
+                  </a:prstGeom>
+                  <ask:type>
+                    <ask:lineSketchFreehand/>
+                  </ask:type>
+                </ask:lineSketchStyleProps>
+              </a:ext>
+            </a:extLst>
+          </a:ln>
+        </p:spPr>
+        <p:style>
+          <a:lnRef idx="2">
+            <a:schemeClr val="accent1">
+              <a:shade val="50000"/>
+            </a:schemeClr>
+          </a:lnRef>
+          <a:fillRef idx="1">
+            <a:schemeClr val="accent1"/>
+          </a:fillRef>
+          <a:effectRef idx="0">
+            <a:schemeClr val="accent1"/>
+          </a:effectRef>
+          <a:fontRef idx="minor">
+            <a:schemeClr val="lt1"/>
+          </a:fontRef>
+        </p:style>
         <p:txBody>
-          <a:bodyPr/>
+          <a:bodyPr rtlCol="0" anchor="ctr"/>
           <a:lstStyle/>
           <a:p>
+            <a:pPr algn="ctr"/>
             <a:endParaRPr lang="en-US"/>
           </a:p>
         </p:txBody>
       </p:sp>
+      <p:pic>
+        <p:nvPicPr>
+          <p:cNvPr id="7" name="Picture 6">
+            <a:extLst>
+              <a:ext uri="{FF2B5EF4-FFF2-40B4-BE49-F238E27FC236}">
+                <a16:creationId xmlns:a16="http://schemas.microsoft.com/office/drawing/2014/main" id="{25FA9A95-1B50-4922-A159-2C82D607A13E}"/>
+              </a:ext>
+            </a:extLst>
+          </p:cNvPr>
+          <p:cNvPicPr>
+            <a:picLocks noChangeAspect="1"/>
+          </p:cNvPicPr>
+          <p:nvPr/>
+        </p:nvPicPr>
+        <p:blipFill>
+          <a:blip r:embed="rId3"/>
+          <a:stretch>
+            <a:fillRect/>
+          </a:stretch>
+        </p:blipFill>
+        <p:spPr>
+          <a:xfrm>
+            <a:off x="2757972" y="3067050"/>
+            <a:ext cx="6673008" cy="3019537"/>
+          </a:xfrm>
+          <a:prstGeom prst="rect">
+            <a:avLst/>
+          </a:prstGeom>
+        </p:spPr>
+      </p:pic>
       <p:sp>
         <p:nvSpPr>
           <p:cNvPr id="4" name="Footer Placeholder 3">
@@ -25399,16 +27014,36 @@
             <p:ph type="ftr" sz="quarter" idx="11"/>
           </p:nvPr>
         </p:nvSpPr>
-        <p:spPr/>
+        <p:spPr>
+          <a:xfrm>
+            <a:off x="4038600" y="6356350"/>
+            <a:ext cx="4114800" cy="365125"/>
+          </a:xfrm>
+        </p:spPr>
         <p:txBody>
-          <a:bodyPr/>
+          <a:bodyPr vert="horz" lIns="91440" tIns="45720" rIns="91440" bIns="45720" rtlCol="0" anchor="ctr">
+            <a:normAutofit/>
+          </a:bodyPr>
           <a:lstStyle/>
           <a:p>
+            <a:pPr>
+              <a:spcAft>
+                <a:spcPts val="600"/>
+              </a:spcAft>
+            </a:pPr>
             <a:r>
-              <a:rPr lang="en-US"/>
+              <a:rPr lang="en-US" kern="1200">
+                <a:solidFill>
+                  <a:schemeClr val="tx1">
+                    <a:tint val="75000"/>
+                  </a:schemeClr>
+                </a:solidFill>
+                <a:latin typeface="+mn-lt"/>
+                <a:ea typeface="+mn-ea"/>
+                <a:cs typeface="+mn-cs"/>
+              </a:rPr>
               <a:t>Mike Nguyen</a:t>
             </a:r>
-            <a:endParaRPr lang="en-US" dirty="0"/>
           </a:p>
         </p:txBody>
       </p:sp>
@@ -25428,16 +27063,33 @@
             <p:ph type="sldNum" sz="quarter" idx="12"/>
           </p:nvPr>
         </p:nvSpPr>
-        <p:spPr/>
+        <p:spPr>
+          <a:xfrm>
+            <a:off x="8610600" y="6356350"/>
+            <a:ext cx="2743200" cy="365125"/>
+          </a:xfrm>
+        </p:spPr>
         <p:txBody>
-          <a:bodyPr/>
+          <a:bodyPr vert="horz" lIns="91440" tIns="45720" rIns="91440" bIns="45720" rtlCol="0" anchor="ctr">
+            <a:normAutofit/>
+          </a:bodyPr>
           <a:lstStyle/>
           <a:p>
+            <a:pPr>
+              <a:spcAft>
+                <a:spcPts val="600"/>
+              </a:spcAft>
+            </a:pPr>
             <a:fld id="{A6AF1B4E-90EC-4A51-B6E5-B702C054ECB0}" type="slidenum">
               <a:rPr lang="en-US" smtClean="0"/>
+              <a:pPr>
+                <a:spcAft>
+                  <a:spcPts val="600"/>
+                </a:spcAft>
+              </a:pPr>
               <a:t>10</a:t>
             </a:fld>
-            <a:endParaRPr lang="en-US" dirty="0"/>
+            <a:endParaRPr lang="en-US"/>
           </a:p>
         </p:txBody>
       </p:sp>
@@ -25457,6 +27109,14 @@
 <file path=ppt/slides/slide11.xml><?xml version="1.0" encoding="utf-8"?>
 <p:sld xmlns:a="http://schemas.openxmlformats.org/drawingml/2006/main" xmlns:r="http://schemas.openxmlformats.org/officeDocument/2006/relationships" xmlns:p="http://schemas.openxmlformats.org/presentationml/2006/main">
   <p:cSld>
+    <p:bg>
+      <p:bgPr>
+        <a:solidFill>
+          <a:schemeClr val="bg1"/>
+        </a:solidFill>
+        <a:effectLst/>
+      </p:bgPr>
+    </p:bg>
     <p:spTree>
       <p:nvGrpSpPr>
         <p:cNvPr id="1" name=""/>
@@ -25471,6 +27131,1238 @@
           <a:chExt cx="0" cy="0"/>
         </a:xfrm>
       </p:grpSpPr>
+      <p:sp useBgFill="1">
+        <p:nvSpPr>
+          <p:cNvPr id="10" name="Rectangle 9">
+            <a:extLst>
+              <a:ext uri="{FF2B5EF4-FFF2-40B4-BE49-F238E27FC236}">
+                <a16:creationId xmlns:a16="http://schemas.microsoft.com/office/drawing/2014/main" id="{777A147A-9ED8-46B4-8660-1B3C2AA880B5}"/>
+              </a:ext>
+              <a:ext uri="{C183D7F6-B498-43B3-948B-1728B52AA6E4}">
+                <adec:decorative xmlns:adec="http://schemas.microsoft.com/office/drawing/2017/decorative" val="1"/>
+              </a:ext>
+            </a:extLst>
+          </p:cNvPr>
+          <p:cNvSpPr>
+            <a:spLocks noGrp="1" noRot="1" noChangeAspect="1" noMove="1" noResize="1" noEditPoints="1" noAdjustHandles="1" noChangeArrowheads="1" noChangeShapeType="1" noTextEdit="1"/>
+          </p:cNvSpPr>
+          <p:nvPr>
+            <p:extLst>
+              <p:ext uri="{386F3935-93C4-4BCD-93E2-E3B085C9AB24}">
+                <p16:designElem xmlns:p16="http://schemas.microsoft.com/office/powerpoint/2015/main" val="1"/>
+              </p:ext>
+            </p:extLst>
+          </p:nvPr>
+        </p:nvSpPr>
+        <p:spPr>
+          <a:xfrm>
+            <a:off x="0" y="0"/>
+            <a:ext cx="12188952" cy="6858000"/>
+          </a:xfrm>
+          <a:prstGeom prst="rect">
+            <a:avLst/>
+          </a:prstGeom>
+          <a:ln>
+            <a:noFill/>
+          </a:ln>
+        </p:spPr>
+        <p:style>
+          <a:lnRef idx="2">
+            <a:schemeClr val="accent1">
+              <a:shade val="50000"/>
+            </a:schemeClr>
+          </a:lnRef>
+          <a:fillRef idx="1">
+            <a:schemeClr val="accent1"/>
+          </a:fillRef>
+          <a:effectRef idx="0">
+            <a:schemeClr val="accent1"/>
+          </a:effectRef>
+          <a:fontRef idx="minor">
+            <a:schemeClr val="lt1"/>
+          </a:fontRef>
+        </p:style>
+        <p:txBody>
+          <a:bodyPr rtlCol="0" anchor="ctr"/>
+          <a:lstStyle/>
+          <a:p>
+            <a:pPr algn="ctr"/>
+            <a:endParaRPr lang="en-US"/>
+          </a:p>
+        </p:txBody>
+      </p:sp>
+      <p:sp>
+        <p:nvSpPr>
+          <p:cNvPr id="2" name="Title 1">
+            <a:extLst>
+              <a:ext uri="{FF2B5EF4-FFF2-40B4-BE49-F238E27FC236}">
+                <a16:creationId xmlns:a16="http://schemas.microsoft.com/office/drawing/2014/main" id="{A5D6F215-AACB-4122-99D7-CDB74D93BD6C}"/>
+              </a:ext>
+            </a:extLst>
+          </p:cNvPr>
+          <p:cNvSpPr>
+            <a:spLocks noGrp="1"/>
+          </p:cNvSpPr>
+          <p:nvPr>
+            <p:ph type="title"/>
+          </p:nvPr>
+        </p:nvSpPr>
+        <p:spPr>
+          <a:xfrm>
+            <a:off x="841248" y="548640"/>
+            <a:ext cx="3600860" cy="5431536"/>
+          </a:xfrm>
+        </p:spPr>
+        <p:txBody>
+          <a:bodyPr>
+            <a:normAutofit/>
+          </a:bodyPr>
+          <a:lstStyle/>
+          <a:p>
+            <a:r>
+              <a:rPr lang="en-US" sz="5400"/>
+              <a:t>Exams</a:t>
+            </a:r>
+          </a:p>
+        </p:txBody>
+      </p:sp>
+      <p:sp>
+        <p:nvSpPr>
+          <p:cNvPr id="12" name="sketch line">
+            <a:extLst>
+              <a:ext uri="{FF2B5EF4-FFF2-40B4-BE49-F238E27FC236}">
+                <a16:creationId xmlns:a16="http://schemas.microsoft.com/office/drawing/2014/main" id="{5D6C15A0-C087-4593-8414-2B4EC1CDC3DE}"/>
+              </a:ext>
+              <a:ext uri="{C183D7F6-B498-43B3-948B-1728B52AA6E4}">
+                <adec:decorative xmlns:adec="http://schemas.microsoft.com/office/drawing/2017/decorative" val="1"/>
+              </a:ext>
+            </a:extLst>
+          </p:cNvPr>
+          <p:cNvSpPr>
+            <a:spLocks noGrp="1" noRot="1" noChangeAspect="1" noMove="1" noResize="1" noEditPoints="1" noAdjustHandles="1" noChangeArrowheads="1" noChangeShapeType="1" noTextEdit="1"/>
+          </p:cNvSpPr>
+          <p:nvPr>
+            <p:extLst>
+              <p:ext uri="{386F3935-93C4-4BCD-93E2-E3B085C9AB24}">
+                <p16:designElem xmlns:p16="http://schemas.microsoft.com/office/powerpoint/2015/main" val="1"/>
+              </p:ext>
+            </p:extLst>
+          </p:nvPr>
+        </p:nvSpPr>
+        <p:spPr>
+          <a:xfrm rot="5400000">
+            <a:off x="2543983" y="3258715"/>
+            <a:ext cx="4480560" cy="18288"/>
+          </a:xfrm>
+          <a:custGeom>
+            <a:avLst/>
+            <a:gdLst>
+              <a:gd name="connsiteX0" fmla="*/ 0 w 4480560"/>
+              <a:gd name="connsiteY0" fmla="*/ 0 h 18288"/>
+              <a:gd name="connsiteX1" fmla="*/ 595274 w 4480560"/>
+              <a:gd name="connsiteY1" fmla="*/ 0 h 18288"/>
+              <a:gd name="connsiteX2" fmla="*/ 1100938 w 4480560"/>
+              <a:gd name="connsiteY2" fmla="*/ 0 h 18288"/>
+              <a:gd name="connsiteX3" fmla="*/ 1651406 w 4480560"/>
+              <a:gd name="connsiteY3" fmla="*/ 0 h 18288"/>
+              <a:gd name="connsiteX4" fmla="*/ 2336292 w 4480560"/>
+              <a:gd name="connsiteY4" fmla="*/ 0 h 18288"/>
+              <a:gd name="connsiteX5" fmla="*/ 2931566 w 4480560"/>
+              <a:gd name="connsiteY5" fmla="*/ 0 h 18288"/>
+              <a:gd name="connsiteX6" fmla="*/ 3482035 w 4480560"/>
+              <a:gd name="connsiteY6" fmla="*/ 0 h 18288"/>
+              <a:gd name="connsiteX7" fmla="*/ 4480560 w 4480560"/>
+              <a:gd name="connsiteY7" fmla="*/ 0 h 18288"/>
+              <a:gd name="connsiteX8" fmla="*/ 4480560 w 4480560"/>
+              <a:gd name="connsiteY8" fmla="*/ 18288 h 18288"/>
+              <a:gd name="connsiteX9" fmla="*/ 3840480 w 4480560"/>
+              <a:gd name="connsiteY9" fmla="*/ 18288 h 18288"/>
+              <a:gd name="connsiteX10" fmla="*/ 3290011 w 4480560"/>
+              <a:gd name="connsiteY10" fmla="*/ 18288 h 18288"/>
+              <a:gd name="connsiteX11" fmla="*/ 2560320 w 4480560"/>
+              <a:gd name="connsiteY11" fmla="*/ 18288 h 18288"/>
+              <a:gd name="connsiteX12" fmla="*/ 1965046 w 4480560"/>
+              <a:gd name="connsiteY12" fmla="*/ 18288 h 18288"/>
+              <a:gd name="connsiteX13" fmla="*/ 1459382 w 4480560"/>
+              <a:gd name="connsiteY13" fmla="*/ 18288 h 18288"/>
+              <a:gd name="connsiteX14" fmla="*/ 774497 w 4480560"/>
+              <a:gd name="connsiteY14" fmla="*/ 18288 h 18288"/>
+              <a:gd name="connsiteX15" fmla="*/ 0 w 4480560"/>
+              <a:gd name="connsiteY15" fmla="*/ 18288 h 18288"/>
+              <a:gd name="connsiteX16" fmla="*/ 0 w 4480560"/>
+              <a:gd name="connsiteY16" fmla="*/ 0 h 18288"/>
+            </a:gdLst>
+            <a:ahLst/>
+            <a:cxnLst>
+              <a:cxn ang="0">
+                <a:pos x="connsiteX0" y="connsiteY0"/>
+              </a:cxn>
+              <a:cxn ang="0">
+                <a:pos x="connsiteX1" y="connsiteY1"/>
+              </a:cxn>
+              <a:cxn ang="0">
+                <a:pos x="connsiteX2" y="connsiteY2"/>
+              </a:cxn>
+              <a:cxn ang="0">
+                <a:pos x="connsiteX3" y="connsiteY3"/>
+              </a:cxn>
+              <a:cxn ang="0">
+                <a:pos x="connsiteX4" y="connsiteY4"/>
+              </a:cxn>
+              <a:cxn ang="0">
+                <a:pos x="connsiteX5" y="connsiteY5"/>
+              </a:cxn>
+              <a:cxn ang="0">
+                <a:pos x="connsiteX6" y="connsiteY6"/>
+              </a:cxn>
+              <a:cxn ang="0">
+                <a:pos x="connsiteX7" y="connsiteY7"/>
+              </a:cxn>
+              <a:cxn ang="0">
+                <a:pos x="connsiteX8" y="connsiteY8"/>
+              </a:cxn>
+              <a:cxn ang="0">
+                <a:pos x="connsiteX9" y="connsiteY9"/>
+              </a:cxn>
+              <a:cxn ang="0">
+                <a:pos x="connsiteX10" y="connsiteY10"/>
+              </a:cxn>
+              <a:cxn ang="0">
+                <a:pos x="connsiteX11" y="connsiteY11"/>
+              </a:cxn>
+              <a:cxn ang="0">
+                <a:pos x="connsiteX12" y="connsiteY12"/>
+              </a:cxn>
+              <a:cxn ang="0">
+                <a:pos x="connsiteX13" y="connsiteY13"/>
+              </a:cxn>
+              <a:cxn ang="0">
+                <a:pos x="connsiteX14" y="connsiteY14"/>
+              </a:cxn>
+              <a:cxn ang="0">
+                <a:pos x="connsiteX15" y="connsiteY15"/>
+              </a:cxn>
+              <a:cxn ang="0">
+                <a:pos x="connsiteX16" y="connsiteY16"/>
+              </a:cxn>
+            </a:cxnLst>
+            <a:rect l="l" t="t" r="r" b="b"/>
+            <a:pathLst>
+              <a:path w="4480560" h="18288" fill="none" extrusionOk="0">
+                <a:moveTo>
+                  <a:pt x="0" y="0"/>
+                </a:moveTo>
+                <a:cubicBezTo>
+                  <a:pt x="267821" y="8731"/>
+                  <a:pt x="334105" y="2629"/>
+                  <a:pt x="595274" y="0"/>
+                </a:cubicBezTo>
+                <a:cubicBezTo>
+                  <a:pt x="856443" y="-2629"/>
+                  <a:pt x="863808" y="-13353"/>
+                  <a:pt x="1100938" y="0"/>
+                </a:cubicBezTo>
+                <a:cubicBezTo>
+                  <a:pt x="1338068" y="13353"/>
+                  <a:pt x="1431663" y="-25862"/>
+                  <a:pt x="1651406" y="0"/>
+                </a:cubicBezTo>
+                <a:cubicBezTo>
+                  <a:pt x="1871149" y="25862"/>
+                  <a:pt x="2173163" y="23827"/>
+                  <a:pt x="2336292" y="0"/>
+                </a:cubicBezTo>
+                <a:cubicBezTo>
+                  <a:pt x="2499421" y="-23827"/>
+                  <a:pt x="2720589" y="28148"/>
+                  <a:pt x="2931566" y="0"/>
+                </a:cubicBezTo>
+                <a:cubicBezTo>
+                  <a:pt x="3142543" y="-28148"/>
+                  <a:pt x="3323630" y="27022"/>
+                  <a:pt x="3482035" y="0"/>
+                </a:cubicBezTo>
+                <a:cubicBezTo>
+                  <a:pt x="3640440" y="-27022"/>
+                  <a:pt x="4012110" y="-20118"/>
+                  <a:pt x="4480560" y="0"/>
+                </a:cubicBezTo>
+                <a:cubicBezTo>
+                  <a:pt x="4480958" y="7429"/>
+                  <a:pt x="4480540" y="10822"/>
+                  <a:pt x="4480560" y="18288"/>
+                </a:cubicBezTo>
+                <a:cubicBezTo>
+                  <a:pt x="4314132" y="14924"/>
+                  <a:pt x="4028383" y="36632"/>
+                  <a:pt x="3840480" y="18288"/>
+                </a:cubicBezTo>
+                <a:cubicBezTo>
+                  <a:pt x="3652577" y="-56"/>
+                  <a:pt x="3547615" y="2848"/>
+                  <a:pt x="3290011" y="18288"/>
+                </a:cubicBezTo>
+                <a:cubicBezTo>
+                  <a:pt x="3032407" y="33728"/>
+                  <a:pt x="2830268" y="8719"/>
+                  <a:pt x="2560320" y="18288"/>
+                </a:cubicBezTo>
+                <a:cubicBezTo>
+                  <a:pt x="2290372" y="27857"/>
+                  <a:pt x="2147422" y="6728"/>
+                  <a:pt x="1965046" y="18288"/>
+                </a:cubicBezTo>
+                <a:cubicBezTo>
+                  <a:pt x="1782670" y="29848"/>
+                  <a:pt x="1689791" y="40680"/>
+                  <a:pt x="1459382" y="18288"/>
+                </a:cubicBezTo>
+                <a:cubicBezTo>
+                  <a:pt x="1228973" y="-4104"/>
+                  <a:pt x="915486" y="36501"/>
+                  <a:pt x="774497" y="18288"/>
+                </a:cubicBezTo>
+                <a:cubicBezTo>
+                  <a:pt x="633508" y="75"/>
+                  <a:pt x="361442" y="-11107"/>
+                  <a:pt x="0" y="18288"/>
+                </a:cubicBezTo>
+                <a:cubicBezTo>
+                  <a:pt x="-591" y="13205"/>
+                  <a:pt x="-663" y="6329"/>
+                  <a:pt x="0" y="0"/>
+                </a:cubicBezTo>
+                <a:close/>
+              </a:path>
+              <a:path w="4480560" h="18288" stroke="0" extrusionOk="0">
+                <a:moveTo>
+                  <a:pt x="0" y="0"/>
+                </a:moveTo>
+                <a:cubicBezTo>
+                  <a:pt x="285465" y="225"/>
+                  <a:pt x="322691" y="16223"/>
+                  <a:pt x="595274" y="0"/>
+                </a:cubicBezTo>
+                <a:cubicBezTo>
+                  <a:pt x="867857" y="-16223"/>
+                  <a:pt x="989129" y="-11242"/>
+                  <a:pt x="1100938" y="0"/>
+                </a:cubicBezTo>
+                <a:cubicBezTo>
+                  <a:pt x="1212747" y="11242"/>
+                  <a:pt x="1574350" y="-36410"/>
+                  <a:pt x="1830629" y="0"/>
+                </a:cubicBezTo>
+                <a:cubicBezTo>
+                  <a:pt x="2086908" y="36410"/>
+                  <a:pt x="2180922" y="4645"/>
+                  <a:pt x="2425903" y="0"/>
+                </a:cubicBezTo>
+                <a:cubicBezTo>
+                  <a:pt x="2670884" y="-4645"/>
+                  <a:pt x="2782024" y="22929"/>
+                  <a:pt x="3021178" y="0"/>
+                </a:cubicBezTo>
+                <a:cubicBezTo>
+                  <a:pt x="3260332" y="-22929"/>
+                  <a:pt x="3456982" y="-1586"/>
+                  <a:pt x="3750869" y="0"/>
+                </a:cubicBezTo>
+                <a:cubicBezTo>
+                  <a:pt x="4044756" y="1586"/>
+                  <a:pt x="4302726" y="17043"/>
+                  <a:pt x="4480560" y="0"/>
+                </a:cubicBezTo>
+                <a:cubicBezTo>
+                  <a:pt x="4479674" y="5429"/>
+                  <a:pt x="4481381" y="14046"/>
+                  <a:pt x="4480560" y="18288"/>
+                </a:cubicBezTo>
+                <a:cubicBezTo>
+                  <a:pt x="4279652" y="-6850"/>
+                  <a:pt x="4200762" y="41566"/>
+                  <a:pt x="3930091" y="18288"/>
+                </a:cubicBezTo>
+                <a:cubicBezTo>
+                  <a:pt x="3659420" y="-4990"/>
+                  <a:pt x="3456052" y="22294"/>
+                  <a:pt x="3290011" y="18288"/>
+                </a:cubicBezTo>
+                <a:cubicBezTo>
+                  <a:pt x="3123970" y="14282"/>
+                  <a:pt x="2882392" y="32818"/>
+                  <a:pt x="2649931" y="18288"/>
+                </a:cubicBezTo>
+                <a:cubicBezTo>
+                  <a:pt x="2417470" y="3758"/>
+                  <a:pt x="2238426" y="7337"/>
+                  <a:pt x="2054657" y="18288"/>
+                </a:cubicBezTo>
+                <a:cubicBezTo>
+                  <a:pt x="1870888" y="29239"/>
+                  <a:pt x="1566368" y="45040"/>
+                  <a:pt x="1324966" y="18288"/>
+                </a:cubicBezTo>
+                <a:cubicBezTo>
+                  <a:pt x="1083564" y="-8464"/>
+                  <a:pt x="787410" y="10946"/>
+                  <a:pt x="595274" y="18288"/>
+                </a:cubicBezTo>
+                <a:cubicBezTo>
+                  <a:pt x="403138" y="25630"/>
+                  <a:pt x="169622" y="10499"/>
+                  <a:pt x="0" y="18288"/>
+                </a:cubicBezTo>
+                <a:cubicBezTo>
+                  <a:pt x="668" y="13665"/>
+                  <a:pt x="578" y="5675"/>
+                  <a:pt x="0" y="0"/>
+                </a:cubicBezTo>
+                <a:close/>
+              </a:path>
+            </a:pathLst>
+          </a:custGeom>
+          <a:solidFill>
+            <a:schemeClr val="accent2"/>
+          </a:solidFill>
+          <a:ln w="41275" cap="rnd">
+            <a:solidFill>
+              <a:schemeClr val="accent2"/>
+            </a:solidFill>
+            <a:round/>
+            <a:extLst>
+              <a:ext uri="{C807C97D-BFC1-408E-A445-0C87EB9F89A2}">
+                <ask:lineSketchStyleProps xmlns:ask="http://schemas.microsoft.com/office/drawing/2018/sketchyshapes" sd="1219033472">
+                  <a:prstGeom prst="rect">
+                    <a:avLst/>
+                  </a:prstGeom>
+                  <ask:type>
+                    <ask:lineSketchFreehand/>
+                  </ask:type>
+                </ask:lineSketchStyleProps>
+              </a:ext>
+            </a:extLst>
+          </a:ln>
+        </p:spPr>
+        <p:style>
+          <a:lnRef idx="2">
+            <a:schemeClr val="accent1">
+              <a:shade val="50000"/>
+            </a:schemeClr>
+          </a:lnRef>
+          <a:fillRef idx="1">
+            <a:schemeClr val="accent1"/>
+          </a:fillRef>
+          <a:effectRef idx="0">
+            <a:schemeClr val="accent1"/>
+          </a:effectRef>
+          <a:fontRef idx="minor">
+            <a:schemeClr val="lt1"/>
+          </a:fontRef>
+        </p:style>
+        <p:txBody>
+          <a:bodyPr rtlCol="0" anchor="ctr"/>
+          <a:lstStyle/>
+          <a:p>
+            <a:pPr algn="ctr"/>
+            <a:endParaRPr lang="en-US"/>
+          </a:p>
+        </p:txBody>
+      </p:sp>
+      <p:sp>
+        <p:nvSpPr>
+          <p:cNvPr id="3" name="Content Placeholder 2">
+            <a:extLst>
+              <a:ext uri="{FF2B5EF4-FFF2-40B4-BE49-F238E27FC236}">
+                <a16:creationId xmlns:a16="http://schemas.microsoft.com/office/drawing/2014/main" id="{87A2DDC5-7696-4FEF-B12E-40E838CF6055}"/>
+              </a:ext>
+            </a:extLst>
+          </p:cNvPr>
+          <p:cNvSpPr>
+            <a:spLocks noGrp="1"/>
+          </p:cNvSpPr>
+          <p:nvPr>
+            <p:ph idx="1"/>
+          </p:nvPr>
+        </p:nvSpPr>
+        <p:spPr>
+          <a:xfrm>
+            <a:off x="5126418" y="552091"/>
+            <a:ext cx="6224335" cy="5431536"/>
+          </a:xfrm>
+        </p:spPr>
+        <p:txBody>
+          <a:bodyPr anchor="ctr">
+            <a:normAutofit/>
+          </a:bodyPr>
+          <a:lstStyle/>
+          <a:p>
+            <a:r>
+              <a:rPr lang="en-US" sz="2200" dirty="0"/>
+              <a:t>2 Exams </a:t>
+            </a:r>
+          </a:p>
+          <a:p>
+            <a:r>
+              <a:rPr lang="en-US" sz="2200" dirty="0"/>
+              <a:t>Multiple choice questions</a:t>
+            </a:r>
+          </a:p>
+          <a:p>
+            <a:r>
+              <a:rPr lang="en-US" sz="2200" dirty="0"/>
+              <a:t>Same format as quizzes </a:t>
+            </a:r>
+          </a:p>
+          <a:p>
+            <a:r>
+              <a:rPr lang="en-US" sz="2200" dirty="0"/>
+              <a:t>30 questions in 1 hour and 15 mins</a:t>
+            </a:r>
+          </a:p>
+        </p:txBody>
+      </p:sp>
+      <p:sp>
+        <p:nvSpPr>
+          <p:cNvPr id="4" name="Footer Placeholder 3">
+            <a:extLst>
+              <a:ext uri="{FF2B5EF4-FFF2-40B4-BE49-F238E27FC236}">
+                <a16:creationId xmlns:a16="http://schemas.microsoft.com/office/drawing/2014/main" id="{AA30BE81-6536-4C82-A1FF-3E7A68C3B895}"/>
+              </a:ext>
+            </a:extLst>
+          </p:cNvPr>
+          <p:cNvSpPr>
+            <a:spLocks noGrp="1"/>
+          </p:cNvSpPr>
+          <p:nvPr>
+            <p:ph type="ftr" sz="quarter" idx="11"/>
+          </p:nvPr>
+        </p:nvSpPr>
+        <p:spPr>
+          <a:xfrm>
+            <a:off x="4038600" y="6356350"/>
+            <a:ext cx="4114800" cy="365125"/>
+          </a:xfrm>
+        </p:spPr>
+        <p:txBody>
+          <a:bodyPr>
+            <a:normAutofit/>
+          </a:bodyPr>
+          <a:lstStyle/>
+          <a:p>
+            <a:pPr>
+              <a:spcAft>
+                <a:spcPts val="600"/>
+              </a:spcAft>
+            </a:pPr>
+            <a:r>
+              <a:rPr lang="en-US"/>
+              <a:t>Mike Nguyen</a:t>
+            </a:r>
+          </a:p>
+        </p:txBody>
+      </p:sp>
+      <p:sp>
+        <p:nvSpPr>
+          <p:cNvPr id="5" name="Slide Number Placeholder 4">
+            <a:extLst>
+              <a:ext uri="{FF2B5EF4-FFF2-40B4-BE49-F238E27FC236}">
+                <a16:creationId xmlns:a16="http://schemas.microsoft.com/office/drawing/2014/main" id="{E0D65053-B1AB-48C4-B19F-A2E241E0E8CA}"/>
+              </a:ext>
+            </a:extLst>
+          </p:cNvPr>
+          <p:cNvSpPr>
+            <a:spLocks noGrp="1"/>
+          </p:cNvSpPr>
+          <p:nvPr>
+            <p:ph type="sldNum" sz="quarter" idx="12"/>
+          </p:nvPr>
+        </p:nvSpPr>
+        <p:spPr>
+          <a:xfrm>
+            <a:off x="8610600" y="6356350"/>
+            <a:ext cx="2743200" cy="365125"/>
+          </a:xfrm>
+        </p:spPr>
+        <p:txBody>
+          <a:bodyPr>
+            <a:normAutofit/>
+          </a:bodyPr>
+          <a:lstStyle/>
+          <a:p>
+            <a:pPr>
+              <a:spcAft>
+                <a:spcPts val="600"/>
+              </a:spcAft>
+            </a:pPr>
+            <a:fld id="{A6AF1B4E-90EC-4A51-B6E5-B702C054ECB0}" type="slidenum">
+              <a:rPr lang="en-US" smtClean="0"/>
+              <a:pPr>
+                <a:spcAft>
+                  <a:spcPts val="600"/>
+                </a:spcAft>
+              </a:pPr>
+              <a:t>11</a:t>
+            </a:fld>
+            <a:endParaRPr lang="en-US"/>
+          </a:p>
+        </p:txBody>
+      </p:sp>
+    </p:spTree>
+    <p:extLst>
+      <p:ext uri="{BB962C8B-B14F-4D97-AF65-F5344CB8AC3E}">
+        <p14:creationId xmlns:p14="http://schemas.microsoft.com/office/powerpoint/2010/main" val="2579820404"/>
+      </p:ext>
+    </p:extLst>
+  </p:cSld>
+  <p:clrMapOvr>
+    <a:masterClrMapping/>
+  </p:clrMapOvr>
+</p:sld>
+</file>
+
+<file path=ppt/slides/slide12.xml><?xml version="1.0" encoding="utf-8"?>
+<p:sld xmlns:a="http://schemas.openxmlformats.org/drawingml/2006/main" xmlns:r="http://schemas.openxmlformats.org/officeDocument/2006/relationships" xmlns:p="http://schemas.openxmlformats.org/presentationml/2006/main">
+  <p:cSld>
+    <p:bg>
+      <p:bgPr>
+        <a:solidFill>
+          <a:schemeClr val="bg1"/>
+        </a:solidFill>
+        <a:effectLst/>
+      </p:bgPr>
+    </p:bg>
+    <p:spTree>
+      <p:nvGrpSpPr>
+        <p:cNvPr id="1" name=""/>
+        <p:cNvGrpSpPr/>
+        <p:nvPr/>
+      </p:nvGrpSpPr>
+      <p:grpSpPr>
+        <a:xfrm>
+          <a:off x="0" y="0"/>
+          <a:ext cx="0" cy="0"/>
+          <a:chOff x="0" y="0"/>
+          <a:chExt cx="0" cy="0"/>
+        </a:xfrm>
+      </p:grpSpPr>
+      <p:sp useBgFill="1">
+        <p:nvSpPr>
+          <p:cNvPr id="12" name="Rectangle 11">
+            <a:extLst>
+              <a:ext uri="{FF2B5EF4-FFF2-40B4-BE49-F238E27FC236}">
+                <a16:creationId xmlns:a16="http://schemas.microsoft.com/office/drawing/2014/main" id="{32AEEBC8-9D30-42EF-95F2-386C2653FBF0}"/>
+              </a:ext>
+              <a:ext uri="{C183D7F6-B498-43B3-948B-1728B52AA6E4}">
+                <adec:decorative xmlns:adec="http://schemas.microsoft.com/office/drawing/2017/decorative" val="1"/>
+              </a:ext>
+            </a:extLst>
+          </p:cNvPr>
+          <p:cNvSpPr>
+            <a:spLocks noGrp="1" noRot="1" noChangeAspect="1" noMove="1" noResize="1" noEditPoints="1" noAdjustHandles="1" noChangeArrowheads="1" noChangeShapeType="1" noTextEdit="1"/>
+          </p:cNvSpPr>
+          <p:nvPr>
+            <p:extLst>
+              <p:ext uri="{386F3935-93C4-4BCD-93E2-E3B085C9AB24}">
+                <p16:designElem xmlns:p16="http://schemas.microsoft.com/office/powerpoint/2015/main" val="1"/>
+              </p:ext>
+            </p:extLst>
+          </p:nvPr>
+        </p:nvSpPr>
+        <p:spPr>
+          <a:xfrm>
+            <a:off x="0" y="0"/>
+            <a:ext cx="12192000" cy="6858000"/>
+          </a:xfrm>
+          <a:prstGeom prst="rect">
+            <a:avLst/>
+          </a:prstGeom>
+          <a:ln>
+            <a:noFill/>
+          </a:ln>
+        </p:spPr>
+        <p:style>
+          <a:lnRef idx="2">
+            <a:schemeClr val="accent1">
+              <a:shade val="50000"/>
+            </a:schemeClr>
+          </a:lnRef>
+          <a:fillRef idx="1">
+            <a:schemeClr val="accent1"/>
+          </a:fillRef>
+          <a:effectRef idx="0">
+            <a:schemeClr val="accent1"/>
+          </a:effectRef>
+          <a:fontRef idx="minor">
+            <a:schemeClr val="lt1"/>
+          </a:fontRef>
+        </p:style>
+        <p:txBody>
+          <a:bodyPr rtlCol="0" anchor="ctr"/>
+          <a:lstStyle/>
+          <a:p>
+            <a:pPr algn="ctr"/>
+            <a:endParaRPr lang="en-US"/>
+          </a:p>
+        </p:txBody>
+      </p:sp>
+      <p:sp>
+        <p:nvSpPr>
+          <p:cNvPr id="14" name="Freeform: Shape 13">
+            <a:extLst>
+              <a:ext uri="{FF2B5EF4-FFF2-40B4-BE49-F238E27FC236}">
+                <a16:creationId xmlns:a16="http://schemas.microsoft.com/office/drawing/2014/main" id="{3529E97A-97C3-40EA-8A04-5C02398D568F}"/>
+              </a:ext>
+              <a:ext uri="{C183D7F6-B498-43B3-948B-1728B52AA6E4}">
+                <adec:decorative xmlns:adec="http://schemas.microsoft.com/office/drawing/2017/decorative" val="1"/>
+              </a:ext>
+            </a:extLst>
+          </p:cNvPr>
+          <p:cNvSpPr>
+            <a:spLocks noGrp="1" noRot="1" noChangeAspect="1" noMove="1" noResize="1" noEditPoints="1" noAdjustHandles="1" noChangeArrowheads="1" noChangeShapeType="1" noTextEdit="1"/>
+          </p:cNvSpPr>
+          <p:nvPr>
+            <p:extLst>
+              <p:ext uri="{386F3935-93C4-4BCD-93E2-E3B085C9AB24}">
+                <p16:designElem xmlns:p16="http://schemas.microsoft.com/office/powerpoint/2015/main" val="1"/>
+              </p:ext>
+            </p:extLst>
+          </p:nvPr>
+        </p:nvSpPr>
+        <p:spPr>
+          <a:xfrm>
+            <a:off x="0" y="0"/>
+            <a:ext cx="12192000" cy="2877832"/>
+          </a:xfrm>
+          <a:custGeom>
+            <a:avLst/>
+            <a:gdLst>
+              <a:gd name="connsiteX0" fmla="*/ 6789701 w 12192000"/>
+              <a:gd name="connsiteY0" fmla="*/ 2809623 h 2877832"/>
+              <a:gd name="connsiteX1" fmla="*/ 6788702 w 12192000"/>
+              <a:gd name="connsiteY1" fmla="*/ 2809701 h 2877832"/>
+              <a:gd name="connsiteX2" fmla="*/ 6788476 w 12192000"/>
+              <a:gd name="connsiteY2" fmla="*/ 2810235 h 2877832"/>
+              <a:gd name="connsiteX3" fmla="*/ 0 w 12192000"/>
+              <a:gd name="connsiteY3" fmla="*/ 0 h 2877832"/>
+              <a:gd name="connsiteX4" fmla="*/ 12192000 w 12192000"/>
+              <a:gd name="connsiteY4" fmla="*/ 0 h 2877832"/>
+              <a:gd name="connsiteX5" fmla="*/ 12192000 w 12192000"/>
+              <a:gd name="connsiteY5" fmla="*/ 1915388 h 2877832"/>
+              <a:gd name="connsiteX6" fmla="*/ 12061096 w 12192000"/>
+              <a:gd name="connsiteY6" fmla="*/ 1954428 h 2877832"/>
+              <a:gd name="connsiteX7" fmla="*/ 11676800 w 12192000"/>
+              <a:gd name="connsiteY7" fmla="*/ 2058003 h 2877832"/>
+              <a:gd name="connsiteX8" fmla="*/ 10425355 w 12192000"/>
+              <a:gd name="connsiteY8" fmla="*/ 2341542 h 2877832"/>
+              <a:gd name="connsiteX9" fmla="*/ 9424022 w 12192000"/>
+              <a:gd name="connsiteY9" fmla="*/ 2516704 h 2877832"/>
+              <a:gd name="connsiteX10" fmla="*/ 8458419 w 12192000"/>
+              <a:gd name="connsiteY10" fmla="*/ 2650405 h 2877832"/>
+              <a:gd name="connsiteX11" fmla="*/ 7715970 w 12192000"/>
+              <a:gd name="connsiteY11" fmla="*/ 2730352 h 2877832"/>
+              <a:gd name="connsiteX12" fmla="*/ 6951716 w 12192000"/>
+              <a:gd name="connsiteY12" fmla="*/ 2796132 h 2877832"/>
+              <a:gd name="connsiteX13" fmla="*/ 6936303 w 12192000"/>
+              <a:gd name="connsiteY13" fmla="*/ 2798203 h 2877832"/>
+              <a:gd name="connsiteX14" fmla="*/ 6790448 w 12192000"/>
+              <a:gd name="connsiteY14" fmla="*/ 2809564 h 2877832"/>
+              <a:gd name="connsiteX15" fmla="*/ 6799941 w 12192000"/>
+              <a:gd name="connsiteY15" fmla="*/ 2811384 h 2877832"/>
+              <a:gd name="connsiteX16" fmla="*/ 6835432 w 12192000"/>
+              <a:gd name="connsiteY16" fmla="*/ 2809677 h 2877832"/>
+              <a:gd name="connsiteX17" fmla="*/ 6884003 w 12192000"/>
+              <a:gd name="connsiteY17" fmla="*/ 2806699 h 2877832"/>
+              <a:gd name="connsiteX18" fmla="*/ 7578771 w 12192000"/>
+              <a:gd name="connsiteY18" fmla="*/ 2774172 h 2877832"/>
+              <a:gd name="connsiteX19" fmla="*/ 8623845 w 12192000"/>
+              <a:gd name="connsiteY19" fmla="*/ 2687275 h 2877832"/>
+              <a:gd name="connsiteX20" fmla="*/ 9479970 w 12192000"/>
+              <a:gd name="connsiteY20" fmla="*/ 2583369 h 2877832"/>
+              <a:gd name="connsiteX21" fmla="*/ 10629308 w 12192000"/>
+              <a:gd name="connsiteY21" fmla="*/ 2389212 h 2877832"/>
+              <a:gd name="connsiteX22" fmla="*/ 11998498 w 12192000"/>
+              <a:gd name="connsiteY22" fmla="*/ 2063218 h 2877832"/>
+              <a:gd name="connsiteX23" fmla="*/ 12192000 w 12192000"/>
+              <a:gd name="connsiteY23" fmla="*/ 2006219 h 2877832"/>
+              <a:gd name="connsiteX24" fmla="*/ 12192000 w 12192000"/>
+              <a:gd name="connsiteY24" fmla="*/ 2060956 h 2877832"/>
+              <a:gd name="connsiteX25" fmla="*/ 11829257 w 12192000"/>
+              <a:gd name="connsiteY25" fmla="*/ 2166255 h 2877832"/>
+              <a:gd name="connsiteX26" fmla="*/ 10939183 w 12192000"/>
+              <a:gd name="connsiteY26" fmla="*/ 2380770 h 2877832"/>
+              <a:gd name="connsiteX27" fmla="*/ 9985530 w 12192000"/>
+              <a:gd name="connsiteY27" fmla="*/ 2560775 h 2877832"/>
+              <a:gd name="connsiteX28" fmla="*/ 9186882 w 12192000"/>
+              <a:gd name="connsiteY28" fmla="*/ 2676722 h 2877832"/>
+              <a:gd name="connsiteX29" fmla="*/ 8578198 w 12192000"/>
+              <a:gd name="connsiteY29" fmla="*/ 2746241 h 2877832"/>
+              <a:gd name="connsiteX30" fmla="*/ 7864358 w 12192000"/>
+              <a:gd name="connsiteY30" fmla="*/ 2807692 h 2877832"/>
+              <a:gd name="connsiteX31" fmla="*/ 6935502 w 12192000"/>
+              <a:gd name="connsiteY31" fmla="*/ 2859086 h 2877832"/>
+              <a:gd name="connsiteX32" fmla="*/ 6477750 w 12192000"/>
+              <a:gd name="connsiteY32" fmla="*/ 2872989 h 2877832"/>
+              <a:gd name="connsiteX33" fmla="*/ 6362294 w 12192000"/>
+              <a:gd name="connsiteY33" fmla="*/ 2877832 h 2877832"/>
+              <a:gd name="connsiteX34" fmla="*/ 6057129 w 12192000"/>
+              <a:gd name="connsiteY34" fmla="*/ 2877832 h 2877832"/>
+              <a:gd name="connsiteX35" fmla="*/ 5977784 w 12192000"/>
+              <a:gd name="connsiteY35" fmla="*/ 2873238 h 2877832"/>
+              <a:gd name="connsiteX36" fmla="*/ 5265087 w 12192000"/>
+              <a:gd name="connsiteY36" fmla="*/ 2836989 h 2877832"/>
+              <a:gd name="connsiteX37" fmla="*/ 4346277 w 12192000"/>
+              <a:gd name="connsiteY37" fmla="*/ 2774919 h 2877832"/>
+              <a:gd name="connsiteX38" fmla="*/ 3373045 w 12192000"/>
+              <a:gd name="connsiteY38" fmla="*/ 2676350 h 2877832"/>
+              <a:gd name="connsiteX39" fmla="*/ 2362173 w 12192000"/>
+              <a:gd name="connsiteY39" fmla="*/ 2557423 h 2877832"/>
+              <a:gd name="connsiteX40" fmla="*/ 1233178 w 12192000"/>
+              <a:gd name="connsiteY40" fmla="*/ 2384247 h 2877832"/>
+              <a:gd name="connsiteX41" fmla="*/ 68500 w 12192000"/>
+              <a:gd name="connsiteY41" fmla="*/ 2144540 h 2877832"/>
+              <a:gd name="connsiteX42" fmla="*/ 0 w 12192000"/>
+              <a:gd name="connsiteY42" fmla="*/ 2127185 h 2877832"/>
+              <a:gd name="connsiteX43" fmla="*/ 0 w 12192000"/>
+              <a:gd name="connsiteY43" fmla="*/ 2070696 h 2877832"/>
+              <a:gd name="connsiteX44" fmla="*/ 72441 w 12192000"/>
+              <a:gd name="connsiteY44" fmla="*/ 2089473 h 2877832"/>
+              <a:gd name="connsiteX45" fmla="*/ 600716 w 12192000"/>
+              <a:gd name="connsiteY45" fmla="*/ 2207843 h 2877832"/>
+              <a:gd name="connsiteX46" fmla="*/ 1769512 w 12192000"/>
+              <a:gd name="connsiteY46" fmla="*/ 2418011 h 2877832"/>
+              <a:gd name="connsiteX47" fmla="*/ 2613554 w 12192000"/>
+              <a:gd name="connsiteY47" fmla="*/ 2534953 h 2877832"/>
+              <a:gd name="connsiteX48" fmla="*/ 2581134 w 12192000"/>
+              <a:gd name="connsiteY48" fmla="*/ 2525022 h 2877832"/>
+              <a:gd name="connsiteX49" fmla="*/ 1112635 w 12192000"/>
+              <a:gd name="connsiteY49" fmla="*/ 2192325 h 2877832"/>
+              <a:gd name="connsiteX50" fmla="*/ 420412 w 12192000"/>
+              <a:gd name="connsiteY50" fmla="*/ 1992892 h 2877832"/>
+              <a:gd name="connsiteX51" fmla="*/ 0 w 12192000"/>
+              <a:gd name="connsiteY51" fmla="*/ 1853975 h 2877832"/>
+            </a:gdLst>
+            <a:ahLst/>
+            <a:cxnLst>
+              <a:cxn ang="0">
+                <a:pos x="connsiteX0" y="connsiteY0"/>
+              </a:cxn>
+              <a:cxn ang="0">
+                <a:pos x="connsiteX1" y="connsiteY1"/>
+              </a:cxn>
+              <a:cxn ang="0">
+                <a:pos x="connsiteX2" y="connsiteY2"/>
+              </a:cxn>
+              <a:cxn ang="0">
+                <a:pos x="connsiteX3" y="connsiteY3"/>
+              </a:cxn>
+              <a:cxn ang="0">
+                <a:pos x="connsiteX4" y="connsiteY4"/>
+              </a:cxn>
+              <a:cxn ang="0">
+                <a:pos x="connsiteX5" y="connsiteY5"/>
+              </a:cxn>
+              <a:cxn ang="0">
+                <a:pos x="connsiteX6" y="connsiteY6"/>
+              </a:cxn>
+              <a:cxn ang="0">
+                <a:pos x="connsiteX7" y="connsiteY7"/>
+              </a:cxn>
+              <a:cxn ang="0">
+                <a:pos x="connsiteX8" y="connsiteY8"/>
+              </a:cxn>
+              <a:cxn ang="0">
+                <a:pos x="connsiteX9" y="connsiteY9"/>
+              </a:cxn>
+              <a:cxn ang="0">
+                <a:pos x="connsiteX10" y="connsiteY10"/>
+              </a:cxn>
+              <a:cxn ang="0">
+                <a:pos x="connsiteX11" y="connsiteY11"/>
+              </a:cxn>
+              <a:cxn ang="0">
+                <a:pos x="connsiteX12" y="connsiteY12"/>
+              </a:cxn>
+              <a:cxn ang="0">
+                <a:pos x="connsiteX13" y="connsiteY13"/>
+              </a:cxn>
+              <a:cxn ang="0">
+                <a:pos x="connsiteX14" y="connsiteY14"/>
+              </a:cxn>
+              <a:cxn ang="0">
+                <a:pos x="connsiteX15" y="connsiteY15"/>
+              </a:cxn>
+              <a:cxn ang="0">
+                <a:pos x="connsiteX16" y="connsiteY16"/>
+              </a:cxn>
+              <a:cxn ang="0">
+                <a:pos x="connsiteX17" y="connsiteY17"/>
+              </a:cxn>
+              <a:cxn ang="0">
+                <a:pos x="connsiteX18" y="connsiteY18"/>
+              </a:cxn>
+              <a:cxn ang="0">
+                <a:pos x="connsiteX19" y="connsiteY19"/>
+              </a:cxn>
+              <a:cxn ang="0">
+                <a:pos x="connsiteX20" y="connsiteY20"/>
+              </a:cxn>
+              <a:cxn ang="0">
+                <a:pos x="connsiteX21" y="connsiteY21"/>
+              </a:cxn>
+              <a:cxn ang="0">
+                <a:pos x="connsiteX22" y="connsiteY22"/>
+              </a:cxn>
+              <a:cxn ang="0">
+                <a:pos x="connsiteX23" y="connsiteY23"/>
+              </a:cxn>
+              <a:cxn ang="0">
+                <a:pos x="connsiteX24" y="connsiteY24"/>
+              </a:cxn>
+              <a:cxn ang="0">
+                <a:pos x="connsiteX25" y="connsiteY25"/>
+              </a:cxn>
+              <a:cxn ang="0">
+                <a:pos x="connsiteX26" y="connsiteY26"/>
+              </a:cxn>
+              <a:cxn ang="0">
+                <a:pos x="connsiteX27" y="connsiteY27"/>
+              </a:cxn>
+              <a:cxn ang="0">
+                <a:pos x="connsiteX28" y="connsiteY28"/>
+              </a:cxn>
+              <a:cxn ang="0">
+                <a:pos x="connsiteX29" y="connsiteY29"/>
+              </a:cxn>
+              <a:cxn ang="0">
+                <a:pos x="connsiteX30" y="connsiteY30"/>
+              </a:cxn>
+              <a:cxn ang="0">
+                <a:pos x="connsiteX31" y="connsiteY31"/>
+              </a:cxn>
+              <a:cxn ang="0">
+                <a:pos x="connsiteX32" y="connsiteY32"/>
+              </a:cxn>
+              <a:cxn ang="0">
+                <a:pos x="connsiteX33" y="connsiteY33"/>
+              </a:cxn>
+              <a:cxn ang="0">
+                <a:pos x="connsiteX34" y="connsiteY34"/>
+              </a:cxn>
+              <a:cxn ang="0">
+                <a:pos x="connsiteX35" y="connsiteY35"/>
+              </a:cxn>
+              <a:cxn ang="0">
+                <a:pos x="connsiteX36" y="connsiteY36"/>
+              </a:cxn>
+              <a:cxn ang="0">
+                <a:pos x="connsiteX37" y="connsiteY37"/>
+              </a:cxn>
+              <a:cxn ang="0">
+                <a:pos x="connsiteX38" y="connsiteY38"/>
+              </a:cxn>
+              <a:cxn ang="0">
+                <a:pos x="connsiteX39" y="connsiteY39"/>
+              </a:cxn>
+              <a:cxn ang="0">
+                <a:pos x="connsiteX40" y="connsiteY40"/>
+              </a:cxn>
+              <a:cxn ang="0">
+                <a:pos x="connsiteX41" y="connsiteY41"/>
+              </a:cxn>
+              <a:cxn ang="0">
+                <a:pos x="connsiteX42" y="connsiteY42"/>
+              </a:cxn>
+              <a:cxn ang="0">
+                <a:pos x="connsiteX43" y="connsiteY43"/>
+              </a:cxn>
+              <a:cxn ang="0">
+                <a:pos x="connsiteX44" y="connsiteY44"/>
+              </a:cxn>
+              <a:cxn ang="0">
+                <a:pos x="connsiteX45" y="connsiteY45"/>
+              </a:cxn>
+              <a:cxn ang="0">
+                <a:pos x="connsiteX46" y="connsiteY46"/>
+              </a:cxn>
+              <a:cxn ang="0">
+                <a:pos x="connsiteX47" y="connsiteY47"/>
+              </a:cxn>
+              <a:cxn ang="0">
+                <a:pos x="connsiteX48" y="connsiteY48"/>
+              </a:cxn>
+              <a:cxn ang="0">
+                <a:pos x="connsiteX49" y="connsiteY49"/>
+              </a:cxn>
+              <a:cxn ang="0">
+                <a:pos x="connsiteX50" y="connsiteY50"/>
+              </a:cxn>
+              <a:cxn ang="0">
+                <a:pos x="connsiteX51" y="connsiteY51"/>
+              </a:cxn>
+            </a:cxnLst>
+            <a:rect l="l" t="t" r="r" b="b"/>
+            <a:pathLst>
+              <a:path w="12192000" h="2877832">
+                <a:moveTo>
+                  <a:pt x="6789701" y="2809623"/>
+                </a:moveTo>
+                <a:lnTo>
+                  <a:pt x="6788702" y="2809701"/>
+                </a:lnTo>
+                <a:lnTo>
+                  <a:pt x="6788476" y="2810235"/>
+                </a:lnTo>
+                <a:close/>
+                <a:moveTo>
+                  <a:pt x="0" y="0"/>
+                </a:moveTo>
+                <a:lnTo>
+                  <a:pt x="12192000" y="0"/>
+                </a:lnTo>
+                <a:lnTo>
+                  <a:pt x="12192000" y="1915388"/>
+                </a:lnTo>
+                <a:lnTo>
+                  <a:pt x="12061096" y="1954428"/>
+                </a:lnTo>
+                <a:cubicBezTo>
+                  <a:pt x="11933500" y="1990642"/>
+                  <a:pt x="11805390" y="2025171"/>
+                  <a:pt x="11676800" y="2058003"/>
+                </a:cubicBezTo>
+                <a:cubicBezTo>
+                  <a:pt x="11262789" y="2165510"/>
+                  <a:pt x="10845343" y="2259112"/>
+                  <a:pt x="10425355" y="2341542"/>
+                </a:cubicBezTo>
+                <a:cubicBezTo>
+                  <a:pt x="10092810" y="2406753"/>
+                  <a:pt x="9759033" y="2465150"/>
+                  <a:pt x="9424022" y="2516704"/>
+                </a:cubicBezTo>
+                <a:cubicBezTo>
+                  <a:pt x="9102997" y="2566361"/>
+                  <a:pt x="8781133" y="2610928"/>
+                  <a:pt x="8458419" y="2650405"/>
+                </a:cubicBezTo>
+                <a:cubicBezTo>
+                  <a:pt x="8211360" y="2680571"/>
+                  <a:pt x="7963792" y="2706144"/>
+                  <a:pt x="7715970" y="2730352"/>
+                </a:cubicBezTo>
+                <a:lnTo>
+                  <a:pt x="6951716" y="2796132"/>
+                </a:lnTo>
+                <a:lnTo>
+                  <a:pt x="6936303" y="2798203"/>
+                </a:lnTo>
+                <a:lnTo>
+                  <a:pt x="6790448" y="2809564"/>
+                </a:lnTo>
+                <a:lnTo>
+                  <a:pt x="6799941" y="2811384"/>
+                </a:lnTo>
+                <a:cubicBezTo>
+                  <a:pt x="6811623" y="2811850"/>
+                  <a:pt x="6823734" y="2809677"/>
+                  <a:pt x="6835432" y="2809677"/>
+                </a:cubicBezTo>
+                <a:cubicBezTo>
+                  <a:pt x="6851580" y="2809677"/>
+                  <a:pt x="6867729" y="2807070"/>
+                  <a:pt x="6884003" y="2806699"/>
+                </a:cubicBezTo>
+                <a:cubicBezTo>
+                  <a:pt x="7115805" y="2801237"/>
+                  <a:pt x="7347351" y="2789070"/>
+                  <a:pt x="7578771" y="2774172"/>
+                </a:cubicBezTo>
+                <a:cubicBezTo>
+                  <a:pt x="7927552" y="2751704"/>
+                  <a:pt x="8276080" y="2723525"/>
+                  <a:pt x="8623845" y="2687275"/>
+                </a:cubicBezTo>
+                <a:cubicBezTo>
+                  <a:pt x="8909939" y="2657977"/>
+                  <a:pt x="9195310" y="2623342"/>
+                  <a:pt x="9479970" y="2583369"/>
+                </a:cubicBezTo>
+                <a:cubicBezTo>
+                  <a:pt x="9864901" y="2528995"/>
+                  <a:pt x="10248014" y="2464281"/>
+                  <a:pt x="10629308" y="2389212"/>
+                </a:cubicBezTo>
+                <a:cubicBezTo>
+                  <a:pt x="11090114" y="2298092"/>
+                  <a:pt x="11546975" y="2190586"/>
+                  <a:pt x="11998498" y="2063218"/>
+                </a:cubicBezTo>
+                <a:lnTo>
+                  <a:pt x="12192000" y="2006219"/>
+                </a:lnTo>
+                <a:lnTo>
+                  <a:pt x="12192000" y="2060956"/>
+                </a:lnTo>
+                <a:lnTo>
+                  <a:pt x="11829257" y="2166255"/>
+                </a:lnTo>
+                <a:cubicBezTo>
+                  <a:pt x="11534769" y="2245952"/>
+                  <a:pt x="11238120" y="2316838"/>
+                  <a:pt x="10939183" y="2380770"/>
+                </a:cubicBezTo>
+                <a:cubicBezTo>
+                  <a:pt x="10622824" y="2448552"/>
+                  <a:pt x="10304941" y="2508549"/>
+                  <a:pt x="9985530" y="2560775"/>
+                </a:cubicBezTo>
+                <a:cubicBezTo>
+                  <a:pt x="9720036" y="2604224"/>
+                  <a:pt x="9453814" y="2642869"/>
+                  <a:pt x="9186882" y="2676722"/>
+                </a:cubicBezTo>
+                <a:cubicBezTo>
+                  <a:pt x="8984197" y="2702296"/>
+                  <a:pt x="8781514" y="2726379"/>
+                  <a:pt x="8578198" y="2746241"/>
+                </a:cubicBezTo>
+                <a:cubicBezTo>
+                  <a:pt x="8340547" y="2768961"/>
+                  <a:pt x="8102644" y="2790436"/>
+                  <a:pt x="7864358" y="2807692"/>
+                </a:cubicBezTo>
+                <a:cubicBezTo>
+                  <a:pt x="7554994" y="2830036"/>
+                  <a:pt x="7245502" y="2847914"/>
+                  <a:pt x="6935502" y="2859086"/>
+                </a:cubicBezTo>
+                <a:cubicBezTo>
+                  <a:pt x="6782917" y="2864549"/>
+                  <a:pt x="6630334" y="2868397"/>
+                  <a:pt x="6477750" y="2872989"/>
+                </a:cubicBezTo>
+                <a:cubicBezTo>
+                  <a:pt x="6439195" y="2870905"/>
+                  <a:pt x="6400529" y="2872530"/>
+                  <a:pt x="6362294" y="2877832"/>
+                </a:cubicBezTo>
+                <a:lnTo>
+                  <a:pt x="6057129" y="2877832"/>
+                </a:lnTo>
+                <a:lnTo>
+                  <a:pt x="5977784" y="2873238"/>
+                </a:lnTo>
+                <a:cubicBezTo>
+                  <a:pt x="5740261" y="2860825"/>
+                  <a:pt x="5502739" y="2847046"/>
+                  <a:pt x="5265087" y="2836989"/>
+                </a:cubicBezTo>
+                <a:cubicBezTo>
+                  <a:pt x="4958267" y="2824573"/>
+                  <a:pt x="4651826" y="2804093"/>
+                  <a:pt x="4346277" y="2774919"/>
+                </a:cubicBezTo>
+                <a:cubicBezTo>
+                  <a:pt x="4021654" y="2744007"/>
+                  <a:pt x="3697795" y="2709372"/>
+                  <a:pt x="3373045" y="2676350"/>
+                </a:cubicBezTo>
+                <a:cubicBezTo>
+                  <a:pt x="3035412" y="2642088"/>
+                  <a:pt x="2698456" y="2602449"/>
+                  <a:pt x="2362173" y="2557423"/>
+                </a:cubicBezTo>
+                <a:cubicBezTo>
+                  <a:pt x="1984692" y="2507270"/>
+                  <a:pt x="1608364" y="2449544"/>
+                  <a:pt x="1233178" y="2384247"/>
+                </a:cubicBezTo>
+                <a:cubicBezTo>
+                  <a:pt x="842181" y="2315534"/>
+                  <a:pt x="453758" y="2237046"/>
+                  <a:pt x="68500" y="2144540"/>
+                </a:cubicBezTo>
+                <a:lnTo>
+                  <a:pt x="0" y="2127185"/>
+                </a:lnTo>
+                <a:lnTo>
+                  <a:pt x="0" y="2070696"/>
+                </a:lnTo>
+                <a:lnTo>
+                  <a:pt x="72441" y="2089473"/>
+                </a:lnTo>
+                <a:cubicBezTo>
+                  <a:pt x="247961" y="2131651"/>
+                  <a:pt x="424164" y="2170911"/>
+                  <a:pt x="600716" y="2207843"/>
+                </a:cubicBezTo>
+                <a:cubicBezTo>
+                  <a:pt x="988279" y="2288657"/>
+                  <a:pt x="1378133" y="2357555"/>
+                  <a:pt x="1769512" y="2418011"/>
+                </a:cubicBezTo>
+                <a:cubicBezTo>
+                  <a:pt x="2052426" y="2461587"/>
+                  <a:pt x="2335725" y="2501684"/>
+                  <a:pt x="2613554" y="2534953"/>
+                </a:cubicBezTo>
+                <a:cubicBezTo>
+                  <a:pt x="2605544" y="2537560"/>
+                  <a:pt x="2594611" y="2527504"/>
+                  <a:pt x="2581134" y="2525022"/>
+                </a:cubicBezTo>
+                <a:cubicBezTo>
+                  <a:pt x="2087178" y="2433070"/>
+                  <a:pt x="1597684" y="2322177"/>
+                  <a:pt x="1112635" y="2192325"/>
+                </a:cubicBezTo>
+                <a:cubicBezTo>
+                  <a:pt x="880453" y="2130254"/>
+                  <a:pt x="649713" y="2063776"/>
+                  <a:pt x="420412" y="1992892"/>
+                </a:cubicBezTo>
+                <a:lnTo>
+                  <a:pt x="0" y="1853975"/>
+                </a:lnTo>
+                <a:close/>
+              </a:path>
+            </a:pathLst>
+          </a:custGeom>
+          <a:solidFill>
+            <a:schemeClr val="accent2"/>
+          </a:solidFill>
+          <a:ln>
+            <a:noFill/>
+          </a:ln>
+        </p:spPr>
+        <p:style>
+          <a:lnRef idx="2">
+            <a:schemeClr val="accent1">
+              <a:shade val="50000"/>
+            </a:schemeClr>
+          </a:lnRef>
+          <a:fillRef idx="1">
+            <a:schemeClr val="accent1"/>
+          </a:fillRef>
+          <a:effectRef idx="0">
+            <a:schemeClr val="accent1"/>
+          </a:effectRef>
+          <a:fontRef idx="minor">
+            <a:schemeClr val="lt1"/>
+          </a:fontRef>
+        </p:style>
+        <p:txBody>
+          <a:bodyPr wrap="square" rtlCol="0" anchor="ctr">
+            <a:noAutofit/>
+          </a:bodyPr>
+          <a:lstStyle/>
+          <a:p>
+            <a:pPr algn="ctr"/>
+            <a:endParaRPr lang="en-US"/>
+          </a:p>
+        </p:txBody>
+      </p:sp>
       <p:sp>
         <p:nvSpPr>
           <p:cNvPr id="2" name="Title 1">
@@ -25487,15 +28379,249 @@
             <p:ph type="title"/>
           </p:nvPr>
         </p:nvSpPr>
-        <p:spPr/>
+        <p:spPr>
+          <a:xfrm>
+            <a:off x="630936" y="630936"/>
+            <a:ext cx="3599688" cy="1463040"/>
+          </a:xfrm>
+        </p:spPr>
         <p:txBody>
-          <a:bodyPr/>
+          <a:bodyPr anchor="ctr">
+            <a:normAutofit/>
+          </a:bodyPr>
           <a:lstStyle/>
           <a:p>
             <a:r>
-              <a:rPr lang="en-US" dirty="0"/>
+              <a:rPr lang="en-US" sz="4800">
+                <a:solidFill>
+                  <a:srgbClr val="FFFFFF"/>
+                </a:solidFill>
+              </a:rPr>
               <a:t>Covid </a:t>
             </a:r>
+          </a:p>
+        </p:txBody>
+      </p:sp>
+      <p:sp>
+        <p:nvSpPr>
+          <p:cNvPr id="16" name="sketch line">
+            <a:extLst>
+              <a:ext uri="{FF2B5EF4-FFF2-40B4-BE49-F238E27FC236}">
+                <a16:creationId xmlns:a16="http://schemas.microsoft.com/office/drawing/2014/main" id="{59FA8C2E-A5A7-4490-927A-7CD58343EDBB}"/>
+              </a:ext>
+              <a:ext uri="{C183D7F6-B498-43B3-948B-1728B52AA6E4}">
+                <adec:decorative xmlns:adec="http://schemas.microsoft.com/office/drawing/2017/decorative" val="1"/>
+              </a:ext>
+            </a:extLst>
+          </p:cNvPr>
+          <p:cNvSpPr>
+            <a:spLocks noGrp="1" noRot="1" noChangeAspect="1" noMove="1" noResize="1" noEditPoints="1" noAdjustHandles="1" noChangeArrowheads="1" noChangeShapeType="1" noTextEdit="1"/>
+          </p:cNvSpPr>
+          <p:nvPr>
+            <p:extLst>
+              <p:ext uri="{386F3935-93C4-4BCD-93E2-E3B085C9AB24}">
+                <p16:designElem xmlns:p16="http://schemas.microsoft.com/office/powerpoint/2015/main" val="1"/>
+              </p:ext>
+            </p:extLst>
+          </p:nvPr>
+        </p:nvSpPr>
+        <p:spPr>
+          <a:xfrm rot="5400000">
+            <a:off x="3566159" y="1353312"/>
+            <a:ext cx="1554480" cy="18288"/>
+          </a:xfrm>
+          <a:custGeom>
+            <a:avLst/>
+            <a:gdLst>
+              <a:gd name="connsiteX0" fmla="*/ 0 w 1554480"/>
+              <a:gd name="connsiteY0" fmla="*/ 0 h 18288"/>
+              <a:gd name="connsiteX1" fmla="*/ 549250 w 1554480"/>
+              <a:gd name="connsiteY1" fmla="*/ 0 h 18288"/>
+              <a:gd name="connsiteX2" fmla="*/ 1082954 w 1554480"/>
+              <a:gd name="connsiteY2" fmla="*/ 0 h 18288"/>
+              <a:gd name="connsiteX3" fmla="*/ 1554480 w 1554480"/>
+              <a:gd name="connsiteY3" fmla="*/ 0 h 18288"/>
+              <a:gd name="connsiteX4" fmla="*/ 1554480 w 1554480"/>
+              <a:gd name="connsiteY4" fmla="*/ 18288 h 18288"/>
+              <a:gd name="connsiteX5" fmla="*/ 1067410 w 1554480"/>
+              <a:gd name="connsiteY5" fmla="*/ 18288 h 18288"/>
+              <a:gd name="connsiteX6" fmla="*/ 549250 w 1554480"/>
+              <a:gd name="connsiteY6" fmla="*/ 18288 h 18288"/>
+              <a:gd name="connsiteX7" fmla="*/ 0 w 1554480"/>
+              <a:gd name="connsiteY7" fmla="*/ 18288 h 18288"/>
+              <a:gd name="connsiteX8" fmla="*/ 0 w 1554480"/>
+              <a:gd name="connsiteY8" fmla="*/ 0 h 18288"/>
+            </a:gdLst>
+            <a:ahLst/>
+            <a:cxnLst>
+              <a:cxn ang="0">
+                <a:pos x="connsiteX0" y="connsiteY0"/>
+              </a:cxn>
+              <a:cxn ang="0">
+                <a:pos x="connsiteX1" y="connsiteY1"/>
+              </a:cxn>
+              <a:cxn ang="0">
+                <a:pos x="connsiteX2" y="connsiteY2"/>
+              </a:cxn>
+              <a:cxn ang="0">
+                <a:pos x="connsiteX3" y="connsiteY3"/>
+              </a:cxn>
+              <a:cxn ang="0">
+                <a:pos x="connsiteX4" y="connsiteY4"/>
+              </a:cxn>
+              <a:cxn ang="0">
+                <a:pos x="connsiteX5" y="connsiteY5"/>
+              </a:cxn>
+              <a:cxn ang="0">
+                <a:pos x="connsiteX6" y="connsiteY6"/>
+              </a:cxn>
+              <a:cxn ang="0">
+                <a:pos x="connsiteX7" y="connsiteY7"/>
+              </a:cxn>
+              <a:cxn ang="0">
+                <a:pos x="connsiteX8" y="connsiteY8"/>
+              </a:cxn>
+            </a:cxnLst>
+            <a:rect l="l" t="t" r="r" b="b"/>
+            <a:pathLst>
+              <a:path w="1554480" h="18288" fill="none" extrusionOk="0">
+                <a:moveTo>
+                  <a:pt x="0" y="0"/>
+                </a:moveTo>
+                <a:cubicBezTo>
+                  <a:pt x="114141" y="-19864"/>
+                  <a:pt x="345055" y="-1657"/>
+                  <a:pt x="549250" y="0"/>
+                </a:cubicBezTo>
+                <a:cubicBezTo>
+                  <a:pt x="753445" y="1657"/>
+                  <a:pt x="862292" y="-5674"/>
+                  <a:pt x="1082954" y="0"/>
+                </a:cubicBezTo>
+                <a:cubicBezTo>
+                  <a:pt x="1303616" y="5674"/>
+                  <a:pt x="1363530" y="4537"/>
+                  <a:pt x="1554480" y="0"/>
+                </a:cubicBezTo>
+                <a:cubicBezTo>
+                  <a:pt x="1554963" y="7176"/>
+                  <a:pt x="1553909" y="13682"/>
+                  <a:pt x="1554480" y="18288"/>
+                </a:cubicBezTo>
+                <a:cubicBezTo>
+                  <a:pt x="1338847" y="6127"/>
+                  <a:pt x="1215066" y="37851"/>
+                  <a:pt x="1067410" y="18288"/>
+                </a:cubicBezTo>
+                <a:cubicBezTo>
+                  <a:pt x="919754" y="-1275"/>
+                  <a:pt x="800465" y="3080"/>
+                  <a:pt x="549250" y="18288"/>
+                </a:cubicBezTo>
+                <a:cubicBezTo>
+                  <a:pt x="298035" y="33496"/>
+                  <a:pt x="158868" y="22769"/>
+                  <a:pt x="0" y="18288"/>
+                </a:cubicBezTo>
+                <a:cubicBezTo>
+                  <a:pt x="-655" y="13237"/>
+                  <a:pt x="709" y="4645"/>
+                  <a:pt x="0" y="0"/>
+                </a:cubicBezTo>
+                <a:close/>
+              </a:path>
+              <a:path w="1554480" h="18288" stroke="0" extrusionOk="0">
+                <a:moveTo>
+                  <a:pt x="0" y="0"/>
+                </a:moveTo>
+                <a:cubicBezTo>
+                  <a:pt x="249941" y="-58"/>
+                  <a:pt x="367334" y="23448"/>
+                  <a:pt x="502615" y="0"/>
+                </a:cubicBezTo>
+                <a:cubicBezTo>
+                  <a:pt x="637897" y="-23448"/>
+                  <a:pt x="813653" y="-20418"/>
+                  <a:pt x="974141" y="0"/>
+                </a:cubicBezTo>
+                <a:cubicBezTo>
+                  <a:pt x="1134629" y="20418"/>
+                  <a:pt x="1268772" y="6288"/>
+                  <a:pt x="1554480" y="0"/>
+                </a:cubicBezTo>
+                <a:cubicBezTo>
+                  <a:pt x="1554917" y="7222"/>
+                  <a:pt x="1555359" y="13299"/>
+                  <a:pt x="1554480" y="18288"/>
+                </a:cubicBezTo>
+                <a:cubicBezTo>
+                  <a:pt x="1336087" y="12172"/>
+                  <a:pt x="1310024" y="19759"/>
+                  <a:pt x="1067410" y="18288"/>
+                </a:cubicBezTo>
+                <a:cubicBezTo>
+                  <a:pt x="824796" y="16818"/>
+                  <a:pt x="787902" y="34647"/>
+                  <a:pt x="518160" y="18288"/>
+                </a:cubicBezTo>
+                <a:cubicBezTo>
+                  <a:pt x="248418" y="1930"/>
+                  <a:pt x="133160" y="9205"/>
+                  <a:pt x="0" y="18288"/>
+                </a:cubicBezTo>
+                <a:cubicBezTo>
+                  <a:pt x="-643" y="9451"/>
+                  <a:pt x="-340" y="7114"/>
+                  <a:pt x="0" y="0"/>
+                </a:cubicBezTo>
+                <a:close/>
+              </a:path>
+            </a:pathLst>
+          </a:custGeom>
+          <a:solidFill>
+            <a:srgbClr val="FFFFFF"/>
+          </a:solidFill>
+          <a:ln w="41275" cap="rnd">
+            <a:solidFill>
+              <a:srgbClr val="FFFFFF"/>
+            </a:solidFill>
+            <a:round/>
+            <a:extLst>
+              <a:ext uri="{C807C97D-BFC1-408E-A445-0C87EB9F89A2}">
+                <ask:lineSketchStyleProps xmlns:ask="http://schemas.microsoft.com/office/drawing/2018/sketchyshapes" sd="1219033472">
+                  <a:prstGeom prst="rect">
+                    <a:avLst/>
+                  </a:prstGeom>
+                  <ask:type>
+                    <ask:lineSketchFreehand/>
+                  </ask:type>
+                </ask:lineSketchStyleProps>
+              </a:ext>
+            </a:extLst>
+          </a:ln>
+        </p:spPr>
+        <p:style>
+          <a:lnRef idx="2">
+            <a:schemeClr val="accent1">
+              <a:shade val="50000"/>
+            </a:schemeClr>
+          </a:lnRef>
+          <a:fillRef idx="1">
+            <a:schemeClr val="accent1"/>
+          </a:fillRef>
+          <a:effectRef idx="0">
+            <a:schemeClr val="accent1"/>
+          </a:effectRef>
+          <a:fontRef idx="minor">
+            <a:schemeClr val="lt1"/>
+          </a:fontRef>
+        </p:style>
+        <p:txBody>
+          <a:bodyPr rtlCol="0" anchor="ctr"/>
+          <a:lstStyle/>
+          <a:p>
+            <a:pPr algn="ctr"/>
+            <a:endParaRPr lang="en-US"/>
           </a:p>
         </p:txBody>
       </p:sp>
@@ -25515,15 +28641,67 @@
             <p:ph idx="1"/>
           </p:nvPr>
         </p:nvSpPr>
-        <p:spPr/>
+        <p:spPr>
+          <a:xfrm>
+            <a:off x="4474462" y="630936"/>
+            <a:ext cx="7074409" cy="1463040"/>
+          </a:xfrm>
+        </p:spPr>
         <p:txBody>
-          <a:bodyPr/>
+          <a:bodyPr anchor="ctr">
+            <a:normAutofit/>
+          </a:bodyPr>
           <a:lstStyle/>
           <a:p>
-            <a:endParaRPr lang="en-US"/>
+            <a:r>
+              <a:rPr lang="en-US" sz="2200">
+                <a:solidFill>
+                  <a:srgbClr val="FFFFFF"/>
+                </a:solidFill>
+                <a:effectLst/>
+                <a:latin typeface="Calibri" panose="020F0502020204030204" pitchFamily="34" charset="0"/>
+                <a:ea typeface="Times New Roman" panose="02020603050405020304" pitchFamily="18" charset="0"/>
+              </a:rPr>
+              <a:t>Disability Center</a:t>
+            </a:r>
+            <a:endParaRPr lang="en-US" sz="2200">
+              <a:solidFill>
+                <a:srgbClr val="FFFFFF"/>
+              </a:solidFill>
+            </a:endParaRPr>
           </a:p>
         </p:txBody>
       </p:sp>
+      <p:pic>
+        <p:nvPicPr>
+          <p:cNvPr id="7" name="Picture 6" descr="Text&#10;&#10;Description automatically generated">
+            <a:extLst>
+              <a:ext uri="{FF2B5EF4-FFF2-40B4-BE49-F238E27FC236}">
+                <a16:creationId xmlns:a16="http://schemas.microsoft.com/office/drawing/2014/main" id="{F0381165-3DBC-454F-8159-CF99E645566A}"/>
+              </a:ext>
+            </a:extLst>
+          </p:cNvPr>
+          <p:cNvPicPr>
+            <a:picLocks noChangeAspect="1"/>
+          </p:cNvPicPr>
+          <p:nvPr/>
+        </p:nvPicPr>
+        <p:blipFill>
+          <a:blip r:embed="rId3"/>
+          <a:stretch>
+            <a:fillRect/>
+          </a:stretch>
+        </p:blipFill>
+        <p:spPr>
+          <a:xfrm>
+            <a:off x="2163571" y="2971800"/>
+            <a:ext cx="7852666" cy="3278488"/>
+          </a:xfrm>
+          <a:prstGeom prst="rect">
+            <a:avLst/>
+          </a:prstGeom>
+        </p:spPr>
+      </p:pic>
       <p:sp>
         <p:nvSpPr>
           <p:cNvPr id="4" name="Footer Placeholder 3">
@@ -25540,16 +28718,27 @@
             <p:ph type="ftr" sz="quarter" idx="11"/>
           </p:nvPr>
         </p:nvSpPr>
-        <p:spPr/>
+        <p:spPr>
+          <a:xfrm>
+            <a:off x="4038600" y="6356350"/>
+            <a:ext cx="4114800" cy="365125"/>
+          </a:xfrm>
+        </p:spPr>
         <p:txBody>
-          <a:bodyPr/>
+          <a:bodyPr>
+            <a:normAutofit/>
+          </a:bodyPr>
           <a:lstStyle/>
           <a:p>
+            <a:pPr>
+              <a:spcAft>
+                <a:spcPts val="600"/>
+              </a:spcAft>
+            </a:pPr>
             <a:r>
               <a:rPr lang="en-US"/>
               <a:t>Mike Nguyen</a:t>
             </a:r>
-            <a:endParaRPr lang="en-US" dirty="0"/>
           </a:p>
         </p:txBody>
       </p:sp>
@@ -25569,16 +28758,33 @@
             <p:ph type="sldNum" sz="quarter" idx="12"/>
           </p:nvPr>
         </p:nvSpPr>
-        <p:spPr/>
+        <p:spPr>
+          <a:xfrm>
+            <a:off x="8610600" y="6356350"/>
+            <a:ext cx="2743200" cy="365125"/>
+          </a:xfrm>
+        </p:spPr>
         <p:txBody>
-          <a:bodyPr/>
+          <a:bodyPr>
+            <a:normAutofit/>
+          </a:bodyPr>
           <a:lstStyle/>
           <a:p>
+            <a:pPr>
+              <a:spcAft>
+                <a:spcPts val="600"/>
+              </a:spcAft>
+            </a:pPr>
             <a:fld id="{A6AF1B4E-90EC-4A51-B6E5-B702C054ECB0}" type="slidenum">
               <a:rPr lang="en-US" smtClean="0"/>
-              <a:t>11</a:t>
+              <a:pPr>
+                <a:spcAft>
+                  <a:spcPts val="600"/>
+                </a:spcAft>
+              </a:pPr>
+              <a:t>12</a:t>
             </a:fld>
-            <a:endParaRPr lang="en-US" dirty="0"/>
+            <a:endParaRPr lang="en-US"/>
           </a:p>
         </p:txBody>
       </p:sp>
@@ -25595,7 +28801,7 @@
 </p:sld>
 </file>
 
-<file path=ppt/slides/slide12.xml><?xml version="1.0" encoding="utf-8"?>
+<file path=ppt/slides/slide13.xml><?xml version="1.0" encoding="utf-8"?>
 <p:sld xmlns:a="http://schemas.openxmlformats.org/drawingml/2006/main" xmlns:r="http://schemas.openxmlformats.org/officeDocument/2006/relationships" xmlns:p="http://schemas.openxmlformats.org/presentationml/2006/main">
   <p:cSld>
     <p:bg>
@@ -26062,7 +29268,7 @@
                   <a:spcPts val="600"/>
                 </a:spcAft>
               </a:pPr>
-              <a:t>12</a:t>
+              <a:t>13</a:t>
             </a:fld>
             <a:endParaRPr lang="en-US"/>
           </a:p>
@@ -26112,7 +29318,7 @@
 </p:sld>
 </file>
 
-<file path=ppt/slides/slide13.xml><?xml version="1.0" encoding="utf-8"?>
+<file path=ppt/slides/slide14.xml><?xml version="1.0" encoding="utf-8"?>
 <p:sld xmlns:a="http://schemas.openxmlformats.org/drawingml/2006/main" xmlns:r="http://schemas.openxmlformats.org/officeDocument/2006/relationships" xmlns:p="http://schemas.openxmlformats.org/presentationml/2006/main">
   <p:cSld>
     <p:bg>
@@ -26256,7 +29462,7 @@
                   <a:spcPts val="600"/>
                 </a:spcAft>
               </a:pPr>
-              <a:t>13</a:t>
+              <a:t>14</a:t>
             </a:fld>
             <a:endParaRPr lang="en-US"/>
           </a:p>
@@ -26289,7 +29495,7 @@
         </p:xfrm>
         <a:graphic>
           <a:graphicData uri="http://schemas.openxmlformats.org/drawingml/2006/diagram">
-            <dgm:relIds xmlns:dgm="http://schemas.openxmlformats.org/drawingml/2006/diagram" xmlns:r="http://schemas.openxmlformats.org/officeDocument/2006/relationships" r:dm="rId2" r:lo="rId3" r:qs="rId4" r:cs="rId5"/>
+            <dgm:relIds xmlns:dgm="http://schemas.openxmlformats.org/drawingml/2006/diagram" xmlns:r="http://schemas.openxmlformats.org/officeDocument/2006/relationships" r:dm="rId3" r:lo="rId4" r:qs="rId5" r:cs="rId6"/>
           </a:graphicData>
         </a:graphic>
       </p:graphicFrame>
@@ -26306,9 +29512,17 @@
 </p:sld>
 </file>
 
-<file path=ppt/slides/slide14.xml><?xml version="1.0" encoding="utf-8"?>
+<file path=ppt/slides/slide15.xml><?xml version="1.0" encoding="utf-8"?>
 <p:sld xmlns:a="http://schemas.openxmlformats.org/drawingml/2006/main" xmlns:r="http://schemas.openxmlformats.org/officeDocument/2006/relationships" xmlns:p="http://schemas.openxmlformats.org/presentationml/2006/main">
   <p:cSld>
+    <p:bg>
+      <p:bgPr>
+        <a:solidFill>
+          <a:schemeClr val="bg1"/>
+        </a:solidFill>
+        <a:effectLst/>
+      </p:bgPr>
+    </p:bg>
     <p:spTree>
       <p:nvGrpSpPr>
         <p:cNvPr id="1" name=""/>
@@ -26323,6 +29537,66 @@
           <a:chExt cx="0" cy="0"/>
         </a:xfrm>
       </p:grpSpPr>
+      <p:sp useBgFill="1">
+        <p:nvSpPr>
+          <p:cNvPr id="13" name="Rectangle 12">
+            <a:extLst>
+              <a:ext uri="{FF2B5EF4-FFF2-40B4-BE49-F238E27FC236}">
+                <a16:creationId xmlns:a16="http://schemas.microsoft.com/office/drawing/2014/main" id="{665DBBEF-238B-476B-96AB-8AAC3224ECEA}"/>
+              </a:ext>
+              <a:ext uri="{C183D7F6-B498-43B3-948B-1728B52AA6E4}">
+                <adec:decorative xmlns:adec="http://schemas.microsoft.com/office/drawing/2017/decorative" val="1"/>
+              </a:ext>
+            </a:extLst>
+          </p:cNvPr>
+          <p:cNvSpPr>
+            <a:spLocks noGrp="1" noRot="1" noChangeAspect="1" noMove="1" noResize="1" noEditPoints="1" noAdjustHandles="1" noChangeArrowheads="1" noChangeShapeType="1" noTextEdit="1"/>
+          </p:cNvSpPr>
+          <p:nvPr>
+            <p:extLst>
+              <p:ext uri="{386F3935-93C4-4BCD-93E2-E3B085C9AB24}">
+                <p16:designElem xmlns:p16="http://schemas.microsoft.com/office/powerpoint/2015/main" val="1"/>
+              </p:ext>
+            </p:extLst>
+          </p:nvPr>
+        </p:nvSpPr>
+        <p:spPr>
+          <a:xfrm>
+            <a:off x="0" y="0"/>
+            <a:ext cx="12192000" cy="6858000"/>
+          </a:xfrm>
+          <a:prstGeom prst="rect">
+            <a:avLst/>
+          </a:prstGeom>
+          <a:ln>
+            <a:noFill/>
+          </a:ln>
+        </p:spPr>
+        <p:style>
+          <a:lnRef idx="2">
+            <a:schemeClr val="accent1">
+              <a:shade val="50000"/>
+            </a:schemeClr>
+          </a:lnRef>
+          <a:fillRef idx="1">
+            <a:schemeClr val="accent1"/>
+          </a:fillRef>
+          <a:effectRef idx="0">
+            <a:schemeClr val="accent1"/>
+          </a:effectRef>
+          <a:fontRef idx="minor">
+            <a:schemeClr val="lt1"/>
+          </a:fontRef>
+        </p:style>
+        <p:txBody>
+          <a:bodyPr rtlCol="0" anchor="ctr"/>
+          <a:lstStyle/>
+          <a:p>
+            <a:pPr algn="ctr"/>
+            <a:endParaRPr lang="en-US"/>
+          </a:p>
+        </p:txBody>
+      </p:sp>
       <p:sp>
         <p:nvSpPr>
           <p:cNvPr id="2" name="Title 1">
@@ -26339,13 +29613,27 @@
             <p:ph type="title"/>
           </p:nvPr>
         </p:nvSpPr>
-        <p:spPr/>
+        <p:spPr>
+          <a:xfrm>
+            <a:off x="638882" y="639193"/>
+            <a:ext cx="3571810" cy="3573516"/>
+          </a:xfrm>
+        </p:spPr>
         <p:txBody>
-          <a:bodyPr/>
+          <a:bodyPr vert="horz" lIns="91440" tIns="45720" rIns="91440" bIns="45720" rtlCol="0" anchor="b">
+            <a:normAutofit/>
+          </a:bodyPr>
           <a:lstStyle/>
           <a:p>
             <a:r>
-              <a:rPr lang="en-US" dirty="0"/>
+              <a:rPr lang="en-US" sz="6100" kern="1200">
+                <a:solidFill>
+                  <a:schemeClr val="tx1"/>
+                </a:solidFill>
+                <a:latin typeface="+mj-lt"/>
+                <a:ea typeface="+mj-ea"/>
+                <a:cs typeface="+mj-cs"/>
+              </a:rPr>
               <a:t>What is marketing in your own term?</a:t>
             </a:r>
           </a:p>
@@ -26353,29 +29641,318 @@
       </p:sp>
       <p:sp>
         <p:nvSpPr>
-          <p:cNvPr id="3" name="Content Placeholder 2">
+          <p:cNvPr id="15" name="sketch line">
             <a:extLst>
               <a:ext uri="{FF2B5EF4-FFF2-40B4-BE49-F238E27FC236}">
-                <a16:creationId xmlns:a16="http://schemas.microsoft.com/office/drawing/2014/main" id="{07082FA3-BC23-4CF6-88F8-AB9D84DBF122}"/>
+                <a16:creationId xmlns:a16="http://schemas.microsoft.com/office/drawing/2014/main" id="{3FCFB1DE-0B7E-48CC-BA90-B2AB0889F9D6}"/>
+              </a:ext>
+              <a:ext uri="{C183D7F6-B498-43B3-948B-1728B52AA6E4}">
+                <adec:decorative xmlns:adec="http://schemas.microsoft.com/office/drawing/2017/decorative" val="1"/>
               </a:ext>
             </a:extLst>
           </p:cNvPr>
           <p:cNvSpPr>
-            <a:spLocks noGrp="1"/>
+            <a:spLocks noGrp="1" noRot="1" noChangeAspect="1" noMove="1" noResize="1" noEditPoints="1" noAdjustHandles="1" noChangeArrowheads="1" noChangeShapeType="1" noTextEdit="1"/>
           </p:cNvSpPr>
+          <p:nvPr>
+            <p:extLst>
+              <p:ext uri="{386F3935-93C4-4BCD-93E2-E3B085C9AB24}">
+                <p16:designElem xmlns:p16="http://schemas.microsoft.com/office/powerpoint/2015/main" val="1"/>
+              </p:ext>
+            </p:extLst>
+          </p:nvPr>
+        </p:nvSpPr>
+        <p:spPr>
+          <a:xfrm>
+            <a:off x="643278" y="4409267"/>
+            <a:ext cx="3255095" cy="18288"/>
+          </a:xfrm>
+          <a:custGeom>
+            <a:avLst/>
+            <a:gdLst>
+              <a:gd name="connsiteX0" fmla="*/ 0 w 3255095"/>
+              <a:gd name="connsiteY0" fmla="*/ 0 h 18288"/>
+              <a:gd name="connsiteX1" fmla="*/ 618468 w 3255095"/>
+              <a:gd name="connsiteY1" fmla="*/ 0 h 18288"/>
+              <a:gd name="connsiteX2" fmla="*/ 1269487 w 3255095"/>
+              <a:gd name="connsiteY2" fmla="*/ 0 h 18288"/>
+              <a:gd name="connsiteX3" fmla="*/ 1953057 w 3255095"/>
+              <a:gd name="connsiteY3" fmla="*/ 0 h 18288"/>
+              <a:gd name="connsiteX4" fmla="*/ 2636627 w 3255095"/>
+              <a:gd name="connsiteY4" fmla="*/ 0 h 18288"/>
+              <a:gd name="connsiteX5" fmla="*/ 3255095 w 3255095"/>
+              <a:gd name="connsiteY5" fmla="*/ 0 h 18288"/>
+              <a:gd name="connsiteX6" fmla="*/ 3255095 w 3255095"/>
+              <a:gd name="connsiteY6" fmla="*/ 18288 h 18288"/>
+              <a:gd name="connsiteX7" fmla="*/ 2538974 w 3255095"/>
+              <a:gd name="connsiteY7" fmla="*/ 18288 h 18288"/>
+              <a:gd name="connsiteX8" fmla="*/ 1822853 w 3255095"/>
+              <a:gd name="connsiteY8" fmla="*/ 18288 h 18288"/>
+              <a:gd name="connsiteX9" fmla="*/ 1171834 w 3255095"/>
+              <a:gd name="connsiteY9" fmla="*/ 18288 h 18288"/>
+              <a:gd name="connsiteX10" fmla="*/ 0 w 3255095"/>
+              <a:gd name="connsiteY10" fmla="*/ 18288 h 18288"/>
+              <a:gd name="connsiteX11" fmla="*/ 0 w 3255095"/>
+              <a:gd name="connsiteY11" fmla="*/ 0 h 18288"/>
+            </a:gdLst>
+            <a:ahLst/>
+            <a:cxnLst>
+              <a:cxn ang="0">
+                <a:pos x="connsiteX0" y="connsiteY0"/>
+              </a:cxn>
+              <a:cxn ang="0">
+                <a:pos x="connsiteX1" y="connsiteY1"/>
+              </a:cxn>
+              <a:cxn ang="0">
+                <a:pos x="connsiteX2" y="connsiteY2"/>
+              </a:cxn>
+              <a:cxn ang="0">
+                <a:pos x="connsiteX3" y="connsiteY3"/>
+              </a:cxn>
+              <a:cxn ang="0">
+                <a:pos x="connsiteX4" y="connsiteY4"/>
+              </a:cxn>
+              <a:cxn ang="0">
+                <a:pos x="connsiteX5" y="connsiteY5"/>
+              </a:cxn>
+              <a:cxn ang="0">
+                <a:pos x="connsiteX6" y="connsiteY6"/>
+              </a:cxn>
+              <a:cxn ang="0">
+                <a:pos x="connsiteX7" y="connsiteY7"/>
+              </a:cxn>
+              <a:cxn ang="0">
+                <a:pos x="connsiteX8" y="connsiteY8"/>
+              </a:cxn>
+              <a:cxn ang="0">
+                <a:pos x="connsiteX9" y="connsiteY9"/>
+              </a:cxn>
+              <a:cxn ang="0">
+                <a:pos x="connsiteX10" y="connsiteY10"/>
+              </a:cxn>
+              <a:cxn ang="0">
+                <a:pos x="connsiteX11" y="connsiteY11"/>
+              </a:cxn>
+            </a:cxnLst>
+            <a:rect l="l" t="t" r="r" b="b"/>
+            <a:pathLst>
+              <a:path w="3255095" h="18288" fill="none" extrusionOk="0">
+                <a:moveTo>
+                  <a:pt x="0" y="0"/>
+                </a:moveTo>
+                <a:cubicBezTo>
+                  <a:pt x="240201" y="-22123"/>
+                  <a:pt x="462021" y="-19623"/>
+                  <a:pt x="618468" y="0"/>
+                </a:cubicBezTo>
+                <a:cubicBezTo>
+                  <a:pt x="774915" y="19623"/>
+                  <a:pt x="974734" y="2035"/>
+                  <a:pt x="1269487" y="0"/>
+                </a:cubicBezTo>
+                <a:cubicBezTo>
+                  <a:pt x="1564240" y="-2035"/>
+                  <a:pt x="1733579" y="10639"/>
+                  <a:pt x="1953057" y="0"/>
+                </a:cubicBezTo>
+                <a:cubicBezTo>
+                  <a:pt x="2172535" y="-10639"/>
+                  <a:pt x="2453962" y="14018"/>
+                  <a:pt x="2636627" y="0"/>
+                </a:cubicBezTo>
+                <a:cubicBezTo>
+                  <a:pt x="2819292" y="-14018"/>
+                  <a:pt x="3121375" y="5399"/>
+                  <a:pt x="3255095" y="0"/>
+                </a:cubicBezTo>
+                <a:cubicBezTo>
+                  <a:pt x="3254386" y="8157"/>
+                  <a:pt x="3254682" y="12125"/>
+                  <a:pt x="3255095" y="18288"/>
+                </a:cubicBezTo>
+                <a:cubicBezTo>
+                  <a:pt x="3088545" y="23203"/>
+                  <a:pt x="2687475" y="7419"/>
+                  <a:pt x="2538974" y="18288"/>
+                </a:cubicBezTo>
+                <a:cubicBezTo>
+                  <a:pt x="2390473" y="29157"/>
+                  <a:pt x="2137381" y="-8959"/>
+                  <a:pt x="1822853" y="18288"/>
+                </a:cubicBezTo>
+                <a:cubicBezTo>
+                  <a:pt x="1508325" y="45535"/>
+                  <a:pt x="1466437" y="20385"/>
+                  <a:pt x="1171834" y="18288"/>
+                </a:cubicBezTo>
+                <a:cubicBezTo>
+                  <a:pt x="877231" y="16191"/>
+                  <a:pt x="561097" y="37643"/>
+                  <a:pt x="0" y="18288"/>
+                </a:cubicBezTo>
+                <a:cubicBezTo>
+                  <a:pt x="-46" y="12483"/>
+                  <a:pt x="-203" y="6491"/>
+                  <a:pt x="0" y="0"/>
+                </a:cubicBezTo>
+                <a:close/>
+              </a:path>
+              <a:path w="3255095" h="18288" stroke="0" extrusionOk="0">
+                <a:moveTo>
+                  <a:pt x="0" y="0"/>
+                </a:moveTo>
+                <a:cubicBezTo>
+                  <a:pt x="291965" y="19429"/>
+                  <a:pt x="363155" y="8568"/>
+                  <a:pt x="618468" y="0"/>
+                </a:cubicBezTo>
+                <a:cubicBezTo>
+                  <a:pt x="873781" y="-8568"/>
+                  <a:pt x="904459" y="-19505"/>
+                  <a:pt x="1171834" y="0"/>
+                </a:cubicBezTo>
+                <a:cubicBezTo>
+                  <a:pt x="1439209" y="19505"/>
+                  <a:pt x="1744369" y="9790"/>
+                  <a:pt x="1887955" y="0"/>
+                </a:cubicBezTo>
+                <a:cubicBezTo>
+                  <a:pt x="2031541" y="-9790"/>
+                  <a:pt x="2346378" y="21240"/>
+                  <a:pt x="2506423" y="0"/>
+                </a:cubicBezTo>
+                <a:cubicBezTo>
+                  <a:pt x="2666468" y="-21240"/>
+                  <a:pt x="2990257" y="30414"/>
+                  <a:pt x="3255095" y="0"/>
+                </a:cubicBezTo>
+                <a:cubicBezTo>
+                  <a:pt x="3254831" y="4493"/>
+                  <a:pt x="3255479" y="9472"/>
+                  <a:pt x="3255095" y="18288"/>
+                </a:cubicBezTo>
+                <a:cubicBezTo>
+                  <a:pt x="3120743" y="16690"/>
+                  <a:pt x="2759628" y="42462"/>
+                  <a:pt x="2604076" y="18288"/>
+                </a:cubicBezTo>
+                <a:cubicBezTo>
+                  <a:pt x="2448524" y="-5886"/>
+                  <a:pt x="2184336" y="19599"/>
+                  <a:pt x="1887955" y="18288"/>
+                </a:cubicBezTo>
+                <a:cubicBezTo>
+                  <a:pt x="1591574" y="16977"/>
+                  <a:pt x="1548845" y="6870"/>
+                  <a:pt x="1334589" y="18288"/>
+                </a:cubicBezTo>
+                <a:cubicBezTo>
+                  <a:pt x="1120333" y="29706"/>
+                  <a:pt x="996014" y="9662"/>
+                  <a:pt x="683570" y="18288"/>
+                </a:cubicBezTo>
+                <a:cubicBezTo>
+                  <a:pt x="371126" y="26914"/>
+                  <a:pt x="198687" y="16167"/>
+                  <a:pt x="0" y="18288"/>
+                </a:cubicBezTo>
+                <a:cubicBezTo>
+                  <a:pt x="843" y="9577"/>
+                  <a:pt x="371" y="6900"/>
+                  <a:pt x="0" y="0"/>
+                </a:cubicBezTo>
+                <a:close/>
+              </a:path>
+            </a:pathLst>
+          </a:custGeom>
+          <a:solidFill>
+            <a:schemeClr val="accent2"/>
+          </a:solidFill>
+          <a:ln w="38100" cap="rnd">
+            <a:solidFill>
+              <a:schemeClr val="accent2"/>
+            </a:solidFill>
+            <a:round/>
+            <a:extLst>
+              <a:ext uri="{C807C97D-BFC1-408E-A445-0C87EB9F89A2}">
+                <ask:lineSketchStyleProps xmlns:ask="http://schemas.microsoft.com/office/drawing/2018/sketchyshapes" sd="1219033472">
+                  <a:prstGeom prst="rect">
+                    <a:avLst/>
+                  </a:prstGeom>
+                  <ask:type>
+                    <ask:lineSketchFreehand/>
+                  </ask:type>
+                </ask:lineSketchStyleProps>
+              </a:ext>
+            </a:extLst>
+          </a:ln>
+        </p:spPr>
+        <p:style>
+          <a:lnRef idx="2">
+            <a:schemeClr val="accent1">
+              <a:shade val="50000"/>
+            </a:schemeClr>
+          </a:lnRef>
+          <a:fillRef idx="1">
+            <a:schemeClr val="accent1"/>
+          </a:fillRef>
+          <a:effectRef idx="0">
+            <a:schemeClr val="accent1"/>
+          </a:effectRef>
+          <a:fontRef idx="minor">
+            <a:schemeClr val="lt1"/>
+          </a:fontRef>
+        </p:style>
+        <p:txBody>
+          <a:bodyPr rtlCol="0" anchor="ctr"/>
+          <a:lstStyle/>
+          <a:p>
+            <a:pPr algn="ctr"/>
+            <a:endParaRPr lang="en-US"/>
+          </a:p>
+        </p:txBody>
+      </p:sp>
+      <p:pic>
+        <p:nvPicPr>
+          <p:cNvPr id="7" name="Content Placeholder 6" descr="Diagram, text&#10;&#10;Description automatically generated with medium confidence">
+            <a:extLst>
+              <a:ext uri="{FF2B5EF4-FFF2-40B4-BE49-F238E27FC236}">
+                <a16:creationId xmlns:a16="http://schemas.microsoft.com/office/drawing/2014/main" id="{20A2ADAB-9999-44F5-A398-B277F9542A5D}"/>
+              </a:ext>
+            </a:extLst>
+          </p:cNvPr>
+          <p:cNvPicPr>
+            <a:picLocks noGrp="1" noChangeAspect="1"/>
+          </p:cNvPicPr>
           <p:nvPr>
             <p:ph idx="1"/>
           </p:nvPr>
-        </p:nvSpPr>
-        <p:spPr/>
-        <p:txBody>
-          <a:bodyPr/>
-          <a:lstStyle/>
-          <a:p>
-            <a:endParaRPr lang="en-US" dirty="0"/>
-          </a:p>
-        </p:txBody>
-      </p:sp>
+        </p:nvPicPr>
+        <p:blipFill>
+          <a:blip r:embed="rId3">
+            <a:extLst>
+              <a:ext uri="{28A0092B-C50C-407E-A947-70E740481C1C}">
+                <a14:useLocalDpi xmlns:a14="http://schemas.microsoft.com/office/drawing/2010/main" val="0"/>
+              </a:ext>
+              <a:ext uri="{837473B0-CC2E-450A-ABE3-18F120FF3D39}">
+                <a1611:picAttrSrcUrl xmlns:a1611="http://schemas.microsoft.com/office/drawing/2016/11/main" r:id="rId4"/>
+              </a:ext>
+            </a:extLst>
+          </a:blip>
+          <a:stretch>
+            <a:fillRect/>
+          </a:stretch>
+        </p:blipFill>
+        <p:spPr>
+          <a:xfrm>
+            <a:off x="4654296" y="709803"/>
+            <a:ext cx="7214616" cy="5410962"/>
+          </a:xfrm>
+          <a:prstGeom prst="rect">
+            <a:avLst/>
+          </a:prstGeom>
+        </p:spPr>
+      </p:pic>
       <p:sp>
         <p:nvSpPr>
           <p:cNvPr id="4" name="Footer Placeholder 3">
@@ -26392,16 +29969,36 @@
             <p:ph type="ftr" sz="quarter" idx="11"/>
           </p:nvPr>
         </p:nvSpPr>
-        <p:spPr/>
+        <p:spPr>
+          <a:xfrm>
+            <a:off x="4038600" y="6356350"/>
+            <a:ext cx="4114800" cy="365125"/>
+          </a:xfrm>
+        </p:spPr>
         <p:txBody>
-          <a:bodyPr/>
+          <a:bodyPr vert="horz" lIns="91440" tIns="45720" rIns="91440" bIns="45720" rtlCol="0" anchor="ctr">
+            <a:normAutofit/>
+          </a:bodyPr>
           <a:lstStyle/>
           <a:p>
+            <a:pPr>
+              <a:spcAft>
+                <a:spcPts val="600"/>
+              </a:spcAft>
+            </a:pPr>
             <a:r>
-              <a:rPr lang="en-US"/>
+              <a:rPr lang="en-US" kern="1200">
+                <a:solidFill>
+                  <a:schemeClr val="tx1">
+                    <a:tint val="75000"/>
+                  </a:schemeClr>
+                </a:solidFill>
+                <a:latin typeface="+mn-lt"/>
+                <a:ea typeface="+mn-ea"/>
+                <a:cs typeface="+mn-cs"/>
+              </a:rPr>
               <a:t>Mike Nguyen</a:t>
             </a:r>
-            <a:endParaRPr lang="en-US" dirty="0"/>
           </a:p>
         </p:txBody>
       </p:sp>
@@ -26421,16 +30018,114 @@
             <p:ph type="sldNum" sz="quarter" idx="12"/>
           </p:nvPr>
         </p:nvSpPr>
-        <p:spPr/>
+        <p:spPr>
+          <a:xfrm>
+            <a:off x="8610600" y="6356350"/>
+            <a:ext cx="2743200" cy="365125"/>
+          </a:xfrm>
+        </p:spPr>
         <p:txBody>
-          <a:bodyPr/>
+          <a:bodyPr vert="horz" lIns="91440" tIns="45720" rIns="91440" bIns="45720" rtlCol="0" anchor="ctr">
+            <a:normAutofit/>
+          </a:bodyPr>
           <a:lstStyle/>
           <a:p>
+            <a:pPr>
+              <a:spcAft>
+                <a:spcPts val="600"/>
+              </a:spcAft>
+            </a:pPr>
             <a:fld id="{A6AF1B4E-90EC-4A51-B6E5-B702C054ECB0}" type="slidenum">
               <a:rPr lang="en-US" smtClean="0"/>
-              <a:t>14</a:t>
+              <a:pPr>
+                <a:spcAft>
+                  <a:spcPts val="600"/>
+                </a:spcAft>
+              </a:pPr>
+              <a:t>15</a:t>
             </a:fld>
-            <a:endParaRPr lang="en-US" dirty="0"/>
+            <a:endParaRPr lang="en-US"/>
+          </a:p>
+        </p:txBody>
+      </p:sp>
+      <p:sp>
+        <p:nvSpPr>
+          <p:cNvPr id="8" name="TextBox 7">
+            <a:extLst>
+              <a:ext uri="{FF2B5EF4-FFF2-40B4-BE49-F238E27FC236}">
+                <a16:creationId xmlns:a16="http://schemas.microsoft.com/office/drawing/2014/main" id="{624C434D-CDA9-42C0-967E-A05B3716B4FA}"/>
+              </a:ext>
+            </a:extLst>
+          </p:cNvPr>
+          <p:cNvSpPr txBox="1"/>
+          <p:nvPr/>
+        </p:nvSpPr>
+        <p:spPr>
+          <a:xfrm>
+            <a:off x="9428821" y="5920710"/>
+            <a:ext cx="2440091" cy="200055"/>
+          </a:xfrm>
+          <a:prstGeom prst="rect">
+            <a:avLst/>
+          </a:prstGeom>
+          <a:solidFill>
+            <a:srgbClr val="000000"/>
+          </a:solidFill>
+        </p:spPr>
+        <p:txBody>
+          <a:bodyPr wrap="none" rtlCol="0">
+            <a:spAutoFit/>
+          </a:bodyPr>
+          <a:lstStyle/>
+          <a:p>
+            <a:pPr algn="r">
+              <a:spcAft>
+                <a:spcPts val="600"/>
+              </a:spcAft>
+            </a:pPr>
+            <a:r>
+              <a:rPr lang="en-US" sz="700">
+                <a:solidFill>
+                  <a:srgbClr val="FFFFFF"/>
+                </a:solidFill>
+                <a:hlinkClick r:id="rId4" tooltip="http://mariapcclass.blogspot.com/2016/04/market-research-project.html">
+                  <a:extLst>
+                    <a:ext uri="{A12FA001-AC4F-418D-AE19-62706E023703}">
+                      <ahyp:hlinkClr xmlns:ahyp="http://schemas.microsoft.com/office/drawing/2018/hyperlinkcolor" val="tx"/>
+                    </a:ext>
+                  </a:extLst>
+                </a:hlinkClick>
+              </a:rPr>
+              <a:t>This Photo</a:t>
+            </a:r>
+            <a:r>
+              <a:rPr lang="en-US" sz="700">
+                <a:solidFill>
+                  <a:srgbClr val="FFFFFF"/>
+                </a:solidFill>
+              </a:rPr>
+              <a:t> by Unknown Author is licensed under </a:t>
+            </a:r>
+            <a:r>
+              <a:rPr lang="en-US" sz="700">
+                <a:solidFill>
+                  <a:srgbClr val="FFFFFF"/>
+                </a:solidFill>
+                <a:hlinkClick r:id="rId5" tooltip="https://creativecommons.org/licenses/by-nc-sa/3.0/">
+                  <a:extLst>
+                    <a:ext uri="{A12FA001-AC4F-418D-AE19-62706E023703}">
+                      <ahyp:hlinkClr xmlns:ahyp="http://schemas.microsoft.com/office/drawing/2018/hyperlinkcolor" val="tx"/>
+                    </a:ext>
+                  </a:extLst>
+                </a:hlinkClick>
+              </a:rPr>
+              <a:t>CC BY-SA-NC</a:t>
+            </a:r>
+            <a:endParaRPr lang="en-US" sz="700">
+              <a:solidFill>
+                <a:srgbClr val="FFFFFF"/>
+              </a:solidFill>
+            </a:endParaRPr>
           </a:p>
         </p:txBody>
       </p:sp>
@@ -26447,7 +30142,7 @@
 </p:sld>
 </file>
 
-<file path=ppt/slides/slide15.xml><?xml version="1.0" encoding="utf-8"?>
+<file path=ppt/slides/slide16.xml><?xml version="1.0" encoding="utf-8"?>
 <p:sld xmlns:a="http://schemas.openxmlformats.org/drawingml/2006/main" xmlns:r="http://schemas.openxmlformats.org/officeDocument/2006/relationships" xmlns:p="http://schemas.openxmlformats.org/presentationml/2006/main">
   <p:cSld>
     <p:bg>
@@ -27065,7 +30760,7 @@
                   <a:spcPts val="600"/>
                 </a:spcAft>
               </a:pPr>
-              <a:t>15</a:t>
+              <a:t>16</a:t>
             </a:fld>
             <a:endParaRPr lang="en-US"/>
           </a:p>
@@ -27084,7 +30779,7 @@
 </p:sld>
 </file>
 
-<file path=ppt/slides/slide16.xml><?xml version="1.0" encoding="utf-8"?>
+<file path=ppt/slides/slide17.xml><?xml version="1.0" encoding="utf-8"?>
 <p:sld xmlns:a="http://schemas.openxmlformats.org/drawingml/2006/main" xmlns:r="http://schemas.openxmlformats.org/officeDocument/2006/relationships" xmlns:p="http://schemas.openxmlformats.org/presentationml/2006/main">
   <p:cSld>
     <p:bg>
@@ -27671,7 +31366,7 @@
                   <a:spcPts val="600"/>
                 </a:spcAft>
               </a:pPr>
-              <a:t>16</a:t>
+              <a:t>17</a:t>
             </a:fld>
             <a:endParaRPr lang="en-US"/>
           </a:p>
@@ -27690,7 +31385,7 @@
 </p:sld>
 </file>
 
-<file path=ppt/slides/slide17.xml><?xml version="1.0" encoding="utf-8"?>
+<file path=ppt/slides/slide18.xml><?xml version="1.0" encoding="utf-8"?>
 <p:sld xmlns:a="http://schemas.openxmlformats.org/drawingml/2006/main" xmlns:r="http://schemas.openxmlformats.org/officeDocument/2006/relationships" xmlns:p="http://schemas.openxmlformats.org/presentationml/2006/main">
   <p:cSld>
     <p:bg>
@@ -28240,7 +31935,7 @@
                   <a:spcPts val="600"/>
                 </a:spcAft>
               </a:pPr>
-              <a:t>17</a:t>
+              <a:t>18</a:t>
             </a:fld>
             <a:endParaRPr lang="en-US"/>
           </a:p>
@@ -29234,7 +32929,7 @@
 </p:sld>
 </file>
 
-<file path=ppt/slides/slide18.xml><?xml version="1.0" encoding="utf-8"?>
+<file path=ppt/slides/slide19.xml><?xml version="1.0" encoding="utf-8"?>
 <p:sld xmlns:a="http://schemas.openxmlformats.org/drawingml/2006/main" xmlns:r="http://schemas.openxmlformats.org/officeDocument/2006/relationships" xmlns:p="http://schemas.openxmlformats.org/presentationml/2006/main">
   <p:cSld>
     <p:bg>
@@ -29809,7 +33504,7 @@
                   <a:spcPts val="600"/>
                 </a:spcAft>
               </a:pPr>
-              <a:t>18</a:t>
+              <a:t>19</a:t>
             </a:fld>
             <a:endParaRPr lang="en-US"/>
           </a:p>
@@ -29819,338 +33514,6 @@
     <p:extLst>
       <p:ext uri="{BB962C8B-B14F-4D97-AF65-F5344CB8AC3E}">
         <p14:creationId xmlns:p14="http://schemas.microsoft.com/office/powerpoint/2010/main" val="943850151"/>
-      </p:ext>
-    </p:extLst>
-  </p:cSld>
-  <p:clrMapOvr>
-    <a:masterClrMapping/>
-  </p:clrMapOvr>
-</p:sld>
-</file>
-
-<file path=ppt/slides/slide19.xml><?xml version="1.0" encoding="utf-8"?>
-<p:sld xmlns:a="http://schemas.openxmlformats.org/drawingml/2006/main" xmlns:r="http://schemas.openxmlformats.org/officeDocument/2006/relationships" xmlns:p="http://schemas.openxmlformats.org/presentationml/2006/main">
-  <p:cSld>
-    <p:bg>
-      <p:bgPr>
-        <a:solidFill>
-          <a:schemeClr val="bg1"/>
-        </a:solidFill>
-        <a:effectLst/>
-      </p:bgPr>
-    </p:bg>
-    <p:spTree>
-      <p:nvGrpSpPr>
-        <p:cNvPr id="1" name=""/>
-        <p:cNvGrpSpPr/>
-        <p:nvPr/>
-      </p:nvGrpSpPr>
-      <p:grpSpPr>
-        <a:xfrm>
-          <a:off x="0" y="0"/>
-          <a:ext cx="0" cy="0"/>
-          <a:chOff x="0" y="0"/>
-          <a:chExt cx="0" cy="0"/>
-        </a:xfrm>
-      </p:grpSpPr>
-      <p:sp>
-        <p:nvSpPr>
-          <p:cNvPr id="31" name="Rectangle 30">
-            <a:extLst>
-              <a:ext uri="{FF2B5EF4-FFF2-40B4-BE49-F238E27FC236}">
-                <a16:creationId xmlns:a16="http://schemas.microsoft.com/office/drawing/2014/main" id="{08E89D5E-1885-4160-AC77-CC471DD1D0DB}"/>
-              </a:ext>
-              <a:ext uri="{C183D7F6-B498-43B3-948B-1728B52AA6E4}">
-                <adec:decorative xmlns:adec="http://schemas.microsoft.com/office/drawing/2017/decorative" val="1"/>
-              </a:ext>
-            </a:extLst>
-          </p:cNvPr>
-          <p:cNvSpPr>
-            <a:spLocks noGrp="1" noRot="1" noChangeAspect="1" noMove="1" noResize="1" noEditPoints="1" noAdjustHandles="1" noChangeArrowheads="1" noChangeShapeType="1" noTextEdit="1"/>
-          </p:cNvSpPr>
-          <p:nvPr>
-            <p:extLst>
-              <p:ext uri="{386F3935-93C4-4BCD-93E2-E3B085C9AB24}">
-                <p16:designElem xmlns:p16="http://schemas.microsoft.com/office/powerpoint/2015/main" val="1"/>
-              </p:ext>
-            </p:extLst>
-          </p:nvPr>
-        </p:nvSpPr>
-        <p:spPr>
-          <a:xfrm>
-            <a:off x="0" y="0"/>
-            <a:ext cx="4636008" cy="6858000"/>
-          </a:xfrm>
-          <a:prstGeom prst="rect">
-            <a:avLst/>
-          </a:prstGeom>
-          <a:ln>
-            <a:noFill/>
-          </a:ln>
-        </p:spPr>
-        <p:style>
-          <a:lnRef idx="2">
-            <a:schemeClr val="accent1">
-              <a:shade val="50000"/>
-            </a:schemeClr>
-          </a:lnRef>
-          <a:fillRef idx="1">
-            <a:schemeClr val="accent1"/>
-          </a:fillRef>
-          <a:effectRef idx="0">
-            <a:schemeClr val="accent1"/>
-          </a:effectRef>
-          <a:fontRef idx="minor">
-            <a:schemeClr val="lt1"/>
-          </a:fontRef>
-        </p:style>
-        <p:txBody>
-          <a:bodyPr rtlCol="0" anchor="ctr"/>
-          <a:lstStyle/>
-          <a:p>
-            <a:pPr algn="ctr"/>
-            <a:endParaRPr lang="en-US"/>
-          </a:p>
-        </p:txBody>
-      </p:sp>
-      <p:sp>
-        <p:nvSpPr>
-          <p:cNvPr id="2" name="Title 1">
-            <a:extLst>
-              <a:ext uri="{FF2B5EF4-FFF2-40B4-BE49-F238E27FC236}">
-                <a16:creationId xmlns:a16="http://schemas.microsoft.com/office/drawing/2014/main" id="{E60C0AB5-0D03-4F5B-AEED-81E80BA88469}"/>
-              </a:ext>
-            </a:extLst>
-          </p:cNvPr>
-          <p:cNvSpPr>
-            <a:spLocks noGrp="1"/>
-          </p:cNvSpPr>
-          <p:nvPr>
-            <p:ph type="title"/>
-          </p:nvPr>
-        </p:nvSpPr>
-        <p:spPr>
-          <a:xfrm>
-            <a:off x="943277" y="712269"/>
-            <a:ext cx="3370998" cy="5502264"/>
-          </a:xfrm>
-        </p:spPr>
-        <p:txBody>
-          <a:bodyPr>
-            <a:normAutofit/>
-          </a:bodyPr>
-          <a:lstStyle/>
-          <a:p>
-            <a:r>
-              <a:rPr lang="en-US" dirty="0">
-                <a:solidFill>
-                  <a:srgbClr val="FFFFFF"/>
-                </a:solidFill>
-              </a:rPr>
-              <a:t>Is This Marketing Research?</a:t>
-            </a:r>
-          </a:p>
-        </p:txBody>
-      </p:sp>
-      <p:cxnSp>
-        <p:nvCxnSpPr>
-          <p:cNvPr id="33" name="Straight Connector 32">
-            <a:extLst>
-              <a:ext uri="{FF2B5EF4-FFF2-40B4-BE49-F238E27FC236}">
-                <a16:creationId xmlns:a16="http://schemas.microsoft.com/office/drawing/2014/main" id="{550D2BD1-98F9-412D-905B-3A843EF4078B}"/>
-              </a:ext>
-              <a:ext uri="{C183D7F6-B498-43B3-948B-1728B52AA6E4}">
-                <adec:decorative xmlns:adec="http://schemas.microsoft.com/office/drawing/2017/decorative" val="1"/>
-              </a:ext>
-            </a:extLst>
-          </p:cNvPr>
-          <p:cNvCxnSpPr>
-            <a:cxnSpLocks noGrp="1" noRot="1" noChangeAspect="1" noMove="1" noResize="1" noEditPoints="1" noAdjustHandles="1" noChangeArrowheads="1" noChangeShapeType="1"/>
-          </p:cNvCxnSpPr>
-          <p:nvPr>
-            <p:extLst>
-              <p:ext uri="{386F3935-93C4-4BCD-93E2-E3B085C9AB24}">
-                <p16:designElem xmlns:p16="http://schemas.microsoft.com/office/powerpoint/2015/main" val="1"/>
-              </p:ext>
-            </p:extLst>
-          </p:nvPr>
-        </p:nvCxnSpPr>
-        <p:spPr>
-          <a:xfrm flipV="1">
-            <a:off x="585216" y="2971800"/>
-            <a:ext cx="0" cy="914400"/>
-          </a:xfrm>
-          <a:prstGeom prst="line">
-            <a:avLst/>
-          </a:prstGeom>
-          <a:ln w="19050">
-            <a:solidFill>
-              <a:srgbClr val="FFFFFF">
-                <a:alpha val="80000"/>
-              </a:srgbClr>
-            </a:solidFill>
-          </a:ln>
-        </p:spPr>
-        <p:style>
-          <a:lnRef idx="1">
-            <a:schemeClr val="accent1"/>
-          </a:lnRef>
-          <a:fillRef idx="0">
-            <a:schemeClr val="accent1"/>
-          </a:fillRef>
-          <a:effectRef idx="0">
-            <a:schemeClr val="accent1"/>
-          </a:effectRef>
-          <a:fontRef idx="minor">
-            <a:schemeClr val="tx1"/>
-          </a:fontRef>
-        </p:style>
-      </p:cxnSp>
-      <p:sp>
-        <p:nvSpPr>
-          <p:cNvPr id="4" name="Footer Placeholder 3">
-            <a:extLst>
-              <a:ext uri="{FF2B5EF4-FFF2-40B4-BE49-F238E27FC236}">
-                <a16:creationId xmlns:a16="http://schemas.microsoft.com/office/drawing/2014/main" id="{45B5CF35-104C-4CBE-8B3F-F7A3E8687255}"/>
-              </a:ext>
-            </a:extLst>
-          </p:cNvPr>
-          <p:cNvSpPr>
-            <a:spLocks noGrp="1"/>
-          </p:cNvSpPr>
-          <p:nvPr>
-            <p:ph type="ftr" sz="quarter" idx="11"/>
-          </p:nvPr>
-        </p:nvSpPr>
-        <p:spPr>
-          <a:xfrm>
-            <a:off x="5280024" y="6356350"/>
-            <a:ext cx="2873375" cy="365125"/>
-          </a:xfrm>
-        </p:spPr>
-        <p:txBody>
-          <a:bodyPr>
-            <a:normAutofit/>
-          </a:bodyPr>
-          <a:lstStyle/>
-          <a:p>
-            <a:pPr algn="l">
-              <a:spcAft>
-                <a:spcPts val="600"/>
-              </a:spcAft>
-            </a:pPr>
-            <a:r>
-              <a:rPr lang="en-US">
-                <a:solidFill>
-                  <a:schemeClr val="tx1">
-                    <a:lumMod val="75000"/>
-                    <a:lumOff val="25000"/>
-                    <a:alpha val="70000"/>
-                  </a:schemeClr>
-                </a:solidFill>
-              </a:rPr>
-              <a:t>Mike Nguyen</a:t>
-            </a:r>
-          </a:p>
-        </p:txBody>
-      </p:sp>
-      <p:sp>
-        <p:nvSpPr>
-          <p:cNvPr id="5" name="Slide Number Placeholder 4">
-            <a:extLst>
-              <a:ext uri="{FF2B5EF4-FFF2-40B4-BE49-F238E27FC236}">
-                <a16:creationId xmlns:a16="http://schemas.microsoft.com/office/drawing/2014/main" id="{AA9009E7-0999-4786-981F-FF374D7BF5C3}"/>
-              </a:ext>
-            </a:extLst>
-          </p:cNvPr>
-          <p:cNvSpPr>
-            <a:spLocks noGrp="1"/>
-          </p:cNvSpPr>
-          <p:nvPr>
-            <p:ph type="sldNum" sz="quarter" idx="12"/>
-          </p:nvPr>
-        </p:nvSpPr>
-        <p:spPr>
-          <a:xfrm>
-            <a:off x="8610600" y="6356350"/>
-            <a:ext cx="2743200" cy="365125"/>
-          </a:xfrm>
-        </p:spPr>
-        <p:txBody>
-          <a:bodyPr>
-            <a:normAutofit/>
-          </a:bodyPr>
-          <a:lstStyle/>
-          <a:p>
-            <a:pPr>
-              <a:spcAft>
-                <a:spcPts val="600"/>
-              </a:spcAft>
-            </a:pPr>
-            <a:fld id="{A6AF1B4E-90EC-4A51-B6E5-B702C054ECB0}" type="slidenum">
-              <a:rPr lang="en-US">
-                <a:solidFill>
-                  <a:schemeClr val="tx1">
-                    <a:lumMod val="75000"/>
-                    <a:lumOff val="25000"/>
-                    <a:alpha val="70000"/>
-                  </a:schemeClr>
-                </a:solidFill>
-              </a:rPr>
-              <a:pPr>
-                <a:spcAft>
-                  <a:spcPts val="600"/>
-                </a:spcAft>
-              </a:pPr>
-              <a:t>19</a:t>
-            </a:fld>
-            <a:endParaRPr lang="en-US">
-              <a:solidFill>
-                <a:schemeClr val="tx1">
-                  <a:lumMod val="75000"/>
-                  <a:lumOff val="25000"/>
-                  <a:alpha val="70000"/>
-                </a:schemeClr>
-              </a:solidFill>
-            </a:endParaRPr>
-          </a:p>
-        </p:txBody>
-      </p:sp>
-      <p:graphicFrame>
-        <p:nvGraphicFramePr>
-          <p:cNvPr id="26" name="Content Placeholder 2">
-            <a:extLst>
-              <a:ext uri="{FF2B5EF4-FFF2-40B4-BE49-F238E27FC236}">
-                <a16:creationId xmlns:a16="http://schemas.microsoft.com/office/drawing/2014/main" id="{D2FCE12C-DC52-4FD0-A7A9-C71E1590E4E3}"/>
-              </a:ext>
-            </a:extLst>
-          </p:cNvPr>
-          <p:cNvGraphicFramePr>
-            <a:graphicFrameLocks noGrp="1"/>
-          </p:cNvGraphicFramePr>
-          <p:nvPr>
-            <p:ph idx="1"/>
-            <p:extLst>
-              <p:ext uri="{D42A27DB-BD31-4B8C-83A1-F6EECF244321}">
-                <p14:modId xmlns:p14="http://schemas.microsoft.com/office/powerpoint/2010/main" val="1299973339"/>
-              </p:ext>
-            </p:extLst>
-          </p:nvPr>
-        </p:nvGraphicFramePr>
-        <p:xfrm>
-          <a:off x="5280025" y="642938"/>
-          <a:ext cx="6269038" cy="5572125"/>
-        </p:xfrm>
-        <a:graphic>
-          <a:graphicData uri="http://schemas.openxmlformats.org/drawingml/2006/diagram">
-            <dgm:relIds xmlns:dgm="http://schemas.openxmlformats.org/drawingml/2006/diagram" xmlns:r="http://schemas.openxmlformats.org/officeDocument/2006/relationships" r:dm="rId3" r:lo="rId4" r:qs="rId5" r:cs="rId6"/>
-          </a:graphicData>
-        </a:graphic>
-      </p:graphicFrame>
-    </p:spTree>
-    <p:extLst>
-      <p:ext uri="{BB962C8B-B14F-4D97-AF65-F5344CB8AC3E}">
-        <p14:creationId xmlns:p14="http://schemas.microsoft.com/office/powerpoint/2010/main" val="178872906"/>
       </p:ext>
     </p:extLst>
   </p:cSld>
@@ -30649,7 +34012,7 @@
             <p:ph idx="1"/>
             <p:extLst>
               <p:ext uri="{D42A27DB-BD31-4B8C-83A1-F6EECF244321}">
-                <p14:modId xmlns:p14="http://schemas.microsoft.com/office/powerpoint/2010/main" val="1696315793"/>
+                <p14:modId xmlns:p14="http://schemas.microsoft.com/office/powerpoint/2010/main" val="1017398727"/>
               </p:ext>
             </p:extLst>
           </p:nvPr>
@@ -30678,6 +34041,517 @@
 </file>
 
 <file path=ppt/slides/slide20.xml><?xml version="1.0" encoding="utf-8"?>
+<p:sld xmlns:a="http://schemas.openxmlformats.org/drawingml/2006/main" xmlns:r="http://schemas.openxmlformats.org/officeDocument/2006/relationships" xmlns:p="http://schemas.openxmlformats.org/presentationml/2006/main">
+  <p:cSld>
+    <p:bg>
+      <p:bgPr>
+        <a:solidFill>
+          <a:schemeClr val="bg1"/>
+        </a:solidFill>
+        <a:effectLst/>
+      </p:bgPr>
+    </p:bg>
+    <p:spTree>
+      <p:nvGrpSpPr>
+        <p:cNvPr id="1" name=""/>
+        <p:cNvGrpSpPr/>
+        <p:nvPr/>
+      </p:nvGrpSpPr>
+      <p:grpSpPr>
+        <a:xfrm>
+          <a:off x="0" y="0"/>
+          <a:ext cx="0" cy="0"/>
+          <a:chOff x="0" y="0"/>
+          <a:chExt cx="0" cy="0"/>
+        </a:xfrm>
+      </p:grpSpPr>
+      <p:sp>
+        <p:nvSpPr>
+          <p:cNvPr id="31" name="Rectangle 30">
+            <a:extLst>
+              <a:ext uri="{FF2B5EF4-FFF2-40B4-BE49-F238E27FC236}">
+                <a16:creationId xmlns:a16="http://schemas.microsoft.com/office/drawing/2014/main" id="{08E89D5E-1885-4160-AC77-CC471DD1D0DB}"/>
+              </a:ext>
+              <a:ext uri="{C183D7F6-B498-43B3-948B-1728B52AA6E4}">
+                <adec:decorative xmlns:adec="http://schemas.microsoft.com/office/drawing/2017/decorative" val="1"/>
+              </a:ext>
+            </a:extLst>
+          </p:cNvPr>
+          <p:cNvSpPr>
+            <a:spLocks noGrp="1" noRot="1" noChangeAspect="1" noMove="1" noResize="1" noEditPoints="1" noAdjustHandles="1" noChangeArrowheads="1" noChangeShapeType="1" noTextEdit="1"/>
+          </p:cNvSpPr>
+          <p:nvPr>
+            <p:extLst>
+              <p:ext uri="{386F3935-93C4-4BCD-93E2-E3B085C9AB24}">
+                <p16:designElem xmlns:p16="http://schemas.microsoft.com/office/powerpoint/2015/main" val="1"/>
+              </p:ext>
+            </p:extLst>
+          </p:nvPr>
+        </p:nvSpPr>
+        <p:spPr>
+          <a:xfrm>
+            <a:off x="0" y="0"/>
+            <a:ext cx="4636008" cy="6858000"/>
+          </a:xfrm>
+          <a:prstGeom prst="rect">
+            <a:avLst/>
+          </a:prstGeom>
+          <a:ln>
+            <a:noFill/>
+          </a:ln>
+        </p:spPr>
+        <p:style>
+          <a:lnRef idx="2">
+            <a:schemeClr val="accent1">
+              <a:shade val="50000"/>
+            </a:schemeClr>
+          </a:lnRef>
+          <a:fillRef idx="1">
+            <a:schemeClr val="accent1"/>
+          </a:fillRef>
+          <a:effectRef idx="0">
+            <a:schemeClr val="accent1"/>
+          </a:effectRef>
+          <a:fontRef idx="minor">
+            <a:schemeClr val="lt1"/>
+          </a:fontRef>
+        </p:style>
+        <p:txBody>
+          <a:bodyPr rtlCol="0" anchor="ctr"/>
+          <a:lstStyle/>
+          <a:p>
+            <a:pPr algn="ctr"/>
+            <a:endParaRPr lang="en-US"/>
+          </a:p>
+        </p:txBody>
+      </p:sp>
+      <p:sp>
+        <p:nvSpPr>
+          <p:cNvPr id="2" name="Title 1">
+            <a:extLst>
+              <a:ext uri="{FF2B5EF4-FFF2-40B4-BE49-F238E27FC236}">
+                <a16:creationId xmlns:a16="http://schemas.microsoft.com/office/drawing/2014/main" id="{E60C0AB5-0D03-4F5B-AEED-81E80BA88469}"/>
+              </a:ext>
+            </a:extLst>
+          </p:cNvPr>
+          <p:cNvSpPr>
+            <a:spLocks noGrp="1"/>
+          </p:cNvSpPr>
+          <p:nvPr>
+            <p:ph type="title"/>
+          </p:nvPr>
+        </p:nvSpPr>
+        <p:spPr>
+          <a:xfrm>
+            <a:off x="943277" y="712269"/>
+            <a:ext cx="3370998" cy="5502264"/>
+          </a:xfrm>
+        </p:spPr>
+        <p:txBody>
+          <a:bodyPr>
+            <a:normAutofit/>
+          </a:bodyPr>
+          <a:lstStyle/>
+          <a:p>
+            <a:r>
+              <a:rPr lang="en-US" dirty="0">
+                <a:solidFill>
+                  <a:srgbClr val="FFFFFF"/>
+                </a:solidFill>
+              </a:rPr>
+              <a:t>Is This Marketing Research?</a:t>
+            </a:r>
+          </a:p>
+        </p:txBody>
+      </p:sp>
+      <p:cxnSp>
+        <p:nvCxnSpPr>
+          <p:cNvPr id="33" name="Straight Connector 32">
+            <a:extLst>
+              <a:ext uri="{FF2B5EF4-FFF2-40B4-BE49-F238E27FC236}">
+                <a16:creationId xmlns:a16="http://schemas.microsoft.com/office/drawing/2014/main" id="{550D2BD1-98F9-412D-905B-3A843EF4078B}"/>
+              </a:ext>
+              <a:ext uri="{C183D7F6-B498-43B3-948B-1728B52AA6E4}">
+                <adec:decorative xmlns:adec="http://schemas.microsoft.com/office/drawing/2017/decorative" val="1"/>
+              </a:ext>
+            </a:extLst>
+          </p:cNvPr>
+          <p:cNvCxnSpPr>
+            <a:cxnSpLocks noGrp="1" noRot="1" noChangeAspect="1" noMove="1" noResize="1" noEditPoints="1" noAdjustHandles="1" noChangeArrowheads="1" noChangeShapeType="1"/>
+          </p:cNvCxnSpPr>
+          <p:nvPr>
+            <p:extLst>
+              <p:ext uri="{386F3935-93C4-4BCD-93E2-E3B085C9AB24}">
+                <p16:designElem xmlns:p16="http://schemas.microsoft.com/office/powerpoint/2015/main" val="1"/>
+              </p:ext>
+            </p:extLst>
+          </p:nvPr>
+        </p:nvCxnSpPr>
+        <p:spPr>
+          <a:xfrm flipV="1">
+            <a:off x="585216" y="2971800"/>
+            <a:ext cx="0" cy="914400"/>
+          </a:xfrm>
+          <a:prstGeom prst="line">
+            <a:avLst/>
+          </a:prstGeom>
+          <a:ln w="19050">
+            <a:solidFill>
+              <a:srgbClr val="FFFFFF">
+                <a:alpha val="80000"/>
+              </a:srgbClr>
+            </a:solidFill>
+          </a:ln>
+        </p:spPr>
+        <p:style>
+          <a:lnRef idx="1">
+            <a:schemeClr val="accent1"/>
+          </a:lnRef>
+          <a:fillRef idx="0">
+            <a:schemeClr val="accent1"/>
+          </a:fillRef>
+          <a:effectRef idx="0">
+            <a:schemeClr val="accent1"/>
+          </a:effectRef>
+          <a:fontRef idx="minor">
+            <a:schemeClr val="tx1"/>
+          </a:fontRef>
+        </p:style>
+      </p:cxnSp>
+      <p:sp>
+        <p:nvSpPr>
+          <p:cNvPr id="4" name="Footer Placeholder 3">
+            <a:extLst>
+              <a:ext uri="{FF2B5EF4-FFF2-40B4-BE49-F238E27FC236}">
+                <a16:creationId xmlns:a16="http://schemas.microsoft.com/office/drawing/2014/main" id="{45B5CF35-104C-4CBE-8B3F-F7A3E8687255}"/>
+              </a:ext>
+            </a:extLst>
+          </p:cNvPr>
+          <p:cNvSpPr>
+            <a:spLocks noGrp="1"/>
+          </p:cNvSpPr>
+          <p:nvPr>
+            <p:ph type="ftr" sz="quarter" idx="11"/>
+          </p:nvPr>
+        </p:nvSpPr>
+        <p:spPr>
+          <a:xfrm>
+            <a:off x="5280024" y="6356350"/>
+            <a:ext cx="2873375" cy="365125"/>
+          </a:xfrm>
+        </p:spPr>
+        <p:txBody>
+          <a:bodyPr>
+            <a:normAutofit/>
+          </a:bodyPr>
+          <a:lstStyle/>
+          <a:p>
+            <a:pPr algn="l">
+              <a:spcAft>
+                <a:spcPts val="600"/>
+              </a:spcAft>
+            </a:pPr>
+            <a:r>
+              <a:rPr lang="en-US">
+                <a:solidFill>
+                  <a:schemeClr val="tx1">
+                    <a:lumMod val="75000"/>
+                    <a:lumOff val="25000"/>
+                    <a:alpha val="70000"/>
+                  </a:schemeClr>
+                </a:solidFill>
+              </a:rPr>
+              <a:t>Mike Nguyen</a:t>
+            </a:r>
+          </a:p>
+        </p:txBody>
+      </p:sp>
+      <p:sp>
+        <p:nvSpPr>
+          <p:cNvPr id="5" name="Slide Number Placeholder 4">
+            <a:extLst>
+              <a:ext uri="{FF2B5EF4-FFF2-40B4-BE49-F238E27FC236}">
+                <a16:creationId xmlns:a16="http://schemas.microsoft.com/office/drawing/2014/main" id="{AA9009E7-0999-4786-981F-FF374D7BF5C3}"/>
+              </a:ext>
+            </a:extLst>
+          </p:cNvPr>
+          <p:cNvSpPr>
+            <a:spLocks noGrp="1"/>
+          </p:cNvSpPr>
+          <p:nvPr>
+            <p:ph type="sldNum" sz="quarter" idx="12"/>
+          </p:nvPr>
+        </p:nvSpPr>
+        <p:spPr>
+          <a:xfrm>
+            <a:off x="8610600" y="6356350"/>
+            <a:ext cx="2743200" cy="365125"/>
+          </a:xfrm>
+        </p:spPr>
+        <p:txBody>
+          <a:bodyPr>
+            <a:normAutofit/>
+          </a:bodyPr>
+          <a:lstStyle/>
+          <a:p>
+            <a:pPr>
+              <a:spcAft>
+                <a:spcPts val="600"/>
+              </a:spcAft>
+            </a:pPr>
+            <a:fld id="{A6AF1B4E-90EC-4A51-B6E5-B702C054ECB0}" type="slidenum">
+              <a:rPr lang="en-US">
+                <a:solidFill>
+                  <a:schemeClr val="tx1">
+                    <a:lumMod val="75000"/>
+                    <a:lumOff val="25000"/>
+                    <a:alpha val="70000"/>
+                  </a:schemeClr>
+                </a:solidFill>
+              </a:rPr>
+              <a:pPr>
+                <a:spcAft>
+                  <a:spcPts val="600"/>
+                </a:spcAft>
+              </a:pPr>
+              <a:t>20</a:t>
+            </a:fld>
+            <a:endParaRPr lang="en-US">
+              <a:solidFill>
+                <a:schemeClr val="tx1">
+                  <a:lumMod val="75000"/>
+                  <a:lumOff val="25000"/>
+                  <a:alpha val="70000"/>
+                </a:schemeClr>
+              </a:solidFill>
+            </a:endParaRPr>
+          </a:p>
+        </p:txBody>
+      </p:sp>
+      <p:graphicFrame>
+        <p:nvGraphicFramePr>
+          <p:cNvPr id="26" name="Content Placeholder 2">
+            <a:extLst>
+              <a:ext uri="{FF2B5EF4-FFF2-40B4-BE49-F238E27FC236}">
+                <a16:creationId xmlns:a16="http://schemas.microsoft.com/office/drawing/2014/main" id="{D2FCE12C-DC52-4FD0-A7A9-C71E1590E4E3}"/>
+              </a:ext>
+            </a:extLst>
+          </p:cNvPr>
+          <p:cNvGraphicFramePr>
+            <a:graphicFrameLocks noGrp="1"/>
+          </p:cNvGraphicFramePr>
+          <p:nvPr>
+            <p:ph idx="1"/>
+            <p:extLst>
+              <p:ext uri="{D42A27DB-BD31-4B8C-83A1-F6EECF244321}">
+                <p14:modId xmlns:p14="http://schemas.microsoft.com/office/powerpoint/2010/main" val="1299973339"/>
+              </p:ext>
+            </p:extLst>
+          </p:nvPr>
+        </p:nvGraphicFramePr>
+        <p:xfrm>
+          <a:off x="5280025" y="642938"/>
+          <a:ext cx="6269038" cy="5572125"/>
+        </p:xfrm>
+        <a:graphic>
+          <a:graphicData uri="http://schemas.openxmlformats.org/drawingml/2006/diagram">
+            <dgm:relIds xmlns:dgm="http://schemas.openxmlformats.org/drawingml/2006/diagram" xmlns:r="http://schemas.openxmlformats.org/officeDocument/2006/relationships" r:dm="rId3" r:lo="rId4" r:qs="rId5" r:cs="rId6"/>
+          </a:graphicData>
+        </a:graphic>
+      </p:graphicFrame>
+    </p:spTree>
+    <p:extLst>
+      <p:ext uri="{BB962C8B-B14F-4D97-AF65-F5344CB8AC3E}">
+        <p14:creationId xmlns:p14="http://schemas.microsoft.com/office/powerpoint/2010/main" val="178872906"/>
+      </p:ext>
+    </p:extLst>
+  </p:cSld>
+  <p:clrMapOvr>
+    <a:masterClrMapping/>
+  </p:clrMapOvr>
+</p:sld>
+</file>
+
+<file path=ppt/slides/slide21.xml><?xml version="1.0" encoding="utf-8"?>
+<p:sld xmlns:a="http://schemas.openxmlformats.org/drawingml/2006/main" xmlns:r="http://schemas.openxmlformats.org/officeDocument/2006/relationships" xmlns:p="http://schemas.openxmlformats.org/presentationml/2006/main">
+  <p:cSld>
+    <p:spTree>
+      <p:nvGrpSpPr>
+        <p:cNvPr id="1" name=""/>
+        <p:cNvGrpSpPr/>
+        <p:nvPr/>
+      </p:nvGrpSpPr>
+      <p:grpSpPr>
+        <a:xfrm>
+          <a:off x="0" y="0"/>
+          <a:ext cx="0" cy="0"/>
+          <a:chOff x="0" y="0"/>
+          <a:chExt cx="0" cy="0"/>
+        </a:xfrm>
+      </p:grpSpPr>
+      <p:sp>
+        <p:nvSpPr>
+          <p:cNvPr id="2" name="Title 1">
+            <a:extLst>
+              <a:ext uri="{FF2B5EF4-FFF2-40B4-BE49-F238E27FC236}">
+                <a16:creationId xmlns:a16="http://schemas.microsoft.com/office/drawing/2014/main" id="{2DB9580D-1181-429E-8C1C-536230E351ED}"/>
+              </a:ext>
+            </a:extLst>
+          </p:cNvPr>
+          <p:cNvSpPr>
+            <a:spLocks noGrp="1"/>
+          </p:cNvSpPr>
+          <p:nvPr>
+            <p:ph type="title"/>
+          </p:nvPr>
+        </p:nvSpPr>
+        <p:spPr/>
+        <p:txBody>
+          <a:bodyPr/>
+          <a:lstStyle/>
+          <a:p>
+            <a:r>
+              <a:rPr lang="en-US" dirty="0"/>
+              <a:t>iClicker question </a:t>
+            </a:r>
+          </a:p>
+        </p:txBody>
+      </p:sp>
+      <p:sp>
+        <p:nvSpPr>
+          <p:cNvPr id="3" name="Content Placeholder 2">
+            <a:extLst>
+              <a:ext uri="{FF2B5EF4-FFF2-40B4-BE49-F238E27FC236}">
+                <a16:creationId xmlns:a16="http://schemas.microsoft.com/office/drawing/2014/main" id="{B3803286-3B4E-4295-8F0E-D1B401BB12E1}"/>
+              </a:ext>
+            </a:extLst>
+          </p:cNvPr>
+          <p:cNvSpPr>
+            <a:spLocks noGrp="1"/>
+          </p:cNvSpPr>
+          <p:nvPr>
+            <p:ph idx="1"/>
+          </p:nvPr>
+        </p:nvSpPr>
+        <p:spPr/>
+        <p:txBody>
+          <a:bodyPr>
+            <a:normAutofit/>
+          </a:bodyPr>
+          <a:lstStyle/>
+          <a:p>
+            <a:pPr marL="0" indent="0">
+              <a:buNone/>
+            </a:pPr>
+            <a:r>
+              <a:rPr lang="en-US" dirty="0"/>
+              <a:t>Which of the following questions can be addressed by utilizing marketing research?</a:t>
+            </a:r>
+          </a:p>
+          <a:p>
+            <a:pPr marL="0" indent="0">
+              <a:buNone/>
+            </a:pPr>
+            <a:endParaRPr lang="en-US" dirty="0"/>
+          </a:p>
+          <a:p>
+            <a:r>
+              <a:rPr lang="en-US" dirty="0"/>
+              <a:t>What percentage of our target market remembers our brand name? </a:t>
+            </a:r>
+          </a:p>
+          <a:p>
+            <a:r>
+              <a:rPr lang="en-US" dirty="0"/>
+              <a:t>What kinds of financial firms use our services? </a:t>
+            </a:r>
+          </a:p>
+          <a:p>
+            <a:r>
+              <a:rPr lang="en-US" dirty="0"/>
+              <a:t>What is our reputation with government regulatory agencies? </a:t>
+            </a:r>
+          </a:p>
+          <a:p>
+            <a:r>
+              <a:rPr lang="en-US" dirty="0"/>
+              <a:t>All of the above</a:t>
+            </a:r>
+          </a:p>
+        </p:txBody>
+      </p:sp>
+      <p:sp>
+        <p:nvSpPr>
+          <p:cNvPr id="4" name="Footer Placeholder 3">
+            <a:extLst>
+              <a:ext uri="{FF2B5EF4-FFF2-40B4-BE49-F238E27FC236}">
+                <a16:creationId xmlns:a16="http://schemas.microsoft.com/office/drawing/2014/main" id="{4073C385-1866-4609-B319-E0B15177B935}"/>
+              </a:ext>
+            </a:extLst>
+          </p:cNvPr>
+          <p:cNvSpPr>
+            <a:spLocks noGrp="1"/>
+          </p:cNvSpPr>
+          <p:nvPr>
+            <p:ph type="ftr" sz="quarter" idx="11"/>
+          </p:nvPr>
+        </p:nvSpPr>
+        <p:spPr/>
+        <p:txBody>
+          <a:bodyPr/>
+          <a:lstStyle/>
+          <a:p>
+            <a:r>
+              <a:rPr lang="en-US"/>
+              <a:t>Mike Nguyen</a:t>
+            </a:r>
+            <a:endParaRPr lang="en-US" dirty="0"/>
+          </a:p>
+        </p:txBody>
+      </p:sp>
+      <p:sp>
+        <p:nvSpPr>
+          <p:cNvPr id="5" name="Slide Number Placeholder 4">
+            <a:extLst>
+              <a:ext uri="{FF2B5EF4-FFF2-40B4-BE49-F238E27FC236}">
+                <a16:creationId xmlns:a16="http://schemas.microsoft.com/office/drawing/2014/main" id="{2EDBD730-4211-419F-8448-3EB149BC1EE3}"/>
+              </a:ext>
+            </a:extLst>
+          </p:cNvPr>
+          <p:cNvSpPr>
+            <a:spLocks noGrp="1"/>
+          </p:cNvSpPr>
+          <p:nvPr>
+            <p:ph type="sldNum" sz="quarter" idx="12"/>
+          </p:nvPr>
+        </p:nvSpPr>
+        <p:spPr/>
+        <p:txBody>
+          <a:bodyPr/>
+          <a:lstStyle/>
+          <a:p>
+            <a:fld id="{A6AF1B4E-90EC-4A51-B6E5-B702C054ECB0}" type="slidenum">
+              <a:rPr lang="en-US" smtClean="0"/>
+              <a:t>21</a:t>
+            </a:fld>
+            <a:endParaRPr lang="en-US" dirty="0"/>
+          </a:p>
+        </p:txBody>
+      </p:sp>
+    </p:spTree>
+    <p:extLst>
+      <p:ext uri="{BB962C8B-B14F-4D97-AF65-F5344CB8AC3E}">
+        <p14:creationId xmlns:p14="http://schemas.microsoft.com/office/powerpoint/2010/main" val="3408176231"/>
+      </p:ext>
+    </p:extLst>
+  </p:cSld>
+  <p:clrMapOvr>
+    <a:masterClrMapping/>
+  </p:clrMapOvr>
+</p:sld>
+</file>
+
+<file path=ppt/slides/slide22.xml><?xml version="1.0" encoding="utf-8"?>
 <p:sld xmlns:a="http://schemas.openxmlformats.org/drawingml/2006/main" xmlns:r="http://schemas.openxmlformats.org/officeDocument/2006/relationships" xmlns:p="http://schemas.openxmlformats.org/presentationml/2006/main">
   <p:cSld>
     <p:bg>
@@ -31227,7 +35101,7 @@
                   <a:spcPts val="600"/>
                 </a:spcAft>
               </a:pPr>
-              <a:t>20</a:t>
+              <a:t>22</a:t>
             </a:fld>
             <a:endParaRPr lang="en-US"/>
           </a:p>
@@ -32160,7 +36034,7 @@
 </p:sld>
 </file>
 
-<file path=ppt/slides/slide21.xml><?xml version="1.0" encoding="utf-8"?>
+<file path=ppt/slides/slide23.xml><?xml version="1.0" encoding="utf-8"?>
 <p:sld xmlns:a="http://schemas.openxmlformats.org/drawingml/2006/main" xmlns:r="http://schemas.openxmlformats.org/officeDocument/2006/relationships" xmlns:p="http://schemas.openxmlformats.org/presentationml/2006/main" show="0">
   <p:cSld>
     <p:bg>
@@ -32415,7 +36289,7 @@
                   <a:spcPts val="600"/>
                 </a:spcAft>
               </a:pPr>
-              <a:t>21</a:t>
+              <a:t>23</a:t>
             </a:fld>
             <a:endParaRPr lang="en-US"/>
           </a:p>
@@ -32509,7 +36383,7 @@
 </p:sld>
 </file>
 
-<file path=ppt/slides/slide22.xml><?xml version="1.0" encoding="utf-8"?>
+<file path=ppt/slides/slide24.xml><?xml version="1.0" encoding="utf-8"?>
 <p:sld xmlns:a="http://schemas.openxmlformats.org/drawingml/2006/main" xmlns:r="http://schemas.openxmlformats.org/officeDocument/2006/relationships" xmlns:p="http://schemas.openxmlformats.org/presentationml/2006/main">
   <p:cSld>
     <p:bg>
@@ -32947,6 +36821,12 @@
               <a:t>Assignment due: PA #1 </a:t>
             </a:r>
           </a:p>
+          <a:p>
+            <a:r>
+              <a:rPr lang="en-US" sz="2200" dirty="0"/>
+              <a:t>Read Chapter 1, 2, 3</a:t>
+            </a:r>
+          </a:p>
         </p:txBody>
       </p:sp>
       <p:pic>
@@ -32964,13 +36844,13 @@
           <p:nvPr/>
         </p:nvPicPr>
         <p:blipFill>
-          <a:blip r:embed="rId2">
+          <a:blip r:embed="rId3">
             <a:extLst>
               <a:ext uri="{28A0092B-C50C-407E-A947-70E740481C1C}">
                 <a14:useLocalDpi xmlns:a14="http://schemas.microsoft.com/office/drawing/2010/main" val="0"/>
               </a:ext>
               <a:ext uri="{96DAC541-7B7A-43D3-8B79-37D633B846F1}">
-                <asvg:svgBlip xmlns:asvg="http://schemas.microsoft.com/office/drawing/2016/SVG/main" r:embed="rId3"/>
+                <asvg:svgBlip xmlns:asvg="http://schemas.microsoft.com/office/drawing/2016/SVG/main" r:embed="rId4"/>
               </a:ext>
             </a:extLst>
           </a:blip>
@@ -33068,7 +36948,7 @@
                   <a:spcPts val="600"/>
                 </a:spcAft>
               </a:pPr>
-              <a:t>22</a:t>
+              <a:t>24</a:t>
             </a:fld>
             <a:endParaRPr lang="en-US"/>
           </a:p>
@@ -33087,7 +36967,7 @@
 </p:sld>
 </file>
 
-<file path=ppt/slides/slide23.xml><?xml version="1.0" encoding="utf-8"?>
+<file path=ppt/slides/slide25.xml><?xml version="1.0" encoding="utf-8"?>
 <p:sld xmlns:a="http://schemas.openxmlformats.org/drawingml/2006/main" xmlns:r="http://schemas.openxmlformats.org/officeDocument/2006/relationships" xmlns:p="http://schemas.openxmlformats.org/presentationml/2006/main">
   <p:cSld>
     <p:bg>
@@ -33554,7 +37434,7 @@
                   <a:spcPts val="600"/>
                 </a:spcAft>
               </a:pPr>
-              <a:t>23</a:t>
+              <a:t>25</a:t>
             </a:fld>
             <a:endParaRPr lang="en-US"/>
           </a:p>
@@ -34883,6 +38763,544 @@
 </file>
 
 <file path=ppt/slides/slide5.xml><?xml version="1.0" encoding="utf-8"?>
+<p:sld xmlns:a="http://schemas.openxmlformats.org/drawingml/2006/main" xmlns:r="http://schemas.openxmlformats.org/officeDocument/2006/relationships" xmlns:p="http://schemas.openxmlformats.org/presentationml/2006/main" show="0">
+  <p:cSld>
+    <p:bg>
+      <p:bgPr>
+        <a:solidFill>
+          <a:schemeClr val="bg1"/>
+        </a:solidFill>
+        <a:effectLst/>
+      </p:bgPr>
+    </p:bg>
+    <p:spTree>
+      <p:nvGrpSpPr>
+        <p:cNvPr id="1" name=""/>
+        <p:cNvGrpSpPr/>
+        <p:nvPr/>
+      </p:nvGrpSpPr>
+      <p:grpSpPr>
+        <a:xfrm>
+          <a:off x="0" y="0"/>
+          <a:ext cx="0" cy="0"/>
+          <a:chOff x="0" y="0"/>
+          <a:chExt cx="0" cy="0"/>
+        </a:xfrm>
+      </p:grpSpPr>
+      <p:sp useBgFill="1">
+        <p:nvSpPr>
+          <p:cNvPr id="29" name="Rectangle 11">
+            <a:extLst>
+              <a:ext uri="{FF2B5EF4-FFF2-40B4-BE49-F238E27FC236}">
+                <a16:creationId xmlns:a16="http://schemas.microsoft.com/office/drawing/2014/main" id="{665DBBEF-238B-476B-96AB-8AAC3224ECEA}"/>
+              </a:ext>
+              <a:ext uri="{C183D7F6-B498-43B3-948B-1728B52AA6E4}">
+                <adec:decorative xmlns:adec="http://schemas.microsoft.com/office/drawing/2017/decorative" val="1"/>
+              </a:ext>
+            </a:extLst>
+          </p:cNvPr>
+          <p:cNvSpPr>
+            <a:spLocks noGrp="1" noRot="1" noChangeAspect="1" noMove="1" noResize="1" noEditPoints="1" noAdjustHandles="1" noChangeArrowheads="1" noChangeShapeType="1" noTextEdit="1"/>
+          </p:cNvSpPr>
+          <p:nvPr>
+            <p:extLst>
+              <p:ext uri="{386F3935-93C4-4BCD-93E2-E3B085C9AB24}">
+                <p16:designElem xmlns:p16="http://schemas.microsoft.com/office/powerpoint/2015/main" val="1"/>
+              </p:ext>
+            </p:extLst>
+          </p:nvPr>
+        </p:nvSpPr>
+        <p:spPr>
+          <a:xfrm>
+            <a:off x="0" y="0"/>
+            <a:ext cx="12192000" cy="6858000"/>
+          </a:xfrm>
+          <a:prstGeom prst="rect">
+            <a:avLst/>
+          </a:prstGeom>
+          <a:ln>
+            <a:noFill/>
+          </a:ln>
+        </p:spPr>
+        <p:style>
+          <a:lnRef idx="2">
+            <a:schemeClr val="accent1">
+              <a:shade val="50000"/>
+            </a:schemeClr>
+          </a:lnRef>
+          <a:fillRef idx="1">
+            <a:schemeClr val="accent1"/>
+          </a:fillRef>
+          <a:effectRef idx="0">
+            <a:schemeClr val="accent1"/>
+          </a:effectRef>
+          <a:fontRef idx="minor">
+            <a:schemeClr val="lt1"/>
+          </a:fontRef>
+        </p:style>
+        <p:txBody>
+          <a:bodyPr rtlCol="0" anchor="ctr"/>
+          <a:lstStyle/>
+          <a:p>
+            <a:pPr algn="ctr"/>
+            <a:endParaRPr lang="en-US"/>
+          </a:p>
+        </p:txBody>
+      </p:sp>
+      <p:sp>
+        <p:nvSpPr>
+          <p:cNvPr id="2" name="Title 1">
+            <a:extLst>
+              <a:ext uri="{FF2B5EF4-FFF2-40B4-BE49-F238E27FC236}">
+                <a16:creationId xmlns:a16="http://schemas.microsoft.com/office/drawing/2014/main" id="{1EFD32A8-4002-4D30-BC21-CA53EB1C3B8B}"/>
+              </a:ext>
+            </a:extLst>
+          </p:cNvPr>
+          <p:cNvSpPr>
+            <a:spLocks noGrp="1"/>
+          </p:cNvSpPr>
+          <p:nvPr>
+            <p:ph type="title"/>
+          </p:nvPr>
+        </p:nvSpPr>
+        <p:spPr>
+          <a:xfrm>
+            <a:off x="638882" y="639193"/>
+            <a:ext cx="3571810" cy="3573516"/>
+          </a:xfrm>
+        </p:spPr>
+        <p:txBody>
+          <a:bodyPr vert="horz" lIns="91440" tIns="45720" rIns="91440" bIns="45720" rtlCol="0" anchor="b">
+            <a:normAutofit/>
+          </a:bodyPr>
+          <a:lstStyle/>
+          <a:p>
+            <a:r>
+              <a:rPr lang="en-US" sz="5100" kern="1200">
+                <a:solidFill>
+                  <a:schemeClr val="tx1"/>
+                </a:solidFill>
+                <a:latin typeface="+mj-lt"/>
+                <a:ea typeface="+mj-ea"/>
+                <a:cs typeface="+mj-cs"/>
+              </a:rPr>
+              <a:t>Attendance and Participation points</a:t>
+            </a:r>
+          </a:p>
+        </p:txBody>
+      </p:sp>
+      <p:sp>
+        <p:nvSpPr>
+          <p:cNvPr id="30" name="sketch line">
+            <a:extLst>
+              <a:ext uri="{FF2B5EF4-FFF2-40B4-BE49-F238E27FC236}">
+                <a16:creationId xmlns:a16="http://schemas.microsoft.com/office/drawing/2014/main" id="{3FCFB1DE-0B7E-48CC-BA90-B2AB0889F9D6}"/>
+              </a:ext>
+              <a:ext uri="{C183D7F6-B498-43B3-948B-1728B52AA6E4}">
+                <adec:decorative xmlns:adec="http://schemas.microsoft.com/office/drawing/2017/decorative" val="1"/>
+              </a:ext>
+            </a:extLst>
+          </p:cNvPr>
+          <p:cNvSpPr>
+            <a:spLocks noGrp="1" noRot="1" noChangeAspect="1" noMove="1" noResize="1" noEditPoints="1" noAdjustHandles="1" noChangeArrowheads="1" noChangeShapeType="1" noTextEdit="1"/>
+          </p:cNvSpPr>
+          <p:nvPr>
+            <p:extLst>
+              <p:ext uri="{386F3935-93C4-4BCD-93E2-E3B085C9AB24}">
+                <p16:designElem xmlns:p16="http://schemas.microsoft.com/office/powerpoint/2015/main" val="1"/>
+              </p:ext>
+            </p:extLst>
+          </p:nvPr>
+        </p:nvSpPr>
+        <p:spPr>
+          <a:xfrm>
+            <a:off x="643278" y="4409267"/>
+            <a:ext cx="3255095" cy="18288"/>
+          </a:xfrm>
+          <a:custGeom>
+            <a:avLst/>
+            <a:gdLst>
+              <a:gd name="connsiteX0" fmla="*/ 0 w 3255095"/>
+              <a:gd name="connsiteY0" fmla="*/ 0 h 18288"/>
+              <a:gd name="connsiteX1" fmla="*/ 618468 w 3255095"/>
+              <a:gd name="connsiteY1" fmla="*/ 0 h 18288"/>
+              <a:gd name="connsiteX2" fmla="*/ 1269487 w 3255095"/>
+              <a:gd name="connsiteY2" fmla="*/ 0 h 18288"/>
+              <a:gd name="connsiteX3" fmla="*/ 1953057 w 3255095"/>
+              <a:gd name="connsiteY3" fmla="*/ 0 h 18288"/>
+              <a:gd name="connsiteX4" fmla="*/ 2636627 w 3255095"/>
+              <a:gd name="connsiteY4" fmla="*/ 0 h 18288"/>
+              <a:gd name="connsiteX5" fmla="*/ 3255095 w 3255095"/>
+              <a:gd name="connsiteY5" fmla="*/ 0 h 18288"/>
+              <a:gd name="connsiteX6" fmla="*/ 3255095 w 3255095"/>
+              <a:gd name="connsiteY6" fmla="*/ 18288 h 18288"/>
+              <a:gd name="connsiteX7" fmla="*/ 2538974 w 3255095"/>
+              <a:gd name="connsiteY7" fmla="*/ 18288 h 18288"/>
+              <a:gd name="connsiteX8" fmla="*/ 1822853 w 3255095"/>
+              <a:gd name="connsiteY8" fmla="*/ 18288 h 18288"/>
+              <a:gd name="connsiteX9" fmla="*/ 1171834 w 3255095"/>
+              <a:gd name="connsiteY9" fmla="*/ 18288 h 18288"/>
+              <a:gd name="connsiteX10" fmla="*/ 0 w 3255095"/>
+              <a:gd name="connsiteY10" fmla="*/ 18288 h 18288"/>
+              <a:gd name="connsiteX11" fmla="*/ 0 w 3255095"/>
+              <a:gd name="connsiteY11" fmla="*/ 0 h 18288"/>
+            </a:gdLst>
+            <a:ahLst/>
+            <a:cxnLst>
+              <a:cxn ang="0">
+                <a:pos x="connsiteX0" y="connsiteY0"/>
+              </a:cxn>
+              <a:cxn ang="0">
+                <a:pos x="connsiteX1" y="connsiteY1"/>
+              </a:cxn>
+              <a:cxn ang="0">
+                <a:pos x="connsiteX2" y="connsiteY2"/>
+              </a:cxn>
+              <a:cxn ang="0">
+                <a:pos x="connsiteX3" y="connsiteY3"/>
+              </a:cxn>
+              <a:cxn ang="0">
+                <a:pos x="connsiteX4" y="connsiteY4"/>
+              </a:cxn>
+              <a:cxn ang="0">
+                <a:pos x="connsiteX5" y="connsiteY5"/>
+              </a:cxn>
+              <a:cxn ang="0">
+                <a:pos x="connsiteX6" y="connsiteY6"/>
+              </a:cxn>
+              <a:cxn ang="0">
+                <a:pos x="connsiteX7" y="connsiteY7"/>
+              </a:cxn>
+              <a:cxn ang="0">
+                <a:pos x="connsiteX8" y="connsiteY8"/>
+              </a:cxn>
+              <a:cxn ang="0">
+                <a:pos x="connsiteX9" y="connsiteY9"/>
+              </a:cxn>
+              <a:cxn ang="0">
+                <a:pos x="connsiteX10" y="connsiteY10"/>
+              </a:cxn>
+              <a:cxn ang="0">
+                <a:pos x="connsiteX11" y="connsiteY11"/>
+              </a:cxn>
+            </a:cxnLst>
+            <a:rect l="l" t="t" r="r" b="b"/>
+            <a:pathLst>
+              <a:path w="3255095" h="18288" fill="none" extrusionOk="0">
+                <a:moveTo>
+                  <a:pt x="0" y="0"/>
+                </a:moveTo>
+                <a:cubicBezTo>
+                  <a:pt x="240201" y="-22123"/>
+                  <a:pt x="462021" y="-19623"/>
+                  <a:pt x="618468" y="0"/>
+                </a:cubicBezTo>
+                <a:cubicBezTo>
+                  <a:pt x="774915" y="19623"/>
+                  <a:pt x="974734" y="2035"/>
+                  <a:pt x="1269487" y="0"/>
+                </a:cubicBezTo>
+                <a:cubicBezTo>
+                  <a:pt x="1564240" y="-2035"/>
+                  <a:pt x="1733579" y="10639"/>
+                  <a:pt x="1953057" y="0"/>
+                </a:cubicBezTo>
+                <a:cubicBezTo>
+                  <a:pt x="2172535" y="-10639"/>
+                  <a:pt x="2453962" y="14018"/>
+                  <a:pt x="2636627" y="0"/>
+                </a:cubicBezTo>
+                <a:cubicBezTo>
+                  <a:pt x="2819292" y="-14018"/>
+                  <a:pt x="3121375" y="5399"/>
+                  <a:pt x="3255095" y="0"/>
+                </a:cubicBezTo>
+                <a:cubicBezTo>
+                  <a:pt x="3254386" y="8157"/>
+                  <a:pt x="3254682" y="12125"/>
+                  <a:pt x="3255095" y="18288"/>
+                </a:cubicBezTo>
+                <a:cubicBezTo>
+                  <a:pt x="3088545" y="23203"/>
+                  <a:pt x="2687475" y="7419"/>
+                  <a:pt x="2538974" y="18288"/>
+                </a:cubicBezTo>
+                <a:cubicBezTo>
+                  <a:pt x="2390473" y="29157"/>
+                  <a:pt x="2137381" y="-8959"/>
+                  <a:pt x="1822853" y="18288"/>
+                </a:cubicBezTo>
+                <a:cubicBezTo>
+                  <a:pt x="1508325" y="45535"/>
+                  <a:pt x="1466437" y="20385"/>
+                  <a:pt x="1171834" y="18288"/>
+                </a:cubicBezTo>
+                <a:cubicBezTo>
+                  <a:pt x="877231" y="16191"/>
+                  <a:pt x="561097" y="37643"/>
+                  <a:pt x="0" y="18288"/>
+                </a:cubicBezTo>
+                <a:cubicBezTo>
+                  <a:pt x="-46" y="12483"/>
+                  <a:pt x="-203" y="6491"/>
+                  <a:pt x="0" y="0"/>
+                </a:cubicBezTo>
+                <a:close/>
+              </a:path>
+              <a:path w="3255095" h="18288" stroke="0" extrusionOk="0">
+                <a:moveTo>
+                  <a:pt x="0" y="0"/>
+                </a:moveTo>
+                <a:cubicBezTo>
+                  <a:pt x="291965" y="19429"/>
+                  <a:pt x="363155" y="8568"/>
+                  <a:pt x="618468" y="0"/>
+                </a:cubicBezTo>
+                <a:cubicBezTo>
+                  <a:pt x="873781" y="-8568"/>
+                  <a:pt x="904459" y="-19505"/>
+                  <a:pt x="1171834" y="0"/>
+                </a:cubicBezTo>
+                <a:cubicBezTo>
+                  <a:pt x="1439209" y="19505"/>
+                  <a:pt x="1744369" y="9790"/>
+                  <a:pt x="1887955" y="0"/>
+                </a:cubicBezTo>
+                <a:cubicBezTo>
+                  <a:pt x="2031541" y="-9790"/>
+                  <a:pt x="2346378" y="21240"/>
+                  <a:pt x="2506423" y="0"/>
+                </a:cubicBezTo>
+                <a:cubicBezTo>
+                  <a:pt x="2666468" y="-21240"/>
+                  <a:pt x="2990257" y="30414"/>
+                  <a:pt x="3255095" y="0"/>
+                </a:cubicBezTo>
+                <a:cubicBezTo>
+                  <a:pt x="3254831" y="4493"/>
+                  <a:pt x="3255479" y="9472"/>
+                  <a:pt x="3255095" y="18288"/>
+                </a:cubicBezTo>
+                <a:cubicBezTo>
+                  <a:pt x="3120743" y="16690"/>
+                  <a:pt x="2759628" y="42462"/>
+                  <a:pt x="2604076" y="18288"/>
+                </a:cubicBezTo>
+                <a:cubicBezTo>
+                  <a:pt x="2448524" y="-5886"/>
+                  <a:pt x="2184336" y="19599"/>
+                  <a:pt x="1887955" y="18288"/>
+                </a:cubicBezTo>
+                <a:cubicBezTo>
+                  <a:pt x="1591574" y="16977"/>
+                  <a:pt x="1548845" y="6870"/>
+                  <a:pt x="1334589" y="18288"/>
+                </a:cubicBezTo>
+                <a:cubicBezTo>
+                  <a:pt x="1120333" y="29706"/>
+                  <a:pt x="996014" y="9662"/>
+                  <a:pt x="683570" y="18288"/>
+                </a:cubicBezTo>
+                <a:cubicBezTo>
+                  <a:pt x="371126" y="26914"/>
+                  <a:pt x="198687" y="16167"/>
+                  <a:pt x="0" y="18288"/>
+                </a:cubicBezTo>
+                <a:cubicBezTo>
+                  <a:pt x="843" y="9577"/>
+                  <a:pt x="371" y="6900"/>
+                  <a:pt x="0" y="0"/>
+                </a:cubicBezTo>
+                <a:close/>
+              </a:path>
+            </a:pathLst>
+          </a:custGeom>
+          <a:solidFill>
+            <a:schemeClr val="accent2"/>
+          </a:solidFill>
+          <a:ln w="38100" cap="rnd">
+            <a:solidFill>
+              <a:schemeClr val="accent2"/>
+            </a:solidFill>
+            <a:round/>
+            <a:extLst>
+              <a:ext uri="{C807C97D-BFC1-408E-A445-0C87EB9F89A2}">
+                <ask:lineSketchStyleProps xmlns:ask="http://schemas.microsoft.com/office/drawing/2018/sketchyshapes" sd="1219033472">
+                  <a:prstGeom prst="rect">
+                    <a:avLst/>
+                  </a:prstGeom>
+                  <ask:type>
+                    <ask:lineSketchFreehand/>
+                  </ask:type>
+                </ask:lineSketchStyleProps>
+              </a:ext>
+            </a:extLst>
+          </a:ln>
+        </p:spPr>
+        <p:style>
+          <a:lnRef idx="2">
+            <a:schemeClr val="accent1">
+              <a:shade val="50000"/>
+            </a:schemeClr>
+          </a:lnRef>
+          <a:fillRef idx="1">
+            <a:schemeClr val="accent1"/>
+          </a:fillRef>
+          <a:effectRef idx="0">
+            <a:schemeClr val="accent1"/>
+          </a:effectRef>
+          <a:fontRef idx="minor">
+            <a:schemeClr val="lt1"/>
+          </a:fontRef>
+        </p:style>
+        <p:txBody>
+          <a:bodyPr rtlCol="0" anchor="ctr"/>
+          <a:lstStyle/>
+          <a:p>
+            <a:pPr algn="ctr"/>
+            <a:endParaRPr lang="en-US"/>
+          </a:p>
+        </p:txBody>
+      </p:sp>
+      <p:pic>
+        <p:nvPicPr>
+          <p:cNvPr id="7" name="Picture 6" descr="Text&#10;&#10;Description automatically generated">
+            <a:extLst>
+              <a:ext uri="{FF2B5EF4-FFF2-40B4-BE49-F238E27FC236}">
+                <a16:creationId xmlns:a16="http://schemas.microsoft.com/office/drawing/2014/main" id="{A2CC2EA3-F811-4046-8F59-113FFACFC22A}"/>
+              </a:ext>
+            </a:extLst>
+          </p:cNvPr>
+          <p:cNvPicPr>
+            <a:picLocks noChangeAspect="1"/>
+          </p:cNvPicPr>
+          <p:nvPr/>
+        </p:nvPicPr>
+        <p:blipFill>
+          <a:blip r:embed="rId3"/>
+          <a:stretch>
+            <a:fillRect/>
+          </a:stretch>
+        </p:blipFill>
+        <p:spPr>
+          <a:xfrm>
+            <a:off x="4654296" y="646675"/>
+            <a:ext cx="7214616" cy="5537217"/>
+          </a:xfrm>
+          <a:prstGeom prst="rect">
+            <a:avLst/>
+          </a:prstGeom>
+        </p:spPr>
+      </p:pic>
+      <p:sp>
+        <p:nvSpPr>
+          <p:cNvPr id="4" name="Footer Placeholder 3">
+            <a:extLst>
+              <a:ext uri="{FF2B5EF4-FFF2-40B4-BE49-F238E27FC236}">
+                <a16:creationId xmlns:a16="http://schemas.microsoft.com/office/drawing/2014/main" id="{AB8C798D-2929-4774-B762-2296A29BF784}"/>
+              </a:ext>
+            </a:extLst>
+          </p:cNvPr>
+          <p:cNvSpPr>
+            <a:spLocks noGrp="1"/>
+          </p:cNvSpPr>
+          <p:nvPr>
+            <p:ph type="ftr" sz="quarter" idx="11"/>
+          </p:nvPr>
+        </p:nvSpPr>
+        <p:spPr>
+          <a:xfrm>
+            <a:off x="4038600" y="6356350"/>
+            <a:ext cx="4114800" cy="365125"/>
+          </a:xfrm>
+        </p:spPr>
+        <p:txBody>
+          <a:bodyPr vert="horz" lIns="91440" tIns="45720" rIns="91440" bIns="45720" rtlCol="0" anchor="ctr">
+            <a:normAutofit/>
+          </a:bodyPr>
+          <a:lstStyle/>
+          <a:p>
+            <a:pPr>
+              <a:spcAft>
+                <a:spcPts val="600"/>
+              </a:spcAft>
+            </a:pPr>
+            <a:r>
+              <a:rPr lang="en-US" kern="1200">
+                <a:solidFill>
+                  <a:schemeClr val="tx1">
+                    <a:tint val="75000"/>
+                  </a:schemeClr>
+                </a:solidFill>
+                <a:latin typeface="+mn-lt"/>
+                <a:ea typeface="+mn-ea"/>
+                <a:cs typeface="+mn-cs"/>
+              </a:rPr>
+              <a:t>Mike Nguyen</a:t>
+            </a:r>
+          </a:p>
+        </p:txBody>
+      </p:sp>
+      <p:sp>
+        <p:nvSpPr>
+          <p:cNvPr id="5" name="Slide Number Placeholder 4">
+            <a:extLst>
+              <a:ext uri="{FF2B5EF4-FFF2-40B4-BE49-F238E27FC236}">
+                <a16:creationId xmlns:a16="http://schemas.microsoft.com/office/drawing/2014/main" id="{35EFFB02-916C-4938-A2D2-68E1207E9B55}"/>
+              </a:ext>
+            </a:extLst>
+          </p:cNvPr>
+          <p:cNvSpPr>
+            <a:spLocks noGrp="1"/>
+          </p:cNvSpPr>
+          <p:nvPr>
+            <p:ph type="sldNum" sz="quarter" idx="12"/>
+          </p:nvPr>
+        </p:nvSpPr>
+        <p:spPr>
+          <a:xfrm>
+            <a:off x="8610600" y="6356350"/>
+            <a:ext cx="2743200" cy="365125"/>
+          </a:xfrm>
+        </p:spPr>
+        <p:txBody>
+          <a:bodyPr vert="horz" lIns="91440" tIns="45720" rIns="91440" bIns="45720" rtlCol="0" anchor="ctr">
+            <a:normAutofit/>
+          </a:bodyPr>
+          <a:lstStyle/>
+          <a:p>
+            <a:pPr>
+              <a:spcAft>
+                <a:spcPts val="600"/>
+              </a:spcAft>
+            </a:pPr>
+            <a:fld id="{A6AF1B4E-90EC-4A51-B6E5-B702C054ECB0}" type="slidenum">
+              <a:rPr lang="en-US" smtClean="0"/>
+              <a:pPr>
+                <a:spcAft>
+                  <a:spcPts val="600"/>
+                </a:spcAft>
+              </a:pPr>
+              <a:t>5</a:t>
+            </a:fld>
+            <a:endParaRPr lang="en-US"/>
+          </a:p>
+        </p:txBody>
+      </p:sp>
+    </p:spTree>
+    <p:extLst>
+      <p:ext uri="{BB962C8B-B14F-4D97-AF65-F5344CB8AC3E}">
+        <p14:creationId xmlns:p14="http://schemas.microsoft.com/office/powerpoint/2010/main" val="3078967649"/>
+      </p:ext>
+    </p:extLst>
+  </p:cSld>
+  <p:clrMapOvr>
+    <a:masterClrMapping/>
+  </p:clrMapOvr>
+</p:sld>
+</file>
+
+<file path=ppt/slides/slide6.xml><?xml version="1.0" encoding="utf-8"?>
 <p:sld xmlns:a="http://schemas.openxmlformats.org/drawingml/2006/main" xmlns:r="http://schemas.openxmlformats.org/officeDocument/2006/relationships" xmlns:p="http://schemas.openxmlformats.org/presentationml/2006/main">
   <p:cSld>
     <p:bg>
@@ -35242,7 +39660,7 @@
                   <a:spcPts val="600"/>
                 </a:spcAft>
               </a:pPr>
-              <a:t>5</a:t>
+              <a:t>6</a:t>
             </a:fld>
             <a:endParaRPr lang="en-US"/>
           </a:p>
@@ -35252,544 +39670,6 @@
     <p:extLst>
       <p:ext uri="{BB962C8B-B14F-4D97-AF65-F5344CB8AC3E}">
         <p14:creationId xmlns:p14="http://schemas.microsoft.com/office/powerpoint/2010/main" val="2741299453"/>
-      </p:ext>
-    </p:extLst>
-  </p:cSld>
-  <p:clrMapOvr>
-    <a:masterClrMapping/>
-  </p:clrMapOvr>
-</p:sld>
-</file>
-
-<file path=ppt/slides/slide6.xml><?xml version="1.0" encoding="utf-8"?>
-<p:sld xmlns:a="http://schemas.openxmlformats.org/drawingml/2006/main" xmlns:r="http://schemas.openxmlformats.org/officeDocument/2006/relationships" xmlns:p="http://schemas.openxmlformats.org/presentationml/2006/main" show="0">
-  <p:cSld>
-    <p:bg>
-      <p:bgPr>
-        <a:solidFill>
-          <a:schemeClr val="bg1"/>
-        </a:solidFill>
-        <a:effectLst/>
-      </p:bgPr>
-    </p:bg>
-    <p:spTree>
-      <p:nvGrpSpPr>
-        <p:cNvPr id="1" name=""/>
-        <p:cNvGrpSpPr/>
-        <p:nvPr/>
-      </p:nvGrpSpPr>
-      <p:grpSpPr>
-        <a:xfrm>
-          <a:off x="0" y="0"/>
-          <a:ext cx="0" cy="0"/>
-          <a:chOff x="0" y="0"/>
-          <a:chExt cx="0" cy="0"/>
-        </a:xfrm>
-      </p:grpSpPr>
-      <p:sp useBgFill="1">
-        <p:nvSpPr>
-          <p:cNvPr id="29" name="Rectangle 11">
-            <a:extLst>
-              <a:ext uri="{FF2B5EF4-FFF2-40B4-BE49-F238E27FC236}">
-                <a16:creationId xmlns:a16="http://schemas.microsoft.com/office/drawing/2014/main" id="{665DBBEF-238B-476B-96AB-8AAC3224ECEA}"/>
-              </a:ext>
-              <a:ext uri="{C183D7F6-B498-43B3-948B-1728B52AA6E4}">
-                <adec:decorative xmlns:adec="http://schemas.microsoft.com/office/drawing/2017/decorative" val="1"/>
-              </a:ext>
-            </a:extLst>
-          </p:cNvPr>
-          <p:cNvSpPr>
-            <a:spLocks noGrp="1" noRot="1" noChangeAspect="1" noMove="1" noResize="1" noEditPoints="1" noAdjustHandles="1" noChangeArrowheads="1" noChangeShapeType="1" noTextEdit="1"/>
-          </p:cNvSpPr>
-          <p:nvPr>
-            <p:extLst>
-              <p:ext uri="{386F3935-93C4-4BCD-93E2-E3B085C9AB24}">
-                <p16:designElem xmlns:p16="http://schemas.microsoft.com/office/powerpoint/2015/main" val="1"/>
-              </p:ext>
-            </p:extLst>
-          </p:nvPr>
-        </p:nvSpPr>
-        <p:spPr>
-          <a:xfrm>
-            <a:off x="0" y="0"/>
-            <a:ext cx="12192000" cy="6858000"/>
-          </a:xfrm>
-          <a:prstGeom prst="rect">
-            <a:avLst/>
-          </a:prstGeom>
-          <a:ln>
-            <a:noFill/>
-          </a:ln>
-        </p:spPr>
-        <p:style>
-          <a:lnRef idx="2">
-            <a:schemeClr val="accent1">
-              <a:shade val="50000"/>
-            </a:schemeClr>
-          </a:lnRef>
-          <a:fillRef idx="1">
-            <a:schemeClr val="accent1"/>
-          </a:fillRef>
-          <a:effectRef idx="0">
-            <a:schemeClr val="accent1"/>
-          </a:effectRef>
-          <a:fontRef idx="minor">
-            <a:schemeClr val="lt1"/>
-          </a:fontRef>
-        </p:style>
-        <p:txBody>
-          <a:bodyPr rtlCol="0" anchor="ctr"/>
-          <a:lstStyle/>
-          <a:p>
-            <a:pPr algn="ctr"/>
-            <a:endParaRPr lang="en-US"/>
-          </a:p>
-        </p:txBody>
-      </p:sp>
-      <p:sp>
-        <p:nvSpPr>
-          <p:cNvPr id="2" name="Title 1">
-            <a:extLst>
-              <a:ext uri="{FF2B5EF4-FFF2-40B4-BE49-F238E27FC236}">
-                <a16:creationId xmlns:a16="http://schemas.microsoft.com/office/drawing/2014/main" id="{1EFD32A8-4002-4D30-BC21-CA53EB1C3B8B}"/>
-              </a:ext>
-            </a:extLst>
-          </p:cNvPr>
-          <p:cNvSpPr>
-            <a:spLocks noGrp="1"/>
-          </p:cNvSpPr>
-          <p:nvPr>
-            <p:ph type="title"/>
-          </p:nvPr>
-        </p:nvSpPr>
-        <p:spPr>
-          <a:xfrm>
-            <a:off x="638882" y="639193"/>
-            <a:ext cx="3571810" cy="3573516"/>
-          </a:xfrm>
-        </p:spPr>
-        <p:txBody>
-          <a:bodyPr vert="horz" lIns="91440" tIns="45720" rIns="91440" bIns="45720" rtlCol="0" anchor="b">
-            <a:normAutofit/>
-          </a:bodyPr>
-          <a:lstStyle/>
-          <a:p>
-            <a:r>
-              <a:rPr lang="en-US" sz="5100" kern="1200">
-                <a:solidFill>
-                  <a:schemeClr val="tx1"/>
-                </a:solidFill>
-                <a:latin typeface="+mj-lt"/>
-                <a:ea typeface="+mj-ea"/>
-                <a:cs typeface="+mj-cs"/>
-              </a:rPr>
-              <a:t>Attendance and Participation points</a:t>
-            </a:r>
-          </a:p>
-        </p:txBody>
-      </p:sp>
-      <p:sp>
-        <p:nvSpPr>
-          <p:cNvPr id="30" name="sketch line">
-            <a:extLst>
-              <a:ext uri="{FF2B5EF4-FFF2-40B4-BE49-F238E27FC236}">
-                <a16:creationId xmlns:a16="http://schemas.microsoft.com/office/drawing/2014/main" id="{3FCFB1DE-0B7E-48CC-BA90-B2AB0889F9D6}"/>
-              </a:ext>
-              <a:ext uri="{C183D7F6-B498-43B3-948B-1728B52AA6E4}">
-                <adec:decorative xmlns:adec="http://schemas.microsoft.com/office/drawing/2017/decorative" val="1"/>
-              </a:ext>
-            </a:extLst>
-          </p:cNvPr>
-          <p:cNvSpPr>
-            <a:spLocks noGrp="1" noRot="1" noChangeAspect="1" noMove="1" noResize="1" noEditPoints="1" noAdjustHandles="1" noChangeArrowheads="1" noChangeShapeType="1" noTextEdit="1"/>
-          </p:cNvSpPr>
-          <p:nvPr>
-            <p:extLst>
-              <p:ext uri="{386F3935-93C4-4BCD-93E2-E3B085C9AB24}">
-                <p16:designElem xmlns:p16="http://schemas.microsoft.com/office/powerpoint/2015/main" val="1"/>
-              </p:ext>
-            </p:extLst>
-          </p:nvPr>
-        </p:nvSpPr>
-        <p:spPr>
-          <a:xfrm>
-            <a:off x="643278" y="4409267"/>
-            <a:ext cx="3255095" cy="18288"/>
-          </a:xfrm>
-          <a:custGeom>
-            <a:avLst/>
-            <a:gdLst>
-              <a:gd name="connsiteX0" fmla="*/ 0 w 3255095"/>
-              <a:gd name="connsiteY0" fmla="*/ 0 h 18288"/>
-              <a:gd name="connsiteX1" fmla="*/ 618468 w 3255095"/>
-              <a:gd name="connsiteY1" fmla="*/ 0 h 18288"/>
-              <a:gd name="connsiteX2" fmla="*/ 1269487 w 3255095"/>
-              <a:gd name="connsiteY2" fmla="*/ 0 h 18288"/>
-              <a:gd name="connsiteX3" fmla="*/ 1953057 w 3255095"/>
-              <a:gd name="connsiteY3" fmla="*/ 0 h 18288"/>
-              <a:gd name="connsiteX4" fmla="*/ 2636627 w 3255095"/>
-              <a:gd name="connsiteY4" fmla="*/ 0 h 18288"/>
-              <a:gd name="connsiteX5" fmla="*/ 3255095 w 3255095"/>
-              <a:gd name="connsiteY5" fmla="*/ 0 h 18288"/>
-              <a:gd name="connsiteX6" fmla="*/ 3255095 w 3255095"/>
-              <a:gd name="connsiteY6" fmla="*/ 18288 h 18288"/>
-              <a:gd name="connsiteX7" fmla="*/ 2538974 w 3255095"/>
-              <a:gd name="connsiteY7" fmla="*/ 18288 h 18288"/>
-              <a:gd name="connsiteX8" fmla="*/ 1822853 w 3255095"/>
-              <a:gd name="connsiteY8" fmla="*/ 18288 h 18288"/>
-              <a:gd name="connsiteX9" fmla="*/ 1171834 w 3255095"/>
-              <a:gd name="connsiteY9" fmla="*/ 18288 h 18288"/>
-              <a:gd name="connsiteX10" fmla="*/ 0 w 3255095"/>
-              <a:gd name="connsiteY10" fmla="*/ 18288 h 18288"/>
-              <a:gd name="connsiteX11" fmla="*/ 0 w 3255095"/>
-              <a:gd name="connsiteY11" fmla="*/ 0 h 18288"/>
-            </a:gdLst>
-            <a:ahLst/>
-            <a:cxnLst>
-              <a:cxn ang="0">
-                <a:pos x="connsiteX0" y="connsiteY0"/>
-              </a:cxn>
-              <a:cxn ang="0">
-                <a:pos x="connsiteX1" y="connsiteY1"/>
-              </a:cxn>
-              <a:cxn ang="0">
-                <a:pos x="connsiteX2" y="connsiteY2"/>
-              </a:cxn>
-              <a:cxn ang="0">
-                <a:pos x="connsiteX3" y="connsiteY3"/>
-              </a:cxn>
-              <a:cxn ang="0">
-                <a:pos x="connsiteX4" y="connsiteY4"/>
-              </a:cxn>
-              <a:cxn ang="0">
-                <a:pos x="connsiteX5" y="connsiteY5"/>
-              </a:cxn>
-              <a:cxn ang="0">
-                <a:pos x="connsiteX6" y="connsiteY6"/>
-              </a:cxn>
-              <a:cxn ang="0">
-                <a:pos x="connsiteX7" y="connsiteY7"/>
-              </a:cxn>
-              <a:cxn ang="0">
-                <a:pos x="connsiteX8" y="connsiteY8"/>
-              </a:cxn>
-              <a:cxn ang="0">
-                <a:pos x="connsiteX9" y="connsiteY9"/>
-              </a:cxn>
-              <a:cxn ang="0">
-                <a:pos x="connsiteX10" y="connsiteY10"/>
-              </a:cxn>
-              <a:cxn ang="0">
-                <a:pos x="connsiteX11" y="connsiteY11"/>
-              </a:cxn>
-            </a:cxnLst>
-            <a:rect l="l" t="t" r="r" b="b"/>
-            <a:pathLst>
-              <a:path w="3255095" h="18288" fill="none" extrusionOk="0">
-                <a:moveTo>
-                  <a:pt x="0" y="0"/>
-                </a:moveTo>
-                <a:cubicBezTo>
-                  <a:pt x="240201" y="-22123"/>
-                  <a:pt x="462021" y="-19623"/>
-                  <a:pt x="618468" y="0"/>
-                </a:cubicBezTo>
-                <a:cubicBezTo>
-                  <a:pt x="774915" y="19623"/>
-                  <a:pt x="974734" y="2035"/>
-                  <a:pt x="1269487" y="0"/>
-                </a:cubicBezTo>
-                <a:cubicBezTo>
-                  <a:pt x="1564240" y="-2035"/>
-                  <a:pt x="1733579" y="10639"/>
-                  <a:pt x="1953057" y="0"/>
-                </a:cubicBezTo>
-                <a:cubicBezTo>
-                  <a:pt x="2172535" y="-10639"/>
-                  <a:pt x="2453962" y="14018"/>
-                  <a:pt x="2636627" y="0"/>
-                </a:cubicBezTo>
-                <a:cubicBezTo>
-                  <a:pt x="2819292" y="-14018"/>
-                  <a:pt x="3121375" y="5399"/>
-                  <a:pt x="3255095" y="0"/>
-                </a:cubicBezTo>
-                <a:cubicBezTo>
-                  <a:pt x="3254386" y="8157"/>
-                  <a:pt x="3254682" y="12125"/>
-                  <a:pt x="3255095" y="18288"/>
-                </a:cubicBezTo>
-                <a:cubicBezTo>
-                  <a:pt x="3088545" y="23203"/>
-                  <a:pt x="2687475" y="7419"/>
-                  <a:pt x="2538974" y="18288"/>
-                </a:cubicBezTo>
-                <a:cubicBezTo>
-                  <a:pt x="2390473" y="29157"/>
-                  <a:pt x="2137381" y="-8959"/>
-                  <a:pt x="1822853" y="18288"/>
-                </a:cubicBezTo>
-                <a:cubicBezTo>
-                  <a:pt x="1508325" y="45535"/>
-                  <a:pt x="1466437" y="20385"/>
-                  <a:pt x="1171834" y="18288"/>
-                </a:cubicBezTo>
-                <a:cubicBezTo>
-                  <a:pt x="877231" y="16191"/>
-                  <a:pt x="561097" y="37643"/>
-                  <a:pt x="0" y="18288"/>
-                </a:cubicBezTo>
-                <a:cubicBezTo>
-                  <a:pt x="-46" y="12483"/>
-                  <a:pt x="-203" y="6491"/>
-                  <a:pt x="0" y="0"/>
-                </a:cubicBezTo>
-                <a:close/>
-              </a:path>
-              <a:path w="3255095" h="18288" stroke="0" extrusionOk="0">
-                <a:moveTo>
-                  <a:pt x="0" y="0"/>
-                </a:moveTo>
-                <a:cubicBezTo>
-                  <a:pt x="291965" y="19429"/>
-                  <a:pt x="363155" y="8568"/>
-                  <a:pt x="618468" y="0"/>
-                </a:cubicBezTo>
-                <a:cubicBezTo>
-                  <a:pt x="873781" y="-8568"/>
-                  <a:pt x="904459" y="-19505"/>
-                  <a:pt x="1171834" y="0"/>
-                </a:cubicBezTo>
-                <a:cubicBezTo>
-                  <a:pt x="1439209" y="19505"/>
-                  <a:pt x="1744369" y="9790"/>
-                  <a:pt x="1887955" y="0"/>
-                </a:cubicBezTo>
-                <a:cubicBezTo>
-                  <a:pt x="2031541" y="-9790"/>
-                  <a:pt x="2346378" y="21240"/>
-                  <a:pt x="2506423" y="0"/>
-                </a:cubicBezTo>
-                <a:cubicBezTo>
-                  <a:pt x="2666468" y="-21240"/>
-                  <a:pt x="2990257" y="30414"/>
-                  <a:pt x="3255095" y="0"/>
-                </a:cubicBezTo>
-                <a:cubicBezTo>
-                  <a:pt x="3254831" y="4493"/>
-                  <a:pt x="3255479" y="9472"/>
-                  <a:pt x="3255095" y="18288"/>
-                </a:cubicBezTo>
-                <a:cubicBezTo>
-                  <a:pt x="3120743" y="16690"/>
-                  <a:pt x="2759628" y="42462"/>
-                  <a:pt x="2604076" y="18288"/>
-                </a:cubicBezTo>
-                <a:cubicBezTo>
-                  <a:pt x="2448524" y="-5886"/>
-                  <a:pt x="2184336" y="19599"/>
-                  <a:pt x="1887955" y="18288"/>
-                </a:cubicBezTo>
-                <a:cubicBezTo>
-                  <a:pt x="1591574" y="16977"/>
-                  <a:pt x="1548845" y="6870"/>
-                  <a:pt x="1334589" y="18288"/>
-                </a:cubicBezTo>
-                <a:cubicBezTo>
-                  <a:pt x="1120333" y="29706"/>
-                  <a:pt x="996014" y="9662"/>
-                  <a:pt x="683570" y="18288"/>
-                </a:cubicBezTo>
-                <a:cubicBezTo>
-                  <a:pt x="371126" y="26914"/>
-                  <a:pt x="198687" y="16167"/>
-                  <a:pt x="0" y="18288"/>
-                </a:cubicBezTo>
-                <a:cubicBezTo>
-                  <a:pt x="843" y="9577"/>
-                  <a:pt x="371" y="6900"/>
-                  <a:pt x="0" y="0"/>
-                </a:cubicBezTo>
-                <a:close/>
-              </a:path>
-            </a:pathLst>
-          </a:custGeom>
-          <a:solidFill>
-            <a:schemeClr val="accent2"/>
-          </a:solidFill>
-          <a:ln w="38100" cap="rnd">
-            <a:solidFill>
-              <a:schemeClr val="accent2"/>
-            </a:solidFill>
-            <a:round/>
-            <a:extLst>
-              <a:ext uri="{C807C97D-BFC1-408E-A445-0C87EB9F89A2}">
-                <ask:lineSketchStyleProps xmlns:ask="http://schemas.microsoft.com/office/drawing/2018/sketchyshapes" sd="1219033472">
-                  <a:prstGeom prst="rect">
-                    <a:avLst/>
-                  </a:prstGeom>
-                  <ask:type>
-                    <ask:lineSketchFreehand/>
-                  </ask:type>
-                </ask:lineSketchStyleProps>
-              </a:ext>
-            </a:extLst>
-          </a:ln>
-        </p:spPr>
-        <p:style>
-          <a:lnRef idx="2">
-            <a:schemeClr val="accent1">
-              <a:shade val="50000"/>
-            </a:schemeClr>
-          </a:lnRef>
-          <a:fillRef idx="1">
-            <a:schemeClr val="accent1"/>
-          </a:fillRef>
-          <a:effectRef idx="0">
-            <a:schemeClr val="accent1"/>
-          </a:effectRef>
-          <a:fontRef idx="minor">
-            <a:schemeClr val="lt1"/>
-          </a:fontRef>
-        </p:style>
-        <p:txBody>
-          <a:bodyPr rtlCol="0" anchor="ctr"/>
-          <a:lstStyle/>
-          <a:p>
-            <a:pPr algn="ctr"/>
-            <a:endParaRPr lang="en-US"/>
-          </a:p>
-        </p:txBody>
-      </p:sp>
-      <p:pic>
-        <p:nvPicPr>
-          <p:cNvPr id="7" name="Picture 6" descr="Text&#10;&#10;Description automatically generated">
-            <a:extLst>
-              <a:ext uri="{FF2B5EF4-FFF2-40B4-BE49-F238E27FC236}">
-                <a16:creationId xmlns:a16="http://schemas.microsoft.com/office/drawing/2014/main" id="{A2CC2EA3-F811-4046-8F59-113FFACFC22A}"/>
-              </a:ext>
-            </a:extLst>
-          </p:cNvPr>
-          <p:cNvPicPr>
-            <a:picLocks noChangeAspect="1"/>
-          </p:cNvPicPr>
-          <p:nvPr/>
-        </p:nvPicPr>
-        <p:blipFill>
-          <a:blip r:embed="rId3"/>
-          <a:stretch>
-            <a:fillRect/>
-          </a:stretch>
-        </p:blipFill>
-        <p:spPr>
-          <a:xfrm>
-            <a:off x="4654296" y="646675"/>
-            <a:ext cx="7214616" cy="5537217"/>
-          </a:xfrm>
-          <a:prstGeom prst="rect">
-            <a:avLst/>
-          </a:prstGeom>
-        </p:spPr>
-      </p:pic>
-      <p:sp>
-        <p:nvSpPr>
-          <p:cNvPr id="4" name="Footer Placeholder 3">
-            <a:extLst>
-              <a:ext uri="{FF2B5EF4-FFF2-40B4-BE49-F238E27FC236}">
-                <a16:creationId xmlns:a16="http://schemas.microsoft.com/office/drawing/2014/main" id="{AB8C798D-2929-4774-B762-2296A29BF784}"/>
-              </a:ext>
-            </a:extLst>
-          </p:cNvPr>
-          <p:cNvSpPr>
-            <a:spLocks noGrp="1"/>
-          </p:cNvSpPr>
-          <p:nvPr>
-            <p:ph type="ftr" sz="quarter" idx="11"/>
-          </p:nvPr>
-        </p:nvSpPr>
-        <p:spPr>
-          <a:xfrm>
-            <a:off x="4038600" y="6356350"/>
-            <a:ext cx="4114800" cy="365125"/>
-          </a:xfrm>
-        </p:spPr>
-        <p:txBody>
-          <a:bodyPr vert="horz" lIns="91440" tIns="45720" rIns="91440" bIns="45720" rtlCol="0" anchor="ctr">
-            <a:normAutofit/>
-          </a:bodyPr>
-          <a:lstStyle/>
-          <a:p>
-            <a:pPr>
-              <a:spcAft>
-                <a:spcPts val="600"/>
-              </a:spcAft>
-            </a:pPr>
-            <a:r>
-              <a:rPr lang="en-US" kern="1200">
-                <a:solidFill>
-                  <a:schemeClr val="tx1">
-                    <a:tint val="75000"/>
-                  </a:schemeClr>
-                </a:solidFill>
-                <a:latin typeface="+mn-lt"/>
-                <a:ea typeface="+mn-ea"/>
-                <a:cs typeface="+mn-cs"/>
-              </a:rPr>
-              <a:t>Mike Nguyen</a:t>
-            </a:r>
-          </a:p>
-        </p:txBody>
-      </p:sp>
-      <p:sp>
-        <p:nvSpPr>
-          <p:cNvPr id="5" name="Slide Number Placeholder 4">
-            <a:extLst>
-              <a:ext uri="{FF2B5EF4-FFF2-40B4-BE49-F238E27FC236}">
-                <a16:creationId xmlns:a16="http://schemas.microsoft.com/office/drawing/2014/main" id="{35EFFB02-916C-4938-A2D2-68E1207E9B55}"/>
-              </a:ext>
-            </a:extLst>
-          </p:cNvPr>
-          <p:cNvSpPr>
-            <a:spLocks noGrp="1"/>
-          </p:cNvSpPr>
-          <p:nvPr>
-            <p:ph type="sldNum" sz="quarter" idx="12"/>
-          </p:nvPr>
-        </p:nvSpPr>
-        <p:spPr>
-          <a:xfrm>
-            <a:off x="8610600" y="6356350"/>
-            <a:ext cx="2743200" cy="365125"/>
-          </a:xfrm>
-        </p:spPr>
-        <p:txBody>
-          <a:bodyPr vert="horz" lIns="91440" tIns="45720" rIns="91440" bIns="45720" rtlCol="0" anchor="ctr">
-            <a:normAutofit/>
-          </a:bodyPr>
-          <a:lstStyle/>
-          <a:p>
-            <a:pPr>
-              <a:spcAft>
-                <a:spcPts val="600"/>
-              </a:spcAft>
-            </a:pPr>
-            <a:fld id="{A6AF1B4E-90EC-4A51-B6E5-B702C054ECB0}" type="slidenum">
-              <a:rPr lang="en-US" smtClean="0"/>
-              <a:pPr>
-                <a:spcAft>
-                  <a:spcPts val="600"/>
-                </a:spcAft>
-              </a:pPr>
-              <a:t>6</a:t>
-            </a:fld>
-            <a:endParaRPr lang="en-US"/>
-          </a:p>
-        </p:txBody>
-      </p:sp>
-    </p:spTree>
-    <p:extLst>
-      <p:ext uri="{BB962C8B-B14F-4D97-AF65-F5344CB8AC3E}">
-        <p14:creationId xmlns:p14="http://schemas.microsoft.com/office/powerpoint/2010/main" val="3078967649"/>
       </p:ext>
     </p:extLst>
   </p:cSld>
@@ -36968,6 +40848,14 @@
 <file path=ppt/slides/slide8.xml><?xml version="1.0" encoding="utf-8"?>
 <p:sld xmlns:a="http://schemas.openxmlformats.org/drawingml/2006/main" xmlns:r="http://schemas.openxmlformats.org/officeDocument/2006/relationships" xmlns:p="http://schemas.openxmlformats.org/presentationml/2006/main">
   <p:cSld>
+    <p:bg>
+      <p:bgPr>
+        <a:solidFill>
+          <a:schemeClr val="bg1"/>
+        </a:solidFill>
+        <a:effectLst/>
+      </p:bgPr>
+    </p:bg>
     <p:spTree>
       <p:nvGrpSpPr>
         <p:cNvPr id="1" name=""/>
@@ -36982,6 +40870,66 @@
           <a:chExt cx="0" cy="0"/>
         </a:xfrm>
       </p:grpSpPr>
+      <p:sp useBgFill="1">
+        <p:nvSpPr>
+          <p:cNvPr id="30" name="Rectangle 29">
+            <a:extLst>
+              <a:ext uri="{FF2B5EF4-FFF2-40B4-BE49-F238E27FC236}">
+                <a16:creationId xmlns:a16="http://schemas.microsoft.com/office/drawing/2014/main" id="{665DBBEF-238B-476B-96AB-8AAC3224ECEA}"/>
+              </a:ext>
+              <a:ext uri="{C183D7F6-B498-43B3-948B-1728B52AA6E4}">
+                <adec:decorative xmlns:adec="http://schemas.microsoft.com/office/drawing/2017/decorative" val="1"/>
+              </a:ext>
+            </a:extLst>
+          </p:cNvPr>
+          <p:cNvSpPr>
+            <a:spLocks noGrp="1" noRot="1" noChangeAspect="1" noMove="1" noResize="1" noEditPoints="1" noAdjustHandles="1" noChangeArrowheads="1" noChangeShapeType="1" noTextEdit="1"/>
+          </p:cNvSpPr>
+          <p:nvPr>
+            <p:extLst>
+              <p:ext uri="{386F3935-93C4-4BCD-93E2-E3B085C9AB24}">
+                <p16:designElem xmlns:p16="http://schemas.microsoft.com/office/powerpoint/2015/main" val="1"/>
+              </p:ext>
+            </p:extLst>
+          </p:nvPr>
+        </p:nvSpPr>
+        <p:spPr>
+          <a:xfrm>
+            <a:off x="0" y="0"/>
+            <a:ext cx="12192000" cy="6858000"/>
+          </a:xfrm>
+          <a:prstGeom prst="rect">
+            <a:avLst/>
+          </a:prstGeom>
+          <a:ln>
+            <a:noFill/>
+          </a:ln>
+        </p:spPr>
+        <p:style>
+          <a:lnRef idx="2">
+            <a:schemeClr val="accent1">
+              <a:shade val="50000"/>
+            </a:schemeClr>
+          </a:lnRef>
+          <a:fillRef idx="1">
+            <a:schemeClr val="accent1"/>
+          </a:fillRef>
+          <a:effectRef idx="0">
+            <a:schemeClr val="accent1"/>
+          </a:effectRef>
+          <a:fontRef idx="minor">
+            <a:schemeClr val="lt1"/>
+          </a:fontRef>
+        </p:style>
+        <p:txBody>
+          <a:bodyPr rtlCol="0" anchor="ctr"/>
+          <a:lstStyle/>
+          <a:p>
+            <a:pPr algn="ctr"/>
+            <a:endParaRPr lang="en-US"/>
+          </a:p>
+        </p:txBody>
+      </p:sp>
       <p:sp>
         <p:nvSpPr>
           <p:cNvPr id="2" name="Title 1">
@@ -36998,13 +40946,27 @@
             <p:ph type="title"/>
           </p:nvPr>
         </p:nvSpPr>
-        <p:spPr/>
+        <p:spPr>
+          <a:xfrm>
+            <a:off x="638882" y="639193"/>
+            <a:ext cx="3571810" cy="3573516"/>
+          </a:xfrm>
+        </p:spPr>
         <p:txBody>
-          <a:bodyPr/>
+          <a:bodyPr vert="horz" lIns="91440" tIns="45720" rIns="91440" bIns="45720" rtlCol="0" anchor="b">
+            <a:normAutofit/>
+          </a:bodyPr>
           <a:lstStyle/>
           <a:p>
             <a:r>
-              <a:rPr lang="en-US" dirty="0"/>
+              <a:rPr lang="en-US" sz="6600" kern="1200">
+                <a:solidFill>
+                  <a:schemeClr val="tx1"/>
+                </a:solidFill>
+                <a:latin typeface="+mj-lt"/>
+                <a:ea typeface="+mj-ea"/>
+                <a:cs typeface="+mj-cs"/>
+              </a:rPr>
               <a:t>Weekly Quizzes</a:t>
             </a:r>
           </a:p>
@@ -37012,29 +40974,307 @@
       </p:sp>
       <p:sp>
         <p:nvSpPr>
-          <p:cNvPr id="3" name="Content Placeholder 2">
+          <p:cNvPr id="32" name="sketch line">
             <a:extLst>
               <a:ext uri="{FF2B5EF4-FFF2-40B4-BE49-F238E27FC236}">
-                <a16:creationId xmlns:a16="http://schemas.microsoft.com/office/drawing/2014/main" id="{91ADD3E5-12F0-46D5-A918-79AC81430FD6}"/>
+                <a16:creationId xmlns:a16="http://schemas.microsoft.com/office/drawing/2014/main" id="{3FCFB1DE-0B7E-48CC-BA90-B2AB0889F9D6}"/>
+              </a:ext>
+              <a:ext uri="{C183D7F6-B498-43B3-948B-1728B52AA6E4}">
+                <adec:decorative xmlns:adec="http://schemas.microsoft.com/office/drawing/2017/decorative" val="1"/>
               </a:ext>
             </a:extLst>
           </p:cNvPr>
           <p:cNvSpPr>
-            <a:spLocks noGrp="1"/>
+            <a:spLocks noGrp="1" noRot="1" noChangeAspect="1" noMove="1" noResize="1" noEditPoints="1" noAdjustHandles="1" noChangeArrowheads="1" noChangeShapeType="1" noTextEdit="1"/>
           </p:cNvSpPr>
           <p:nvPr>
-            <p:ph idx="1"/>
+            <p:extLst>
+              <p:ext uri="{386F3935-93C4-4BCD-93E2-E3B085C9AB24}">
+                <p16:designElem xmlns:p16="http://schemas.microsoft.com/office/powerpoint/2015/main" val="1"/>
+              </p:ext>
+            </p:extLst>
           </p:nvPr>
         </p:nvSpPr>
-        <p:spPr/>
+        <p:spPr>
+          <a:xfrm>
+            <a:off x="643278" y="4409267"/>
+            <a:ext cx="3255095" cy="18288"/>
+          </a:xfrm>
+          <a:custGeom>
+            <a:avLst/>
+            <a:gdLst>
+              <a:gd name="connsiteX0" fmla="*/ 0 w 3255095"/>
+              <a:gd name="connsiteY0" fmla="*/ 0 h 18288"/>
+              <a:gd name="connsiteX1" fmla="*/ 618468 w 3255095"/>
+              <a:gd name="connsiteY1" fmla="*/ 0 h 18288"/>
+              <a:gd name="connsiteX2" fmla="*/ 1269487 w 3255095"/>
+              <a:gd name="connsiteY2" fmla="*/ 0 h 18288"/>
+              <a:gd name="connsiteX3" fmla="*/ 1953057 w 3255095"/>
+              <a:gd name="connsiteY3" fmla="*/ 0 h 18288"/>
+              <a:gd name="connsiteX4" fmla="*/ 2636627 w 3255095"/>
+              <a:gd name="connsiteY4" fmla="*/ 0 h 18288"/>
+              <a:gd name="connsiteX5" fmla="*/ 3255095 w 3255095"/>
+              <a:gd name="connsiteY5" fmla="*/ 0 h 18288"/>
+              <a:gd name="connsiteX6" fmla="*/ 3255095 w 3255095"/>
+              <a:gd name="connsiteY6" fmla="*/ 18288 h 18288"/>
+              <a:gd name="connsiteX7" fmla="*/ 2538974 w 3255095"/>
+              <a:gd name="connsiteY7" fmla="*/ 18288 h 18288"/>
+              <a:gd name="connsiteX8" fmla="*/ 1822853 w 3255095"/>
+              <a:gd name="connsiteY8" fmla="*/ 18288 h 18288"/>
+              <a:gd name="connsiteX9" fmla="*/ 1171834 w 3255095"/>
+              <a:gd name="connsiteY9" fmla="*/ 18288 h 18288"/>
+              <a:gd name="connsiteX10" fmla="*/ 0 w 3255095"/>
+              <a:gd name="connsiteY10" fmla="*/ 18288 h 18288"/>
+              <a:gd name="connsiteX11" fmla="*/ 0 w 3255095"/>
+              <a:gd name="connsiteY11" fmla="*/ 0 h 18288"/>
+            </a:gdLst>
+            <a:ahLst/>
+            <a:cxnLst>
+              <a:cxn ang="0">
+                <a:pos x="connsiteX0" y="connsiteY0"/>
+              </a:cxn>
+              <a:cxn ang="0">
+                <a:pos x="connsiteX1" y="connsiteY1"/>
+              </a:cxn>
+              <a:cxn ang="0">
+                <a:pos x="connsiteX2" y="connsiteY2"/>
+              </a:cxn>
+              <a:cxn ang="0">
+                <a:pos x="connsiteX3" y="connsiteY3"/>
+              </a:cxn>
+              <a:cxn ang="0">
+                <a:pos x="connsiteX4" y="connsiteY4"/>
+              </a:cxn>
+              <a:cxn ang="0">
+                <a:pos x="connsiteX5" y="connsiteY5"/>
+              </a:cxn>
+              <a:cxn ang="0">
+                <a:pos x="connsiteX6" y="connsiteY6"/>
+              </a:cxn>
+              <a:cxn ang="0">
+                <a:pos x="connsiteX7" y="connsiteY7"/>
+              </a:cxn>
+              <a:cxn ang="0">
+                <a:pos x="connsiteX8" y="connsiteY8"/>
+              </a:cxn>
+              <a:cxn ang="0">
+                <a:pos x="connsiteX9" y="connsiteY9"/>
+              </a:cxn>
+              <a:cxn ang="0">
+                <a:pos x="connsiteX10" y="connsiteY10"/>
+              </a:cxn>
+              <a:cxn ang="0">
+                <a:pos x="connsiteX11" y="connsiteY11"/>
+              </a:cxn>
+            </a:cxnLst>
+            <a:rect l="l" t="t" r="r" b="b"/>
+            <a:pathLst>
+              <a:path w="3255095" h="18288" fill="none" extrusionOk="0">
+                <a:moveTo>
+                  <a:pt x="0" y="0"/>
+                </a:moveTo>
+                <a:cubicBezTo>
+                  <a:pt x="240201" y="-22123"/>
+                  <a:pt x="462021" y="-19623"/>
+                  <a:pt x="618468" y="0"/>
+                </a:cubicBezTo>
+                <a:cubicBezTo>
+                  <a:pt x="774915" y="19623"/>
+                  <a:pt x="974734" y="2035"/>
+                  <a:pt x="1269487" y="0"/>
+                </a:cubicBezTo>
+                <a:cubicBezTo>
+                  <a:pt x="1564240" y="-2035"/>
+                  <a:pt x="1733579" y="10639"/>
+                  <a:pt x="1953057" y="0"/>
+                </a:cubicBezTo>
+                <a:cubicBezTo>
+                  <a:pt x="2172535" y="-10639"/>
+                  <a:pt x="2453962" y="14018"/>
+                  <a:pt x="2636627" y="0"/>
+                </a:cubicBezTo>
+                <a:cubicBezTo>
+                  <a:pt x="2819292" y="-14018"/>
+                  <a:pt x="3121375" y="5399"/>
+                  <a:pt x="3255095" y="0"/>
+                </a:cubicBezTo>
+                <a:cubicBezTo>
+                  <a:pt x="3254386" y="8157"/>
+                  <a:pt x="3254682" y="12125"/>
+                  <a:pt x="3255095" y="18288"/>
+                </a:cubicBezTo>
+                <a:cubicBezTo>
+                  <a:pt x="3088545" y="23203"/>
+                  <a:pt x="2687475" y="7419"/>
+                  <a:pt x="2538974" y="18288"/>
+                </a:cubicBezTo>
+                <a:cubicBezTo>
+                  <a:pt x="2390473" y="29157"/>
+                  <a:pt x="2137381" y="-8959"/>
+                  <a:pt x="1822853" y="18288"/>
+                </a:cubicBezTo>
+                <a:cubicBezTo>
+                  <a:pt x="1508325" y="45535"/>
+                  <a:pt x="1466437" y="20385"/>
+                  <a:pt x="1171834" y="18288"/>
+                </a:cubicBezTo>
+                <a:cubicBezTo>
+                  <a:pt x="877231" y="16191"/>
+                  <a:pt x="561097" y="37643"/>
+                  <a:pt x="0" y="18288"/>
+                </a:cubicBezTo>
+                <a:cubicBezTo>
+                  <a:pt x="-46" y="12483"/>
+                  <a:pt x="-203" y="6491"/>
+                  <a:pt x="0" y="0"/>
+                </a:cubicBezTo>
+                <a:close/>
+              </a:path>
+              <a:path w="3255095" h="18288" stroke="0" extrusionOk="0">
+                <a:moveTo>
+                  <a:pt x="0" y="0"/>
+                </a:moveTo>
+                <a:cubicBezTo>
+                  <a:pt x="291965" y="19429"/>
+                  <a:pt x="363155" y="8568"/>
+                  <a:pt x="618468" y="0"/>
+                </a:cubicBezTo>
+                <a:cubicBezTo>
+                  <a:pt x="873781" y="-8568"/>
+                  <a:pt x="904459" y="-19505"/>
+                  <a:pt x="1171834" y="0"/>
+                </a:cubicBezTo>
+                <a:cubicBezTo>
+                  <a:pt x="1439209" y="19505"/>
+                  <a:pt x="1744369" y="9790"/>
+                  <a:pt x="1887955" y="0"/>
+                </a:cubicBezTo>
+                <a:cubicBezTo>
+                  <a:pt x="2031541" y="-9790"/>
+                  <a:pt x="2346378" y="21240"/>
+                  <a:pt x="2506423" y="0"/>
+                </a:cubicBezTo>
+                <a:cubicBezTo>
+                  <a:pt x="2666468" y="-21240"/>
+                  <a:pt x="2990257" y="30414"/>
+                  <a:pt x="3255095" y="0"/>
+                </a:cubicBezTo>
+                <a:cubicBezTo>
+                  <a:pt x="3254831" y="4493"/>
+                  <a:pt x="3255479" y="9472"/>
+                  <a:pt x="3255095" y="18288"/>
+                </a:cubicBezTo>
+                <a:cubicBezTo>
+                  <a:pt x="3120743" y="16690"/>
+                  <a:pt x="2759628" y="42462"/>
+                  <a:pt x="2604076" y="18288"/>
+                </a:cubicBezTo>
+                <a:cubicBezTo>
+                  <a:pt x="2448524" y="-5886"/>
+                  <a:pt x="2184336" y="19599"/>
+                  <a:pt x="1887955" y="18288"/>
+                </a:cubicBezTo>
+                <a:cubicBezTo>
+                  <a:pt x="1591574" y="16977"/>
+                  <a:pt x="1548845" y="6870"/>
+                  <a:pt x="1334589" y="18288"/>
+                </a:cubicBezTo>
+                <a:cubicBezTo>
+                  <a:pt x="1120333" y="29706"/>
+                  <a:pt x="996014" y="9662"/>
+                  <a:pt x="683570" y="18288"/>
+                </a:cubicBezTo>
+                <a:cubicBezTo>
+                  <a:pt x="371126" y="26914"/>
+                  <a:pt x="198687" y="16167"/>
+                  <a:pt x="0" y="18288"/>
+                </a:cubicBezTo>
+                <a:cubicBezTo>
+                  <a:pt x="843" y="9577"/>
+                  <a:pt x="371" y="6900"/>
+                  <a:pt x="0" y="0"/>
+                </a:cubicBezTo>
+                <a:close/>
+              </a:path>
+            </a:pathLst>
+          </a:custGeom>
+          <a:solidFill>
+            <a:schemeClr val="accent2"/>
+          </a:solidFill>
+          <a:ln w="38100" cap="rnd">
+            <a:solidFill>
+              <a:schemeClr val="accent2"/>
+            </a:solidFill>
+            <a:round/>
+            <a:extLst>
+              <a:ext uri="{C807C97D-BFC1-408E-A445-0C87EB9F89A2}">
+                <ask:lineSketchStyleProps xmlns:ask="http://schemas.microsoft.com/office/drawing/2018/sketchyshapes" sd="1219033472">
+                  <a:prstGeom prst="rect">
+                    <a:avLst/>
+                  </a:prstGeom>
+                  <ask:type>
+                    <ask:lineSketchFreehand/>
+                  </ask:type>
+                </ask:lineSketchStyleProps>
+              </a:ext>
+            </a:extLst>
+          </a:ln>
+        </p:spPr>
+        <p:style>
+          <a:lnRef idx="2">
+            <a:schemeClr val="accent1">
+              <a:shade val="50000"/>
+            </a:schemeClr>
+          </a:lnRef>
+          <a:fillRef idx="1">
+            <a:schemeClr val="accent1"/>
+          </a:fillRef>
+          <a:effectRef idx="0">
+            <a:schemeClr val="accent1"/>
+          </a:effectRef>
+          <a:fontRef idx="minor">
+            <a:schemeClr val="lt1"/>
+          </a:fontRef>
+        </p:style>
         <p:txBody>
-          <a:bodyPr/>
+          <a:bodyPr rtlCol="0" anchor="ctr"/>
           <a:lstStyle/>
           <a:p>
+            <a:pPr algn="ctr"/>
             <a:endParaRPr lang="en-US"/>
           </a:p>
         </p:txBody>
       </p:sp>
+      <p:pic>
+        <p:nvPicPr>
+          <p:cNvPr id="11" name="Picture 10">
+            <a:extLst>
+              <a:ext uri="{FF2B5EF4-FFF2-40B4-BE49-F238E27FC236}">
+                <a16:creationId xmlns:a16="http://schemas.microsoft.com/office/drawing/2014/main" id="{C31F731A-5CAF-4D1D-AAC5-AF2241CC8DD5}"/>
+              </a:ext>
+            </a:extLst>
+          </p:cNvPr>
+          <p:cNvPicPr>
+            <a:picLocks noChangeAspect="1"/>
+          </p:cNvPicPr>
+          <p:nvPr/>
+        </p:nvPicPr>
+        <p:blipFill>
+          <a:blip r:embed="rId3"/>
+          <a:stretch>
+            <a:fillRect/>
+          </a:stretch>
+        </p:blipFill>
+        <p:spPr>
+          <a:xfrm>
+            <a:off x="4654296" y="664712"/>
+            <a:ext cx="7214616" cy="5501143"/>
+          </a:xfrm>
+          <a:prstGeom prst="rect">
+            <a:avLst/>
+          </a:prstGeom>
+        </p:spPr>
+      </p:pic>
       <p:sp>
         <p:nvSpPr>
           <p:cNvPr id="4" name="Footer Placeholder 3">
@@ -37051,16 +41291,36 @@
             <p:ph type="ftr" sz="quarter" idx="11"/>
           </p:nvPr>
         </p:nvSpPr>
-        <p:spPr/>
+        <p:spPr>
+          <a:xfrm>
+            <a:off x="4038600" y="6356350"/>
+            <a:ext cx="4114800" cy="365125"/>
+          </a:xfrm>
+        </p:spPr>
         <p:txBody>
-          <a:bodyPr/>
+          <a:bodyPr vert="horz" lIns="91440" tIns="45720" rIns="91440" bIns="45720" rtlCol="0" anchor="ctr">
+            <a:normAutofit/>
+          </a:bodyPr>
           <a:lstStyle/>
           <a:p>
+            <a:pPr>
+              <a:spcAft>
+                <a:spcPts val="600"/>
+              </a:spcAft>
+            </a:pPr>
             <a:r>
-              <a:rPr lang="en-US"/>
+              <a:rPr lang="en-US" kern="1200">
+                <a:solidFill>
+                  <a:schemeClr val="tx1">
+                    <a:tint val="75000"/>
+                  </a:schemeClr>
+                </a:solidFill>
+                <a:latin typeface="+mn-lt"/>
+                <a:ea typeface="+mn-ea"/>
+                <a:cs typeface="+mn-cs"/>
+              </a:rPr>
               <a:t>Mike Nguyen</a:t>
             </a:r>
-            <a:endParaRPr lang="en-US" dirty="0"/>
           </a:p>
         </p:txBody>
       </p:sp>
@@ -37080,16 +41340,33 @@
             <p:ph type="sldNum" sz="quarter" idx="12"/>
           </p:nvPr>
         </p:nvSpPr>
-        <p:spPr/>
+        <p:spPr>
+          <a:xfrm>
+            <a:off x="8610600" y="6356350"/>
+            <a:ext cx="2743200" cy="365125"/>
+          </a:xfrm>
+        </p:spPr>
         <p:txBody>
-          <a:bodyPr/>
+          <a:bodyPr vert="horz" lIns="91440" tIns="45720" rIns="91440" bIns="45720" rtlCol="0" anchor="ctr">
+            <a:normAutofit/>
+          </a:bodyPr>
           <a:lstStyle/>
           <a:p>
+            <a:pPr>
+              <a:spcAft>
+                <a:spcPts val="600"/>
+              </a:spcAft>
+            </a:pPr>
             <a:fld id="{A6AF1B4E-90EC-4A51-B6E5-B702C054ECB0}" type="slidenum">
               <a:rPr lang="en-US" smtClean="0"/>
+              <a:pPr>
+                <a:spcAft>
+                  <a:spcPts val="600"/>
+                </a:spcAft>
+              </a:pPr>
               <a:t>8</a:t>
             </a:fld>
-            <a:endParaRPr lang="en-US" dirty="0"/>
+            <a:endParaRPr lang="en-US"/>
           </a:p>
         </p:txBody>
       </p:sp>
@@ -37107,8 +41384,16 @@
 </file>
 
 <file path=ppt/slides/slide9.xml><?xml version="1.0" encoding="utf-8"?>
-<p:sld xmlns:a="http://schemas.openxmlformats.org/drawingml/2006/main" xmlns:r="http://schemas.openxmlformats.org/officeDocument/2006/relationships" xmlns:p="http://schemas.openxmlformats.org/presentationml/2006/main" show="0">
+<p:sld xmlns:a="http://schemas.openxmlformats.org/drawingml/2006/main" xmlns:r="http://schemas.openxmlformats.org/officeDocument/2006/relationships" xmlns:p="http://schemas.openxmlformats.org/presentationml/2006/main">
   <p:cSld>
+    <p:bg>
+      <p:bgPr>
+        <a:solidFill>
+          <a:schemeClr val="bg1"/>
+        </a:solidFill>
+        <a:effectLst/>
+      </p:bgPr>
+    </p:bg>
     <p:spTree>
       <p:nvGrpSpPr>
         <p:cNvPr id="1" name=""/>
@@ -37123,12 +41408,72 @@
           <a:chExt cx="0" cy="0"/>
         </a:xfrm>
       </p:grpSpPr>
+      <p:sp useBgFill="1">
+        <p:nvSpPr>
+          <p:cNvPr id="26" name="Rectangle 25">
+            <a:extLst>
+              <a:ext uri="{FF2B5EF4-FFF2-40B4-BE49-F238E27FC236}">
+                <a16:creationId xmlns:a16="http://schemas.microsoft.com/office/drawing/2014/main" id="{665DBBEF-238B-476B-96AB-8AAC3224ECEA}"/>
+              </a:ext>
+              <a:ext uri="{C183D7F6-B498-43B3-948B-1728B52AA6E4}">
+                <adec:decorative xmlns:adec="http://schemas.microsoft.com/office/drawing/2017/decorative" val="1"/>
+              </a:ext>
+            </a:extLst>
+          </p:cNvPr>
+          <p:cNvSpPr>
+            <a:spLocks noGrp="1" noRot="1" noChangeAspect="1" noMove="1" noResize="1" noEditPoints="1" noAdjustHandles="1" noChangeArrowheads="1" noChangeShapeType="1" noTextEdit="1"/>
+          </p:cNvSpPr>
+          <p:nvPr>
+            <p:extLst>
+              <p:ext uri="{386F3935-93C4-4BCD-93E2-E3B085C9AB24}">
+                <p16:designElem xmlns:p16="http://schemas.microsoft.com/office/powerpoint/2015/main" val="1"/>
+              </p:ext>
+            </p:extLst>
+          </p:nvPr>
+        </p:nvSpPr>
+        <p:spPr>
+          <a:xfrm>
+            <a:off x="0" y="0"/>
+            <a:ext cx="12192000" cy="6858000"/>
+          </a:xfrm>
+          <a:prstGeom prst="rect">
+            <a:avLst/>
+          </a:prstGeom>
+          <a:ln>
+            <a:noFill/>
+          </a:ln>
+        </p:spPr>
+        <p:style>
+          <a:lnRef idx="2">
+            <a:schemeClr val="accent1">
+              <a:shade val="50000"/>
+            </a:schemeClr>
+          </a:lnRef>
+          <a:fillRef idx="1">
+            <a:schemeClr val="accent1"/>
+          </a:fillRef>
+          <a:effectRef idx="0">
+            <a:schemeClr val="accent1"/>
+          </a:effectRef>
+          <a:fontRef idx="minor">
+            <a:schemeClr val="lt1"/>
+          </a:fontRef>
+        </p:style>
+        <p:txBody>
+          <a:bodyPr rtlCol="0" anchor="ctr"/>
+          <a:lstStyle/>
+          <a:p>
+            <a:pPr algn="ctr"/>
+            <a:endParaRPr lang="en-US"/>
+          </a:p>
+        </p:txBody>
+      </p:sp>
       <p:sp>
         <p:nvSpPr>
           <p:cNvPr id="2" name="Title 1">
             <a:extLst>
               <a:ext uri="{FF2B5EF4-FFF2-40B4-BE49-F238E27FC236}">
-                <a16:creationId xmlns:a16="http://schemas.microsoft.com/office/drawing/2014/main" id="{8458A675-1E24-4FB9-BB0B-DFD05D0D61D5}"/>
+                <a16:creationId xmlns:a16="http://schemas.microsoft.com/office/drawing/2014/main" id="{AED70ED2-A25B-4BAA-9507-1CA32FDEEA4A}"/>
               </a:ext>
             </a:extLst>
           </p:cNvPr>
@@ -37139,49 +41484,341 @@
             <p:ph type="title"/>
           </p:nvPr>
         </p:nvSpPr>
-        <p:spPr/>
+        <p:spPr>
+          <a:xfrm>
+            <a:off x="638882" y="639193"/>
+            <a:ext cx="3571810" cy="3573516"/>
+          </a:xfrm>
+        </p:spPr>
         <p:txBody>
-          <a:bodyPr/>
+          <a:bodyPr vert="horz" lIns="91440" tIns="45720" rIns="91440" bIns="45720" rtlCol="0" anchor="b">
+            <a:normAutofit/>
+          </a:bodyPr>
           <a:lstStyle/>
           <a:p>
             <a:r>
-              <a:rPr lang="en-US" dirty="0"/>
-              <a:t>Case Studies</a:t>
+              <a:rPr lang="en-US" sz="6600" kern="1200">
+                <a:solidFill>
+                  <a:schemeClr val="tx1"/>
+                </a:solidFill>
+                <a:latin typeface="+mj-lt"/>
+                <a:ea typeface="+mj-ea"/>
+                <a:cs typeface="+mj-cs"/>
+              </a:rPr>
+              <a:t>Case Dicussion</a:t>
             </a:r>
           </a:p>
         </p:txBody>
       </p:sp>
       <p:sp>
         <p:nvSpPr>
-          <p:cNvPr id="3" name="Content Placeholder 2">
+          <p:cNvPr id="28" name="sketch line">
             <a:extLst>
               <a:ext uri="{FF2B5EF4-FFF2-40B4-BE49-F238E27FC236}">
-                <a16:creationId xmlns:a16="http://schemas.microsoft.com/office/drawing/2014/main" id="{BB9D7801-2B16-4621-B5BF-8B4D6AD7E25D}"/>
+                <a16:creationId xmlns:a16="http://schemas.microsoft.com/office/drawing/2014/main" id="{3FCFB1DE-0B7E-48CC-BA90-B2AB0889F9D6}"/>
+              </a:ext>
+              <a:ext uri="{C183D7F6-B498-43B3-948B-1728B52AA6E4}">
+                <adec:decorative xmlns:adec="http://schemas.microsoft.com/office/drawing/2017/decorative" val="1"/>
               </a:ext>
             </a:extLst>
           </p:cNvPr>
           <p:cNvSpPr>
-            <a:spLocks noGrp="1"/>
+            <a:spLocks noGrp="1" noRot="1" noChangeAspect="1" noMove="1" noResize="1" noEditPoints="1" noAdjustHandles="1" noChangeArrowheads="1" noChangeShapeType="1" noTextEdit="1"/>
           </p:cNvSpPr>
           <p:nvPr>
-            <p:ph idx="1"/>
+            <p:extLst>
+              <p:ext uri="{386F3935-93C4-4BCD-93E2-E3B085C9AB24}">
+                <p16:designElem xmlns:p16="http://schemas.microsoft.com/office/powerpoint/2015/main" val="1"/>
+              </p:ext>
+            </p:extLst>
           </p:nvPr>
         </p:nvSpPr>
-        <p:spPr/>
+        <p:spPr>
+          <a:xfrm>
+            <a:off x="643278" y="4409267"/>
+            <a:ext cx="3255095" cy="18288"/>
+          </a:xfrm>
+          <a:custGeom>
+            <a:avLst/>
+            <a:gdLst>
+              <a:gd name="connsiteX0" fmla="*/ 0 w 3255095"/>
+              <a:gd name="connsiteY0" fmla="*/ 0 h 18288"/>
+              <a:gd name="connsiteX1" fmla="*/ 618468 w 3255095"/>
+              <a:gd name="connsiteY1" fmla="*/ 0 h 18288"/>
+              <a:gd name="connsiteX2" fmla="*/ 1269487 w 3255095"/>
+              <a:gd name="connsiteY2" fmla="*/ 0 h 18288"/>
+              <a:gd name="connsiteX3" fmla="*/ 1953057 w 3255095"/>
+              <a:gd name="connsiteY3" fmla="*/ 0 h 18288"/>
+              <a:gd name="connsiteX4" fmla="*/ 2636627 w 3255095"/>
+              <a:gd name="connsiteY4" fmla="*/ 0 h 18288"/>
+              <a:gd name="connsiteX5" fmla="*/ 3255095 w 3255095"/>
+              <a:gd name="connsiteY5" fmla="*/ 0 h 18288"/>
+              <a:gd name="connsiteX6" fmla="*/ 3255095 w 3255095"/>
+              <a:gd name="connsiteY6" fmla="*/ 18288 h 18288"/>
+              <a:gd name="connsiteX7" fmla="*/ 2538974 w 3255095"/>
+              <a:gd name="connsiteY7" fmla="*/ 18288 h 18288"/>
+              <a:gd name="connsiteX8" fmla="*/ 1822853 w 3255095"/>
+              <a:gd name="connsiteY8" fmla="*/ 18288 h 18288"/>
+              <a:gd name="connsiteX9" fmla="*/ 1171834 w 3255095"/>
+              <a:gd name="connsiteY9" fmla="*/ 18288 h 18288"/>
+              <a:gd name="connsiteX10" fmla="*/ 0 w 3255095"/>
+              <a:gd name="connsiteY10" fmla="*/ 18288 h 18288"/>
+              <a:gd name="connsiteX11" fmla="*/ 0 w 3255095"/>
+              <a:gd name="connsiteY11" fmla="*/ 0 h 18288"/>
+            </a:gdLst>
+            <a:ahLst/>
+            <a:cxnLst>
+              <a:cxn ang="0">
+                <a:pos x="connsiteX0" y="connsiteY0"/>
+              </a:cxn>
+              <a:cxn ang="0">
+                <a:pos x="connsiteX1" y="connsiteY1"/>
+              </a:cxn>
+              <a:cxn ang="0">
+                <a:pos x="connsiteX2" y="connsiteY2"/>
+              </a:cxn>
+              <a:cxn ang="0">
+                <a:pos x="connsiteX3" y="connsiteY3"/>
+              </a:cxn>
+              <a:cxn ang="0">
+                <a:pos x="connsiteX4" y="connsiteY4"/>
+              </a:cxn>
+              <a:cxn ang="0">
+                <a:pos x="connsiteX5" y="connsiteY5"/>
+              </a:cxn>
+              <a:cxn ang="0">
+                <a:pos x="connsiteX6" y="connsiteY6"/>
+              </a:cxn>
+              <a:cxn ang="0">
+                <a:pos x="connsiteX7" y="connsiteY7"/>
+              </a:cxn>
+              <a:cxn ang="0">
+                <a:pos x="connsiteX8" y="connsiteY8"/>
+              </a:cxn>
+              <a:cxn ang="0">
+                <a:pos x="connsiteX9" y="connsiteY9"/>
+              </a:cxn>
+              <a:cxn ang="0">
+                <a:pos x="connsiteX10" y="connsiteY10"/>
+              </a:cxn>
+              <a:cxn ang="0">
+                <a:pos x="connsiteX11" y="connsiteY11"/>
+              </a:cxn>
+            </a:cxnLst>
+            <a:rect l="l" t="t" r="r" b="b"/>
+            <a:pathLst>
+              <a:path w="3255095" h="18288" fill="none" extrusionOk="0">
+                <a:moveTo>
+                  <a:pt x="0" y="0"/>
+                </a:moveTo>
+                <a:cubicBezTo>
+                  <a:pt x="240201" y="-22123"/>
+                  <a:pt x="462021" y="-19623"/>
+                  <a:pt x="618468" y="0"/>
+                </a:cubicBezTo>
+                <a:cubicBezTo>
+                  <a:pt x="774915" y="19623"/>
+                  <a:pt x="974734" y="2035"/>
+                  <a:pt x="1269487" y="0"/>
+                </a:cubicBezTo>
+                <a:cubicBezTo>
+                  <a:pt x="1564240" y="-2035"/>
+                  <a:pt x="1733579" y="10639"/>
+                  <a:pt x="1953057" y="0"/>
+                </a:cubicBezTo>
+                <a:cubicBezTo>
+                  <a:pt x="2172535" y="-10639"/>
+                  <a:pt x="2453962" y="14018"/>
+                  <a:pt x="2636627" y="0"/>
+                </a:cubicBezTo>
+                <a:cubicBezTo>
+                  <a:pt x="2819292" y="-14018"/>
+                  <a:pt x="3121375" y="5399"/>
+                  <a:pt x="3255095" y="0"/>
+                </a:cubicBezTo>
+                <a:cubicBezTo>
+                  <a:pt x="3254386" y="8157"/>
+                  <a:pt x="3254682" y="12125"/>
+                  <a:pt x="3255095" y="18288"/>
+                </a:cubicBezTo>
+                <a:cubicBezTo>
+                  <a:pt x="3088545" y="23203"/>
+                  <a:pt x="2687475" y="7419"/>
+                  <a:pt x="2538974" y="18288"/>
+                </a:cubicBezTo>
+                <a:cubicBezTo>
+                  <a:pt x="2390473" y="29157"/>
+                  <a:pt x="2137381" y="-8959"/>
+                  <a:pt x="1822853" y="18288"/>
+                </a:cubicBezTo>
+                <a:cubicBezTo>
+                  <a:pt x="1508325" y="45535"/>
+                  <a:pt x="1466437" y="20385"/>
+                  <a:pt x="1171834" y="18288"/>
+                </a:cubicBezTo>
+                <a:cubicBezTo>
+                  <a:pt x="877231" y="16191"/>
+                  <a:pt x="561097" y="37643"/>
+                  <a:pt x="0" y="18288"/>
+                </a:cubicBezTo>
+                <a:cubicBezTo>
+                  <a:pt x="-46" y="12483"/>
+                  <a:pt x="-203" y="6491"/>
+                  <a:pt x="0" y="0"/>
+                </a:cubicBezTo>
+                <a:close/>
+              </a:path>
+              <a:path w="3255095" h="18288" stroke="0" extrusionOk="0">
+                <a:moveTo>
+                  <a:pt x="0" y="0"/>
+                </a:moveTo>
+                <a:cubicBezTo>
+                  <a:pt x="291965" y="19429"/>
+                  <a:pt x="363155" y="8568"/>
+                  <a:pt x="618468" y="0"/>
+                </a:cubicBezTo>
+                <a:cubicBezTo>
+                  <a:pt x="873781" y="-8568"/>
+                  <a:pt x="904459" y="-19505"/>
+                  <a:pt x="1171834" y="0"/>
+                </a:cubicBezTo>
+                <a:cubicBezTo>
+                  <a:pt x="1439209" y="19505"/>
+                  <a:pt x="1744369" y="9790"/>
+                  <a:pt x="1887955" y="0"/>
+                </a:cubicBezTo>
+                <a:cubicBezTo>
+                  <a:pt x="2031541" y="-9790"/>
+                  <a:pt x="2346378" y="21240"/>
+                  <a:pt x="2506423" y="0"/>
+                </a:cubicBezTo>
+                <a:cubicBezTo>
+                  <a:pt x="2666468" y="-21240"/>
+                  <a:pt x="2990257" y="30414"/>
+                  <a:pt x="3255095" y="0"/>
+                </a:cubicBezTo>
+                <a:cubicBezTo>
+                  <a:pt x="3254831" y="4493"/>
+                  <a:pt x="3255479" y="9472"/>
+                  <a:pt x="3255095" y="18288"/>
+                </a:cubicBezTo>
+                <a:cubicBezTo>
+                  <a:pt x="3120743" y="16690"/>
+                  <a:pt x="2759628" y="42462"/>
+                  <a:pt x="2604076" y="18288"/>
+                </a:cubicBezTo>
+                <a:cubicBezTo>
+                  <a:pt x="2448524" y="-5886"/>
+                  <a:pt x="2184336" y="19599"/>
+                  <a:pt x="1887955" y="18288"/>
+                </a:cubicBezTo>
+                <a:cubicBezTo>
+                  <a:pt x="1591574" y="16977"/>
+                  <a:pt x="1548845" y="6870"/>
+                  <a:pt x="1334589" y="18288"/>
+                </a:cubicBezTo>
+                <a:cubicBezTo>
+                  <a:pt x="1120333" y="29706"/>
+                  <a:pt x="996014" y="9662"/>
+                  <a:pt x="683570" y="18288"/>
+                </a:cubicBezTo>
+                <a:cubicBezTo>
+                  <a:pt x="371126" y="26914"/>
+                  <a:pt x="198687" y="16167"/>
+                  <a:pt x="0" y="18288"/>
+                </a:cubicBezTo>
+                <a:cubicBezTo>
+                  <a:pt x="843" y="9577"/>
+                  <a:pt x="371" y="6900"/>
+                  <a:pt x="0" y="0"/>
+                </a:cubicBezTo>
+                <a:close/>
+              </a:path>
+            </a:pathLst>
+          </a:custGeom>
+          <a:solidFill>
+            <a:schemeClr val="accent2"/>
+          </a:solidFill>
+          <a:ln w="38100" cap="rnd">
+            <a:solidFill>
+              <a:schemeClr val="accent2"/>
+            </a:solidFill>
+            <a:round/>
+            <a:extLst>
+              <a:ext uri="{C807C97D-BFC1-408E-A445-0C87EB9F89A2}">
+                <ask:lineSketchStyleProps xmlns:ask="http://schemas.microsoft.com/office/drawing/2018/sketchyshapes" sd="1219033472">
+                  <a:prstGeom prst="rect">
+                    <a:avLst/>
+                  </a:prstGeom>
+                  <ask:type>
+                    <ask:lineSketchFreehand/>
+                  </ask:type>
+                </ask:lineSketchStyleProps>
+              </a:ext>
+            </a:extLst>
+          </a:ln>
+        </p:spPr>
+        <p:style>
+          <a:lnRef idx="2">
+            <a:schemeClr val="accent1">
+              <a:shade val="50000"/>
+            </a:schemeClr>
+          </a:lnRef>
+          <a:fillRef idx="1">
+            <a:schemeClr val="accent1"/>
+          </a:fillRef>
+          <a:effectRef idx="0">
+            <a:schemeClr val="accent1"/>
+          </a:effectRef>
+          <a:fontRef idx="minor">
+            <a:schemeClr val="lt1"/>
+          </a:fontRef>
+        </p:style>
         <p:txBody>
-          <a:bodyPr/>
+          <a:bodyPr rtlCol="0" anchor="ctr"/>
           <a:lstStyle/>
           <a:p>
+            <a:pPr algn="ctr"/>
             <a:endParaRPr lang="en-US"/>
           </a:p>
         </p:txBody>
       </p:sp>
+      <p:pic>
+        <p:nvPicPr>
+          <p:cNvPr id="10" name="Content Placeholder 6" descr="Graphical user interface, text, application&#10;&#10;Description automatically generated">
+            <a:extLst>
+              <a:ext uri="{FF2B5EF4-FFF2-40B4-BE49-F238E27FC236}">
+                <a16:creationId xmlns:a16="http://schemas.microsoft.com/office/drawing/2014/main" id="{6A743595-5B29-4078-A10A-070F385A7DD0}"/>
+              </a:ext>
+            </a:extLst>
+          </p:cNvPr>
+          <p:cNvPicPr>
+            <a:picLocks noChangeAspect="1"/>
+          </p:cNvPicPr>
+          <p:nvPr/>
+        </p:nvPicPr>
+        <p:blipFill>
+          <a:blip r:embed="rId3"/>
+          <a:stretch>
+            <a:fillRect/>
+          </a:stretch>
+        </p:blipFill>
+        <p:spPr>
+          <a:xfrm>
+            <a:off x="4654296" y="754895"/>
+            <a:ext cx="7214616" cy="5320778"/>
+          </a:xfrm>
+          <a:prstGeom prst="rect">
+            <a:avLst/>
+          </a:prstGeom>
+        </p:spPr>
+      </p:pic>
       <p:sp>
         <p:nvSpPr>
           <p:cNvPr id="4" name="Footer Placeholder 3">
             <a:extLst>
               <a:ext uri="{FF2B5EF4-FFF2-40B4-BE49-F238E27FC236}">
-                <a16:creationId xmlns:a16="http://schemas.microsoft.com/office/drawing/2014/main" id="{62901DFC-CDCE-4C6D-91C1-E0C82E314601}"/>
+                <a16:creationId xmlns:a16="http://schemas.microsoft.com/office/drawing/2014/main" id="{E2FAE9A0-F877-46AD-9342-D6618015DCD1}"/>
               </a:ext>
             </a:extLst>
           </p:cNvPr>
@@ -37192,16 +41829,36 @@
             <p:ph type="ftr" sz="quarter" idx="11"/>
           </p:nvPr>
         </p:nvSpPr>
-        <p:spPr/>
+        <p:spPr>
+          <a:xfrm>
+            <a:off x="4038600" y="6356350"/>
+            <a:ext cx="4114800" cy="365125"/>
+          </a:xfrm>
+        </p:spPr>
         <p:txBody>
-          <a:bodyPr/>
+          <a:bodyPr vert="horz" lIns="91440" tIns="45720" rIns="91440" bIns="45720" rtlCol="0" anchor="ctr">
+            <a:normAutofit/>
+          </a:bodyPr>
           <a:lstStyle/>
           <a:p>
+            <a:pPr>
+              <a:spcAft>
+                <a:spcPts val="600"/>
+              </a:spcAft>
+            </a:pPr>
             <a:r>
-              <a:rPr lang="en-US"/>
+              <a:rPr lang="en-US" kern="1200">
+                <a:solidFill>
+                  <a:schemeClr val="tx1">
+                    <a:tint val="75000"/>
+                  </a:schemeClr>
+                </a:solidFill>
+                <a:latin typeface="+mn-lt"/>
+                <a:ea typeface="+mn-ea"/>
+                <a:cs typeface="+mn-cs"/>
+              </a:rPr>
               <a:t>Mike Nguyen</a:t>
             </a:r>
-            <a:endParaRPr lang="en-US" dirty="0"/>
           </a:p>
         </p:txBody>
       </p:sp>
@@ -37210,7 +41867,7 @@
           <p:cNvPr id="5" name="Slide Number Placeholder 4">
             <a:extLst>
               <a:ext uri="{FF2B5EF4-FFF2-40B4-BE49-F238E27FC236}">
-                <a16:creationId xmlns:a16="http://schemas.microsoft.com/office/drawing/2014/main" id="{C24359EE-4ED9-47E6-ADFB-F95B7A4A83CE}"/>
+                <a16:creationId xmlns:a16="http://schemas.microsoft.com/office/drawing/2014/main" id="{310F4BFA-DFD4-4606-9294-F88C804D0151}"/>
               </a:ext>
             </a:extLst>
           </p:cNvPr>
@@ -37221,23 +41878,40 @@
             <p:ph type="sldNum" sz="quarter" idx="12"/>
           </p:nvPr>
         </p:nvSpPr>
-        <p:spPr/>
+        <p:spPr>
+          <a:xfrm>
+            <a:off x="8610600" y="6356350"/>
+            <a:ext cx="2743200" cy="365125"/>
+          </a:xfrm>
+        </p:spPr>
         <p:txBody>
-          <a:bodyPr/>
+          <a:bodyPr vert="horz" lIns="91440" tIns="45720" rIns="91440" bIns="45720" rtlCol="0" anchor="ctr">
+            <a:normAutofit/>
+          </a:bodyPr>
           <a:lstStyle/>
           <a:p>
+            <a:pPr>
+              <a:spcAft>
+                <a:spcPts val="600"/>
+              </a:spcAft>
+            </a:pPr>
             <a:fld id="{A6AF1B4E-90EC-4A51-B6E5-B702C054ECB0}" type="slidenum">
               <a:rPr lang="en-US" smtClean="0"/>
+              <a:pPr>
+                <a:spcAft>
+                  <a:spcPts val="600"/>
+                </a:spcAft>
+              </a:pPr>
               <a:t>9</a:t>
             </a:fld>
-            <a:endParaRPr lang="en-US" dirty="0"/>
+            <a:endParaRPr lang="en-US"/>
           </a:p>
         </p:txBody>
       </p:sp>
     </p:spTree>
     <p:extLst>
       <p:ext uri="{BB962C8B-B14F-4D97-AF65-F5344CB8AC3E}">
-        <p14:creationId xmlns:p14="http://schemas.microsoft.com/office/powerpoint/2010/main" val="4088428919"/>
+        <p14:creationId xmlns:p14="http://schemas.microsoft.com/office/powerpoint/2010/main" val="3865334248"/>
       </p:ext>
     </p:extLst>
   </p:cSld>
@@ -38153,23 +42827,6 @@
 </file>
 
 <file path=customXml/item1.xml><?xml version="1.0" encoding="utf-8"?>
-<?mso-contentType ?>
-<FormTemplates xmlns="http://schemas.microsoft.com/sharepoint/v3/contenttype/forms">
-  <Display>DocumentLibraryForm</Display>
-  <Edit>DocumentLibraryForm</Edit>
-  <New>DocumentLibraryForm</New>
-</FormTemplates>
-</file>
-
-<file path=customXml/item2.xml><?xml version="1.0" encoding="utf-8"?>
-<p:properties xmlns:p="http://schemas.microsoft.com/office/2006/metadata/properties" xmlns:xsi="http://www.w3.org/2001/XMLSchema-instance" xmlns:pc="http://schemas.microsoft.com/office/infopath/2007/PartnerControls">
-  <documentManagement>
-    <MediaServiceKeyPoints xmlns="71af3243-3dd4-4a8d-8c0d-dd76da1f02a5" xsi:nil="true"/>
-  </documentManagement>
-</p:properties>
-</file>
-
-<file path=customXml/item3.xml><?xml version="1.0" encoding="utf-8"?>
 <ct:contentTypeSchema xmlns:ct="http://schemas.microsoft.com/office/2006/metadata/contentType" xmlns:ma="http://schemas.microsoft.com/office/2006/metadata/properties/metaAttributes" ct:_="" ma:_="" ma:contentTypeName="Document" ma:contentTypeID="0x01010079F111ED35F8CC479449609E8A0923A6" ma:contentTypeVersion="11" ma:contentTypeDescription="Create a new document." ma:contentTypeScope="" ma:versionID="96291512c1ee715ab617f4c07df79fc1">
   <xsd:schema xmlns:xsd="http://www.w3.org/2001/XMLSchema" xmlns:xs="http://www.w3.org/2001/XMLSchema" xmlns:p="http://schemas.microsoft.com/office/2006/metadata/properties" xmlns:ns2="71af3243-3dd4-4a8d-8c0d-dd76da1f02a5" xmlns:ns3="16c05727-aa75-4e4a-9b5f-8a80a1165891" targetNamespace="http://schemas.microsoft.com/office/2006/metadata/properties" ma:root="true" ma:fieldsID="8256c27c40ca5c40ce1cf6c44f0205df" ns2:_="" ns3:_="">
     <xsd:import namespace="71af3243-3dd4-4a8d-8c0d-dd76da1f02a5"/>
@@ -38380,25 +43037,24 @@
 </ct:contentTypeSchema>
 </file>
 
-<file path=customXml/itemProps1.xml><?xml version="1.0" encoding="utf-8"?>
-<ds:datastoreItem xmlns:ds="http://schemas.openxmlformats.org/officeDocument/2006/customXml" ds:itemID="{5CA875DA-F9FD-4F83-A049-3B1027B542DE}">
-  <ds:schemaRefs>
-    <ds:schemaRef ds:uri="http://schemas.microsoft.com/sharepoint/v3/contenttype/forms"/>
-  </ds:schemaRefs>
-</ds:datastoreItem>
+<file path=customXml/item2.xml><?xml version="1.0" encoding="utf-8"?>
+<p:properties xmlns:p="http://schemas.microsoft.com/office/2006/metadata/properties" xmlns:xsi="http://www.w3.org/2001/XMLSchema-instance" xmlns:pc="http://schemas.microsoft.com/office/infopath/2007/PartnerControls">
+  <documentManagement>
+    <MediaServiceKeyPoints xmlns="71af3243-3dd4-4a8d-8c0d-dd76da1f02a5" xsi:nil="true"/>
+  </documentManagement>
+</p:properties>
 </file>
 
-<file path=customXml/itemProps2.xml><?xml version="1.0" encoding="utf-8"?>
-<ds:datastoreItem xmlns:ds="http://schemas.openxmlformats.org/officeDocument/2006/customXml" ds:itemID="{03C7D9E6-B0D9-433E-BD46-EB60F64F4DA8}">
-  <ds:schemaRefs>
-    <ds:schemaRef ds:uri="http://schemas.microsoft.com/office/2006/metadata/properties"/>
-    <ds:schemaRef ds:uri="http://schemas.microsoft.com/office/infopath/2007/PartnerControls"/>
-    <ds:schemaRef ds:uri="71af3243-3dd4-4a8d-8c0d-dd76da1f02a5"/>
-  </ds:schemaRefs>
-</ds:datastoreItem>
+<file path=customXml/item3.xml><?xml version="1.0" encoding="utf-8"?>
+<?mso-contentType ?>
+<FormTemplates xmlns="http://schemas.microsoft.com/sharepoint/v3/contenttype/forms">
+  <Display>DocumentLibraryForm</Display>
+  <Edit>DocumentLibraryForm</Edit>
+  <New>DocumentLibraryForm</New>
+</FormTemplates>
 </file>
 
-<file path=customXml/itemProps3.xml><?xml version="1.0" encoding="utf-8"?>
+<file path=customXml/itemProps1.xml><?xml version="1.0" encoding="utf-8"?>
 <ds:datastoreItem xmlns:ds="http://schemas.openxmlformats.org/officeDocument/2006/customXml" ds:itemID="{B2AB02E3-5ADF-4BF0-9C1B-35CDF3FE95B0}">
   <ds:schemaRefs>
     <ds:schemaRef ds:uri="http://schemas.microsoft.com/office/2006/metadata/contentType"/>
@@ -38415,4 +43071,22 @@
     <ds:schemaRef ds:uri="http://schemas.microsoft.com/internal/obd"/>
   </ds:schemaRefs>
 </ds:datastoreItem>
+</file>
+
+<file path=customXml/itemProps2.xml><?xml version="1.0" encoding="utf-8"?>
+<ds:datastoreItem xmlns:ds="http://schemas.openxmlformats.org/officeDocument/2006/customXml" ds:itemID="{03C7D9E6-B0D9-433E-BD46-EB60F64F4DA8}">
+  <ds:schemaRefs>
+    <ds:schemaRef ds:uri="http://schemas.microsoft.com/office/2006/metadata/properties"/>
+    <ds:schemaRef ds:uri="http://schemas.microsoft.com/office/infopath/2007/PartnerControls"/>
+    <ds:schemaRef ds:uri="71af3243-3dd4-4a8d-8c0d-dd76da1f02a5"/>
+  </ds:schemaRefs>
+</ds:datastoreItem>
+</file>
+
+<file path=customXml/itemProps3.xml><?xml version="1.0" encoding="utf-8"?>
+<ds:datastoreItem xmlns:ds="http://schemas.openxmlformats.org/officeDocument/2006/customXml" ds:itemID="{5CA875DA-F9FD-4F83-A049-3B1027B542DE}">
+  <ds:schemaRefs>
+    <ds:schemaRef ds:uri="http://schemas.microsoft.com/sharepoint/v3/contenttype/forms"/>
+  </ds:schemaRefs>
+</ds:datastoreItem>
 </file>
--- a/lectures/1/1_Introduction to Marketing Research.pptx
+++ b/lectures/1/1_Introduction to Marketing Research.pptx
@@ -5,10 +5,10 @@
     <p:sldMasterId id="2147483648" r:id="rId4"/>
   </p:sldMasterIdLst>
   <p:notesMasterIdLst>
-    <p:notesMasterId r:id="rId30"/>
+    <p:notesMasterId r:id="rId31"/>
   </p:notesMasterIdLst>
   <p:handoutMasterIdLst>
-    <p:handoutMasterId r:id="rId31"/>
+    <p:handoutMasterId r:id="rId32"/>
   </p:handoutMasterIdLst>
   <p:sldIdLst>
     <p:sldId id="256" r:id="rId5"/>
@@ -35,7 +35,8 @@
     <p:sldId id="277" r:id="rId26"/>
     <p:sldId id="278" r:id="rId27"/>
     <p:sldId id="279" r:id="rId28"/>
-    <p:sldId id="288" r:id="rId29"/>
+    <p:sldId id="297" r:id="rId29"/>
+    <p:sldId id="288" r:id="rId30"/>
   </p:sldIdLst>
   <p:sldSz cx="12192000" cy="6858000"/>
   <p:notesSz cx="6858000" cy="9144000"/>
@@ -5716,7 +5717,7 @@
             </a:lnSpc>
           </a:pPr>
           <a:r>
-            <a:rPr lang="en-US"/>
+            <a:rPr lang="en-US" dirty="0"/>
             <a:t>Case Discussion </a:t>
           </a:r>
         </a:p>
@@ -5757,8 +5758,19 @@
             </a:lnSpc>
           </a:pPr>
           <a:r>
-            <a:rPr lang="en-US"/>
+            <a:rPr lang="en-US" dirty="0"/>
             <a:t>Term Project </a:t>
+          </a:r>
+        </a:p>
+        <a:p>
+          <a:pPr>
+            <a:lnSpc>
+              <a:spcPct val="100000"/>
+            </a:lnSpc>
+          </a:pPr>
+          <a:r>
+            <a:rPr lang="en-US" dirty="0"/>
+            <a:t>Weekly Quiz</a:t>
           </a:r>
         </a:p>
       </dgm:t>
@@ -6100,6 +6112,17 @@
           <a:r>
             <a:rPr lang="en-US" dirty="0"/>
             <a:t>Canvas: publish a week before</a:t>
+          </a:r>
+        </a:p>
+        <a:p>
+          <a:pPr>
+            <a:lnSpc>
+              <a:spcPct val="100000"/>
+            </a:lnSpc>
+          </a:pPr>
+          <a:r>
+            <a:rPr lang="en-US" dirty="0"/>
+            <a:t>All tests and quizzes are on Canvas</a:t>
           </a:r>
         </a:p>
       </dgm:t>
@@ -7495,7 +7518,7 @@
 <dgm:dataModel xmlns:dgm="http://schemas.openxmlformats.org/drawingml/2006/diagram" xmlns:a="http://schemas.openxmlformats.org/drawingml/2006/main">
   <dgm:ptLst>
     <dgm:pt modelId="{75A6C0C3-4764-44B7-86C7-88124C25B2AE}" type="doc">
-      <dgm:prSet loTypeId="urn:microsoft.com/office/officeart/2005/8/layout/list1" loCatId="list" qsTypeId="urn:microsoft.com/office/officeart/2005/8/quickstyle/simple1" qsCatId="simple" csTypeId="urn:microsoft.com/office/officeart/2005/8/colors/colorful2" csCatId="colorful"/>
+      <dgm:prSet loTypeId="urn:microsoft.com/office/officeart/2005/8/layout/list1" loCatId="list" qsTypeId="urn:microsoft.com/office/officeart/2005/8/quickstyle/simple1" qsCatId="simple" csTypeId="urn:microsoft.com/office/officeart/2005/8/colors/colorful2" csCatId="colorful" phldr="1"/>
       <dgm:spPr/>
       <dgm:t>
         <a:bodyPr/>
@@ -7513,8 +7536,12 @@
         <a:lstStyle/>
         <a:p>
           <a:r>
-            <a:rPr lang="en-US"/>
-            <a:t>Word Frequency</a:t>
+            <a:rPr lang="en-US" dirty="0" err="1"/>
+            <a:t>Wordcloud</a:t>
+          </a:r>
+          <a:r>
+            <a:rPr lang="en-US" dirty="0"/>
+            <a:t> </a:t>
           </a:r>
         </a:p>
       </dgm:t>
@@ -7541,7 +7568,7 @@
         </a:p>
       </dgm:t>
     </dgm:pt>
-    <dgm:pt modelId="{E1A78E1B-7407-44DA-BF9D-665F68B0B0E5}">
+    <dgm:pt modelId="{981C2E82-095C-45D2-89ED-3F15B73E7C2F}">
       <dgm:prSet/>
       <dgm:spPr/>
       <dgm:t>
@@ -7549,14 +7576,14 @@
         <a:lstStyle/>
         <a:p>
           <a:r>
-            <a:rPr lang="en-US" b="1"/>
-            <a:t>What is your quest? </a:t>
+            <a:rPr lang="en-US"/>
+            <a:t>Word Frequency</a:t>
           </a:r>
-          <a:endParaRPr lang="en-US"/>
+          <a:endParaRPr lang="en-US" dirty="0"/>
         </a:p>
       </dgm:t>
     </dgm:pt>
-    <dgm:pt modelId="{7EF8AD57-F65E-470F-BE72-7A3525E2F462}" type="parTrans" cxnId="{2D3B8A74-C59F-4A07-838F-22E95CFEDB90}">
+    <dgm:pt modelId="{37018845-B2F1-468C-9B2A-73C6E4BD0CFD}" type="parTrans" cxnId="{E64338DD-E06C-4007-AD6D-E0FBF4DDAF8D}">
       <dgm:prSet/>
       <dgm:spPr/>
       <dgm:t>
@@ -7567,154 +7594,7 @@
         </a:p>
       </dgm:t>
     </dgm:pt>
-    <dgm:pt modelId="{1FAAD594-2B86-4B7B-A7DF-67F7CC3CD3D1}" type="sibTrans" cxnId="{2D3B8A74-C59F-4A07-838F-22E95CFEDB90}">
-      <dgm:prSet/>
-      <dgm:spPr/>
-      <dgm:t>
-        <a:bodyPr/>
-        <a:lstStyle/>
-        <a:p>
-          <a:endParaRPr lang="en-US"/>
-        </a:p>
-      </dgm:t>
-    </dgm:pt>
-    <dgm:pt modelId="{3409F3DE-04B6-49DC-B0BF-E817AA0BF272}">
-      <dgm:prSet/>
-      <dgm:spPr/>
-      <dgm:t>
-        <a:bodyPr/>
-        <a:lstStyle/>
-        <a:p>
-          <a:r>
-            <a:rPr lang="en-US"/>
-            <a:t>Wordcloud </a:t>
-          </a:r>
-        </a:p>
-      </dgm:t>
-    </dgm:pt>
-    <dgm:pt modelId="{D246409E-977C-4E60-8CCD-E27570088625}" type="parTrans" cxnId="{A171222B-B971-41AA-A92D-CC4B87CB1F5D}">
-      <dgm:prSet/>
-      <dgm:spPr/>
-      <dgm:t>
-        <a:bodyPr/>
-        <a:lstStyle/>
-        <a:p>
-          <a:endParaRPr lang="en-US"/>
-        </a:p>
-      </dgm:t>
-    </dgm:pt>
-    <dgm:pt modelId="{AF3B387E-C377-4E67-B916-200ECDDB257C}" type="sibTrans" cxnId="{A171222B-B971-41AA-A92D-CC4B87CB1F5D}">
-      <dgm:prSet/>
-      <dgm:spPr/>
-      <dgm:t>
-        <a:bodyPr/>
-        <a:lstStyle/>
-        <a:p>
-          <a:endParaRPr lang="en-US"/>
-        </a:p>
-      </dgm:t>
-    </dgm:pt>
-    <dgm:pt modelId="{B71BC8C5-A7D2-4CEB-B67B-56A1254F074F}">
-      <dgm:prSet/>
-      <dgm:spPr/>
-      <dgm:t>
-        <a:bodyPr/>
-        <a:lstStyle/>
-        <a:p>
-          <a:r>
-            <a:rPr lang="en-US" b="1"/>
-            <a:t>What is your quest? </a:t>
-          </a:r>
-          <a:endParaRPr lang="en-US"/>
-        </a:p>
-      </dgm:t>
-    </dgm:pt>
-    <dgm:pt modelId="{468AB5BA-DB30-4F53-BEE8-267AF171D7EE}" type="parTrans" cxnId="{1635D315-3E15-4AE3-BBF9-58F4E2A2F393}">
-      <dgm:prSet/>
-      <dgm:spPr/>
-      <dgm:t>
-        <a:bodyPr/>
-        <a:lstStyle/>
-        <a:p>
-          <a:endParaRPr lang="en-US"/>
-        </a:p>
-      </dgm:t>
-    </dgm:pt>
-    <dgm:pt modelId="{CE883744-AA85-43A4-8584-FCCD2C1DA2F9}" type="sibTrans" cxnId="{1635D315-3E15-4AE3-BBF9-58F4E2A2F393}">
-      <dgm:prSet/>
-      <dgm:spPr/>
-      <dgm:t>
-        <a:bodyPr/>
-        <a:lstStyle/>
-        <a:p>
-          <a:endParaRPr lang="en-US"/>
-        </a:p>
-      </dgm:t>
-    </dgm:pt>
-    <dgm:pt modelId="{C6CBDE0F-BC5A-4AD5-84FC-C89D531A1EE1}">
-      <dgm:prSet/>
-      <dgm:spPr/>
-      <dgm:t>
-        <a:bodyPr/>
-        <a:lstStyle/>
-        <a:p>
-          <a:r>
-            <a:rPr lang="en-US" b="1"/>
-            <a:t>What is your favorite color? </a:t>
-          </a:r>
-          <a:endParaRPr lang="en-US"/>
-        </a:p>
-      </dgm:t>
-    </dgm:pt>
-    <dgm:pt modelId="{38A71ABF-E805-427B-8F2B-AA0A6BBEC59C}" type="parTrans" cxnId="{7945B2BF-66A1-407C-8D88-D991015F278C}">
-      <dgm:prSet/>
-      <dgm:spPr/>
-      <dgm:t>
-        <a:bodyPr/>
-        <a:lstStyle/>
-        <a:p>
-          <a:endParaRPr lang="en-US"/>
-        </a:p>
-      </dgm:t>
-    </dgm:pt>
-    <dgm:pt modelId="{459CA24F-3A06-4F1F-AFCE-4103148C11E0}" type="sibTrans" cxnId="{7945B2BF-66A1-407C-8D88-D991015F278C}">
-      <dgm:prSet/>
-      <dgm:spPr/>
-      <dgm:t>
-        <a:bodyPr/>
-        <a:lstStyle/>
-        <a:p>
-          <a:endParaRPr lang="en-US"/>
-        </a:p>
-      </dgm:t>
-    </dgm:pt>
-    <dgm:pt modelId="{F2EBD5EF-8C9F-4BD2-8F85-F2914E5250DE}">
-      <dgm:prSet/>
-      <dgm:spPr/>
-      <dgm:t>
-        <a:bodyPr/>
-        <a:lstStyle/>
-        <a:p>
-          <a:r>
-            <a:rPr lang="en-US" b="1"/>
-            <a:t>What is the airspeed velocity of an unladen swallow?</a:t>
-          </a:r>
-          <a:endParaRPr lang="en-US"/>
-        </a:p>
-      </dgm:t>
-    </dgm:pt>
-    <dgm:pt modelId="{FC012D99-22CF-4228-8C00-6DE29D23190A}" type="parTrans" cxnId="{40B71A4A-EC84-4F5D-AC86-B122768AFE58}">
-      <dgm:prSet/>
-      <dgm:spPr/>
-      <dgm:t>
-        <a:bodyPr/>
-        <a:lstStyle/>
-        <a:p>
-          <a:endParaRPr lang="en-US"/>
-        </a:p>
-      </dgm:t>
-    </dgm:pt>
-    <dgm:pt modelId="{1FE38DA3-B587-45DE-8248-35855023768E}" type="sibTrans" cxnId="{40B71A4A-EC84-4F5D-AC86-B122768AFE58}">
+    <dgm:pt modelId="{217F7FF4-9E7A-4466-BEB9-3AC2D59DA899}" type="sibTrans" cxnId="{E64338DD-E06C-4007-AD6D-E0FBF4DDAF8D}">
       <dgm:prSet/>
       <dgm:spPr/>
       <dgm:t>
@@ -7764,20 +7644,20 @@
       </dgm:prSet>
       <dgm:spPr/>
     </dgm:pt>
-    <dgm:pt modelId="{CAB77261-64E5-4DE8-9716-21AA262A5D21}" type="pres">
+    <dgm:pt modelId="{1FB1BDC3-DA37-4780-A7D7-06E65A51F64A}" type="pres">
       <dgm:prSet presAssocID="{0F92BD7B-BCBC-431D-9D72-571C52E162B3}" presName="spaceBetweenRectangles" presStyleCnt="0"/>
       <dgm:spPr/>
     </dgm:pt>
-    <dgm:pt modelId="{F8703580-181A-483B-97A7-CC5485785504}" type="pres">
-      <dgm:prSet presAssocID="{3409F3DE-04B6-49DC-B0BF-E817AA0BF272}" presName="parentLin" presStyleCnt="0"/>
+    <dgm:pt modelId="{D71DE256-5582-4C27-B8AC-40566B1F9345}" type="pres">
+      <dgm:prSet presAssocID="{981C2E82-095C-45D2-89ED-3F15B73E7C2F}" presName="parentLin" presStyleCnt="0"/>
       <dgm:spPr/>
     </dgm:pt>
-    <dgm:pt modelId="{92FEB19E-7E6A-4887-B180-50F83F9E24B9}" type="pres">
-      <dgm:prSet presAssocID="{3409F3DE-04B6-49DC-B0BF-E817AA0BF272}" presName="parentLeftMargin" presStyleLbl="node1" presStyleIdx="0" presStyleCnt="2"/>
+    <dgm:pt modelId="{BD3690FC-34F0-4F2C-9E3E-8F417398BAA7}" type="pres">
+      <dgm:prSet presAssocID="{981C2E82-095C-45D2-89ED-3F15B73E7C2F}" presName="parentLeftMargin" presStyleLbl="node1" presStyleIdx="0" presStyleCnt="2"/>
       <dgm:spPr/>
     </dgm:pt>
-    <dgm:pt modelId="{DC5FA880-4B15-4F9E-B4C4-6864E3A805ED}" type="pres">
-      <dgm:prSet presAssocID="{3409F3DE-04B6-49DC-B0BF-E817AA0BF272}" presName="parentText" presStyleLbl="node1" presStyleIdx="1" presStyleCnt="2">
+    <dgm:pt modelId="{D7B484CF-C2E3-45D6-B27B-E7A510422200}" type="pres">
+      <dgm:prSet presAssocID="{981C2E82-095C-45D2-89ED-3F15B73E7C2F}" presName="parentText" presStyleLbl="node1" presStyleIdx="1" presStyleCnt="2">
         <dgm:presLayoutVars>
           <dgm:chMax val="0"/>
           <dgm:bulletEnabled val="1"/>
@@ -7785,12 +7665,12 @@
       </dgm:prSet>
       <dgm:spPr/>
     </dgm:pt>
-    <dgm:pt modelId="{3FA2BBDB-DAB6-440D-A419-DF1158D12740}" type="pres">
-      <dgm:prSet presAssocID="{3409F3DE-04B6-49DC-B0BF-E817AA0BF272}" presName="negativeSpace" presStyleCnt="0"/>
+    <dgm:pt modelId="{7E37A4DE-DF79-456F-AEE8-8E401EFB5AD5}" type="pres">
+      <dgm:prSet presAssocID="{981C2E82-095C-45D2-89ED-3F15B73E7C2F}" presName="negativeSpace" presStyleCnt="0"/>
       <dgm:spPr/>
     </dgm:pt>
-    <dgm:pt modelId="{6C32AE33-284D-46C6-84C7-8D58687D28BA}" type="pres">
-      <dgm:prSet presAssocID="{3409F3DE-04B6-49DC-B0BF-E817AA0BF272}" presName="childText" presStyleLbl="conFgAcc1" presStyleIdx="1" presStyleCnt="2">
+    <dgm:pt modelId="{B4FACA74-2134-4E89-9D38-947839A5FCC6}" type="pres">
+      <dgm:prSet presAssocID="{981C2E82-095C-45D2-89ED-3F15B73E7C2F}" presName="childText" presStyleLbl="conFgAcc1" presStyleIdx="1" presStyleCnt="2">
         <dgm:presLayoutVars>
           <dgm:bulletEnabled val="1"/>
         </dgm:presLayoutVars>
@@ -7799,32 +7679,24 @@
     </dgm:pt>
   </dgm:ptLst>
   <dgm:cxnLst>
-    <dgm:cxn modelId="{1635D315-3E15-4AE3-BBF9-58F4E2A2F393}" srcId="{3409F3DE-04B6-49DC-B0BF-E817AA0BF272}" destId="{B71BC8C5-A7D2-4CEB-B67B-56A1254F074F}" srcOrd="0" destOrd="0" parTransId="{468AB5BA-DB30-4F53-BEE8-267AF171D7EE}" sibTransId="{CE883744-AA85-43A4-8584-FCCD2C1DA2F9}"/>
-    <dgm:cxn modelId="{E86A7A24-8F5C-4ED2-9BAF-ED8EBFD57E62}" type="presOf" srcId="{3409F3DE-04B6-49DC-B0BF-E817AA0BF272}" destId="{92FEB19E-7E6A-4887-B180-50F83F9E24B9}" srcOrd="0" destOrd="0" presId="urn:microsoft.com/office/officeart/2005/8/layout/list1"/>
-    <dgm:cxn modelId="{74856525-1286-48F0-BD02-BF3ACCA5DFED}" type="presOf" srcId="{C6CBDE0F-BC5A-4AD5-84FC-C89D531A1EE1}" destId="{6C32AE33-284D-46C6-84C7-8D58687D28BA}" srcOrd="0" destOrd="1" presId="urn:microsoft.com/office/officeart/2005/8/layout/list1"/>
-    <dgm:cxn modelId="{A171222B-B971-41AA-A92D-CC4B87CB1F5D}" srcId="{75A6C0C3-4764-44B7-86C7-88124C25B2AE}" destId="{3409F3DE-04B6-49DC-B0BF-E817AA0BF272}" srcOrd="1" destOrd="0" parTransId="{D246409E-977C-4E60-8CCD-E27570088625}" sibTransId="{AF3B387E-C377-4E67-B916-200ECDDB257C}"/>
     <dgm:cxn modelId="{507DB12D-2AC3-4E8B-B40F-57610C20C777}" type="presOf" srcId="{CC3C9B3A-5F4C-4BBD-AD1C-3B525D6BB20D}" destId="{AA07713F-E639-4DD7-8F68-1C89462F2180}" srcOrd="1" destOrd="0" presId="urn:microsoft.com/office/officeart/2005/8/layout/list1"/>
-    <dgm:cxn modelId="{40B71A4A-EC84-4F5D-AC86-B122768AFE58}" srcId="{3409F3DE-04B6-49DC-B0BF-E817AA0BF272}" destId="{F2EBD5EF-8C9F-4BD2-8F85-F2914E5250DE}" srcOrd="2" destOrd="0" parTransId="{FC012D99-22CF-4228-8C00-6DE29D23190A}" sibTransId="{1FE38DA3-B587-45DE-8248-35855023768E}"/>
     <dgm:cxn modelId="{EDECA071-4D28-4F91-B252-2105293C4C9D}" type="presOf" srcId="{CC3C9B3A-5F4C-4BBD-AD1C-3B525D6BB20D}" destId="{23BE86BD-FE00-4987-89EA-1A87CAFC1ED0}" srcOrd="0" destOrd="0" presId="urn:microsoft.com/office/officeart/2005/8/layout/list1"/>
-    <dgm:cxn modelId="{2D3B8A74-C59F-4A07-838F-22E95CFEDB90}" srcId="{CC3C9B3A-5F4C-4BBD-AD1C-3B525D6BB20D}" destId="{E1A78E1B-7407-44DA-BF9D-665F68B0B0E5}" srcOrd="0" destOrd="0" parTransId="{7EF8AD57-F65E-470F-BE72-7A3525E2F462}" sibTransId="{1FAAD594-2B86-4B7B-A7DF-67F7CC3CD3D1}"/>
-    <dgm:cxn modelId="{EB7C3775-DFFD-4810-9FF7-755C92564261}" type="presOf" srcId="{3409F3DE-04B6-49DC-B0BF-E817AA0BF272}" destId="{DC5FA880-4B15-4F9E-B4C4-6864E3A805ED}" srcOrd="1" destOrd="0" presId="urn:microsoft.com/office/officeart/2005/8/layout/list1"/>
-    <dgm:cxn modelId="{B528CE75-502F-496D-95B6-B237B2BBF030}" type="presOf" srcId="{E1A78E1B-7407-44DA-BF9D-665F68B0B0E5}" destId="{5CCF4B0A-B159-4A74-91A4-33694BA41B71}" srcOrd="0" destOrd="0" presId="urn:microsoft.com/office/officeart/2005/8/layout/list1"/>
-    <dgm:cxn modelId="{A3025B59-283E-435D-B6BE-55A7EFB536B8}" type="presOf" srcId="{F2EBD5EF-8C9F-4BD2-8F85-F2914E5250DE}" destId="{6C32AE33-284D-46C6-84C7-8D58687D28BA}" srcOrd="0" destOrd="2" presId="urn:microsoft.com/office/officeart/2005/8/layout/list1"/>
+    <dgm:cxn modelId="{C85D46A5-8CA9-4984-B7CD-09E51EFB64DD}" type="presOf" srcId="{981C2E82-095C-45D2-89ED-3F15B73E7C2F}" destId="{BD3690FC-34F0-4F2C-9E3E-8F417398BAA7}" srcOrd="0" destOrd="0" presId="urn:microsoft.com/office/officeart/2005/8/layout/list1"/>
+    <dgm:cxn modelId="{264DE4A7-1C3D-44AF-BCDA-4FCD71EC6135}" type="presOf" srcId="{981C2E82-095C-45D2-89ED-3F15B73E7C2F}" destId="{D7B484CF-C2E3-45D6-B27B-E7A510422200}" srcOrd="1" destOrd="0" presId="urn:microsoft.com/office/officeart/2005/8/layout/list1"/>
     <dgm:cxn modelId="{CE68F7AA-C788-4338-8718-F6121260736E}" type="presOf" srcId="{75A6C0C3-4764-44B7-86C7-88124C25B2AE}" destId="{8C3FC529-3847-4A96-8662-90C69325C437}" srcOrd="0" destOrd="0" presId="urn:microsoft.com/office/officeart/2005/8/layout/list1"/>
     <dgm:cxn modelId="{9383E7B4-CD10-4C46-8291-4FDCAA07C986}" srcId="{75A6C0C3-4764-44B7-86C7-88124C25B2AE}" destId="{CC3C9B3A-5F4C-4BBD-AD1C-3B525D6BB20D}" srcOrd="0" destOrd="0" parTransId="{38688913-62CC-4549-9DCC-E2480BB4AE4E}" sibTransId="{0F92BD7B-BCBC-431D-9D72-571C52E162B3}"/>
-    <dgm:cxn modelId="{7945B2BF-66A1-407C-8D88-D991015F278C}" srcId="{3409F3DE-04B6-49DC-B0BF-E817AA0BF272}" destId="{C6CBDE0F-BC5A-4AD5-84FC-C89D531A1EE1}" srcOrd="1" destOrd="0" parTransId="{38A71ABF-E805-427B-8F2B-AA0A6BBEC59C}" sibTransId="{459CA24F-3A06-4F1F-AFCE-4103148C11E0}"/>
-    <dgm:cxn modelId="{EB58E9CA-1693-4CA1-9B09-2586EE739EEC}" type="presOf" srcId="{B71BC8C5-A7D2-4CEB-B67B-56A1254F074F}" destId="{6C32AE33-284D-46C6-84C7-8D58687D28BA}" srcOrd="0" destOrd="0" presId="urn:microsoft.com/office/officeart/2005/8/layout/list1"/>
+    <dgm:cxn modelId="{E64338DD-E06C-4007-AD6D-E0FBF4DDAF8D}" srcId="{75A6C0C3-4764-44B7-86C7-88124C25B2AE}" destId="{981C2E82-095C-45D2-89ED-3F15B73E7C2F}" srcOrd="1" destOrd="0" parTransId="{37018845-B2F1-468C-9B2A-73C6E4BD0CFD}" sibTransId="{217F7FF4-9E7A-4466-BEB9-3AC2D59DA899}"/>
     <dgm:cxn modelId="{98FC9284-C9CE-46EE-9743-4FB242BC4A75}" type="presParOf" srcId="{8C3FC529-3847-4A96-8662-90C69325C437}" destId="{08B67F32-39B4-4A91-968D-D3D613EC9B1C}" srcOrd="0" destOrd="0" presId="urn:microsoft.com/office/officeart/2005/8/layout/list1"/>
     <dgm:cxn modelId="{B205AF11-133E-492C-84BC-1AF4452EA2E6}" type="presParOf" srcId="{08B67F32-39B4-4A91-968D-D3D613EC9B1C}" destId="{23BE86BD-FE00-4987-89EA-1A87CAFC1ED0}" srcOrd="0" destOrd="0" presId="urn:microsoft.com/office/officeart/2005/8/layout/list1"/>
     <dgm:cxn modelId="{15309B94-EA5D-40EA-9E31-3AAE3EB06C24}" type="presParOf" srcId="{08B67F32-39B4-4A91-968D-D3D613EC9B1C}" destId="{AA07713F-E639-4DD7-8F68-1C89462F2180}" srcOrd="1" destOrd="0" presId="urn:microsoft.com/office/officeart/2005/8/layout/list1"/>
     <dgm:cxn modelId="{EFCA4FEA-39A1-4011-B2E1-15120A03AB72}" type="presParOf" srcId="{8C3FC529-3847-4A96-8662-90C69325C437}" destId="{C60A8B2D-6E78-4E2C-B971-C0114BB42866}" srcOrd="1" destOrd="0" presId="urn:microsoft.com/office/officeart/2005/8/layout/list1"/>
     <dgm:cxn modelId="{CE098E38-C873-4FA9-8426-51BAE1FB67DB}" type="presParOf" srcId="{8C3FC529-3847-4A96-8662-90C69325C437}" destId="{5CCF4B0A-B159-4A74-91A4-33694BA41B71}" srcOrd="2" destOrd="0" presId="urn:microsoft.com/office/officeart/2005/8/layout/list1"/>
-    <dgm:cxn modelId="{3D0F1B7E-6091-40E0-9353-C9438CCFF731}" type="presParOf" srcId="{8C3FC529-3847-4A96-8662-90C69325C437}" destId="{CAB77261-64E5-4DE8-9716-21AA262A5D21}" srcOrd="3" destOrd="0" presId="urn:microsoft.com/office/officeart/2005/8/layout/list1"/>
-    <dgm:cxn modelId="{F3DA439A-A11D-4A90-A609-EB6D2AF5A50B}" type="presParOf" srcId="{8C3FC529-3847-4A96-8662-90C69325C437}" destId="{F8703580-181A-483B-97A7-CC5485785504}" srcOrd="4" destOrd="0" presId="urn:microsoft.com/office/officeart/2005/8/layout/list1"/>
-    <dgm:cxn modelId="{8FBEC1B8-9C7B-4186-B46E-D35BD12ADED3}" type="presParOf" srcId="{F8703580-181A-483B-97A7-CC5485785504}" destId="{92FEB19E-7E6A-4887-B180-50F83F9E24B9}" srcOrd="0" destOrd="0" presId="urn:microsoft.com/office/officeart/2005/8/layout/list1"/>
-    <dgm:cxn modelId="{48C601EB-BD12-4F8D-BF28-5A3B5F9634AB}" type="presParOf" srcId="{F8703580-181A-483B-97A7-CC5485785504}" destId="{DC5FA880-4B15-4F9E-B4C4-6864E3A805ED}" srcOrd="1" destOrd="0" presId="urn:microsoft.com/office/officeart/2005/8/layout/list1"/>
-    <dgm:cxn modelId="{96EEC393-9B8B-4516-A925-D1E87A952805}" type="presParOf" srcId="{8C3FC529-3847-4A96-8662-90C69325C437}" destId="{3FA2BBDB-DAB6-440D-A419-DF1158D12740}" srcOrd="5" destOrd="0" presId="urn:microsoft.com/office/officeart/2005/8/layout/list1"/>
-    <dgm:cxn modelId="{55E5CA94-186A-4E49-BBAE-B1157FF03EB5}" type="presParOf" srcId="{8C3FC529-3847-4A96-8662-90C69325C437}" destId="{6C32AE33-284D-46C6-84C7-8D58687D28BA}" srcOrd="6" destOrd="0" presId="urn:microsoft.com/office/officeart/2005/8/layout/list1"/>
+    <dgm:cxn modelId="{F96A2328-5E8C-4B5F-8225-EA414695EFEF}" type="presParOf" srcId="{8C3FC529-3847-4A96-8662-90C69325C437}" destId="{1FB1BDC3-DA37-4780-A7D7-06E65A51F64A}" srcOrd="3" destOrd="0" presId="urn:microsoft.com/office/officeart/2005/8/layout/list1"/>
+    <dgm:cxn modelId="{E5FEFA9F-E198-4C10-8FE3-099E621ED940}" type="presParOf" srcId="{8C3FC529-3847-4A96-8662-90C69325C437}" destId="{D71DE256-5582-4C27-B8AC-40566B1F9345}" srcOrd="4" destOrd="0" presId="urn:microsoft.com/office/officeart/2005/8/layout/list1"/>
+    <dgm:cxn modelId="{7B2F590D-76D0-4DF3-B285-E7A657D04735}" type="presParOf" srcId="{D71DE256-5582-4C27-B8AC-40566B1F9345}" destId="{BD3690FC-34F0-4F2C-9E3E-8F417398BAA7}" srcOrd="0" destOrd="0" presId="urn:microsoft.com/office/officeart/2005/8/layout/list1"/>
+    <dgm:cxn modelId="{5EBB8617-B6B5-4079-B104-E8140F42ADF8}" type="presParOf" srcId="{D71DE256-5582-4C27-B8AC-40566B1F9345}" destId="{D7B484CF-C2E3-45D6-B27B-E7A510422200}" srcOrd="1" destOrd="0" presId="urn:microsoft.com/office/officeart/2005/8/layout/list1"/>
+    <dgm:cxn modelId="{65598EB7-56F1-4E0B-BC62-BF052198619D}" type="presParOf" srcId="{8C3FC529-3847-4A96-8662-90C69325C437}" destId="{7E37A4DE-DF79-456F-AEE8-8E401EFB5AD5}" srcOrd="5" destOrd="0" presId="urn:microsoft.com/office/officeart/2005/8/layout/list1"/>
+    <dgm:cxn modelId="{1C6A1B15-6626-473F-A763-18CC035F465F}" type="presParOf" srcId="{8C3FC529-3847-4A96-8662-90C69325C437}" destId="{B4FACA74-2134-4E89-9D38-947839A5FCC6}" srcOrd="6" destOrd="0" presId="urn:microsoft.com/office/officeart/2005/8/layout/list1"/>
   </dgm:cxnLst>
   <dgm:bg/>
   <dgm:whole/>
@@ -7851,7 +7723,7 @@
       </dsp:nvSpPr>
       <dsp:spPr>
         <a:xfrm>
-          <a:off x="559800" y="219479"/>
+          <a:off x="559800" y="121395"/>
           <a:ext cx="1512000" cy="1512000"/>
         </a:xfrm>
         <a:prstGeom prst="rect">
@@ -7901,7 +7773,7 @@
       </dsp:nvSpPr>
       <dsp:spPr>
         <a:xfrm>
-          <a:off x="559800" y="1899711"/>
+          <a:off x="559800" y="1810062"/>
           <a:ext cx="4320000" cy="648000"/>
         </a:xfrm>
         <a:prstGeom prst="rect">
@@ -7951,7 +7823,7 @@
         </a:p>
       </dsp:txBody>
       <dsp:txXfrm>
-        <a:off x="559800" y="1899711"/>
+        <a:off x="559800" y="1810062"/>
         <a:ext cx="4320000" cy="648000"/>
       </dsp:txXfrm>
     </dsp:sp>
@@ -7962,8 +7834,8 @@
       </dsp:nvSpPr>
       <dsp:spPr>
         <a:xfrm>
-          <a:off x="559800" y="2625959"/>
-          <a:ext cx="4320000" cy="1505899"/>
+          <a:off x="559800" y="2540233"/>
+          <a:ext cx="4320000" cy="1689709"/>
         </a:xfrm>
         <a:prstGeom prst="rect">
           <a:avLst/>
@@ -8083,8 +7955,8 @@
         </a:p>
       </dsp:txBody>
       <dsp:txXfrm>
-        <a:off x="559800" y="2625959"/>
-        <a:ext cx="4320000" cy="1505899"/>
+        <a:off x="559800" y="2540233"/>
+        <a:ext cx="4320000" cy="1689709"/>
       </dsp:txXfrm>
     </dsp:sp>
     <dsp:sp modelId="{A3DC5093-129A-4518-91AE-C817564F183E}">
@@ -8094,7 +7966,7 @@
       </dsp:nvSpPr>
       <dsp:spPr>
         <a:xfrm>
-          <a:off x="5635800" y="219479"/>
+          <a:off x="5635800" y="121395"/>
           <a:ext cx="1512000" cy="1512000"/>
         </a:xfrm>
         <a:prstGeom prst="rect">
@@ -8144,7 +8016,7 @@
       </dsp:nvSpPr>
       <dsp:spPr>
         <a:xfrm>
-          <a:off x="5635800" y="1899711"/>
+          <a:off x="5635800" y="1810062"/>
           <a:ext cx="4320000" cy="648000"/>
         </a:xfrm>
         <a:prstGeom prst="rect">
@@ -8194,7 +8066,7 @@
         </a:p>
       </dsp:txBody>
       <dsp:txXfrm>
-        <a:off x="5635800" y="1899711"/>
+        <a:off x="5635800" y="1810062"/>
         <a:ext cx="4320000" cy="648000"/>
       </dsp:txXfrm>
     </dsp:sp>
@@ -8205,8 +8077,8 @@
       </dsp:nvSpPr>
       <dsp:spPr>
         <a:xfrm>
-          <a:off x="5635800" y="2625959"/>
-          <a:ext cx="4320000" cy="1505899"/>
+          <a:off x="5635800" y="2540233"/>
+          <a:ext cx="4320000" cy="1689709"/>
         </a:xfrm>
         <a:prstGeom prst="rect">
           <a:avLst/>
@@ -8284,7 +8156,7 @@
             <a:buNone/>
           </a:pPr>
           <a:r>
-            <a:rPr lang="en-US" sz="1700" kern="1200"/>
+            <a:rPr lang="en-US" sz="1700" kern="1200" dirty="0"/>
             <a:t>Case Discussion </a:t>
           </a:r>
         </a:p>
@@ -8302,14 +8174,32 @@
             <a:buNone/>
           </a:pPr>
           <a:r>
-            <a:rPr lang="en-US" sz="1700" kern="1200"/>
+            <a:rPr lang="en-US" sz="1700" kern="1200" dirty="0"/>
             <a:t>Term Project </a:t>
+          </a:r>
+        </a:p>
+        <a:p>
+          <a:pPr marL="0" lvl="0" indent="0" algn="l" defTabSz="755650">
+            <a:lnSpc>
+              <a:spcPct val="100000"/>
+            </a:lnSpc>
+            <a:spcBef>
+              <a:spcPct val="0"/>
+            </a:spcBef>
+            <a:spcAft>
+              <a:spcPct val="35000"/>
+            </a:spcAft>
+            <a:buNone/>
+          </a:pPr>
+          <a:r>
+            <a:rPr lang="en-US" sz="1700" kern="1200" dirty="0"/>
+            <a:t>Weekly Quiz</a:t>
           </a:r>
         </a:p>
       </dsp:txBody>
       <dsp:txXfrm>
-        <a:off x="5635800" y="2625959"/>
-        <a:ext cx="4320000" cy="1505899"/>
+        <a:off x="5635800" y="2540233"/>
+        <a:ext cx="4320000" cy="1689709"/>
       </dsp:txXfrm>
     </dsp:sp>
   </dsp:spTree>
@@ -8331,7 +8221,7 @@
       </dsp:nvSpPr>
       <dsp:spPr>
         <a:xfrm>
-          <a:off x="1963800" y="848595"/>
+          <a:off x="1963800" y="691794"/>
           <a:ext cx="1512000" cy="1512000"/>
         </a:xfrm>
         <a:prstGeom prst="rect">
@@ -8381,7 +8271,7 @@
       </dsp:nvSpPr>
       <dsp:spPr>
         <a:xfrm>
-          <a:off x="559800" y="2474724"/>
+          <a:off x="559800" y="2331407"/>
           <a:ext cx="4320000" cy="648000"/>
         </a:xfrm>
         <a:prstGeom prst="rect">
@@ -8431,7 +8321,7 @@
         </a:p>
       </dsp:txBody>
       <dsp:txXfrm>
-        <a:off x="559800" y="2474724"/>
+        <a:off x="559800" y="2331407"/>
         <a:ext cx="4320000" cy="648000"/>
       </dsp:txXfrm>
     </dsp:sp>
@@ -8442,8 +8332,8 @@
       </dsp:nvSpPr>
       <dsp:spPr>
         <a:xfrm>
-          <a:off x="559800" y="3175807"/>
-          <a:ext cx="4320000" cy="326934"/>
+          <a:off x="559800" y="3038762"/>
+          <a:ext cx="4320000" cy="620780"/>
         </a:xfrm>
         <a:prstGeom prst="rect">
           <a:avLst/>
@@ -8472,7 +8362,7 @@
         </a:bodyPr>
         <a:lstStyle/>
         <a:p>
-          <a:pPr marL="0" lvl="0" indent="0" algn="ctr" defTabSz="889000">
+          <a:pPr marL="0" lvl="0" indent="0" algn="ctr" defTabSz="755650">
             <a:lnSpc>
               <a:spcPct val="100000"/>
             </a:lnSpc>
@@ -8485,14 +8375,32 @@
             <a:buNone/>
           </a:pPr>
           <a:r>
-            <a:rPr lang="en-US" sz="2000" kern="1200" dirty="0"/>
+            <a:rPr lang="en-US" sz="1700" kern="1200" dirty="0"/>
             <a:t>Canvas: publish a week before</a:t>
+          </a:r>
+        </a:p>
+        <a:p>
+          <a:pPr marL="0" lvl="0" indent="0" algn="ctr" defTabSz="755650">
+            <a:lnSpc>
+              <a:spcPct val="100000"/>
+            </a:lnSpc>
+            <a:spcBef>
+              <a:spcPct val="0"/>
+            </a:spcBef>
+            <a:spcAft>
+              <a:spcPct val="35000"/>
+            </a:spcAft>
+            <a:buNone/>
+          </a:pPr>
+          <a:r>
+            <a:rPr lang="en-US" sz="1700" kern="1200" dirty="0"/>
+            <a:t>All tests and quizzes are on Canvas</a:t>
           </a:r>
         </a:p>
       </dsp:txBody>
       <dsp:txXfrm>
-        <a:off x="559800" y="3175807"/>
-        <a:ext cx="4320000" cy="326934"/>
+        <a:off x="559800" y="3038762"/>
+        <a:ext cx="4320000" cy="620780"/>
       </dsp:txXfrm>
     </dsp:sp>
     <dsp:sp modelId="{033C2A8A-EC18-4D8C-852C-267B89CED107}">
@@ -8502,7 +8410,7 @@
       </dsp:nvSpPr>
       <dsp:spPr>
         <a:xfrm>
-          <a:off x="7039800" y="848595"/>
+          <a:off x="7039800" y="691794"/>
           <a:ext cx="1512000" cy="1512000"/>
         </a:xfrm>
         <a:prstGeom prst="rect">
@@ -8552,7 +8460,7 @@
       </dsp:nvSpPr>
       <dsp:spPr>
         <a:xfrm>
-          <a:off x="5635800" y="2474724"/>
+          <a:off x="5635800" y="2331407"/>
           <a:ext cx="4320000" cy="648000"/>
         </a:xfrm>
         <a:prstGeom prst="rect">
@@ -8602,7 +8510,7 @@
         </a:p>
       </dsp:txBody>
       <dsp:txXfrm>
-        <a:off x="5635800" y="2474724"/>
+        <a:off x="5635800" y="2331407"/>
         <a:ext cx="4320000" cy="648000"/>
       </dsp:txXfrm>
     </dsp:sp>
@@ -8613,8 +8521,8 @@
       </dsp:nvSpPr>
       <dsp:spPr>
         <a:xfrm>
-          <a:off x="5635800" y="3175807"/>
-          <a:ext cx="4320000" cy="326934"/>
+          <a:off x="5635800" y="3038762"/>
+          <a:ext cx="4320000" cy="620780"/>
         </a:xfrm>
         <a:prstGeom prst="rect">
           <a:avLst/>
@@ -10166,8 +10074,8 @@
       </dsp:nvSpPr>
       <dsp:spPr>
         <a:xfrm>
-          <a:off x="0" y="446319"/>
-          <a:ext cx="10515600" cy="1190700"/>
+          <a:off x="0" y="752768"/>
+          <a:ext cx="10515600" cy="1285200"/>
         </a:xfrm>
         <a:prstGeom prst="rect">
           <a:avLst/>
@@ -10207,35 +10115,6 @@
         </a:effectRef>
         <a:fontRef idx="minor"/>
       </dsp:style>
-      <dsp:txBody>
-        <a:bodyPr spcFirstLastPara="0" vert="horz" wrap="square" lIns="816127" tIns="583184" rIns="816127" bIns="199136" numCol="1" spcCol="1270" anchor="t" anchorCtr="0">
-          <a:noAutofit/>
-        </a:bodyPr>
-        <a:lstStyle/>
-        <a:p>
-          <a:pPr marL="285750" lvl="1" indent="-285750" algn="l" defTabSz="1244600">
-            <a:lnSpc>
-              <a:spcPct val="90000"/>
-            </a:lnSpc>
-            <a:spcBef>
-              <a:spcPct val="0"/>
-            </a:spcBef>
-            <a:spcAft>
-              <a:spcPct val="15000"/>
-            </a:spcAft>
-            <a:buChar char="•"/>
-          </a:pPr>
-          <a:r>
-            <a:rPr lang="en-US" sz="2800" b="1" kern="1200"/>
-            <a:t>What is your quest? </a:t>
-          </a:r>
-          <a:endParaRPr lang="en-US" sz="2800" kern="1200"/>
-        </a:p>
-      </dsp:txBody>
-      <dsp:txXfrm>
-        <a:off x="0" y="446319"/>
-        <a:ext cx="10515600" cy="1190700"/>
-      </dsp:txXfrm>
     </dsp:sp>
     <dsp:sp modelId="{AA07713F-E639-4DD7-8F68-1C89462F2180}">
       <dsp:nvSpPr>
@@ -10244,8 +10123,8 @@
       </dsp:nvSpPr>
       <dsp:spPr>
         <a:xfrm>
-          <a:off x="525780" y="33039"/>
-          <a:ext cx="7360920" cy="826560"/>
+          <a:off x="525780" y="8"/>
+          <a:ext cx="7360920" cy="1505520"/>
         </a:xfrm>
         <a:prstGeom prst="roundRect">
           <a:avLst/>
@@ -10292,7 +10171,7 @@
         </a:bodyPr>
         <a:lstStyle/>
         <a:p>
-          <a:pPr marL="0" lvl="0" indent="0" algn="l" defTabSz="1244600">
+          <a:pPr marL="0" lvl="0" indent="0" algn="l" defTabSz="2266950">
             <a:lnSpc>
               <a:spcPct val="90000"/>
             </a:lnSpc>
@@ -10305,25 +10184,29 @@
             <a:buNone/>
           </a:pPr>
           <a:r>
-            <a:rPr lang="en-US" sz="2800" kern="1200"/>
-            <a:t>Word Frequency</a:t>
+            <a:rPr lang="en-US" sz="5100" kern="1200" dirty="0" err="1"/>
+            <a:t>Wordcloud</a:t>
+          </a:r>
+          <a:r>
+            <a:rPr lang="en-US" sz="5100" kern="1200" dirty="0"/>
+            <a:t> </a:t>
           </a:r>
         </a:p>
       </dsp:txBody>
       <dsp:txXfrm>
-        <a:off x="566129" y="73388"/>
-        <a:ext cx="7280222" cy="745862"/>
+        <a:off x="599273" y="73501"/>
+        <a:ext cx="7213934" cy="1358534"/>
       </dsp:txXfrm>
     </dsp:sp>
-    <dsp:sp modelId="{6C32AE33-284D-46C6-84C7-8D58687D28BA}">
+    <dsp:sp modelId="{B4FACA74-2134-4E89-9D38-947839A5FCC6}">
       <dsp:nvSpPr>
         <dsp:cNvPr id="0" name=""/>
         <dsp:cNvSpPr/>
       </dsp:nvSpPr>
       <dsp:spPr>
         <a:xfrm>
-          <a:off x="0" y="2201499"/>
-          <a:ext cx="10515600" cy="2116800"/>
+          <a:off x="0" y="3066129"/>
+          <a:ext cx="10515600" cy="1285200"/>
         </a:xfrm>
         <a:prstGeom prst="rect">
           <a:avLst/>
@@ -10363,83 +10246,16 @@
         </a:effectRef>
         <a:fontRef idx="minor"/>
       </dsp:style>
-      <dsp:txBody>
-        <a:bodyPr spcFirstLastPara="0" vert="horz" wrap="square" lIns="816127" tIns="583184" rIns="816127" bIns="199136" numCol="1" spcCol="1270" anchor="t" anchorCtr="0">
-          <a:noAutofit/>
-        </a:bodyPr>
-        <a:lstStyle/>
-        <a:p>
-          <a:pPr marL="285750" lvl="1" indent="-285750" algn="l" defTabSz="1244600">
-            <a:lnSpc>
-              <a:spcPct val="90000"/>
-            </a:lnSpc>
-            <a:spcBef>
-              <a:spcPct val="0"/>
-            </a:spcBef>
-            <a:spcAft>
-              <a:spcPct val="15000"/>
-            </a:spcAft>
-            <a:buChar char="•"/>
-          </a:pPr>
-          <a:r>
-            <a:rPr lang="en-US" sz="2800" b="1" kern="1200"/>
-            <a:t>What is your quest? </a:t>
-          </a:r>
-          <a:endParaRPr lang="en-US" sz="2800" kern="1200"/>
-        </a:p>
-        <a:p>
-          <a:pPr marL="285750" lvl="1" indent="-285750" algn="l" defTabSz="1244600">
-            <a:lnSpc>
-              <a:spcPct val="90000"/>
-            </a:lnSpc>
-            <a:spcBef>
-              <a:spcPct val="0"/>
-            </a:spcBef>
-            <a:spcAft>
-              <a:spcPct val="15000"/>
-            </a:spcAft>
-            <a:buChar char="•"/>
-          </a:pPr>
-          <a:r>
-            <a:rPr lang="en-US" sz="2800" b="1" kern="1200"/>
-            <a:t>What is your favorite color? </a:t>
-          </a:r>
-          <a:endParaRPr lang="en-US" sz="2800" kern="1200"/>
-        </a:p>
-        <a:p>
-          <a:pPr marL="285750" lvl="1" indent="-285750" algn="l" defTabSz="1244600">
-            <a:lnSpc>
-              <a:spcPct val="90000"/>
-            </a:lnSpc>
-            <a:spcBef>
-              <a:spcPct val="0"/>
-            </a:spcBef>
-            <a:spcAft>
-              <a:spcPct val="15000"/>
-            </a:spcAft>
-            <a:buChar char="•"/>
-          </a:pPr>
-          <a:r>
-            <a:rPr lang="en-US" sz="2800" b="1" kern="1200"/>
-            <a:t>What is the airspeed velocity of an unladen swallow?</a:t>
-          </a:r>
-          <a:endParaRPr lang="en-US" sz="2800" kern="1200"/>
-        </a:p>
-      </dsp:txBody>
-      <dsp:txXfrm>
-        <a:off x="0" y="2201499"/>
-        <a:ext cx="10515600" cy="2116800"/>
-      </dsp:txXfrm>
     </dsp:sp>
-    <dsp:sp modelId="{DC5FA880-4B15-4F9E-B4C4-6864E3A805ED}">
+    <dsp:sp modelId="{D7B484CF-C2E3-45D6-B27B-E7A510422200}">
       <dsp:nvSpPr>
         <dsp:cNvPr id="0" name=""/>
         <dsp:cNvSpPr/>
       </dsp:nvSpPr>
       <dsp:spPr>
         <a:xfrm>
-          <a:off x="525780" y="1788219"/>
-          <a:ext cx="7360920" cy="826560"/>
+          <a:off x="525780" y="2313369"/>
+          <a:ext cx="7360920" cy="1505520"/>
         </a:xfrm>
         <a:prstGeom prst="roundRect">
           <a:avLst/>
@@ -10486,7 +10302,7 @@
         </a:bodyPr>
         <a:lstStyle/>
         <a:p>
-          <a:pPr marL="0" lvl="0" indent="0" algn="l" defTabSz="1244600">
+          <a:pPr marL="0" lvl="0" indent="0" algn="l" defTabSz="2266950">
             <a:lnSpc>
               <a:spcPct val="90000"/>
             </a:lnSpc>
@@ -10499,14 +10315,15 @@
             <a:buNone/>
           </a:pPr>
           <a:r>
-            <a:rPr lang="en-US" sz="2800" kern="1200"/>
-            <a:t>Wordcloud </a:t>
+            <a:rPr lang="en-US" sz="5100" kern="1200"/>
+            <a:t>Word Frequency</a:t>
           </a:r>
+          <a:endParaRPr lang="en-US" sz="5100" kern="1200" dirty="0"/>
         </a:p>
       </dsp:txBody>
       <dsp:txXfrm>
-        <a:off x="566129" y="1828568"/>
-        <a:ext cx="7280222" cy="745862"/>
+        <a:off x="599273" y="2386862"/>
+        <a:ext cx="7213934" cy="1358534"/>
       </dsp:txXfrm>
     </dsp:sp>
   </dsp:spTree>
@@ -18116,7 +17933,7 @@
           <a:p>
             <a:fld id="{73B2889B-A0AC-4482-8592-5C96F2309420}" type="datetimeFigureOut">
               <a:rPr lang="en-US" smtClean="0"/>
-              <a:t>8/20/2021</a:t>
+              <a:t>8/23/2021</a:t>
             </a:fld>
             <a:endParaRPr lang="en-US"/>
           </a:p>
@@ -18293,7 +18110,7 @@
           <a:p>
             <a:fld id="{830EB223-FFC0-462A-A3B8-EAA7CE0F8CBD}" type="datetimeFigureOut">
               <a:rPr lang="en-US" smtClean="0"/>
-              <a:t>8/20/2021</a:t>
+              <a:t>8/22/2021</a:t>
             </a:fld>
             <a:endParaRPr lang="en-US" dirty="0"/>
           </a:p>
@@ -18709,7 +18526,7 @@
                 <a:latin typeface="Calibri" panose="020F0502020204030204" pitchFamily="34" charset="0"/>
                 <a:ea typeface="Times New Roman" panose="02020603050405020304" pitchFamily="18" charset="0"/>
               </a:rPr>
-              <a:t>If your students request remote access because they are immunocompromised or for other disability reasons associated with the COVID-19 pandemic, please refer them to the Disability Center. </a:t>
+              <a:t>If your want to request remote access because they are immunocompromised or for other disability reasons associated with the COVID-19 pandemic, please refer to the Disability Center. </a:t>
             </a:r>
           </a:p>
           <a:p>
@@ -18820,7 +18637,7 @@
           <a:p>
             <a:r>
               <a:rPr lang="en-US" dirty="0"/>
-              <a:t>I call this 5 min snippet which basically means that at the end of every class about 5 minutes I will show you some of the most interesting (at least in my opinion) and state-of-the-art research methods in marketing and in various social science disciplines. Since I cannot teach you guys these materials formally and have to adhere strictly to the marketing research textbook. This is my way to rebel.  However, I do understand the reason that our program requires you guys learn the basic (bread and butter) of marketing research. But since this is the only marketing research you’re required to take before graduation, I don’t think you have a chance to learn more methods. Hence, I hope at least I can introduce that there are more out there that you can learn to be more competitive on the job market. </a:t>
+              <a:t>I call this 5-min snippet which basically means that at the end of every class about 5 minutes I will show you some of the most interesting (at least in my opinion) and state-of-the-art research methods in marketing and in various social science disciplines. Since I cannot teach you these materials formally and have to adhere strictly to the marketing research textbook. This is my way to rebel.  However, I do understand the reason that our program requires you guys learn the basic (bread and butter) of marketing research. But since this is the only marketing research you’re required to take before graduation, I don’t think you have a chance to learn more methods. Hence, I hope at least I can introduce that there are more out there that you can learn to be more competitive on the job market. </a:t>
             </a:r>
           </a:p>
           <a:p>
@@ -18934,6 +18751,15 @@
               <a:t>We will cover the first chapter </a:t>
             </a:r>
           </a:p>
+          <a:p>
+            <a:endParaRPr lang="en-US" dirty="0"/>
+          </a:p>
+          <a:p>
+            <a:r>
+              <a:rPr lang="en-US" dirty="0"/>
+              <a:t>Marketing definition, its purpose, its process and a few examples of marketing research </a:t>
+            </a:r>
+          </a:p>
         </p:txBody>
       </p:sp>
       <p:sp>
@@ -19331,7 +19157,7 @@
           <a:p>
             <a:r>
               <a:rPr lang="en-US" dirty="0"/>
-              <a:t>A marketing research process typically consists of the following phases:</a:t>
+              <a:t>The above definition tied strictly to the marketing research process, which typically consists of the following phases:</a:t>
             </a:r>
           </a:p>
           <a:p>
@@ -19458,6 +19284,51 @@
           <a:bodyPr/>
           <a:lstStyle/>
           <a:p>
+            <a:endParaRPr lang="en-US" dirty="0"/>
+          </a:p>
+          <a:p>
+            <a:endParaRPr lang="en-US" dirty="0"/>
+          </a:p>
+          <a:p>
+            <a:endParaRPr lang="en-US" dirty="0"/>
+          </a:p>
+          <a:p>
+            <a:r>
+              <a:rPr lang="en-US" dirty="0"/>
+              <a:t>So now you have the definition, process and purpose of marketing research, can you identify a marketing research question? </a:t>
+            </a:r>
+          </a:p>
+          <a:p>
+            <a:endParaRPr lang="en-US" dirty="0"/>
+          </a:p>
+          <a:p>
+            <a:endParaRPr lang="en-US" dirty="0"/>
+          </a:p>
+          <a:p>
+            <a:endParaRPr lang="en-US" dirty="0"/>
+          </a:p>
+          <a:p>
+            <a:endParaRPr lang="en-US" dirty="0"/>
+          </a:p>
+          <a:p>
+            <a:endParaRPr lang="en-US" dirty="0"/>
+          </a:p>
+          <a:p>
+            <a:endParaRPr lang="en-US" dirty="0"/>
+          </a:p>
+          <a:p>
+            <a:endParaRPr lang="en-US" dirty="0"/>
+          </a:p>
+          <a:p>
+            <a:endParaRPr lang="en-US" dirty="0"/>
+          </a:p>
+          <a:p>
+            <a:endParaRPr lang="en-US" dirty="0"/>
+          </a:p>
+          <a:p>
+            <a:endParaRPr lang="en-US" dirty="0"/>
+          </a:p>
+          <a:p>
             <a:r>
               <a:rPr lang="en-US" dirty="0"/>
               <a:t>The goal of marketing research is to create exchanges with customers that satisfy the needs of both the customer and the marketer </a:t>
@@ -19550,6 +19421,21 @@
           <a:p>
             <a:r>
               <a:rPr lang="en-US" dirty="0"/>
+              <a:t>So these are examples of marketing research </a:t>
+            </a:r>
+          </a:p>
+          <a:p>
+            <a:endParaRPr lang="en-US" dirty="0"/>
+          </a:p>
+          <a:p>
+            <a:endParaRPr lang="en-US" dirty="0"/>
+          </a:p>
+          <a:p>
+            <a:endParaRPr lang="en-US" dirty="0"/>
+          </a:p>
+          <a:p>
+            <a:r>
+              <a:rPr lang="en-US" dirty="0"/>
               <a:t>What percentage of our target market remembers our brand name? </a:t>
             </a:r>
           </a:p>
@@ -19712,6 +19598,12 @@
             </a:r>
           </a:p>
           <a:p>
+            <a:r>
+              <a:rPr lang="en-US" dirty="0"/>
+              <a:t>I will say my target as a consumer, and you can tell me which agency first comes to your mind</a:t>
+            </a:r>
+          </a:p>
+          <a:p>
             <a:endParaRPr lang="en-US" dirty="0"/>
           </a:p>
           <a:p>
@@ -20058,64 +19950,152 @@
           <a:lstStyle/>
           <a:p>
             <a:r>
-              <a:rPr lang="en-US" b="0" dirty="0"/>
-              <a:t>Using your answers, we can perform some exploratory analysis to get insights from this blob of texts.</a:t>
+              <a:rPr lang="en-US" dirty="0"/>
+              <a:t>The Schelling model of segregation is an agent-based model that illustrates how individual tendencies regarding neighbors can lead to segregation</a:t>
             </a:r>
           </a:p>
           <a:p>
-            <a:endParaRPr lang="en-US" b="0" dirty="0"/>
-          </a:p>
-          <a:p>
             <a:r>
-              <a:rPr lang="en-US" b="0" dirty="0"/>
-              <a:t>R-script:</a:t>
+              <a:rPr lang="en-US" dirty="0"/>
+              <a:t>Also known as racial segregation, residential segregation </a:t>
             </a:r>
           </a:p>
           <a:p>
-            <a:endParaRPr lang="en-US" b="0" dirty="0"/>
+            <a:endParaRPr lang="en-US" dirty="0"/>
           </a:p>
           <a:p>
             <a:r>
-              <a:rPr lang="en-US" b="1" dirty="0"/>
-              <a:t>What is your name? </a:t>
+              <a:rPr lang="en-US" dirty="0"/>
+              <a:t>Thomas Schelling </a:t>
             </a:r>
             <a:r>
-              <a:rPr lang="en-US" dirty="0"/>
-              <a:t>State your name and where you are from </a:t>
-            </a:r>
-          </a:p>
-          <a:p>
-            <a:r>
-              <a:rPr lang="en-US" b="1" dirty="0"/>
-              <a:t>What is your quest? </a:t>
+              <a:rPr lang="en-US" b="0" i="0" dirty="0">
+                <a:solidFill>
+                  <a:srgbClr val="202122"/>
+                </a:solidFill>
+                <a:effectLst/>
+                <a:latin typeface="Arial" panose="020B0604020202020204" pitchFamily="34" charset="0"/>
+              </a:rPr>
+              <a:t>He was awarded the 2005 </a:t>
             </a:r>
             <a:r>
-              <a:rPr lang="en-US" dirty="0"/>
-              <a:t>What year are you (e.g., junior, senior)? What would you like to do at the end of your program (e.g., sales agent, marketing consultant, etc.)?</a:t>
-            </a:r>
-          </a:p>
-          <a:p>
-            <a:r>
-              <a:rPr lang="en-US" b="1" dirty="0"/>
-              <a:t>What is your favorite color? </a:t>
+              <a:rPr lang="en-US" b="0" i="0" u="sng" dirty="0">
+                <a:solidFill>
+                  <a:srgbClr val="0645AD"/>
+                </a:solidFill>
+                <a:effectLst/>
+                <a:latin typeface="Arial" panose="020B0604020202020204" pitchFamily="34" charset="0"/>
+                <a:hlinkClick r:id="rId3"/>
+              </a:rPr>
+              <a:t>Nobel Memorial Prize in Economic Sciences</a:t>
             </a:r>
             <a:r>
-              <a:rPr lang="en-US" dirty="0"/>
-              <a:t>Tell an interesting fact, hobby, or experience you have. </a:t>
-            </a:r>
-          </a:p>
-          <a:p>
-            <a:r>
-              <a:rPr lang="en-US" b="1" dirty="0"/>
-              <a:t>What is the airspeed velocity of an unladen swallow? </a:t>
+              <a:rPr lang="en-US" b="0" i="0" u="sng" dirty="0">
+                <a:solidFill>
+                  <a:srgbClr val="0645AD"/>
+                </a:solidFill>
+                <a:effectLst/>
+                <a:latin typeface="Arial" panose="020B0604020202020204" pitchFamily="34" charset="0"/>
+              </a:rPr>
+              <a:t> </a:t>
             </a:r>
             <a:r>
+              <a:rPr lang="en-US" b="0" i="0" u="none" dirty="0">
+                <a:solidFill>
+                  <a:srgbClr val="0645AD"/>
+                </a:solidFill>
+                <a:effectLst/>
+                <a:latin typeface="Arial" panose="020B0604020202020204" pitchFamily="34" charset="0"/>
+              </a:rPr>
+              <a:t>Even though not for the his work on segregation, but </a:t>
+            </a:r>
+            <a:r>
+              <a:rPr lang="en-US" b="0" i="0" dirty="0">
+                <a:solidFill>
+                  <a:srgbClr val="202122"/>
+                </a:solidFill>
+                <a:effectLst/>
+                <a:latin typeface="Arial" panose="020B0604020202020204" pitchFamily="34" charset="0"/>
+              </a:rPr>
+              <a:t>for "having enhanced our understanding of conflict and cooperation through </a:t>
+            </a:r>
+            <a:r>
+              <a:rPr lang="en-US" b="0" i="0" u="none" strike="noStrike" dirty="0">
+                <a:solidFill>
+                  <a:srgbClr val="0645AD"/>
+                </a:solidFill>
+                <a:effectLst/>
+                <a:latin typeface="Arial" panose="020B0604020202020204" pitchFamily="34" charset="0"/>
+                <a:hlinkClick r:id="rId4" tooltip="Game theory"/>
+              </a:rPr>
+              <a:t>game-theory</a:t>
+            </a:r>
+            <a:r>
+              <a:rPr lang="en-US" b="0" i="0" dirty="0">
+                <a:solidFill>
+                  <a:srgbClr val="202122"/>
+                </a:solidFill>
+                <a:effectLst/>
+                <a:latin typeface="Arial" panose="020B0604020202020204" pitchFamily="34" charset="0"/>
+              </a:rPr>
+              <a:t> analysis</a:t>
+            </a:r>
+          </a:p>
+          <a:p>
+            <a:endParaRPr lang="en-US" b="0" i="0" u="sng" dirty="0">
+              <a:solidFill>
+                <a:srgbClr val="202122"/>
+              </a:solidFill>
+              <a:effectLst/>
+              <a:latin typeface="Arial" panose="020B0604020202020204" pitchFamily="34" charset="0"/>
+            </a:endParaRPr>
+          </a:p>
+          <a:p>
+            <a:r>
+              <a:rPr lang="en-US" b="0" i="0" u="none" dirty="0">
+                <a:solidFill>
+                  <a:srgbClr val="202122"/>
+                </a:solidFill>
+                <a:effectLst/>
+                <a:latin typeface="Arial" panose="020B0604020202020204" pitchFamily="34" charset="0"/>
+              </a:rPr>
+              <a:t>Interestingly, back then, when we wrote his journal article, he did all of the moving by himself. But now we can observe his work in seconds thanks to computer simulation</a:t>
+            </a:r>
+            <a:endParaRPr lang="en-US" b="0" i="0" u="none" dirty="0">
+              <a:solidFill>
+                <a:srgbClr val="0645AD"/>
+              </a:solidFill>
+              <a:effectLst/>
+              <a:latin typeface="Arial" panose="020B0604020202020204" pitchFamily="34" charset="0"/>
+            </a:endParaRPr>
+          </a:p>
+          <a:p>
+            <a:endParaRPr lang="en-US" dirty="0"/>
+          </a:p>
+          <a:p>
+            <a:r>
               <a:rPr lang="en-US" dirty="0"/>
-              <a:t>Some questions are just hard! What question would you like to be able to answer at the end of this course? In other words, what would you like to learn about marketing research? </a:t>
+              <a:t>This project models the behavior of two types of turtles in a mythical pond. The red turtles and green turtles get along with one another. But each turtle wants to make sure that it lives near some of “its own.” That is, each red turtle wants to live near at least some red turtles, and each green turtle wants to live near at least some green turtles. The simulation shows how these individual preferences ripple through the pond, leading to large-scale patterns. </a:t>
             </a:r>
           </a:p>
           <a:p>
+            <a:r>
+              <a:rPr lang="en-US" dirty="0"/>
+              <a:t>This model was inspired by Thomas Schelling’s writings about social systems (particularly with regards to housing segregation in cities</a:t>
+            </a:r>
+            <a:r>
+              <a:rPr lang="en-US"/>
+              <a:t>). </a:t>
+            </a:r>
+          </a:p>
+          <a:p>
             <a:endParaRPr lang="en-US" dirty="0"/>
+          </a:p>
+          <a:p>
+            <a:r>
+              <a:rPr lang="en-US" dirty="0"/>
+              <a:t>Try 15 40, 60, 85 percent </a:t>
+            </a:r>
           </a:p>
         </p:txBody>
       </p:sp>
@@ -20137,6 +20117,148 @@
             <a:fld id="{BC849E9A-41F7-4779-A581-48A7C374A227}" type="slidenum">
               <a:rPr lang="en-US" smtClean="0"/>
               <a:t>25</a:t>
+            </a:fld>
+            <a:endParaRPr lang="en-US" dirty="0"/>
+          </a:p>
+        </p:txBody>
+      </p:sp>
+    </p:spTree>
+    <p:extLst>
+      <p:ext uri="{BB962C8B-B14F-4D97-AF65-F5344CB8AC3E}">
+        <p14:creationId xmlns:p14="http://schemas.microsoft.com/office/powerpoint/2010/main" val="1015134022"/>
+      </p:ext>
+    </p:extLst>
+  </p:cSld>
+  <p:clrMapOvr>
+    <a:masterClrMapping/>
+  </p:clrMapOvr>
+</p:notes>
+</file>
+
+<file path=ppt/notesSlides/notesSlide22.xml><?xml version="1.0" encoding="utf-8"?>
+<p:notes xmlns:a="http://schemas.openxmlformats.org/drawingml/2006/main" xmlns:r="http://schemas.openxmlformats.org/officeDocument/2006/relationships" xmlns:p="http://schemas.openxmlformats.org/presentationml/2006/main">
+  <p:cSld>
+    <p:spTree>
+      <p:nvGrpSpPr>
+        <p:cNvPr id="1" name=""/>
+        <p:cNvGrpSpPr/>
+        <p:nvPr/>
+      </p:nvGrpSpPr>
+      <p:grpSpPr>
+        <a:xfrm>
+          <a:off x="0" y="0"/>
+          <a:ext cx="0" cy="0"/>
+          <a:chOff x="0" y="0"/>
+          <a:chExt cx="0" cy="0"/>
+        </a:xfrm>
+      </p:grpSpPr>
+      <p:sp>
+        <p:nvSpPr>
+          <p:cNvPr id="2" name="Slide Image Placeholder 1"/>
+          <p:cNvSpPr>
+            <a:spLocks noGrp="1" noRot="1" noChangeAspect="1"/>
+          </p:cNvSpPr>
+          <p:nvPr>
+            <p:ph type="sldImg"/>
+          </p:nvPr>
+        </p:nvSpPr>
+        <p:spPr/>
+      </p:sp>
+      <p:sp>
+        <p:nvSpPr>
+          <p:cNvPr id="3" name="Notes Placeholder 2"/>
+          <p:cNvSpPr>
+            <a:spLocks noGrp="1"/>
+          </p:cNvSpPr>
+          <p:nvPr>
+            <p:ph type="body" idx="1"/>
+          </p:nvPr>
+        </p:nvSpPr>
+        <p:spPr/>
+        <p:txBody>
+          <a:bodyPr/>
+          <a:lstStyle/>
+          <a:p>
+            <a:r>
+              <a:rPr lang="en-US" b="0" dirty="0"/>
+              <a:t>Using your answers, we can perform some exploratory analysis to get insights from this blob of texts.</a:t>
+            </a:r>
+          </a:p>
+          <a:p>
+            <a:endParaRPr lang="en-US" b="0" dirty="0"/>
+          </a:p>
+          <a:p>
+            <a:r>
+              <a:rPr lang="en-US" b="0" dirty="0"/>
+              <a:t>R-script:</a:t>
+            </a:r>
+          </a:p>
+          <a:p>
+            <a:endParaRPr lang="en-US" b="0" dirty="0"/>
+          </a:p>
+          <a:p>
+            <a:r>
+              <a:rPr lang="en-US" b="1" dirty="0"/>
+              <a:t>What is your name? </a:t>
+            </a:r>
+            <a:r>
+              <a:rPr lang="en-US" dirty="0"/>
+              <a:t>State your name and where you are from </a:t>
+            </a:r>
+          </a:p>
+          <a:p>
+            <a:r>
+              <a:rPr lang="en-US" b="1" dirty="0"/>
+              <a:t>What is your quest? </a:t>
+            </a:r>
+            <a:r>
+              <a:rPr lang="en-US" dirty="0"/>
+              <a:t>What year are you (e.g., junior, senior)? What would you like to do at the end of your program (e.g., sales agent, marketing consultant, etc.)?</a:t>
+            </a:r>
+          </a:p>
+          <a:p>
+            <a:r>
+              <a:rPr lang="en-US" b="1" dirty="0"/>
+              <a:t>What is your favorite color? </a:t>
+            </a:r>
+            <a:r>
+              <a:rPr lang="en-US" dirty="0"/>
+              <a:t>Tell an interesting fact, hobby, or experience you have. </a:t>
+            </a:r>
+          </a:p>
+          <a:p>
+            <a:r>
+              <a:rPr lang="en-US" b="1" dirty="0"/>
+              <a:t>What is the airspeed velocity of an unladen swallow? </a:t>
+            </a:r>
+            <a:r>
+              <a:rPr lang="en-US" dirty="0"/>
+              <a:t>Some questions are just hard! What question would you like to be able to answer at the end of this course? In other words, what would you like to learn about marketing research? </a:t>
+            </a:r>
+          </a:p>
+          <a:p>
+            <a:endParaRPr lang="en-US" dirty="0"/>
+          </a:p>
+        </p:txBody>
+      </p:sp>
+      <p:sp>
+        <p:nvSpPr>
+          <p:cNvPr id="4" name="Slide Number Placeholder 3"/>
+          <p:cNvSpPr>
+            <a:spLocks noGrp="1"/>
+          </p:cNvSpPr>
+          <p:nvPr>
+            <p:ph type="sldNum" sz="quarter" idx="5"/>
+          </p:nvPr>
+        </p:nvSpPr>
+        <p:spPr/>
+        <p:txBody>
+          <a:bodyPr/>
+          <a:lstStyle/>
+          <a:p>
+            <a:fld id="{BC849E9A-41F7-4779-A581-48A7C374A227}" type="slidenum">
+              <a:rPr lang="en-US" smtClean="0"/>
+              <a:t>26</a:t>
             </a:fld>
             <a:endParaRPr lang="en-US" dirty="0"/>
           </a:p>
@@ -20225,7 +20347,7 @@
           <a:p>
             <a:r>
               <a:rPr lang="en-US" dirty="0"/>
-              <a:t>You can find out more info about me on Mizzou or on my personal website </a:t>
+              <a:t>You can find out more info about me on my Mizzou page or on my personal website </a:t>
             </a:r>
           </a:p>
           <a:p>
@@ -20285,7 +20407,7 @@
             </a:r>
             <a:r>
               <a:rPr lang="en-US" dirty="0"/>
-              <a:t> don’t hesitate to let me know. I’d really appreciate it. I’d not take it personal.</a:t>
+              <a:t> let me know. I’d really appreciate it. I’d not take it personal.</a:t>
             </a:r>
           </a:p>
           <a:p>
@@ -20495,7 +20617,7 @@
           <a:p>
             <a:r>
               <a:rPr lang="en-US" dirty="0"/>
-              <a:t>Since this is my first marketing research class, there might be typos or broken Links somewhere. Please let me know if you can’t access the materials. </a:t>
+              <a:t>Since this is my first marketing research class, there might some be typos or broken Links somewhere. Please let me know if you can’t access the materials. </a:t>
             </a:r>
           </a:p>
           <a:p>
@@ -20504,7 +20626,16 @@
           <a:p>
             <a:r>
               <a:rPr lang="en-US" dirty="0"/>
-              <a:t>Now, we can go through the syllabus together. </a:t>
+              <a:t>And you can just interrupt me if you have a question. </a:t>
+            </a:r>
+          </a:p>
+          <a:p>
+            <a:endParaRPr lang="en-US" dirty="0"/>
+          </a:p>
+          <a:p>
+            <a:r>
+              <a:rPr lang="en-US" dirty="0"/>
+              <a:t>Now, we can go over the syllabus together. </a:t>
             </a:r>
           </a:p>
           <a:p>
@@ -20597,7 +20728,7 @@
           <a:p>
             <a:r>
               <a:rPr lang="en-US" dirty="0"/>
-              <a:t>This is straight from the syllabus, so if you guys can pull up on your computer or print it out, it would be easier to follow along. It would come in handy later when you want to refer back to these policies. </a:t>
+              <a:t>This is straight from the syllabus, so if you guys can pull up on your computer, your phone or print it out, it would be easier to follow along. It would come in handy later when you want to refer back to these policies. </a:t>
             </a:r>
           </a:p>
           <a:p>
@@ -20608,6 +20739,39 @@
               <a:rPr lang="en-US" dirty="0"/>
               <a:t>Everyday, you will receive attendance points just by being in class </a:t>
             </a:r>
+          </a:p>
+          <a:p>
+            <a:endParaRPr lang="en-US" dirty="0"/>
+          </a:p>
+          <a:p>
+            <a:endParaRPr lang="en-US" dirty="0"/>
+          </a:p>
+          <a:p>
+            <a:endParaRPr lang="en-US" dirty="0"/>
+          </a:p>
+          <a:p>
+            <a:endParaRPr lang="en-US" dirty="0"/>
+          </a:p>
+          <a:p>
+            <a:endParaRPr lang="en-US" dirty="0"/>
+          </a:p>
+          <a:p>
+            <a:endParaRPr lang="en-US" dirty="0"/>
+          </a:p>
+          <a:p>
+            <a:endParaRPr lang="en-US" dirty="0"/>
+          </a:p>
+          <a:p>
+            <a:endParaRPr lang="en-US" dirty="0"/>
+          </a:p>
+          <a:p>
+            <a:endParaRPr lang="en-US" dirty="0"/>
+          </a:p>
+          <a:p>
+            <a:endParaRPr lang="en-US" dirty="0"/>
+          </a:p>
+          <a:p>
+            <a:endParaRPr lang="en-US" dirty="0"/>
           </a:p>
           <a:p>
             <a:r>
@@ -20829,7 +20993,7 @@
           <a:p>
             <a:r>
               <a:rPr lang="en-US" dirty="0"/>
-              <a:t>Remember quizzes require you to have lockdown browser. </a:t>
+              <a:t>Remember, quizzes require you to have lockdown browser. </a:t>
             </a:r>
           </a:p>
           <a:p>
@@ -20839,6 +21003,15 @@
             <a:r>
               <a:rPr lang="en-US" dirty="0"/>
               <a:t>And please do the practice quiz before doing a real one (go to practice quiz)</a:t>
+            </a:r>
+          </a:p>
+          <a:p>
+            <a:endParaRPr lang="en-US" dirty="0"/>
+          </a:p>
+          <a:p>
+            <a:r>
+              <a:rPr lang="en-US" dirty="0"/>
+              <a:t>More specifically, (go into the slide) </a:t>
             </a:r>
           </a:p>
           <a:p>
@@ -21035,9 +21208,53 @@
           </a:p>
           <a:p>
             <a:r>
+              <a:rPr lang="en-US" dirty="0">
+                <a:highlight>
+                  <a:srgbClr val="FFFF00"/>
+                </a:highlight>
+              </a:rPr>
+              <a:t>(Now go to the project assignments)</a:t>
+            </a:r>
+          </a:p>
+          <a:p>
+            <a:endParaRPr lang="en-US" dirty="0">
+              <a:highlight>
+                <a:srgbClr val="FFFF00"/>
+              </a:highlight>
+            </a:endParaRPr>
+          </a:p>
+          <a:p>
+            <a:pPr marL="0" marR="0" lvl="0" indent="0" algn="l" defTabSz="914400" rtl="0" eaLnBrk="1" fontAlgn="auto" latinLnBrk="0" hangingPunct="1">
+              <a:lnSpc>
+                <a:spcPct val="100000"/>
+              </a:lnSpc>
+              <a:spcBef>
+                <a:spcPts val="0"/>
+              </a:spcBef>
+              <a:spcAft>
+                <a:spcPts val="0"/>
+              </a:spcAft>
+              <a:buClrTx/>
+              <a:buSzTx/>
+              <a:buFontTx/>
+              <a:buNone/>
+              <a:tabLst/>
+              <a:defRPr/>
+            </a:pPr>
+            <a:r>
               <a:rPr lang="en-US" dirty="0"/>
-              <a:t>Now go to the project assignments</a:t>
+              <a:t>Let students mingle </a:t>
             </a:r>
+          </a:p>
+          <a:p>
+            <a:endParaRPr lang="en-US" dirty="0">
+              <a:highlight>
+                <a:srgbClr val="FFFF00"/>
+              </a:highlight>
+            </a:endParaRPr>
+          </a:p>
+          <a:p>
+            <a:endParaRPr lang="en-US" dirty="0"/>
           </a:p>
         </p:txBody>
       </p:sp>
@@ -21224,7 +21441,7 @@
           <a:p>
             <a:fld id="{8309642E-A968-44B8-ACE3-90EBEDDD398D}" type="datetime1">
               <a:rPr lang="en-US" smtClean="0"/>
-              <a:t>8/20/2021</a:t>
+              <a:t>8/22/2021</a:t>
             </a:fld>
             <a:endParaRPr lang="en-US" dirty="0"/>
           </a:p>
@@ -21426,7 +21643,7 @@
           <a:p>
             <a:fld id="{2C88C5C9-6B9B-4CFA-979A-ECC03C5FF465}" type="datetime1">
               <a:rPr lang="en-US" smtClean="0"/>
-              <a:t>8/20/2021</a:t>
+              <a:t>8/22/2021</a:t>
             </a:fld>
             <a:endParaRPr lang="en-US" dirty="0"/>
           </a:p>
@@ -21638,7 +21855,7 @@
           <a:p>
             <a:fld id="{DC44DC0C-FBF5-4717-92E2-F4E5E6FE63C5}" type="datetime1">
               <a:rPr lang="en-US" smtClean="0"/>
-              <a:t>8/20/2021</a:t>
+              <a:t>8/22/2021</a:t>
             </a:fld>
             <a:endParaRPr lang="en-US" dirty="0"/>
           </a:p>
@@ -21840,7 +22057,7 @@
           <a:p>
             <a:fld id="{F7396869-A527-4DDE-A87F-2FAD93591CD6}" type="datetime1">
               <a:rPr lang="en-US" smtClean="0"/>
-              <a:t>8/20/2021</a:t>
+              <a:t>8/22/2021</a:t>
             </a:fld>
             <a:endParaRPr lang="en-US" dirty="0"/>
           </a:p>
@@ -22119,7 +22336,7 @@
           <a:p>
             <a:fld id="{E0B9E5B0-5213-4A85-8072-65B30E4AAA7C}" type="datetime1">
               <a:rPr lang="en-US" smtClean="0"/>
-              <a:t>8/20/2021</a:t>
+              <a:t>8/22/2021</a:t>
             </a:fld>
             <a:endParaRPr lang="en-US" dirty="0"/>
           </a:p>
@@ -22388,7 +22605,7 @@
           <a:p>
             <a:fld id="{1E1C311C-4227-43C8-B657-7AFFBA651C5D}" type="datetime1">
               <a:rPr lang="en-US" smtClean="0"/>
-              <a:t>8/20/2021</a:t>
+              <a:t>8/22/2021</a:t>
             </a:fld>
             <a:endParaRPr lang="en-US" dirty="0"/>
           </a:p>
@@ -22804,7 +23021,7 @@
           <a:p>
             <a:fld id="{4892BA78-636B-4087-93C1-12DC82F8BA9E}" type="datetime1">
               <a:rPr lang="en-US" smtClean="0"/>
-              <a:t>8/20/2021</a:t>
+              <a:t>8/22/2021</a:t>
             </a:fld>
             <a:endParaRPr lang="en-US" dirty="0"/>
           </a:p>
@@ -22949,7 +23166,7 @@
           <a:p>
             <a:fld id="{62127D47-33AC-4EB8-88BF-73A09525E3C6}" type="datetime1">
               <a:rPr lang="en-US" smtClean="0"/>
-              <a:t>8/20/2021</a:t>
+              <a:t>8/22/2021</a:t>
             </a:fld>
             <a:endParaRPr lang="en-US" dirty="0"/>
           </a:p>
@@ -23066,7 +23283,7 @@
           <a:p>
             <a:fld id="{F67EABE3-FF1B-4439-8181-10F3B1916892}" type="datetime1">
               <a:rPr lang="en-US" smtClean="0"/>
-              <a:t>8/20/2021</a:t>
+              <a:t>8/22/2021</a:t>
             </a:fld>
             <a:endParaRPr lang="en-US" dirty="0"/>
           </a:p>
@@ -23381,7 +23598,7 @@
           <a:p>
             <a:fld id="{E100E4BB-DE2B-43F9-8988-838425CC0DCC}" type="datetime1">
               <a:rPr lang="en-US" smtClean="0"/>
-              <a:t>8/20/2021</a:t>
+              <a:t>8/22/2021</a:t>
             </a:fld>
             <a:endParaRPr lang="en-US" dirty="0"/>
           </a:p>
@@ -23677,7 +23894,7 @@
           <a:p>
             <a:fld id="{F0231CB1-42AC-4A7B-8114-59E8BE22884B}" type="datetime1">
               <a:rPr lang="en-US" smtClean="0"/>
-              <a:t>8/20/2021</a:t>
+              <a:t>8/22/2021</a:t>
             </a:fld>
             <a:endParaRPr lang="en-US" dirty="0"/>
           </a:p>
@@ -23922,7 +24139,7 @@
           <a:p>
             <a:fld id="{840AEFE5-39FE-49F0-BD01-3399A6CA78BB}" type="datetime1">
               <a:rPr lang="en-US" smtClean="0"/>
-              <a:t>8/20/2021</a:t>
+              <a:t>8/22/2021</a:t>
             </a:fld>
             <a:endParaRPr lang="en-US" dirty="0"/>
           </a:p>
@@ -29621,12 +29838,12 @@
         </p:spPr>
         <p:txBody>
           <a:bodyPr vert="horz" lIns="91440" tIns="45720" rIns="91440" bIns="45720" rtlCol="0" anchor="b">
-            <a:normAutofit/>
+            <a:normAutofit fontScale="90000"/>
           </a:bodyPr>
           <a:lstStyle/>
           <a:p>
             <a:r>
-              <a:rPr lang="en-US" sz="6100" kern="1200">
+              <a:rPr lang="en-US" sz="6100" kern="1200" dirty="0">
                 <a:solidFill>
                   <a:schemeClr val="tx1"/>
                 </a:solidFill>
@@ -29634,7 +29851,28 @@
                 <a:ea typeface="+mj-ea"/>
                 <a:cs typeface="+mj-cs"/>
               </a:rPr>
-              <a:t>What is marketing in your own term?</a:t>
+              <a:t>What is marketing</a:t>
+            </a:r>
+            <a:br>
+              <a:rPr lang="en-US" sz="6100" kern="1200" dirty="0">
+                <a:solidFill>
+                  <a:schemeClr val="tx1"/>
+                </a:solidFill>
+                <a:latin typeface="+mj-lt"/>
+                <a:ea typeface="+mj-ea"/>
+                <a:cs typeface="+mj-cs"/>
+              </a:rPr>
+            </a:br>
+            <a:r>
+              <a:rPr lang="en-US" sz="6100" kern="1200" dirty="0">
+                <a:solidFill>
+                  <a:schemeClr val="tx1"/>
+                </a:solidFill>
+                <a:latin typeface="+mj-lt"/>
+                <a:ea typeface="+mj-ea"/>
+                <a:cs typeface="+mj-cs"/>
+              </a:rPr>
+              <a:t>research in your own term?</a:t>
             </a:r>
           </a:p>
         </p:txBody>
@@ -34012,7 +34250,7 @@
             <p:ph idx="1"/>
             <p:extLst>
               <p:ext uri="{D42A27DB-BD31-4B8C-83A1-F6EECF244321}">
-                <p14:modId xmlns:p14="http://schemas.microsoft.com/office/powerpoint/2010/main" val="1017398727"/>
+                <p14:modId xmlns:p14="http://schemas.microsoft.com/office/powerpoint/2010/main" val="4047214211"/>
               </p:ext>
             </p:extLst>
           </p:nvPr>
@@ -34375,6 +34613,14 @@
 <file path=ppt/slides/slide21.xml><?xml version="1.0" encoding="utf-8"?>
 <p:sld xmlns:a="http://schemas.openxmlformats.org/drawingml/2006/main" xmlns:r="http://schemas.openxmlformats.org/officeDocument/2006/relationships" xmlns:p="http://schemas.openxmlformats.org/presentationml/2006/main">
   <p:cSld>
+    <p:bg>
+      <p:bgPr>
+        <a:solidFill>
+          <a:schemeClr val="bg1"/>
+        </a:solidFill>
+        <a:effectLst/>
+      </p:bgPr>
+    </p:bg>
     <p:spTree>
       <p:nvGrpSpPr>
         <p:cNvPr id="1" name=""/>
@@ -34389,6 +34635,328 @@
           <a:chExt cx="0" cy="0"/>
         </a:xfrm>
       </p:grpSpPr>
+      <p:sp useBgFill="1">
+        <p:nvSpPr>
+          <p:cNvPr id="10" name="Rectangle 9">
+            <a:extLst>
+              <a:ext uri="{FF2B5EF4-FFF2-40B4-BE49-F238E27FC236}">
+                <a16:creationId xmlns:a16="http://schemas.microsoft.com/office/drawing/2014/main" id="{C7FA33FF-088D-4F16-95A2-2C64D353DEA8}"/>
+              </a:ext>
+              <a:ext uri="{C183D7F6-B498-43B3-948B-1728B52AA6E4}">
+                <adec:decorative xmlns:adec="http://schemas.microsoft.com/office/drawing/2017/decorative" val="1"/>
+              </a:ext>
+            </a:extLst>
+          </p:cNvPr>
+          <p:cNvSpPr>
+            <a:spLocks noGrp="1" noRot="1" noChangeAspect="1" noMove="1" noResize="1" noEditPoints="1" noAdjustHandles="1" noChangeArrowheads="1" noChangeShapeType="1" noTextEdit="1"/>
+          </p:cNvSpPr>
+          <p:nvPr>
+            <p:extLst>
+              <p:ext uri="{386F3935-93C4-4BCD-93E2-E3B085C9AB24}">
+                <p16:designElem xmlns:p16="http://schemas.microsoft.com/office/powerpoint/2015/main" val="1"/>
+              </p:ext>
+            </p:extLst>
+          </p:nvPr>
+        </p:nvSpPr>
+        <p:spPr>
+          <a:xfrm>
+            <a:off x="1524" y="0"/>
+            <a:ext cx="12188952" cy="6858000"/>
+          </a:xfrm>
+          <a:prstGeom prst="rect">
+            <a:avLst/>
+          </a:prstGeom>
+          <a:ln>
+            <a:noFill/>
+          </a:ln>
+        </p:spPr>
+        <p:style>
+          <a:lnRef idx="2">
+            <a:schemeClr val="accent1">
+              <a:shade val="50000"/>
+            </a:schemeClr>
+          </a:lnRef>
+          <a:fillRef idx="1">
+            <a:schemeClr val="accent1"/>
+          </a:fillRef>
+          <a:effectRef idx="0">
+            <a:schemeClr val="accent1"/>
+          </a:effectRef>
+          <a:fontRef idx="minor">
+            <a:schemeClr val="lt1"/>
+          </a:fontRef>
+        </p:style>
+        <p:txBody>
+          <a:bodyPr rtlCol="0" anchor="ctr"/>
+          <a:lstStyle/>
+          <a:p>
+            <a:pPr marL="0" marR="0" lvl="0" indent="0" algn="ctr" defTabSz="914400" rtl="0" eaLnBrk="1" fontAlgn="auto" latinLnBrk="0" hangingPunct="1">
+              <a:lnSpc>
+                <a:spcPct val="100000"/>
+              </a:lnSpc>
+              <a:spcBef>
+                <a:spcPts val="0"/>
+              </a:spcBef>
+              <a:spcAft>
+                <a:spcPts val="0"/>
+              </a:spcAft>
+              <a:buClrTx/>
+              <a:buSzTx/>
+              <a:buFontTx/>
+              <a:buNone/>
+              <a:tabLst/>
+              <a:defRPr/>
+            </a:pPr>
+            <a:endParaRPr kumimoji="0" lang="en-US" sz="1800" b="0" i="0" u="none" strike="noStrike" kern="1200" cap="none" spc="0" normalizeH="0" baseline="0" noProof="0">
+              <a:ln>
+                <a:noFill/>
+              </a:ln>
+              <a:solidFill>
+                <a:prstClr val="white"/>
+              </a:solidFill>
+              <a:effectLst/>
+              <a:uLnTx/>
+              <a:uFillTx/>
+              <a:latin typeface="Calibri" panose="020F0502020204030204"/>
+              <a:ea typeface="+mn-ea"/>
+              <a:cs typeface="+mn-cs"/>
+            </a:endParaRPr>
+          </a:p>
+        </p:txBody>
+      </p:sp>
+      <p:sp>
+        <p:nvSpPr>
+          <p:cNvPr id="12" name="Rectangle 11">
+            <a:extLst>
+              <a:ext uri="{FF2B5EF4-FFF2-40B4-BE49-F238E27FC236}">
+                <a16:creationId xmlns:a16="http://schemas.microsoft.com/office/drawing/2014/main" id="{A376EFB1-01CF-419F-ABF1-2AF02BBFCBD1}"/>
+              </a:ext>
+              <a:ext uri="{C183D7F6-B498-43B3-948B-1728B52AA6E4}">
+                <adec:decorative xmlns:adec="http://schemas.microsoft.com/office/drawing/2017/decorative" val="1"/>
+              </a:ext>
+            </a:extLst>
+          </p:cNvPr>
+          <p:cNvSpPr>
+            <a:spLocks noGrp="1" noRot="1" noChangeAspect="1" noMove="1" noResize="1" noEditPoints="1" noAdjustHandles="1" noChangeArrowheads="1" noChangeShapeType="1" noTextEdit="1"/>
+          </p:cNvSpPr>
+          <p:nvPr>
+            <p:extLst>
+              <p:ext uri="{386F3935-93C4-4BCD-93E2-E3B085C9AB24}">
+                <p16:designElem xmlns:p16="http://schemas.microsoft.com/office/powerpoint/2015/main" val="1"/>
+              </p:ext>
+            </p:extLst>
+          </p:nvPr>
+        </p:nvSpPr>
+        <p:spPr>
+          <a:xfrm>
+            <a:off x="0" y="0"/>
+            <a:ext cx="4709160" cy="6858000"/>
+          </a:xfrm>
+          <a:prstGeom prst="rect">
+            <a:avLst/>
+          </a:prstGeom>
+          <a:solidFill>
+            <a:schemeClr val="tx1">
+              <a:alpha val="81000"/>
+            </a:schemeClr>
+          </a:solidFill>
+          <a:ln>
+            <a:noFill/>
+          </a:ln>
+        </p:spPr>
+        <p:style>
+          <a:lnRef idx="2">
+            <a:schemeClr val="accent1">
+              <a:shade val="50000"/>
+            </a:schemeClr>
+          </a:lnRef>
+          <a:fillRef idx="1">
+            <a:schemeClr val="accent1"/>
+          </a:fillRef>
+          <a:effectRef idx="0">
+            <a:schemeClr val="accent1"/>
+          </a:effectRef>
+          <a:fontRef idx="minor">
+            <a:schemeClr val="lt1"/>
+          </a:fontRef>
+        </p:style>
+        <p:txBody>
+          <a:bodyPr rtlCol="0" anchor="ctr"/>
+          <a:lstStyle/>
+          <a:p>
+            <a:pPr marL="0" marR="0" lvl="0" indent="0" algn="ctr" defTabSz="914400" rtl="0" eaLnBrk="1" fontAlgn="auto" latinLnBrk="0" hangingPunct="1">
+              <a:lnSpc>
+                <a:spcPct val="100000"/>
+              </a:lnSpc>
+              <a:spcBef>
+                <a:spcPts val="0"/>
+              </a:spcBef>
+              <a:spcAft>
+                <a:spcPts val="0"/>
+              </a:spcAft>
+              <a:buClrTx/>
+              <a:buSzTx/>
+              <a:buFontTx/>
+              <a:buNone/>
+              <a:tabLst/>
+              <a:defRPr/>
+            </a:pPr>
+            <a:endParaRPr kumimoji="0" lang="en-US" sz="1800" b="0" i="0" u="none" strike="noStrike" kern="1200" cap="none" spc="0" normalizeH="0" baseline="0" noProof="0">
+              <a:ln>
+                <a:noFill/>
+              </a:ln>
+              <a:solidFill>
+                <a:prstClr val="white"/>
+              </a:solidFill>
+              <a:effectLst/>
+              <a:uLnTx/>
+              <a:uFillTx/>
+              <a:latin typeface="Calibri" panose="020F0502020204030204"/>
+              <a:ea typeface="+mn-ea"/>
+              <a:cs typeface="+mn-cs"/>
+            </a:endParaRPr>
+          </a:p>
+        </p:txBody>
+      </p:sp>
+      <p:sp>
+        <p:nvSpPr>
+          <p:cNvPr id="14" name="Freeform: Shape 13">
+            <a:extLst>
+              <a:ext uri="{FF2B5EF4-FFF2-40B4-BE49-F238E27FC236}">
+                <a16:creationId xmlns:a16="http://schemas.microsoft.com/office/drawing/2014/main" id="{FF9DEA15-78BD-4750-AA18-B9F28A6D5AB8}"/>
+              </a:ext>
+              <a:ext uri="{C183D7F6-B498-43B3-948B-1728B52AA6E4}">
+                <adec:decorative xmlns:adec="http://schemas.microsoft.com/office/drawing/2017/decorative" val="1"/>
+              </a:ext>
+            </a:extLst>
+          </p:cNvPr>
+          <p:cNvSpPr>
+            <a:spLocks noGrp="1" noRot="1" noChangeAspect="1" noMove="1" noResize="1" noEditPoints="1" noAdjustHandles="1" noChangeArrowheads="1" noChangeShapeType="1" noTextEdit="1"/>
+          </p:cNvSpPr>
+          <p:nvPr>
+            <p:extLst>
+              <p:ext uri="{386F3935-93C4-4BCD-93E2-E3B085C9AB24}">
+                <p16:designElem xmlns:p16="http://schemas.microsoft.com/office/powerpoint/2015/main" val="1"/>
+              </p:ext>
+            </p:extLst>
+          </p:nvPr>
+        </p:nvSpPr>
+        <p:spPr>
+          <a:xfrm>
+            <a:off x="0" y="0"/>
+            <a:ext cx="3284331" cy="6858000"/>
+          </a:xfrm>
+          <a:custGeom>
+            <a:avLst/>
+            <a:gdLst>
+              <a:gd name="connsiteX0" fmla="*/ 0 w 4319042"/>
+              <a:gd name="connsiteY0" fmla="*/ 0 h 6858000"/>
+              <a:gd name="connsiteX1" fmla="*/ 1142888 w 4319042"/>
+              <a:gd name="connsiteY1" fmla="*/ 0 h 6858000"/>
+              <a:gd name="connsiteX2" fmla="*/ 4319042 w 4319042"/>
+              <a:gd name="connsiteY2" fmla="*/ 6858000 h 6858000"/>
+              <a:gd name="connsiteX3" fmla="*/ 0 w 4319042"/>
+              <a:gd name="connsiteY3" fmla="*/ 6858000 h 6858000"/>
+            </a:gdLst>
+            <a:ahLst/>
+            <a:cxnLst>
+              <a:cxn ang="0">
+                <a:pos x="connsiteX0" y="connsiteY0"/>
+              </a:cxn>
+              <a:cxn ang="0">
+                <a:pos x="connsiteX1" y="connsiteY1"/>
+              </a:cxn>
+              <a:cxn ang="0">
+                <a:pos x="connsiteX2" y="connsiteY2"/>
+              </a:cxn>
+              <a:cxn ang="0">
+                <a:pos x="connsiteX3" y="connsiteY3"/>
+              </a:cxn>
+            </a:cxnLst>
+            <a:rect l="l" t="t" r="r" b="b"/>
+            <a:pathLst>
+              <a:path w="4319042" h="6858000">
+                <a:moveTo>
+                  <a:pt x="0" y="0"/>
+                </a:moveTo>
+                <a:lnTo>
+                  <a:pt x="1142888" y="0"/>
+                </a:lnTo>
+                <a:lnTo>
+                  <a:pt x="4319042" y="6858000"/>
+                </a:lnTo>
+                <a:lnTo>
+                  <a:pt x="0" y="6858000"/>
+                </a:lnTo>
+                <a:close/>
+              </a:path>
+            </a:pathLst>
+          </a:custGeom>
+          <a:solidFill>
+            <a:schemeClr val="tx1">
+              <a:alpha val="35000"/>
+            </a:schemeClr>
+          </a:solidFill>
+          <a:ln>
+            <a:noFill/>
+          </a:ln>
+        </p:spPr>
+        <p:style>
+          <a:lnRef idx="2">
+            <a:schemeClr val="accent1">
+              <a:shade val="50000"/>
+            </a:schemeClr>
+          </a:lnRef>
+          <a:fillRef idx="1">
+            <a:schemeClr val="accent1"/>
+          </a:fillRef>
+          <a:effectRef idx="0">
+            <a:schemeClr val="accent1"/>
+          </a:effectRef>
+          <a:fontRef idx="minor">
+            <a:schemeClr val="lt1"/>
+          </a:fontRef>
+        </p:style>
+        <p:txBody>
+          <a:bodyPr wrap="square" rtlCol="0" anchor="ctr">
+            <a:noAutofit/>
+          </a:bodyPr>
+          <a:lstStyle/>
+          <a:p>
+            <a:pPr marL="0" marR="0" lvl="0" indent="0" algn="ctr" defTabSz="914400" rtl="0" eaLnBrk="1" fontAlgn="auto" latinLnBrk="0" hangingPunct="1">
+              <a:lnSpc>
+                <a:spcPct val="100000"/>
+              </a:lnSpc>
+              <a:spcBef>
+                <a:spcPts val="0"/>
+              </a:spcBef>
+              <a:spcAft>
+                <a:spcPts val="0"/>
+              </a:spcAft>
+              <a:buClrTx/>
+              <a:buSzTx/>
+              <a:buFontTx/>
+              <a:buNone/>
+              <a:tabLst/>
+              <a:defRPr/>
+            </a:pPr>
+            <a:endParaRPr kumimoji="0" lang="en-US" sz="1800" b="0" i="0" u="none" strike="noStrike" kern="1200" cap="none" spc="0" normalizeH="0" baseline="0" noProof="0">
+              <a:ln>
+                <a:noFill/>
+              </a:ln>
+              <a:solidFill>
+                <a:prstClr val="white"/>
+              </a:solidFill>
+              <a:effectLst/>
+              <a:uLnTx/>
+              <a:uFillTx/>
+              <a:latin typeface="Calibri" panose="020F0502020204030204"/>
+              <a:ea typeface="+mn-ea"/>
+              <a:cs typeface="+mn-cs"/>
+            </a:endParaRPr>
+          </a:p>
+        </p:txBody>
+      </p:sp>
       <p:sp>
         <p:nvSpPr>
           <p:cNvPr id="2" name="Title 1">
@@ -34405,13 +34973,24 @@
             <p:ph type="title"/>
           </p:nvPr>
         </p:nvSpPr>
-        <p:spPr/>
+        <p:spPr>
+          <a:xfrm>
+            <a:off x="804672" y="640080"/>
+            <a:ext cx="3282696" cy="5257800"/>
+          </a:xfrm>
+        </p:spPr>
         <p:txBody>
-          <a:bodyPr/>
+          <a:bodyPr>
+            <a:normAutofit/>
+          </a:bodyPr>
           <a:lstStyle/>
           <a:p>
             <a:r>
-              <a:rPr lang="en-US" dirty="0"/>
+              <a:rPr lang="en-US">
+                <a:solidFill>
+                  <a:schemeClr val="bg1"/>
+                </a:solidFill>
+              </a:rPr>
               <a:t>iClicker question </a:t>
             </a:r>
           </a:p>
@@ -34433,9 +35012,14 @@
             <p:ph idx="1"/>
           </p:nvPr>
         </p:nvSpPr>
-        <p:spPr/>
+        <p:spPr>
+          <a:xfrm>
+            <a:off x="5358384" y="640081"/>
+            <a:ext cx="6024654" cy="5257800"/>
+          </a:xfrm>
+        </p:spPr>
         <p:txBody>
-          <a:bodyPr>
+          <a:bodyPr anchor="ctr">
             <a:normAutofit/>
           </a:bodyPr>
           <a:lstStyle/>
@@ -34444,7 +35028,7 @@
               <a:buNone/>
             </a:pPr>
             <a:r>
-              <a:rPr lang="en-US" dirty="0"/>
+              <a:rPr lang="en-US" sz="2400"/>
               <a:t>Which of the following questions can be addressed by utilizing marketing research?</a:t>
             </a:r>
           </a:p>
@@ -34452,29 +35036,29 @@
             <a:pPr marL="0" indent="0">
               <a:buNone/>
             </a:pPr>
-            <a:endParaRPr lang="en-US" dirty="0"/>
+            <a:endParaRPr lang="en-US" sz="2400"/>
           </a:p>
           <a:p>
             <a:r>
-              <a:rPr lang="en-US" dirty="0"/>
+              <a:rPr lang="en-US" sz="2400"/>
               <a:t>What percentage of our target market remembers our brand name? </a:t>
             </a:r>
           </a:p>
           <a:p>
             <a:r>
-              <a:rPr lang="en-US" dirty="0"/>
+              <a:rPr lang="en-US" sz="2400"/>
               <a:t>What kinds of financial firms use our services? </a:t>
             </a:r>
           </a:p>
           <a:p>
             <a:r>
-              <a:rPr lang="en-US" dirty="0"/>
+              <a:rPr lang="en-US" sz="2400"/>
               <a:t>What is our reputation with government regulatory agencies? </a:t>
             </a:r>
           </a:p>
           <a:p>
             <a:r>
-              <a:rPr lang="en-US" dirty="0"/>
+              <a:rPr lang="en-US" sz="2400"/>
               <a:t>All of the above</a:t>
             </a:r>
           </a:p>
@@ -34496,16 +35080,27 @@
             <p:ph type="ftr" sz="quarter" idx="11"/>
           </p:nvPr>
         </p:nvSpPr>
-        <p:spPr/>
+        <p:spPr>
+          <a:xfrm>
+            <a:off x="4038600" y="6356350"/>
+            <a:ext cx="4114800" cy="365125"/>
+          </a:xfrm>
+        </p:spPr>
         <p:txBody>
-          <a:bodyPr/>
+          <a:bodyPr>
+            <a:normAutofit/>
+          </a:bodyPr>
           <a:lstStyle/>
           <a:p>
+            <a:pPr>
+              <a:spcAft>
+                <a:spcPts val="600"/>
+              </a:spcAft>
+            </a:pPr>
             <a:r>
               <a:rPr lang="en-US"/>
               <a:t>Mike Nguyen</a:t>
             </a:r>
-            <a:endParaRPr lang="en-US" dirty="0"/>
           </a:p>
         </p:txBody>
       </p:sp>
@@ -34525,16 +35120,33 @@
             <p:ph type="sldNum" sz="quarter" idx="12"/>
           </p:nvPr>
         </p:nvSpPr>
-        <p:spPr/>
+        <p:spPr>
+          <a:xfrm>
+            <a:off x="8610600" y="6356350"/>
+            <a:ext cx="2743200" cy="365125"/>
+          </a:xfrm>
+        </p:spPr>
         <p:txBody>
-          <a:bodyPr/>
+          <a:bodyPr>
+            <a:normAutofit/>
+          </a:bodyPr>
           <a:lstStyle/>
           <a:p>
+            <a:pPr>
+              <a:spcAft>
+                <a:spcPts val="600"/>
+              </a:spcAft>
+            </a:pPr>
             <a:fld id="{A6AF1B4E-90EC-4A51-B6E5-B702C054ECB0}" type="slidenum">
               <a:rPr lang="en-US" smtClean="0"/>
+              <a:pPr>
+                <a:spcAft>
+                  <a:spcPts val="600"/>
+                </a:spcAft>
+              </a:pPr>
               <a:t>21</a:t>
             </a:fld>
-            <a:endParaRPr lang="en-US" dirty="0"/>
+            <a:endParaRPr lang="en-US"/>
           </a:p>
         </p:txBody>
       </p:sp>
@@ -36992,6 +37604,4492 @@
           <a:chExt cx="0" cy="0"/>
         </a:xfrm>
       </p:grpSpPr>
+      <p:sp useBgFill="1">
+        <p:nvSpPr>
+          <p:cNvPr id="1030" name="Rectangle 72">
+            <a:extLst>
+              <a:ext uri="{FF2B5EF4-FFF2-40B4-BE49-F238E27FC236}">
+                <a16:creationId xmlns:a16="http://schemas.microsoft.com/office/drawing/2014/main" id="{B95B9BA8-1D69-4796-85F5-B6D0BD52354B}"/>
+              </a:ext>
+              <a:ext uri="{C183D7F6-B498-43B3-948B-1728B52AA6E4}">
+                <adec:decorative xmlns:adec="http://schemas.microsoft.com/office/drawing/2017/decorative" val="1"/>
+              </a:ext>
+            </a:extLst>
+          </p:cNvPr>
+          <p:cNvSpPr>
+            <a:spLocks noGrp="1" noRot="1" noChangeAspect="1" noMove="1" noResize="1" noEditPoints="1" noAdjustHandles="1" noChangeArrowheads="1" noChangeShapeType="1" noTextEdit="1"/>
+          </p:cNvSpPr>
+          <p:nvPr>
+            <p:extLst>
+              <p:ext uri="{386F3935-93C4-4BCD-93E2-E3B085C9AB24}">
+                <p16:designElem xmlns:p16="http://schemas.microsoft.com/office/powerpoint/2015/main" val="1"/>
+              </p:ext>
+            </p:extLst>
+          </p:nvPr>
+        </p:nvSpPr>
+        <p:spPr>
+          <a:xfrm>
+            <a:off x="0" y="0"/>
+            <a:ext cx="12192000" cy="6858000"/>
+          </a:xfrm>
+          <a:prstGeom prst="rect">
+            <a:avLst/>
+          </a:prstGeom>
+          <a:solidFill>
+            <a:schemeClr val="tx1"/>
+          </a:solidFill>
+          <a:ln w="12700" cap="flat" cmpd="sng" algn="ctr">
+            <a:noFill/>
+            <a:prstDash val="solid"/>
+            <a:miter lim="800000"/>
+          </a:ln>
+          <a:effectLst/>
+        </p:spPr>
+        <p:style>
+          <a:lnRef idx="2">
+            <a:schemeClr val="accent1">
+              <a:shade val="50000"/>
+            </a:schemeClr>
+          </a:lnRef>
+          <a:fillRef idx="1">
+            <a:schemeClr val="accent1"/>
+          </a:fillRef>
+          <a:effectRef idx="0">
+            <a:schemeClr val="accent1"/>
+          </a:effectRef>
+          <a:fontRef idx="minor">
+            <a:schemeClr val="lt1"/>
+          </a:fontRef>
+        </p:style>
+        <p:txBody>
+          <a:bodyPr rtlCol="0" anchor="ctr"/>
+          <a:lstStyle/>
+          <a:p>
+            <a:pPr algn="ctr"/>
+            <a:endParaRPr lang="en-US"/>
+          </a:p>
+        </p:txBody>
+      </p:sp>
+      <p:sp>
+        <p:nvSpPr>
+          <p:cNvPr id="2" name="Title 1">
+            <a:extLst>
+              <a:ext uri="{FF2B5EF4-FFF2-40B4-BE49-F238E27FC236}">
+                <a16:creationId xmlns:a16="http://schemas.microsoft.com/office/drawing/2014/main" id="{FE8199BA-C283-4AF4-B267-692CF7E3CF9D}"/>
+              </a:ext>
+            </a:extLst>
+          </p:cNvPr>
+          <p:cNvSpPr>
+            <a:spLocks noGrp="1"/>
+          </p:cNvSpPr>
+          <p:nvPr>
+            <p:ph type="title"/>
+          </p:nvPr>
+        </p:nvSpPr>
+        <p:spPr>
+          <a:xfrm>
+            <a:off x="838201" y="1641752"/>
+            <a:ext cx="4394200" cy="1323439"/>
+          </a:xfrm>
+        </p:spPr>
+        <p:txBody>
+          <a:bodyPr anchor="t">
+            <a:normAutofit/>
+          </a:bodyPr>
+          <a:lstStyle/>
+          <a:p>
+            <a:r>
+              <a:rPr lang="en-US" sz="4000">
+                <a:solidFill>
+                  <a:schemeClr val="bg1"/>
+                </a:solidFill>
+              </a:rPr>
+              <a:t>5-min snippet</a:t>
+            </a:r>
+          </a:p>
+        </p:txBody>
+      </p:sp>
+      <p:sp>
+        <p:nvSpPr>
+          <p:cNvPr id="3" name="Content Placeholder 2">
+            <a:extLst>
+              <a:ext uri="{FF2B5EF4-FFF2-40B4-BE49-F238E27FC236}">
+                <a16:creationId xmlns:a16="http://schemas.microsoft.com/office/drawing/2014/main" id="{849825D6-241C-43E1-95A3-7121C73EA59C}"/>
+              </a:ext>
+            </a:extLst>
+          </p:cNvPr>
+          <p:cNvSpPr>
+            <a:spLocks noGrp="1"/>
+          </p:cNvSpPr>
+          <p:nvPr>
+            <p:ph idx="1"/>
+          </p:nvPr>
+        </p:nvSpPr>
+        <p:spPr>
+          <a:xfrm>
+            <a:off x="838201" y="3146400"/>
+            <a:ext cx="4394200" cy="2454300"/>
+          </a:xfrm>
+        </p:spPr>
+        <p:txBody>
+          <a:bodyPr>
+            <a:normAutofit/>
+          </a:bodyPr>
+          <a:lstStyle/>
+          <a:p>
+            <a:r>
+              <a:rPr lang="en-US" sz="2400">
+                <a:solidFill>
+                  <a:schemeClr val="bg1">
+                    <a:alpha val="80000"/>
+                  </a:schemeClr>
+                </a:solidFill>
+              </a:rPr>
+              <a:t>Segregation Model</a:t>
+            </a:r>
+          </a:p>
+          <a:p>
+            <a:endParaRPr lang="en-US" sz="2400">
+              <a:solidFill>
+                <a:schemeClr val="bg1">
+                  <a:alpha val="80000"/>
+                </a:schemeClr>
+              </a:solidFill>
+            </a:endParaRPr>
+          </a:p>
+        </p:txBody>
+      </p:sp>
+      <p:pic>
+        <p:nvPicPr>
+          <p:cNvPr id="1026" name="Picture 2" descr="The Schelling Model of Ethnic Residential Dynamics (Schelling 1974)&#10;">
+            <a:extLst>
+              <a:ext uri="{FF2B5EF4-FFF2-40B4-BE49-F238E27FC236}">
+                <a16:creationId xmlns:a16="http://schemas.microsoft.com/office/drawing/2014/main" id="{B791C4B3-2E96-4410-8EBA-AC0AFDCD0A26}"/>
+              </a:ext>
+            </a:extLst>
+          </p:cNvPr>
+          <p:cNvPicPr>
+            <a:picLocks noChangeAspect="1" noChangeArrowheads="1"/>
+          </p:cNvPicPr>
+          <p:nvPr/>
+        </p:nvPicPr>
+        <p:blipFill rotWithShape="1">
+          <a:blip r:embed="rId3">
+            <a:extLst>
+              <a:ext uri="{28A0092B-C50C-407E-A947-70E740481C1C}">
+                <a14:useLocalDpi xmlns:a14="http://schemas.microsoft.com/office/drawing/2010/main" val="0"/>
+              </a:ext>
+            </a:extLst>
+          </a:blip>
+          <a:srcRect l="1592" r="2" b="2"/>
+          <a:stretch/>
+        </p:blipFill>
+        <p:spPr bwMode="auto">
+          <a:xfrm>
+            <a:off x="5814060" y="2"/>
+            <a:ext cx="6377940" cy="3333749"/>
+          </a:xfrm>
+          <a:custGeom>
+            <a:avLst/>
+            <a:gdLst/>
+            <a:ahLst/>
+            <a:cxnLst/>
+            <a:rect l="l" t="t" r="r" b="b"/>
+            <a:pathLst>
+              <a:path w="6377940" h="3333749">
+                <a:moveTo>
+                  <a:pt x="0" y="0"/>
+                </a:moveTo>
+                <a:lnTo>
+                  <a:pt x="6377940" y="0"/>
+                </a:lnTo>
+                <a:lnTo>
+                  <a:pt x="6377940" y="3333749"/>
+                </a:lnTo>
+                <a:lnTo>
+                  <a:pt x="174585" y="3333749"/>
+                </a:lnTo>
+                <a:lnTo>
+                  <a:pt x="0" y="2202180"/>
+                </a:lnTo>
+                <a:close/>
+              </a:path>
+            </a:pathLst>
+          </a:custGeom>
+          <a:noFill/>
+          <a:extLst>
+            <a:ext uri="{909E8E84-426E-40DD-AFC4-6F175D3DCCD1}">
+              <a14:hiddenFill xmlns:a14="http://schemas.microsoft.com/office/drawing/2010/main">
+                <a:solidFill>
+                  <a:srgbClr val="FFFFFF"/>
+                </a:solidFill>
+              </a14:hiddenFill>
+            </a:ext>
+          </a:extLst>
+        </p:spPr>
+      </p:pic>
+      <p:pic>
+        <p:nvPicPr>
+          <p:cNvPr id="1028" name="Picture 4" descr="Thomas C. Schelling, 95, Nobel-winning economist who influenced nuclear  policy - The Boston Globe">
+            <a:extLst>
+              <a:ext uri="{FF2B5EF4-FFF2-40B4-BE49-F238E27FC236}">
+                <a16:creationId xmlns:a16="http://schemas.microsoft.com/office/drawing/2014/main" id="{0165E313-D686-469F-8C47-ADFEC3C9C9DD}"/>
+              </a:ext>
+            </a:extLst>
+          </p:cNvPr>
+          <p:cNvPicPr>
+            <a:picLocks noChangeAspect="1" noChangeArrowheads="1"/>
+          </p:cNvPicPr>
+          <p:nvPr/>
+        </p:nvPicPr>
+        <p:blipFill rotWithShape="1">
+          <a:blip r:embed="rId4">
+            <a:extLst>
+              <a:ext uri="{28A0092B-C50C-407E-A947-70E740481C1C}">
+                <a14:useLocalDpi xmlns:a14="http://schemas.microsoft.com/office/drawing/2010/main" val="0"/>
+              </a:ext>
+            </a:extLst>
+          </a:blip>
+          <a:srcRect t="11226" b="30094"/>
+          <a:stretch/>
+        </p:blipFill>
+        <p:spPr bwMode="auto">
+          <a:xfrm>
+            <a:off x="5814060" y="3524252"/>
+            <a:ext cx="6377940" cy="3333748"/>
+          </a:xfrm>
+          <a:custGeom>
+            <a:avLst/>
+            <a:gdLst/>
+            <a:ahLst/>
+            <a:cxnLst/>
+            <a:rect l="l" t="t" r="r" b="b"/>
+            <a:pathLst>
+              <a:path w="6377940" h="3333748">
+                <a:moveTo>
+                  <a:pt x="203977" y="0"/>
+                </a:moveTo>
+                <a:lnTo>
+                  <a:pt x="6377940" y="0"/>
+                </a:lnTo>
+                <a:lnTo>
+                  <a:pt x="6377940" y="3333748"/>
+                </a:lnTo>
+                <a:lnTo>
+                  <a:pt x="0" y="3333748"/>
+                </a:lnTo>
+                <a:lnTo>
+                  <a:pt x="525780" y="1931668"/>
+                </a:lnTo>
+                <a:lnTo>
+                  <a:pt x="205740" y="11428"/>
+                </a:lnTo>
+                <a:close/>
+              </a:path>
+            </a:pathLst>
+          </a:custGeom>
+          <a:noFill/>
+          <a:extLst>
+            <a:ext uri="{909E8E84-426E-40DD-AFC4-6F175D3DCCD1}">
+              <a14:hiddenFill xmlns:a14="http://schemas.microsoft.com/office/drawing/2010/main">
+                <a:solidFill>
+                  <a:srgbClr val="FFFFFF"/>
+                </a:solidFill>
+              </a14:hiddenFill>
+            </a:ext>
+          </a:extLst>
+        </p:spPr>
+      </p:pic>
+      <p:grpSp>
+        <p:nvGrpSpPr>
+          <p:cNvPr id="1031" name="Group 74">
+            <a:extLst>
+              <a:ext uri="{FF2B5EF4-FFF2-40B4-BE49-F238E27FC236}">
+                <a16:creationId xmlns:a16="http://schemas.microsoft.com/office/drawing/2014/main" id="{364A290D-B7BC-40B4-AB97-0C801BCCE267}"/>
+              </a:ext>
+              <a:ext uri="{C183D7F6-B498-43B3-948B-1728B52AA6E4}">
+                <adec:decorative xmlns:adec="http://schemas.microsoft.com/office/drawing/2017/decorative" val="1"/>
+              </a:ext>
+            </a:extLst>
+          </p:cNvPr>
+          <p:cNvGrpSpPr>
+            <a:grpSpLocks noGrp="1" noUngrp="1" noRot="1" noChangeAspect="1" noMove="1" noResize="1"/>
+          </p:cNvGrpSpPr>
+          <p:nvPr>
+            <p:extLst>
+              <p:ext uri="{386F3935-93C4-4BCD-93E2-E3B085C9AB24}">
+                <p16:designElem xmlns:p16="http://schemas.microsoft.com/office/powerpoint/2015/main" val="1"/>
+              </p:ext>
+            </p:extLst>
+          </p:nvPr>
+        </p:nvGrpSpPr>
+        <p:grpSpPr>
+          <a:xfrm>
+            <a:off x="5632358" y="544"/>
+            <a:ext cx="874716" cy="6857455"/>
+            <a:chOff x="5632358" y="544"/>
+            <a:chExt cx="874716" cy="6857455"/>
+          </a:xfrm>
+        </p:grpSpPr>
+        <p:sp>
+          <p:nvSpPr>
+            <p:cNvPr id="76" name="Freeform: Shape 75">
+              <a:extLst>
+                <a:ext uri="{FF2B5EF4-FFF2-40B4-BE49-F238E27FC236}">
+                  <a16:creationId xmlns:a16="http://schemas.microsoft.com/office/drawing/2014/main" id="{3C60D1EB-842B-4027-9728-E57314926698}"/>
+                </a:ext>
+                <a:ext uri="{C183D7F6-B498-43B3-948B-1728B52AA6E4}">
+                  <adec:decorative xmlns:adec="http://schemas.microsoft.com/office/drawing/2017/decorative" val="1"/>
+                </a:ext>
+              </a:extLst>
+            </p:cNvPr>
+            <p:cNvSpPr/>
+            <p:nvPr>
+              <p:extLst>
+                <p:ext uri="{386F3935-93C4-4BCD-93E2-E3B085C9AB24}">
+                  <p16:designElem xmlns:p16="http://schemas.microsoft.com/office/powerpoint/2015/main" val="1"/>
+                </p:ext>
+              </p:extLst>
+            </p:nvPr>
+          </p:nvSpPr>
+          <p:spPr>
+            <a:xfrm rot="5400000" flipH="1">
+              <a:off x="2640988" y="2991914"/>
+              <a:ext cx="6857455" cy="874716"/>
+            </a:xfrm>
+            <a:custGeom>
+              <a:avLst/>
+              <a:gdLst>
+                <a:gd name="connsiteX0" fmla="*/ 6857455 w 6857455"/>
+                <a:gd name="connsiteY0" fmla="*/ 804643 h 874716"/>
+                <a:gd name="connsiteX1" fmla="*/ 6857455 w 6857455"/>
+                <a:gd name="connsiteY1" fmla="*/ 562246 h 874716"/>
+                <a:gd name="connsiteX2" fmla="*/ 6829178 w 6857455"/>
+                <a:gd name="connsiteY2" fmla="*/ 551284 h 874716"/>
+                <a:gd name="connsiteX3" fmla="*/ 6766024 w 6857455"/>
+                <a:gd name="connsiteY3" fmla="*/ 500372 h 874716"/>
+                <a:gd name="connsiteX4" fmla="*/ 6734971 w 6857455"/>
+                <a:gd name="connsiteY4" fmla="*/ 500944 h 874716"/>
+                <a:gd name="connsiteX5" fmla="*/ 6683915 w 6857455"/>
+                <a:gd name="connsiteY5" fmla="*/ 507040 h 874716"/>
+                <a:gd name="connsiteX6" fmla="*/ 6628860 w 6857455"/>
+                <a:gd name="connsiteY6" fmla="*/ 495418 h 874716"/>
+                <a:gd name="connsiteX7" fmla="*/ 6588662 w 6857455"/>
+                <a:gd name="connsiteY7" fmla="*/ 487227 h 874716"/>
+                <a:gd name="connsiteX8" fmla="*/ 6476074 w 6857455"/>
+                <a:gd name="connsiteY8" fmla="*/ 511230 h 874716"/>
+                <a:gd name="connsiteX9" fmla="*/ 6382345 w 6857455"/>
+                <a:gd name="connsiteY9" fmla="*/ 534853 h 874716"/>
+                <a:gd name="connsiteX10" fmla="*/ 6369391 w 6857455"/>
+                <a:gd name="connsiteY10" fmla="*/ 531615 h 874716"/>
+                <a:gd name="connsiteX11" fmla="*/ 6244799 w 6857455"/>
+                <a:gd name="connsiteY11" fmla="*/ 512182 h 874716"/>
+                <a:gd name="connsiteX12" fmla="*/ 6190315 w 6857455"/>
+                <a:gd name="connsiteY12" fmla="*/ 485703 h 874716"/>
+                <a:gd name="connsiteX13" fmla="*/ 6115446 w 6857455"/>
+                <a:gd name="connsiteY13" fmla="*/ 462270 h 874716"/>
+                <a:gd name="connsiteX14" fmla="*/ 6032194 w 6857455"/>
+                <a:gd name="connsiteY14" fmla="*/ 434266 h 874716"/>
+                <a:gd name="connsiteX15" fmla="*/ 5971042 w 6857455"/>
+                <a:gd name="connsiteY15" fmla="*/ 420738 h 874716"/>
+                <a:gd name="connsiteX16" fmla="*/ 5880933 w 6857455"/>
+                <a:gd name="connsiteY16" fmla="*/ 430646 h 874716"/>
+                <a:gd name="connsiteX17" fmla="*/ 5862452 w 6857455"/>
+                <a:gd name="connsiteY17" fmla="*/ 438648 h 874716"/>
+                <a:gd name="connsiteX18" fmla="*/ 5685283 w 6857455"/>
+                <a:gd name="connsiteY18" fmla="*/ 498658 h 874716"/>
+                <a:gd name="connsiteX19" fmla="*/ 5567169 w 6857455"/>
+                <a:gd name="connsiteY19" fmla="*/ 499420 h 874716"/>
+                <a:gd name="connsiteX20" fmla="*/ 5527923 w 6857455"/>
+                <a:gd name="connsiteY20" fmla="*/ 490466 h 874716"/>
+                <a:gd name="connsiteX21" fmla="*/ 5456292 w 6857455"/>
+                <a:gd name="connsiteY21" fmla="*/ 450650 h 874716"/>
+                <a:gd name="connsiteX22" fmla="*/ 5424670 w 6857455"/>
+                <a:gd name="connsiteY22" fmla="*/ 444934 h 874716"/>
+                <a:gd name="connsiteX23" fmla="*/ 5368662 w 6857455"/>
+                <a:gd name="connsiteY23" fmla="*/ 441124 h 874716"/>
+                <a:gd name="connsiteX24" fmla="*/ 5247118 w 6857455"/>
+                <a:gd name="connsiteY24" fmla="*/ 444934 h 874716"/>
+                <a:gd name="connsiteX25" fmla="*/ 5088617 w 6857455"/>
+                <a:gd name="connsiteY25" fmla="*/ 428742 h 874716"/>
+                <a:gd name="connsiteX26" fmla="*/ 5025750 w 6857455"/>
+                <a:gd name="connsiteY26" fmla="*/ 433694 h 874716"/>
+                <a:gd name="connsiteX27" fmla="*/ 4957930 w 6857455"/>
+                <a:gd name="connsiteY27" fmla="*/ 442268 h 874716"/>
+                <a:gd name="connsiteX28" fmla="*/ 4938116 w 6857455"/>
+                <a:gd name="connsiteY28" fmla="*/ 441886 h 874716"/>
+                <a:gd name="connsiteX29" fmla="*/ 4833910 w 6857455"/>
+                <a:gd name="connsiteY29" fmla="*/ 421693 h 874716"/>
+                <a:gd name="connsiteX30" fmla="*/ 4810095 w 6857455"/>
+                <a:gd name="connsiteY30" fmla="*/ 408167 h 874716"/>
+                <a:gd name="connsiteX31" fmla="*/ 4747991 w 6857455"/>
+                <a:gd name="connsiteY31" fmla="*/ 413691 h 874716"/>
+                <a:gd name="connsiteX32" fmla="*/ 4692745 w 6857455"/>
+                <a:gd name="connsiteY32" fmla="*/ 435790 h 874716"/>
+                <a:gd name="connsiteX33" fmla="*/ 4375933 w 6857455"/>
+                <a:gd name="connsiteY33" fmla="*/ 483417 h 874716"/>
+                <a:gd name="connsiteX34" fmla="*/ 4185426 w 6857455"/>
+                <a:gd name="connsiteY34" fmla="*/ 484179 h 874716"/>
+                <a:gd name="connsiteX35" fmla="*/ 4052072 w 6857455"/>
+                <a:gd name="connsiteY35" fmla="*/ 505134 h 874716"/>
+                <a:gd name="connsiteX36" fmla="*/ 4029973 w 6857455"/>
+                <a:gd name="connsiteY36" fmla="*/ 527233 h 874716"/>
+                <a:gd name="connsiteX37" fmla="*/ 3948626 w 6857455"/>
+                <a:gd name="connsiteY37" fmla="*/ 550666 h 874716"/>
+                <a:gd name="connsiteX38" fmla="*/ 3871280 w 6857455"/>
+                <a:gd name="connsiteY38" fmla="*/ 502275 h 874716"/>
+                <a:gd name="connsiteX39" fmla="*/ 3774312 w 6857455"/>
+                <a:gd name="connsiteY39" fmla="*/ 429122 h 874716"/>
+                <a:gd name="connsiteX40" fmla="*/ 3721543 w 6857455"/>
+                <a:gd name="connsiteY40" fmla="*/ 428552 h 874716"/>
+                <a:gd name="connsiteX41" fmla="*/ 3612763 w 6857455"/>
+                <a:gd name="connsiteY41" fmla="*/ 414263 h 874716"/>
+                <a:gd name="connsiteX42" fmla="*/ 3537323 w 6857455"/>
+                <a:gd name="connsiteY42" fmla="*/ 389878 h 874716"/>
+                <a:gd name="connsiteX43" fmla="*/ 3431593 w 6857455"/>
+                <a:gd name="connsiteY43" fmla="*/ 360921 h 874716"/>
+                <a:gd name="connsiteX44" fmla="*/ 3392158 w 6857455"/>
+                <a:gd name="connsiteY44" fmla="*/ 345681 h 874716"/>
+                <a:gd name="connsiteX45" fmla="*/ 3297856 w 6857455"/>
+                <a:gd name="connsiteY45" fmla="*/ 323010 h 874716"/>
+                <a:gd name="connsiteX46" fmla="*/ 3219748 w 6857455"/>
+                <a:gd name="connsiteY46" fmla="*/ 308151 h 874716"/>
+                <a:gd name="connsiteX47" fmla="*/ 3156692 w 6857455"/>
+                <a:gd name="connsiteY47" fmla="*/ 261668 h 874716"/>
+                <a:gd name="connsiteX48" fmla="*/ 3136497 w 6857455"/>
+                <a:gd name="connsiteY48" fmla="*/ 237663 h 874716"/>
+                <a:gd name="connsiteX49" fmla="*/ 3119733 w 6857455"/>
+                <a:gd name="connsiteY49" fmla="*/ 222233 h 874716"/>
+                <a:gd name="connsiteX50" fmla="*/ 3045436 w 6857455"/>
+                <a:gd name="connsiteY50" fmla="*/ 131742 h 874716"/>
+                <a:gd name="connsiteX51" fmla="*/ 3037054 w 6857455"/>
+                <a:gd name="connsiteY51" fmla="*/ 124121 h 874716"/>
+                <a:gd name="connsiteX52" fmla="*/ 2936466 w 6857455"/>
+                <a:gd name="connsiteY52" fmla="*/ 82400 h 874716"/>
+                <a:gd name="connsiteX53" fmla="*/ 2901031 w 6857455"/>
+                <a:gd name="connsiteY53" fmla="*/ 59731 h 874716"/>
+                <a:gd name="connsiteX54" fmla="*/ 2828259 w 6857455"/>
+                <a:gd name="connsiteY54" fmla="*/ 3149 h 874716"/>
+                <a:gd name="connsiteX55" fmla="*/ 2799492 w 6857455"/>
+                <a:gd name="connsiteY55" fmla="*/ 1245 h 874716"/>
+                <a:gd name="connsiteX56" fmla="*/ 2693570 w 6857455"/>
+                <a:gd name="connsiteY56" fmla="*/ 35154 h 874716"/>
+                <a:gd name="connsiteX57" fmla="*/ 2639847 w 6857455"/>
+                <a:gd name="connsiteY57" fmla="*/ 73448 h 874716"/>
+                <a:gd name="connsiteX58" fmla="*/ 2621178 w 6857455"/>
+                <a:gd name="connsiteY58" fmla="*/ 88688 h 874716"/>
+                <a:gd name="connsiteX59" fmla="*/ 2489348 w 6857455"/>
+                <a:gd name="connsiteY59" fmla="*/ 72304 h 874716"/>
+                <a:gd name="connsiteX60" fmla="*/ 2452580 w 6857455"/>
+                <a:gd name="connsiteY60" fmla="*/ 68683 h 874716"/>
+                <a:gd name="connsiteX61" fmla="*/ 2326464 w 6857455"/>
+                <a:gd name="connsiteY61" fmla="*/ 50395 h 874716"/>
+                <a:gd name="connsiteX62" fmla="*/ 2300365 w 6857455"/>
+                <a:gd name="connsiteY62" fmla="*/ 54777 h 874716"/>
+                <a:gd name="connsiteX63" fmla="*/ 2130434 w 6857455"/>
+                <a:gd name="connsiteY63" fmla="*/ 58397 h 874716"/>
+                <a:gd name="connsiteX64" fmla="*/ 2118621 w 6857455"/>
+                <a:gd name="connsiteY64" fmla="*/ 47919 h 874716"/>
+                <a:gd name="connsiteX65" fmla="*/ 2057659 w 6857455"/>
+                <a:gd name="connsiteY65" fmla="*/ 16866 h 874716"/>
+                <a:gd name="connsiteX66" fmla="*/ 1976314 w 6857455"/>
+                <a:gd name="connsiteY66" fmla="*/ 8865 h 874716"/>
+                <a:gd name="connsiteX67" fmla="*/ 1961454 w 6857455"/>
+                <a:gd name="connsiteY67" fmla="*/ 11724 h 874716"/>
+                <a:gd name="connsiteX68" fmla="*/ 1906588 w 6857455"/>
+                <a:gd name="connsiteY68" fmla="*/ 30964 h 874716"/>
+                <a:gd name="connsiteX69" fmla="*/ 1783330 w 6857455"/>
+                <a:gd name="connsiteY69" fmla="*/ 48871 h 874716"/>
+                <a:gd name="connsiteX70" fmla="*/ 1759327 w 6857455"/>
+                <a:gd name="connsiteY70" fmla="*/ 55349 h 874716"/>
+                <a:gd name="connsiteX71" fmla="*/ 1716082 w 6857455"/>
+                <a:gd name="connsiteY71" fmla="*/ 65445 h 874716"/>
+                <a:gd name="connsiteX72" fmla="*/ 1598920 w 6857455"/>
+                <a:gd name="connsiteY72" fmla="*/ 72114 h 874716"/>
+                <a:gd name="connsiteX73" fmla="*/ 1542150 w 6857455"/>
+                <a:gd name="connsiteY73" fmla="*/ 62207 h 874716"/>
+                <a:gd name="connsiteX74" fmla="*/ 1516813 w 6857455"/>
+                <a:gd name="connsiteY74" fmla="*/ 62779 h 874716"/>
+                <a:gd name="connsiteX75" fmla="*/ 1432228 w 6857455"/>
+                <a:gd name="connsiteY75" fmla="*/ 88116 h 874716"/>
+                <a:gd name="connsiteX76" fmla="*/ 1224765 w 6857455"/>
+                <a:gd name="connsiteY76" fmla="*/ 71924 h 874716"/>
+                <a:gd name="connsiteX77" fmla="*/ 1159231 w 6857455"/>
+                <a:gd name="connsiteY77" fmla="*/ 58207 h 874716"/>
+                <a:gd name="connsiteX78" fmla="*/ 1124370 w 6857455"/>
+                <a:gd name="connsiteY78" fmla="*/ 56301 h 874716"/>
+                <a:gd name="connsiteX79" fmla="*/ 1075600 w 6857455"/>
+                <a:gd name="connsiteY79" fmla="*/ 75542 h 874716"/>
+                <a:gd name="connsiteX80" fmla="*/ 986633 w 6857455"/>
+                <a:gd name="connsiteY80" fmla="*/ 79162 h 874716"/>
+                <a:gd name="connsiteX81" fmla="*/ 861089 w 6857455"/>
+                <a:gd name="connsiteY81" fmla="*/ 76304 h 874716"/>
+                <a:gd name="connsiteX82" fmla="*/ 759168 w 6857455"/>
+                <a:gd name="connsiteY82" fmla="*/ 104689 h 874716"/>
+                <a:gd name="connsiteX83" fmla="*/ 723735 w 6857455"/>
+                <a:gd name="connsiteY83" fmla="*/ 140696 h 874716"/>
+                <a:gd name="connsiteX84" fmla="*/ 647532 w 6857455"/>
+                <a:gd name="connsiteY84" fmla="*/ 147934 h 874716"/>
+                <a:gd name="connsiteX85" fmla="*/ 552659 w 6857455"/>
+                <a:gd name="connsiteY85" fmla="*/ 95926 h 874716"/>
+                <a:gd name="connsiteX86" fmla="*/ 541800 w 6857455"/>
+                <a:gd name="connsiteY86" fmla="*/ 97640 h 874716"/>
+                <a:gd name="connsiteX87" fmla="*/ 375107 w 6857455"/>
+                <a:gd name="connsiteY87" fmla="*/ 123169 h 874716"/>
+                <a:gd name="connsiteX88" fmla="*/ 273567 w 6857455"/>
+                <a:gd name="connsiteY88" fmla="*/ 145458 h 874716"/>
+                <a:gd name="connsiteX89" fmla="*/ 264043 w 6857455"/>
+                <a:gd name="connsiteY89" fmla="*/ 154792 h 874716"/>
+                <a:gd name="connsiteX90" fmla="*/ 169360 w 6857455"/>
+                <a:gd name="connsiteY90" fmla="*/ 177273 h 874716"/>
+                <a:gd name="connsiteX91" fmla="*/ 89347 w 6857455"/>
+                <a:gd name="connsiteY91" fmla="*/ 157460 h 874716"/>
+                <a:gd name="connsiteX92" fmla="*/ 34291 w 6857455"/>
+                <a:gd name="connsiteY92" fmla="*/ 145268 h 874716"/>
+                <a:gd name="connsiteX93" fmla="*/ 0 w 6857455"/>
+                <a:gd name="connsiteY93" fmla="*/ 142056 h 874716"/>
+                <a:gd name="connsiteX94" fmla="*/ 0 w 6857455"/>
+                <a:gd name="connsiteY94" fmla="*/ 849556 h 874716"/>
+                <a:gd name="connsiteX95" fmla="*/ 60652 w 6857455"/>
+                <a:gd name="connsiteY95" fmla="*/ 844783 h 874716"/>
+                <a:gd name="connsiteX96" fmla="*/ 119068 w 6857455"/>
+                <a:gd name="connsiteY96" fmla="*/ 827281 h 874716"/>
+                <a:gd name="connsiteX97" fmla="*/ 171840 w 6857455"/>
+                <a:gd name="connsiteY97" fmla="*/ 804420 h 874716"/>
+                <a:gd name="connsiteX98" fmla="*/ 274329 w 6857455"/>
+                <a:gd name="connsiteY98" fmla="*/ 794324 h 874716"/>
+                <a:gd name="connsiteX99" fmla="*/ 306715 w 6857455"/>
+                <a:gd name="connsiteY99" fmla="*/ 788798 h 874716"/>
+                <a:gd name="connsiteX100" fmla="*/ 393967 w 6857455"/>
+                <a:gd name="connsiteY100" fmla="*/ 765937 h 874716"/>
+                <a:gd name="connsiteX101" fmla="*/ 493793 w 6857455"/>
+                <a:gd name="connsiteY101" fmla="*/ 725549 h 874716"/>
+                <a:gd name="connsiteX102" fmla="*/ 546373 w 6857455"/>
+                <a:gd name="connsiteY102" fmla="*/ 740600 h 874716"/>
+                <a:gd name="connsiteX103" fmla="*/ 730211 w 6857455"/>
+                <a:gd name="connsiteY103" fmla="*/ 698116 h 874716"/>
+                <a:gd name="connsiteX104" fmla="*/ 784889 w 6857455"/>
+                <a:gd name="connsiteY104" fmla="*/ 676018 h 874716"/>
+                <a:gd name="connsiteX105" fmla="*/ 800509 w 6857455"/>
+                <a:gd name="connsiteY105" fmla="*/ 661349 h 874716"/>
+                <a:gd name="connsiteX106" fmla="*/ 857661 w 6857455"/>
+                <a:gd name="connsiteY106" fmla="*/ 626868 h 874716"/>
+                <a:gd name="connsiteX107" fmla="*/ 949102 w 6857455"/>
+                <a:gd name="connsiteY107" fmla="*/ 614676 h 874716"/>
+                <a:gd name="connsiteX108" fmla="*/ 960342 w 6857455"/>
+                <a:gd name="connsiteY108" fmla="*/ 607435 h 874716"/>
+                <a:gd name="connsiteX109" fmla="*/ 977109 w 6857455"/>
+                <a:gd name="connsiteY109" fmla="*/ 595815 h 874716"/>
+                <a:gd name="connsiteX110" fmla="*/ 1071218 w 6857455"/>
+                <a:gd name="connsiteY110" fmla="*/ 575240 h 874716"/>
+                <a:gd name="connsiteX111" fmla="*/ 1091983 w 6857455"/>
+                <a:gd name="connsiteY111" fmla="*/ 568764 h 874716"/>
+                <a:gd name="connsiteX112" fmla="*/ 1109321 w 6857455"/>
+                <a:gd name="connsiteY112" fmla="*/ 557904 h 874716"/>
+                <a:gd name="connsiteX113" fmla="*/ 1162279 w 6857455"/>
+                <a:gd name="connsiteY113" fmla="*/ 532949 h 874716"/>
+                <a:gd name="connsiteX114" fmla="*/ 1206097 w 6857455"/>
+                <a:gd name="connsiteY114" fmla="*/ 532187 h 874716"/>
+                <a:gd name="connsiteX115" fmla="*/ 1266867 w 6857455"/>
+                <a:gd name="connsiteY115" fmla="*/ 518088 h 874716"/>
+                <a:gd name="connsiteX116" fmla="*/ 1380219 w 6857455"/>
+                <a:gd name="connsiteY116" fmla="*/ 504182 h 874716"/>
+                <a:gd name="connsiteX117" fmla="*/ 1403461 w 6857455"/>
+                <a:gd name="connsiteY117" fmla="*/ 496180 h 874716"/>
+                <a:gd name="connsiteX118" fmla="*/ 1544054 w 6857455"/>
+                <a:gd name="connsiteY118" fmla="*/ 458268 h 874716"/>
+                <a:gd name="connsiteX119" fmla="*/ 1656644 w 6857455"/>
+                <a:gd name="connsiteY119" fmla="*/ 459032 h 874716"/>
+                <a:gd name="connsiteX120" fmla="*/ 1665406 w 6857455"/>
+                <a:gd name="connsiteY120" fmla="*/ 460747 h 874716"/>
+                <a:gd name="connsiteX121" fmla="*/ 1708461 w 6857455"/>
+                <a:gd name="connsiteY121" fmla="*/ 473318 h 874716"/>
+                <a:gd name="connsiteX122" fmla="*/ 1775140 w 6857455"/>
+                <a:gd name="connsiteY122" fmla="*/ 469891 h 874716"/>
+                <a:gd name="connsiteX123" fmla="*/ 1821051 w 6857455"/>
+                <a:gd name="connsiteY123" fmla="*/ 452554 h 874716"/>
+                <a:gd name="connsiteX124" fmla="*/ 1878203 w 6857455"/>
+                <a:gd name="connsiteY124" fmla="*/ 451792 h 874716"/>
+                <a:gd name="connsiteX125" fmla="*/ 1943547 w 6857455"/>
+                <a:gd name="connsiteY125" fmla="*/ 462651 h 874716"/>
+                <a:gd name="connsiteX126" fmla="*/ 1972884 w 6857455"/>
+                <a:gd name="connsiteY126" fmla="*/ 464937 h 874716"/>
+                <a:gd name="connsiteX127" fmla="*/ 2053469 w 6857455"/>
+                <a:gd name="connsiteY127" fmla="*/ 487417 h 874716"/>
+                <a:gd name="connsiteX128" fmla="*/ 2101477 w 6857455"/>
+                <a:gd name="connsiteY128" fmla="*/ 481893 h 874716"/>
+                <a:gd name="connsiteX129" fmla="*/ 2148722 w 6857455"/>
+                <a:gd name="connsiteY129" fmla="*/ 467033 h 874716"/>
+                <a:gd name="connsiteX130" fmla="*/ 2179011 w 6857455"/>
+                <a:gd name="connsiteY130" fmla="*/ 452744 h 874716"/>
+                <a:gd name="connsiteX131" fmla="*/ 2240165 w 6857455"/>
+                <a:gd name="connsiteY131" fmla="*/ 442648 h 874716"/>
+                <a:gd name="connsiteX132" fmla="*/ 2251404 w 6857455"/>
+                <a:gd name="connsiteY132" fmla="*/ 444172 h 874716"/>
+                <a:gd name="connsiteX133" fmla="*/ 2433912 w 6857455"/>
+                <a:gd name="connsiteY133" fmla="*/ 456746 h 874716"/>
+                <a:gd name="connsiteX134" fmla="*/ 2506302 w 6857455"/>
+                <a:gd name="connsiteY134" fmla="*/ 476939 h 874716"/>
+                <a:gd name="connsiteX135" fmla="*/ 2521735 w 6857455"/>
+                <a:gd name="connsiteY135" fmla="*/ 479415 h 874716"/>
+                <a:gd name="connsiteX136" fmla="*/ 2675854 w 6857455"/>
+                <a:gd name="connsiteY136" fmla="*/ 502086 h 874716"/>
+                <a:gd name="connsiteX137" fmla="*/ 2692998 w 6857455"/>
+                <a:gd name="connsiteY137" fmla="*/ 503038 h 874716"/>
+                <a:gd name="connsiteX138" fmla="*/ 2740816 w 6857455"/>
+                <a:gd name="connsiteY138" fmla="*/ 499037 h 874716"/>
+                <a:gd name="connsiteX139" fmla="*/ 2853596 w 6857455"/>
+                <a:gd name="connsiteY139" fmla="*/ 540187 h 874716"/>
+                <a:gd name="connsiteX140" fmla="*/ 2966565 w 6857455"/>
+                <a:gd name="connsiteY140" fmla="*/ 554286 h 874716"/>
+                <a:gd name="connsiteX141" fmla="*/ 3028671 w 6857455"/>
+                <a:gd name="connsiteY141" fmla="*/ 554094 h 874716"/>
+                <a:gd name="connsiteX142" fmla="*/ 3073059 w 6857455"/>
+                <a:gd name="connsiteY142" fmla="*/ 564192 h 874716"/>
+                <a:gd name="connsiteX143" fmla="*/ 3182219 w 6857455"/>
+                <a:gd name="connsiteY143" fmla="*/ 594862 h 874716"/>
+                <a:gd name="connsiteX144" fmla="*/ 3233656 w 6857455"/>
+                <a:gd name="connsiteY144" fmla="*/ 599625 h 874716"/>
+                <a:gd name="connsiteX145" fmla="*/ 3288332 w 6857455"/>
+                <a:gd name="connsiteY145" fmla="*/ 609914 h 874716"/>
+                <a:gd name="connsiteX146" fmla="*/ 3423591 w 6857455"/>
+                <a:gd name="connsiteY146" fmla="*/ 656015 h 874716"/>
+                <a:gd name="connsiteX147" fmla="*/ 3534084 w 6857455"/>
+                <a:gd name="connsiteY147" fmla="*/ 653349 h 874716"/>
+                <a:gd name="connsiteX148" fmla="*/ 3604571 w 6857455"/>
+                <a:gd name="connsiteY148" fmla="*/ 653918 h 874716"/>
+                <a:gd name="connsiteX149" fmla="*/ 3688586 w 6857455"/>
+                <a:gd name="connsiteY149" fmla="*/ 669160 h 874716"/>
+                <a:gd name="connsiteX150" fmla="*/ 3757358 w 6857455"/>
+                <a:gd name="connsiteY150" fmla="*/ 691450 h 874716"/>
+                <a:gd name="connsiteX151" fmla="*/ 3852421 w 6857455"/>
+                <a:gd name="connsiteY151" fmla="*/ 709167 h 874716"/>
+                <a:gd name="connsiteX152" fmla="*/ 3947104 w 6857455"/>
+                <a:gd name="connsiteY152" fmla="*/ 743267 h 874716"/>
+                <a:gd name="connsiteX153" fmla="*/ 4013208 w 6857455"/>
+                <a:gd name="connsiteY153" fmla="*/ 769367 h 874716"/>
+                <a:gd name="connsiteX154" fmla="*/ 4105222 w 6857455"/>
+                <a:gd name="connsiteY154" fmla="*/ 792418 h 874716"/>
+                <a:gd name="connsiteX155" fmla="*/ 4246006 w 6857455"/>
+                <a:gd name="connsiteY155" fmla="*/ 808610 h 874716"/>
+                <a:gd name="connsiteX156" fmla="*/ 4310779 w 6857455"/>
+                <a:gd name="connsiteY156" fmla="*/ 810326 h 874716"/>
+                <a:gd name="connsiteX157" fmla="*/ 4413272 w 6857455"/>
+                <a:gd name="connsiteY157" fmla="*/ 848235 h 874716"/>
+                <a:gd name="connsiteX158" fmla="*/ 4457087 w 6857455"/>
+                <a:gd name="connsiteY158" fmla="*/ 866524 h 874716"/>
+                <a:gd name="connsiteX159" fmla="*/ 4496523 w 6857455"/>
+                <a:gd name="connsiteY159" fmla="*/ 851284 h 874716"/>
+                <a:gd name="connsiteX160" fmla="*/ 4522050 w 6857455"/>
+                <a:gd name="connsiteY160" fmla="*/ 833757 h 874716"/>
+                <a:gd name="connsiteX161" fmla="*/ 4602824 w 6857455"/>
+                <a:gd name="connsiteY161" fmla="*/ 848618 h 874716"/>
+                <a:gd name="connsiteX162" fmla="*/ 4688553 w 6857455"/>
+                <a:gd name="connsiteY162" fmla="*/ 864238 h 874716"/>
+                <a:gd name="connsiteX163" fmla="*/ 4749895 w 6857455"/>
+                <a:gd name="connsiteY163" fmla="*/ 874716 h 874716"/>
+                <a:gd name="connsiteX164" fmla="*/ 4826480 w 6857455"/>
+                <a:gd name="connsiteY164" fmla="*/ 866334 h 874716"/>
+                <a:gd name="connsiteX165" fmla="*/ 4886870 w 6857455"/>
+                <a:gd name="connsiteY165" fmla="*/ 862906 h 874716"/>
+                <a:gd name="connsiteX166" fmla="*/ 4935639 w 6857455"/>
+                <a:gd name="connsiteY166" fmla="*/ 853190 h 874716"/>
+                <a:gd name="connsiteX167" fmla="*/ 4952784 w 6857455"/>
+                <a:gd name="connsiteY167" fmla="*/ 847473 h 874716"/>
+                <a:gd name="connsiteX168" fmla="*/ 5088617 w 6857455"/>
+                <a:gd name="connsiteY168" fmla="*/ 802896 h 874716"/>
+                <a:gd name="connsiteX169" fmla="*/ 5233781 w 6857455"/>
+                <a:gd name="connsiteY169" fmla="*/ 767271 h 874716"/>
+                <a:gd name="connsiteX170" fmla="*/ 5327893 w 6857455"/>
+                <a:gd name="connsiteY170" fmla="*/ 789752 h 874716"/>
+                <a:gd name="connsiteX171" fmla="*/ 5362946 w 6857455"/>
+                <a:gd name="connsiteY171" fmla="*/ 789370 h 874716"/>
+                <a:gd name="connsiteX172" fmla="*/ 5524115 w 6857455"/>
+                <a:gd name="connsiteY172" fmla="*/ 794514 h 874716"/>
+                <a:gd name="connsiteX173" fmla="*/ 5552500 w 6857455"/>
+                <a:gd name="connsiteY173" fmla="*/ 800038 h 874716"/>
+                <a:gd name="connsiteX174" fmla="*/ 5705857 w 6857455"/>
+                <a:gd name="connsiteY174" fmla="*/ 777367 h 874716"/>
+                <a:gd name="connsiteX175" fmla="*/ 5761485 w 6857455"/>
+                <a:gd name="connsiteY175" fmla="*/ 773557 h 874716"/>
+                <a:gd name="connsiteX176" fmla="*/ 5812731 w 6857455"/>
+                <a:gd name="connsiteY176" fmla="*/ 767271 h 874716"/>
+                <a:gd name="connsiteX177" fmla="*/ 5884361 w 6857455"/>
+                <a:gd name="connsiteY177" fmla="*/ 765747 h 874716"/>
+                <a:gd name="connsiteX178" fmla="*/ 5958660 w 6857455"/>
+                <a:gd name="connsiteY178" fmla="*/ 768605 h 874716"/>
+                <a:gd name="connsiteX179" fmla="*/ 6041528 w 6857455"/>
+                <a:gd name="connsiteY179" fmla="*/ 768033 h 874716"/>
+                <a:gd name="connsiteX180" fmla="*/ 6074297 w 6857455"/>
+                <a:gd name="connsiteY180" fmla="*/ 763081 h 874716"/>
+                <a:gd name="connsiteX181" fmla="*/ 6162880 w 6857455"/>
+                <a:gd name="connsiteY181" fmla="*/ 766509 h 874716"/>
+                <a:gd name="connsiteX182" fmla="*/ 6209364 w 6857455"/>
+                <a:gd name="connsiteY182" fmla="*/ 760795 h 874716"/>
+                <a:gd name="connsiteX183" fmla="*/ 6285948 w 6857455"/>
+                <a:gd name="connsiteY183" fmla="*/ 759651 h 874716"/>
+                <a:gd name="connsiteX184" fmla="*/ 6310905 w 6857455"/>
+                <a:gd name="connsiteY184" fmla="*/ 758316 h 874716"/>
+                <a:gd name="connsiteX185" fmla="*/ 6333194 w 6857455"/>
+                <a:gd name="connsiteY185" fmla="*/ 757554 h 874716"/>
+                <a:gd name="connsiteX186" fmla="*/ 6409586 w 6857455"/>
+                <a:gd name="connsiteY186" fmla="*/ 773177 h 874716"/>
+                <a:gd name="connsiteX187" fmla="*/ 6477407 w 6857455"/>
+                <a:gd name="connsiteY187" fmla="*/ 774129 h 874716"/>
+                <a:gd name="connsiteX188" fmla="*/ 6596283 w 6857455"/>
+                <a:gd name="connsiteY188" fmla="*/ 786703 h 874716"/>
+                <a:gd name="connsiteX189" fmla="*/ 6622573 w 6857455"/>
+                <a:gd name="connsiteY189" fmla="*/ 782321 h 874716"/>
+                <a:gd name="connsiteX190" fmla="*/ 6704872 w 6857455"/>
+                <a:gd name="connsiteY190" fmla="*/ 780607 h 874716"/>
+                <a:gd name="connsiteX191" fmla="*/ 6751738 w 6857455"/>
+                <a:gd name="connsiteY191" fmla="*/ 779273 h 874716"/>
+                <a:gd name="connsiteX192" fmla="*/ 6809650 w 6857455"/>
+                <a:gd name="connsiteY192" fmla="*/ 788417 h 874716"/>
+                <a:gd name="connsiteX193" fmla="*/ 6832976 w 6857455"/>
+                <a:gd name="connsiteY193" fmla="*/ 800428 h 874716"/>
+              </a:gdLst>
+              <a:ahLst/>
+              <a:cxnLst>
+                <a:cxn ang="0">
+                  <a:pos x="connsiteX0" y="connsiteY0"/>
+                </a:cxn>
+                <a:cxn ang="0">
+                  <a:pos x="connsiteX1" y="connsiteY1"/>
+                </a:cxn>
+                <a:cxn ang="0">
+                  <a:pos x="connsiteX2" y="connsiteY2"/>
+                </a:cxn>
+                <a:cxn ang="0">
+                  <a:pos x="connsiteX3" y="connsiteY3"/>
+                </a:cxn>
+                <a:cxn ang="0">
+                  <a:pos x="connsiteX4" y="connsiteY4"/>
+                </a:cxn>
+                <a:cxn ang="0">
+                  <a:pos x="connsiteX5" y="connsiteY5"/>
+                </a:cxn>
+                <a:cxn ang="0">
+                  <a:pos x="connsiteX6" y="connsiteY6"/>
+                </a:cxn>
+                <a:cxn ang="0">
+                  <a:pos x="connsiteX7" y="connsiteY7"/>
+                </a:cxn>
+                <a:cxn ang="0">
+                  <a:pos x="connsiteX8" y="connsiteY8"/>
+                </a:cxn>
+                <a:cxn ang="0">
+                  <a:pos x="connsiteX9" y="connsiteY9"/>
+                </a:cxn>
+                <a:cxn ang="0">
+                  <a:pos x="connsiteX10" y="connsiteY10"/>
+                </a:cxn>
+                <a:cxn ang="0">
+                  <a:pos x="connsiteX11" y="connsiteY11"/>
+                </a:cxn>
+                <a:cxn ang="0">
+                  <a:pos x="connsiteX12" y="connsiteY12"/>
+                </a:cxn>
+                <a:cxn ang="0">
+                  <a:pos x="connsiteX13" y="connsiteY13"/>
+                </a:cxn>
+                <a:cxn ang="0">
+                  <a:pos x="connsiteX14" y="connsiteY14"/>
+                </a:cxn>
+                <a:cxn ang="0">
+                  <a:pos x="connsiteX15" y="connsiteY15"/>
+                </a:cxn>
+                <a:cxn ang="0">
+                  <a:pos x="connsiteX16" y="connsiteY16"/>
+                </a:cxn>
+                <a:cxn ang="0">
+                  <a:pos x="connsiteX17" y="connsiteY17"/>
+                </a:cxn>
+                <a:cxn ang="0">
+                  <a:pos x="connsiteX18" y="connsiteY18"/>
+                </a:cxn>
+                <a:cxn ang="0">
+                  <a:pos x="connsiteX19" y="connsiteY19"/>
+                </a:cxn>
+                <a:cxn ang="0">
+                  <a:pos x="connsiteX20" y="connsiteY20"/>
+                </a:cxn>
+                <a:cxn ang="0">
+                  <a:pos x="connsiteX21" y="connsiteY21"/>
+                </a:cxn>
+                <a:cxn ang="0">
+                  <a:pos x="connsiteX22" y="connsiteY22"/>
+                </a:cxn>
+                <a:cxn ang="0">
+                  <a:pos x="connsiteX23" y="connsiteY23"/>
+                </a:cxn>
+                <a:cxn ang="0">
+                  <a:pos x="connsiteX24" y="connsiteY24"/>
+                </a:cxn>
+                <a:cxn ang="0">
+                  <a:pos x="connsiteX25" y="connsiteY25"/>
+                </a:cxn>
+                <a:cxn ang="0">
+                  <a:pos x="connsiteX26" y="connsiteY26"/>
+                </a:cxn>
+                <a:cxn ang="0">
+                  <a:pos x="connsiteX27" y="connsiteY27"/>
+                </a:cxn>
+                <a:cxn ang="0">
+                  <a:pos x="connsiteX28" y="connsiteY28"/>
+                </a:cxn>
+                <a:cxn ang="0">
+                  <a:pos x="connsiteX29" y="connsiteY29"/>
+                </a:cxn>
+                <a:cxn ang="0">
+                  <a:pos x="connsiteX30" y="connsiteY30"/>
+                </a:cxn>
+                <a:cxn ang="0">
+                  <a:pos x="connsiteX31" y="connsiteY31"/>
+                </a:cxn>
+                <a:cxn ang="0">
+                  <a:pos x="connsiteX32" y="connsiteY32"/>
+                </a:cxn>
+                <a:cxn ang="0">
+                  <a:pos x="connsiteX33" y="connsiteY33"/>
+                </a:cxn>
+                <a:cxn ang="0">
+                  <a:pos x="connsiteX34" y="connsiteY34"/>
+                </a:cxn>
+                <a:cxn ang="0">
+                  <a:pos x="connsiteX35" y="connsiteY35"/>
+                </a:cxn>
+                <a:cxn ang="0">
+                  <a:pos x="connsiteX36" y="connsiteY36"/>
+                </a:cxn>
+                <a:cxn ang="0">
+                  <a:pos x="connsiteX37" y="connsiteY37"/>
+                </a:cxn>
+                <a:cxn ang="0">
+                  <a:pos x="connsiteX38" y="connsiteY38"/>
+                </a:cxn>
+                <a:cxn ang="0">
+                  <a:pos x="connsiteX39" y="connsiteY39"/>
+                </a:cxn>
+                <a:cxn ang="0">
+                  <a:pos x="connsiteX40" y="connsiteY40"/>
+                </a:cxn>
+                <a:cxn ang="0">
+                  <a:pos x="connsiteX41" y="connsiteY41"/>
+                </a:cxn>
+                <a:cxn ang="0">
+                  <a:pos x="connsiteX42" y="connsiteY42"/>
+                </a:cxn>
+                <a:cxn ang="0">
+                  <a:pos x="connsiteX43" y="connsiteY43"/>
+                </a:cxn>
+                <a:cxn ang="0">
+                  <a:pos x="connsiteX44" y="connsiteY44"/>
+                </a:cxn>
+                <a:cxn ang="0">
+                  <a:pos x="connsiteX45" y="connsiteY45"/>
+                </a:cxn>
+                <a:cxn ang="0">
+                  <a:pos x="connsiteX46" y="connsiteY46"/>
+                </a:cxn>
+                <a:cxn ang="0">
+                  <a:pos x="connsiteX47" y="connsiteY47"/>
+                </a:cxn>
+                <a:cxn ang="0">
+                  <a:pos x="connsiteX48" y="connsiteY48"/>
+                </a:cxn>
+                <a:cxn ang="0">
+                  <a:pos x="connsiteX49" y="connsiteY49"/>
+                </a:cxn>
+                <a:cxn ang="0">
+                  <a:pos x="connsiteX50" y="connsiteY50"/>
+                </a:cxn>
+                <a:cxn ang="0">
+                  <a:pos x="connsiteX51" y="connsiteY51"/>
+                </a:cxn>
+                <a:cxn ang="0">
+                  <a:pos x="connsiteX52" y="connsiteY52"/>
+                </a:cxn>
+                <a:cxn ang="0">
+                  <a:pos x="connsiteX53" y="connsiteY53"/>
+                </a:cxn>
+                <a:cxn ang="0">
+                  <a:pos x="connsiteX54" y="connsiteY54"/>
+                </a:cxn>
+                <a:cxn ang="0">
+                  <a:pos x="connsiteX55" y="connsiteY55"/>
+                </a:cxn>
+                <a:cxn ang="0">
+                  <a:pos x="connsiteX56" y="connsiteY56"/>
+                </a:cxn>
+                <a:cxn ang="0">
+                  <a:pos x="connsiteX57" y="connsiteY57"/>
+                </a:cxn>
+                <a:cxn ang="0">
+                  <a:pos x="connsiteX58" y="connsiteY58"/>
+                </a:cxn>
+                <a:cxn ang="0">
+                  <a:pos x="connsiteX59" y="connsiteY59"/>
+                </a:cxn>
+                <a:cxn ang="0">
+                  <a:pos x="connsiteX60" y="connsiteY60"/>
+                </a:cxn>
+                <a:cxn ang="0">
+                  <a:pos x="connsiteX61" y="connsiteY61"/>
+                </a:cxn>
+                <a:cxn ang="0">
+                  <a:pos x="connsiteX62" y="connsiteY62"/>
+                </a:cxn>
+                <a:cxn ang="0">
+                  <a:pos x="connsiteX63" y="connsiteY63"/>
+                </a:cxn>
+                <a:cxn ang="0">
+                  <a:pos x="connsiteX64" y="connsiteY64"/>
+                </a:cxn>
+                <a:cxn ang="0">
+                  <a:pos x="connsiteX65" y="connsiteY65"/>
+                </a:cxn>
+                <a:cxn ang="0">
+                  <a:pos x="connsiteX66" y="connsiteY66"/>
+                </a:cxn>
+                <a:cxn ang="0">
+                  <a:pos x="connsiteX67" y="connsiteY67"/>
+                </a:cxn>
+                <a:cxn ang="0">
+                  <a:pos x="connsiteX68" y="connsiteY68"/>
+                </a:cxn>
+                <a:cxn ang="0">
+                  <a:pos x="connsiteX69" y="connsiteY69"/>
+                </a:cxn>
+                <a:cxn ang="0">
+                  <a:pos x="connsiteX70" y="connsiteY70"/>
+                </a:cxn>
+                <a:cxn ang="0">
+                  <a:pos x="connsiteX71" y="connsiteY71"/>
+                </a:cxn>
+                <a:cxn ang="0">
+                  <a:pos x="connsiteX72" y="connsiteY72"/>
+                </a:cxn>
+                <a:cxn ang="0">
+                  <a:pos x="connsiteX73" y="connsiteY73"/>
+                </a:cxn>
+                <a:cxn ang="0">
+                  <a:pos x="connsiteX74" y="connsiteY74"/>
+                </a:cxn>
+                <a:cxn ang="0">
+                  <a:pos x="connsiteX75" y="connsiteY75"/>
+                </a:cxn>
+                <a:cxn ang="0">
+                  <a:pos x="connsiteX76" y="connsiteY76"/>
+                </a:cxn>
+                <a:cxn ang="0">
+                  <a:pos x="connsiteX77" y="connsiteY77"/>
+                </a:cxn>
+                <a:cxn ang="0">
+                  <a:pos x="connsiteX78" y="connsiteY78"/>
+                </a:cxn>
+                <a:cxn ang="0">
+                  <a:pos x="connsiteX79" y="connsiteY79"/>
+                </a:cxn>
+                <a:cxn ang="0">
+                  <a:pos x="connsiteX80" y="connsiteY80"/>
+                </a:cxn>
+                <a:cxn ang="0">
+                  <a:pos x="connsiteX81" y="connsiteY81"/>
+                </a:cxn>
+                <a:cxn ang="0">
+                  <a:pos x="connsiteX82" y="connsiteY82"/>
+                </a:cxn>
+                <a:cxn ang="0">
+                  <a:pos x="connsiteX83" y="connsiteY83"/>
+                </a:cxn>
+                <a:cxn ang="0">
+                  <a:pos x="connsiteX84" y="connsiteY84"/>
+                </a:cxn>
+                <a:cxn ang="0">
+                  <a:pos x="connsiteX85" y="connsiteY85"/>
+                </a:cxn>
+                <a:cxn ang="0">
+                  <a:pos x="connsiteX86" y="connsiteY86"/>
+                </a:cxn>
+                <a:cxn ang="0">
+                  <a:pos x="connsiteX87" y="connsiteY87"/>
+                </a:cxn>
+                <a:cxn ang="0">
+                  <a:pos x="connsiteX88" y="connsiteY88"/>
+                </a:cxn>
+                <a:cxn ang="0">
+                  <a:pos x="connsiteX89" y="connsiteY89"/>
+                </a:cxn>
+                <a:cxn ang="0">
+                  <a:pos x="connsiteX90" y="connsiteY90"/>
+                </a:cxn>
+                <a:cxn ang="0">
+                  <a:pos x="connsiteX91" y="connsiteY91"/>
+                </a:cxn>
+                <a:cxn ang="0">
+                  <a:pos x="connsiteX92" y="connsiteY92"/>
+                </a:cxn>
+                <a:cxn ang="0">
+                  <a:pos x="connsiteX93" y="connsiteY93"/>
+                </a:cxn>
+                <a:cxn ang="0">
+                  <a:pos x="connsiteX94" y="connsiteY94"/>
+                </a:cxn>
+                <a:cxn ang="0">
+                  <a:pos x="connsiteX95" y="connsiteY95"/>
+                </a:cxn>
+                <a:cxn ang="0">
+                  <a:pos x="connsiteX96" y="connsiteY96"/>
+                </a:cxn>
+                <a:cxn ang="0">
+                  <a:pos x="connsiteX97" y="connsiteY97"/>
+                </a:cxn>
+                <a:cxn ang="0">
+                  <a:pos x="connsiteX98" y="connsiteY98"/>
+                </a:cxn>
+                <a:cxn ang="0">
+                  <a:pos x="connsiteX99" y="connsiteY99"/>
+                </a:cxn>
+                <a:cxn ang="0">
+                  <a:pos x="connsiteX100" y="connsiteY100"/>
+                </a:cxn>
+                <a:cxn ang="0">
+                  <a:pos x="connsiteX101" y="connsiteY101"/>
+                </a:cxn>
+                <a:cxn ang="0">
+                  <a:pos x="connsiteX102" y="connsiteY102"/>
+                </a:cxn>
+                <a:cxn ang="0">
+                  <a:pos x="connsiteX103" y="connsiteY103"/>
+                </a:cxn>
+                <a:cxn ang="0">
+                  <a:pos x="connsiteX104" y="connsiteY104"/>
+                </a:cxn>
+                <a:cxn ang="0">
+                  <a:pos x="connsiteX105" y="connsiteY105"/>
+                </a:cxn>
+                <a:cxn ang="0">
+                  <a:pos x="connsiteX106" y="connsiteY106"/>
+                </a:cxn>
+                <a:cxn ang="0">
+                  <a:pos x="connsiteX107" y="connsiteY107"/>
+                </a:cxn>
+                <a:cxn ang="0">
+                  <a:pos x="connsiteX108" y="connsiteY108"/>
+                </a:cxn>
+                <a:cxn ang="0">
+                  <a:pos x="connsiteX109" y="connsiteY109"/>
+                </a:cxn>
+                <a:cxn ang="0">
+                  <a:pos x="connsiteX110" y="connsiteY110"/>
+                </a:cxn>
+                <a:cxn ang="0">
+                  <a:pos x="connsiteX111" y="connsiteY111"/>
+                </a:cxn>
+                <a:cxn ang="0">
+                  <a:pos x="connsiteX112" y="connsiteY112"/>
+                </a:cxn>
+                <a:cxn ang="0">
+                  <a:pos x="connsiteX113" y="connsiteY113"/>
+                </a:cxn>
+                <a:cxn ang="0">
+                  <a:pos x="connsiteX114" y="connsiteY114"/>
+                </a:cxn>
+                <a:cxn ang="0">
+                  <a:pos x="connsiteX115" y="connsiteY115"/>
+                </a:cxn>
+                <a:cxn ang="0">
+                  <a:pos x="connsiteX116" y="connsiteY116"/>
+                </a:cxn>
+                <a:cxn ang="0">
+                  <a:pos x="connsiteX117" y="connsiteY117"/>
+                </a:cxn>
+                <a:cxn ang="0">
+                  <a:pos x="connsiteX118" y="connsiteY118"/>
+                </a:cxn>
+                <a:cxn ang="0">
+                  <a:pos x="connsiteX119" y="connsiteY119"/>
+                </a:cxn>
+                <a:cxn ang="0">
+                  <a:pos x="connsiteX120" y="connsiteY120"/>
+                </a:cxn>
+                <a:cxn ang="0">
+                  <a:pos x="connsiteX121" y="connsiteY121"/>
+                </a:cxn>
+                <a:cxn ang="0">
+                  <a:pos x="connsiteX122" y="connsiteY122"/>
+                </a:cxn>
+                <a:cxn ang="0">
+                  <a:pos x="connsiteX123" y="connsiteY123"/>
+                </a:cxn>
+                <a:cxn ang="0">
+                  <a:pos x="connsiteX124" y="connsiteY124"/>
+                </a:cxn>
+                <a:cxn ang="0">
+                  <a:pos x="connsiteX125" y="connsiteY125"/>
+                </a:cxn>
+                <a:cxn ang="0">
+                  <a:pos x="connsiteX126" y="connsiteY126"/>
+                </a:cxn>
+                <a:cxn ang="0">
+                  <a:pos x="connsiteX127" y="connsiteY127"/>
+                </a:cxn>
+                <a:cxn ang="0">
+                  <a:pos x="connsiteX128" y="connsiteY128"/>
+                </a:cxn>
+                <a:cxn ang="0">
+                  <a:pos x="connsiteX129" y="connsiteY129"/>
+                </a:cxn>
+                <a:cxn ang="0">
+                  <a:pos x="connsiteX130" y="connsiteY130"/>
+                </a:cxn>
+                <a:cxn ang="0">
+                  <a:pos x="connsiteX131" y="connsiteY131"/>
+                </a:cxn>
+                <a:cxn ang="0">
+                  <a:pos x="connsiteX132" y="connsiteY132"/>
+                </a:cxn>
+                <a:cxn ang="0">
+                  <a:pos x="connsiteX133" y="connsiteY133"/>
+                </a:cxn>
+                <a:cxn ang="0">
+                  <a:pos x="connsiteX134" y="connsiteY134"/>
+                </a:cxn>
+                <a:cxn ang="0">
+                  <a:pos x="connsiteX135" y="connsiteY135"/>
+                </a:cxn>
+                <a:cxn ang="0">
+                  <a:pos x="connsiteX136" y="connsiteY136"/>
+                </a:cxn>
+                <a:cxn ang="0">
+                  <a:pos x="connsiteX137" y="connsiteY137"/>
+                </a:cxn>
+                <a:cxn ang="0">
+                  <a:pos x="connsiteX138" y="connsiteY138"/>
+                </a:cxn>
+                <a:cxn ang="0">
+                  <a:pos x="connsiteX139" y="connsiteY139"/>
+                </a:cxn>
+                <a:cxn ang="0">
+                  <a:pos x="connsiteX140" y="connsiteY140"/>
+                </a:cxn>
+                <a:cxn ang="0">
+                  <a:pos x="connsiteX141" y="connsiteY141"/>
+                </a:cxn>
+                <a:cxn ang="0">
+                  <a:pos x="connsiteX142" y="connsiteY142"/>
+                </a:cxn>
+                <a:cxn ang="0">
+                  <a:pos x="connsiteX143" y="connsiteY143"/>
+                </a:cxn>
+                <a:cxn ang="0">
+                  <a:pos x="connsiteX144" y="connsiteY144"/>
+                </a:cxn>
+                <a:cxn ang="0">
+                  <a:pos x="connsiteX145" y="connsiteY145"/>
+                </a:cxn>
+                <a:cxn ang="0">
+                  <a:pos x="connsiteX146" y="connsiteY146"/>
+                </a:cxn>
+                <a:cxn ang="0">
+                  <a:pos x="connsiteX147" y="connsiteY147"/>
+                </a:cxn>
+                <a:cxn ang="0">
+                  <a:pos x="connsiteX148" y="connsiteY148"/>
+                </a:cxn>
+                <a:cxn ang="0">
+                  <a:pos x="connsiteX149" y="connsiteY149"/>
+                </a:cxn>
+                <a:cxn ang="0">
+                  <a:pos x="connsiteX150" y="connsiteY150"/>
+                </a:cxn>
+                <a:cxn ang="0">
+                  <a:pos x="connsiteX151" y="connsiteY151"/>
+                </a:cxn>
+                <a:cxn ang="0">
+                  <a:pos x="connsiteX152" y="connsiteY152"/>
+                </a:cxn>
+                <a:cxn ang="0">
+                  <a:pos x="connsiteX153" y="connsiteY153"/>
+                </a:cxn>
+                <a:cxn ang="0">
+                  <a:pos x="connsiteX154" y="connsiteY154"/>
+                </a:cxn>
+                <a:cxn ang="0">
+                  <a:pos x="connsiteX155" y="connsiteY155"/>
+                </a:cxn>
+                <a:cxn ang="0">
+                  <a:pos x="connsiteX156" y="connsiteY156"/>
+                </a:cxn>
+                <a:cxn ang="0">
+                  <a:pos x="connsiteX157" y="connsiteY157"/>
+                </a:cxn>
+                <a:cxn ang="0">
+                  <a:pos x="connsiteX158" y="connsiteY158"/>
+                </a:cxn>
+                <a:cxn ang="0">
+                  <a:pos x="connsiteX159" y="connsiteY159"/>
+                </a:cxn>
+                <a:cxn ang="0">
+                  <a:pos x="connsiteX160" y="connsiteY160"/>
+                </a:cxn>
+                <a:cxn ang="0">
+                  <a:pos x="connsiteX161" y="connsiteY161"/>
+                </a:cxn>
+                <a:cxn ang="0">
+                  <a:pos x="connsiteX162" y="connsiteY162"/>
+                </a:cxn>
+                <a:cxn ang="0">
+                  <a:pos x="connsiteX163" y="connsiteY163"/>
+                </a:cxn>
+                <a:cxn ang="0">
+                  <a:pos x="connsiteX164" y="connsiteY164"/>
+                </a:cxn>
+                <a:cxn ang="0">
+                  <a:pos x="connsiteX165" y="connsiteY165"/>
+                </a:cxn>
+                <a:cxn ang="0">
+                  <a:pos x="connsiteX166" y="connsiteY166"/>
+                </a:cxn>
+                <a:cxn ang="0">
+                  <a:pos x="connsiteX167" y="connsiteY167"/>
+                </a:cxn>
+                <a:cxn ang="0">
+                  <a:pos x="connsiteX168" y="connsiteY168"/>
+                </a:cxn>
+                <a:cxn ang="0">
+                  <a:pos x="connsiteX169" y="connsiteY169"/>
+                </a:cxn>
+                <a:cxn ang="0">
+                  <a:pos x="connsiteX170" y="connsiteY170"/>
+                </a:cxn>
+                <a:cxn ang="0">
+                  <a:pos x="connsiteX171" y="connsiteY171"/>
+                </a:cxn>
+                <a:cxn ang="0">
+                  <a:pos x="connsiteX172" y="connsiteY172"/>
+                </a:cxn>
+                <a:cxn ang="0">
+                  <a:pos x="connsiteX173" y="connsiteY173"/>
+                </a:cxn>
+                <a:cxn ang="0">
+                  <a:pos x="connsiteX174" y="connsiteY174"/>
+                </a:cxn>
+                <a:cxn ang="0">
+                  <a:pos x="connsiteX175" y="connsiteY175"/>
+                </a:cxn>
+                <a:cxn ang="0">
+                  <a:pos x="connsiteX176" y="connsiteY176"/>
+                </a:cxn>
+                <a:cxn ang="0">
+                  <a:pos x="connsiteX177" y="connsiteY177"/>
+                </a:cxn>
+                <a:cxn ang="0">
+                  <a:pos x="connsiteX178" y="connsiteY178"/>
+                </a:cxn>
+                <a:cxn ang="0">
+                  <a:pos x="connsiteX179" y="connsiteY179"/>
+                </a:cxn>
+                <a:cxn ang="0">
+                  <a:pos x="connsiteX180" y="connsiteY180"/>
+                </a:cxn>
+                <a:cxn ang="0">
+                  <a:pos x="connsiteX181" y="connsiteY181"/>
+                </a:cxn>
+                <a:cxn ang="0">
+                  <a:pos x="connsiteX182" y="connsiteY182"/>
+                </a:cxn>
+                <a:cxn ang="0">
+                  <a:pos x="connsiteX183" y="connsiteY183"/>
+                </a:cxn>
+                <a:cxn ang="0">
+                  <a:pos x="connsiteX184" y="connsiteY184"/>
+                </a:cxn>
+                <a:cxn ang="0">
+                  <a:pos x="connsiteX185" y="connsiteY185"/>
+                </a:cxn>
+                <a:cxn ang="0">
+                  <a:pos x="connsiteX186" y="connsiteY186"/>
+                </a:cxn>
+                <a:cxn ang="0">
+                  <a:pos x="connsiteX187" y="connsiteY187"/>
+                </a:cxn>
+                <a:cxn ang="0">
+                  <a:pos x="connsiteX188" y="connsiteY188"/>
+                </a:cxn>
+                <a:cxn ang="0">
+                  <a:pos x="connsiteX189" y="connsiteY189"/>
+                </a:cxn>
+                <a:cxn ang="0">
+                  <a:pos x="connsiteX190" y="connsiteY190"/>
+                </a:cxn>
+                <a:cxn ang="0">
+                  <a:pos x="connsiteX191" y="connsiteY191"/>
+                </a:cxn>
+                <a:cxn ang="0">
+                  <a:pos x="connsiteX192" y="connsiteY192"/>
+                </a:cxn>
+                <a:cxn ang="0">
+                  <a:pos x="connsiteX193" y="connsiteY193"/>
+                </a:cxn>
+              </a:cxnLst>
+              <a:rect l="l" t="t" r="r" b="b"/>
+              <a:pathLst>
+                <a:path w="6857455" h="874716">
+                  <a:moveTo>
+                    <a:pt x="6857455" y="804643"/>
+                  </a:moveTo>
+                  <a:lnTo>
+                    <a:pt x="6857455" y="562246"/>
+                  </a:lnTo>
+                  <a:lnTo>
+                    <a:pt x="6829178" y="551284"/>
+                  </a:lnTo>
+                  <a:cubicBezTo>
+                    <a:pt x="6805745" y="539044"/>
+                    <a:pt x="6784885" y="521708"/>
+                    <a:pt x="6766024" y="500372"/>
+                  </a:cubicBezTo>
+                  <a:cubicBezTo>
+                    <a:pt x="6755166" y="488179"/>
+                    <a:pt x="6746784" y="486845"/>
+                    <a:pt x="6734971" y="500944"/>
+                  </a:cubicBezTo>
+                  <a:cubicBezTo>
+                    <a:pt x="6721257" y="517326"/>
+                    <a:pt x="6701634" y="510850"/>
+                    <a:pt x="6683915" y="507040"/>
+                  </a:cubicBezTo>
+                  <a:cubicBezTo>
+                    <a:pt x="6665629" y="503230"/>
+                    <a:pt x="6647148" y="499228"/>
+                    <a:pt x="6628860" y="495418"/>
+                  </a:cubicBezTo>
+                  <a:cubicBezTo>
+                    <a:pt x="6615335" y="492752"/>
+                    <a:pt x="6601999" y="490466"/>
+                    <a:pt x="6588662" y="487227"/>
+                  </a:cubicBezTo>
+                  <a:cubicBezTo>
+                    <a:pt x="6547133" y="477129"/>
+                    <a:pt x="6509794" y="480177"/>
+                    <a:pt x="6476074" y="511230"/>
+                  </a:cubicBezTo>
+                  <a:cubicBezTo>
+                    <a:pt x="6450356" y="535043"/>
+                    <a:pt x="6417399" y="542093"/>
+                    <a:pt x="6382345" y="534853"/>
+                  </a:cubicBezTo>
+                  <a:cubicBezTo>
+                    <a:pt x="6377963" y="533901"/>
+                    <a:pt x="6372439" y="530091"/>
+                    <a:pt x="6369391" y="531615"/>
+                  </a:cubicBezTo>
+                  <a:cubicBezTo>
+                    <a:pt x="6323479" y="553904"/>
+                    <a:pt x="6287092" y="514658"/>
+                    <a:pt x="6244799" y="512182"/>
+                  </a:cubicBezTo>
+                  <a:cubicBezTo>
+                    <a:pt x="6226130" y="511040"/>
+                    <a:pt x="6207079" y="496942"/>
+                    <a:pt x="6190315" y="485703"/>
+                  </a:cubicBezTo>
+                  <a:cubicBezTo>
+                    <a:pt x="6167262" y="470271"/>
+                    <a:pt x="6146687" y="455412"/>
+                    <a:pt x="6115446" y="462270"/>
+                  </a:cubicBezTo>
+                  <a:cubicBezTo>
+                    <a:pt x="6084203" y="469319"/>
+                    <a:pt x="6055627" y="456364"/>
+                    <a:pt x="6032194" y="434266"/>
+                  </a:cubicBezTo>
+                  <a:cubicBezTo>
+                    <a:pt x="6014287" y="417501"/>
+                    <a:pt x="5994665" y="415977"/>
+                    <a:pt x="5971042" y="420738"/>
+                  </a:cubicBezTo>
+                  <a:cubicBezTo>
+                    <a:pt x="5941513" y="426645"/>
+                    <a:pt x="5910842" y="427027"/>
+                    <a:pt x="5880933" y="430646"/>
+                  </a:cubicBezTo>
+                  <a:cubicBezTo>
+                    <a:pt x="5874454" y="431408"/>
+                    <a:pt x="5866265" y="434076"/>
+                    <a:pt x="5862452" y="438648"/>
+                  </a:cubicBezTo>
+                  <a:cubicBezTo>
+                    <a:pt x="5815779" y="495418"/>
+                    <a:pt x="5750055" y="495990"/>
+                    <a:pt x="5685283" y="498658"/>
+                  </a:cubicBezTo>
+                  <a:cubicBezTo>
+                    <a:pt x="5646039" y="500372"/>
+                    <a:pt x="5606604" y="500372"/>
+                    <a:pt x="5567169" y="499420"/>
+                  </a:cubicBezTo>
+                  <a:cubicBezTo>
+                    <a:pt x="5553832" y="499228"/>
+                    <a:pt x="5539736" y="496180"/>
+                    <a:pt x="5527923" y="490466"/>
+                  </a:cubicBezTo>
+                  <a:cubicBezTo>
+                    <a:pt x="5503348" y="478463"/>
+                    <a:pt x="5480680" y="462843"/>
+                    <a:pt x="5456292" y="450650"/>
+                  </a:cubicBezTo>
+                  <a:cubicBezTo>
+                    <a:pt x="5447151" y="445886"/>
+                    <a:pt x="5435338" y="445696"/>
+                    <a:pt x="5424670" y="444934"/>
+                  </a:cubicBezTo>
+                  <a:cubicBezTo>
+                    <a:pt x="5405809" y="443410"/>
+                    <a:pt x="5384854" y="447982"/>
+                    <a:pt x="5368662" y="441124"/>
+                  </a:cubicBezTo>
+                  <a:cubicBezTo>
+                    <a:pt x="5326559" y="423407"/>
+                    <a:pt x="5287123" y="427407"/>
+                    <a:pt x="5247118" y="444934"/>
+                  </a:cubicBezTo>
+                  <a:cubicBezTo>
+                    <a:pt x="5191108" y="469509"/>
+                    <a:pt x="5138148" y="467605"/>
+                    <a:pt x="5088617" y="428742"/>
+                  </a:cubicBezTo>
+                  <a:cubicBezTo>
+                    <a:pt x="5066328" y="411215"/>
+                    <a:pt x="5044609" y="419596"/>
+                    <a:pt x="5025750" y="433694"/>
+                  </a:cubicBezTo>
+                  <a:cubicBezTo>
+                    <a:pt x="5004032" y="450078"/>
+                    <a:pt x="4982885" y="454268"/>
+                    <a:pt x="4957930" y="442268"/>
+                  </a:cubicBezTo>
+                  <a:cubicBezTo>
+                    <a:pt x="4952404" y="439600"/>
+                    <a:pt x="4944594" y="440933"/>
+                    <a:pt x="4938116" y="441886"/>
+                  </a:cubicBezTo>
+                  <a:cubicBezTo>
+                    <a:pt x="4901158" y="446648"/>
+                    <a:pt x="4864009" y="454650"/>
+                    <a:pt x="4833910" y="421693"/>
+                  </a:cubicBezTo>
+                  <a:cubicBezTo>
+                    <a:pt x="4828004" y="415214"/>
+                    <a:pt x="4818097" y="412549"/>
+                    <a:pt x="4810095" y="408167"/>
+                  </a:cubicBezTo>
+                  <a:cubicBezTo>
+                    <a:pt x="4776566" y="390258"/>
+                    <a:pt x="4777900" y="391974"/>
+                    <a:pt x="4747991" y="413691"/>
+                  </a:cubicBezTo>
+                  <a:cubicBezTo>
+                    <a:pt x="4732369" y="425121"/>
+                    <a:pt x="4710842" y="436742"/>
+                    <a:pt x="4692745" y="435790"/>
+                  </a:cubicBezTo>
+                  <a:cubicBezTo>
+                    <a:pt x="4583584" y="430075"/>
+                    <a:pt x="4479758" y="457508"/>
+                    <a:pt x="4375933" y="483417"/>
+                  </a:cubicBezTo>
+                  <a:cubicBezTo>
+                    <a:pt x="4311923" y="499420"/>
+                    <a:pt x="4249436" y="500372"/>
+                    <a:pt x="4185426" y="484179"/>
+                  </a:cubicBezTo>
+                  <a:cubicBezTo>
+                    <a:pt x="4139133" y="472367"/>
+                    <a:pt x="4095315" y="491800"/>
+                    <a:pt x="4052072" y="505134"/>
+                  </a:cubicBezTo>
+                  <a:cubicBezTo>
+                    <a:pt x="4043117" y="507799"/>
+                    <a:pt x="4034735" y="518278"/>
+                    <a:pt x="4029973" y="527233"/>
+                  </a:cubicBezTo>
+                  <a:cubicBezTo>
+                    <a:pt x="4012826" y="558858"/>
+                    <a:pt x="3984441" y="563810"/>
+                    <a:pt x="3948626" y="550666"/>
+                  </a:cubicBezTo>
+                  <a:cubicBezTo>
+                    <a:pt x="3920241" y="540377"/>
+                    <a:pt x="3894332" y="526661"/>
+                    <a:pt x="3871280" y="502275"/>
+                  </a:cubicBezTo>
+                  <a:cubicBezTo>
+                    <a:pt x="3844229" y="473701"/>
+                    <a:pt x="3816224" y="441124"/>
+                    <a:pt x="3774312" y="429122"/>
+                  </a:cubicBezTo>
+                  <a:cubicBezTo>
+                    <a:pt x="3756214" y="423979"/>
+                    <a:pt x="3740593" y="423217"/>
+                    <a:pt x="3721543" y="428552"/>
+                  </a:cubicBezTo>
+                  <a:cubicBezTo>
+                    <a:pt x="3684583" y="438837"/>
+                    <a:pt x="3647436" y="446078"/>
+                    <a:pt x="3612763" y="414263"/>
+                  </a:cubicBezTo>
+                  <a:cubicBezTo>
+                    <a:pt x="3593712" y="396736"/>
+                    <a:pt x="3567994" y="385496"/>
+                    <a:pt x="3537323" y="389878"/>
+                  </a:cubicBezTo>
+                  <a:cubicBezTo>
+                    <a:pt x="3499031" y="395402"/>
+                    <a:pt x="3464168" y="381496"/>
+                    <a:pt x="3431593" y="360921"/>
+                  </a:cubicBezTo>
+                  <a:cubicBezTo>
+                    <a:pt x="3419971" y="353491"/>
+                    <a:pt x="3405682" y="349301"/>
+                    <a:pt x="3392158" y="345681"/>
+                  </a:cubicBezTo>
+                  <a:cubicBezTo>
+                    <a:pt x="3360915" y="337298"/>
+                    <a:pt x="3329480" y="329868"/>
+                    <a:pt x="3297856" y="323010"/>
+                  </a:cubicBezTo>
+                  <a:cubicBezTo>
+                    <a:pt x="3271948" y="317296"/>
+                    <a:pt x="3245849" y="313104"/>
+                    <a:pt x="3219748" y="308151"/>
+                  </a:cubicBezTo>
+                  <a:cubicBezTo>
+                    <a:pt x="3191173" y="302817"/>
+                    <a:pt x="3168502" y="290433"/>
+                    <a:pt x="3156692" y="261668"/>
+                  </a:cubicBezTo>
+                  <a:cubicBezTo>
+                    <a:pt x="3152882" y="252524"/>
+                    <a:pt x="3143737" y="245283"/>
+                    <a:pt x="3136497" y="237663"/>
+                  </a:cubicBezTo>
+                  <a:cubicBezTo>
+                    <a:pt x="3131355" y="232139"/>
+                    <a:pt x="3124495" y="227947"/>
+                    <a:pt x="3119733" y="222233"/>
+                  </a:cubicBezTo>
+                  <a:cubicBezTo>
+                    <a:pt x="3094776" y="192132"/>
+                    <a:pt x="3070201" y="161843"/>
+                    <a:pt x="3045436" y="131742"/>
+                  </a:cubicBezTo>
+                  <a:cubicBezTo>
+                    <a:pt x="3042958" y="128884"/>
+                    <a:pt x="3040292" y="125455"/>
+                    <a:pt x="3037054" y="124121"/>
+                  </a:cubicBezTo>
+                  <a:cubicBezTo>
+                    <a:pt x="3003525" y="110215"/>
+                    <a:pt x="2969614" y="97070"/>
+                    <a:pt x="2936466" y="82400"/>
+                  </a:cubicBezTo>
+                  <a:cubicBezTo>
+                    <a:pt x="2923702" y="76686"/>
+                    <a:pt x="2910558" y="69637"/>
+                    <a:pt x="2901031" y="59731"/>
+                  </a:cubicBezTo>
+                  <a:cubicBezTo>
+                    <a:pt x="2879314" y="37250"/>
+                    <a:pt x="2859502" y="12866"/>
+                    <a:pt x="2828259" y="3149"/>
+                  </a:cubicBezTo>
+                  <a:cubicBezTo>
+                    <a:pt x="2819114" y="293"/>
+                    <a:pt x="2808256" y="-1231"/>
+                    <a:pt x="2799492" y="1245"/>
+                  </a:cubicBezTo>
+                  <a:cubicBezTo>
+                    <a:pt x="2763867" y="11532"/>
+                    <a:pt x="2729005" y="24296"/>
+                    <a:pt x="2693570" y="35154"/>
+                  </a:cubicBezTo>
+                  <a:cubicBezTo>
+                    <a:pt x="2671092" y="41823"/>
+                    <a:pt x="2650707" y="49825"/>
+                    <a:pt x="2639847" y="73448"/>
+                  </a:cubicBezTo>
+                  <a:cubicBezTo>
+                    <a:pt x="2636801" y="80114"/>
+                    <a:pt x="2628226" y="87354"/>
+                    <a:pt x="2621178" y="88688"/>
+                  </a:cubicBezTo>
+                  <a:cubicBezTo>
+                    <a:pt x="2575839" y="97260"/>
+                    <a:pt x="2531069" y="101451"/>
+                    <a:pt x="2489348" y="72304"/>
+                  </a:cubicBezTo>
+                  <a:cubicBezTo>
+                    <a:pt x="2480585" y="66017"/>
+                    <a:pt x="2464201" y="66017"/>
+                    <a:pt x="2452580" y="68683"/>
+                  </a:cubicBezTo>
+                  <a:cubicBezTo>
+                    <a:pt x="2407811" y="78590"/>
+                    <a:pt x="2365328" y="82020"/>
+                    <a:pt x="2326464" y="50395"/>
+                  </a:cubicBezTo>
+                  <a:cubicBezTo>
+                    <a:pt x="2321892" y="46585"/>
+                    <a:pt x="2307224" y="50015"/>
+                    <a:pt x="2300365" y="54777"/>
+                  </a:cubicBezTo>
+                  <a:cubicBezTo>
+                    <a:pt x="2234259" y="101261"/>
+                    <a:pt x="2198064" y="102405"/>
+                    <a:pt x="2130434" y="58397"/>
+                  </a:cubicBezTo>
+                  <a:cubicBezTo>
+                    <a:pt x="2126052" y="55539"/>
+                    <a:pt x="2120337" y="52301"/>
+                    <a:pt x="2118621" y="47919"/>
+                  </a:cubicBezTo>
+                  <a:cubicBezTo>
+                    <a:pt x="2107001" y="19914"/>
+                    <a:pt x="2082236" y="19152"/>
+                    <a:pt x="2057659" y="16866"/>
+                  </a:cubicBezTo>
+                  <a:cubicBezTo>
+                    <a:pt x="2030608" y="14390"/>
+                    <a:pt x="2003555" y="11152"/>
+                    <a:pt x="1976314" y="8865"/>
+                  </a:cubicBezTo>
+                  <a:cubicBezTo>
+                    <a:pt x="1971550" y="8483"/>
+                    <a:pt x="1966216" y="10007"/>
+                    <a:pt x="1961454" y="11724"/>
+                  </a:cubicBezTo>
+                  <a:cubicBezTo>
+                    <a:pt x="1943165" y="18010"/>
+                    <a:pt x="1925449" y="27154"/>
+                    <a:pt x="1906588" y="30964"/>
+                  </a:cubicBezTo>
+                  <a:cubicBezTo>
+                    <a:pt x="1865821" y="39156"/>
+                    <a:pt x="1826385" y="55539"/>
+                    <a:pt x="1783330" y="48871"/>
+                  </a:cubicBezTo>
+                  <a:cubicBezTo>
+                    <a:pt x="1775902" y="47729"/>
+                    <a:pt x="1767327" y="53253"/>
+                    <a:pt x="1759327" y="55349"/>
+                  </a:cubicBezTo>
+                  <a:cubicBezTo>
+                    <a:pt x="1744849" y="58969"/>
+                    <a:pt x="1730750" y="64111"/>
+                    <a:pt x="1716082" y="65445"/>
+                  </a:cubicBezTo>
+                  <a:cubicBezTo>
+                    <a:pt x="1677218" y="68875"/>
+                    <a:pt x="1637975" y="71924"/>
+                    <a:pt x="1598920" y="72114"/>
+                  </a:cubicBezTo>
+                  <a:cubicBezTo>
+                    <a:pt x="1580061" y="72304"/>
+                    <a:pt x="1561201" y="65065"/>
+                    <a:pt x="1542150" y="62207"/>
+                  </a:cubicBezTo>
+                  <a:cubicBezTo>
+                    <a:pt x="1533578" y="60873"/>
+                    <a:pt x="1519669" y="58587"/>
+                    <a:pt x="1516813" y="62779"/>
+                  </a:cubicBezTo>
+                  <a:cubicBezTo>
+                    <a:pt x="1494714" y="94592"/>
+                    <a:pt x="1463661" y="88496"/>
+                    <a:pt x="1432228" y="88116"/>
+                  </a:cubicBezTo>
+                  <a:cubicBezTo>
+                    <a:pt x="1362884" y="87354"/>
+                    <a:pt x="1295826" y="60493"/>
+                    <a:pt x="1224765" y="71924"/>
+                  </a:cubicBezTo>
+                  <a:cubicBezTo>
+                    <a:pt x="1204191" y="75162"/>
+                    <a:pt x="1181330" y="62397"/>
+                    <a:pt x="1159231" y="58207"/>
+                  </a:cubicBezTo>
+                  <a:cubicBezTo>
+                    <a:pt x="1147801" y="56111"/>
+                    <a:pt x="1135228" y="53633"/>
+                    <a:pt x="1124370" y="56301"/>
+                  </a:cubicBezTo>
+                  <a:cubicBezTo>
+                    <a:pt x="1107605" y="60493"/>
+                    <a:pt x="1091411" y="68113"/>
+                    <a:pt x="1075600" y="75542"/>
+                  </a:cubicBezTo>
+                  <a:cubicBezTo>
+                    <a:pt x="1046261" y="89258"/>
+                    <a:pt x="1016162" y="89258"/>
+                    <a:pt x="986633" y="79162"/>
+                  </a:cubicBezTo>
+                  <a:cubicBezTo>
+                    <a:pt x="944722" y="64873"/>
+                    <a:pt x="903193" y="64873"/>
+                    <a:pt x="861089" y="76304"/>
+                  </a:cubicBezTo>
+                  <a:cubicBezTo>
+                    <a:pt x="826990" y="85638"/>
+                    <a:pt x="791935" y="92116"/>
+                    <a:pt x="759168" y="104689"/>
+                  </a:cubicBezTo>
+                  <a:cubicBezTo>
+                    <a:pt x="744689" y="110215"/>
+                    <a:pt x="732497" y="126597"/>
+                    <a:pt x="723735" y="140696"/>
+                  </a:cubicBezTo>
+                  <a:cubicBezTo>
+                    <a:pt x="706018" y="169271"/>
+                    <a:pt x="674013" y="169081"/>
+                    <a:pt x="647532" y="147934"/>
+                  </a:cubicBezTo>
+                  <a:cubicBezTo>
+                    <a:pt x="619717" y="125645"/>
+                    <a:pt x="584664" y="112501"/>
+                    <a:pt x="552659" y="95926"/>
+                  </a:cubicBezTo>
+                  <a:cubicBezTo>
+                    <a:pt x="549993" y="94592"/>
+                    <a:pt x="545039" y="96116"/>
+                    <a:pt x="541800" y="97640"/>
+                  </a:cubicBezTo>
+                  <a:cubicBezTo>
+                    <a:pt x="488649" y="122407"/>
+                    <a:pt x="433593" y="126979"/>
+                    <a:pt x="375107" y="123169"/>
+                  </a:cubicBezTo>
+                  <a:cubicBezTo>
+                    <a:pt x="341960" y="121073"/>
+                    <a:pt x="307289" y="137076"/>
+                    <a:pt x="273567" y="145458"/>
+                  </a:cubicBezTo>
+                  <a:cubicBezTo>
+                    <a:pt x="269757" y="146410"/>
+                    <a:pt x="266519" y="151174"/>
+                    <a:pt x="264043" y="154792"/>
+                  </a:cubicBezTo>
+                  <a:cubicBezTo>
+                    <a:pt x="240228" y="190800"/>
+                    <a:pt x="208223" y="200706"/>
+                    <a:pt x="169360" y="177273"/>
+                  </a:cubicBezTo>
+                  <a:cubicBezTo>
+                    <a:pt x="143643" y="161651"/>
+                    <a:pt x="118114" y="158032"/>
+                    <a:pt x="89347" y="157460"/>
+                  </a:cubicBezTo>
+                  <a:cubicBezTo>
+                    <a:pt x="71059" y="157078"/>
+                    <a:pt x="52962" y="147934"/>
+                    <a:pt x="34291" y="145268"/>
+                  </a:cubicBezTo>
+                  <a:lnTo>
+                    <a:pt x="0" y="142056"/>
+                  </a:lnTo>
+                  <a:lnTo>
+                    <a:pt x="0" y="849556"/>
+                  </a:lnTo>
+                  <a:lnTo>
+                    <a:pt x="60652" y="844783"/>
+                  </a:lnTo>
+                  <a:cubicBezTo>
+                    <a:pt x="80251" y="839473"/>
+                    <a:pt x="99446" y="832043"/>
+                    <a:pt x="119068" y="827281"/>
+                  </a:cubicBezTo>
+                  <a:cubicBezTo>
+                    <a:pt x="137355" y="822899"/>
+                    <a:pt x="154501" y="812802"/>
+                    <a:pt x="171840" y="804420"/>
+                  </a:cubicBezTo>
+                  <a:cubicBezTo>
+                    <a:pt x="204985" y="788417"/>
+                    <a:pt x="240420" y="798514"/>
+                    <a:pt x="274329" y="794324"/>
+                  </a:cubicBezTo>
+                  <a:cubicBezTo>
+                    <a:pt x="285188" y="792990"/>
+                    <a:pt x="296046" y="791466"/>
+                    <a:pt x="306715" y="788798"/>
+                  </a:cubicBezTo>
+                  <a:cubicBezTo>
+                    <a:pt x="335864" y="781749"/>
+                    <a:pt x="365583" y="775653"/>
+                    <a:pt x="393967" y="765937"/>
+                  </a:cubicBezTo>
+                  <a:cubicBezTo>
+                    <a:pt x="426165" y="755078"/>
+                    <a:pt x="457028" y="740600"/>
+                    <a:pt x="493793" y="725549"/>
+                  </a:cubicBezTo>
+                  <a:cubicBezTo>
+                    <a:pt x="506557" y="729360"/>
+                    <a:pt x="526180" y="739648"/>
+                    <a:pt x="546373" y="740600"/>
+                  </a:cubicBezTo>
+                  <a:cubicBezTo>
+                    <a:pt x="611337" y="743838"/>
+                    <a:pt x="672107" y="726121"/>
+                    <a:pt x="730211" y="698116"/>
+                  </a:cubicBezTo>
+                  <a:cubicBezTo>
+                    <a:pt x="747927" y="689734"/>
+                    <a:pt x="766980" y="684210"/>
+                    <a:pt x="784889" y="676018"/>
+                  </a:cubicBezTo>
+                  <a:cubicBezTo>
+                    <a:pt x="791173" y="673161"/>
+                    <a:pt x="799365" y="667065"/>
+                    <a:pt x="800509" y="661349"/>
+                  </a:cubicBezTo>
+                  <a:cubicBezTo>
+                    <a:pt x="807175" y="628201"/>
+                    <a:pt x="831942" y="628772"/>
+                    <a:pt x="857661" y="626868"/>
+                  </a:cubicBezTo>
+                  <a:cubicBezTo>
+                    <a:pt x="888332" y="624582"/>
+                    <a:pt x="918621" y="619248"/>
+                    <a:pt x="949102" y="614676"/>
+                  </a:cubicBezTo>
+                  <a:cubicBezTo>
+                    <a:pt x="953104" y="614104"/>
+                    <a:pt x="956722" y="610104"/>
+                    <a:pt x="960342" y="607435"/>
+                  </a:cubicBezTo>
+                  <a:cubicBezTo>
+                    <a:pt x="965867" y="603435"/>
+                    <a:pt x="971011" y="597339"/>
+                    <a:pt x="977109" y="595815"/>
+                  </a:cubicBezTo>
+                  <a:cubicBezTo>
+                    <a:pt x="1008350" y="588385"/>
+                    <a:pt x="1039783" y="582099"/>
+                    <a:pt x="1071218" y="575240"/>
+                  </a:cubicBezTo>
+                  <a:cubicBezTo>
+                    <a:pt x="1078266" y="573716"/>
+                    <a:pt x="1085505" y="571812"/>
+                    <a:pt x="1091983" y="568764"/>
+                  </a:cubicBezTo>
+                  <a:cubicBezTo>
+                    <a:pt x="1098079" y="565906"/>
+                    <a:pt x="1103223" y="560952"/>
+                    <a:pt x="1109321" y="557904"/>
+                  </a:cubicBezTo>
+                  <a:cubicBezTo>
+                    <a:pt x="1125892" y="549714"/>
+                    <a:pt x="1142851" y="542093"/>
+                    <a:pt x="1162279" y="532949"/>
+                  </a:cubicBezTo>
+                  <a:cubicBezTo>
+                    <a:pt x="1173138" y="550094"/>
+                    <a:pt x="1187810" y="540377"/>
+                    <a:pt x="1206097" y="532187"/>
+                  </a:cubicBezTo>
+                  <a:cubicBezTo>
+                    <a:pt x="1224765" y="523805"/>
+                    <a:pt x="1246292" y="521137"/>
+                    <a:pt x="1266867" y="518088"/>
+                  </a:cubicBezTo>
+                  <a:cubicBezTo>
+                    <a:pt x="1304588" y="512564"/>
+                    <a:pt x="1342499" y="509134"/>
+                    <a:pt x="1380219" y="504182"/>
+                  </a:cubicBezTo>
+                  <a:cubicBezTo>
+                    <a:pt x="1388221" y="503038"/>
+                    <a:pt x="1397365" y="500944"/>
+                    <a:pt x="1403461" y="496180"/>
+                  </a:cubicBezTo>
+                  <a:cubicBezTo>
+                    <a:pt x="1445181" y="464175"/>
+                    <a:pt x="1495858" y="455222"/>
+                    <a:pt x="1544054" y="458268"/>
+                  </a:cubicBezTo>
+                  <a:cubicBezTo>
+                    <a:pt x="1581965" y="460557"/>
+                    <a:pt x="1619114" y="462270"/>
+                    <a:pt x="1656644" y="459032"/>
+                  </a:cubicBezTo>
+                  <a:cubicBezTo>
+                    <a:pt x="1659502" y="458841"/>
+                    <a:pt x="1663312" y="459223"/>
+                    <a:pt x="1665406" y="460747"/>
+                  </a:cubicBezTo>
+                  <a:cubicBezTo>
+                    <a:pt x="1678360" y="470843"/>
+                    <a:pt x="1691887" y="471605"/>
+                    <a:pt x="1708461" y="473318"/>
+                  </a:cubicBezTo>
+                  <a:cubicBezTo>
+                    <a:pt x="1731894" y="475797"/>
+                    <a:pt x="1753421" y="474081"/>
+                    <a:pt x="1775140" y="469891"/>
+                  </a:cubicBezTo>
+                  <a:cubicBezTo>
+                    <a:pt x="1790952" y="466843"/>
+                    <a:pt x="1806953" y="460557"/>
+                    <a:pt x="1821051" y="452554"/>
+                  </a:cubicBezTo>
+                  <a:cubicBezTo>
+                    <a:pt x="1840672" y="441314"/>
+                    <a:pt x="1859535" y="436934"/>
+                    <a:pt x="1878203" y="451792"/>
+                  </a:cubicBezTo>
+                  <a:cubicBezTo>
+                    <a:pt x="1898396" y="467605"/>
+                    <a:pt x="1921257" y="462081"/>
+                    <a:pt x="1943547" y="462651"/>
+                  </a:cubicBezTo>
+                  <a:cubicBezTo>
+                    <a:pt x="1953262" y="462843"/>
+                    <a:pt x="1963550" y="462461"/>
+                    <a:pt x="1972884" y="464937"/>
+                  </a:cubicBezTo>
+                  <a:cubicBezTo>
+                    <a:pt x="1999935" y="471987"/>
+                    <a:pt x="2026036" y="482655"/>
+                    <a:pt x="2053469" y="487417"/>
+                  </a:cubicBezTo>
+                  <a:cubicBezTo>
+                    <a:pt x="2068710" y="490084"/>
+                    <a:pt x="2085664" y="485321"/>
+                    <a:pt x="2101477" y="481893"/>
+                  </a:cubicBezTo>
+                  <a:cubicBezTo>
+                    <a:pt x="2117479" y="478273"/>
+                    <a:pt x="2133290" y="472749"/>
+                    <a:pt x="2148722" y="467033"/>
+                  </a:cubicBezTo>
+                  <a:cubicBezTo>
+                    <a:pt x="2159199" y="463223"/>
+                    <a:pt x="2170629" y="459603"/>
+                    <a:pt x="2179011" y="452744"/>
+                  </a:cubicBezTo>
+                  <a:cubicBezTo>
+                    <a:pt x="2198064" y="437124"/>
+                    <a:pt x="2217685" y="434455"/>
+                    <a:pt x="2240165" y="442648"/>
+                  </a:cubicBezTo>
+                  <a:cubicBezTo>
+                    <a:pt x="2243593" y="443982"/>
+                    <a:pt x="2247594" y="443982"/>
+                    <a:pt x="2251404" y="444172"/>
+                  </a:cubicBezTo>
+                  <a:cubicBezTo>
+                    <a:pt x="2312370" y="448172"/>
+                    <a:pt x="2373330" y="450650"/>
+                    <a:pt x="2433912" y="456746"/>
+                  </a:cubicBezTo>
+                  <a:cubicBezTo>
+                    <a:pt x="2458485" y="459223"/>
+                    <a:pt x="2482107" y="470081"/>
+                    <a:pt x="2506302" y="476939"/>
+                  </a:cubicBezTo>
+                  <a:cubicBezTo>
+                    <a:pt x="2511256" y="478273"/>
+                    <a:pt x="2516783" y="480369"/>
+                    <a:pt x="2521735" y="479415"/>
+                  </a:cubicBezTo>
+                  <a:cubicBezTo>
+                    <a:pt x="2575647" y="469891"/>
+                    <a:pt x="2626132" y="483797"/>
+                    <a:pt x="2675854" y="502086"/>
+                  </a:cubicBezTo>
+                  <a:cubicBezTo>
+                    <a:pt x="2680996" y="503992"/>
+                    <a:pt x="2687282" y="503419"/>
+                    <a:pt x="2692998" y="503038"/>
+                  </a:cubicBezTo>
+                  <a:cubicBezTo>
+                    <a:pt x="2709003" y="501706"/>
+                    <a:pt x="2726337" y="495038"/>
+                    <a:pt x="2740816" y="499037"/>
+                  </a:cubicBezTo>
+                  <a:cubicBezTo>
+                    <a:pt x="2779297" y="510088"/>
+                    <a:pt x="2817398" y="523423"/>
+                    <a:pt x="2853596" y="540187"/>
+                  </a:cubicBezTo>
+                  <a:cubicBezTo>
+                    <a:pt x="2890365" y="557142"/>
+                    <a:pt x="2924464" y="571430"/>
+                    <a:pt x="2966565" y="554286"/>
+                  </a:cubicBezTo>
+                  <a:cubicBezTo>
+                    <a:pt x="2984472" y="547045"/>
+                    <a:pt x="3008095" y="552190"/>
+                    <a:pt x="3028671" y="554094"/>
+                  </a:cubicBezTo>
+                  <a:cubicBezTo>
+                    <a:pt x="3043720" y="555618"/>
+                    <a:pt x="3058198" y="564192"/>
+                    <a:pt x="3073059" y="564192"/>
+                  </a:cubicBezTo>
+                  <a:cubicBezTo>
+                    <a:pt x="3112686" y="564192"/>
+                    <a:pt x="3147927" y="574288"/>
+                    <a:pt x="3182219" y="594862"/>
+                  </a:cubicBezTo>
+                  <a:cubicBezTo>
+                    <a:pt x="3195557" y="602863"/>
+                    <a:pt x="3216322" y="597529"/>
+                    <a:pt x="3233656" y="599625"/>
+                  </a:cubicBezTo>
+                  <a:cubicBezTo>
+                    <a:pt x="3251947" y="602101"/>
+                    <a:pt x="3270804" y="604387"/>
+                    <a:pt x="3288332" y="609914"/>
+                  </a:cubicBezTo>
+                  <a:cubicBezTo>
+                    <a:pt x="3333672" y="624392"/>
+                    <a:pt x="3378441" y="640774"/>
+                    <a:pt x="3423591" y="656015"/>
+                  </a:cubicBezTo>
+                  <a:cubicBezTo>
+                    <a:pt x="3460738" y="668590"/>
+                    <a:pt x="3497317" y="658683"/>
+                    <a:pt x="3534084" y="653349"/>
+                  </a:cubicBezTo>
+                  <a:cubicBezTo>
+                    <a:pt x="3557137" y="649919"/>
+                    <a:pt x="3578662" y="641727"/>
+                    <a:pt x="3604571" y="653918"/>
+                  </a:cubicBezTo>
+                  <a:cubicBezTo>
+                    <a:pt x="3629338" y="665541"/>
+                    <a:pt x="3660771" y="662873"/>
+                    <a:pt x="3688586" y="669160"/>
+                  </a:cubicBezTo>
+                  <a:cubicBezTo>
+                    <a:pt x="3712020" y="674494"/>
+                    <a:pt x="3734687" y="683068"/>
+                    <a:pt x="3757358" y="691450"/>
+                  </a:cubicBezTo>
+                  <a:cubicBezTo>
+                    <a:pt x="3788221" y="702881"/>
+                    <a:pt x="3818700" y="714881"/>
+                    <a:pt x="3852421" y="709167"/>
+                  </a:cubicBezTo>
+                  <a:cubicBezTo>
+                    <a:pt x="3890714" y="702689"/>
+                    <a:pt x="3917001" y="727073"/>
+                    <a:pt x="3947104" y="743267"/>
+                  </a:cubicBezTo>
+                  <a:cubicBezTo>
+                    <a:pt x="3967869" y="754316"/>
+                    <a:pt x="3990538" y="762509"/>
+                    <a:pt x="4013208" y="769367"/>
+                  </a:cubicBezTo>
+                  <a:cubicBezTo>
+                    <a:pt x="4043497" y="778321"/>
+                    <a:pt x="4074740" y="783655"/>
+                    <a:pt x="4105222" y="792418"/>
+                  </a:cubicBezTo>
+                  <a:cubicBezTo>
+                    <a:pt x="4151325" y="805561"/>
+                    <a:pt x="4198001" y="815850"/>
+                    <a:pt x="4246006" y="808610"/>
+                  </a:cubicBezTo>
+                  <a:cubicBezTo>
+                    <a:pt x="4268105" y="805372"/>
+                    <a:pt x="4288682" y="805561"/>
+                    <a:pt x="4310779" y="810326"/>
+                  </a:cubicBezTo>
+                  <a:cubicBezTo>
+                    <a:pt x="4346974" y="818136"/>
+                    <a:pt x="4384123" y="819089"/>
+                    <a:pt x="4413272" y="848235"/>
+                  </a:cubicBezTo>
+                  <a:cubicBezTo>
+                    <a:pt x="4423558" y="858524"/>
+                    <a:pt x="4442037" y="861190"/>
+                    <a:pt x="4457087" y="866524"/>
+                  </a:cubicBezTo>
+                  <a:cubicBezTo>
+                    <a:pt x="4474424" y="872812"/>
+                    <a:pt x="4487186" y="869572"/>
+                    <a:pt x="4496523" y="851284"/>
+                  </a:cubicBezTo>
+                  <a:cubicBezTo>
+                    <a:pt x="4500713" y="843093"/>
+                    <a:pt x="4512715" y="835091"/>
+                    <a:pt x="4522050" y="833757"/>
+                  </a:cubicBezTo>
+                  <a:cubicBezTo>
+                    <a:pt x="4550055" y="829757"/>
+                    <a:pt x="4575773" y="835663"/>
+                    <a:pt x="4602824" y="848618"/>
+                  </a:cubicBezTo>
+                  <a:cubicBezTo>
+                    <a:pt x="4628161" y="860810"/>
+                    <a:pt x="4659786" y="859476"/>
+                    <a:pt x="4688553" y="864238"/>
+                  </a:cubicBezTo>
+                  <a:cubicBezTo>
+                    <a:pt x="4708936" y="867668"/>
+                    <a:pt x="4729321" y="874716"/>
+                    <a:pt x="4749895" y="874716"/>
+                  </a:cubicBezTo>
+                  <a:cubicBezTo>
+                    <a:pt x="4775424" y="874716"/>
+                    <a:pt x="4800761" y="868620"/>
+                    <a:pt x="4826480" y="866334"/>
+                  </a:cubicBezTo>
+                  <a:cubicBezTo>
+                    <a:pt x="4846482" y="864430"/>
+                    <a:pt x="4866867" y="865192"/>
+                    <a:pt x="4886870" y="862906"/>
+                  </a:cubicBezTo>
+                  <a:cubicBezTo>
+                    <a:pt x="4903254" y="861190"/>
+                    <a:pt x="4919447" y="856810"/>
+                    <a:pt x="4935639" y="853190"/>
+                  </a:cubicBezTo>
+                  <a:cubicBezTo>
+                    <a:pt x="4941546" y="851856"/>
+                    <a:pt x="4947452" y="846711"/>
+                    <a:pt x="4952784" y="847473"/>
+                  </a:cubicBezTo>
+                  <a:cubicBezTo>
+                    <a:pt x="5005745" y="855666"/>
+                    <a:pt x="5043847" y="819089"/>
+                    <a:pt x="5088617" y="802896"/>
+                  </a:cubicBezTo>
+                  <a:cubicBezTo>
+                    <a:pt x="5135672" y="785749"/>
+                    <a:pt x="5181204" y="759461"/>
+                    <a:pt x="5233781" y="767271"/>
+                  </a:cubicBezTo>
+                  <a:cubicBezTo>
+                    <a:pt x="5265596" y="772033"/>
+                    <a:pt x="5296267" y="783083"/>
+                    <a:pt x="5327893" y="789752"/>
+                  </a:cubicBezTo>
+                  <a:cubicBezTo>
+                    <a:pt x="5339132" y="792038"/>
+                    <a:pt x="5351705" y="791656"/>
+                    <a:pt x="5362946" y="789370"/>
+                  </a:cubicBezTo>
+                  <a:cubicBezTo>
+                    <a:pt x="5417240" y="778891"/>
+                    <a:pt x="5470771" y="777367"/>
+                    <a:pt x="5524115" y="794514"/>
+                  </a:cubicBezTo>
+                  <a:cubicBezTo>
+                    <a:pt x="5533257" y="797372"/>
+                    <a:pt x="5542974" y="800038"/>
+                    <a:pt x="5552500" y="800038"/>
+                  </a:cubicBezTo>
+                  <a:cubicBezTo>
+                    <a:pt x="5604697" y="800038"/>
+                    <a:pt x="5655944" y="796038"/>
+                    <a:pt x="5705857" y="777367"/>
+                  </a:cubicBezTo>
+                  <a:cubicBezTo>
+                    <a:pt x="5722622" y="771080"/>
+                    <a:pt x="5743006" y="775081"/>
+                    <a:pt x="5761485" y="773557"/>
+                  </a:cubicBezTo>
+                  <a:cubicBezTo>
+                    <a:pt x="5778629" y="772224"/>
+                    <a:pt x="5796156" y="771653"/>
+                    <a:pt x="5812731" y="767271"/>
+                  </a:cubicBezTo>
+                  <a:cubicBezTo>
+                    <a:pt x="5836925" y="760795"/>
+                    <a:pt x="5859404" y="760033"/>
+                    <a:pt x="5884361" y="765747"/>
+                  </a:cubicBezTo>
+                  <a:cubicBezTo>
+                    <a:pt x="5908174" y="771080"/>
+                    <a:pt x="5933892" y="768415"/>
+                    <a:pt x="5958660" y="768605"/>
+                  </a:cubicBezTo>
+                  <a:cubicBezTo>
+                    <a:pt x="5986282" y="768795"/>
+                    <a:pt x="6013906" y="768984"/>
+                    <a:pt x="6041528" y="768033"/>
+                  </a:cubicBezTo>
+                  <a:cubicBezTo>
+                    <a:pt x="6052579" y="767653"/>
+                    <a:pt x="6065151" y="760033"/>
+                    <a:pt x="6074297" y="763081"/>
+                  </a:cubicBezTo>
+                  <a:cubicBezTo>
+                    <a:pt x="6103824" y="773366"/>
+                    <a:pt x="6133353" y="760985"/>
+                    <a:pt x="6162880" y="766509"/>
+                  </a:cubicBezTo>
+                  <a:cubicBezTo>
+                    <a:pt x="6177360" y="769367"/>
+                    <a:pt x="6193743" y="761557"/>
+                    <a:pt x="6209364" y="760795"/>
+                  </a:cubicBezTo>
+                  <a:cubicBezTo>
+                    <a:pt x="6234892" y="759461"/>
+                    <a:pt x="6260419" y="760033"/>
+                    <a:pt x="6285948" y="759651"/>
+                  </a:cubicBezTo>
+                  <a:cubicBezTo>
+                    <a:pt x="6294330" y="759461"/>
+                    <a:pt x="6302523" y="758699"/>
+                    <a:pt x="6310905" y="758316"/>
+                  </a:cubicBezTo>
+                  <a:cubicBezTo>
+                    <a:pt x="6318335" y="757936"/>
+                    <a:pt x="6326145" y="756222"/>
+                    <a:pt x="6333194" y="757554"/>
+                  </a:cubicBezTo>
+                  <a:cubicBezTo>
+                    <a:pt x="6358723" y="762318"/>
+                    <a:pt x="6383869" y="770129"/>
+                    <a:pt x="6409586" y="773177"/>
+                  </a:cubicBezTo>
+                  <a:cubicBezTo>
+                    <a:pt x="6431875" y="775843"/>
+                    <a:pt x="6454928" y="772224"/>
+                    <a:pt x="6477407" y="774129"/>
+                  </a:cubicBezTo>
+                  <a:cubicBezTo>
+                    <a:pt x="6517032" y="777367"/>
+                    <a:pt x="6556657" y="783083"/>
+                    <a:pt x="6596283" y="786703"/>
+                  </a:cubicBezTo>
+                  <a:cubicBezTo>
+                    <a:pt x="6604857" y="787465"/>
+                    <a:pt x="6613809" y="782701"/>
+                    <a:pt x="6622573" y="782321"/>
+                  </a:cubicBezTo>
+                  <a:cubicBezTo>
+                    <a:pt x="6650006" y="781369"/>
+                    <a:pt x="6677439" y="781177"/>
+                    <a:pt x="6704872" y="780607"/>
+                  </a:cubicBezTo>
+                  <a:cubicBezTo>
+                    <a:pt x="6720493" y="780415"/>
+                    <a:pt x="6736305" y="780987"/>
+                    <a:pt x="6751738" y="779273"/>
+                  </a:cubicBezTo>
+                  <a:cubicBezTo>
+                    <a:pt x="6772120" y="776987"/>
+                    <a:pt x="6790599" y="773557"/>
+                    <a:pt x="6809650" y="788417"/>
+                  </a:cubicBezTo>
+                  <a:cubicBezTo>
+                    <a:pt x="6816984" y="794180"/>
+                    <a:pt x="6824819" y="797942"/>
+                    <a:pt x="6832976" y="800428"/>
+                  </a:cubicBezTo>
+                  <a:close/>
+                </a:path>
+              </a:pathLst>
+            </a:custGeom>
+            <a:solidFill>
+              <a:srgbClr val="FFFFFF"/>
+            </a:solidFill>
+            <a:ln>
+              <a:noFill/>
+            </a:ln>
+            <a:effectLst>
+              <a:outerShdw blurRad="381000" dist="152400" dir="10800000" algn="l" rotWithShape="0">
+                <a:prstClr val="black">
+                  <a:alpha val="10000"/>
+                </a:prstClr>
+              </a:outerShdw>
+            </a:effectLst>
+          </p:spPr>
+          <p:style>
+            <a:lnRef idx="2">
+              <a:schemeClr val="accent1">
+                <a:shade val="50000"/>
+              </a:schemeClr>
+            </a:lnRef>
+            <a:fillRef idx="1">
+              <a:schemeClr val="accent1"/>
+            </a:fillRef>
+            <a:effectRef idx="0">
+              <a:schemeClr val="accent1"/>
+            </a:effectRef>
+            <a:fontRef idx="minor">
+              <a:schemeClr val="lt1"/>
+            </a:fontRef>
+          </p:style>
+          <p:txBody>
+            <a:bodyPr wrap="square" rtlCol="0" anchor="ctr">
+              <a:noAutofit/>
+            </a:bodyPr>
+            <a:lstStyle/>
+            <a:p>
+              <a:pPr algn="ctr"/>
+              <a:endParaRPr lang="en-US"/>
+            </a:p>
+          </p:txBody>
+        </p:sp>
+        <p:sp>
+          <p:nvSpPr>
+            <p:cNvPr id="77" name="Freeform: Shape 76">
+              <a:extLst>
+                <a:ext uri="{FF2B5EF4-FFF2-40B4-BE49-F238E27FC236}">
+                  <a16:creationId xmlns:a16="http://schemas.microsoft.com/office/drawing/2014/main" id="{44E103E5-C039-4EA4-843B-AD566B5C96C9}"/>
+                </a:ext>
+                <a:ext uri="{C183D7F6-B498-43B3-948B-1728B52AA6E4}">
+                  <adec:decorative xmlns:adec="http://schemas.microsoft.com/office/drawing/2017/decorative" val="1"/>
+                </a:ext>
+              </a:extLst>
+            </p:cNvPr>
+            <p:cNvSpPr/>
+            <p:nvPr>
+              <p:extLst>
+                <p:ext uri="{386F3935-93C4-4BCD-93E2-E3B085C9AB24}">
+                  <p16:designElem xmlns:p16="http://schemas.microsoft.com/office/powerpoint/2015/main" val="1"/>
+                </p:ext>
+              </p:extLst>
+            </p:nvPr>
+          </p:nvSpPr>
+          <p:spPr>
+            <a:xfrm rot="5400000" flipH="1">
+              <a:off x="2640988" y="2991914"/>
+              <a:ext cx="6857455" cy="874716"/>
+            </a:xfrm>
+            <a:custGeom>
+              <a:avLst/>
+              <a:gdLst>
+                <a:gd name="connsiteX0" fmla="*/ 6857455 w 6857455"/>
+                <a:gd name="connsiteY0" fmla="*/ 804643 h 874716"/>
+                <a:gd name="connsiteX1" fmla="*/ 6857455 w 6857455"/>
+                <a:gd name="connsiteY1" fmla="*/ 562246 h 874716"/>
+                <a:gd name="connsiteX2" fmla="*/ 6829178 w 6857455"/>
+                <a:gd name="connsiteY2" fmla="*/ 551284 h 874716"/>
+                <a:gd name="connsiteX3" fmla="*/ 6766024 w 6857455"/>
+                <a:gd name="connsiteY3" fmla="*/ 500372 h 874716"/>
+                <a:gd name="connsiteX4" fmla="*/ 6734971 w 6857455"/>
+                <a:gd name="connsiteY4" fmla="*/ 500944 h 874716"/>
+                <a:gd name="connsiteX5" fmla="*/ 6683915 w 6857455"/>
+                <a:gd name="connsiteY5" fmla="*/ 507040 h 874716"/>
+                <a:gd name="connsiteX6" fmla="*/ 6628860 w 6857455"/>
+                <a:gd name="connsiteY6" fmla="*/ 495418 h 874716"/>
+                <a:gd name="connsiteX7" fmla="*/ 6588662 w 6857455"/>
+                <a:gd name="connsiteY7" fmla="*/ 487227 h 874716"/>
+                <a:gd name="connsiteX8" fmla="*/ 6476074 w 6857455"/>
+                <a:gd name="connsiteY8" fmla="*/ 511230 h 874716"/>
+                <a:gd name="connsiteX9" fmla="*/ 6382345 w 6857455"/>
+                <a:gd name="connsiteY9" fmla="*/ 534853 h 874716"/>
+                <a:gd name="connsiteX10" fmla="*/ 6369391 w 6857455"/>
+                <a:gd name="connsiteY10" fmla="*/ 531615 h 874716"/>
+                <a:gd name="connsiteX11" fmla="*/ 6244799 w 6857455"/>
+                <a:gd name="connsiteY11" fmla="*/ 512182 h 874716"/>
+                <a:gd name="connsiteX12" fmla="*/ 6190315 w 6857455"/>
+                <a:gd name="connsiteY12" fmla="*/ 485703 h 874716"/>
+                <a:gd name="connsiteX13" fmla="*/ 6115446 w 6857455"/>
+                <a:gd name="connsiteY13" fmla="*/ 462270 h 874716"/>
+                <a:gd name="connsiteX14" fmla="*/ 6032194 w 6857455"/>
+                <a:gd name="connsiteY14" fmla="*/ 434266 h 874716"/>
+                <a:gd name="connsiteX15" fmla="*/ 5971042 w 6857455"/>
+                <a:gd name="connsiteY15" fmla="*/ 420738 h 874716"/>
+                <a:gd name="connsiteX16" fmla="*/ 5880933 w 6857455"/>
+                <a:gd name="connsiteY16" fmla="*/ 430646 h 874716"/>
+                <a:gd name="connsiteX17" fmla="*/ 5862452 w 6857455"/>
+                <a:gd name="connsiteY17" fmla="*/ 438648 h 874716"/>
+                <a:gd name="connsiteX18" fmla="*/ 5685283 w 6857455"/>
+                <a:gd name="connsiteY18" fmla="*/ 498658 h 874716"/>
+                <a:gd name="connsiteX19" fmla="*/ 5567169 w 6857455"/>
+                <a:gd name="connsiteY19" fmla="*/ 499420 h 874716"/>
+                <a:gd name="connsiteX20" fmla="*/ 5527923 w 6857455"/>
+                <a:gd name="connsiteY20" fmla="*/ 490466 h 874716"/>
+                <a:gd name="connsiteX21" fmla="*/ 5456292 w 6857455"/>
+                <a:gd name="connsiteY21" fmla="*/ 450650 h 874716"/>
+                <a:gd name="connsiteX22" fmla="*/ 5424670 w 6857455"/>
+                <a:gd name="connsiteY22" fmla="*/ 444934 h 874716"/>
+                <a:gd name="connsiteX23" fmla="*/ 5368662 w 6857455"/>
+                <a:gd name="connsiteY23" fmla="*/ 441124 h 874716"/>
+                <a:gd name="connsiteX24" fmla="*/ 5247118 w 6857455"/>
+                <a:gd name="connsiteY24" fmla="*/ 444934 h 874716"/>
+                <a:gd name="connsiteX25" fmla="*/ 5088617 w 6857455"/>
+                <a:gd name="connsiteY25" fmla="*/ 428742 h 874716"/>
+                <a:gd name="connsiteX26" fmla="*/ 5025750 w 6857455"/>
+                <a:gd name="connsiteY26" fmla="*/ 433694 h 874716"/>
+                <a:gd name="connsiteX27" fmla="*/ 4957930 w 6857455"/>
+                <a:gd name="connsiteY27" fmla="*/ 442268 h 874716"/>
+                <a:gd name="connsiteX28" fmla="*/ 4938116 w 6857455"/>
+                <a:gd name="connsiteY28" fmla="*/ 441886 h 874716"/>
+                <a:gd name="connsiteX29" fmla="*/ 4833910 w 6857455"/>
+                <a:gd name="connsiteY29" fmla="*/ 421693 h 874716"/>
+                <a:gd name="connsiteX30" fmla="*/ 4810095 w 6857455"/>
+                <a:gd name="connsiteY30" fmla="*/ 408167 h 874716"/>
+                <a:gd name="connsiteX31" fmla="*/ 4747991 w 6857455"/>
+                <a:gd name="connsiteY31" fmla="*/ 413691 h 874716"/>
+                <a:gd name="connsiteX32" fmla="*/ 4692745 w 6857455"/>
+                <a:gd name="connsiteY32" fmla="*/ 435790 h 874716"/>
+                <a:gd name="connsiteX33" fmla="*/ 4375933 w 6857455"/>
+                <a:gd name="connsiteY33" fmla="*/ 483417 h 874716"/>
+                <a:gd name="connsiteX34" fmla="*/ 4185426 w 6857455"/>
+                <a:gd name="connsiteY34" fmla="*/ 484179 h 874716"/>
+                <a:gd name="connsiteX35" fmla="*/ 4052072 w 6857455"/>
+                <a:gd name="connsiteY35" fmla="*/ 505134 h 874716"/>
+                <a:gd name="connsiteX36" fmla="*/ 4029973 w 6857455"/>
+                <a:gd name="connsiteY36" fmla="*/ 527233 h 874716"/>
+                <a:gd name="connsiteX37" fmla="*/ 3948626 w 6857455"/>
+                <a:gd name="connsiteY37" fmla="*/ 550666 h 874716"/>
+                <a:gd name="connsiteX38" fmla="*/ 3871280 w 6857455"/>
+                <a:gd name="connsiteY38" fmla="*/ 502275 h 874716"/>
+                <a:gd name="connsiteX39" fmla="*/ 3774312 w 6857455"/>
+                <a:gd name="connsiteY39" fmla="*/ 429122 h 874716"/>
+                <a:gd name="connsiteX40" fmla="*/ 3721543 w 6857455"/>
+                <a:gd name="connsiteY40" fmla="*/ 428552 h 874716"/>
+                <a:gd name="connsiteX41" fmla="*/ 3612763 w 6857455"/>
+                <a:gd name="connsiteY41" fmla="*/ 414263 h 874716"/>
+                <a:gd name="connsiteX42" fmla="*/ 3537323 w 6857455"/>
+                <a:gd name="connsiteY42" fmla="*/ 389878 h 874716"/>
+                <a:gd name="connsiteX43" fmla="*/ 3431593 w 6857455"/>
+                <a:gd name="connsiteY43" fmla="*/ 360921 h 874716"/>
+                <a:gd name="connsiteX44" fmla="*/ 3392158 w 6857455"/>
+                <a:gd name="connsiteY44" fmla="*/ 345681 h 874716"/>
+                <a:gd name="connsiteX45" fmla="*/ 3297856 w 6857455"/>
+                <a:gd name="connsiteY45" fmla="*/ 323010 h 874716"/>
+                <a:gd name="connsiteX46" fmla="*/ 3219748 w 6857455"/>
+                <a:gd name="connsiteY46" fmla="*/ 308151 h 874716"/>
+                <a:gd name="connsiteX47" fmla="*/ 3156692 w 6857455"/>
+                <a:gd name="connsiteY47" fmla="*/ 261668 h 874716"/>
+                <a:gd name="connsiteX48" fmla="*/ 3136497 w 6857455"/>
+                <a:gd name="connsiteY48" fmla="*/ 237663 h 874716"/>
+                <a:gd name="connsiteX49" fmla="*/ 3119733 w 6857455"/>
+                <a:gd name="connsiteY49" fmla="*/ 222233 h 874716"/>
+                <a:gd name="connsiteX50" fmla="*/ 3045436 w 6857455"/>
+                <a:gd name="connsiteY50" fmla="*/ 131742 h 874716"/>
+                <a:gd name="connsiteX51" fmla="*/ 3037054 w 6857455"/>
+                <a:gd name="connsiteY51" fmla="*/ 124121 h 874716"/>
+                <a:gd name="connsiteX52" fmla="*/ 2936466 w 6857455"/>
+                <a:gd name="connsiteY52" fmla="*/ 82400 h 874716"/>
+                <a:gd name="connsiteX53" fmla="*/ 2901031 w 6857455"/>
+                <a:gd name="connsiteY53" fmla="*/ 59731 h 874716"/>
+                <a:gd name="connsiteX54" fmla="*/ 2828259 w 6857455"/>
+                <a:gd name="connsiteY54" fmla="*/ 3149 h 874716"/>
+                <a:gd name="connsiteX55" fmla="*/ 2799492 w 6857455"/>
+                <a:gd name="connsiteY55" fmla="*/ 1245 h 874716"/>
+                <a:gd name="connsiteX56" fmla="*/ 2693570 w 6857455"/>
+                <a:gd name="connsiteY56" fmla="*/ 35154 h 874716"/>
+                <a:gd name="connsiteX57" fmla="*/ 2639847 w 6857455"/>
+                <a:gd name="connsiteY57" fmla="*/ 73448 h 874716"/>
+                <a:gd name="connsiteX58" fmla="*/ 2621178 w 6857455"/>
+                <a:gd name="connsiteY58" fmla="*/ 88688 h 874716"/>
+                <a:gd name="connsiteX59" fmla="*/ 2489348 w 6857455"/>
+                <a:gd name="connsiteY59" fmla="*/ 72304 h 874716"/>
+                <a:gd name="connsiteX60" fmla="*/ 2452580 w 6857455"/>
+                <a:gd name="connsiteY60" fmla="*/ 68683 h 874716"/>
+                <a:gd name="connsiteX61" fmla="*/ 2326464 w 6857455"/>
+                <a:gd name="connsiteY61" fmla="*/ 50395 h 874716"/>
+                <a:gd name="connsiteX62" fmla="*/ 2300365 w 6857455"/>
+                <a:gd name="connsiteY62" fmla="*/ 54777 h 874716"/>
+                <a:gd name="connsiteX63" fmla="*/ 2130434 w 6857455"/>
+                <a:gd name="connsiteY63" fmla="*/ 58397 h 874716"/>
+                <a:gd name="connsiteX64" fmla="*/ 2118621 w 6857455"/>
+                <a:gd name="connsiteY64" fmla="*/ 47919 h 874716"/>
+                <a:gd name="connsiteX65" fmla="*/ 2057659 w 6857455"/>
+                <a:gd name="connsiteY65" fmla="*/ 16866 h 874716"/>
+                <a:gd name="connsiteX66" fmla="*/ 1976314 w 6857455"/>
+                <a:gd name="connsiteY66" fmla="*/ 8865 h 874716"/>
+                <a:gd name="connsiteX67" fmla="*/ 1961454 w 6857455"/>
+                <a:gd name="connsiteY67" fmla="*/ 11724 h 874716"/>
+                <a:gd name="connsiteX68" fmla="*/ 1906588 w 6857455"/>
+                <a:gd name="connsiteY68" fmla="*/ 30964 h 874716"/>
+                <a:gd name="connsiteX69" fmla="*/ 1783330 w 6857455"/>
+                <a:gd name="connsiteY69" fmla="*/ 48871 h 874716"/>
+                <a:gd name="connsiteX70" fmla="*/ 1759327 w 6857455"/>
+                <a:gd name="connsiteY70" fmla="*/ 55349 h 874716"/>
+                <a:gd name="connsiteX71" fmla="*/ 1716082 w 6857455"/>
+                <a:gd name="connsiteY71" fmla="*/ 65445 h 874716"/>
+                <a:gd name="connsiteX72" fmla="*/ 1598920 w 6857455"/>
+                <a:gd name="connsiteY72" fmla="*/ 72114 h 874716"/>
+                <a:gd name="connsiteX73" fmla="*/ 1542150 w 6857455"/>
+                <a:gd name="connsiteY73" fmla="*/ 62207 h 874716"/>
+                <a:gd name="connsiteX74" fmla="*/ 1516813 w 6857455"/>
+                <a:gd name="connsiteY74" fmla="*/ 62779 h 874716"/>
+                <a:gd name="connsiteX75" fmla="*/ 1432228 w 6857455"/>
+                <a:gd name="connsiteY75" fmla="*/ 88116 h 874716"/>
+                <a:gd name="connsiteX76" fmla="*/ 1224765 w 6857455"/>
+                <a:gd name="connsiteY76" fmla="*/ 71924 h 874716"/>
+                <a:gd name="connsiteX77" fmla="*/ 1159231 w 6857455"/>
+                <a:gd name="connsiteY77" fmla="*/ 58207 h 874716"/>
+                <a:gd name="connsiteX78" fmla="*/ 1124370 w 6857455"/>
+                <a:gd name="connsiteY78" fmla="*/ 56301 h 874716"/>
+                <a:gd name="connsiteX79" fmla="*/ 1075600 w 6857455"/>
+                <a:gd name="connsiteY79" fmla="*/ 75542 h 874716"/>
+                <a:gd name="connsiteX80" fmla="*/ 986633 w 6857455"/>
+                <a:gd name="connsiteY80" fmla="*/ 79162 h 874716"/>
+                <a:gd name="connsiteX81" fmla="*/ 861089 w 6857455"/>
+                <a:gd name="connsiteY81" fmla="*/ 76304 h 874716"/>
+                <a:gd name="connsiteX82" fmla="*/ 759168 w 6857455"/>
+                <a:gd name="connsiteY82" fmla="*/ 104689 h 874716"/>
+                <a:gd name="connsiteX83" fmla="*/ 723735 w 6857455"/>
+                <a:gd name="connsiteY83" fmla="*/ 140696 h 874716"/>
+                <a:gd name="connsiteX84" fmla="*/ 647532 w 6857455"/>
+                <a:gd name="connsiteY84" fmla="*/ 147934 h 874716"/>
+                <a:gd name="connsiteX85" fmla="*/ 552659 w 6857455"/>
+                <a:gd name="connsiteY85" fmla="*/ 95926 h 874716"/>
+                <a:gd name="connsiteX86" fmla="*/ 541800 w 6857455"/>
+                <a:gd name="connsiteY86" fmla="*/ 97640 h 874716"/>
+                <a:gd name="connsiteX87" fmla="*/ 375107 w 6857455"/>
+                <a:gd name="connsiteY87" fmla="*/ 123169 h 874716"/>
+                <a:gd name="connsiteX88" fmla="*/ 273567 w 6857455"/>
+                <a:gd name="connsiteY88" fmla="*/ 145458 h 874716"/>
+                <a:gd name="connsiteX89" fmla="*/ 264043 w 6857455"/>
+                <a:gd name="connsiteY89" fmla="*/ 154792 h 874716"/>
+                <a:gd name="connsiteX90" fmla="*/ 169360 w 6857455"/>
+                <a:gd name="connsiteY90" fmla="*/ 177273 h 874716"/>
+                <a:gd name="connsiteX91" fmla="*/ 89347 w 6857455"/>
+                <a:gd name="connsiteY91" fmla="*/ 157460 h 874716"/>
+                <a:gd name="connsiteX92" fmla="*/ 34291 w 6857455"/>
+                <a:gd name="connsiteY92" fmla="*/ 145268 h 874716"/>
+                <a:gd name="connsiteX93" fmla="*/ 0 w 6857455"/>
+                <a:gd name="connsiteY93" fmla="*/ 142056 h 874716"/>
+                <a:gd name="connsiteX94" fmla="*/ 0 w 6857455"/>
+                <a:gd name="connsiteY94" fmla="*/ 849556 h 874716"/>
+                <a:gd name="connsiteX95" fmla="*/ 60652 w 6857455"/>
+                <a:gd name="connsiteY95" fmla="*/ 844783 h 874716"/>
+                <a:gd name="connsiteX96" fmla="*/ 119068 w 6857455"/>
+                <a:gd name="connsiteY96" fmla="*/ 827281 h 874716"/>
+                <a:gd name="connsiteX97" fmla="*/ 171840 w 6857455"/>
+                <a:gd name="connsiteY97" fmla="*/ 804420 h 874716"/>
+                <a:gd name="connsiteX98" fmla="*/ 274329 w 6857455"/>
+                <a:gd name="connsiteY98" fmla="*/ 794324 h 874716"/>
+                <a:gd name="connsiteX99" fmla="*/ 306715 w 6857455"/>
+                <a:gd name="connsiteY99" fmla="*/ 788798 h 874716"/>
+                <a:gd name="connsiteX100" fmla="*/ 393967 w 6857455"/>
+                <a:gd name="connsiteY100" fmla="*/ 765937 h 874716"/>
+                <a:gd name="connsiteX101" fmla="*/ 493793 w 6857455"/>
+                <a:gd name="connsiteY101" fmla="*/ 725549 h 874716"/>
+                <a:gd name="connsiteX102" fmla="*/ 546373 w 6857455"/>
+                <a:gd name="connsiteY102" fmla="*/ 740600 h 874716"/>
+                <a:gd name="connsiteX103" fmla="*/ 730211 w 6857455"/>
+                <a:gd name="connsiteY103" fmla="*/ 698116 h 874716"/>
+                <a:gd name="connsiteX104" fmla="*/ 784889 w 6857455"/>
+                <a:gd name="connsiteY104" fmla="*/ 676018 h 874716"/>
+                <a:gd name="connsiteX105" fmla="*/ 800509 w 6857455"/>
+                <a:gd name="connsiteY105" fmla="*/ 661349 h 874716"/>
+                <a:gd name="connsiteX106" fmla="*/ 857661 w 6857455"/>
+                <a:gd name="connsiteY106" fmla="*/ 626868 h 874716"/>
+                <a:gd name="connsiteX107" fmla="*/ 949102 w 6857455"/>
+                <a:gd name="connsiteY107" fmla="*/ 614676 h 874716"/>
+                <a:gd name="connsiteX108" fmla="*/ 960342 w 6857455"/>
+                <a:gd name="connsiteY108" fmla="*/ 607435 h 874716"/>
+                <a:gd name="connsiteX109" fmla="*/ 977109 w 6857455"/>
+                <a:gd name="connsiteY109" fmla="*/ 595815 h 874716"/>
+                <a:gd name="connsiteX110" fmla="*/ 1071218 w 6857455"/>
+                <a:gd name="connsiteY110" fmla="*/ 575240 h 874716"/>
+                <a:gd name="connsiteX111" fmla="*/ 1091983 w 6857455"/>
+                <a:gd name="connsiteY111" fmla="*/ 568764 h 874716"/>
+                <a:gd name="connsiteX112" fmla="*/ 1109321 w 6857455"/>
+                <a:gd name="connsiteY112" fmla="*/ 557904 h 874716"/>
+                <a:gd name="connsiteX113" fmla="*/ 1162279 w 6857455"/>
+                <a:gd name="connsiteY113" fmla="*/ 532949 h 874716"/>
+                <a:gd name="connsiteX114" fmla="*/ 1206097 w 6857455"/>
+                <a:gd name="connsiteY114" fmla="*/ 532187 h 874716"/>
+                <a:gd name="connsiteX115" fmla="*/ 1266867 w 6857455"/>
+                <a:gd name="connsiteY115" fmla="*/ 518088 h 874716"/>
+                <a:gd name="connsiteX116" fmla="*/ 1380219 w 6857455"/>
+                <a:gd name="connsiteY116" fmla="*/ 504182 h 874716"/>
+                <a:gd name="connsiteX117" fmla="*/ 1403461 w 6857455"/>
+                <a:gd name="connsiteY117" fmla="*/ 496180 h 874716"/>
+                <a:gd name="connsiteX118" fmla="*/ 1544054 w 6857455"/>
+                <a:gd name="connsiteY118" fmla="*/ 458268 h 874716"/>
+                <a:gd name="connsiteX119" fmla="*/ 1656644 w 6857455"/>
+                <a:gd name="connsiteY119" fmla="*/ 459032 h 874716"/>
+                <a:gd name="connsiteX120" fmla="*/ 1665406 w 6857455"/>
+                <a:gd name="connsiteY120" fmla="*/ 460747 h 874716"/>
+                <a:gd name="connsiteX121" fmla="*/ 1708461 w 6857455"/>
+                <a:gd name="connsiteY121" fmla="*/ 473318 h 874716"/>
+                <a:gd name="connsiteX122" fmla="*/ 1775140 w 6857455"/>
+                <a:gd name="connsiteY122" fmla="*/ 469891 h 874716"/>
+                <a:gd name="connsiteX123" fmla="*/ 1821051 w 6857455"/>
+                <a:gd name="connsiteY123" fmla="*/ 452554 h 874716"/>
+                <a:gd name="connsiteX124" fmla="*/ 1878203 w 6857455"/>
+                <a:gd name="connsiteY124" fmla="*/ 451792 h 874716"/>
+                <a:gd name="connsiteX125" fmla="*/ 1943547 w 6857455"/>
+                <a:gd name="connsiteY125" fmla="*/ 462651 h 874716"/>
+                <a:gd name="connsiteX126" fmla="*/ 1972884 w 6857455"/>
+                <a:gd name="connsiteY126" fmla="*/ 464937 h 874716"/>
+                <a:gd name="connsiteX127" fmla="*/ 2053469 w 6857455"/>
+                <a:gd name="connsiteY127" fmla="*/ 487417 h 874716"/>
+                <a:gd name="connsiteX128" fmla="*/ 2101477 w 6857455"/>
+                <a:gd name="connsiteY128" fmla="*/ 481893 h 874716"/>
+                <a:gd name="connsiteX129" fmla="*/ 2148722 w 6857455"/>
+                <a:gd name="connsiteY129" fmla="*/ 467033 h 874716"/>
+                <a:gd name="connsiteX130" fmla="*/ 2179011 w 6857455"/>
+                <a:gd name="connsiteY130" fmla="*/ 452744 h 874716"/>
+                <a:gd name="connsiteX131" fmla="*/ 2240165 w 6857455"/>
+                <a:gd name="connsiteY131" fmla="*/ 442648 h 874716"/>
+                <a:gd name="connsiteX132" fmla="*/ 2251404 w 6857455"/>
+                <a:gd name="connsiteY132" fmla="*/ 444172 h 874716"/>
+                <a:gd name="connsiteX133" fmla="*/ 2433912 w 6857455"/>
+                <a:gd name="connsiteY133" fmla="*/ 456746 h 874716"/>
+                <a:gd name="connsiteX134" fmla="*/ 2506302 w 6857455"/>
+                <a:gd name="connsiteY134" fmla="*/ 476939 h 874716"/>
+                <a:gd name="connsiteX135" fmla="*/ 2521735 w 6857455"/>
+                <a:gd name="connsiteY135" fmla="*/ 479415 h 874716"/>
+                <a:gd name="connsiteX136" fmla="*/ 2675854 w 6857455"/>
+                <a:gd name="connsiteY136" fmla="*/ 502086 h 874716"/>
+                <a:gd name="connsiteX137" fmla="*/ 2692998 w 6857455"/>
+                <a:gd name="connsiteY137" fmla="*/ 503038 h 874716"/>
+                <a:gd name="connsiteX138" fmla="*/ 2740816 w 6857455"/>
+                <a:gd name="connsiteY138" fmla="*/ 499037 h 874716"/>
+                <a:gd name="connsiteX139" fmla="*/ 2853596 w 6857455"/>
+                <a:gd name="connsiteY139" fmla="*/ 540187 h 874716"/>
+                <a:gd name="connsiteX140" fmla="*/ 2966565 w 6857455"/>
+                <a:gd name="connsiteY140" fmla="*/ 554286 h 874716"/>
+                <a:gd name="connsiteX141" fmla="*/ 3028671 w 6857455"/>
+                <a:gd name="connsiteY141" fmla="*/ 554094 h 874716"/>
+                <a:gd name="connsiteX142" fmla="*/ 3073059 w 6857455"/>
+                <a:gd name="connsiteY142" fmla="*/ 564192 h 874716"/>
+                <a:gd name="connsiteX143" fmla="*/ 3182219 w 6857455"/>
+                <a:gd name="connsiteY143" fmla="*/ 594862 h 874716"/>
+                <a:gd name="connsiteX144" fmla="*/ 3233656 w 6857455"/>
+                <a:gd name="connsiteY144" fmla="*/ 599625 h 874716"/>
+                <a:gd name="connsiteX145" fmla="*/ 3288332 w 6857455"/>
+                <a:gd name="connsiteY145" fmla="*/ 609914 h 874716"/>
+                <a:gd name="connsiteX146" fmla="*/ 3423591 w 6857455"/>
+                <a:gd name="connsiteY146" fmla="*/ 656015 h 874716"/>
+                <a:gd name="connsiteX147" fmla="*/ 3534084 w 6857455"/>
+                <a:gd name="connsiteY147" fmla="*/ 653349 h 874716"/>
+                <a:gd name="connsiteX148" fmla="*/ 3604571 w 6857455"/>
+                <a:gd name="connsiteY148" fmla="*/ 653918 h 874716"/>
+                <a:gd name="connsiteX149" fmla="*/ 3688586 w 6857455"/>
+                <a:gd name="connsiteY149" fmla="*/ 669160 h 874716"/>
+                <a:gd name="connsiteX150" fmla="*/ 3757358 w 6857455"/>
+                <a:gd name="connsiteY150" fmla="*/ 691450 h 874716"/>
+                <a:gd name="connsiteX151" fmla="*/ 3852421 w 6857455"/>
+                <a:gd name="connsiteY151" fmla="*/ 709167 h 874716"/>
+                <a:gd name="connsiteX152" fmla="*/ 3947104 w 6857455"/>
+                <a:gd name="connsiteY152" fmla="*/ 743267 h 874716"/>
+                <a:gd name="connsiteX153" fmla="*/ 4013208 w 6857455"/>
+                <a:gd name="connsiteY153" fmla="*/ 769367 h 874716"/>
+                <a:gd name="connsiteX154" fmla="*/ 4105222 w 6857455"/>
+                <a:gd name="connsiteY154" fmla="*/ 792417 h 874716"/>
+                <a:gd name="connsiteX155" fmla="*/ 4246006 w 6857455"/>
+                <a:gd name="connsiteY155" fmla="*/ 808610 h 874716"/>
+                <a:gd name="connsiteX156" fmla="*/ 4310779 w 6857455"/>
+                <a:gd name="connsiteY156" fmla="*/ 810326 h 874716"/>
+                <a:gd name="connsiteX157" fmla="*/ 4413272 w 6857455"/>
+                <a:gd name="connsiteY157" fmla="*/ 848235 h 874716"/>
+                <a:gd name="connsiteX158" fmla="*/ 4457087 w 6857455"/>
+                <a:gd name="connsiteY158" fmla="*/ 866524 h 874716"/>
+                <a:gd name="connsiteX159" fmla="*/ 4496523 w 6857455"/>
+                <a:gd name="connsiteY159" fmla="*/ 851284 h 874716"/>
+                <a:gd name="connsiteX160" fmla="*/ 4522050 w 6857455"/>
+                <a:gd name="connsiteY160" fmla="*/ 833757 h 874716"/>
+                <a:gd name="connsiteX161" fmla="*/ 4602824 w 6857455"/>
+                <a:gd name="connsiteY161" fmla="*/ 848618 h 874716"/>
+                <a:gd name="connsiteX162" fmla="*/ 4688553 w 6857455"/>
+                <a:gd name="connsiteY162" fmla="*/ 864238 h 874716"/>
+                <a:gd name="connsiteX163" fmla="*/ 4749895 w 6857455"/>
+                <a:gd name="connsiteY163" fmla="*/ 874716 h 874716"/>
+                <a:gd name="connsiteX164" fmla="*/ 4826480 w 6857455"/>
+                <a:gd name="connsiteY164" fmla="*/ 866334 h 874716"/>
+                <a:gd name="connsiteX165" fmla="*/ 4886870 w 6857455"/>
+                <a:gd name="connsiteY165" fmla="*/ 862906 h 874716"/>
+                <a:gd name="connsiteX166" fmla="*/ 4935639 w 6857455"/>
+                <a:gd name="connsiteY166" fmla="*/ 853190 h 874716"/>
+                <a:gd name="connsiteX167" fmla="*/ 4952784 w 6857455"/>
+                <a:gd name="connsiteY167" fmla="*/ 847473 h 874716"/>
+                <a:gd name="connsiteX168" fmla="*/ 5088617 w 6857455"/>
+                <a:gd name="connsiteY168" fmla="*/ 802896 h 874716"/>
+                <a:gd name="connsiteX169" fmla="*/ 5233781 w 6857455"/>
+                <a:gd name="connsiteY169" fmla="*/ 767271 h 874716"/>
+                <a:gd name="connsiteX170" fmla="*/ 5327893 w 6857455"/>
+                <a:gd name="connsiteY170" fmla="*/ 789752 h 874716"/>
+                <a:gd name="connsiteX171" fmla="*/ 5362946 w 6857455"/>
+                <a:gd name="connsiteY171" fmla="*/ 789370 h 874716"/>
+                <a:gd name="connsiteX172" fmla="*/ 5524115 w 6857455"/>
+                <a:gd name="connsiteY172" fmla="*/ 794514 h 874716"/>
+                <a:gd name="connsiteX173" fmla="*/ 5552500 w 6857455"/>
+                <a:gd name="connsiteY173" fmla="*/ 800038 h 874716"/>
+                <a:gd name="connsiteX174" fmla="*/ 5705857 w 6857455"/>
+                <a:gd name="connsiteY174" fmla="*/ 777367 h 874716"/>
+                <a:gd name="connsiteX175" fmla="*/ 5761485 w 6857455"/>
+                <a:gd name="connsiteY175" fmla="*/ 773557 h 874716"/>
+                <a:gd name="connsiteX176" fmla="*/ 5812731 w 6857455"/>
+                <a:gd name="connsiteY176" fmla="*/ 767271 h 874716"/>
+                <a:gd name="connsiteX177" fmla="*/ 5884361 w 6857455"/>
+                <a:gd name="connsiteY177" fmla="*/ 765747 h 874716"/>
+                <a:gd name="connsiteX178" fmla="*/ 5958660 w 6857455"/>
+                <a:gd name="connsiteY178" fmla="*/ 768605 h 874716"/>
+                <a:gd name="connsiteX179" fmla="*/ 6041528 w 6857455"/>
+                <a:gd name="connsiteY179" fmla="*/ 768033 h 874716"/>
+                <a:gd name="connsiteX180" fmla="*/ 6074297 w 6857455"/>
+                <a:gd name="connsiteY180" fmla="*/ 763081 h 874716"/>
+                <a:gd name="connsiteX181" fmla="*/ 6162880 w 6857455"/>
+                <a:gd name="connsiteY181" fmla="*/ 766509 h 874716"/>
+                <a:gd name="connsiteX182" fmla="*/ 6209364 w 6857455"/>
+                <a:gd name="connsiteY182" fmla="*/ 760795 h 874716"/>
+                <a:gd name="connsiteX183" fmla="*/ 6285948 w 6857455"/>
+                <a:gd name="connsiteY183" fmla="*/ 759651 h 874716"/>
+                <a:gd name="connsiteX184" fmla="*/ 6310905 w 6857455"/>
+                <a:gd name="connsiteY184" fmla="*/ 758316 h 874716"/>
+                <a:gd name="connsiteX185" fmla="*/ 6333194 w 6857455"/>
+                <a:gd name="connsiteY185" fmla="*/ 757554 h 874716"/>
+                <a:gd name="connsiteX186" fmla="*/ 6409586 w 6857455"/>
+                <a:gd name="connsiteY186" fmla="*/ 773177 h 874716"/>
+                <a:gd name="connsiteX187" fmla="*/ 6477407 w 6857455"/>
+                <a:gd name="connsiteY187" fmla="*/ 774129 h 874716"/>
+                <a:gd name="connsiteX188" fmla="*/ 6596283 w 6857455"/>
+                <a:gd name="connsiteY188" fmla="*/ 786703 h 874716"/>
+                <a:gd name="connsiteX189" fmla="*/ 6622573 w 6857455"/>
+                <a:gd name="connsiteY189" fmla="*/ 782321 h 874716"/>
+                <a:gd name="connsiteX190" fmla="*/ 6704872 w 6857455"/>
+                <a:gd name="connsiteY190" fmla="*/ 780607 h 874716"/>
+                <a:gd name="connsiteX191" fmla="*/ 6751738 w 6857455"/>
+                <a:gd name="connsiteY191" fmla="*/ 779273 h 874716"/>
+                <a:gd name="connsiteX192" fmla="*/ 6809650 w 6857455"/>
+                <a:gd name="connsiteY192" fmla="*/ 788417 h 874716"/>
+                <a:gd name="connsiteX193" fmla="*/ 6832976 w 6857455"/>
+                <a:gd name="connsiteY193" fmla="*/ 800428 h 874716"/>
+              </a:gdLst>
+              <a:ahLst/>
+              <a:cxnLst>
+                <a:cxn ang="0">
+                  <a:pos x="connsiteX0" y="connsiteY0"/>
+                </a:cxn>
+                <a:cxn ang="0">
+                  <a:pos x="connsiteX1" y="connsiteY1"/>
+                </a:cxn>
+                <a:cxn ang="0">
+                  <a:pos x="connsiteX2" y="connsiteY2"/>
+                </a:cxn>
+                <a:cxn ang="0">
+                  <a:pos x="connsiteX3" y="connsiteY3"/>
+                </a:cxn>
+                <a:cxn ang="0">
+                  <a:pos x="connsiteX4" y="connsiteY4"/>
+                </a:cxn>
+                <a:cxn ang="0">
+                  <a:pos x="connsiteX5" y="connsiteY5"/>
+                </a:cxn>
+                <a:cxn ang="0">
+                  <a:pos x="connsiteX6" y="connsiteY6"/>
+                </a:cxn>
+                <a:cxn ang="0">
+                  <a:pos x="connsiteX7" y="connsiteY7"/>
+                </a:cxn>
+                <a:cxn ang="0">
+                  <a:pos x="connsiteX8" y="connsiteY8"/>
+                </a:cxn>
+                <a:cxn ang="0">
+                  <a:pos x="connsiteX9" y="connsiteY9"/>
+                </a:cxn>
+                <a:cxn ang="0">
+                  <a:pos x="connsiteX10" y="connsiteY10"/>
+                </a:cxn>
+                <a:cxn ang="0">
+                  <a:pos x="connsiteX11" y="connsiteY11"/>
+                </a:cxn>
+                <a:cxn ang="0">
+                  <a:pos x="connsiteX12" y="connsiteY12"/>
+                </a:cxn>
+                <a:cxn ang="0">
+                  <a:pos x="connsiteX13" y="connsiteY13"/>
+                </a:cxn>
+                <a:cxn ang="0">
+                  <a:pos x="connsiteX14" y="connsiteY14"/>
+                </a:cxn>
+                <a:cxn ang="0">
+                  <a:pos x="connsiteX15" y="connsiteY15"/>
+                </a:cxn>
+                <a:cxn ang="0">
+                  <a:pos x="connsiteX16" y="connsiteY16"/>
+                </a:cxn>
+                <a:cxn ang="0">
+                  <a:pos x="connsiteX17" y="connsiteY17"/>
+                </a:cxn>
+                <a:cxn ang="0">
+                  <a:pos x="connsiteX18" y="connsiteY18"/>
+                </a:cxn>
+                <a:cxn ang="0">
+                  <a:pos x="connsiteX19" y="connsiteY19"/>
+                </a:cxn>
+                <a:cxn ang="0">
+                  <a:pos x="connsiteX20" y="connsiteY20"/>
+                </a:cxn>
+                <a:cxn ang="0">
+                  <a:pos x="connsiteX21" y="connsiteY21"/>
+                </a:cxn>
+                <a:cxn ang="0">
+                  <a:pos x="connsiteX22" y="connsiteY22"/>
+                </a:cxn>
+                <a:cxn ang="0">
+                  <a:pos x="connsiteX23" y="connsiteY23"/>
+                </a:cxn>
+                <a:cxn ang="0">
+                  <a:pos x="connsiteX24" y="connsiteY24"/>
+                </a:cxn>
+                <a:cxn ang="0">
+                  <a:pos x="connsiteX25" y="connsiteY25"/>
+                </a:cxn>
+                <a:cxn ang="0">
+                  <a:pos x="connsiteX26" y="connsiteY26"/>
+                </a:cxn>
+                <a:cxn ang="0">
+                  <a:pos x="connsiteX27" y="connsiteY27"/>
+                </a:cxn>
+                <a:cxn ang="0">
+                  <a:pos x="connsiteX28" y="connsiteY28"/>
+                </a:cxn>
+                <a:cxn ang="0">
+                  <a:pos x="connsiteX29" y="connsiteY29"/>
+                </a:cxn>
+                <a:cxn ang="0">
+                  <a:pos x="connsiteX30" y="connsiteY30"/>
+                </a:cxn>
+                <a:cxn ang="0">
+                  <a:pos x="connsiteX31" y="connsiteY31"/>
+                </a:cxn>
+                <a:cxn ang="0">
+                  <a:pos x="connsiteX32" y="connsiteY32"/>
+                </a:cxn>
+                <a:cxn ang="0">
+                  <a:pos x="connsiteX33" y="connsiteY33"/>
+                </a:cxn>
+                <a:cxn ang="0">
+                  <a:pos x="connsiteX34" y="connsiteY34"/>
+                </a:cxn>
+                <a:cxn ang="0">
+                  <a:pos x="connsiteX35" y="connsiteY35"/>
+                </a:cxn>
+                <a:cxn ang="0">
+                  <a:pos x="connsiteX36" y="connsiteY36"/>
+                </a:cxn>
+                <a:cxn ang="0">
+                  <a:pos x="connsiteX37" y="connsiteY37"/>
+                </a:cxn>
+                <a:cxn ang="0">
+                  <a:pos x="connsiteX38" y="connsiteY38"/>
+                </a:cxn>
+                <a:cxn ang="0">
+                  <a:pos x="connsiteX39" y="connsiteY39"/>
+                </a:cxn>
+                <a:cxn ang="0">
+                  <a:pos x="connsiteX40" y="connsiteY40"/>
+                </a:cxn>
+                <a:cxn ang="0">
+                  <a:pos x="connsiteX41" y="connsiteY41"/>
+                </a:cxn>
+                <a:cxn ang="0">
+                  <a:pos x="connsiteX42" y="connsiteY42"/>
+                </a:cxn>
+                <a:cxn ang="0">
+                  <a:pos x="connsiteX43" y="connsiteY43"/>
+                </a:cxn>
+                <a:cxn ang="0">
+                  <a:pos x="connsiteX44" y="connsiteY44"/>
+                </a:cxn>
+                <a:cxn ang="0">
+                  <a:pos x="connsiteX45" y="connsiteY45"/>
+                </a:cxn>
+                <a:cxn ang="0">
+                  <a:pos x="connsiteX46" y="connsiteY46"/>
+                </a:cxn>
+                <a:cxn ang="0">
+                  <a:pos x="connsiteX47" y="connsiteY47"/>
+                </a:cxn>
+                <a:cxn ang="0">
+                  <a:pos x="connsiteX48" y="connsiteY48"/>
+                </a:cxn>
+                <a:cxn ang="0">
+                  <a:pos x="connsiteX49" y="connsiteY49"/>
+                </a:cxn>
+                <a:cxn ang="0">
+                  <a:pos x="connsiteX50" y="connsiteY50"/>
+                </a:cxn>
+                <a:cxn ang="0">
+                  <a:pos x="connsiteX51" y="connsiteY51"/>
+                </a:cxn>
+                <a:cxn ang="0">
+                  <a:pos x="connsiteX52" y="connsiteY52"/>
+                </a:cxn>
+                <a:cxn ang="0">
+                  <a:pos x="connsiteX53" y="connsiteY53"/>
+                </a:cxn>
+                <a:cxn ang="0">
+                  <a:pos x="connsiteX54" y="connsiteY54"/>
+                </a:cxn>
+                <a:cxn ang="0">
+                  <a:pos x="connsiteX55" y="connsiteY55"/>
+                </a:cxn>
+                <a:cxn ang="0">
+                  <a:pos x="connsiteX56" y="connsiteY56"/>
+                </a:cxn>
+                <a:cxn ang="0">
+                  <a:pos x="connsiteX57" y="connsiteY57"/>
+                </a:cxn>
+                <a:cxn ang="0">
+                  <a:pos x="connsiteX58" y="connsiteY58"/>
+                </a:cxn>
+                <a:cxn ang="0">
+                  <a:pos x="connsiteX59" y="connsiteY59"/>
+                </a:cxn>
+                <a:cxn ang="0">
+                  <a:pos x="connsiteX60" y="connsiteY60"/>
+                </a:cxn>
+                <a:cxn ang="0">
+                  <a:pos x="connsiteX61" y="connsiteY61"/>
+                </a:cxn>
+                <a:cxn ang="0">
+                  <a:pos x="connsiteX62" y="connsiteY62"/>
+                </a:cxn>
+                <a:cxn ang="0">
+                  <a:pos x="connsiteX63" y="connsiteY63"/>
+                </a:cxn>
+                <a:cxn ang="0">
+                  <a:pos x="connsiteX64" y="connsiteY64"/>
+                </a:cxn>
+                <a:cxn ang="0">
+                  <a:pos x="connsiteX65" y="connsiteY65"/>
+                </a:cxn>
+                <a:cxn ang="0">
+                  <a:pos x="connsiteX66" y="connsiteY66"/>
+                </a:cxn>
+                <a:cxn ang="0">
+                  <a:pos x="connsiteX67" y="connsiteY67"/>
+                </a:cxn>
+                <a:cxn ang="0">
+                  <a:pos x="connsiteX68" y="connsiteY68"/>
+                </a:cxn>
+                <a:cxn ang="0">
+                  <a:pos x="connsiteX69" y="connsiteY69"/>
+                </a:cxn>
+                <a:cxn ang="0">
+                  <a:pos x="connsiteX70" y="connsiteY70"/>
+                </a:cxn>
+                <a:cxn ang="0">
+                  <a:pos x="connsiteX71" y="connsiteY71"/>
+                </a:cxn>
+                <a:cxn ang="0">
+                  <a:pos x="connsiteX72" y="connsiteY72"/>
+                </a:cxn>
+                <a:cxn ang="0">
+                  <a:pos x="connsiteX73" y="connsiteY73"/>
+                </a:cxn>
+                <a:cxn ang="0">
+                  <a:pos x="connsiteX74" y="connsiteY74"/>
+                </a:cxn>
+                <a:cxn ang="0">
+                  <a:pos x="connsiteX75" y="connsiteY75"/>
+                </a:cxn>
+                <a:cxn ang="0">
+                  <a:pos x="connsiteX76" y="connsiteY76"/>
+                </a:cxn>
+                <a:cxn ang="0">
+                  <a:pos x="connsiteX77" y="connsiteY77"/>
+                </a:cxn>
+                <a:cxn ang="0">
+                  <a:pos x="connsiteX78" y="connsiteY78"/>
+                </a:cxn>
+                <a:cxn ang="0">
+                  <a:pos x="connsiteX79" y="connsiteY79"/>
+                </a:cxn>
+                <a:cxn ang="0">
+                  <a:pos x="connsiteX80" y="connsiteY80"/>
+                </a:cxn>
+                <a:cxn ang="0">
+                  <a:pos x="connsiteX81" y="connsiteY81"/>
+                </a:cxn>
+                <a:cxn ang="0">
+                  <a:pos x="connsiteX82" y="connsiteY82"/>
+                </a:cxn>
+                <a:cxn ang="0">
+                  <a:pos x="connsiteX83" y="connsiteY83"/>
+                </a:cxn>
+                <a:cxn ang="0">
+                  <a:pos x="connsiteX84" y="connsiteY84"/>
+                </a:cxn>
+                <a:cxn ang="0">
+                  <a:pos x="connsiteX85" y="connsiteY85"/>
+                </a:cxn>
+                <a:cxn ang="0">
+                  <a:pos x="connsiteX86" y="connsiteY86"/>
+                </a:cxn>
+                <a:cxn ang="0">
+                  <a:pos x="connsiteX87" y="connsiteY87"/>
+                </a:cxn>
+                <a:cxn ang="0">
+                  <a:pos x="connsiteX88" y="connsiteY88"/>
+                </a:cxn>
+                <a:cxn ang="0">
+                  <a:pos x="connsiteX89" y="connsiteY89"/>
+                </a:cxn>
+                <a:cxn ang="0">
+                  <a:pos x="connsiteX90" y="connsiteY90"/>
+                </a:cxn>
+                <a:cxn ang="0">
+                  <a:pos x="connsiteX91" y="connsiteY91"/>
+                </a:cxn>
+                <a:cxn ang="0">
+                  <a:pos x="connsiteX92" y="connsiteY92"/>
+                </a:cxn>
+                <a:cxn ang="0">
+                  <a:pos x="connsiteX93" y="connsiteY93"/>
+                </a:cxn>
+                <a:cxn ang="0">
+                  <a:pos x="connsiteX94" y="connsiteY94"/>
+                </a:cxn>
+                <a:cxn ang="0">
+                  <a:pos x="connsiteX95" y="connsiteY95"/>
+                </a:cxn>
+                <a:cxn ang="0">
+                  <a:pos x="connsiteX96" y="connsiteY96"/>
+                </a:cxn>
+                <a:cxn ang="0">
+                  <a:pos x="connsiteX97" y="connsiteY97"/>
+                </a:cxn>
+                <a:cxn ang="0">
+                  <a:pos x="connsiteX98" y="connsiteY98"/>
+                </a:cxn>
+                <a:cxn ang="0">
+                  <a:pos x="connsiteX99" y="connsiteY99"/>
+                </a:cxn>
+                <a:cxn ang="0">
+                  <a:pos x="connsiteX100" y="connsiteY100"/>
+                </a:cxn>
+                <a:cxn ang="0">
+                  <a:pos x="connsiteX101" y="connsiteY101"/>
+                </a:cxn>
+                <a:cxn ang="0">
+                  <a:pos x="connsiteX102" y="connsiteY102"/>
+                </a:cxn>
+                <a:cxn ang="0">
+                  <a:pos x="connsiteX103" y="connsiteY103"/>
+                </a:cxn>
+                <a:cxn ang="0">
+                  <a:pos x="connsiteX104" y="connsiteY104"/>
+                </a:cxn>
+                <a:cxn ang="0">
+                  <a:pos x="connsiteX105" y="connsiteY105"/>
+                </a:cxn>
+                <a:cxn ang="0">
+                  <a:pos x="connsiteX106" y="connsiteY106"/>
+                </a:cxn>
+                <a:cxn ang="0">
+                  <a:pos x="connsiteX107" y="connsiteY107"/>
+                </a:cxn>
+                <a:cxn ang="0">
+                  <a:pos x="connsiteX108" y="connsiteY108"/>
+                </a:cxn>
+                <a:cxn ang="0">
+                  <a:pos x="connsiteX109" y="connsiteY109"/>
+                </a:cxn>
+                <a:cxn ang="0">
+                  <a:pos x="connsiteX110" y="connsiteY110"/>
+                </a:cxn>
+                <a:cxn ang="0">
+                  <a:pos x="connsiteX111" y="connsiteY111"/>
+                </a:cxn>
+                <a:cxn ang="0">
+                  <a:pos x="connsiteX112" y="connsiteY112"/>
+                </a:cxn>
+                <a:cxn ang="0">
+                  <a:pos x="connsiteX113" y="connsiteY113"/>
+                </a:cxn>
+                <a:cxn ang="0">
+                  <a:pos x="connsiteX114" y="connsiteY114"/>
+                </a:cxn>
+                <a:cxn ang="0">
+                  <a:pos x="connsiteX115" y="connsiteY115"/>
+                </a:cxn>
+                <a:cxn ang="0">
+                  <a:pos x="connsiteX116" y="connsiteY116"/>
+                </a:cxn>
+                <a:cxn ang="0">
+                  <a:pos x="connsiteX117" y="connsiteY117"/>
+                </a:cxn>
+                <a:cxn ang="0">
+                  <a:pos x="connsiteX118" y="connsiteY118"/>
+                </a:cxn>
+                <a:cxn ang="0">
+                  <a:pos x="connsiteX119" y="connsiteY119"/>
+                </a:cxn>
+                <a:cxn ang="0">
+                  <a:pos x="connsiteX120" y="connsiteY120"/>
+                </a:cxn>
+                <a:cxn ang="0">
+                  <a:pos x="connsiteX121" y="connsiteY121"/>
+                </a:cxn>
+                <a:cxn ang="0">
+                  <a:pos x="connsiteX122" y="connsiteY122"/>
+                </a:cxn>
+                <a:cxn ang="0">
+                  <a:pos x="connsiteX123" y="connsiteY123"/>
+                </a:cxn>
+                <a:cxn ang="0">
+                  <a:pos x="connsiteX124" y="connsiteY124"/>
+                </a:cxn>
+                <a:cxn ang="0">
+                  <a:pos x="connsiteX125" y="connsiteY125"/>
+                </a:cxn>
+                <a:cxn ang="0">
+                  <a:pos x="connsiteX126" y="connsiteY126"/>
+                </a:cxn>
+                <a:cxn ang="0">
+                  <a:pos x="connsiteX127" y="connsiteY127"/>
+                </a:cxn>
+                <a:cxn ang="0">
+                  <a:pos x="connsiteX128" y="connsiteY128"/>
+                </a:cxn>
+                <a:cxn ang="0">
+                  <a:pos x="connsiteX129" y="connsiteY129"/>
+                </a:cxn>
+                <a:cxn ang="0">
+                  <a:pos x="connsiteX130" y="connsiteY130"/>
+                </a:cxn>
+                <a:cxn ang="0">
+                  <a:pos x="connsiteX131" y="connsiteY131"/>
+                </a:cxn>
+                <a:cxn ang="0">
+                  <a:pos x="connsiteX132" y="connsiteY132"/>
+                </a:cxn>
+                <a:cxn ang="0">
+                  <a:pos x="connsiteX133" y="connsiteY133"/>
+                </a:cxn>
+                <a:cxn ang="0">
+                  <a:pos x="connsiteX134" y="connsiteY134"/>
+                </a:cxn>
+                <a:cxn ang="0">
+                  <a:pos x="connsiteX135" y="connsiteY135"/>
+                </a:cxn>
+                <a:cxn ang="0">
+                  <a:pos x="connsiteX136" y="connsiteY136"/>
+                </a:cxn>
+                <a:cxn ang="0">
+                  <a:pos x="connsiteX137" y="connsiteY137"/>
+                </a:cxn>
+                <a:cxn ang="0">
+                  <a:pos x="connsiteX138" y="connsiteY138"/>
+                </a:cxn>
+                <a:cxn ang="0">
+                  <a:pos x="connsiteX139" y="connsiteY139"/>
+                </a:cxn>
+                <a:cxn ang="0">
+                  <a:pos x="connsiteX140" y="connsiteY140"/>
+                </a:cxn>
+                <a:cxn ang="0">
+                  <a:pos x="connsiteX141" y="connsiteY141"/>
+                </a:cxn>
+                <a:cxn ang="0">
+                  <a:pos x="connsiteX142" y="connsiteY142"/>
+                </a:cxn>
+                <a:cxn ang="0">
+                  <a:pos x="connsiteX143" y="connsiteY143"/>
+                </a:cxn>
+                <a:cxn ang="0">
+                  <a:pos x="connsiteX144" y="connsiteY144"/>
+                </a:cxn>
+                <a:cxn ang="0">
+                  <a:pos x="connsiteX145" y="connsiteY145"/>
+                </a:cxn>
+                <a:cxn ang="0">
+                  <a:pos x="connsiteX146" y="connsiteY146"/>
+                </a:cxn>
+                <a:cxn ang="0">
+                  <a:pos x="connsiteX147" y="connsiteY147"/>
+                </a:cxn>
+                <a:cxn ang="0">
+                  <a:pos x="connsiteX148" y="connsiteY148"/>
+                </a:cxn>
+                <a:cxn ang="0">
+                  <a:pos x="connsiteX149" y="connsiteY149"/>
+                </a:cxn>
+                <a:cxn ang="0">
+                  <a:pos x="connsiteX150" y="connsiteY150"/>
+                </a:cxn>
+                <a:cxn ang="0">
+                  <a:pos x="connsiteX151" y="connsiteY151"/>
+                </a:cxn>
+                <a:cxn ang="0">
+                  <a:pos x="connsiteX152" y="connsiteY152"/>
+                </a:cxn>
+                <a:cxn ang="0">
+                  <a:pos x="connsiteX153" y="connsiteY153"/>
+                </a:cxn>
+                <a:cxn ang="0">
+                  <a:pos x="connsiteX154" y="connsiteY154"/>
+                </a:cxn>
+                <a:cxn ang="0">
+                  <a:pos x="connsiteX155" y="connsiteY155"/>
+                </a:cxn>
+                <a:cxn ang="0">
+                  <a:pos x="connsiteX156" y="connsiteY156"/>
+                </a:cxn>
+                <a:cxn ang="0">
+                  <a:pos x="connsiteX157" y="connsiteY157"/>
+                </a:cxn>
+                <a:cxn ang="0">
+                  <a:pos x="connsiteX158" y="connsiteY158"/>
+                </a:cxn>
+                <a:cxn ang="0">
+                  <a:pos x="connsiteX159" y="connsiteY159"/>
+                </a:cxn>
+                <a:cxn ang="0">
+                  <a:pos x="connsiteX160" y="connsiteY160"/>
+                </a:cxn>
+                <a:cxn ang="0">
+                  <a:pos x="connsiteX161" y="connsiteY161"/>
+                </a:cxn>
+                <a:cxn ang="0">
+                  <a:pos x="connsiteX162" y="connsiteY162"/>
+                </a:cxn>
+                <a:cxn ang="0">
+                  <a:pos x="connsiteX163" y="connsiteY163"/>
+                </a:cxn>
+                <a:cxn ang="0">
+                  <a:pos x="connsiteX164" y="connsiteY164"/>
+                </a:cxn>
+                <a:cxn ang="0">
+                  <a:pos x="connsiteX165" y="connsiteY165"/>
+                </a:cxn>
+                <a:cxn ang="0">
+                  <a:pos x="connsiteX166" y="connsiteY166"/>
+                </a:cxn>
+                <a:cxn ang="0">
+                  <a:pos x="connsiteX167" y="connsiteY167"/>
+                </a:cxn>
+                <a:cxn ang="0">
+                  <a:pos x="connsiteX168" y="connsiteY168"/>
+                </a:cxn>
+                <a:cxn ang="0">
+                  <a:pos x="connsiteX169" y="connsiteY169"/>
+                </a:cxn>
+                <a:cxn ang="0">
+                  <a:pos x="connsiteX170" y="connsiteY170"/>
+                </a:cxn>
+                <a:cxn ang="0">
+                  <a:pos x="connsiteX171" y="connsiteY171"/>
+                </a:cxn>
+                <a:cxn ang="0">
+                  <a:pos x="connsiteX172" y="connsiteY172"/>
+                </a:cxn>
+                <a:cxn ang="0">
+                  <a:pos x="connsiteX173" y="connsiteY173"/>
+                </a:cxn>
+                <a:cxn ang="0">
+                  <a:pos x="connsiteX174" y="connsiteY174"/>
+                </a:cxn>
+                <a:cxn ang="0">
+                  <a:pos x="connsiteX175" y="connsiteY175"/>
+                </a:cxn>
+                <a:cxn ang="0">
+                  <a:pos x="connsiteX176" y="connsiteY176"/>
+                </a:cxn>
+                <a:cxn ang="0">
+                  <a:pos x="connsiteX177" y="connsiteY177"/>
+                </a:cxn>
+                <a:cxn ang="0">
+                  <a:pos x="connsiteX178" y="connsiteY178"/>
+                </a:cxn>
+                <a:cxn ang="0">
+                  <a:pos x="connsiteX179" y="connsiteY179"/>
+                </a:cxn>
+                <a:cxn ang="0">
+                  <a:pos x="connsiteX180" y="connsiteY180"/>
+                </a:cxn>
+                <a:cxn ang="0">
+                  <a:pos x="connsiteX181" y="connsiteY181"/>
+                </a:cxn>
+                <a:cxn ang="0">
+                  <a:pos x="connsiteX182" y="connsiteY182"/>
+                </a:cxn>
+                <a:cxn ang="0">
+                  <a:pos x="connsiteX183" y="connsiteY183"/>
+                </a:cxn>
+                <a:cxn ang="0">
+                  <a:pos x="connsiteX184" y="connsiteY184"/>
+                </a:cxn>
+                <a:cxn ang="0">
+                  <a:pos x="connsiteX185" y="connsiteY185"/>
+                </a:cxn>
+                <a:cxn ang="0">
+                  <a:pos x="connsiteX186" y="connsiteY186"/>
+                </a:cxn>
+                <a:cxn ang="0">
+                  <a:pos x="connsiteX187" y="connsiteY187"/>
+                </a:cxn>
+                <a:cxn ang="0">
+                  <a:pos x="connsiteX188" y="connsiteY188"/>
+                </a:cxn>
+                <a:cxn ang="0">
+                  <a:pos x="connsiteX189" y="connsiteY189"/>
+                </a:cxn>
+                <a:cxn ang="0">
+                  <a:pos x="connsiteX190" y="connsiteY190"/>
+                </a:cxn>
+                <a:cxn ang="0">
+                  <a:pos x="connsiteX191" y="connsiteY191"/>
+                </a:cxn>
+                <a:cxn ang="0">
+                  <a:pos x="connsiteX192" y="connsiteY192"/>
+                </a:cxn>
+                <a:cxn ang="0">
+                  <a:pos x="connsiteX193" y="connsiteY193"/>
+                </a:cxn>
+              </a:cxnLst>
+              <a:rect l="l" t="t" r="r" b="b"/>
+              <a:pathLst>
+                <a:path w="6857455" h="874716">
+                  <a:moveTo>
+                    <a:pt x="6857455" y="804643"/>
+                  </a:moveTo>
+                  <a:lnTo>
+                    <a:pt x="6857455" y="562246"/>
+                  </a:lnTo>
+                  <a:lnTo>
+                    <a:pt x="6829178" y="551284"/>
+                  </a:lnTo>
+                  <a:cubicBezTo>
+                    <a:pt x="6805745" y="539044"/>
+                    <a:pt x="6784885" y="521708"/>
+                    <a:pt x="6766024" y="500372"/>
+                  </a:cubicBezTo>
+                  <a:cubicBezTo>
+                    <a:pt x="6755166" y="488179"/>
+                    <a:pt x="6746784" y="486845"/>
+                    <a:pt x="6734971" y="500944"/>
+                  </a:cubicBezTo>
+                  <a:cubicBezTo>
+                    <a:pt x="6721257" y="517326"/>
+                    <a:pt x="6701634" y="510850"/>
+                    <a:pt x="6683915" y="507040"/>
+                  </a:cubicBezTo>
+                  <a:cubicBezTo>
+                    <a:pt x="6665629" y="503230"/>
+                    <a:pt x="6647148" y="499228"/>
+                    <a:pt x="6628860" y="495418"/>
+                  </a:cubicBezTo>
+                  <a:cubicBezTo>
+                    <a:pt x="6615335" y="492752"/>
+                    <a:pt x="6601999" y="490466"/>
+                    <a:pt x="6588662" y="487227"/>
+                  </a:cubicBezTo>
+                  <a:cubicBezTo>
+                    <a:pt x="6547133" y="477129"/>
+                    <a:pt x="6509794" y="480177"/>
+                    <a:pt x="6476074" y="511230"/>
+                  </a:cubicBezTo>
+                  <a:cubicBezTo>
+                    <a:pt x="6450356" y="535043"/>
+                    <a:pt x="6417399" y="542093"/>
+                    <a:pt x="6382345" y="534853"/>
+                  </a:cubicBezTo>
+                  <a:cubicBezTo>
+                    <a:pt x="6377963" y="533901"/>
+                    <a:pt x="6372439" y="530091"/>
+                    <a:pt x="6369391" y="531615"/>
+                  </a:cubicBezTo>
+                  <a:cubicBezTo>
+                    <a:pt x="6323479" y="553904"/>
+                    <a:pt x="6287092" y="514658"/>
+                    <a:pt x="6244799" y="512182"/>
+                  </a:cubicBezTo>
+                  <a:cubicBezTo>
+                    <a:pt x="6226130" y="511040"/>
+                    <a:pt x="6207079" y="496942"/>
+                    <a:pt x="6190315" y="485703"/>
+                  </a:cubicBezTo>
+                  <a:cubicBezTo>
+                    <a:pt x="6167262" y="470271"/>
+                    <a:pt x="6146687" y="455412"/>
+                    <a:pt x="6115446" y="462270"/>
+                  </a:cubicBezTo>
+                  <a:cubicBezTo>
+                    <a:pt x="6084203" y="469319"/>
+                    <a:pt x="6055627" y="456364"/>
+                    <a:pt x="6032194" y="434266"/>
+                  </a:cubicBezTo>
+                  <a:cubicBezTo>
+                    <a:pt x="6014287" y="417501"/>
+                    <a:pt x="5994665" y="415977"/>
+                    <a:pt x="5971042" y="420738"/>
+                  </a:cubicBezTo>
+                  <a:cubicBezTo>
+                    <a:pt x="5941513" y="426645"/>
+                    <a:pt x="5910842" y="427027"/>
+                    <a:pt x="5880933" y="430646"/>
+                  </a:cubicBezTo>
+                  <a:cubicBezTo>
+                    <a:pt x="5874454" y="431408"/>
+                    <a:pt x="5866265" y="434076"/>
+                    <a:pt x="5862452" y="438648"/>
+                  </a:cubicBezTo>
+                  <a:cubicBezTo>
+                    <a:pt x="5815779" y="495418"/>
+                    <a:pt x="5750055" y="495990"/>
+                    <a:pt x="5685283" y="498658"/>
+                  </a:cubicBezTo>
+                  <a:cubicBezTo>
+                    <a:pt x="5646039" y="500372"/>
+                    <a:pt x="5606604" y="500372"/>
+                    <a:pt x="5567169" y="499420"/>
+                  </a:cubicBezTo>
+                  <a:cubicBezTo>
+                    <a:pt x="5553832" y="499228"/>
+                    <a:pt x="5539736" y="496180"/>
+                    <a:pt x="5527923" y="490466"/>
+                  </a:cubicBezTo>
+                  <a:cubicBezTo>
+                    <a:pt x="5503348" y="478463"/>
+                    <a:pt x="5480680" y="462843"/>
+                    <a:pt x="5456292" y="450650"/>
+                  </a:cubicBezTo>
+                  <a:cubicBezTo>
+                    <a:pt x="5447151" y="445886"/>
+                    <a:pt x="5435338" y="445696"/>
+                    <a:pt x="5424670" y="444934"/>
+                  </a:cubicBezTo>
+                  <a:cubicBezTo>
+                    <a:pt x="5405809" y="443410"/>
+                    <a:pt x="5384854" y="447982"/>
+                    <a:pt x="5368662" y="441124"/>
+                  </a:cubicBezTo>
+                  <a:cubicBezTo>
+                    <a:pt x="5326559" y="423407"/>
+                    <a:pt x="5287123" y="427407"/>
+                    <a:pt x="5247118" y="444934"/>
+                  </a:cubicBezTo>
+                  <a:cubicBezTo>
+                    <a:pt x="5191108" y="469509"/>
+                    <a:pt x="5138148" y="467605"/>
+                    <a:pt x="5088617" y="428742"/>
+                  </a:cubicBezTo>
+                  <a:cubicBezTo>
+                    <a:pt x="5066328" y="411215"/>
+                    <a:pt x="5044609" y="419596"/>
+                    <a:pt x="5025750" y="433694"/>
+                  </a:cubicBezTo>
+                  <a:cubicBezTo>
+                    <a:pt x="5004032" y="450078"/>
+                    <a:pt x="4982885" y="454268"/>
+                    <a:pt x="4957930" y="442268"/>
+                  </a:cubicBezTo>
+                  <a:cubicBezTo>
+                    <a:pt x="4952404" y="439600"/>
+                    <a:pt x="4944594" y="440933"/>
+                    <a:pt x="4938116" y="441886"/>
+                  </a:cubicBezTo>
+                  <a:cubicBezTo>
+                    <a:pt x="4901158" y="446648"/>
+                    <a:pt x="4864009" y="454650"/>
+                    <a:pt x="4833910" y="421693"/>
+                  </a:cubicBezTo>
+                  <a:cubicBezTo>
+                    <a:pt x="4828004" y="415214"/>
+                    <a:pt x="4818097" y="412549"/>
+                    <a:pt x="4810095" y="408167"/>
+                  </a:cubicBezTo>
+                  <a:cubicBezTo>
+                    <a:pt x="4776566" y="390258"/>
+                    <a:pt x="4777900" y="391974"/>
+                    <a:pt x="4747991" y="413691"/>
+                  </a:cubicBezTo>
+                  <a:cubicBezTo>
+                    <a:pt x="4732369" y="425121"/>
+                    <a:pt x="4710842" y="436742"/>
+                    <a:pt x="4692745" y="435790"/>
+                  </a:cubicBezTo>
+                  <a:cubicBezTo>
+                    <a:pt x="4583584" y="430075"/>
+                    <a:pt x="4479758" y="457508"/>
+                    <a:pt x="4375933" y="483417"/>
+                  </a:cubicBezTo>
+                  <a:cubicBezTo>
+                    <a:pt x="4311923" y="499420"/>
+                    <a:pt x="4249436" y="500372"/>
+                    <a:pt x="4185426" y="484179"/>
+                  </a:cubicBezTo>
+                  <a:cubicBezTo>
+                    <a:pt x="4139133" y="472367"/>
+                    <a:pt x="4095315" y="491800"/>
+                    <a:pt x="4052072" y="505134"/>
+                  </a:cubicBezTo>
+                  <a:cubicBezTo>
+                    <a:pt x="4043117" y="507799"/>
+                    <a:pt x="4034735" y="518278"/>
+                    <a:pt x="4029973" y="527233"/>
+                  </a:cubicBezTo>
+                  <a:cubicBezTo>
+                    <a:pt x="4012826" y="558858"/>
+                    <a:pt x="3984441" y="563810"/>
+                    <a:pt x="3948626" y="550666"/>
+                  </a:cubicBezTo>
+                  <a:cubicBezTo>
+                    <a:pt x="3920241" y="540377"/>
+                    <a:pt x="3894332" y="526661"/>
+                    <a:pt x="3871280" y="502275"/>
+                  </a:cubicBezTo>
+                  <a:cubicBezTo>
+                    <a:pt x="3844229" y="473701"/>
+                    <a:pt x="3816224" y="441124"/>
+                    <a:pt x="3774312" y="429122"/>
+                  </a:cubicBezTo>
+                  <a:cubicBezTo>
+                    <a:pt x="3756214" y="423979"/>
+                    <a:pt x="3740593" y="423217"/>
+                    <a:pt x="3721543" y="428552"/>
+                  </a:cubicBezTo>
+                  <a:cubicBezTo>
+                    <a:pt x="3684583" y="438837"/>
+                    <a:pt x="3647436" y="446078"/>
+                    <a:pt x="3612763" y="414263"/>
+                  </a:cubicBezTo>
+                  <a:cubicBezTo>
+                    <a:pt x="3593712" y="396736"/>
+                    <a:pt x="3567994" y="385496"/>
+                    <a:pt x="3537323" y="389878"/>
+                  </a:cubicBezTo>
+                  <a:cubicBezTo>
+                    <a:pt x="3499031" y="395402"/>
+                    <a:pt x="3464168" y="381496"/>
+                    <a:pt x="3431593" y="360921"/>
+                  </a:cubicBezTo>
+                  <a:cubicBezTo>
+                    <a:pt x="3419971" y="353491"/>
+                    <a:pt x="3405682" y="349301"/>
+                    <a:pt x="3392158" y="345681"/>
+                  </a:cubicBezTo>
+                  <a:cubicBezTo>
+                    <a:pt x="3360915" y="337298"/>
+                    <a:pt x="3329480" y="329868"/>
+                    <a:pt x="3297856" y="323010"/>
+                  </a:cubicBezTo>
+                  <a:cubicBezTo>
+                    <a:pt x="3271948" y="317296"/>
+                    <a:pt x="3245849" y="313104"/>
+                    <a:pt x="3219748" y="308151"/>
+                  </a:cubicBezTo>
+                  <a:cubicBezTo>
+                    <a:pt x="3191173" y="302817"/>
+                    <a:pt x="3168502" y="290433"/>
+                    <a:pt x="3156692" y="261668"/>
+                  </a:cubicBezTo>
+                  <a:cubicBezTo>
+                    <a:pt x="3152882" y="252524"/>
+                    <a:pt x="3143737" y="245283"/>
+                    <a:pt x="3136497" y="237663"/>
+                  </a:cubicBezTo>
+                  <a:cubicBezTo>
+                    <a:pt x="3131355" y="232139"/>
+                    <a:pt x="3124495" y="227947"/>
+                    <a:pt x="3119733" y="222233"/>
+                  </a:cubicBezTo>
+                  <a:cubicBezTo>
+                    <a:pt x="3094776" y="192132"/>
+                    <a:pt x="3070201" y="161843"/>
+                    <a:pt x="3045436" y="131742"/>
+                  </a:cubicBezTo>
+                  <a:cubicBezTo>
+                    <a:pt x="3042958" y="128884"/>
+                    <a:pt x="3040292" y="125455"/>
+                    <a:pt x="3037054" y="124121"/>
+                  </a:cubicBezTo>
+                  <a:cubicBezTo>
+                    <a:pt x="3003525" y="110215"/>
+                    <a:pt x="2969614" y="97070"/>
+                    <a:pt x="2936466" y="82400"/>
+                  </a:cubicBezTo>
+                  <a:cubicBezTo>
+                    <a:pt x="2923702" y="76686"/>
+                    <a:pt x="2910558" y="69637"/>
+                    <a:pt x="2901031" y="59731"/>
+                  </a:cubicBezTo>
+                  <a:cubicBezTo>
+                    <a:pt x="2879314" y="37250"/>
+                    <a:pt x="2859502" y="12866"/>
+                    <a:pt x="2828259" y="3149"/>
+                  </a:cubicBezTo>
+                  <a:cubicBezTo>
+                    <a:pt x="2819114" y="293"/>
+                    <a:pt x="2808256" y="-1231"/>
+                    <a:pt x="2799492" y="1245"/>
+                  </a:cubicBezTo>
+                  <a:cubicBezTo>
+                    <a:pt x="2763867" y="11532"/>
+                    <a:pt x="2729005" y="24296"/>
+                    <a:pt x="2693570" y="35154"/>
+                  </a:cubicBezTo>
+                  <a:cubicBezTo>
+                    <a:pt x="2671092" y="41823"/>
+                    <a:pt x="2650707" y="49825"/>
+                    <a:pt x="2639847" y="73448"/>
+                  </a:cubicBezTo>
+                  <a:cubicBezTo>
+                    <a:pt x="2636801" y="80114"/>
+                    <a:pt x="2628226" y="87354"/>
+                    <a:pt x="2621178" y="88688"/>
+                  </a:cubicBezTo>
+                  <a:cubicBezTo>
+                    <a:pt x="2575839" y="97260"/>
+                    <a:pt x="2531069" y="101451"/>
+                    <a:pt x="2489348" y="72304"/>
+                  </a:cubicBezTo>
+                  <a:cubicBezTo>
+                    <a:pt x="2480585" y="66017"/>
+                    <a:pt x="2464201" y="66017"/>
+                    <a:pt x="2452580" y="68683"/>
+                  </a:cubicBezTo>
+                  <a:cubicBezTo>
+                    <a:pt x="2407811" y="78590"/>
+                    <a:pt x="2365328" y="82020"/>
+                    <a:pt x="2326464" y="50395"/>
+                  </a:cubicBezTo>
+                  <a:cubicBezTo>
+                    <a:pt x="2321892" y="46585"/>
+                    <a:pt x="2307224" y="50015"/>
+                    <a:pt x="2300365" y="54777"/>
+                  </a:cubicBezTo>
+                  <a:cubicBezTo>
+                    <a:pt x="2234259" y="101261"/>
+                    <a:pt x="2198064" y="102405"/>
+                    <a:pt x="2130434" y="58397"/>
+                  </a:cubicBezTo>
+                  <a:cubicBezTo>
+                    <a:pt x="2126052" y="55539"/>
+                    <a:pt x="2120337" y="52301"/>
+                    <a:pt x="2118621" y="47919"/>
+                  </a:cubicBezTo>
+                  <a:cubicBezTo>
+                    <a:pt x="2107001" y="19914"/>
+                    <a:pt x="2082236" y="19152"/>
+                    <a:pt x="2057659" y="16866"/>
+                  </a:cubicBezTo>
+                  <a:cubicBezTo>
+                    <a:pt x="2030608" y="14390"/>
+                    <a:pt x="2003555" y="11152"/>
+                    <a:pt x="1976314" y="8865"/>
+                  </a:cubicBezTo>
+                  <a:cubicBezTo>
+                    <a:pt x="1971550" y="8483"/>
+                    <a:pt x="1966216" y="10007"/>
+                    <a:pt x="1961454" y="11724"/>
+                  </a:cubicBezTo>
+                  <a:cubicBezTo>
+                    <a:pt x="1943165" y="18010"/>
+                    <a:pt x="1925449" y="27154"/>
+                    <a:pt x="1906588" y="30964"/>
+                  </a:cubicBezTo>
+                  <a:cubicBezTo>
+                    <a:pt x="1865821" y="39156"/>
+                    <a:pt x="1826385" y="55539"/>
+                    <a:pt x="1783330" y="48871"/>
+                  </a:cubicBezTo>
+                  <a:cubicBezTo>
+                    <a:pt x="1775902" y="47729"/>
+                    <a:pt x="1767327" y="53253"/>
+                    <a:pt x="1759327" y="55349"/>
+                  </a:cubicBezTo>
+                  <a:cubicBezTo>
+                    <a:pt x="1744849" y="58969"/>
+                    <a:pt x="1730750" y="64111"/>
+                    <a:pt x="1716082" y="65445"/>
+                  </a:cubicBezTo>
+                  <a:cubicBezTo>
+                    <a:pt x="1677218" y="68875"/>
+                    <a:pt x="1637975" y="71924"/>
+                    <a:pt x="1598920" y="72114"/>
+                  </a:cubicBezTo>
+                  <a:cubicBezTo>
+                    <a:pt x="1580061" y="72304"/>
+                    <a:pt x="1561201" y="65065"/>
+                    <a:pt x="1542150" y="62207"/>
+                  </a:cubicBezTo>
+                  <a:cubicBezTo>
+                    <a:pt x="1533578" y="60873"/>
+                    <a:pt x="1519669" y="58587"/>
+                    <a:pt x="1516813" y="62779"/>
+                  </a:cubicBezTo>
+                  <a:cubicBezTo>
+                    <a:pt x="1494714" y="94592"/>
+                    <a:pt x="1463661" y="88496"/>
+                    <a:pt x="1432228" y="88116"/>
+                  </a:cubicBezTo>
+                  <a:cubicBezTo>
+                    <a:pt x="1362884" y="87354"/>
+                    <a:pt x="1295826" y="60493"/>
+                    <a:pt x="1224765" y="71924"/>
+                  </a:cubicBezTo>
+                  <a:cubicBezTo>
+                    <a:pt x="1204191" y="75162"/>
+                    <a:pt x="1181330" y="62397"/>
+                    <a:pt x="1159231" y="58207"/>
+                  </a:cubicBezTo>
+                  <a:cubicBezTo>
+                    <a:pt x="1147801" y="56111"/>
+                    <a:pt x="1135228" y="53633"/>
+                    <a:pt x="1124370" y="56301"/>
+                  </a:cubicBezTo>
+                  <a:cubicBezTo>
+                    <a:pt x="1107605" y="60493"/>
+                    <a:pt x="1091411" y="68113"/>
+                    <a:pt x="1075600" y="75542"/>
+                  </a:cubicBezTo>
+                  <a:cubicBezTo>
+                    <a:pt x="1046261" y="89258"/>
+                    <a:pt x="1016162" y="89258"/>
+                    <a:pt x="986633" y="79162"/>
+                  </a:cubicBezTo>
+                  <a:cubicBezTo>
+                    <a:pt x="944722" y="64873"/>
+                    <a:pt x="903193" y="64873"/>
+                    <a:pt x="861089" y="76304"/>
+                  </a:cubicBezTo>
+                  <a:cubicBezTo>
+                    <a:pt x="826990" y="85638"/>
+                    <a:pt x="791935" y="92116"/>
+                    <a:pt x="759168" y="104689"/>
+                  </a:cubicBezTo>
+                  <a:cubicBezTo>
+                    <a:pt x="744689" y="110215"/>
+                    <a:pt x="732497" y="126597"/>
+                    <a:pt x="723735" y="140696"/>
+                  </a:cubicBezTo>
+                  <a:cubicBezTo>
+                    <a:pt x="706018" y="169271"/>
+                    <a:pt x="674013" y="169081"/>
+                    <a:pt x="647532" y="147934"/>
+                  </a:cubicBezTo>
+                  <a:cubicBezTo>
+                    <a:pt x="619717" y="125645"/>
+                    <a:pt x="584664" y="112501"/>
+                    <a:pt x="552659" y="95926"/>
+                  </a:cubicBezTo>
+                  <a:cubicBezTo>
+                    <a:pt x="549993" y="94592"/>
+                    <a:pt x="545039" y="96116"/>
+                    <a:pt x="541800" y="97640"/>
+                  </a:cubicBezTo>
+                  <a:cubicBezTo>
+                    <a:pt x="488649" y="122407"/>
+                    <a:pt x="433593" y="126979"/>
+                    <a:pt x="375107" y="123169"/>
+                  </a:cubicBezTo>
+                  <a:cubicBezTo>
+                    <a:pt x="341960" y="121073"/>
+                    <a:pt x="307289" y="137076"/>
+                    <a:pt x="273567" y="145458"/>
+                  </a:cubicBezTo>
+                  <a:cubicBezTo>
+                    <a:pt x="269757" y="146410"/>
+                    <a:pt x="266519" y="151174"/>
+                    <a:pt x="264043" y="154792"/>
+                  </a:cubicBezTo>
+                  <a:cubicBezTo>
+                    <a:pt x="240228" y="190800"/>
+                    <a:pt x="208223" y="200706"/>
+                    <a:pt x="169360" y="177273"/>
+                  </a:cubicBezTo>
+                  <a:cubicBezTo>
+                    <a:pt x="143643" y="161651"/>
+                    <a:pt x="118114" y="158032"/>
+                    <a:pt x="89347" y="157460"/>
+                  </a:cubicBezTo>
+                  <a:cubicBezTo>
+                    <a:pt x="71059" y="157078"/>
+                    <a:pt x="52962" y="147934"/>
+                    <a:pt x="34291" y="145268"/>
+                  </a:cubicBezTo>
+                  <a:lnTo>
+                    <a:pt x="0" y="142056"/>
+                  </a:lnTo>
+                  <a:lnTo>
+                    <a:pt x="0" y="849556"/>
+                  </a:lnTo>
+                  <a:lnTo>
+                    <a:pt x="60652" y="844783"/>
+                  </a:lnTo>
+                  <a:cubicBezTo>
+                    <a:pt x="80251" y="839473"/>
+                    <a:pt x="99446" y="832043"/>
+                    <a:pt x="119068" y="827281"/>
+                  </a:cubicBezTo>
+                  <a:cubicBezTo>
+                    <a:pt x="137355" y="822899"/>
+                    <a:pt x="154501" y="812802"/>
+                    <a:pt x="171840" y="804420"/>
+                  </a:cubicBezTo>
+                  <a:cubicBezTo>
+                    <a:pt x="204985" y="788417"/>
+                    <a:pt x="240420" y="798514"/>
+                    <a:pt x="274329" y="794324"/>
+                  </a:cubicBezTo>
+                  <a:cubicBezTo>
+                    <a:pt x="285188" y="792990"/>
+                    <a:pt x="296046" y="791466"/>
+                    <a:pt x="306715" y="788798"/>
+                  </a:cubicBezTo>
+                  <a:cubicBezTo>
+                    <a:pt x="335864" y="781749"/>
+                    <a:pt x="365583" y="775653"/>
+                    <a:pt x="393967" y="765937"/>
+                  </a:cubicBezTo>
+                  <a:cubicBezTo>
+                    <a:pt x="426165" y="755078"/>
+                    <a:pt x="457028" y="740600"/>
+                    <a:pt x="493793" y="725549"/>
+                  </a:cubicBezTo>
+                  <a:cubicBezTo>
+                    <a:pt x="506557" y="729360"/>
+                    <a:pt x="526180" y="739648"/>
+                    <a:pt x="546373" y="740600"/>
+                  </a:cubicBezTo>
+                  <a:cubicBezTo>
+                    <a:pt x="611337" y="743838"/>
+                    <a:pt x="672107" y="726121"/>
+                    <a:pt x="730211" y="698116"/>
+                  </a:cubicBezTo>
+                  <a:cubicBezTo>
+                    <a:pt x="747927" y="689734"/>
+                    <a:pt x="766980" y="684210"/>
+                    <a:pt x="784889" y="676018"/>
+                  </a:cubicBezTo>
+                  <a:cubicBezTo>
+                    <a:pt x="791173" y="673161"/>
+                    <a:pt x="799365" y="667065"/>
+                    <a:pt x="800509" y="661349"/>
+                  </a:cubicBezTo>
+                  <a:cubicBezTo>
+                    <a:pt x="807175" y="628201"/>
+                    <a:pt x="831942" y="628772"/>
+                    <a:pt x="857661" y="626868"/>
+                  </a:cubicBezTo>
+                  <a:cubicBezTo>
+                    <a:pt x="888332" y="624582"/>
+                    <a:pt x="918621" y="619248"/>
+                    <a:pt x="949102" y="614676"/>
+                  </a:cubicBezTo>
+                  <a:cubicBezTo>
+                    <a:pt x="953104" y="614104"/>
+                    <a:pt x="956722" y="610104"/>
+                    <a:pt x="960342" y="607435"/>
+                  </a:cubicBezTo>
+                  <a:cubicBezTo>
+                    <a:pt x="965867" y="603435"/>
+                    <a:pt x="971011" y="597339"/>
+                    <a:pt x="977109" y="595815"/>
+                  </a:cubicBezTo>
+                  <a:cubicBezTo>
+                    <a:pt x="1008350" y="588385"/>
+                    <a:pt x="1039783" y="582099"/>
+                    <a:pt x="1071218" y="575240"/>
+                  </a:cubicBezTo>
+                  <a:cubicBezTo>
+                    <a:pt x="1078266" y="573716"/>
+                    <a:pt x="1085505" y="571812"/>
+                    <a:pt x="1091983" y="568764"/>
+                  </a:cubicBezTo>
+                  <a:cubicBezTo>
+                    <a:pt x="1098079" y="565906"/>
+                    <a:pt x="1103223" y="560952"/>
+                    <a:pt x="1109321" y="557904"/>
+                  </a:cubicBezTo>
+                  <a:cubicBezTo>
+                    <a:pt x="1125892" y="549714"/>
+                    <a:pt x="1142851" y="542093"/>
+                    <a:pt x="1162279" y="532949"/>
+                  </a:cubicBezTo>
+                  <a:cubicBezTo>
+                    <a:pt x="1173138" y="550094"/>
+                    <a:pt x="1187810" y="540377"/>
+                    <a:pt x="1206097" y="532187"/>
+                  </a:cubicBezTo>
+                  <a:cubicBezTo>
+                    <a:pt x="1224765" y="523805"/>
+                    <a:pt x="1246292" y="521137"/>
+                    <a:pt x="1266867" y="518088"/>
+                  </a:cubicBezTo>
+                  <a:cubicBezTo>
+                    <a:pt x="1304588" y="512564"/>
+                    <a:pt x="1342499" y="509134"/>
+                    <a:pt x="1380219" y="504182"/>
+                  </a:cubicBezTo>
+                  <a:cubicBezTo>
+                    <a:pt x="1388221" y="503038"/>
+                    <a:pt x="1397365" y="500944"/>
+                    <a:pt x="1403461" y="496180"/>
+                  </a:cubicBezTo>
+                  <a:cubicBezTo>
+                    <a:pt x="1445181" y="464175"/>
+                    <a:pt x="1495858" y="455222"/>
+                    <a:pt x="1544054" y="458268"/>
+                  </a:cubicBezTo>
+                  <a:cubicBezTo>
+                    <a:pt x="1581965" y="460557"/>
+                    <a:pt x="1619114" y="462270"/>
+                    <a:pt x="1656644" y="459032"/>
+                  </a:cubicBezTo>
+                  <a:cubicBezTo>
+                    <a:pt x="1659502" y="458841"/>
+                    <a:pt x="1663312" y="459223"/>
+                    <a:pt x="1665406" y="460747"/>
+                  </a:cubicBezTo>
+                  <a:cubicBezTo>
+                    <a:pt x="1678360" y="470843"/>
+                    <a:pt x="1691887" y="471605"/>
+                    <a:pt x="1708461" y="473318"/>
+                  </a:cubicBezTo>
+                  <a:cubicBezTo>
+                    <a:pt x="1731894" y="475797"/>
+                    <a:pt x="1753421" y="474081"/>
+                    <a:pt x="1775140" y="469891"/>
+                  </a:cubicBezTo>
+                  <a:cubicBezTo>
+                    <a:pt x="1790952" y="466843"/>
+                    <a:pt x="1806953" y="460557"/>
+                    <a:pt x="1821051" y="452554"/>
+                  </a:cubicBezTo>
+                  <a:cubicBezTo>
+                    <a:pt x="1840672" y="441314"/>
+                    <a:pt x="1859535" y="436934"/>
+                    <a:pt x="1878203" y="451792"/>
+                  </a:cubicBezTo>
+                  <a:cubicBezTo>
+                    <a:pt x="1898396" y="467605"/>
+                    <a:pt x="1921257" y="462081"/>
+                    <a:pt x="1943547" y="462651"/>
+                  </a:cubicBezTo>
+                  <a:cubicBezTo>
+                    <a:pt x="1953262" y="462843"/>
+                    <a:pt x="1963550" y="462461"/>
+                    <a:pt x="1972884" y="464937"/>
+                  </a:cubicBezTo>
+                  <a:cubicBezTo>
+                    <a:pt x="1999935" y="471987"/>
+                    <a:pt x="2026036" y="482655"/>
+                    <a:pt x="2053469" y="487417"/>
+                  </a:cubicBezTo>
+                  <a:cubicBezTo>
+                    <a:pt x="2068710" y="490084"/>
+                    <a:pt x="2085664" y="485321"/>
+                    <a:pt x="2101477" y="481893"/>
+                  </a:cubicBezTo>
+                  <a:cubicBezTo>
+                    <a:pt x="2117479" y="478273"/>
+                    <a:pt x="2133290" y="472749"/>
+                    <a:pt x="2148722" y="467033"/>
+                  </a:cubicBezTo>
+                  <a:cubicBezTo>
+                    <a:pt x="2159199" y="463223"/>
+                    <a:pt x="2170629" y="459603"/>
+                    <a:pt x="2179011" y="452744"/>
+                  </a:cubicBezTo>
+                  <a:cubicBezTo>
+                    <a:pt x="2198064" y="437124"/>
+                    <a:pt x="2217685" y="434455"/>
+                    <a:pt x="2240165" y="442648"/>
+                  </a:cubicBezTo>
+                  <a:cubicBezTo>
+                    <a:pt x="2243593" y="443982"/>
+                    <a:pt x="2247594" y="443982"/>
+                    <a:pt x="2251404" y="444172"/>
+                  </a:cubicBezTo>
+                  <a:cubicBezTo>
+                    <a:pt x="2312370" y="448172"/>
+                    <a:pt x="2373330" y="450650"/>
+                    <a:pt x="2433912" y="456746"/>
+                  </a:cubicBezTo>
+                  <a:cubicBezTo>
+                    <a:pt x="2458485" y="459223"/>
+                    <a:pt x="2482107" y="470081"/>
+                    <a:pt x="2506302" y="476939"/>
+                  </a:cubicBezTo>
+                  <a:cubicBezTo>
+                    <a:pt x="2511256" y="478273"/>
+                    <a:pt x="2516783" y="480369"/>
+                    <a:pt x="2521735" y="479415"/>
+                  </a:cubicBezTo>
+                  <a:cubicBezTo>
+                    <a:pt x="2575647" y="469891"/>
+                    <a:pt x="2626132" y="483797"/>
+                    <a:pt x="2675854" y="502086"/>
+                  </a:cubicBezTo>
+                  <a:cubicBezTo>
+                    <a:pt x="2680996" y="503992"/>
+                    <a:pt x="2687282" y="503419"/>
+                    <a:pt x="2692998" y="503038"/>
+                  </a:cubicBezTo>
+                  <a:cubicBezTo>
+                    <a:pt x="2709003" y="501706"/>
+                    <a:pt x="2726337" y="495038"/>
+                    <a:pt x="2740816" y="499037"/>
+                  </a:cubicBezTo>
+                  <a:cubicBezTo>
+                    <a:pt x="2779297" y="510088"/>
+                    <a:pt x="2817398" y="523423"/>
+                    <a:pt x="2853596" y="540187"/>
+                  </a:cubicBezTo>
+                  <a:cubicBezTo>
+                    <a:pt x="2890365" y="557142"/>
+                    <a:pt x="2924464" y="571430"/>
+                    <a:pt x="2966565" y="554286"/>
+                  </a:cubicBezTo>
+                  <a:cubicBezTo>
+                    <a:pt x="2984472" y="547045"/>
+                    <a:pt x="3008095" y="552190"/>
+                    <a:pt x="3028671" y="554094"/>
+                  </a:cubicBezTo>
+                  <a:cubicBezTo>
+                    <a:pt x="3043720" y="555618"/>
+                    <a:pt x="3058198" y="564192"/>
+                    <a:pt x="3073059" y="564192"/>
+                  </a:cubicBezTo>
+                  <a:cubicBezTo>
+                    <a:pt x="3112686" y="564192"/>
+                    <a:pt x="3147927" y="574288"/>
+                    <a:pt x="3182219" y="594862"/>
+                  </a:cubicBezTo>
+                  <a:cubicBezTo>
+                    <a:pt x="3195557" y="602863"/>
+                    <a:pt x="3216322" y="597529"/>
+                    <a:pt x="3233656" y="599625"/>
+                  </a:cubicBezTo>
+                  <a:cubicBezTo>
+                    <a:pt x="3251947" y="602101"/>
+                    <a:pt x="3270804" y="604387"/>
+                    <a:pt x="3288332" y="609914"/>
+                  </a:cubicBezTo>
+                  <a:cubicBezTo>
+                    <a:pt x="3333672" y="624392"/>
+                    <a:pt x="3378441" y="640774"/>
+                    <a:pt x="3423591" y="656015"/>
+                  </a:cubicBezTo>
+                  <a:cubicBezTo>
+                    <a:pt x="3460738" y="668590"/>
+                    <a:pt x="3497317" y="658683"/>
+                    <a:pt x="3534084" y="653349"/>
+                  </a:cubicBezTo>
+                  <a:cubicBezTo>
+                    <a:pt x="3557137" y="649919"/>
+                    <a:pt x="3578662" y="641727"/>
+                    <a:pt x="3604571" y="653918"/>
+                  </a:cubicBezTo>
+                  <a:cubicBezTo>
+                    <a:pt x="3629338" y="665541"/>
+                    <a:pt x="3660771" y="662873"/>
+                    <a:pt x="3688586" y="669160"/>
+                  </a:cubicBezTo>
+                  <a:cubicBezTo>
+                    <a:pt x="3712020" y="674494"/>
+                    <a:pt x="3734687" y="683068"/>
+                    <a:pt x="3757358" y="691450"/>
+                  </a:cubicBezTo>
+                  <a:cubicBezTo>
+                    <a:pt x="3788221" y="702881"/>
+                    <a:pt x="3818700" y="714881"/>
+                    <a:pt x="3852421" y="709167"/>
+                  </a:cubicBezTo>
+                  <a:cubicBezTo>
+                    <a:pt x="3890714" y="702689"/>
+                    <a:pt x="3917001" y="727073"/>
+                    <a:pt x="3947104" y="743267"/>
+                  </a:cubicBezTo>
+                  <a:cubicBezTo>
+                    <a:pt x="3967869" y="754316"/>
+                    <a:pt x="3990538" y="762509"/>
+                    <a:pt x="4013208" y="769367"/>
+                  </a:cubicBezTo>
+                  <a:cubicBezTo>
+                    <a:pt x="4043497" y="778321"/>
+                    <a:pt x="4074740" y="783655"/>
+                    <a:pt x="4105222" y="792417"/>
+                  </a:cubicBezTo>
+                  <a:cubicBezTo>
+                    <a:pt x="4151325" y="805561"/>
+                    <a:pt x="4198001" y="815850"/>
+                    <a:pt x="4246006" y="808610"/>
+                  </a:cubicBezTo>
+                  <a:cubicBezTo>
+                    <a:pt x="4268105" y="805372"/>
+                    <a:pt x="4288682" y="805561"/>
+                    <a:pt x="4310779" y="810326"/>
+                  </a:cubicBezTo>
+                  <a:cubicBezTo>
+                    <a:pt x="4346974" y="818136"/>
+                    <a:pt x="4384123" y="819089"/>
+                    <a:pt x="4413272" y="848235"/>
+                  </a:cubicBezTo>
+                  <a:cubicBezTo>
+                    <a:pt x="4423558" y="858524"/>
+                    <a:pt x="4442037" y="861190"/>
+                    <a:pt x="4457087" y="866524"/>
+                  </a:cubicBezTo>
+                  <a:cubicBezTo>
+                    <a:pt x="4474424" y="872812"/>
+                    <a:pt x="4487186" y="869572"/>
+                    <a:pt x="4496523" y="851284"/>
+                  </a:cubicBezTo>
+                  <a:cubicBezTo>
+                    <a:pt x="4500713" y="843093"/>
+                    <a:pt x="4512715" y="835091"/>
+                    <a:pt x="4522050" y="833757"/>
+                  </a:cubicBezTo>
+                  <a:cubicBezTo>
+                    <a:pt x="4550055" y="829757"/>
+                    <a:pt x="4575773" y="835663"/>
+                    <a:pt x="4602824" y="848618"/>
+                  </a:cubicBezTo>
+                  <a:cubicBezTo>
+                    <a:pt x="4628161" y="860810"/>
+                    <a:pt x="4659786" y="859476"/>
+                    <a:pt x="4688553" y="864238"/>
+                  </a:cubicBezTo>
+                  <a:cubicBezTo>
+                    <a:pt x="4708936" y="867668"/>
+                    <a:pt x="4729321" y="874716"/>
+                    <a:pt x="4749895" y="874716"/>
+                  </a:cubicBezTo>
+                  <a:cubicBezTo>
+                    <a:pt x="4775424" y="874716"/>
+                    <a:pt x="4800761" y="868620"/>
+                    <a:pt x="4826480" y="866334"/>
+                  </a:cubicBezTo>
+                  <a:cubicBezTo>
+                    <a:pt x="4846482" y="864430"/>
+                    <a:pt x="4866867" y="865192"/>
+                    <a:pt x="4886870" y="862906"/>
+                  </a:cubicBezTo>
+                  <a:cubicBezTo>
+                    <a:pt x="4903254" y="861190"/>
+                    <a:pt x="4919447" y="856810"/>
+                    <a:pt x="4935639" y="853190"/>
+                  </a:cubicBezTo>
+                  <a:cubicBezTo>
+                    <a:pt x="4941546" y="851856"/>
+                    <a:pt x="4947452" y="846711"/>
+                    <a:pt x="4952784" y="847473"/>
+                  </a:cubicBezTo>
+                  <a:cubicBezTo>
+                    <a:pt x="5005745" y="855666"/>
+                    <a:pt x="5043847" y="819089"/>
+                    <a:pt x="5088617" y="802896"/>
+                  </a:cubicBezTo>
+                  <a:cubicBezTo>
+                    <a:pt x="5135672" y="785749"/>
+                    <a:pt x="5181204" y="759461"/>
+                    <a:pt x="5233781" y="767271"/>
+                  </a:cubicBezTo>
+                  <a:cubicBezTo>
+                    <a:pt x="5265596" y="772033"/>
+                    <a:pt x="5296267" y="783083"/>
+                    <a:pt x="5327893" y="789752"/>
+                  </a:cubicBezTo>
+                  <a:cubicBezTo>
+                    <a:pt x="5339132" y="792038"/>
+                    <a:pt x="5351705" y="791656"/>
+                    <a:pt x="5362946" y="789370"/>
+                  </a:cubicBezTo>
+                  <a:cubicBezTo>
+                    <a:pt x="5417240" y="778891"/>
+                    <a:pt x="5470771" y="777367"/>
+                    <a:pt x="5524115" y="794514"/>
+                  </a:cubicBezTo>
+                  <a:cubicBezTo>
+                    <a:pt x="5533257" y="797372"/>
+                    <a:pt x="5542974" y="800038"/>
+                    <a:pt x="5552500" y="800038"/>
+                  </a:cubicBezTo>
+                  <a:cubicBezTo>
+                    <a:pt x="5604697" y="800038"/>
+                    <a:pt x="5655944" y="796038"/>
+                    <a:pt x="5705857" y="777367"/>
+                  </a:cubicBezTo>
+                  <a:cubicBezTo>
+                    <a:pt x="5722622" y="771080"/>
+                    <a:pt x="5743006" y="775081"/>
+                    <a:pt x="5761485" y="773557"/>
+                  </a:cubicBezTo>
+                  <a:cubicBezTo>
+                    <a:pt x="5778629" y="772224"/>
+                    <a:pt x="5796156" y="771653"/>
+                    <a:pt x="5812731" y="767271"/>
+                  </a:cubicBezTo>
+                  <a:cubicBezTo>
+                    <a:pt x="5836925" y="760795"/>
+                    <a:pt x="5859404" y="760033"/>
+                    <a:pt x="5884361" y="765747"/>
+                  </a:cubicBezTo>
+                  <a:cubicBezTo>
+                    <a:pt x="5908174" y="771080"/>
+                    <a:pt x="5933892" y="768415"/>
+                    <a:pt x="5958660" y="768605"/>
+                  </a:cubicBezTo>
+                  <a:cubicBezTo>
+                    <a:pt x="5986282" y="768795"/>
+                    <a:pt x="6013906" y="768984"/>
+                    <a:pt x="6041528" y="768033"/>
+                  </a:cubicBezTo>
+                  <a:cubicBezTo>
+                    <a:pt x="6052579" y="767653"/>
+                    <a:pt x="6065151" y="760033"/>
+                    <a:pt x="6074297" y="763081"/>
+                  </a:cubicBezTo>
+                  <a:cubicBezTo>
+                    <a:pt x="6103824" y="773366"/>
+                    <a:pt x="6133353" y="760985"/>
+                    <a:pt x="6162880" y="766509"/>
+                  </a:cubicBezTo>
+                  <a:cubicBezTo>
+                    <a:pt x="6177360" y="769367"/>
+                    <a:pt x="6193743" y="761557"/>
+                    <a:pt x="6209364" y="760795"/>
+                  </a:cubicBezTo>
+                  <a:cubicBezTo>
+                    <a:pt x="6234892" y="759461"/>
+                    <a:pt x="6260419" y="760033"/>
+                    <a:pt x="6285948" y="759651"/>
+                  </a:cubicBezTo>
+                  <a:cubicBezTo>
+                    <a:pt x="6294330" y="759461"/>
+                    <a:pt x="6302523" y="758699"/>
+                    <a:pt x="6310905" y="758316"/>
+                  </a:cubicBezTo>
+                  <a:cubicBezTo>
+                    <a:pt x="6318335" y="757936"/>
+                    <a:pt x="6326145" y="756222"/>
+                    <a:pt x="6333194" y="757554"/>
+                  </a:cubicBezTo>
+                  <a:cubicBezTo>
+                    <a:pt x="6358723" y="762318"/>
+                    <a:pt x="6383869" y="770129"/>
+                    <a:pt x="6409586" y="773177"/>
+                  </a:cubicBezTo>
+                  <a:cubicBezTo>
+                    <a:pt x="6431875" y="775843"/>
+                    <a:pt x="6454928" y="772224"/>
+                    <a:pt x="6477407" y="774129"/>
+                  </a:cubicBezTo>
+                  <a:cubicBezTo>
+                    <a:pt x="6517032" y="777367"/>
+                    <a:pt x="6556657" y="783083"/>
+                    <a:pt x="6596283" y="786703"/>
+                  </a:cubicBezTo>
+                  <a:cubicBezTo>
+                    <a:pt x="6604857" y="787465"/>
+                    <a:pt x="6613809" y="782701"/>
+                    <a:pt x="6622573" y="782321"/>
+                  </a:cubicBezTo>
+                  <a:cubicBezTo>
+                    <a:pt x="6650006" y="781369"/>
+                    <a:pt x="6677439" y="781177"/>
+                    <a:pt x="6704872" y="780607"/>
+                  </a:cubicBezTo>
+                  <a:cubicBezTo>
+                    <a:pt x="6720493" y="780415"/>
+                    <a:pt x="6736305" y="780987"/>
+                    <a:pt x="6751738" y="779273"/>
+                  </a:cubicBezTo>
+                  <a:cubicBezTo>
+                    <a:pt x="6772120" y="776987"/>
+                    <a:pt x="6790599" y="773557"/>
+                    <a:pt x="6809650" y="788417"/>
+                  </a:cubicBezTo>
+                  <a:cubicBezTo>
+                    <a:pt x="6816984" y="794180"/>
+                    <a:pt x="6824819" y="797942"/>
+                    <a:pt x="6832976" y="800428"/>
+                  </a:cubicBezTo>
+                  <a:close/>
+                </a:path>
+              </a:pathLst>
+            </a:custGeom>
+            <a:blipFill dpi="0" rotWithShape="1">
+              <a:blip r:embed="rId5">
+                <a:alphaModFix amt="57000"/>
+              </a:blip>
+              <a:srcRect/>
+              <a:tile tx="0" ty="0" sx="100000" sy="100000" flip="none" algn="tl"/>
+            </a:blipFill>
+            <a:ln>
+              <a:noFill/>
+            </a:ln>
+            <a:effectLst/>
+          </p:spPr>
+          <p:style>
+            <a:lnRef idx="2">
+              <a:schemeClr val="accent1">
+                <a:shade val="50000"/>
+              </a:schemeClr>
+            </a:lnRef>
+            <a:fillRef idx="1">
+              <a:schemeClr val="accent1"/>
+            </a:fillRef>
+            <a:effectRef idx="0">
+              <a:schemeClr val="accent1"/>
+            </a:effectRef>
+            <a:fontRef idx="minor">
+              <a:schemeClr val="lt1"/>
+            </a:fontRef>
+          </p:style>
+          <p:txBody>
+            <a:bodyPr wrap="square" rtlCol="0" anchor="ctr">
+              <a:noAutofit/>
+            </a:bodyPr>
+            <a:lstStyle/>
+            <a:p>
+              <a:pPr algn="ctr"/>
+              <a:endParaRPr lang="en-US"/>
+            </a:p>
+          </p:txBody>
+        </p:sp>
+      </p:grpSp>
+      <p:sp>
+        <p:nvSpPr>
+          <p:cNvPr id="5" name="Slide Number Placeholder 4">
+            <a:extLst>
+              <a:ext uri="{FF2B5EF4-FFF2-40B4-BE49-F238E27FC236}">
+                <a16:creationId xmlns:a16="http://schemas.microsoft.com/office/drawing/2014/main" id="{D524635B-C084-4FE5-8B4C-D4F306F912FA}"/>
+              </a:ext>
+            </a:extLst>
+          </p:cNvPr>
+          <p:cNvSpPr>
+            <a:spLocks noGrp="1"/>
+          </p:cNvSpPr>
+          <p:nvPr>
+            <p:ph type="sldNum" sz="quarter" idx="12"/>
+          </p:nvPr>
+        </p:nvSpPr>
+        <p:spPr>
+          <a:xfrm>
+            <a:off x="8737600" y="466933"/>
+            <a:ext cx="2635250" cy="707886"/>
+          </a:xfrm>
+        </p:spPr>
+        <p:txBody>
+          <a:bodyPr>
+            <a:normAutofit/>
+          </a:bodyPr>
+          <a:lstStyle/>
+          <a:p>
+            <a:pPr>
+              <a:lnSpc>
+                <a:spcPct val="90000"/>
+              </a:lnSpc>
+              <a:spcAft>
+                <a:spcPts val="600"/>
+              </a:spcAft>
+            </a:pPr>
+            <a:fld id="{A6AF1B4E-90EC-4A51-B6E5-B702C054ECB0}" type="slidenum">
+              <a:rPr lang="en-US" sz="4400">
+                <a:solidFill>
+                  <a:srgbClr val="FFFFFF"/>
+                </a:solidFill>
+              </a:rPr>
+              <a:pPr>
+                <a:lnSpc>
+                  <a:spcPct val="90000"/>
+                </a:lnSpc>
+                <a:spcAft>
+                  <a:spcPts val="600"/>
+                </a:spcAft>
+              </a:pPr>
+              <a:t>25</a:t>
+            </a:fld>
+            <a:endParaRPr lang="en-US" sz="4400">
+              <a:solidFill>
+                <a:srgbClr val="FFFFFF"/>
+              </a:solidFill>
+            </a:endParaRPr>
+          </a:p>
+        </p:txBody>
+      </p:sp>
+      <p:sp>
+        <p:nvSpPr>
+          <p:cNvPr id="4" name="Footer Placeholder 3">
+            <a:extLst>
+              <a:ext uri="{FF2B5EF4-FFF2-40B4-BE49-F238E27FC236}">
+                <a16:creationId xmlns:a16="http://schemas.microsoft.com/office/drawing/2014/main" id="{3B0F6595-957A-4328-8F17-8F3067550DD2}"/>
+              </a:ext>
+            </a:extLst>
+          </p:cNvPr>
+          <p:cNvSpPr>
+            <a:spLocks noGrp="1"/>
+          </p:cNvSpPr>
+          <p:nvPr>
+            <p:ph type="ftr" sz="quarter" idx="11"/>
+          </p:nvPr>
+        </p:nvSpPr>
+        <p:spPr>
+          <a:xfrm>
+            <a:off x="7859713" y="6025942"/>
+            <a:ext cx="3497262" cy="365125"/>
+          </a:xfrm>
+        </p:spPr>
+        <p:txBody>
+          <a:bodyPr>
+            <a:normAutofit/>
+          </a:bodyPr>
+          <a:lstStyle/>
+          <a:p>
+            <a:pPr algn="r">
+              <a:spcAft>
+                <a:spcPts val="600"/>
+              </a:spcAft>
+            </a:pPr>
+            <a:r>
+              <a:rPr lang="en-US" sz="1000">
+                <a:solidFill>
+                  <a:srgbClr val="FFFFFF"/>
+                </a:solidFill>
+              </a:rPr>
+              <a:t>Mike Nguyen</a:t>
+            </a:r>
+          </a:p>
+        </p:txBody>
+      </p:sp>
+    </p:spTree>
+    <p:extLst>
+      <p:ext uri="{BB962C8B-B14F-4D97-AF65-F5344CB8AC3E}">
+        <p14:creationId xmlns:p14="http://schemas.microsoft.com/office/powerpoint/2010/main" val="4143202399"/>
+      </p:ext>
+    </p:extLst>
+  </p:cSld>
+  <p:clrMapOvr>
+    <a:masterClrMapping/>
+  </p:clrMapOvr>
+</p:sld>
+</file>
+
+<file path=ppt/slides/slide26.xml><?xml version="1.0" encoding="utf-8"?>
+<p:sld xmlns:a="http://schemas.openxmlformats.org/drawingml/2006/main" xmlns:r="http://schemas.openxmlformats.org/officeDocument/2006/relationships" xmlns:p="http://schemas.openxmlformats.org/presentationml/2006/main">
+  <p:cSld>
+    <p:bg>
+      <p:bgPr>
+        <a:solidFill>
+          <a:schemeClr val="bg1"/>
+        </a:solidFill>
+        <a:effectLst/>
+      </p:bgPr>
+    </p:bg>
+    <p:spTree>
+      <p:nvGrpSpPr>
+        <p:cNvPr id="1" name=""/>
+        <p:cNvGrpSpPr/>
+        <p:nvPr/>
+      </p:nvGrpSpPr>
+      <p:grpSpPr>
+        <a:xfrm>
+          <a:off x="0" y="0"/>
+          <a:ext cx="0" cy="0"/>
+          <a:chOff x="0" y="0"/>
+          <a:chExt cx="0" cy="0"/>
+        </a:xfrm>
+      </p:grpSpPr>
       <p:sp>
         <p:nvSpPr>
           <p:cNvPr id="11" name="Rectangle 10">
@@ -37434,7 +42532,7 @@
                   <a:spcPts val="600"/>
                 </a:spcAft>
               </a:pPr>
-              <a:t>25</a:t>
+              <a:t>26</a:t>
             </a:fld>
             <a:endParaRPr lang="en-US"/>
           </a:p>
@@ -37456,7 +42554,7 @@
             <p:ph idx="1"/>
             <p:extLst>
               <p:ext uri="{D42A27DB-BD31-4B8C-83A1-F6EECF244321}">
-                <p14:modId xmlns:p14="http://schemas.microsoft.com/office/powerpoint/2010/main" val="2093128920"/>
+                <p14:modId xmlns:p14="http://schemas.microsoft.com/office/powerpoint/2010/main" val="1831098477"/>
               </p:ext>
             </p:extLst>
           </p:nvPr>
@@ -38734,7 +43832,7 @@
             <p:ph idx="1"/>
             <p:extLst>
               <p:ext uri="{D42A27DB-BD31-4B8C-83A1-F6EECF244321}">
-                <p14:modId xmlns:p14="http://schemas.microsoft.com/office/powerpoint/2010/main" val="3821957812"/>
+                <p14:modId xmlns:p14="http://schemas.microsoft.com/office/powerpoint/2010/main" val="634547119"/>
               </p:ext>
             </p:extLst>
           </p:nvPr>
@@ -38866,17 +43964,17 @@
         <p:spPr>
           <a:xfrm>
             <a:off x="638882" y="639193"/>
-            <a:ext cx="3571810" cy="3573516"/>
+            <a:ext cx="3884350" cy="3573516"/>
           </a:xfrm>
         </p:spPr>
         <p:txBody>
           <a:bodyPr vert="horz" lIns="91440" tIns="45720" rIns="91440" bIns="45720" rtlCol="0" anchor="b">
-            <a:normAutofit/>
+            <a:normAutofit fontScale="90000"/>
           </a:bodyPr>
           <a:lstStyle/>
           <a:p>
             <a:r>
-              <a:rPr lang="en-US" sz="5100" kern="1200">
+              <a:rPr lang="en-US" sz="5100" kern="1200" dirty="0">
                 <a:solidFill>
                   <a:schemeClr val="tx1"/>
                 </a:solidFill>
@@ -38884,7 +43982,49 @@
                 <a:ea typeface="+mj-ea"/>
                 <a:cs typeface="+mj-cs"/>
               </a:rPr>
-              <a:t>Attendance and Participation points</a:t>
+              <a:t>Attendance,</a:t>
+            </a:r>
+            <a:br>
+              <a:rPr lang="en-US" sz="5100" kern="1200" dirty="0">
+                <a:solidFill>
+                  <a:schemeClr val="tx1"/>
+                </a:solidFill>
+                <a:latin typeface="+mj-lt"/>
+                <a:ea typeface="+mj-ea"/>
+                <a:cs typeface="+mj-cs"/>
+              </a:rPr>
+            </a:br>
+            <a:r>
+              <a:rPr lang="en-US" sz="5100" kern="1200" dirty="0">
+                <a:solidFill>
+                  <a:schemeClr val="tx1"/>
+                </a:solidFill>
+                <a:latin typeface="+mj-lt"/>
+                <a:ea typeface="+mj-ea"/>
+                <a:cs typeface="+mj-cs"/>
+              </a:rPr>
+              <a:t>Participation points, and </a:t>
+            </a:r>
+            <a:br>
+              <a:rPr lang="en-US" sz="5100" kern="1200" dirty="0">
+                <a:solidFill>
+                  <a:schemeClr val="tx1"/>
+                </a:solidFill>
+                <a:latin typeface="+mj-lt"/>
+                <a:ea typeface="+mj-ea"/>
+                <a:cs typeface="+mj-cs"/>
+              </a:rPr>
+            </a:br>
+            <a:r>
+              <a:rPr lang="en-US" sz="5100" kern="1200" dirty="0">
+                <a:solidFill>
+                  <a:schemeClr val="tx1"/>
+                </a:solidFill>
+                <a:latin typeface="+mj-lt"/>
+                <a:ea typeface="+mj-ea"/>
+                <a:cs typeface="+mj-cs"/>
+              </a:rPr>
+              <a:t>Professionalism</a:t>
             </a:r>
           </a:p>
         </p:txBody>
@@ -42827,6 +47967,23 @@
 </file>
 
 <file path=customXml/item1.xml><?xml version="1.0" encoding="utf-8"?>
+<?mso-contentType ?>
+<FormTemplates xmlns="http://schemas.microsoft.com/sharepoint/v3/contenttype/forms">
+  <Display>DocumentLibraryForm</Display>
+  <Edit>DocumentLibraryForm</Edit>
+  <New>DocumentLibraryForm</New>
+</FormTemplates>
+</file>
+
+<file path=customXml/item2.xml><?xml version="1.0" encoding="utf-8"?>
+<p:properties xmlns:p="http://schemas.microsoft.com/office/2006/metadata/properties" xmlns:xsi="http://www.w3.org/2001/XMLSchema-instance" xmlns:pc="http://schemas.microsoft.com/office/infopath/2007/PartnerControls">
+  <documentManagement>
+    <MediaServiceKeyPoints xmlns="71af3243-3dd4-4a8d-8c0d-dd76da1f02a5" xsi:nil="true"/>
+  </documentManagement>
+</p:properties>
+</file>
+
+<file path=customXml/item3.xml><?xml version="1.0" encoding="utf-8"?>
 <ct:contentTypeSchema xmlns:ct="http://schemas.microsoft.com/office/2006/metadata/contentType" xmlns:ma="http://schemas.microsoft.com/office/2006/metadata/properties/metaAttributes" ct:_="" ma:_="" ma:contentTypeName="Document" ma:contentTypeID="0x01010079F111ED35F8CC479449609E8A0923A6" ma:contentTypeVersion="11" ma:contentTypeDescription="Create a new document." ma:contentTypeScope="" ma:versionID="96291512c1ee715ab617f4c07df79fc1">
   <xsd:schema xmlns:xsd="http://www.w3.org/2001/XMLSchema" xmlns:xs="http://www.w3.org/2001/XMLSchema" xmlns:p="http://schemas.microsoft.com/office/2006/metadata/properties" xmlns:ns2="71af3243-3dd4-4a8d-8c0d-dd76da1f02a5" xmlns:ns3="16c05727-aa75-4e4a-9b5f-8a80a1165891" targetNamespace="http://schemas.microsoft.com/office/2006/metadata/properties" ma:root="true" ma:fieldsID="8256c27c40ca5c40ce1cf6c44f0205df" ns2:_="" ns3:_="">
     <xsd:import namespace="71af3243-3dd4-4a8d-8c0d-dd76da1f02a5"/>
@@ -43037,24 +48194,25 @@
 </ct:contentTypeSchema>
 </file>
 
-<file path=customXml/item2.xml><?xml version="1.0" encoding="utf-8"?>
-<p:properties xmlns:p="http://schemas.microsoft.com/office/2006/metadata/properties" xmlns:xsi="http://www.w3.org/2001/XMLSchema-instance" xmlns:pc="http://schemas.microsoft.com/office/infopath/2007/PartnerControls">
-  <documentManagement>
-    <MediaServiceKeyPoints xmlns="71af3243-3dd4-4a8d-8c0d-dd76da1f02a5" xsi:nil="true"/>
-  </documentManagement>
-</p:properties>
+<file path=customXml/itemProps1.xml><?xml version="1.0" encoding="utf-8"?>
+<ds:datastoreItem xmlns:ds="http://schemas.openxmlformats.org/officeDocument/2006/customXml" ds:itemID="{5CA875DA-F9FD-4F83-A049-3B1027B542DE}">
+  <ds:schemaRefs>
+    <ds:schemaRef ds:uri="http://schemas.microsoft.com/sharepoint/v3/contenttype/forms"/>
+  </ds:schemaRefs>
+</ds:datastoreItem>
 </file>
 
-<file path=customXml/item3.xml><?xml version="1.0" encoding="utf-8"?>
-<?mso-contentType ?>
-<FormTemplates xmlns="http://schemas.microsoft.com/sharepoint/v3/contenttype/forms">
-  <Display>DocumentLibraryForm</Display>
-  <Edit>DocumentLibraryForm</Edit>
-  <New>DocumentLibraryForm</New>
-</FormTemplates>
+<file path=customXml/itemProps2.xml><?xml version="1.0" encoding="utf-8"?>
+<ds:datastoreItem xmlns:ds="http://schemas.openxmlformats.org/officeDocument/2006/customXml" ds:itemID="{03C7D9E6-B0D9-433E-BD46-EB60F64F4DA8}">
+  <ds:schemaRefs>
+    <ds:schemaRef ds:uri="http://schemas.microsoft.com/office/2006/metadata/properties"/>
+    <ds:schemaRef ds:uri="http://schemas.microsoft.com/office/infopath/2007/PartnerControls"/>
+    <ds:schemaRef ds:uri="71af3243-3dd4-4a8d-8c0d-dd76da1f02a5"/>
+  </ds:schemaRefs>
+</ds:datastoreItem>
 </file>
 
-<file path=customXml/itemProps1.xml><?xml version="1.0" encoding="utf-8"?>
+<file path=customXml/itemProps3.xml><?xml version="1.0" encoding="utf-8"?>
 <ds:datastoreItem xmlns:ds="http://schemas.openxmlformats.org/officeDocument/2006/customXml" ds:itemID="{B2AB02E3-5ADF-4BF0-9C1B-35CDF3FE95B0}">
   <ds:schemaRefs>
     <ds:schemaRef ds:uri="http://schemas.microsoft.com/office/2006/metadata/contentType"/>
@@ -43071,22 +48229,4 @@
     <ds:schemaRef ds:uri="http://schemas.microsoft.com/internal/obd"/>
   </ds:schemaRefs>
 </ds:datastoreItem>
-</file>
-
-<file path=customXml/itemProps2.xml><?xml version="1.0" encoding="utf-8"?>
-<ds:datastoreItem xmlns:ds="http://schemas.openxmlformats.org/officeDocument/2006/customXml" ds:itemID="{03C7D9E6-B0D9-433E-BD46-EB60F64F4DA8}">
-  <ds:schemaRefs>
-    <ds:schemaRef ds:uri="http://schemas.microsoft.com/office/2006/metadata/properties"/>
-    <ds:schemaRef ds:uri="http://schemas.microsoft.com/office/infopath/2007/PartnerControls"/>
-    <ds:schemaRef ds:uri="71af3243-3dd4-4a8d-8c0d-dd76da1f02a5"/>
-  </ds:schemaRefs>
-</ds:datastoreItem>
-</file>
-
-<file path=customXml/itemProps3.xml><?xml version="1.0" encoding="utf-8"?>
-<ds:datastoreItem xmlns:ds="http://schemas.openxmlformats.org/officeDocument/2006/customXml" ds:itemID="{5CA875DA-F9FD-4F83-A049-3B1027B542DE}">
-  <ds:schemaRefs>
-    <ds:schemaRef ds:uri="http://schemas.microsoft.com/sharepoint/v3/contenttype/forms"/>
-  </ds:schemaRefs>
-</ds:datastoreItem>
 </file>